--- a/JSCrosscourse.pptx
+++ b/JSCrosscourse.pptx
@@ -5,10 +5,10 @@
     <p:sldMasterId id="2147483660" r:id="rId1"/>
   </p:sldMasterIdLst>
   <p:notesMasterIdLst>
-    <p:notesMasterId r:id="rId17"/>
+    <p:notesMasterId r:id="rId35"/>
   </p:notesMasterIdLst>
   <p:handoutMasterIdLst>
-    <p:handoutMasterId r:id="rId18"/>
+    <p:handoutMasterId r:id="rId36"/>
   </p:handoutMasterIdLst>
   <p:sldIdLst>
     <p:sldId id="340" r:id="rId2"/>
@@ -20,12 +20,30 @@
     <p:sldId id="347" r:id="rId8"/>
     <p:sldId id="349" r:id="rId9"/>
     <p:sldId id="350" r:id="rId10"/>
-    <p:sldId id="352" r:id="rId11"/>
-    <p:sldId id="343" r:id="rId12"/>
-    <p:sldId id="344" r:id="rId13"/>
-    <p:sldId id="310" r:id="rId14"/>
-    <p:sldId id="265" r:id="rId15"/>
-    <p:sldId id="339" r:id="rId16"/>
+    <p:sldId id="354" r:id="rId11"/>
+    <p:sldId id="352" r:id="rId12"/>
+    <p:sldId id="371" r:id="rId13"/>
+    <p:sldId id="370" r:id="rId14"/>
+    <p:sldId id="372" r:id="rId15"/>
+    <p:sldId id="343" r:id="rId16"/>
+    <p:sldId id="344" r:id="rId17"/>
+    <p:sldId id="362" r:id="rId18"/>
+    <p:sldId id="355" r:id="rId19"/>
+    <p:sldId id="356" r:id="rId20"/>
+    <p:sldId id="359" r:id="rId21"/>
+    <p:sldId id="360" r:id="rId22"/>
+    <p:sldId id="363" r:id="rId23"/>
+    <p:sldId id="364" r:id="rId24"/>
+    <p:sldId id="358" r:id="rId25"/>
+    <p:sldId id="361" r:id="rId26"/>
+    <p:sldId id="365" r:id="rId27"/>
+    <p:sldId id="367" r:id="rId28"/>
+    <p:sldId id="366" r:id="rId29"/>
+    <p:sldId id="368" r:id="rId30"/>
+    <p:sldId id="369" r:id="rId31"/>
+    <p:sldId id="310" r:id="rId32"/>
+    <p:sldId id="265" r:id="rId33"/>
+    <p:sldId id="339" r:id="rId34"/>
   </p:sldIdLst>
   <p:sldSz cx="12195175" cy="6859588"/>
   <p:notesSz cx="6797675" cy="9874250"/>
@@ -585,6 +603,174 @@
       </p:grpSpPr>
       <p:sp>
         <p:nvSpPr>
+          <p:cNvPr id="2" name="Slide Image Placeholder 1"/>
+          <p:cNvSpPr>
+            <a:spLocks noGrp="1" noRot="1" noChangeAspect="1"/>
+          </p:cNvSpPr>
+          <p:nvPr>
+            <p:ph type="sldImg"/>
+          </p:nvPr>
+        </p:nvSpPr>
+        <p:spPr/>
+      </p:sp>
+      <p:sp>
+        <p:nvSpPr>
+          <p:cNvPr id="3" name="Notes Placeholder 2"/>
+          <p:cNvSpPr>
+            <a:spLocks noGrp="1"/>
+          </p:cNvSpPr>
+          <p:nvPr>
+            <p:ph type="body" idx="1"/>
+          </p:nvPr>
+        </p:nvSpPr>
+        <p:spPr/>
+        <p:txBody>
+          <a:bodyPr/>
+          <a:lstStyle/>
+          <a:p>
+            <a:pPr marL="342900" indent="-342900">
+              <a:buFont typeface="+mj-lt"/>
+              <a:buAutoNum type="arabicPeriod"/>
+            </a:pPr>
+            <a:r>
+              <a:rPr lang="de-DE" dirty="0" smtClean="0"/>
+              <a:t>True</a:t>
+            </a:r>
+          </a:p>
+          <a:p>
+            <a:pPr marL="342900" indent="-342900">
+              <a:buFont typeface="+mj-lt"/>
+              <a:buAutoNum type="arabicPeriod"/>
+            </a:pPr>
+            <a:r>
+              <a:rPr lang="de-DE" dirty="0" smtClean="0"/>
+              <a:t>True</a:t>
+            </a:r>
+          </a:p>
+          <a:p>
+            <a:pPr marL="342900" indent="-342900">
+              <a:buFont typeface="+mj-lt"/>
+              <a:buAutoNum type="arabicPeriod"/>
+            </a:pPr>
+            <a:r>
+              <a:rPr lang="de-DE" dirty="0" smtClean="0"/>
+              <a:t>False</a:t>
+            </a:r>
+          </a:p>
+          <a:p>
+            <a:pPr marL="342900" indent="-342900">
+              <a:buFont typeface="+mj-lt"/>
+              <a:buAutoNum type="arabicPeriod"/>
+            </a:pPr>
+            <a:r>
+              <a:rPr lang="de-DE" dirty="0" smtClean="0"/>
+              <a:t>True</a:t>
+            </a:r>
+          </a:p>
+          <a:p>
+            <a:pPr marL="342900" indent="-342900">
+              <a:buFont typeface="+mj-lt"/>
+              <a:buAutoNum type="arabicPeriod"/>
+            </a:pPr>
+            <a:r>
+              <a:rPr lang="de-DE" dirty="0" smtClean="0"/>
+              <a:t>False</a:t>
+            </a:r>
+          </a:p>
+          <a:p>
+            <a:pPr marL="342900" indent="-342900">
+              <a:buFont typeface="+mj-lt"/>
+              <a:buAutoNum type="arabicPeriod"/>
+            </a:pPr>
+            <a:r>
+              <a:rPr lang="de-DE" dirty="0" smtClean="0"/>
+              <a:t>True</a:t>
+            </a:r>
+          </a:p>
+          <a:p>
+            <a:pPr marL="342900" indent="-342900">
+              <a:buFont typeface="+mj-lt"/>
+              <a:buAutoNum type="arabicPeriod"/>
+            </a:pPr>
+            <a:r>
+              <a:rPr lang="de-DE" dirty="0" smtClean="0"/>
+              <a:t>True</a:t>
+            </a:r>
+          </a:p>
+          <a:p>
+            <a:pPr marL="342900" indent="-342900">
+              <a:buFont typeface="+mj-lt"/>
+              <a:buAutoNum type="arabicPeriod"/>
+            </a:pPr>
+            <a:r>
+              <a:rPr lang="de-DE" dirty="0" smtClean="0"/>
+              <a:t>True</a:t>
+            </a:r>
+          </a:p>
+          <a:p>
+            <a:pPr marL="342900" indent="-342900">
+              <a:buFont typeface="+mj-lt"/>
+              <a:buAutoNum type="arabicPeriod"/>
+            </a:pPr>
+            <a:r>
+              <a:rPr lang="de-DE" dirty="0" smtClean="0"/>
+              <a:t>False</a:t>
+            </a:r>
+          </a:p>
+          <a:p>
+            <a:pPr marL="342900" indent="-342900">
+              <a:buFont typeface="+mj-lt"/>
+              <a:buAutoNum type="arabicPeriod"/>
+            </a:pPr>
+            <a:r>
+              <a:rPr lang="de-DE" dirty="0" smtClean="0"/>
+              <a:t>False</a:t>
+            </a:r>
+          </a:p>
+          <a:p>
+            <a:pPr marL="342900" indent="-342900">
+              <a:buFont typeface="+mj-lt"/>
+              <a:buAutoNum type="arabicPeriod"/>
+            </a:pPr>
+            <a:r>
+              <a:rPr lang="de-DE" dirty="0" smtClean="0"/>
+              <a:t>True</a:t>
+            </a:r>
+          </a:p>
+          <a:p>
+            <a:pPr marL="342900" indent="-342900">
+              <a:buFont typeface="+mj-lt"/>
+              <a:buAutoNum type="arabicPeriod"/>
+            </a:pPr>
+            <a:r>
+              <a:rPr lang="de-DE" dirty="0" smtClean="0"/>
+              <a:t>False</a:t>
+            </a:r>
+          </a:p>
+          <a:p>
+            <a:pPr marL="342900" indent="-342900">
+              <a:buFont typeface="+mj-lt"/>
+              <a:buAutoNum type="arabicPeriod"/>
+            </a:pPr>
+            <a:r>
+              <a:rPr lang="de-DE" dirty="0" smtClean="0"/>
+              <a:t>True</a:t>
+            </a:r>
+          </a:p>
+          <a:p>
+            <a:pPr marL="342900" indent="-342900">
+              <a:buFont typeface="+mj-lt"/>
+              <a:buAutoNum type="arabicPeriod"/>
+            </a:pPr>
+            <a:r>
+              <a:rPr lang="de-DE" dirty="0" smtClean="0"/>
+              <a:t>false</a:t>
+            </a:r>
+          </a:p>
+        </p:txBody>
+      </p:sp>
+      <p:sp>
+        <p:nvSpPr>
           <p:cNvPr id="4" name="Slide Number Placeholder 3"/>
           <p:cNvSpPr>
             <a:spLocks noGrp="1"/>
@@ -599,53 +785,20 @@
           <a:lstStyle/>
           <a:p>
             <a:fld id="{7D8C2C35-2B8A-446E-BEC0-FD36716C29AC}" type="slidenum">
-              <a:rPr lang="en-US" smtClean="0"/>
+              <a:rPr lang="de-DE" smtClean="0"/>
               <a:pPr/>
-              <a:t>13</a:t>
+              <a:t>23</a:t>
             </a:fld>
-            <a:endParaRPr lang="en-US" dirty="0"/>
-          </a:p>
-        </p:txBody>
-      </p:sp>
-      <p:sp>
-        <p:nvSpPr>
-          <p:cNvPr id="6" name="Slide Image Placeholder 5"/>
-          <p:cNvSpPr>
-            <a:spLocks noGrp="1" noRot="1" noChangeAspect="1"/>
-          </p:cNvSpPr>
-          <p:nvPr>
-            <p:ph type="sldImg"/>
-          </p:nvPr>
-        </p:nvSpPr>
-        <p:spPr>
-          <a:xfrm>
-            <a:off x="287338" y="661988"/>
-            <a:ext cx="6223000" cy="3500437"/>
-          </a:xfrm>
-        </p:spPr>
-      </p:sp>
-      <p:sp>
-        <p:nvSpPr>
-          <p:cNvPr id="7" name="Notes Placeholder 6"/>
-          <p:cNvSpPr>
-            <a:spLocks noGrp="1"/>
-          </p:cNvSpPr>
-          <p:nvPr>
-            <p:ph type="body" idx="1"/>
-          </p:nvPr>
-        </p:nvSpPr>
-        <p:spPr/>
-        <p:txBody>
-          <a:bodyPr>
-            <a:normAutofit/>
-          </a:bodyPr>
-          <a:lstStyle/>
-          <a:p>
-            <a:endParaRPr lang="en-US" dirty="0"/>
+            <a:endParaRPr lang="de-DE" dirty="0"/>
           </a:p>
         </p:txBody>
       </p:sp>
     </p:spTree>
+    <p:extLst>
+      <p:ext uri="{BB962C8B-B14F-4D97-AF65-F5344CB8AC3E}">
+        <p14:creationId xmlns:p14="http://schemas.microsoft.com/office/powerpoint/2010/main" val="839835079"/>
+      </p:ext>
+    </p:extLst>
   </p:cSld>
   <p:clrMapOvr>
     <a:masterClrMapping/>
@@ -688,7 +841,7 @@
             <a:fld id="{7D8C2C35-2B8A-446E-BEC0-FD36716C29AC}" type="slidenum">
               <a:rPr lang="en-US" smtClean="0"/>
               <a:pPr/>
-              <a:t>14</a:t>
+              <a:t>31</a:t>
             </a:fld>
             <a:endParaRPr lang="en-US" dirty="0"/>
           </a:p>
@@ -775,7 +928,94 @@
             <a:fld id="{7D8C2C35-2B8A-446E-BEC0-FD36716C29AC}" type="slidenum">
               <a:rPr lang="en-US" smtClean="0"/>
               <a:pPr/>
-              <a:t>15</a:t>
+              <a:t>32</a:t>
+            </a:fld>
+            <a:endParaRPr lang="en-US" dirty="0"/>
+          </a:p>
+        </p:txBody>
+      </p:sp>
+      <p:sp>
+        <p:nvSpPr>
+          <p:cNvPr id="6" name="Slide Image Placeholder 5"/>
+          <p:cNvSpPr>
+            <a:spLocks noGrp="1" noRot="1" noChangeAspect="1"/>
+          </p:cNvSpPr>
+          <p:nvPr>
+            <p:ph type="sldImg"/>
+          </p:nvPr>
+        </p:nvSpPr>
+        <p:spPr>
+          <a:xfrm>
+            <a:off x="287338" y="661988"/>
+            <a:ext cx="6223000" cy="3500437"/>
+          </a:xfrm>
+        </p:spPr>
+      </p:sp>
+      <p:sp>
+        <p:nvSpPr>
+          <p:cNvPr id="7" name="Notes Placeholder 6"/>
+          <p:cNvSpPr>
+            <a:spLocks noGrp="1"/>
+          </p:cNvSpPr>
+          <p:nvPr>
+            <p:ph type="body" idx="1"/>
+          </p:nvPr>
+        </p:nvSpPr>
+        <p:spPr/>
+        <p:txBody>
+          <a:bodyPr>
+            <a:normAutofit/>
+          </a:bodyPr>
+          <a:lstStyle/>
+          <a:p>
+            <a:endParaRPr lang="en-US" dirty="0"/>
+          </a:p>
+        </p:txBody>
+      </p:sp>
+    </p:spTree>
+  </p:cSld>
+  <p:clrMapOvr>
+    <a:masterClrMapping/>
+  </p:clrMapOvr>
+</p:notes>
+</file>
+
+<file path=ppt/notesSlides/notesSlide5.xml><?xml version="1.0" encoding="utf-8"?>
+<p:notes xmlns:a="http://schemas.openxmlformats.org/drawingml/2006/main" xmlns:r="http://schemas.openxmlformats.org/officeDocument/2006/relationships" xmlns:p="http://schemas.openxmlformats.org/presentationml/2006/main">
+  <p:cSld>
+    <p:spTree>
+      <p:nvGrpSpPr>
+        <p:cNvPr id="1" name=""/>
+        <p:cNvGrpSpPr/>
+        <p:nvPr/>
+      </p:nvGrpSpPr>
+      <p:grpSpPr>
+        <a:xfrm>
+          <a:off x="0" y="0"/>
+          <a:ext cx="0" cy="0"/>
+          <a:chOff x="0" y="0"/>
+          <a:chExt cx="0" cy="0"/>
+        </a:xfrm>
+      </p:grpSpPr>
+      <p:sp>
+        <p:nvSpPr>
+          <p:cNvPr id="4" name="Slide Number Placeholder 3"/>
+          <p:cNvSpPr>
+            <a:spLocks noGrp="1"/>
+          </p:cNvSpPr>
+          <p:nvPr>
+            <p:ph type="sldNum" sz="quarter" idx="10"/>
+          </p:nvPr>
+        </p:nvSpPr>
+        <p:spPr/>
+        <p:txBody>
+          <a:bodyPr/>
+          <a:lstStyle/>
+          <a:p>
+            <a:fld id="{7D8C2C35-2B8A-446E-BEC0-FD36716C29AC}" type="slidenum">
+              <a:rPr lang="en-US" smtClean="0"/>
+              <a:pPr/>
+              <a:t>33</a:t>
             </a:fld>
             <a:endParaRPr lang="en-US" dirty="0"/>
           </a:p>
@@ -12281,7 +12521,7 @@
             </a:r>
             <a:r>
               <a:rPr lang="en-US" dirty="0" err="1" smtClean="0"/>
-              <a:t>Crosscourse</a:t>
+              <a:t>CrossCourse</a:t>
             </a:r>
             <a:endParaRPr lang="en-US" dirty="0"/>
           </a:p>
@@ -12452,11 +12692,547 @@
           <a:p>
             <a:r>
               <a:rPr lang="de-DE" dirty="0" smtClean="0"/>
+              <a:t>CSS – Einige wichtige Eigenschaften</a:t>
+            </a:r>
+            <a:endParaRPr lang="de-DE" dirty="0"/>
+          </a:p>
+        </p:txBody>
+      </p:sp>
+      <p:graphicFrame>
+        <p:nvGraphicFramePr>
+          <p:cNvPr id="5" name="Table 4"/>
+          <p:cNvGraphicFramePr>
+            <a:graphicFrameLocks noGrp="1"/>
+          </p:cNvGraphicFramePr>
+          <p:nvPr>
+            <p:extLst>
+              <p:ext uri="{D42A27DB-BD31-4B8C-83A1-F6EECF244321}">
+                <p14:modId xmlns:p14="http://schemas.microsoft.com/office/powerpoint/2010/main" val="323151410"/>
+              </p:ext>
+            </p:extLst>
+          </p:nvPr>
+        </p:nvGraphicFramePr>
+        <p:xfrm>
+          <a:off x="322996" y="1385677"/>
+          <a:ext cx="9546562" cy="4398896"/>
+        </p:xfrm>
+        <a:graphic>
+          <a:graphicData uri="http://schemas.openxmlformats.org/drawingml/2006/table">
+            <a:tbl>
+              <a:tblPr firstRow="1" bandRow="1">
+                <a:tableStyleId>{2D5ABB26-0587-4C30-8999-92F81FD0307C}</a:tableStyleId>
+              </a:tblPr>
+              <a:tblGrid>
+                <a:gridCol w="4773281"/>
+                <a:gridCol w="4773281"/>
+              </a:tblGrid>
+              <a:tr h="482776">
+                <a:tc>
+                  <a:txBody>
+                    <a:bodyPr/>
+                    <a:lstStyle/>
+                    <a:p>
+                      <a:pPr algn="l"/>
+                      <a:r>
+                        <a:rPr lang="de-DE" sz="2000" dirty="0" err="1" smtClean="0">
+                          <a:solidFill>
+                            <a:srgbClr val="7F007F"/>
+                          </a:solidFill>
+                          <a:latin typeface="Consolas"/>
+                        </a:rPr>
+                        <a:t>margin</a:t>
+                      </a:r>
+                      <a:endParaRPr lang="de-DE" sz="2000" u="none" dirty="0" smtClean="0">
+                        <a:solidFill>
+                          <a:srgbClr val="008080"/>
+                        </a:solidFill>
+                        <a:latin typeface="Consolas"/>
+                      </a:endParaRPr>
+                    </a:p>
+                  </a:txBody>
+                  <a:tcPr/>
+                </a:tc>
+                <a:tc>
+                  <a:txBody>
+                    <a:bodyPr/>
+                    <a:lstStyle/>
+                    <a:p>
+                      <a:r>
+                        <a:rPr lang="de-DE" dirty="0" smtClean="0"/>
+                        <a:t>Außenabstand</a:t>
+                      </a:r>
+                      <a:endParaRPr lang="de-DE" dirty="0"/>
+                    </a:p>
+                  </a:txBody>
+                  <a:tcPr/>
+                </a:tc>
+              </a:tr>
+              <a:tr h="482776">
+                <a:tc>
+                  <a:txBody>
+                    <a:bodyPr/>
+                    <a:lstStyle/>
+                    <a:p>
+                      <a:pPr algn="l"/>
+                      <a:r>
+                        <a:rPr lang="de-DE" sz="2000" i="0" u="none" dirty="0" err="1" smtClean="0">
+                          <a:solidFill>
+                            <a:srgbClr val="7F007F"/>
+                          </a:solidFill>
+                          <a:latin typeface="Consolas"/>
+                        </a:rPr>
+                        <a:t>padding</a:t>
+                      </a:r>
+                      <a:endParaRPr lang="de-DE" sz="2000" i="0" u="none" dirty="0" smtClean="0">
+                        <a:solidFill>
+                          <a:srgbClr val="008080"/>
+                        </a:solidFill>
+                        <a:latin typeface="Consolas"/>
+                      </a:endParaRPr>
+                    </a:p>
+                  </a:txBody>
+                  <a:tcPr/>
+                </a:tc>
+                <a:tc>
+                  <a:txBody>
+                    <a:bodyPr/>
+                    <a:lstStyle/>
+                    <a:p>
+                      <a:r>
+                        <a:rPr lang="de-DE" dirty="0" smtClean="0"/>
+                        <a:t>Innenabstand</a:t>
+                      </a:r>
+                      <a:endParaRPr lang="de-DE" dirty="0"/>
+                    </a:p>
+                  </a:txBody>
+                  <a:tcPr/>
+                </a:tc>
+              </a:tr>
+              <a:tr h="482776">
+                <a:tc>
+                  <a:txBody>
+                    <a:bodyPr/>
+                    <a:lstStyle/>
+                    <a:p>
+                      <a:pPr algn="l"/>
+                      <a:r>
+                        <a:rPr lang="de-DE" sz="2000" dirty="0" err="1" smtClean="0">
+                          <a:solidFill>
+                            <a:srgbClr val="7F007F"/>
+                          </a:solidFill>
+                          <a:latin typeface="Consolas"/>
+                        </a:rPr>
+                        <a:t>position</a:t>
+                      </a:r>
+                      <a:endParaRPr lang="de-DE" sz="2000" i="0" u="none" dirty="0" smtClean="0">
+                        <a:solidFill>
+                          <a:srgbClr val="008080"/>
+                        </a:solidFill>
+                        <a:latin typeface="Consolas"/>
+                      </a:endParaRPr>
+                    </a:p>
+                  </a:txBody>
+                  <a:tcPr/>
+                </a:tc>
+                <a:tc>
+                  <a:txBody>
+                    <a:bodyPr/>
+                    <a:lstStyle/>
+                    <a:p>
+                      <a:r>
+                        <a:rPr lang="de-DE" dirty="0" smtClean="0"/>
+                        <a:t>Positionierung</a:t>
+                      </a:r>
+                      <a:endParaRPr lang="de-DE" dirty="0"/>
+                    </a:p>
+                  </a:txBody>
+                  <a:tcPr/>
+                </a:tc>
+              </a:tr>
+              <a:tr h="536688">
+                <a:tc>
+                  <a:txBody>
+                    <a:bodyPr/>
+                    <a:lstStyle/>
+                    <a:p>
+                      <a:pPr algn="l"/>
+                      <a:r>
+                        <a:rPr lang="de-DE" sz="2000" dirty="0" err="1" smtClean="0">
+                          <a:solidFill>
+                            <a:srgbClr val="7F007F"/>
+                          </a:solidFill>
+                          <a:latin typeface="Consolas"/>
+                        </a:rPr>
+                        <a:t>display</a:t>
+                      </a:r>
+                      <a:endParaRPr lang="de-DE" sz="2000" u="none" dirty="0" smtClean="0">
+                        <a:solidFill>
+                          <a:srgbClr val="008080"/>
+                        </a:solidFill>
+                        <a:latin typeface="Consolas"/>
+                      </a:endParaRPr>
+                    </a:p>
+                  </a:txBody>
+                  <a:tcPr/>
+                </a:tc>
+                <a:tc>
+                  <a:txBody>
+                    <a:bodyPr/>
+                    <a:lstStyle/>
+                    <a:p>
+                      <a:r>
+                        <a:rPr lang="de-DE" dirty="0" smtClean="0"/>
+                        <a:t>Anzeige</a:t>
+                      </a:r>
+                      <a:endParaRPr lang="de-DE" dirty="0"/>
+                    </a:p>
+                  </a:txBody>
+                  <a:tcPr/>
+                </a:tc>
+              </a:tr>
+              <a:tr h="482776">
+                <a:tc>
+                  <a:txBody>
+                    <a:bodyPr/>
+                    <a:lstStyle/>
+                    <a:p>
+                      <a:pPr algn="l"/>
+                      <a:r>
+                        <a:rPr lang="de-DE" sz="2000" dirty="0" err="1" smtClean="0">
+                          <a:solidFill>
+                            <a:srgbClr val="7F007F"/>
+                          </a:solidFill>
+                          <a:latin typeface="Consolas"/>
+                        </a:rPr>
+                        <a:t>color</a:t>
+                      </a:r>
+                      <a:endParaRPr lang="de-DE" sz="2000" u="none" dirty="0" smtClean="0">
+                        <a:solidFill>
+                          <a:srgbClr val="008080"/>
+                        </a:solidFill>
+                        <a:latin typeface="Consolas"/>
+                      </a:endParaRPr>
+                    </a:p>
+                  </a:txBody>
+                  <a:tcPr/>
+                </a:tc>
+                <a:tc>
+                  <a:txBody>
+                    <a:bodyPr/>
+                    <a:lstStyle/>
+                    <a:p>
+                      <a:r>
+                        <a:rPr lang="de-DE" dirty="0" smtClean="0"/>
+                        <a:t>Textfarbe</a:t>
+                      </a:r>
+                      <a:endParaRPr lang="de-DE" dirty="0"/>
+                    </a:p>
+                  </a:txBody>
+                  <a:tcPr/>
+                </a:tc>
+              </a:tr>
+              <a:tr h="482776">
+                <a:tc>
+                  <a:txBody>
+                    <a:bodyPr/>
+                    <a:lstStyle/>
+                    <a:p>
+                      <a:pPr marL="0" marR="0" indent="0" algn="l" defTabSz="1088776" rtl="0" eaLnBrk="1" fontAlgn="auto" latinLnBrk="0" hangingPunct="1">
+                        <a:lnSpc>
+                          <a:spcPct val="100000"/>
+                        </a:lnSpc>
+                        <a:spcBef>
+                          <a:spcPts val="0"/>
+                        </a:spcBef>
+                        <a:spcAft>
+                          <a:spcPts val="0"/>
+                        </a:spcAft>
+                        <a:buClrTx/>
+                        <a:buSzTx/>
+                        <a:buFontTx/>
+                        <a:buNone/>
+                        <a:tabLst/>
+                        <a:defRPr/>
+                      </a:pPr>
+                      <a:r>
+                        <a:rPr lang="de-DE" sz="2000" u="none" dirty="0" err="1" smtClean="0">
+                          <a:solidFill>
+                            <a:srgbClr val="7F007F"/>
+                          </a:solidFill>
+                          <a:latin typeface="Consolas"/>
+                        </a:rPr>
+                        <a:t>background</a:t>
+                      </a:r>
+                      <a:endParaRPr lang="de-DE" sz="2000" u="none" dirty="0" smtClean="0">
+                        <a:solidFill>
+                          <a:srgbClr val="008080"/>
+                        </a:solidFill>
+                        <a:latin typeface="Consolas"/>
+                      </a:endParaRPr>
+                    </a:p>
+                  </a:txBody>
+                  <a:tcPr/>
+                </a:tc>
+                <a:tc>
+                  <a:txBody>
+                    <a:bodyPr/>
+                    <a:lstStyle/>
+                    <a:p>
+                      <a:r>
+                        <a:rPr lang="de-DE" dirty="0" smtClean="0"/>
+                        <a:t>Hintergrund</a:t>
+                      </a:r>
+                      <a:endParaRPr lang="de-DE" dirty="0"/>
+                    </a:p>
+                  </a:txBody>
+                  <a:tcPr/>
+                </a:tc>
+              </a:tr>
+              <a:tr h="482776">
+                <a:tc>
+                  <a:txBody>
+                    <a:bodyPr/>
+                    <a:lstStyle/>
+                    <a:p>
+                      <a:pPr marL="0" marR="0" indent="0" algn="l" defTabSz="1088776" rtl="0" eaLnBrk="1" fontAlgn="auto" latinLnBrk="0" hangingPunct="1">
+                        <a:lnSpc>
+                          <a:spcPct val="100000"/>
+                        </a:lnSpc>
+                        <a:spcBef>
+                          <a:spcPts val="0"/>
+                        </a:spcBef>
+                        <a:spcAft>
+                          <a:spcPts val="0"/>
+                        </a:spcAft>
+                        <a:buClrTx/>
+                        <a:buSzTx/>
+                        <a:buFontTx/>
+                        <a:buNone/>
+                        <a:tabLst/>
+                        <a:defRPr/>
+                      </a:pPr>
+                      <a:r>
+                        <a:rPr lang="de-DE" sz="2000" dirty="0" err="1" smtClean="0">
+                          <a:solidFill>
+                            <a:srgbClr val="7F007F"/>
+                          </a:solidFill>
+                          <a:latin typeface="Consolas"/>
+                        </a:rPr>
+                        <a:t>width</a:t>
+                      </a:r>
+                      <a:r>
+                        <a:rPr lang="de-DE" sz="2000" dirty="0" smtClean="0">
+                          <a:solidFill>
+                            <a:srgbClr val="7F007F"/>
+                          </a:solidFill>
+                          <a:latin typeface="Consolas"/>
+                        </a:rPr>
+                        <a:t>, </a:t>
+                      </a:r>
+                      <a:r>
+                        <a:rPr lang="de-DE" sz="2000" dirty="0" err="1" smtClean="0">
+                          <a:solidFill>
+                            <a:srgbClr val="7F007F"/>
+                          </a:solidFill>
+                          <a:latin typeface="Consolas"/>
+                        </a:rPr>
+                        <a:t>height</a:t>
+                      </a:r>
+                      <a:endParaRPr lang="de-DE" sz="2000" u="none" dirty="0" smtClean="0">
+                        <a:solidFill>
+                          <a:srgbClr val="008080"/>
+                        </a:solidFill>
+                        <a:latin typeface="Consolas"/>
+                      </a:endParaRPr>
+                    </a:p>
+                  </a:txBody>
+                  <a:tcPr/>
+                </a:tc>
+                <a:tc>
+                  <a:txBody>
+                    <a:bodyPr/>
+                    <a:lstStyle/>
+                    <a:p>
+                      <a:r>
+                        <a:rPr lang="de-DE" dirty="0" smtClean="0"/>
+                        <a:t>Breite, Höhe</a:t>
+                      </a:r>
+                      <a:endParaRPr lang="de-DE" dirty="0"/>
+                    </a:p>
+                  </a:txBody>
+                  <a:tcPr/>
+                </a:tc>
+              </a:tr>
+              <a:tr h="482776">
+                <a:tc>
+                  <a:txBody>
+                    <a:bodyPr/>
+                    <a:lstStyle/>
+                    <a:p>
+                      <a:pPr marL="0" marR="0" indent="0" algn="l" defTabSz="1088776" rtl="0" eaLnBrk="1" fontAlgn="auto" latinLnBrk="0" hangingPunct="1">
+                        <a:lnSpc>
+                          <a:spcPct val="100000"/>
+                        </a:lnSpc>
+                        <a:spcBef>
+                          <a:spcPts val="0"/>
+                        </a:spcBef>
+                        <a:spcAft>
+                          <a:spcPts val="0"/>
+                        </a:spcAft>
+                        <a:buClrTx/>
+                        <a:buSzTx/>
+                        <a:buFontTx/>
+                        <a:buNone/>
+                        <a:tabLst/>
+                        <a:defRPr/>
+                      </a:pPr>
+                      <a:r>
+                        <a:rPr lang="de-DE" sz="2000" dirty="0" err="1" smtClean="0">
+                          <a:solidFill>
+                            <a:srgbClr val="7F007F"/>
+                          </a:solidFill>
+                          <a:latin typeface="Consolas"/>
+                        </a:rPr>
+                        <a:t>float</a:t>
+                      </a:r>
+                      <a:endParaRPr lang="de-DE" sz="2000" u="none" dirty="0" smtClean="0">
+                        <a:solidFill>
+                          <a:srgbClr val="008080"/>
+                        </a:solidFill>
+                        <a:latin typeface="Consolas"/>
+                      </a:endParaRPr>
+                    </a:p>
+                  </a:txBody>
+                  <a:tcPr/>
+                </a:tc>
+                <a:tc>
+                  <a:txBody>
+                    <a:bodyPr/>
+                    <a:lstStyle/>
+                    <a:p>
+                      <a:r>
+                        <a:rPr lang="de-DE" dirty="0" smtClean="0"/>
+                        <a:t>Text umfließen</a:t>
+                      </a:r>
+                      <a:endParaRPr lang="de-DE" dirty="0"/>
+                    </a:p>
+                  </a:txBody>
+                  <a:tcPr/>
+                </a:tc>
+              </a:tr>
+              <a:tr h="482776">
+                <a:tc>
+                  <a:txBody>
+                    <a:bodyPr/>
+                    <a:lstStyle/>
+                    <a:p>
+                      <a:pPr marL="0" marR="0" indent="0" algn="l" defTabSz="1088776" rtl="0" eaLnBrk="1" fontAlgn="auto" latinLnBrk="0" hangingPunct="1">
+                        <a:lnSpc>
+                          <a:spcPct val="100000"/>
+                        </a:lnSpc>
+                        <a:spcBef>
+                          <a:spcPts val="0"/>
+                        </a:spcBef>
+                        <a:spcAft>
+                          <a:spcPts val="0"/>
+                        </a:spcAft>
+                        <a:buClrTx/>
+                        <a:buSzTx/>
+                        <a:buFontTx/>
+                        <a:buNone/>
+                        <a:tabLst/>
+                        <a:defRPr/>
+                      </a:pPr>
+                      <a:r>
+                        <a:rPr lang="de-DE" sz="2000" dirty="0" err="1" smtClean="0">
+                          <a:solidFill>
+                            <a:srgbClr val="7F007F"/>
+                          </a:solidFill>
+                          <a:latin typeface="Consolas"/>
+                        </a:rPr>
+                        <a:t>border</a:t>
+                      </a:r>
+                      <a:endParaRPr lang="de-DE" sz="2000" u="none" dirty="0" smtClean="0">
+                        <a:solidFill>
+                          <a:srgbClr val="008080"/>
+                        </a:solidFill>
+                        <a:latin typeface="Consolas"/>
+                      </a:endParaRPr>
+                    </a:p>
+                  </a:txBody>
+                  <a:tcPr/>
+                </a:tc>
+                <a:tc>
+                  <a:txBody>
+                    <a:bodyPr/>
+                    <a:lstStyle/>
+                    <a:p>
+                      <a:r>
+                        <a:rPr lang="de-DE" dirty="0" smtClean="0"/>
+                        <a:t>Rahmen</a:t>
+                      </a:r>
+                      <a:endParaRPr lang="de-DE" dirty="0"/>
+                    </a:p>
+                  </a:txBody>
+                  <a:tcPr/>
+                </a:tc>
+              </a:tr>
+            </a:tbl>
+          </a:graphicData>
+        </a:graphic>
+      </p:graphicFrame>
+    </p:spTree>
+    <p:extLst>
+      <p:ext uri="{BB962C8B-B14F-4D97-AF65-F5344CB8AC3E}">
+        <p14:creationId xmlns:p14="http://schemas.microsoft.com/office/powerpoint/2010/main" val="4290815296"/>
+      </p:ext>
+    </p:extLst>
+  </p:cSld>
+  <p:clrMapOvr>
+    <a:masterClrMapping/>
+  </p:clrMapOvr>
+</p:sld>
+</file>
+
+<file path=ppt/slides/slide11.xml><?xml version="1.0" encoding="utf-8"?>
+<p:sld xmlns:a="http://schemas.openxmlformats.org/drawingml/2006/main" xmlns:r="http://schemas.openxmlformats.org/officeDocument/2006/relationships" xmlns:p="http://schemas.openxmlformats.org/presentationml/2006/main">
+  <p:cSld>
+    <p:spTree>
+      <p:nvGrpSpPr>
+        <p:cNvPr id="1" name=""/>
+        <p:cNvGrpSpPr/>
+        <p:nvPr/>
+      </p:nvGrpSpPr>
+      <p:grpSpPr>
+        <a:xfrm>
+          <a:off x="0" y="0"/>
+          <a:ext cx="0" cy="0"/>
+          <a:chOff x="0" y="0"/>
+          <a:chExt cx="0" cy="0"/>
+        </a:xfrm>
+      </p:grpSpPr>
+      <p:sp>
+        <p:nvSpPr>
+          <p:cNvPr id="2" name="Title 1"/>
+          <p:cNvSpPr>
+            <a:spLocks noGrp="1"/>
+          </p:cNvSpPr>
+          <p:nvPr>
+            <p:ph type="title"/>
+          </p:nvPr>
+        </p:nvSpPr>
+        <p:spPr/>
+        <p:txBody>
+          <a:bodyPr/>
+          <a:lstStyle/>
+          <a:p>
+            <a:r>
+              <a:rPr lang="de-DE" dirty="0" smtClean="0"/>
               <a:t>CSS im HTML </a:t>
             </a:r>
             <a:r>
               <a:rPr lang="de-DE" dirty="0" smtClean="0"/>
-              <a:t>einbetten</a:t>
+              <a:t>einbinden</a:t>
             </a:r>
             <a:endParaRPr lang="de-DE" dirty="0"/>
           </a:p>
@@ -12527,19 +13303,159 @@
                 </a:solidFill>
                 <a:latin typeface="Consolas"/>
               </a:rPr>
-              <a:t>"stylesheet" </a:t>
+              <a:t>"stylesheet"</a:t>
+            </a:r>
+            <a:r>
+              <a:rPr lang="en-US" dirty="0">
+                <a:solidFill>
+                  <a:srgbClr val="2A00FF"/>
+                </a:solidFill>
+                <a:latin typeface="Consolas"/>
+              </a:rPr>
+              <a:t> </a:t>
+            </a:r>
+            <a:r>
+              <a:rPr lang="en-US" dirty="0">
+                <a:solidFill>
+                  <a:srgbClr val="7F007F"/>
+                </a:solidFill>
+                <a:latin typeface="Consolas"/>
+              </a:rPr>
+              <a:t>type</a:t>
+            </a:r>
+            <a:r>
+              <a:rPr lang="en-US" dirty="0">
+                <a:solidFill>
+                  <a:srgbClr val="000000"/>
+                </a:solidFill>
+                <a:latin typeface="Consolas"/>
+              </a:rPr>
+              <a:t>=</a:t>
             </a:r>
             <a:r>
               <a:rPr lang="en-US" i="1" dirty="0">
                 <a:solidFill>
+                  <a:srgbClr val="2A00FF"/>
+                </a:solidFill>
+                <a:latin typeface="Consolas"/>
+              </a:rPr>
+              <a:t>"text/</a:t>
+            </a:r>
+            <a:r>
+              <a:rPr lang="en-US" i="1" dirty="0" err="1">
+                <a:solidFill>
+                  <a:srgbClr val="2A00FF"/>
+                </a:solidFill>
+                <a:latin typeface="Consolas"/>
+              </a:rPr>
+              <a:t>css</a:t>
+            </a:r>
+            <a:r>
+              <a:rPr lang="en-US" i="1" dirty="0">
+                <a:solidFill>
+                  <a:srgbClr val="2A00FF"/>
+                </a:solidFill>
+                <a:latin typeface="Consolas"/>
+              </a:rPr>
+              <a:t>"</a:t>
+            </a:r>
+            <a:r>
+              <a:rPr lang="en-US" dirty="0">
+                <a:solidFill>
+                  <a:srgbClr val="2A00FF"/>
+                </a:solidFill>
+                <a:latin typeface="Consolas"/>
+              </a:rPr>
+              <a:t> </a:t>
+            </a:r>
+            <a:r>
+              <a:rPr lang="en-US" dirty="0" err="1">
+                <a:solidFill>
                   <a:srgbClr val="7F007F"/>
                 </a:solidFill>
                 <a:latin typeface="Consolas"/>
               </a:rPr>
+              <a:t>href</a:t>
+            </a:r>
+            <a:r>
+              <a:rPr lang="en-US" dirty="0">
+                <a:solidFill>
+                  <a:srgbClr val="000000"/>
+                </a:solidFill>
+                <a:latin typeface="Consolas"/>
+              </a:rPr>
+              <a:t>=</a:t>
+            </a:r>
+            <a:r>
+              <a:rPr lang="en-US" i="1" dirty="0">
+                <a:solidFill>
+                  <a:srgbClr val="2A00FF"/>
+                </a:solidFill>
+                <a:latin typeface="Consolas"/>
+              </a:rPr>
+              <a:t>"style.css</a:t>
+            </a:r>
+            <a:r>
+              <a:rPr lang="en-US" i="1" dirty="0" smtClean="0">
+                <a:solidFill>
+                  <a:srgbClr val="2A00FF"/>
+                </a:solidFill>
+                <a:latin typeface="Consolas"/>
+              </a:rPr>
+              <a:t>"</a:t>
+            </a:r>
+            <a:r>
+              <a:rPr lang="en-US" dirty="0" smtClean="0">
+                <a:solidFill>
+                  <a:srgbClr val="008080"/>
+                </a:solidFill>
+                <a:latin typeface="Consolas"/>
+              </a:rPr>
+              <a:t>&gt;</a:t>
+            </a:r>
+            <a:endParaRPr lang="de-DE" dirty="0" smtClean="0"/>
+          </a:p>
+          <a:p>
+            <a:r>
+              <a:rPr lang="de-DE" dirty="0" smtClean="0"/>
+              <a:t>Verwendung des </a:t>
+            </a:r>
+            <a:r>
+              <a:rPr lang="de-DE" dirty="0" smtClean="0"/>
+              <a:t>Style-Elements</a:t>
+            </a:r>
+          </a:p>
+          <a:p>
+            <a:pPr lvl="1"/>
+            <a:r>
+              <a:rPr lang="de-DE" dirty="0" smtClean="0">
+                <a:solidFill>
+                  <a:srgbClr val="008080"/>
+                </a:solidFill>
+                <a:latin typeface="Consolas"/>
+              </a:rPr>
+              <a:t>&lt;</a:t>
+            </a:r>
+            <a:r>
+              <a:rPr lang="de-DE" dirty="0">
+                <a:solidFill>
+                  <a:srgbClr val="3F7F7F"/>
+                </a:solidFill>
+                <a:latin typeface="Consolas"/>
+              </a:rPr>
+              <a:t>style </a:t>
+            </a:r>
+            <a:r>
+              <a:rPr lang="de-DE" dirty="0">
+                <a:solidFill>
+                  <a:srgbClr val="7F007F"/>
+                </a:solidFill>
+                <a:latin typeface="Consolas"/>
+              </a:rPr>
               <a:t>type</a:t>
             </a:r>
             <a:r>
-              <a:rPr lang="en-US" i="1" dirty="0">
+              <a:rPr lang="de-DE" dirty="0">
                 <a:solidFill>
                   <a:srgbClr val="000000"/>
                 </a:solidFill>
@@ -12548,87 +13464,77 @@
               <a:t>=</a:t>
             </a:r>
             <a:r>
-              <a:rPr lang="en-US" i="1" dirty="0">
+              <a:rPr lang="de-DE" i="1" dirty="0">
                 <a:solidFill>
                   <a:srgbClr val="2A00FF"/>
                 </a:solidFill>
                 <a:latin typeface="Consolas"/>
               </a:rPr>
-              <a:t>"text/</a:t>
-            </a:r>
-            <a:r>
-              <a:rPr lang="en-US" i="1" dirty="0" err="1">
+              <a:t>"</a:t>
+            </a:r>
+            <a:r>
+              <a:rPr lang="de-DE" i="1" dirty="0" err="1">
                 <a:solidFill>
                   <a:srgbClr val="2A00FF"/>
                 </a:solidFill>
                 <a:latin typeface="Consolas"/>
               </a:rPr>
+              <a:t>text</a:t>
+            </a:r>
+            <a:r>
+              <a:rPr lang="de-DE" i="1" dirty="0">
+                <a:solidFill>
+                  <a:srgbClr val="2A00FF"/>
+                </a:solidFill>
+                <a:latin typeface="Consolas"/>
+              </a:rPr>
+              <a:t>/</a:t>
+            </a:r>
+            <a:r>
+              <a:rPr lang="de-DE" i="1" dirty="0" err="1">
+                <a:solidFill>
+                  <a:srgbClr val="2A00FF"/>
+                </a:solidFill>
+                <a:latin typeface="Consolas"/>
+              </a:rPr>
               <a:t>css</a:t>
             </a:r>
             <a:r>
-              <a:rPr lang="en-US" i="1" dirty="0">
+              <a:rPr lang="de-DE" i="1" dirty="0">
                 <a:solidFill>
                   <a:srgbClr val="2A00FF"/>
                 </a:solidFill>
                 <a:latin typeface="Consolas"/>
               </a:rPr>
-              <a:t>" </a:t>
-            </a:r>
-            <a:r>
-              <a:rPr lang="en-US" i="1" dirty="0" err="1">
-                <a:solidFill>
-                  <a:srgbClr val="7F007F"/>
-                </a:solidFill>
-                <a:latin typeface="Consolas"/>
-              </a:rPr>
-              <a:t>href</a:t>
-            </a:r>
-            <a:r>
-              <a:rPr lang="en-US" i="1" dirty="0">
-                <a:solidFill>
-                  <a:srgbClr val="000000"/>
-                </a:solidFill>
-                <a:latin typeface="Consolas"/>
-              </a:rPr>
-              <a:t>=</a:t>
-            </a:r>
-            <a:r>
-              <a:rPr lang="en-US" i="1" dirty="0">
-                <a:solidFill>
-                  <a:srgbClr val="2A00FF"/>
-                </a:solidFill>
-                <a:latin typeface="Consolas"/>
-              </a:rPr>
-              <a:t>"style.css</a:t>
-            </a:r>
-            <a:r>
-              <a:rPr lang="en-US" i="1" dirty="0" smtClean="0">
-                <a:solidFill>
-                  <a:srgbClr val="2A00FF"/>
-                </a:solidFill>
-                <a:latin typeface="Consolas"/>
-              </a:rPr>
               <a:t>"</a:t>
             </a:r>
             <a:r>
-              <a:rPr lang="en-US" i="1" dirty="0" smtClean="0">
+              <a:rPr lang="de-DE" dirty="0">
                 <a:solidFill>
                   <a:srgbClr val="008080"/>
                 </a:solidFill>
                 <a:latin typeface="Consolas"/>
               </a:rPr>
+              <a:t>&gt;&lt;/</a:t>
+            </a:r>
+            <a:r>
+              <a:rPr lang="de-DE" dirty="0">
+                <a:solidFill>
+                  <a:srgbClr val="3F7F7F"/>
+                </a:solidFill>
+                <a:latin typeface="Consolas"/>
+              </a:rPr>
+              <a:t>style</a:t>
+            </a:r>
+            <a:r>
+              <a:rPr lang="de-DE" dirty="0">
+                <a:solidFill>
+                  <a:srgbClr val="008080"/>
+                </a:solidFill>
+                <a:latin typeface="Consolas"/>
+              </a:rPr>
               <a:t>&gt;</a:t>
             </a:r>
-            <a:endParaRPr lang="de-DE" dirty="0" smtClean="0"/>
-          </a:p>
-          <a:p>
-            <a:r>
-              <a:rPr lang="de-DE" dirty="0" smtClean="0"/>
-              <a:t>Verwendung des Style-Elements</a:t>
-            </a:r>
-          </a:p>
-          <a:p>
-            <a:endParaRPr lang="de-DE" dirty="0" smtClean="0"/>
           </a:p>
           <a:p>
             <a:r>
@@ -12636,9 +13542,81 @@
               <a:t>Verwendung </a:t>
             </a:r>
             <a:r>
-              <a:rPr lang="de-DE" smtClean="0"/>
-              <a:t>des Style-Attributs</a:t>
-            </a:r>
+              <a:rPr lang="de-DE" dirty="0" smtClean="0"/>
+              <a:t>des </a:t>
+            </a:r>
+            <a:r>
+              <a:rPr lang="de-DE" dirty="0" smtClean="0"/>
+              <a:t>Style-Attributs</a:t>
+            </a:r>
+          </a:p>
+          <a:p>
+            <a:pPr lvl="1"/>
+            <a:r>
+              <a:rPr lang="de-DE" dirty="0" smtClean="0">
+                <a:solidFill>
+                  <a:srgbClr val="008080"/>
+                </a:solidFill>
+                <a:latin typeface="Consolas"/>
+              </a:rPr>
+              <a:t>&lt;</a:t>
+            </a:r>
+            <a:r>
+              <a:rPr lang="de-DE" dirty="0">
+                <a:solidFill>
+                  <a:srgbClr val="3F7F7F"/>
+                </a:solidFill>
+                <a:latin typeface="Consolas"/>
+              </a:rPr>
+              <a:t>p </a:t>
+            </a:r>
+            <a:r>
+              <a:rPr lang="de-DE" dirty="0">
+                <a:solidFill>
+                  <a:srgbClr val="7F007F"/>
+                </a:solidFill>
+                <a:latin typeface="Consolas"/>
+              </a:rPr>
+              <a:t>style</a:t>
+            </a:r>
+            <a:r>
+              <a:rPr lang="de-DE" dirty="0">
+                <a:solidFill>
+                  <a:srgbClr val="000000"/>
+                </a:solidFill>
+                <a:latin typeface="Consolas"/>
+              </a:rPr>
+              <a:t>=""</a:t>
+            </a:r>
+            <a:r>
+              <a:rPr lang="de-DE" dirty="0">
+                <a:solidFill>
+                  <a:srgbClr val="008080"/>
+                </a:solidFill>
+                <a:latin typeface="Consolas"/>
+              </a:rPr>
+              <a:t>&gt;&lt;/</a:t>
+            </a:r>
+            <a:r>
+              <a:rPr lang="de-DE" dirty="0">
+                <a:solidFill>
+                  <a:srgbClr val="3F7F7F"/>
+                </a:solidFill>
+                <a:latin typeface="Consolas"/>
+              </a:rPr>
+              <a:t>p</a:t>
+            </a:r>
+            <a:r>
+              <a:rPr lang="de-DE" dirty="0">
+                <a:solidFill>
+                  <a:srgbClr val="008080"/>
+                </a:solidFill>
+                <a:latin typeface="Consolas"/>
+              </a:rPr>
+              <a:t>&gt;</a:t>
+            </a:r>
+          </a:p>
+          <a:p>
             <a:endParaRPr lang="de-DE" dirty="0" smtClean="0"/>
           </a:p>
         </p:txBody>
@@ -12656,7 +13634,7 @@
 </p:sld>
 </file>
 
-<file path=ppt/slides/slide11.xml><?xml version="1.0" encoding="utf-8"?>
+<file path=ppt/slides/slide12.xml><?xml version="1.0" encoding="utf-8"?>
 <p:sld xmlns:a="http://schemas.openxmlformats.org/drawingml/2006/main" xmlns:r="http://schemas.openxmlformats.org/officeDocument/2006/relationships" xmlns:p="http://schemas.openxmlformats.org/presentationml/2006/main">
   <p:cSld>
     <p:spTree>
@@ -12714,12 +13692,8 @@
           <a:lstStyle/>
           <a:p>
             <a:r>
-              <a:rPr lang="de-DE" dirty="0" err="1" smtClean="0"/>
-              <a:t>Hello</a:t>
-            </a:r>
-            <a:r>
               <a:rPr lang="de-DE" dirty="0" smtClean="0"/>
-              <a:t> World</a:t>
+              <a:t>Was ist JavaScript?</a:t>
             </a:r>
             <a:endParaRPr lang="de-DE" dirty="0"/>
           </a:p>
@@ -12747,6 +13721,717 @@
     </p:spTree>
     <p:extLst>
       <p:ext uri="{BB962C8B-B14F-4D97-AF65-F5344CB8AC3E}">
+        <p14:creationId xmlns:p14="http://schemas.microsoft.com/office/powerpoint/2010/main" val="278979930"/>
+      </p:ext>
+    </p:extLst>
+  </p:cSld>
+  <p:clrMapOvr>
+    <a:masterClrMapping/>
+  </p:clrMapOvr>
+</p:sld>
+</file>
+
+<file path=ppt/slides/slide13.xml><?xml version="1.0" encoding="utf-8"?>
+<p:sld xmlns:a="http://schemas.openxmlformats.org/drawingml/2006/main" xmlns:r="http://schemas.openxmlformats.org/officeDocument/2006/relationships" xmlns:p="http://schemas.openxmlformats.org/presentationml/2006/main">
+  <p:cSld>
+    <p:spTree>
+      <p:nvGrpSpPr>
+        <p:cNvPr id="1" name=""/>
+        <p:cNvGrpSpPr/>
+        <p:nvPr/>
+      </p:nvGrpSpPr>
+      <p:grpSpPr>
+        <a:xfrm>
+          <a:off x="0" y="0"/>
+          <a:ext cx="0" cy="0"/>
+          <a:chOff x="0" y="0"/>
+          <a:chExt cx="0" cy="0"/>
+        </a:xfrm>
+      </p:grpSpPr>
+      <p:sp>
+        <p:nvSpPr>
+          <p:cNvPr id="2" name="Title 1"/>
+          <p:cNvSpPr>
+            <a:spLocks noGrp="1"/>
+          </p:cNvSpPr>
+          <p:nvPr>
+            <p:ph type="title"/>
+          </p:nvPr>
+        </p:nvSpPr>
+        <p:spPr/>
+        <p:txBody>
+          <a:bodyPr/>
+          <a:lstStyle/>
+          <a:p>
+            <a:r>
+              <a:rPr lang="de-DE" dirty="0" smtClean="0"/>
+              <a:t>Was ist JavaScript?</a:t>
+            </a:r>
+            <a:endParaRPr lang="de-DE" dirty="0"/>
+          </a:p>
+        </p:txBody>
+      </p:sp>
+      <p:sp>
+        <p:nvSpPr>
+          <p:cNvPr id="3" name="Text Placeholder 2"/>
+          <p:cNvSpPr>
+            <a:spLocks noGrp="1"/>
+          </p:cNvSpPr>
+          <p:nvPr>
+            <p:ph type="body" sz="quarter" idx="10"/>
+          </p:nvPr>
+        </p:nvSpPr>
+        <p:spPr/>
+        <p:txBody>
+          <a:bodyPr/>
+          <a:lstStyle/>
+          <a:p>
+            <a:r>
+              <a:rPr lang="de-DE" dirty="0" smtClean="0"/>
+              <a:t>Eigenschaften</a:t>
+            </a:r>
+          </a:p>
+          <a:p>
+            <a:pPr lvl="1"/>
+            <a:r>
+              <a:rPr lang="de-DE" dirty="0" smtClean="0"/>
+              <a:t>Skriptsprache</a:t>
+            </a:r>
+          </a:p>
+          <a:p>
+            <a:pPr lvl="1"/>
+            <a:r>
+              <a:rPr lang="de-DE" dirty="0" smtClean="0"/>
+              <a:t>Schwach typisiert</a:t>
+            </a:r>
+          </a:p>
+          <a:p>
+            <a:pPr lvl="1"/>
+            <a:r>
+              <a:rPr lang="de-DE" dirty="0" smtClean="0"/>
+              <a:t>Sowohl objektorientierte als auch funktionale Programmierung möglich</a:t>
+            </a:r>
+          </a:p>
+          <a:p>
+            <a:pPr lvl="1"/>
+            <a:r>
+              <a:rPr lang="de-DE" dirty="0" smtClean="0"/>
+              <a:t>Sprachkern standardisiert als </a:t>
+            </a:r>
+            <a:r>
+              <a:rPr lang="de-DE" dirty="0" err="1" smtClean="0"/>
+              <a:t>ECMAScript</a:t>
+            </a:r>
+            <a:endParaRPr lang="de-DE" dirty="0" smtClean="0"/>
+          </a:p>
+          <a:p>
+            <a:pPr lvl="1"/>
+            <a:r>
+              <a:rPr lang="de-DE" dirty="0" smtClean="0"/>
+              <a:t>Wurde ursprünglich ausschließlich für den Browser und dynamisches HTML entwickelt</a:t>
+            </a:r>
+            <a:endParaRPr lang="de-DE" dirty="0"/>
+          </a:p>
+        </p:txBody>
+      </p:sp>
+    </p:spTree>
+    <p:extLst>
+      <p:ext uri="{BB962C8B-B14F-4D97-AF65-F5344CB8AC3E}">
+        <p14:creationId xmlns:p14="http://schemas.microsoft.com/office/powerpoint/2010/main" val="1042308515"/>
+      </p:ext>
+    </p:extLst>
+  </p:cSld>
+  <p:clrMapOvr>
+    <a:masterClrMapping/>
+  </p:clrMapOvr>
+</p:sld>
+</file>
+
+<file path=ppt/slides/slide14.xml><?xml version="1.0" encoding="utf-8"?>
+<p:sld xmlns:a="http://schemas.openxmlformats.org/drawingml/2006/main" xmlns:r="http://schemas.openxmlformats.org/officeDocument/2006/relationships" xmlns:p="http://schemas.openxmlformats.org/presentationml/2006/main">
+  <p:cSld>
+    <p:spTree>
+      <p:nvGrpSpPr>
+        <p:cNvPr id="1" name=""/>
+        <p:cNvGrpSpPr/>
+        <p:nvPr/>
+      </p:nvGrpSpPr>
+      <p:grpSpPr>
+        <a:xfrm>
+          <a:off x="0" y="0"/>
+          <a:ext cx="0" cy="0"/>
+          <a:chOff x="0" y="0"/>
+          <a:chExt cx="0" cy="0"/>
+        </a:xfrm>
+      </p:grpSpPr>
+      <p:sp>
+        <p:nvSpPr>
+          <p:cNvPr id="2" name="Title 1"/>
+          <p:cNvSpPr>
+            <a:spLocks noGrp="1"/>
+          </p:cNvSpPr>
+          <p:nvPr>
+            <p:ph type="title"/>
+          </p:nvPr>
+        </p:nvSpPr>
+        <p:spPr/>
+        <p:txBody>
+          <a:bodyPr/>
+          <a:lstStyle/>
+          <a:p>
+            <a:r>
+              <a:rPr lang="de-DE" dirty="0" smtClean="0"/>
+              <a:t>Einbinden von JavaScript in HTML</a:t>
+            </a:r>
+            <a:endParaRPr lang="de-DE" dirty="0"/>
+          </a:p>
+        </p:txBody>
+      </p:sp>
+      <p:sp>
+        <p:nvSpPr>
+          <p:cNvPr id="3" name="Text Placeholder 2"/>
+          <p:cNvSpPr>
+            <a:spLocks noGrp="1"/>
+          </p:cNvSpPr>
+          <p:nvPr>
+            <p:ph type="body" sz="quarter" idx="10"/>
+          </p:nvPr>
+        </p:nvSpPr>
+        <p:spPr/>
+        <p:txBody>
+          <a:bodyPr/>
+          <a:lstStyle/>
+          <a:p>
+            <a:r>
+              <a:rPr lang="de-DE" dirty="0" smtClean="0"/>
+              <a:t>JavaScript direkt im HTML</a:t>
+            </a:r>
+            <a:endParaRPr lang="de-DE" dirty="0">
+              <a:latin typeface="Consolas"/>
+            </a:endParaRPr>
+          </a:p>
+          <a:p>
+            <a:pPr lvl="1"/>
+            <a:r>
+              <a:rPr lang="de-DE" dirty="0">
+                <a:solidFill>
+                  <a:srgbClr val="008080"/>
+                </a:solidFill>
+                <a:latin typeface="Consolas"/>
+              </a:rPr>
+              <a:t>&lt;</a:t>
+            </a:r>
+            <a:r>
+              <a:rPr lang="de-DE" dirty="0" err="1">
+                <a:solidFill>
+                  <a:srgbClr val="3F7F7F"/>
+                </a:solidFill>
+                <a:latin typeface="Consolas"/>
+              </a:rPr>
+              <a:t>script</a:t>
+            </a:r>
+            <a:r>
+              <a:rPr lang="de-DE" dirty="0">
+                <a:solidFill>
+                  <a:srgbClr val="3F7F7F"/>
+                </a:solidFill>
+                <a:latin typeface="Consolas"/>
+              </a:rPr>
+              <a:t> </a:t>
+            </a:r>
+            <a:r>
+              <a:rPr lang="de-DE" dirty="0">
+                <a:solidFill>
+                  <a:srgbClr val="7F007F"/>
+                </a:solidFill>
+                <a:latin typeface="Consolas"/>
+              </a:rPr>
+              <a:t>type</a:t>
+            </a:r>
+            <a:r>
+              <a:rPr lang="de-DE" dirty="0">
+                <a:solidFill>
+                  <a:srgbClr val="000000"/>
+                </a:solidFill>
+                <a:latin typeface="Consolas"/>
+              </a:rPr>
+              <a:t>=</a:t>
+            </a:r>
+            <a:r>
+              <a:rPr lang="de-DE" i="1" dirty="0">
+                <a:solidFill>
+                  <a:srgbClr val="2A00FF"/>
+                </a:solidFill>
+                <a:latin typeface="Consolas"/>
+              </a:rPr>
+              <a:t>"</a:t>
+            </a:r>
+            <a:r>
+              <a:rPr lang="de-DE" i="1" dirty="0" err="1">
+                <a:solidFill>
+                  <a:srgbClr val="2A00FF"/>
+                </a:solidFill>
+                <a:latin typeface="Consolas"/>
+              </a:rPr>
+              <a:t>text</a:t>
+            </a:r>
+            <a:r>
+              <a:rPr lang="de-DE" i="1" dirty="0">
+                <a:solidFill>
+                  <a:srgbClr val="2A00FF"/>
+                </a:solidFill>
+                <a:latin typeface="Consolas"/>
+              </a:rPr>
+              <a:t>/</a:t>
+            </a:r>
+            <a:r>
+              <a:rPr lang="de-DE" i="1" dirty="0" err="1">
+                <a:solidFill>
+                  <a:srgbClr val="2A00FF"/>
+                </a:solidFill>
+                <a:latin typeface="Consolas"/>
+              </a:rPr>
+              <a:t>javascript</a:t>
+            </a:r>
+            <a:r>
+              <a:rPr lang="de-DE" i="1" dirty="0">
+                <a:solidFill>
+                  <a:srgbClr val="2A00FF"/>
+                </a:solidFill>
+                <a:latin typeface="Consolas"/>
+              </a:rPr>
+              <a:t>"</a:t>
+            </a:r>
+            <a:r>
+              <a:rPr lang="de-DE" i="1" dirty="0">
+                <a:solidFill>
+                  <a:srgbClr val="008080"/>
+                </a:solidFill>
+                <a:latin typeface="Consolas"/>
+              </a:rPr>
+              <a:t>&gt;</a:t>
+            </a:r>
+          </a:p>
+          <a:p>
+            <a:pPr lvl="1"/>
+            <a:r>
+              <a:rPr lang="de-DE" dirty="0" smtClean="0">
+                <a:solidFill>
+                  <a:srgbClr val="3F7F5F"/>
+                </a:solidFill>
+                <a:latin typeface="Consolas"/>
+              </a:rPr>
+              <a:t>  // </a:t>
+            </a:r>
+            <a:r>
+              <a:rPr lang="de-DE" dirty="0" err="1">
+                <a:solidFill>
+                  <a:srgbClr val="3F7F5F"/>
+                </a:solidFill>
+                <a:latin typeface="Consolas"/>
+              </a:rPr>
+              <a:t>JavaScriptCode</a:t>
+            </a:r>
+            <a:endParaRPr lang="de-DE" dirty="0">
+              <a:solidFill>
+                <a:srgbClr val="3F7F5F"/>
+              </a:solidFill>
+              <a:latin typeface="Consolas"/>
+            </a:endParaRPr>
+          </a:p>
+          <a:p>
+            <a:pPr lvl="1"/>
+            <a:r>
+              <a:rPr lang="de-DE" dirty="0">
+                <a:solidFill>
+                  <a:srgbClr val="008080"/>
+                </a:solidFill>
+                <a:latin typeface="Consolas"/>
+              </a:rPr>
+              <a:t>&lt;/</a:t>
+            </a:r>
+            <a:r>
+              <a:rPr lang="de-DE" dirty="0" err="1">
+                <a:solidFill>
+                  <a:srgbClr val="3F7F7F"/>
+                </a:solidFill>
+                <a:latin typeface="Consolas"/>
+              </a:rPr>
+              <a:t>script</a:t>
+            </a:r>
+            <a:r>
+              <a:rPr lang="de-DE" dirty="0" smtClean="0">
+                <a:solidFill>
+                  <a:srgbClr val="008080"/>
+                </a:solidFill>
+                <a:latin typeface="Consolas"/>
+              </a:rPr>
+              <a:t>&gt;</a:t>
+            </a:r>
+            <a:endParaRPr lang="de-DE" dirty="0" smtClean="0"/>
+          </a:p>
+          <a:p>
+            <a:r>
+              <a:rPr lang="de-DE" dirty="0" smtClean="0"/>
+              <a:t>JavaScript-Datei einbinden</a:t>
+            </a:r>
+          </a:p>
+          <a:p>
+            <a:pPr lvl="1"/>
+            <a:r>
+              <a:rPr lang="fr-FR" dirty="0" smtClean="0">
+                <a:solidFill>
+                  <a:srgbClr val="008080"/>
+                </a:solidFill>
+                <a:latin typeface="Consolas"/>
+              </a:rPr>
+              <a:t>&lt;</a:t>
+            </a:r>
+            <a:r>
+              <a:rPr lang="fr-FR" dirty="0">
+                <a:solidFill>
+                  <a:srgbClr val="3F7F7F"/>
+                </a:solidFill>
+                <a:latin typeface="Consolas"/>
+              </a:rPr>
+              <a:t>script </a:t>
+            </a:r>
+            <a:r>
+              <a:rPr lang="fr-FR" dirty="0">
+                <a:solidFill>
+                  <a:srgbClr val="7F007F"/>
+                </a:solidFill>
+                <a:latin typeface="Consolas"/>
+              </a:rPr>
+              <a:t>type</a:t>
+            </a:r>
+            <a:r>
+              <a:rPr lang="fr-FR" dirty="0">
+                <a:solidFill>
+                  <a:srgbClr val="000000"/>
+                </a:solidFill>
+                <a:latin typeface="Consolas"/>
+              </a:rPr>
+              <a:t>=</a:t>
+            </a:r>
+            <a:r>
+              <a:rPr lang="fr-FR" i="1" dirty="0">
+                <a:solidFill>
+                  <a:srgbClr val="2A00FF"/>
+                </a:solidFill>
+                <a:latin typeface="Consolas"/>
+              </a:rPr>
+              <a:t>"</a:t>
+            </a:r>
+            <a:r>
+              <a:rPr lang="fr-FR" i="1" dirty="0" err="1">
+                <a:solidFill>
+                  <a:srgbClr val="2A00FF"/>
+                </a:solidFill>
+                <a:latin typeface="Consolas"/>
+              </a:rPr>
+              <a:t>text</a:t>
+            </a:r>
+            <a:r>
+              <a:rPr lang="fr-FR" i="1" dirty="0">
+                <a:solidFill>
+                  <a:srgbClr val="2A00FF"/>
+                </a:solidFill>
+                <a:latin typeface="Consolas"/>
+              </a:rPr>
+              <a:t>/</a:t>
+            </a:r>
+            <a:r>
+              <a:rPr lang="fr-FR" i="1" dirty="0" err="1">
+                <a:solidFill>
+                  <a:srgbClr val="2A00FF"/>
+                </a:solidFill>
+                <a:latin typeface="Consolas"/>
+              </a:rPr>
+              <a:t>javascript</a:t>
+            </a:r>
+            <a:r>
+              <a:rPr lang="fr-FR" i="1" dirty="0">
+                <a:solidFill>
+                  <a:srgbClr val="2A00FF"/>
+                </a:solidFill>
+                <a:latin typeface="Consolas"/>
+              </a:rPr>
+              <a:t>"</a:t>
+            </a:r>
+            <a:r>
+              <a:rPr lang="fr-FR" dirty="0">
+                <a:solidFill>
+                  <a:srgbClr val="2A00FF"/>
+                </a:solidFill>
+                <a:latin typeface="Consolas"/>
+              </a:rPr>
+              <a:t> </a:t>
+            </a:r>
+            <a:r>
+              <a:rPr lang="fr-FR" dirty="0" err="1">
+                <a:solidFill>
+                  <a:srgbClr val="7F007F"/>
+                </a:solidFill>
+                <a:latin typeface="Consolas"/>
+              </a:rPr>
+              <a:t>src</a:t>
+            </a:r>
+            <a:r>
+              <a:rPr lang="fr-FR" dirty="0">
+                <a:solidFill>
+                  <a:srgbClr val="000000"/>
+                </a:solidFill>
+                <a:latin typeface="Consolas"/>
+              </a:rPr>
+              <a:t>=</a:t>
+            </a:r>
+            <a:r>
+              <a:rPr lang="fr-FR" i="1" dirty="0">
+                <a:solidFill>
+                  <a:srgbClr val="2A00FF"/>
+                </a:solidFill>
+                <a:latin typeface="Consolas"/>
+              </a:rPr>
+              <a:t>"source.js"</a:t>
+            </a:r>
+            <a:r>
+              <a:rPr lang="fr-FR" dirty="0">
+                <a:solidFill>
+                  <a:srgbClr val="008080"/>
+                </a:solidFill>
+                <a:latin typeface="Consolas"/>
+              </a:rPr>
+              <a:t>&gt;&lt;/</a:t>
+            </a:r>
+            <a:r>
+              <a:rPr lang="fr-FR" dirty="0">
+                <a:solidFill>
+                  <a:srgbClr val="3F7F7F"/>
+                </a:solidFill>
+                <a:latin typeface="Consolas"/>
+              </a:rPr>
+              <a:t>script</a:t>
+            </a:r>
+            <a:r>
+              <a:rPr lang="fr-FR" dirty="0" smtClean="0">
+                <a:solidFill>
+                  <a:srgbClr val="008080"/>
+                </a:solidFill>
+                <a:latin typeface="Consolas"/>
+              </a:rPr>
+              <a:t>&gt;</a:t>
+            </a:r>
+            <a:endParaRPr lang="de-DE" dirty="0" smtClean="0"/>
+          </a:p>
+          <a:p>
+            <a:r>
+              <a:rPr lang="de-DE" dirty="0" smtClean="0"/>
+              <a:t>Verwendung in HTML-Attributen (Events)</a:t>
+            </a:r>
+          </a:p>
+          <a:p>
+            <a:pPr lvl="1"/>
+            <a:r>
+              <a:rPr lang="en-US" dirty="0" smtClean="0">
+                <a:solidFill>
+                  <a:srgbClr val="008080"/>
+                </a:solidFill>
+                <a:latin typeface="Consolas"/>
+              </a:rPr>
+              <a:t>&lt;</a:t>
+            </a:r>
+            <a:r>
+              <a:rPr lang="en-US" dirty="0">
+                <a:solidFill>
+                  <a:srgbClr val="3F7F7F"/>
+                </a:solidFill>
+                <a:latin typeface="Consolas"/>
+              </a:rPr>
+              <a:t>button </a:t>
+            </a:r>
+            <a:r>
+              <a:rPr lang="en-US" dirty="0" err="1">
+                <a:solidFill>
+                  <a:srgbClr val="7F007F"/>
+                </a:solidFill>
+                <a:latin typeface="Consolas"/>
+              </a:rPr>
+              <a:t>onclick</a:t>
+            </a:r>
+            <a:r>
+              <a:rPr lang="en-US" dirty="0">
+                <a:solidFill>
+                  <a:srgbClr val="000000"/>
+                </a:solidFill>
+                <a:latin typeface="Consolas"/>
+              </a:rPr>
+              <a:t>=</a:t>
+            </a:r>
+            <a:r>
+              <a:rPr lang="en-US" dirty="0">
+                <a:solidFill>
+                  <a:srgbClr val="2A00FF"/>
+                </a:solidFill>
+                <a:latin typeface="Consolas"/>
+              </a:rPr>
+              <a:t>"alert('Hello World');"</a:t>
+            </a:r>
+            <a:r>
+              <a:rPr lang="en-US" dirty="0">
+                <a:solidFill>
+                  <a:srgbClr val="008080"/>
+                </a:solidFill>
+                <a:latin typeface="Consolas"/>
+              </a:rPr>
+              <a:t>&gt;</a:t>
+            </a:r>
+            <a:r>
+              <a:rPr lang="en-US" dirty="0">
+                <a:solidFill>
+                  <a:srgbClr val="000000"/>
+                </a:solidFill>
+                <a:latin typeface="Consolas"/>
+              </a:rPr>
+              <a:t>Click</a:t>
+            </a:r>
+            <a:r>
+              <a:rPr lang="en-US" dirty="0">
+                <a:solidFill>
+                  <a:srgbClr val="008080"/>
+                </a:solidFill>
+                <a:latin typeface="Consolas"/>
+              </a:rPr>
+              <a:t>&lt;/</a:t>
+            </a:r>
+            <a:r>
+              <a:rPr lang="en-US" dirty="0">
+                <a:solidFill>
+                  <a:srgbClr val="3F7F7F"/>
+                </a:solidFill>
+                <a:latin typeface="Consolas"/>
+              </a:rPr>
+              <a:t>button</a:t>
+            </a:r>
+            <a:r>
+              <a:rPr lang="en-US" dirty="0">
+                <a:solidFill>
+                  <a:srgbClr val="008080"/>
+                </a:solidFill>
+                <a:latin typeface="Consolas"/>
+              </a:rPr>
+              <a:t>&gt;</a:t>
+            </a:r>
+          </a:p>
+          <a:p>
+            <a:endParaRPr lang="de-DE" dirty="0"/>
+          </a:p>
+        </p:txBody>
+      </p:sp>
+    </p:spTree>
+    <p:extLst>
+      <p:ext uri="{BB962C8B-B14F-4D97-AF65-F5344CB8AC3E}">
+        <p14:creationId xmlns:p14="http://schemas.microsoft.com/office/powerpoint/2010/main" val="1334125430"/>
+      </p:ext>
+    </p:extLst>
+  </p:cSld>
+  <p:clrMapOvr>
+    <a:masterClrMapping/>
+  </p:clrMapOvr>
+</p:sld>
+</file>
+
+<file path=ppt/slides/slide15.xml><?xml version="1.0" encoding="utf-8"?>
+<p:sld xmlns:a="http://schemas.openxmlformats.org/drawingml/2006/main" xmlns:r="http://schemas.openxmlformats.org/officeDocument/2006/relationships" xmlns:p="http://schemas.openxmlformats.org/presentationml/2006/main">
+  <p:cSld>
+    <p:spTree>
+      <p:nvGrpSpPr>
+        <p:cNvPr id="1" name=""/>
+        <p:cNvGrpSpPr/>
+        <p:nvPr/>
+      </p:nvGrpSpPr>
+      <p:grpSpPr>
+        <a:xfrm>
+          <a:off x="0" y="0"/>
+          <a:ext cx="0" cy="0"/>
+          <a:chOff x="0" y="0"/>
+          <a:chExt cx="0" cy="0"/>
+        </a:xfrm>
+      </p:grpSpPr>
+      <p:pic>
+        <p:nvPicPr>
+          <p:cNvPr id="8" name="Picture Placeholder 7"/>
+          <p:cNvPicPr>
+            <a:picLocks noGrp="1" noChangeAspect="1"/>
+          </p:cNvPicPr>
+          <p:nvPr>
+            <p:ph type="pic" sz="quarter" idx="11"/>
+          </p:nvPr>
+        </p:nvPicPr>
+        <p:blipFill>
+          <a:blip r:embed="rId2">
+            <a:extLst>
+              <a:ext uri="{28A0092B-C50C-407E-A947-70E740481C1C}">
+                <a14:useLocalDpi xmlns:a14="http://schemas.microsoft.com/office/drawing/2010/main" val="0"/>
+              </a:ext>
+            </a:extLst>
+          </a:blip>
+          <a:srcRect t="31507" b="31507"/>
+          <a:stretch>
+            <a:fillRect/>
+          </a:stretch>
+        </p:blipFill>
+        <p:spPr/>
+      </p:pic>
+      <p:sp>
+        <p:nvSpPr>
+          <p:cNvPr id="4" name="Title 3"/>
+          <p:cNvSpPr>
+            <a:spLocks noGrp="1"/>
+          </p:cNvSpPr>
+          <p:nvPr>
+            <p:ph type="ctrTitle"/>
+          </p:nvPr>
+        </p:nvSpPr>
+        <p:spPr/>
+        <p:txBody>
+          <a:bodyPr/>
+          <a:lstStyle/>
+          <a:p>
+            <a:r>
+              <a:rPr lang="de-DE" dirty="0" err="1" smtClean="0"/>
+              <a:t>Hello</a:t>
+            </a:r>
+            <a:r>
+              <a:rPr lang="de-DE" dirty="0" smtClean="0"/>
+              <a:t> World</a:t>
+            </a:r>
+            <a:endParaRPr lang="de-DE" dirty="0"/>
+          </a:p>
+        </p:txBody>
+      </p:sp>
+      <p:sp>
+        <p:nvSpPr>
+          <p:cNvPr id="5" name="Text Placeholder 4"/>
+          <p:cNvSpPr>
+            <a:spLocks noGrp="1"/>
+          </p:cNvSpPr>
+          <p:nvPr>
+            <p:ph type="body" sz="quarter" idx="10"/>
+          </p:nvPr>
+        </p:nvSpPr>
+        <p:spPr/>
+        <p:txBody>
+          <a:bodyPr/>
+          <a:lstStyle/>
+          <a:p>
+            <a:endParaRPr lang="de-DE" dirty="0"/>
+          </a:p>
+        </p:txBody>
+      </p:sp>
+    </p:spTree>
+    <p:extLst>
+      <p:ext uri="{BB962C8B-B14F-4D97-AF65-F5344CB8AC3E}">
         <p14:creationId xmlns:p14="http://schemas.microsoft.com/office/powerpoint/2010/main" val="3439083525"/>
       </p:ext>
     </p:extLst>
@@ -12757,7 +14442,7 @@
 </p:sld>
 </file>
 
-<file path=ppt/slides/slide12.xml><?xml version="1.0" encoding="utf-8"?>
+<file path=ppt/slides/slide16.xml><?xml version="1.0" encoding="utf-8"?>
 <p:sld xmlns:a="http://schemas.openxmlformats.org/drawingml/2006/main" xmlns:r="http://schemas.openxmlformats.org/officeDocument/2006/relationships" xmlns:p="http://schemas.openxmlformats.org/presentationml/2006/main">
   <p:cSld>
     <p:spTree>
@@ -13282,7 +14967,7 @@
 </p:sld>
 </file>
 
-<file path=ppt/slides/slide13.xml><?xml version="1.0" encoding="utf-8"?>
+<file path=ppt/slides/slide17.xml><?xml version="1.0" encoding="utf-8"?>
 <p:sld xmlns:a="http://schemas.openxmlformats.org/drawingml/2006/main" xmlns:r="http://schemas.openxmlformats.org/officeDocument/2006/relationships" xmlns:p="http://schemas.openxmlformats.org/presentationml/2006/main">
   <p:cSld>
     <p:spTree>
@@ -13301,12 +14986,12 @@
       </p:grpSpPr>
       <p:sp>
         <p:nvSpPr>
-          <p:cNvPr id="5" name="Title 4"/>
+          <p:cNvPr id="2" name="Title 1"/>
           <p:cNvSpPr>
             <a:spLocks noGrp="1"/>
           </p:cNvSpPr>
           <p:nvPr>
-            <p:ph type="ctrTitle"/>
+            <p:ph type="title"/>
           </p:nvPr>
         </p:nvSpPr>
         <p:spPr/>
@@ -13315,10 +15000,18 @@
           <a:lstStyle/>
           <a:p>
             <a:r>
-              <a:rPr lang="en-US" dirty="0" smtClean="0"/>
-              <a:t>Thank you</a:t>
-            </a:r>
-            <a:endParaRPr lang="en-US" dirty="0"/>
+              <a:rPr lang="de-DE" dirty="0" smtClean="0"/>
+              <a:t>Übung – </a:t>
+            </a:r>
+            <a:r>
+              <a:rPr lang="de-DE" dirty="0" err="1" smtClean="0"/>
+              <a:t>Hello</a:t>
+            </a:r>
+            <a:r>
+              <a:rPr lang="de-DE" dirty="0" smtClean="0"/>
+              <a:t> World</a:t>
+            </a:r>
+            <a:endParaRPr lang="de-DE" dirty="0"/>
           </a:p>
         </p:txBody>
       </p:sp>
@@ -13332,256 +15025,48 @@
             <p:ph type="body" sz="quarter" idx="10"/>
           </p:nvPr>
         </p:nvSpPr>
-        <p:spPr>
-          <a:xfrm>
-            <a:off x="324001" y="4236462"/>
-            <a:ext cx="4595870" cy="1846659"/>
-          </a:xfrm>
-        </p:spPr>
+        <p:spPr/>
         <p:txBody>
           <a:bodyPr/>
           <a:lstStyle/>
           <a:p>
             <a:r>
-              <a:rPr lang="en-US" dirty="0" smtClean="0"/>
-              <a:t>Oliver Frendo</a:t>
-            </a:r>
-          </a:p>
-          <a:p>
-            <a:r>
-              <a:rPr lang="en-US" dirty="0">
-                <a:hlinkClick r:id="rId3"/>
-              </a:rPr>
-              <a:t>o</a:t>
-            </a:r>
-            <a:r>
-              <a:rPr lang="en-US" dirty="0" smtClean="0">
-                <a:hlinkClick r:id="rId3"/>
-              </a:rPr>
-              <a:t>liver.frendo@sap.com</a:t>
-            </a:r>
-            <a:r>
-              <a:rPr lang="en-US" dirty="0" smtClean="0"/>
-              <a:t> </a:t>
-            </a:r>
-          </a:p>
-        </p:txBody>
-      </p:sp>
-      <p:sp>
-        <p:nvSpPr>
-          <p:cNvPr id="4" name="Text Placeholder 2"/>
-          <p:cNvSpPr txBox="1">
-            <a:spLocks/>
-          </p:cNvSpPr>
-          <p:nvPr/>
-        </p:nvSpPr>
-        <p:spPr bwMode="gray">
-          <a:xfrm>
-            <a:off x="6867262" y="4388861"/>
-            <a:ext cx="4595870" cy="1846659"/>
-          </a:xfrm>
-          <a:prstGeom prst="rect">
-            <a:avLst/>
-          </a:prstGeom>
-        </p:spPr>
-        <p:txBody>
-          <a:bodyPr vert="horz" lIns="0" tIns="0" rIns="0" bIns="0" rtlCol="0" anchor="b" anchorCtr="0">
-            <a:noAutofit/>
-          </a:bodyPr>
-          <a:lstStyle>
-            <a:lvl1pPr marL="0" indent="0" algn="l" defTabSz="1088776" rtl="0" eaLnBrk="1" latinLnBrk="0" hangingPunct="1">
-              <a:spcBef>
-                <a:spcPts val="0"/>
-              </a:spcBef>
-              <a:buClr>
-                <a:schemeClr val="accent1"/>
-              </a:buClr>
-              <a:buSzPct val="80000"/>
-              <a:buFontTx/>
-              <a:buNone/>
-              <a:defRPr sz="2000" b="0" kern="1200">
-                <a:solidFill>
-                  <a:schemeClr val="tx1"/>
-                </a:solidFill>
-                <a:latin typeface="+mn-lt"/>
-                <a:ea typeface="+mn-ea"/>
-                <a:cs typeface="+mn-cs"/>
-              </a:defRPr>
-            </a:lvl1pPr>
-            <a:lvl2pPr marL="0" indent="0" algn="l" defTabSz="1088776" rtl="0" eaLnBrk="1" latinLnBrk="0" hangingPunct="1">
-              <a:spcBef>
-                <a:spcPts val="600"/>
-              </a:spcBef>
-              <a:buClr>
-                <a:schemeClr val="accent1"/>
-              </a:buClr>
-              <a:buSzPct val="80000"/>
-              <a:buFont typeface="Wingdings" pitchFamily="2" charset="2"/>
-              <a:buNone/>
-              <a:defRPr sz="2000" kern="1200">
-                <a:solidFill>
-                  <a:schemeClr val="tx1"/>
-                </a:solidFill>
-                <a:latin typeface="+mn-lt"/>
-                <a:ea typeface="+mn-ea"/>
-                <a:cs typeface="+mn-cs"/>
-              </a:defRPr>
-            </a:lvl2pPr>
-            <a:lvl3pPr marL="180000" indent="-180000" algn="l" defTabSz="1088776" rtl="0" eaLnBrk="1" latinLnBrk="0" hangingPunct="1">
-              <a:spcBef>
-                <a:spcPts val="400"/>
-              </a:spcBef>
-              <a:buClr>
-                <a:schemeClr val="accent1"/>
-              </a:buClr>
-              <a:buSzPct val="100000"/>
-              <a:buFont typeface="Wingdings" pitchFamily="2" charset="2"/>
-              <a:buChar char=""/>
-              <a:defRPr sz="1800" kern="1200">
-                <a:solidFill>
-                  <a:schemeClr val="tx1"/>
-                </a:solidFill>
-                <a:latin typeface="+mn-lt"/>
-                <a:ea typeface="+mn-ea"/>
-                <a:cs typeface="+mn-cs"/>
-              </a:defRPr>
-            </a:lvl3pPr>
-            <a:lvl4pPr marL="360000" indent="-180000" algn="l" defTabSz="1088776" rtl="0" eaLnBrk="1" latinLnBrk="0" hangingPunct="1">
-              <a:spcBef>
-                <a:spcPts val="400"/>
-              </a:spcBef>
-              <a:buClr>
-                <a:schemeClr val="accent2"/>
-              </a:buClr>
-              <a:buSzPct val="100000"/>
-              <a:buFont typeface="Arial" pitchFamily="34" charset="0"/>
-              <a:buChar char="–"/>
-              <a:defRPr sz="1800" kern="1200">
-                <a:solidFill>
-                  <a:schemeClr val="tx1"/>
-                </a:solidFill>
-                <a:latin typeface="+mn-lt"/>
-                <a:ea typeface="+mn-ea"/>
-                <a:cs typeface="+mn-cs"/>
-              </a:defRPr>
-            </a:lvl4pPr>
-            <a:lvl5pPr marL="540000" indent="-180000" algn="l" defTabSz="1088776" rtl="0" eaLnBrk="1" latinLnBrk="0" hangingPunct="1">
-              <a:spcBef>
-                <a:spcPts val="250"/>
-              </a:spcBef>
-              <a:buClr>
-                <a:schemeClr val="accent2"/>
-              </a:buClr>
-              <a:buSzPct val="100000"/>
-              <a:buFont typeface="Courier New" pitchFamily="49" charset="0"/>
-              <a:buChar char="o"/>
-              <a:defRPr sz="1600" kern="1200">
-                <a:solidFill>
-                  <a:schemeClr val="tx1"/>
-                </a:solidFill>
-                <a:latin typeface="+mn-lt"/>
-                <a:ea typeface="+mn-ea"/>
-                <a:cs typeface="+mn-cs"/>
-              </a:defRPr>
-            </a:lvl5pPr>
-            <a:lvl6pPr marL="2994134" indent="-272194" algn="l" defTabSz="1088776" rtl="0" eaLnBrk="1" latinLnBrk="0" hangingPunct="1">
-              <a:spcBef>
-                <a:spcPct val="20000"/>
-              </a:spcBef>
-              <a:buFont typeface="Arial" pitchFamily="34" charset="0"/>
-              <a:buChar char="•"/>
-              <a:defRPr sz="2400" kern="1200">
-                <a:solidFill>
-                  <a:schemeClr val="tx1"/>
-                </a:solidFill>
-                <a:latin typeface="+mn-lt"/>
-                <a:ea typeface="+mn-ea"/>
-                <a:cs typeface="+mn-cs"/>
-              </a:defRPr>
-            </a:lvl6pPr>
-            <a:lvl7pPr marL="3538522" indent="-272194" algn="l" defTabSz="1088776" rtl="0" eaLnBrk="1" latinLnBrk="0" hangingPunct="1">
-              <a:spcBef>
-                <a:spcPct val="20000"/>
-              </a:spcBef>
-              <a:buFont typeface="Arial" pitchFamily="34" charset="0"/>
-              <a:buChar char="•"/>
-              <a:defRPr sz="2400" kern="1200">
-                <a:solidFill>
-                  <a:schemeClr val="tx1"/>
-                </a:solidFill>
-                <a:latin typeface="+mn-lt"/>
-                <a:ea typeface="+mn-ea"/>
-                <a:cs typeface="+mn-cs"/>
-              </a:defRPr>
-            </a:lvl7pPr>
-            <a:lvl8pPr marL="4082910" indent="-272194" algn="l" defTabSz="1088776" rtl="0" eaLnBrk="1" latinLnBrk="0" hangingPunct="1">
-              <a:spcBef>
-                <a:spcPct val="20000"/>
-              </a:spcBef>
-              <a:buFont typeface="Arial" pitchFamily="34" charset="0"/>
-              <a:buChar char="•"/>
-              <a:defRPr sz="2400" kern="1200">
-                <a:solidFill>
-                  <a:schemeClr val="tx1"/>
-                </a:solidFill>
-                <a:latin typeface="+mn-lt"/>
-                <a:ea typeface="+mn-ea"/>
-                <a:cs typeface="+mn-cs"/>
-              </a:defRPr>
-            </a:lvl8pPr>
-            <a:lvl9pPr marL="4627298" indent="-272194" algn="l" defTabSz="1088776" rtl="0" eaLnBrk="1" latinLnBrk="0" hangingPunct="1">
-              <a:spcBef>
-                <a:spcPct val="20000"/>
-              </a:spcBef>
-              <a:buFont typeface="Arial" pitchFamily="34" charset="0"/>
-              <a:buChar char="•"/>
-              <a:defRPr sz="2400" kern="1200">
-                <a:solidFill>
-                  <a:schemeClr val="tx1"/>
-                </a:solidFill>
-                <a:latin typeface="+mn-lt"/>
-                <a:ea typeface="+mn-ea"/>
-                <a:cs typeface="+mn-cs"/>
-              </a:defRPr>
-            </a:lvl9pPr>
-          </a:lstStyle>
-          <a:p>
-            <a:r>
-              <a:rPr lang="en-US" dirty="0" smtClean="0"/>
-              <a:t>Matthias Liedtke</a:t>
-            </a:r>
-          </a:p>
-          <a:p>
-            <a:r>
-              <a:rPr lang="en-US" dirty="0" smtClean="0">
-                <a:hlinkClick r:id="rId4"/>
-              </a:rPr>
-              <a:t>matthias.liedtke@sap.com</a:t>
-            </a:r>
-            <a:r>
-              <a:rPr lang="en-US" dirty="0" smtClean="0"/>
-              <a:t> </a:t>
+              <a:rPr lang="de-DE" dirty="0" smtClean="0"/>
+              <a:t>Erstellt eine HTML-Datei und erzeugt per JavaScript die Ausgabe „</a:t>
+            </a:r>
+            <a:r>
+              <a:rPr lang="de-DE" dirty="0" err="1" smtClean="0"/>
+              <a:t>Hello</a:t>
+            </a:r>
+            <a:r>
+              <a:rPr lang="de-DE" dirty="0" smtClean="0"/>
+              <a:t> World!“.</a:t>
+            </a:r>
+            <a:br>
+              <a:rPr lang="de-DE" dirty="0" smtClean="0"/>
+            </a:br>
+            <a:r>
+              <a:rPr lang="de-DE" dirty="0" smtClean="0"/>
+              <a:t>Testet das Ergebnis anschließend im Browser!</a:t>
             </a:r>
           </a:p>
         </p:txBody>
       </p:sp>
     </p:spTree>
+    <p:extLst>
+      <p:ext uri="{BB962C8B-B14F-4D97-AF65-F5344CB8AC3E}">
+        <p14:creationId xmlns:p14="http://schemas.microsoft.com/office/powerpoint/2010/main" val="148429724"/>
+      </p:ext>
+    </p:extLst>
   </p:cSld>
   <p:clrMapOvr>
     <a:masterClrMapping/>
   </p:clrMapOvr>
-  <p:timing>
-    <p:tnLst>
-      <p:par>
-        <p:cTn id="1" dur="indefinite" restart="never" nodeType="tmRoot"/>
-      </p:par>
-    </p:tnLst>
-  </p:timing>
 </p:sld>
 </file>
 
-<file path=ppt/slides/slide14.xml><?xml version="1.0" encoding="utf-8"?>
-<p:sld xmlns:a="http://schemas.openxmlformats.org/drawingml/2006/main" xmlns:r="http://schemas.openxmlformats.org/officeDocument/2006/relationships" xmlns:p="http://schemas.openxmlformats.org/presentationml/2006/main" show="0">
+<file path=ppt/slides/slide18.xml><?xml version="1.0" encoding="utf-8"?>
+<p:sld xmlns:a="http://schemas.openxmlformats.org/drawingml/2006/main" xmlns:r="http://schemas.openxmlformats.org/officeDocument/2006/relationships" xmlns:p="http://schemas.openxmlformats.org/presentationml/2006/main">
   <p:cSld>
     <p:spTree>
       <p:nvGrpSpPr>
@@ -13597,24 +15082,156 @@
           <a:chExt cx="0" cy="0"/>
         </a:xfrm>
       </p:grpSpPr>
+      <p:sp>
+        <p:nvSpPr>
+          <p:cNvPr id="2" name="Title 1"/>
+          <p:cNvSpPr>
+            <a:spLocks noGrp="1"/>
+          </p:cNvSpPr>
+          <p:nvPr>
+            <p:ph type="title"/>
+          </p:nvPr>
+        </p:nvSpPr>
+        <p:spPr/>
+        <p:txBody>
+          <a:bodyPr/>
+          <a:lstStyle/>
+          <a:p>
+            <a:r>
+              <a:rPr lang="de-DE" dirty="0" smtClean="0"/>
+              <a:t>Variablen</a:t>
+            </a:r>
+            <a:endParaRPr lang="de-DE" dirty="0"/>
+          </a:p>
+        </p:txBody>
+      </p:sp>
+      <p:sp>
+        <p:nvSpPr>
+          <p:cNvPr id="3" name="Text Placeholder 2"/>
+          <p:cNvSpPr>
+            <a:spLocks noGrp="1"/>
+          </p:cNvSpPr>
+          <p:nvPr>
+            <p:ph type="body" sz="quarter" idx="10"/>
+          </p:nvPr>
+        </p:nvSpPr>
+        <p:spPr/>
+        <p:txBody>
+          <a:bodyPr/>
+          <a:lstStyle/>
+          <a:p>
+            <a:r>
+              <a:rPr lang="de-DE" dirty="0" smtClean="0"/>
+              <a:t>Eigenschaften</a:t>
+            </a:r>
+          </a:p>
+          <a:p>
+            <a:pPr lvl="1"/>
+            <a:r>
+              <a:rPr lang="de-DE" dirty="0" smtClean="0"/>
+              <a:t>Keine starke Typisierung</a:t>
+            </a:r>
+          </a:p>
+          <a:p>
+            <a:pPr lvl="2"/>
+            <a:r>
+              <a:rPr lang="de-DE" dirty="0" smtClean="0"/>
+              <a:t>Variablen haben keine festen Typen</a:t>
+            </a:r>
+          </a:p>
+          <a:p>
+            <a:pPr lvl="1"/>
+            <a:r>
+              <a:rPr lang="de-DE" dirty="0" smtClean="0"/>
+              <a:t>Schlüsselwörter</a:t>
+            </a:r>
+          </a:p>
+          <a:p>
+            <a:pPr lvl="2"/>
+            <a:r>
+              <a:rPr lang="de-DE" dirty="0" err="1" smtClean="0">
+                <a:solidFill>
+                  <a:srgbClr val="7F0055"/>
+                </a:solidFill>
+                <a:latin typeface="Consolas"/>
+              </a:rPr>
+              <a:t>var</a:t>
+            </a:r>
+            <a:r>
+              <a:rPr lang="de-DE" dirty="0" smtClean="0">
+                <a:solidFill>
+                  <a:srgbClr val="7F0055"/>
+                </a:solidFill>
+                <a:latin typeface="Consolas"/>
+              </a:rPr>
+              <a:t> </a:t>
+            </a:r>
+            <a:r>
+              <a:rPr lang="de-DE" dirty="0" smtClean="0"/>
+              <a:t>	</a:t>
+            </a:r>
+            <a:r>
+              <a:rPr lang="de-DE" dirty="0" smtClean="0">
+                <a:sym typeface="Wingdings" panose="05000000000000000000" pitchFamily="2" charset="2"/>
+              </a:rPr>
+              <a:t> Variable</a:t>
+            </a:r>
+          </a:p>
+          <a:p>
+            <a:pPr lvl="2"/>
+            <a:r>
+              <a:rPr lang="de-DE" dirty="0" err="1">
+                <a:solidFill>
+                  <a:srgbClr val="7F0055"/>
+                </a:solidFill>
+                <a:latin typeface="Consolas"/>
+              </a:rPr>
+              <a:t>const</a:t>
+            </a:r>
+            <a:r>
+              <a:rPr lang="de-DE" dirty="0">
+                <a:solidFill>
+                  <a:srgbClr val="7F0055"/>
+                </a:solidFill>
+                <a:latin typeface="Consolas"/>
+              </a:rPr>
+              <a:t> </a:t>
+            </a:r>
+            <a:r>
+              <a:rPr lang="de-DE" dirty="0">
+                <a:sym typeface="Wingdings" panose="05000000000000000000" pitchFamily="2" charset="2"/>
+              </a:rPr>
+              <a:t>	</a:t>
+            </a:r>
+            <a:r>
+              <a:rPr lang="de-DE" dirty="0" smtClean="0">
+                <a:sym typeface="Wingdings" panose="05000000000000000000" pitchFamily="2" charset="2"/>
+              </a:rPr>
+              <a:t> Konstante</a:t>
+            </a:r>
+            <a:endParaRPr lang="de-DE" dirty="0" smtClean="0"/>
+          </a:p>
+          <a:p>
+            <a:pPr lvl="2"/>
+            <a:endParaRPr lang="de-DE" dirty="0" smtClean="0"/>
+          </a:p>
+        </p:txBody>
+      </p:sp>
     </p:spTree>
+    <p:extLst>
+      <p:ext uri="{BB962C8B-B14F-4D97-AF65-F5344CB8AC3E}">
+        <p14:creationId xmlns:p14="http://schemas.microsoft.com/office/powerpoint/2010/main" val="2318892948"/>
+      </p:ext>
+    </p:extLst>
   </p:cSld>
   <p:clrMapOvr>
     <a:masterClrMapping/>
   </p:clrMapOvr>
-  <p:transition spd="med"/>
-  <p:timing>
-    <p:tnLst>
-      <p:par>
-        <p:cTn id="1" dur="indefinite" restart="never" nodeType="tmRoot"/>
-      </p:par>
-    </p:tnLst>
-  </p:timing>
 </p:sld>
 </file>
 
-<file path=ppt/slides/slide15.xml><?xml version="1.0" encoding="utf-8"?>
-<p:sld xmlns:a="http://schemas.openxmlformats.org/drawingml/2006/main" xmlns:r="http://schemas.openxmlformats.org/officeDocument/2006/relationships" xmlns:p="http://schemas.openxmlformats.org/presentationml/2006/main" show="0">
+<file path=ppt/slides/slide19.xml><?xml version="1.0" encoding="utf-8"?>
+<p:sld xmlns:a="http://schemas.openxmlformats.org/drawingml/2006/main" xmlns:r="http://schemas.openxmlformats.org/officeDocument/2006/relationships" xmlns:p="http://schemas.openxmlformats.org/presentationml/2006/main">
   <p:cSld>
     <p:spTree>
       <p:nvGrpSpPr>
@@ -13630,12 +15247,748 @@
           <a:chExt cx="0" cy="0"/>
         </a:xfrm>
       </p:grpSpPr>
+      <p:sp>
+        <p:nvSpPr>
+          <p:cNvPr id="2" name="Title 1"/>
+          <p:cNvSpPr>
+            <a:spLocks noGrp="1"/>
+          </p:cNvSpPr>
+          <p:nvPr>
+            <p:ph type="title"/>
+          </p:nvPr>
+        </p:nvSpPr>
+        <p:spPr/>
+        <p:txBody>
+          <a:bodyPr/>
+          <a:lstStyle/>
+          <a:p>
+            <a:r>
+              <a:rPr lang="de-DE" dirty="0" smtClean="0"/>
+              <a:t>Variablen</a:t>
+            </a:r>
+            <a:endParaRPr lang="de-DE" dirty="0"/>
+          </a:p>
+        </p:txBody>
+      </p:sp>
+      <p:sp>
+        <p:nvSpPr>
+          <p:cNvPr id="3" name="Text Placeholder 2"/>
+          <p:cNvSpPr>
+            <a:spLocks noGrp="1"/>
+          </p:cNvSpPr>
+          <p:nvPr>
+            <p:ph type="body" sz="quarter" idx="10"/>
+          </p:nvPr>
+        </p:nvSpPr>
+        <p:spPr/>
+        <p:txBody>
+          <a:bodyPr/>
+          <a:lstStyle/>
+          <a:p>
+            <a:r>
+              <a:rPr lang="de-DE" dirty="0" smtClean="0"/>
+              <a:t>Deklaration</a:t>
+            </a:r>
+          </a:p>
+          <a:p>
+            <a:pPr lvl="1"/>
+            <a:r>
+              <a:rPr lang="de-DE" dirty="0" err="1" smtClean="0">
+                <a:solidFill>
+                  <a:srgbClr val="7F0055"/>
+                </a:solidFill>
+                <a:latin typeface="Consolas"/>
+              </a:rPr>
+              <a:t>var</a:t>
+            </a:r>
+            <a:r>
+              <a:rPr lang="de-DE" dirty="0" smtClean="0">
+                <a:solidFill>
+                  <a:srgbClr val="000000"/>
+                </a:solidFill>
+                <a:latin typeface="Consolas"/>
+              </a:rPr>
+              <a:t> </a:t>
+            </a:r>
+            <a:r>
+              <a:rPr lang="de-DE" dirty="0" err="1">
+                <a:solidFill>
+                  <a:srgbClr val="000000"/>
+                </a:solidFill>
+                <a:latin typeface="Consolas"/>
+              </a:rPr>
+              <a:t>text</a:t>
+            </a:r>
+            <a:r>
+              <a:rPr lang="de-DE" dirty="0">
+                <a:solidFill>
+                  <a:srgbClr val="000000"/>
+                </a:solidFill>
+                <a:latin typeface="Consolas"/>
+              </a:rPr>
+              <a:t> = </a:t>
+            </a:r>
+            <a:r>
+              <a:rPr lang="de-DE" dirty="0">
+                <a:solidFill>
+                  <a:srgbClr val="2A00FF"/>
+                </a:solidFill>
+                <a:latin typeface="Consolas"/>
+              </a:rPr>
+              <a:t>"</a:t>
+            </a:r>
+            <a:r>
+              <a:rPr lang="de-DE" dirty="0" err="1">
+                <a:solidFill>
+                  <a:srgbClr val="2A00FF"/>
+                </a:solidFill>
+                <a:latin typeface="Consolas"/>
+              </a:rPr>
+              <a:t>Hello</a:t>
+            </a:r>
+            <a:r>
+              <a:rPr lang="de-DE" dirty="0">
+                <a:solidFill>
+                  <a:srgbClr val="2A00FF"/>
+                </a:solidFill>
+                <a:latin typeface="Consolas"/>
+              </a:rPr>
+              <a:t> World</a:t>
+            </a:r>
+            <a:r>
+              <a:rPr lang="de-DE" dirty="0" smtClean="0">
+                <a:solidFill>
+                  <a:srgbClr val="2A00FF"/>
+                </a:solidFill>
+                <a:latin typeface="Consolas"/>
+              </a:rPr>
+              <a:t>"</a:t>
+            </a:r>
+            <a:r>
+              <a:rPr lang="de-DE" dirty="0" smtClean="0">
+                <a:solidFill>
+                  <a:srgbClr val="000000"/>
+                </a:solidFill>
+                <a:latin typeface="Consolas"/>
+              </a:rPr>
+              <a:t>;	</a:t>
+            </a:r>
+            <a:r>
+              <a:rPr lang="de-DE" dirty="0" smtClean="0">
+                <a:solidFill>
+                  <a:srgbClr val="3F7F5F"/>
+                </a:solidFill>
+                <a:latin typeface="Consolas"/>
+              </a:rPr>
+              <a:t>// String</a:t>
+            </a:r>
+          </a:p>
+          <a:p>
+            <a:pPr lvl="1"/>
+            <a:r>
+              <a:rPr lang="de-DE" dirty="0" err="1" smtClean="0">
+                <a:solidFill>
+                  <a:srgbClr val="7F0055"/>
+                </a:solidFill>
+                <a:latin typeface="Consolas"/>
+              </a:rPr>
+              <a:t>var</a:t>
+            </a:r>
+            <a:r>
+              <a:rPr lang="de-DE" dirty="0" smtClean="0">
+                <a:solidFill>
+                  <a:srgbClr val="000000"/>
+                </a:solidFill>
+                <a:latin typeface="Consolas"/>
+              </a:rPr>
+              <a:t> </a:t>
+            </a:r>
+            <a:r>
+              <a:rPr lang="de-DE" dirty="0" err="1" smtClean="0">
+                <a:solidFill>
+                  <a:srgbClr val="000000"/>
+                </a:solidFill>
+                <a:latin typeface="Consolas"/>
+              </a:rPr>
+              <a:t>num</a:t>
+            </a:r>
+            <a:r>
+              <a:rPr lang="de-DE" dirty="0" smtClean="0">
+                <a:solidFill>
+                  <a:srgbClr val="000000"/>
+                </a:solidFill>
+                <a:latin typeface="Consolas"/>
+              </a:rPr>
+              <a:t> = 7.5;</a:t>
+            </a:r>
+            <a:r>
+              <a:rPr lang="de-DE" dirty="0">
+                <a:solidFill>
+                  <a:srgbClr val="000000"/>
+                </a:solidFill>
+                <a:latin typeface="Consolas"/>
+              </a:rPr>
+              <a:t>	</a:t>
+            </a:r>
+            <a:r>
+              <a:rPr lang="de-DE" dirty="0" smtClean="0">
+                <a:solidFill>
+                  <a:srgbClr val="000000"/>
+                </a:solidFill>
+                <a:latin typeface="Consolas"/>
+              </a:rPr>
+              <a:t>		</a:t>
+            </a:r>
+            <a:r>
+              <a:rPr lang="de-DE" dirty="0" smtClean="0">
+                <a:solidFill>
+                  <a:srgbClr val="3F7F5F"/>
+                </a:solidFill>
+                <a:latin typeface="Consolas"/>
+              </a:rPr>
+              <a:t>// </a:t>
+            </a:r>
+            <a:r>
+              <a:rPr lang="de-DE" dirty="0" err="1" smtClean="0">
+                <a:solidFill>
+                  <a:srgbClr val="3F7F5F"/>
+                </a:solidFill>
+                <a:latin typeface="Consolas"/>
+              </a:rPr>
+              <a:t>Float</a:t>
+            </a:r>
+            <a:endParaRPr lang="de-DE" dirty="0">
+              <a:latin typeface="Consolas"/>
+            </a:endParaRPr>
+          </a:p>
+          <a:p>
+            <a:pPr lvl="1"/>
+            <a:r>
+              <a:rPr lang="de-DE" dirty="0" err="1">
+                <a:solidFill>
+                  <a:srgbClr val="7F0055"/>
+                </a:solidFill>
+                <a:latin typeface="Consolas"/>
+              </a:rPr>
+              <a:t>var</a:t>
+            </a:r>
+            <a:r>
+              <a:rPr lang="de-DE" dirty="0">
+                <a:solidFill>
+                  <a:srgbClr val="000000"/>
+                </a:solidFill>
+                <a:latin typeface="Consolas"/>
+              </a:rPr>
+              <a:t> </a:t>
+            </a:r>
+            <a:r>
+              <a:rPr lang="de-DE" dirty="0" err="1">
+                <a:solidFill>
+                  <a:srgbClr val="000000"/>
+                </a:solidFill>
+                <a:latin typeface="Consolas"/>
+              </a:rPr>
+              <a:t>flag</a:t>
+            </a:r>
+            <a:r>
+              <a:rPr lang="de-DE" dirty="0">
+                <a:solidFill>
+                  <a:srgbClr val="000000"/>
+                </a:solidFill>
+                <a:latin typeface="Consolas"/>
+              </a:rPr>
+              <a:t> = </a:t>
+            </a:r>
+            <a:r>
+              <a:rPr lang="de-DE" dirty="0">
+                <a:solidFill>
+                  <a:srgbClr val="7F0055"/>
+                </a:solidFill>
+                <a:latin typeface="Consolas"/>
+              </a:rPr>
+              <a:t>true</a:t>
+            </a:r>
+            <a:r>
+              <a:rPr lang="de-DE" dirty="0" smtClean="0">
+                <a:solidFill>
+                  <a:srgbClr val="000000"/>
+                </a:solidFill>
+                <a:latin typeface="Consolas"/>
+              </a:rPr>
+              <a:t>;         	</a:t>
+            </a:r>
+            <a:r>
+              <a:rPr lang="de-DE" dirty="0" smtClean="0">
+                <a:solidFill>
+                  <a:srgbClr val="3F7F5F"/>
+                </a:solidFill>
+                <a:latin typeface="Consolas"/>
+              </a:rPr>
+              <a:t>// Boolean</a:t>
+            </a:r>
+            <a:endParaRPr lang="de-DE" dirty="0">
+              <a:solidFill>
+                <a:srgbClr val="000000"/>
+              </a:solidFill>
+              <a:latin typeface="Consolas"/>
+            </a:endParaRPr>
+          </a:p>
+          <a:p>
+            <a:pPr lvl="1"/>
+            <a:r>
+              <a:rPr lang="de-DE" dirty="0" err="1" smtClean="0">
+                <a:solidFill>
+                  <a:srgbClr val="7F0055"/>
+                </a:solidFill>
+                <a:latin typeface="Consolas"/>
+              </a:rPr>
+              <a:t>var</a:t>
+            </a:r>
+            <a:r>
+              <a:rPr lang="de-DE" dirty="0" smtClean="0">
+                <a:solidFill>
+                  <a:srgbClr val="000000"/>
+                </a:solidFill>
+                <a:latin typeface="Consolas"/>
+              </a:rPr>
+              <a:t> </a:t>
+            </a:r>
+            <a:r>
+              <a:rPr lang="de-DE" dirty="0" err="1">
+                <a:solidFill>
+                  <a:srgbClr val="000000"/>
+                </a:solidFill>
+                <a:latin typeface="Consolas"/>
+              </a:rPr>
+              <a:t>arr</a:t>
+            </a:r>
+            <a:r>
+              <a:rPr lang="de-DE" dirty="0">
+                <a:solidFill>
+                  <a:srgbClr val="000000"/>
+                </a:solidFill>
+                <a:latin typeface="Consolas"/>
+              </a:rPr>
+              <a:t> = </a:t>
+            </a:r>
+            <a:r>
+              <a:rPr lang="de-DE" dirty="0" smtClean="0">
+                <a:solidFill>
+                  <a:srgbClr val="000000"/>
+                </a:solidFill>
+                <a:latin typeface="Consolas"/>
+              </a:rPr>
+              <a:t>[];            	</a:t>
+            </a:r>
+            <a:r>
+              <a:rPr lang="de-DE" dirty="0" smtClean="0">
+                <a:solidFill>
+                  <a:srgbClr val="3F7F5F"/>
+                </a:solidFill>
+                <a:latin typeface="Consolas"/>
+              </a:rPr>
+              <a:t>// </a:t>
+            </a:r>
+            <a:r>
+              <a:rPr lang="de-DE" dirty="0">
+                <a:solidFill>
+                  <a:srgbClr val="3F7F5F"/>
+                </a:solidFill>
+                <a:latin typeface="Consolas"/>
+              </a:rPr>
+              <a:t>Array</a:t>
+            </a:r>
+          </a:p>
+          <a:p>
+            <a:pPr lvl="1"/>
+            <a:r>
+              <a:rPr lang="de-DE" dirty="0" err="1">
+                <a:solidFill>
+                  <a:srgbClr val="7F0055"/>
+                </a:solidFill>
+                <a:latin typeface="Consolas"/>
+              </a:rPr>
+              <a:t>var</a:t>
+            </a:r>
+            <a:r>
+              <a:rPr lang="de-DE" dirty="0">
+                <a:solidFill>
+                  <a:srgbClr val="000000"/>
+                </a:solidFill>
+                <a:latin typeface="Consolas"/>
+              </a:rPr>
+              <a:t> </a:t>
+            </a:r>
+            <a:r>
+              <a:rPr lang="de-DE" dirty="0" err="1">
+                <a:solidFill>
+                  <a:srgbClr val="000000"/>
+                </a:solidFill>
+                <a:latin typeface="Consolas"/>
+              </a:rPr>
+              <a:t>obj</a:t>
+            </a:r>
+            <a:r>
+              <a:rPr lang="de-DE" dirty="0">
+                <a:solidFill>
+                  <a:srgbClr val="000000"/>
+                </a:solidFill>
+                <a:latin typeface="Consolas"/>
+              </a:rPr>
+              <a:t> = </a:t>
+            </a:r>
+            <a:r>
+              <a:rPr lang="de-DE" dirty="0" smtClean="0">
+                <a:solidFill>
+                  <a:srgbClr val="000000"/>
+                </a:solidFill>
+                <a:latin typeface="Consolas"/>
+              </a:rPr>
+              <a:t>{};			</a:t>
+            </a:r>
+            <a:r>
+              <a:rPr lang="de-DE" dirty="0" smtClean="0">
+                <a:solidFill>
+                  <a:srgbClr val="3F7F5F"/>
+                </a:solidFill>
+                <a:latin typeface="Consolas"/>
+              </a:rPr>
+              <a:t>// Objekt</a:t>
+            </a:r>
+          </a:p>
+          <a:p>
+            <a:pPr lvl="1"/>
+            <a:r>
+              <a:rPr lang="de-DE" dirty="0" err="1" smtClean="0">
+                <a:solidFill>
+                  <a:srgbClr val="7F0055"/>
+                </a:solidFill>
+                <a:latin typeface="Consolas"/>
+              </a:rPr>
+              <a:t>const</a:t>
+            </a:r>
+            <a:r>
+              <a:rPr lang="de-DE" dirty="0" smtClean="0">
+                <a:solidFill>
+                  <a:srgbClr val="000000"/>
+                </a:solidFill>
+                <a:latin typeface="Consolas"/>
+              </a:rPr>
+              <a:t> </a:t>
+            </a:r>
+            <a:r>
+              <a:rPr lang="de-DE" dirty="0">
+                <a:solidFill>
+                  <a:srgbClr val="000000"/>
+                </a:solidFill>
+                <a:latin typeface="Consolas"/>
+              </a:rPr>
+              <a:t>c = 300000</a:t>
+            </a:r>
+            <a:r>
+              <a:rPr lang="de-DE" dirty="0" smtClean="0">
+                <a:solidFill>
+                  <a:srgbClr val="000000"/>
+                </a:solidFill>
+                <a:latin typeface="Consolas"/>
+              </a:rPr>
+              <a:t>;		</a:t>
+            </a:r>
+            <a:r>
+              <a:rPr lang="de-DE" dirty="0">
+                <a:solidFill>
+                  <a:srgbClr val="3F7F5F"/>
+                </a:solidFill>
+                <a:latin typeface="Consolas"/>
+              </a:rPr>
+              <a:t>// </a:t>
+            </a:r>
+            <a:r>
+              <a:rPr lang="de-DE" dirty="0" smtClean="0">
+                <a:solidFill>
+                  <a:srgbClr val="3F7F5F"/>
+                </a:solidFill>
+                <a:latin typeface="Consolas"/>
+              </a:rPr>
+              <a:t>Konstante</a:t>
+            </a:r>
+          </a:p>
+          <a:p>
+            <a:pPr lvl="1"/>
+            <a:r>
+              <a:rPr lang="de-DE" dirty="0" err="1" smtClean="0">
+                <a:solidFill>
+                  <a:srgbClr val="7F0055"/>
+                </a:solidFill>
+                <a:latin typeface="Consolas"/>
+              </a:rPr>
+              <a:t>var</a:t>
+            </a:r>
+            <a:r>
+              <a:rPr lang="de-DE" dirty="0" smtClean="0">
+                <a:solidFill>
+                  <a:srgbClr val="000000"/>
+                </a:solidFill>
+                <a:latin typeface="Consolas"/>
+              </a:rPr>
+              <a:t> </a:t>
+            </a:r>
+            <a:r>
+              <a:rPr lang="de-DE" dirty="0" err="1">
+                <a:solidFill>
+                  <a:srgbClr val="000000"/>
+                </a:solidFill>
+                <a:latin typeface="Consolas"/>
+              </a:rPr>
+              <a:t>func</a:t>
+            </a:r>
+            <a:r>
+              <a:rPr lang="de-DE" dirty="0">
+                <a:solidFill>
+                  <a:srgbClr val="000000"/>
+                </a:solidFill>
+                <a:latin typeface="Consolas"/>
+              </a:rPr>
+              <a:t> = </a:t>
+            </a:r>
+            <a:r>
+              <a:rPr lang="de-DE" dirty="0" err="1">
+                <a:solidFill>
+                  <a:srgbClr val="7F0055"/>
+                </a:solidFill>
+                <a:latin typeface="Consolas"/>
+              </a:rPr>
+              <a:t>function</a:t>
+            </a:r>
+            <a:r>
+              <a:rPr lang="de-DE" dirty="0" smtClean="0">
+                <a:solidFill>
+                  <a:srgbClr val="000000"/>
+                </a:solidFill>
+                <a:latin typeface="Consolas"/>
+              </a:rPr>
+              <a:t>(){};	</a:t>
+            </a:r>
+            <a:r>
+              <a:rPr lang="de-DE" dirty="0" smtClean="0">
+                <a:solidFill>
+                  <a:srgbClr val="3F7F5F"/>
+                </a:solidFill>
+                <a:latin typeface="Consolas"/>
+              </a:rPr>
+              <a:t>// </a:t>
+            </a:r>
+            <a:r>
+              <a:rPr lang="de-DE" dirty="0">
+                <a:solidFill>
+                  <a:srgbClr val="3F7F5F"/>
+                </a:solidFill>
+                <a:latin typeface="Consolas"/>
+              </a:rPr>
+              <a:t>Funktion</a:t>
+            </a:r>
+          </a:p>
+          <a:p>
+            <a:pPr lvl="1"/>
+            <a:endParaRPr lang="de-DE" dirty="0">
+              <a:latin typeface="Consolas"/>
+            </a:endParaRPr>
+          </a:p>
+          <a:p>
+            <a:pPr lvl="1"/>
+            <a:r>
+              <a:rPr lang="de-DE" dirty="0" err="1">
+                <a:solidFill>
+                  <a:srgbClr val="7F0055"/>
+                </a:solidFill>
+                <a:latin typeface="Consolas"/>
+              </a:rPr>
+              <a:t>function</a:t>
+            </a:r>
+            <a:r>
+              <a:rPr lang="de-DE" dirty="0">
+                <a:solidFill>
+                  <a:srgbClr val="000000"/>
+                </a:solidFill>
+                <a:latin typeface="Consolas"/>
+              </a:rPr>
+              <a:t> x</a:t>
+            </a:r>
+            <a:r>
+              <a:rPr lang="de-DE" dirty="0" smtClean="0">
+                <a:solidFill>
+                  <a:srgbClr val="000000"/>
+                </a:solidFill>
+                <a:latin typeface="Consolas"/>
+              </a:rPr>
+              <a:t>(){			</a:t>
+            </a:r>
+            <a:r>
+              <a:rPr lang="de-DE" dirty="0" smtClean="0">
+                <a:solidFill>
+                  <a:srgbClr val="3F7F5F"/>
+                </a:solidFill>
+                <a:latin typeface="Consolas"/>
+              </a:rPr>
+              <a:t>// Funktion (zu Beginn geparst und interpretiert)</a:t>
+            </a:r>
+            <a:endParaRPr lang="de-DE" dirty="0">
+              <a:solidFill>
+                <a:srgbClr val="3F7F5F"/>
+              </a:solidFill>
+              <a:latin typeface="Consolas"/>
+            </a:endParaRPr>
+          </a:p>
+          <a:p>
+            <a:pPr lvl="1"/>
+            <a:r>
+              <a:rPr lang="de-DE" dirty="0" smtClean="0">
+                <a:solidFill>
+                  <a:srgbClr val="7F0055"/>
+                </a:solidFill>
+                <a:latin typeface="Consolas"/>
+              </a:rPr>
+              <a:t>  </a:t>
+            </a:r>
+            <a:r>
+              <a:rPr lang="de-DE" dirty="0" err="1" smtClean="0">
+                <a:solidFill>
+                  <a:srgbClr val="7F0055"/>
+                </a:solidFill>
+                <a:latin typeface="Consolas"/>
+              </a:rPr>
+              <a:t>var</a:t>
+            </a:r>
+            <a:r>
+              <a:rPr lang="de-DE" dirty="0" smtClean="0">
+                <a:solidFill>
+                  <a:srgbClr val="000000"/>
+                </a:solidFill>
+                <a:latin typeface="Consolas"/>
+              </a:rPr>
+              <a:t> </a:t>
+            </a:r>
+            <a:r>
+              <a:rPr lang="de-DE" dirty="0" err="1">
+                <a:solidFill>
+                  <a:srgbClr val="000000"/>
+                </a:solidFill>
+                <a:latin typeface="Consolas"/>
+              </a:rPr>
+              <a:t>local</a:t>
+            </a:r>
+            <a:r>
+              <a:rPr lang="de-DE" dirty="0">
+                <a:solidFill>
+                  <a:srgbClr val="000000"/>
+                </a:solidFill>
+                <a:latin typeface="Consolas"/>
+              </a:rPr>
+              <a:t> = 4</a:t>
+            </a:r>
+            <a:r>
+              <a:rPr lang="de-DE" dirty="0" smtClean="0">
+                <a:solidFill>
+                  <a:srgbClr val="000000"/>
+                </a:solidFill>
+                <a:latin typeface="Consolas"/>
+              </a:rPr>
+              <a:t>;		</a:t>
+            </a:r>
+            <a:r>
+              <a:rPr lang="de-DE" dirty="0" smtClean="0">
+                <a:solidFill>
+                  <a:srgbClr val="3F7F5F"/>
+                </a:solidFill>
+                <a:latin typeface="Consolas"/>
+              </a:rPr>
+              <a:t>// </a:t>
+            </a:r>
+            <a:r>
+              <a:rPr lang="de-DE" dirty="0">
+                <a:solidFill>
+                  <a:srgbClr val="3F7F5F"/>
+                </a:solidFill>
+                <a:latin typeface="Consolas"/>
+              </a:rPr>
+              <a:t>lokale Variable</a:t>
+            </a:r>
+          </a:p>
+          <a:p>
+            <a:pPr lvl="1"/>
+            <a:r>
+              <a:rPr lang="de-DE" dirty="0" smtClean="0">
+                <a:solidFill>
+                  <a:srgbClr val="000000"/>
+                </a:solidFill>
+                <a:latin typeface="Consolas"/>
+              </a:rPr>
+              <a:t>  global </a:t>
+            </a:r>
+            <a:r>
+              <a:rPr lang="de-DE" dirty="0">
+                <a:solidFill>
+                  <a:srgbClr val="000000"/>
+                </a:solidFill>
+                <a:latin typeface="Consolas"/>
+              </a:rPr>
+              <a:t>= 5</a:t>
+            </a:r>
+            <a:r>
+              <a:rPr lang="de-DE" dirty="0" smtClean="0">
+                <a:solidFill>
+                  <a:srgbClr val="000000"/>
+                </a:solidFill>
+                <a:latin typeface="Consolas"/>
+              </a:rPr>
+              <a:t>;			</a:t>
+            </a:r>
+            <a:r>
+              <a:rPr lang="de-DE" dirty="0" smtClean="0">
+                <a:solidFill>
+                  <a:srgbClr val="3F7F5F"/>
+                </a:solidFill>
+                <a:latin typeface="Consolas"/>
+              </a:rPr>
+              <a:t>// </a:t>
+            </a:r>
+            <a:r>
+              <a:rPr lang="de-DE" dirty="0">
+                <a:solidFill>
+                  <a:srgbClr val="3F7F5F"/>
+                </a:solidFill>
+                <a:latin typeface="Consolas"/>
+              </a:rPr>
+              <a:t>globale Variable</a:t>
+            </a:r>
+          </a:p>
+          <a:p>
+            <a:pPr lvl="1"/>
+            <a:r>
+              <a:rPr lang="de-DE" dirty="0">
+                <a:solidFill>
+                  <a:srgbClr val="000000"/>
+                </a:solidFill>
+                <a:latin typeface="Consolas"/>
+              </a:rPr>
+              <a:t>}</a:t>
+            </a:r>
+          </a:p>
+          <a:p>
+            <a:endParaRPr lang="de-DE" dirty="0"/>
+          </a:p>
+        </p:txBody>
+      </p:sp>
     </p:spTree>
+    <p:extLst>
+      <p:ext uri="{BB962C8B-B14F-4D97-AF65-F5344CB8AC3E}">
+        <p14:creationId xmlns:p14="http://schemas.microsoft.com/office/powerpoint/2010/main" val="3219347335"/>
+      </p:ext>
+    </p:extLst>
   </p:cSld>
   <p:clrMapOvr>
     <a:masterClrMapping/>
   </p:clrMapOvr>
-  <p:transition/>
 </p:sld>
 </file>
 
@@ -13708,6 +16061,4682 @@
     <p:extLst>
       <p:ext uri="{BB962C8B-B14F-4D97-AF65-F5344CB8AC3E}">
         <p14:creationId xmlns:p14="http://schemas.microsoft.com/office/powerpoint/2010/main" val="1187174545"/>
+      </p:ext>
+    </p:extLst>
+  </p:cSld>
+  <p:clrMapOvr>
+    <a:masterClrMapping/>
+  </p:clrMapOvr>
+</p:sld>
+</file>
+
+<file path=ppt/slides/slide20.xml><?xml version="1.0" encoding="utf-8"?>
+<p:sld xmlns:a="http://schemas.openxmlformats.org/drawingml/2006/main" xmlns:r="http://schemas.openxmlformats.org/officeDocument/2006/relationships" xmlns:p="http://schemas.openxmlformats.org/presentationml/2006/main">
+  <p:cSld>
+    <p:spTree>
+      <p:nvGrpSpPr>
+        <p:cNvPr id="1" name=""/>
+        <p:cNvGrpSpPr/>
+        <p:nvPr/>
+      </p:nvGrpSpPr>
+      <p:grpSpPr>
+        <a:xfrm>
+          <a:off x="0" y="0"/>
+          <a:ext cx="0" cy="0"/>
+          <a:chOff x="0" y="0"/>
+          <a:chExt cx="0" cy="0"/>
+        </a:xfrm>
+      </p:grpSpPr>
+      <p:pic>
+        <p:nvPicPr>
+          <p:cNvPr id="8" name="Picture Placeholder 7"/>
+          <p:cNvPicPr>
+            <a:picLocks noGrp="1" noChangeAspect="1"/>
+          </p:cNvPicPr>
+          <p:nvPr>
+            <p:ph type="pic" sz="quarter" idx="11"/>
+          </p:nvPr>
+        </p:nvPicPr>
+        <p:blipFill>
+          <a:blip r:embed="rId2">
+            <a:extLst>
+              <a:ext uri="{28A0092B-C50C-407E-A947-70E740481C1C}">
+                <a14:useLocalDpi xmlns:a14="http://schemas.microsoft.com/office/drawing/2010/main" val="0"/>
+              </a:ext>
+            </a:extLst>
+          </a:blip>
+          <a:srcRect t="31507" b="31507"/>
+          <a:stretch>
+            <a:fillRect/>
+          </a:stretch>
+        </p:blipFill>
+        <p:spPr/>
+      </p:pic>
+      <p:sp>
+        <p:nvSpPr>
+          <p:cNvPr id="4" name="Title 3"/>
+          <p:cNvSpPr>
+            <a:spLocks noGrp="1"/>
+          </p:cNvSpPr>
+          <p:nvPr>
+            <p:ph type="ctrTitle"/>
+          </p:nvPr>
+        </p:nvSpPr>
+        <p:spPr/>
+        <p:txBody>
+          <a:bodyPr/>
+          <a:lstStyle/>
+          <a:p>
+            <a:r>
+              <a:rPr lang="de-DE" dirty="0" smtClean="0"/>
+              <a:t>Kontrollstrukturen</a:t>
+            </a:r>
+            <a:endParaRPr lang="de-DE" dirty="0"/>
+          </a:p>
+        </p:txBody>
+      </p:sp>
+      <p:sp>
+        <p:nvSpPr>
+          <p:cNvPr id="5" name="Text Placeholder 4"/>
+          <p:cNvSpPr>
+            <a:spLocks noGrp="1"/>
+          </p:cNvSpPr>
+          <p:nvPr>
+            <p:ph type="body" sz="quarter" idx="10"/>
+          </p:nvPr>
+        </p:nvSpPr>
+        <p:spPr/>
+        <p:txBody>
+          <a:bodyPr/>
+          <a:lstStyle/>
+          <a:p>
+            <a:r>
+              <a:rPr lang="de-DE" dirty="0" smtClean="0"/>
+              <a:t>Bedingungen, Verzweigungen un</a:t>
+            </a:r>
+            <a:r>
+              <a:rPr lang="de-DE" dirty="0" smtClean="0"/>
+              <a:t>d Schleifen</a:t>
+            </a:r>
+            <a:endParaRPr lang="de-DE" dirty="0"/>
+          </a:p>
+        </p:txBody>
+      </p:sp>
+    </p:spTree>
+    <p:extLst>
+      <p:ext uri="{BB962C8B-B14F-4D97-AF65-F5344CB8AC3E}">
+        <p14:creationId xmlns:p14="http://schemas.microsoft.com/office/powerpoint/2010/main" val="2387571623"/>
+      </p:ext>
+    </p:extLst>
+  </p:cSld>
+  <p:clrMapOvr>
+    <a:masterClrMapping/>
+  </p:clrMapOvr>
+</p:sld>
+</file>
+
+<file path=ppt/slides/slide21.xml><?xml version="1.0" encoding="utf-8"?>
+<p:sld xmlns:a="http://schemas.openxmlformats.org/drawingml/2006/main" xmlns:r="http://schemas.openxmlformats.org/officeDocument/2006/relationships" xmlns:p="http://schemas.openxmlformats.org/presentationml/2006/main">
+  <p:cSld>
+    <p:spTree>
+      <p:nvGrpSpPr>
+        <p:cNvPr id="1" name=""/>
+        <p:cNvGrpSpPr/>
+        <p:nvPr/>
+      </p:nvGrpSpPr>
+      <p:grpSpPr>
+        <a:xfrm>
+          <a:off x="0" y="0"/>
+          <a:ext cx="0" cy="0"/>
+          <a:chOff x="0" y="0"/>
+          <a:chExt cx="0" cy="0"/>
+        </a:xfrm>
+      </p:grpSpPr>
+      <p:sp>
+        <p:nvSpPr>
+          <p:cNvPr id="2" name="Title 1"/>
+          <p:cNvSpPr>
+            <a:spLocks noGrp="1"/>
+          </p:cNvSpPr>
+          <p:nvPr>
+            <p:ph type="title"/>
+          </p:nvPr>
+        </p:nvSpPr>
+        <p:spPr/>
+        <p:txBody>
+          <a:bodyPr/>
+          <a:lstStyle/>
+          <a:p>
+            <a:r>
+              <a:rPr lang="de-DE" dirty="0" smtClean="0"/>
+              <a:t>Bedingungen</a:t>
+            </a:r>
+            <a:endParaRPr lang="de-DE" dirty="0"/>
+          </a:p>
+        </p:txBody>
+      </p:sp>
+      <p:sp>
+        <p:nvSpPr>
+          <p:cNvPr id="5" name="Rectangle 4"/>
+          <p:cNvSpPr/>
+          <p:nvPr/>
+        </p:nvSpPr>
+        <p:spPr>
+          <a:xfrm>
+            <a:off x="4225244" y="1596511"/>
+            <a:ext cx="2850470" cy="1384995"/>
+          </a:xfrm>
+          <a:prstGeom prst="rect">
+            <a:avLst/>
+          </a:prstGeom>
+        </p:spPr>
+        <p:txBody>
+          <a:bodyPr wrap="square">
+            <a:spAutoFit/>
+          </a:bodyPr>
+          <a:lstStyle/>
+          <a:p>
+            <a:pPr marL="0" lvl="1">
+              <a:spcBef>
+                <a:spcPts val="600"/>
+              </a:spcBef>
+              <a:buClr>
+                <a:srgbClr val="F0AB00"/>
+              </a:buClr>
+              <a:buSzPct val="80000"/>
+              <a:buNone/>
+            </a:pPr>
+            <a:r>
+              <a:rPr lang="de-DE" sz="2000" b="1" dirty="0" smtClean="0">
+                <a:solidFill>
+                  <a:srgbClr val="000000"/>
+                </a:solidFill>
+              </a:rPr>
+              <a:t>Logische Operatoren</a:t>
+            </a:r>
+            <a:endParaRPr lang="de-DE" sz="2000" dirty="0">
+              <a:solidFill>
+                <a:srgbClr val="000000"/>
+              </a:solidFill>
+            </a:endParaRPr>
+          </a:p>
+          <a:p>
+            <a:pPr marL="180000" lvl="2" indent="-180000">
+              <a:spcBef>
+                <a:spcPts val="400"/>
+              </a:spcBef>
+              <a:buClr>
+                <a:srgbClr val="F0AB00"/>
+              </a:buClr>
+              <a:buSzPct val="100000"/>
+              <a:buFont typeface="Wingdings" pitchFamily="2" charset="2"/>
+              <a:buChar char=""/>
+            </a:pPr>
+            <a:r>
+              <a:rPr lang="de-DE" sz="1800" dirty="0" smtClean="0">
+                <a:solidFill>
+                  <a:srgbClr val="000000"/>
+                </a:solidFill>
+              </a:rPr>
+              <a:t>!	NOT</a:t>
+            </a:r>
+          </a:p>
+          <a:p>
+            <a:pPr marL="180000" lvl="2" indent="-180000">
+              <a:spcBef>
+                <a:spcPts val="400"/>
+              </a:spcBef>
+              <a:buClr>
+                <a:srgbClr val="F0AB00"/>
+              </a:buClr>
+              <a:buSzPct val="100000"/>
+              <a:buFont typeface="Wingdings" pitchFamily="2" charset="2"/>
+              <a:buChar char=""/>
+            </a:pPr>
+            <a:r>
+              <a:rPr lang="de-DE" sz="1800" dirty="0" smtClean="0">
+                <a:solidFill>
+                  <a:srgbClr val="000000"/>
+                </a:solidFill>
+              </a:rPr>
+              <a:t>&amp;&amp;</a:t>
+            </a:r>
+            <a:r>
+              <a:rPr lang="de-DE" sz="1800" dirty="0">
+                <a:solidFill>
+                  <a:srgbClr val="000000"/>
+                </a:solidFill>
+              </a:rPr>
+              <a:t>	AND</a:t>
+            </a:r>
+          </a:p>
+          <a:p>
+            <a:pPr marL="180000" lvl="2" indent="-180000">
+              <a:spcBef>
+                <a:spcPts val="400"/>
+              </a:spcBef>
+              <a:buClr>
+                <a:srgbClr val="F0AB00"/>
+              </a:buClr>
+              <a:buSzPct val="100000"/>
+              <a:buFont typeface="Wingdings" pitchFamily="2" charset="2"/>
+              <a:buChar char=""/>
+            </a:pPr>
+            <a:r>
+              <a:rPr lang="de-DE" sz="1800" dirty="0">
+                <a:solidFill>
+                  <a:srgbClr val="000000"/>
+                </a:solidFill>
+              </a:rPr>
+              <a:t>||	OR</a:t>
+            </a:r>
+          </a:p>
+        </p:txBody>
+      </p:sp>
+      <p:sp>
+        <p:nvSpPr>
+          <p:cNvPr id="6" name="Rectangle 5"/>
+          <p:cNvSpPr/>
+          <p:nvPr/>
+        </p:nvSpPr>
+        <p:spPr>
+          <a:xfrm>
+            <a:off x="7969927" y="1596511"/>
+            <a:ext cx="3645127" cy="1056700"/>
+          </a:xfrm>
+          <a:prstGeom prst="rect">
+            <a:avLst/>
+          </a:prstGeom>
+        </p:spPr>
+        <p:txBody>
+          <a:bodyPr wrap="square">
+            <a:spAutoFit/>
+          </a:bodyPr>
+          <a:lstStyle/>
+          <a:p>
+            <a:pPr marL="0" lvl="1">
+              <a:spcBef>
+                <a:spcPts val="600"/>
+              </a:spcBef>
+              <a:buClr>
+                <a:srgbClr val="F0AB00"/>
+              </a:buClr>
+              <a:buSzPct val="80000"/>
+              <a:buNone/>
+            </a:pPr>
+            <a:r>
+              <a:rPr lang="de-DE" sz="2000" b="1" dirty="0" smtClean="0">
+                <a:solidFill>
+                  <a:srgbClr val="000000"/>
+                </a:solidFill>
+              </a:rPr>
+              <a:t>Typenoperatoren</a:t>
+            </a:r>
+            <a:endParaRPr lang="de-DE" sz="2000" dirty="0">
+              <a:solidFill>
+                <a:srgbClr val="000000"/>
+              </a:solidFill>
+            </a:endParaRPr>
+          </a:p>
+          <a:p>
+            <a:pPr marL="180000" lvl="2" indent="-180000">
+              <a:spcBef>
+                <a:spcPts val="400"/>
+              </a:spcBef>
+              <a:buClr>
+                <a:srgbClr val="F0AB00"/>
+              </a:buClr>
+              <a:buSzPct val="100000"/>
+              <a:buFont typeface="Wingdings" pitchFamily="2" charset="2"/>
+              <a:buChar char=""/>
+            </a:pPr>
+            <a:r>
+              <a:rPr lang="de-DE" sz="1800" dirty="0" err="1">
+                <a:solidFill>
+                  <a:srgbClr val="000000"/>
+                </a:solidFill>
+              </a:rPr>
+              <a:t>t</a:t>
+            </a:r>
+            <a:r>
+              <a:rPr lang="de-DE" sz="1800" dirty="0" err="1" smtClean="0">
+                <a:solidFill>
+                  <a:srgbClr val="000000"/>
+                </a:solidFill>
+              </a:rPr>
+              <a:t>ypeof</a:t>
+            </a:r>
+            <a:r>
+              <a:rPr lang="de-DE" sz="1800" dirty="0" smtClean="0">
+                <a:solidFill>
+                  <a:srgbClr val="000000"/>
+                </a:solidFill>
+              </a:rPr>
+              <a:t>		Typ von</a:t>
+            </a:r>
+            <a:endParaRPr lang="de-DE" sz="1800" dirty="0">
+              <a:solidFill>
+                <a:srgbClr val="000000"/>
+              </a:solidFill>
+            </a:endParaRPr>
+          </a:p>
+          <a:p>
+            <a:pPr marL="180000" lvl="2" indent="-180000">
+              <a:spcBef>
+                <a:spcPts val="400"/>
+              </a:spcBef>
+              <a:buClr>
+                <a:srgbClr val="F0AB00"/>
+              </a:buClr>
+              <a:buSzPct val="100000"/>
+              <a:buFont typeface="Wingdings" pitchFamily="2" charset="2"/>
+              <a:buChar char=""/>
+            </a:pPr>
+            <a:r>
+              <a:rPr lang="de-DE" sz="1800" dirty="0" err="1" smtClean="0">
+                <a:solidFill>
+                  <a:srgbClr val="000000"/>
+                </a:solidFill>
+              </a:rPr>
+              <a:t>instanceof</a:t>
+            </a:r>
+            <a:r>
+              <a:rPr lang="de-DE" sz="1800" dirty="0">
+                <a:solidFill>
+                  <a:srgbClr val="000000"/>
+                </a:solidFill>
+              </a:rPr>
+              <a:t>	</a:t>
+            </a:r>
+            <a:r>
+              <a:rPr lang="de-DE" sz="1800" dirty="0" smtClean="0">
+                <a:solidFill>
+                  <a:srgbClr val="000000"/>
+                </a:solidFill>
+              </a:rPr>
+              <a:t>Instanz von</a:t>
+            </a:r>
+            <a:endParaRPr lang="de-DE" sz="1800" dirty="0">
+              <a:solidFill>
+                <a:srgbClr val="000000"/>
+              </a:solidFill>
+            </a:endParaRPr>
+          </a:p>
+        </p:txBody>
+      </p:sp>
+      <p:sp>
+        <p:nvSpPr>
+          <p:cNvPr id="8" name="Rectangle 7"/>
+          <p:cNvSpPr/>
+          <p:nvPr/>
+        </p:nvSpPr>
+        <p:spPr>
+          <a:xfrm>
+            <a:off x="339045" y="1596511"/>
+            <a:ext cx="3318555" cy="3683060"/>
+          </a:xfrm>
+          <a:prstGeom prst="rect">
+            <a:avLst/>
+          </a:prstGeom>
+        </p:spPr>
+        <p:txBody>
+          <a:bodyPr wrap="square">
+            <a:spAutoFit/>
+          </a:bodyPr>
+          <a:lstStyle/>
+          <a:p>
+            <a:pPr lvl="0">
+              <a:spcBef>
+                <a:spcPts val="2400"/>
+              </a:spcBef>
+              <a:buClr>
+                <a:srgbClr val="F0AB00"/>
+              </a:buClr>
+              <a:buSzPct val="80000"/>
+            </a:pPr>
+            <a:r>
+              <a:rPr lang="de-DE" sz="2000" b="1" dirty="0">
+                <a:solidFill>
+                  <a:srgbClr val="000000"/>
+                </a:solidFill>
+              </a:rPr>
+              <a:t>Vergleichsoperatoren</a:t>
+            </a:r>
+          </a:p>
+          <a:p>
+            <a:pPr marL="180000" lvl="2" indent="-180000">
+              <a:spcBef>
+                <a:spcPts val="400"/>
+              </a:spcBef>
+              <a:buClr>
+                <a:srgbClr val="F0AB00"/>
+              </a:buClr>
+              <a:buSzPct val="100000"/>
+              <a:buFont typeface="Wingdings" pitchFamily="2" charset="2"/>
+              <a:buChar char=""/>
+            </a:pPr>
+            <a:r>
+              <a:rPr lang="de-DE" sz="1800" dirty="0">
+                <a:solidFill>
+                  <a:srgbClr val="000000"/>
+                </a:solidFill>
+              </a:rPr>
+              <a:t>==	</a:t>
+            </a:r>
+            <a:r>
+              <a:rPr lang="de-DE" sz="1800" dirty="0" err="1">
+                <a:solidFill>
+                  <a:srgbClr val="000000"/>
+                </a:solidFill>
+              </a:rPr>
+              <a:t>istgleich</a:t>
+            </a:r>
+            <a:endParaRPr lang="de-DE" sz="1800" dirty="0">
+              <a:solidFill>
+                <a:srgbClr val="000000"/>
+              </a:solidFill>
+            </a:endParaRPr>
+          </a:p>
+          <a:p>
+            <a:pPr marL="180000" lvl="2" indent="-180000">
+              <a:spcBef>
+                <a:spcPts val="400"/>
+              </a:spcBef>
+              <a:buClr>
+                <a:srgbClr val="F0AB00"/>
+              </a:buClr>
+              <a:buSzPct val="100000"/>
+              <a:buFont typeface="Wingdings" pitchFamily="2" charset="2"/>
+              <a:buChar char=""/>
+            </a:pPr>
+            <a:r>
+              <a:rPr lang="de-DE" sz="1800" dirty="0">
+                <a:solidFill>
+                  <a:srgbClr val="000000"/>
+                </a:solidFill>
+              </a:rPr>
+              <a:t>===	</a:t>
+            </a:r>
+            <a:r>
+              <a:rPr lang="de-DE" sz="1800" dirty="0" err="1">
+                <a:solidFill>
+                  <a:srgbClr val="000000"/>
+                </a:solidFill>
+              </a:rPr>
+              <a:t>istgleich</a:t>
+            </a:r>
+            <a:r>
+              <a:rPr lang="de-DE" sz="1800" dirty="0">
+                <a:solidFill>
+                  <a:srgbClr val="000000"/>
+                </a:solidFill>
+              </a:rPr>
+              <a:t> (+Typ)</a:t>
+            </a:r>
+          </a:p>
+          <a:p>
+            <a:pPr marL="180000" lvl="2" indent="-180000">
+              <a:spcBef>
+                <a:spcPts val="400"/>
+              </a:spcBef>
+              <a:buClr>
+                <a:srgbClr val="F0AB00"/>
+              </a:buClr>
+              <a:buSzPct val="100000"/>
+              <a:buFont typeface="Wingdings" pitchFamily="2" charset="2"/>
+              <a:buChar char=""/>
+            </a:pPr>
+            <a:r>
+              <a:rPr lang="de-DE" sz="1800" dirty="0">
+                <a:solidFill>
+                  <a:srgbClr val="000000"/>
+                </a:solidFill>
+              </a:rPr>
+              <a:t>!=	ungleich</a:t>
+            </a:r>
+          </a:p>
+          <a:p>
+            <a:pPr marL="180000" lvl="2" indent="-180000">
+              <a:spcBef>
+                <a:spcPts val="400"/>
+              </a:spcBef>
+              <a:buClr>
+                <a:srgbClr val="F0AB00"/>
+              </a:buClr>
+              <a:buSzPct val="100000"/>
+              <a:buFont typeface="Wingdings" pitchFamily="2" charset="2"/>
+              <a:buChar char=""/>
+            </a:pPr>
+            <a:r>
+              <a:rPr lang="de-DE" sz="1800" dirty="0">
+                <a:solidFill>
+                  <a:srgbClr val="000000"/>
+                </a:solidFill>
+              </a:rPr>
+              <a:t>!==	ungleich (+Typ)</a:t>
+            </a:r>
+          </a:p>
+          <a:p>
+            <a:pPr marL="180000" lvl="2" indent="-180000">
+              <a:spcBef>
+                <a:spcPts val="400"/>
+              </a:spcBef>
+              <a:buClr>
+                <a:srgbClr val="F0AB00"/>
+              </a:buClr>
+              <a:buSzPct val="100000"/>
+              <a:buFont typeface="Wingdings" pitchFamily="2" charset="2"/>
+              <a:buChar char=""/>
+            </a:pPr>
+            <a:r>
+              <a:rPr lang="de-DE" sz="1800" dirty="0">
+                <a:solidFill>
+                  <a:srgbClr val="000000"/>
+                </a:solidFill>
+              </a:rPr>
+              <a:t>&lt;	kleiner</a:t>
+            </a:r>
+          </a:p>
+          <a:p>
+            <a:pPr marL="180000" lvl="2" indent="-180000">
+              <a:spcBef>
+                <a:spcPts val="400"/>
+              </a:spcBef>
+              <a:buClr>
+                <a:srgbClr val="F0AB00"/>
+              </a:buClr>
+              <a:buSzPct val="100000"/>
+              <a:buFont typeface="Wingdings" pitchFamily="2" charset="2"/>
+              <a:buChar char=""/>
+            </a:pPr>
+            <a:r>
+              <a:rPr lang="de-DE" sz="1800" dirty="0">
+                <a:solidFill>
+                  <a:srgbClr val="000000"/>
+                </a:solidFill>
+              </a:rPr>
+              <a:t>&gt;	größer</a:t>
+            </a:r>
+          </a:p>
+          <a:p>
+            <a:pPr marL="180000" lvl="2" indent="-180000">
+              <a:spcBef>
+                <a:spcPts val="400"/>
+              </a:spcBef>
+              <a:buClr>
+                <a:srgbClr val="F0AB00"/>
+              </a:buClr>
+              <a:buSzPct val="100000"/>
+              <a:buFont typeface="Wingdings" pitchFamily="2" charset="2"/>
+              <a:buChar char=""/>
+            </a:pPr>
+            <a:r>
+              <a:rPr lang="de-DE" sz="1800" dirty="0">
+                <a:solidFill>
+                  <a:srgbClr val="000000"/>
+                </a:solidFill>
+              </a:rPr>
+              <a:t>&lt;=	</a:t>
+            </a:r>
+            <a:r>
+              <a:rPr lang="de-DE" sz="1800" dirty="0" err="1">
+                <a:solidFill>
+                  <a:srgbClr val="000000"/>
+                </a:solidFill>
+              </a:rPr>
+              <a:t>kleinergleich</a:t>
+            </a:r>
+            <a:endParaRPr lang="de-DE" sz="1800" dirty="0">
+              <a:solidFill>
+                <a:srgbClr val="000000"/>
+              </a:solidFill>
+            </a:endParaRPr>
+          </a:p>
+          <a:p>
+            <a:pPr marL="180000" lvl="2" indent="-180000">
+              <a:spcBef>
+                <a:spcPts val="400"/>
+              </a:spcBef>
+              <a:buClr>
+                <a:srgbClr val="F0AB00"/>
+              </a:buClr>
+              <a:buSzPct val="100000"/>
+              <a:buFont typeface="Wingdings" pitchFamily="2" charset="2"/>
+              <a:buChar char=""/>
+            </a:pPr>
+            <a:r>
+              <a:rPr lang="de-DE" sz="1800" dirty="0">
+                <a:solidFill>
+                  <a:srgbClr val="000000"/>
+                </a:solidFill>
+              </a:rPr>
+              <a:t>&gt;=	</a:t>
+            </a:r>
+            <a:r>
+              <a:rPr lang="de-DE" sz="1800" dirty="0" err="1">
+                <a:solidFill>
+                  <a:srgbClr val="000000"/>
+                </a:solidFill>
+              </a:rPr>
+              <a:t>größergleich</a:t>
+            </a:r>
+            <a:endParaRPr lang="de-DE" sz="1800" dirty="0">
+              <a:solidFill>
+                <a:srgbClr val="000000"/>
+              </a:solidFill>
+            </a:endParaRPr>
+          </a:p>
+          <a:p>
+            <a:pPr marL="180000" lvl="2" indent="-180000">
+              <a:spcBef>
+                <a:spcPts val="400"/>
+              </a:spcBef>
+              <a:buClr>
+                <a:srgbClr val="F0AB00"/>
+              </a:buClr>
+              <a:buSzPct val="100000"/>
+              <a:buFont typeface="Wingdings" pitchFamily="2" charset="2"/>
+              <a:buChar char=""/>
+            </a:pPr>
+            <a:endParaRPr lang="de-DE" sz="1800" dirty="0">
+              <a:solidFill>
+                <a:srgbClr val="000000"/>
+              </a:solidFill>
+            </a:endParaRPr>
+          </a:p>
+          <a:p>
+            <a:pPr marL="180000" lvl="2" indent="-180000">
+              <a:spcBef>
+                <a:spcPts val="400"/>
+              </a:spcBef>
+              <a:buClr>
+                <a:srgbClr val="F0AB00"/>
+              </a:buClr>
+              <a:buSzPct val="100000"/>
+              <a:buFont typeface="Wingdings" pitchFamily="2" charset="2"/>
+              <a:buChar char=""/>
+            </a:pPr>
+            <a:r>
+              <a:rPr lang="de-DE" sz="1800" dirty="0">
+                <a:solidFill>
+                  <a:srgbClr val="000000"/>
+                </a:solidFill>
+              </a:rPr>
+              <a:t>in	Element von</a:t>
+            </a:r>
+          </a:p>
+        </p:txBody>
+      </p:sp>
+    </p:spTree>
+    <p:extLst>
+      <p:ext uri="{BB962C8B-B14F-4D97-AF65-F5344CB8AC3E}">
+        <p14:creationId xmlns:p14="http://schemas.microsoft.com/office/powerpoint/2010/main" val="3925593067"/>
+      </p:ext>
+    </p:extLst>
+  </p:cSld>
+  <p:clrMapOvr>
+    <a:masterClrMapping/>
+  </p:clrMapOvr>
+</p:sld>
+</file>
+
+<file path=ppt/slides/slide22.xml><?xml version="1.0" encoding="utf-8"?>
+<p:sld xmlns:a="http://schemas.openxmlformats.org/drawingml/2006/main" xmlns:r="http://schemas.openxmlformats.org/officeDocument/2006/relationships" xmlns:p="http://schemas.openxmlformats.org/presentationml/2006/main">
+  <p:cSld>
+    <p:spTree>
+      <p:nvGrpSpPr>
+        <p:cNvPr id="1" name=""/>
+        <p:cNvGrpSpPr/>
+        <p:nvPr/>
+      </p:nvGrpSpPr>
+      <p:grpSpPr>
+        <a:xfrm>
+          <a:off x="0" y="0"/>
+          <a:ext cx="0" cy="0"/>
+          <a:chOff x="0" y="0"/>
+          <a:chExt cx="0" cy="0"/>
+        </a:xfrm>
+      </p:grpSpPr>
+      <p:sp>
+        <p:nvSpPr>
+          <p:cNvPr id="2" name="Title 1"/>
+          <p:cNvSpPr>
+            <a:spLocks noGrp="1"/>
+          </p:cNvSpPr>
+          <p:nvPr>
+            <p:ph type="title"/>
+          </p:nvPr>
+        </p:nvSpPr>
+        <p:spPr/>
+        <p:txBody>
+          <a:bodyPr/>
+          <a:lstStyle/>
+          <a:p>
+            <a:r>
+              <a:rPr lang="de-DE" dirty="0" smtClean="0"/>
+              <a:t>Bedingungen – </a:t>
+            </a:r>
+            <a:r>
+              <a:rPr lang="de-DE" dirty="0" err="1" smtClean="0"/>
+              <a:t>Truthy</a:t>
+            </a:r>
+            <a:endParaRPr lang="de-DE" dirty="0"/>
+          </a:p>
+        </p:txBody>
+      </p:sp>
+      <p:sp>
+        <p:nvSpPr>
+          <p:cNvPr id="3" name="Text Placeholder 2"/>
+          <p:cNvSpPr>
+            <a:spLocks noGrp="1"/>
+          </p:cNvSpPr>
+          <p:nvPr>
+            <p:ph type="body" sz="quarter" idx="10"/>
+          </p:nvPr>
+        </p:nvSpPr>
+        <p:spPr/>
+        <p:txBody>
+          <a:bodyPr/>
+          <a:lstStyle/>
+          <a:p>
+            <a:r>
+              <a:rPr lang="de-DE" dirty="0" smtClean="0"/>
+              <a:t>Allgemein</a:t>
+            </a:r>
+          </a:p>
+          <a:p>
+            <a:pPr lvl="1"/>
+            <a:r>
+              <a:rPr lang="de-DE" dirty="0" smtClean="0"/>
+              <a:t>Jeder Wert hat einen zugehörigen booleschen Wert</a:t>
+            </a:r>
+          </a:p>
+          <a:p>
+            <a:r>
+              <a:rPr lang="de-DE" dirty="0" err="1" smtClean="0"/>
+              <a:t>Falsy</a:t>
+            </a:r>
+            <a:endParaRPr lang="de-DE" dirty="0" smtClean="0"/>
+          </a:p>
+          <a:p>
+            <a:pPr lvl="1"/>
+            <a:r>
+              <a:rPr lang="de-DE" dirty="0" smtClean="0"/>
+              <a:t>Folgende Werte werden als false interpretiert:</a:t>
+            </a:r>
+          </a:p>
+          <a:p>
+            <a:pPr lvl="2"/>
+            <a:r>
+              <a:rPr lang="de-DE" dirty="0"/>
+              <a:t>f</a:t>
+            </a:r>
+            <a:r>
+              <a:rPr lang="de-DE" dirty="0" smtClean="0"/>
+              <a:t>alse</a:t>
+            </a:r>
+          </a:p>
+          <a:p>
+            <a:pPr lvl="2"/>
+            <a:r>
+              <a:rPr lang="de-DE" dirty="0" smtClean="0"/>
+              <a:t>0</a:t>
+            </a:r>
+          </a:p>
+          <a:p>
+            <a:pPr lvl="2"/>
+            <a:r>
+              <a:rPr lang="de-DE" b="1" dirty="0" smtClean="0"/>
+              <a:t>""</a:t>
+            </a:r>
+            <a:r>
+              <a:rPr lang="de-DE" dirty="0" smtClean="0"/>
+              <a:t>  	(leerer String)</a:t>
+            </a:r>
+          </a:p>
+          <a:p>
+            <a:pPr lvl="2"/>
+            <a:r>
+              <a:rPr lang="de-DE" dirty="0" smtClean="0"/>
+              <a:t>null</a:t>
+            </a:r>
+          </a:p>
+          <a:p>
+            <a:pPr lvl="2"/>
+            <a:r>
+              <a:rPr lang="de-DE" dirty="0" err="1" smtClean="0"/>
+              <a:t>undefined</a:t>
+            </a:r>
+            <a:endParaRPr lang="de-DE" dirty="0" smtClean="0"/>
+          </a:p>
+          <a:p>
+            <a:pPr lvl="2"/>
+            <a:r>
+              <a:rPr lang="de-DE" dirty="0" err="1" smtClean="0"/>
+              <a:t>NaN</a:t>
+            </a:r>
+            <a:r>
+              <a:rPr lang="de-DE" dirty="0" smtClean="0"/>
+              <a:t> 	(Not a </a:t>
+            </a:r>
+            <a:r>
+              <a:rPr lang="de-DE" dirty="0" err="1" smtClean="0"/>
+              <a:t>Number</a:t>
+            </a:r>
+            <a:r>
+              <a:rPr lang="de-DE" dirty="0" smtClean="0"/>
+              <a:t>)</a:t>
+            </a:r>
+          </a:p>
+          <a:p>
+            <a:r>
+              <a:rPr lang="de-DE" dirty="0" err="1" smtClean="0"/>
+              <a:t>Truthy</a:t>
+            </a:r>
+            <a:endParaRPr lang="de-DE" dirty="0" smtClean="0"/>
+          </a:p>
+          <a:p>
+            <a:pPr lvl="1"/>
+            <a:r>
+              <a:rPr lang="de-DE" dirty="0" smtClean="0"/>
+              <a:t>Alle anderen Werte werden als true interpretiert!</a:t>
+            </a:r>
+            <a:endParaRPr lang="de-DE" dirty="0"/>
+          </a:p>
+        </p:txBody>
+      </p:sp>
+    </p:spTree>
+    <p:extLst>
+      <p:ext uri="{BB962C8B-B14F-4D97-AF65-F5344CB8AC3E}">
+        <p14:creationId xmlns:p14="http://schemas.microsoft.com/office/powerpoint/2010/main" val="3894751267"/>
+      </p:ext>
+    </p:extLst>
+  </p:cSld>
+  <p:clrMapOvr>
+    <a:masterClrMapping/>
+  </p:clrMapOvr>
+</p:sld>
+</file>
+
+<file path=ppt/slides/slide23.xml><?xml version="1.0" encoding="utf-8"?>
+<p:sld xmlns:a="http://schemas.openxmlformats.org/drawingml/2006/main" xmlns:r="http://schemas.openxmlformats.org/officeDocument/2006/relationships" xmlns:p="http://schemas.openxmlformats.org/presentationml/2006/main">
+  <p:cSld>
+    <p:spTree>
+      <p:nvGrpSpPr>
+        <p:cNvPr id="1" name=""/>
+        <p:cNvGrpSpPr/>
+        <p:nvPr/>
+      </p:nvGrpSpPr>
+      <p:grpSpPr>
+        <a:xfrm>
+          <a:off x="0" y="0"/>
+          <a:ext cx="0" cy="0"/>
+          <a:chOff x="0" y="0"/>
+          <a:chExt cx="0" cy="0"/>
+        </a:xfrm>
+      </p:grpSpPr>
+      <p:sp>
+        <p:nvSpPr>
+          <p:cNvPr id="2" name="Title 1"/>
+          <p:cNvSpPr>
+            <a:spLocks noGrp="1"/>
+          </p:cNvSpPr>
+          <p:nvPr>
+            <p:ph type="title"/>
+          </p:nvPr>
+        </p:nvSpPr>
+        <p:spPr/>
+        <p:txBody>
+          <a:bodyPr/>
+          <a:lstStyle/>
+          <a:p>
+            <a:r>
+              <a:rPr lang="de-DE" dirty="0" smtClean="0"/>
+              <a:t>Übung – Bedingungen</a:t>
+            </a:r>
+            <a:endParaRPr lang="de-DE" dirty="0"/>
+          </a:p>
+        </p:txBody>
+      </p:sp>
+      <p:sp>
+        <p:nvSpPr>
+          <p:cNvPr id="3" name="Text Placeholder 2"/>
+          <p:cNvSpPr>
+            <a:spLocks noGrp="1"/>
+          </p:cNvSpPr>
+          <p:nvPr>
+            <p:ph type="body" sz="quarter" idx="10"/>
+          </p:nvPr>
+        </p:nvSpPr>
+        <p:spPr/>
+        <p:txBody>
+          <a:bodyPr/>
+          <a:lstStyle/>
+          <a:p>
+            <a:r>
+              <a:rPr lang="de-DE" dirty="0" smtClean="0"/>
+              <a:t>Welchen Rückgabewert (true/false) liefern die folgenden Bedingungen?</a:t>
+            </a:r>
+            <a:endParaRPr lang="de-DE" dirty="0" smtClean="0">
+              <a:solidFill>
+                <a:srgbClr val="000000"/>
+              </a:solidFill>
+              <a:latin typeface="Consolas"/>
+            </a:endParaRPr>
+          </a:p>
+          <a:p>
+            <a:endParaRPr lang="de-DE" dirty="0" smtClean="0">
+              <a:solidFill>
+                <a:srgbClr val="000000"/>
+              </a:solidFill>
+              <a:latin typeface="Consolas"/>
+            </a:endParaRPr>
+          </a:p>
+          <a:p>
+            <a:pPr marL="457200" lvl="1" indent="-457200">
+              <a:buFont typeface="+mj-lt"/>
+              <a:buAutoNum type="arabicPeriod"/>
+            </a:pPr>
+            <a:endParaRPr lang="de-DE" dirty="0"/>
+          </a:p>
+        </p:txBody>
+      </p:sp>
+      <p:sp>
+        <p:nvSpPr>
+          <p:cNvPr id="5" name="Rectangle 4"/>
+          <p:cNvSpPr/>
+          <p:nvPr/>
+        </p:nvSpPr>
+        <p:spPr>
+          <a:xfrm>
+            <a:off x="503884" y="2147581"/>
+            <a:ext cx="5404043" cy="4154984"/>
+          </a:xfrm>
+          <a:prstGeom prst="rect">
+            <a:avLst/>
+          </a:prstGeom>
+        </p:spPr>
+        <p:txBody>
+          <a:bodyPr wrap="none">
+            <a:spAutoFit/>
+          </a:bodyPr>
+          <a:lstStyle/>
+          <a:p>
+            <a:pPr marL="457200" indent="-457200">
+              <a:buFont typeface="+mj-lt"/>
+              <a:buAutoNum type="arabicPeriod"/>
+            </a:pPr>
+            <a:r>
+              <a:rPr lang="de-DE" sz="2400" dirty="0" smtClean="0">
+                <a:latin typeface="Consolas"/>
+              </a:rPr>
+              <a:t> </a:t>
+            </a:r>
+            <a:r>
+              <a:rPr lang="de-DE" sz="2400" dirty="0" smtClean="0">
+                <a:solidFill>
+                  <a:srgbClr val="2A00FF"/>
+                </a:solidFill>
+                <a:latin typeface="Consolas"/>
+              </a:rPr>
+              <a:t>"1"</a:t>
+            </a:r>
+            <a:r>
+              <a:rPr lang="de-DE" sz="2400" dirty="0" smtClean="0">
+                <a:solidFill>
+                  <a:srgbClr val="000000"/>
+                </a:solidFill>
+                <a:latin typeface="Consolas"/>
+              </a:rPr>
+              <a:t> == 1</a:t>
+            </a:r>
+          </a:p>
+          <a:p>
+            <a:pPr marL="457200" indent="-457200">
+              <a:buFont typeface="+mj-lt"/>
+              <a:buAutoNum type="arabicPeriod"/>
+            </a:pPr>
+            <a:r>
+              <a:rPr lang="de-DE" sz="2400" dirty="0" smtClean="0">
+                <a:solidFill>
+                  <a:srgbClr val="000000"/>
+                </a:solidFill>
+                <a:latin typeface="Consolas"/>
+              </a:rPr>
+              <a:t> [1] == </a:t>
+            </a:r>
+            <a:r>
+              <a:rPr lang="de-DE" sz="2400" dirty="0" smtClean="0">
+                <a:solidFill>
+                  <a:srgbClr val="2A00FF"/>
+                </a:solidFill>
+                <a:latin typeface="Consolas"/>
+              </a:rPr>
+              <a:t>"1"</a:t>
+            </a:r>
+          </a:p>
+          <a:p>
+            <a:pPr marL="457200" indent="-457200">
+              <a:buFont typeface="+mj-lt"/>
+              <a:buAutoNum type="arabicPeriod"/>
+            </a:pPr>
+            <a:r>
+              <a:rPr lang="de-DE" sz="2400" dirty="0" smtClean="0">
+                <a:solidFill>
+                  <a:srgbClr val="000000"/>
+                </a:solidFill>
+                <a:latin typeface="Consolas"/>
+              </a:rPr>
+              <a:t> []</a:t>
+            </a:r>
+            <a:endParaRPr lang="de-DE" sz="2400" dirty="0" smtClean="0">
+              <a:latin typeface="Consolas"/>
+            </a:endParaRPr>
+          </a:p>
+          <a:p>
+            <a:pPr marL="457200" indent="-457200">
+              <a:buFont typeface="+mj-lt"/>
+              <a:buAutoNum type="arabicPeriod"/>
+            </a:pPr>
+            <a:r>
+              <a:rPr lang="de-DE" sz="2400" dirty="0" smtClean="0">
+                <a:latin typeface="Consolas"/>
+              </a:rPr>
+              <a:t> </a:t>
+            </a:r>
+            <a:r>
+              <a:rPr lang="de-DE" sz="2400" dirty="0" smtClean="0">
+                <a:solidFill>
+                  <a:srgbClr val="2A00FF"/>
+                </a:solidFill>
+                <a:latin typeface="Consolas"/>
+              </a:rPr>
+              <a:t>""</a:t>
+            </a:r>
+            <a:endParaRPr lang="de-DE" sz="2400" dirty="0" smtClean="0">
+              <a:solidFill>
+                <a:srgbClr val="000000"/>
+              </a:solidFill>
+              <a:latin typeface="Consolas"/>
+            </a:endParaRPr>
+          </a:p>
+          <a:p>
+            <a:pPr marL="457200" indent="-457200">
+              <a:buFont typeface="+mj-lt"/>
+              <a:buAutoNum type="arabicPeriod"/>
+            </a:pPr>
+            <a:r>
+              <a:rPr lang="de-DE" sz="2400" dirty="0" smtClean="0">
+                <a:solidFill>
+                  <a:srgbClr val="000000"/>
+                </a:solidFill>
+                <a:latin typeface="Consolas"/>
+              </a:rPr>
+              <a:t> [] == </a:t>
+            </a:r>
+            <a:r>
+              <a:rPr lang="de-DE" sz="2400" dirty="0" smtClean="0">
+                <a:solidFill>
+                  <a:srgbClr val="2A00FF"/>
+                </a:solidFill>
+                <a:latin typeface="Consolas"/>
+              </a:rPr>
+              <a:t>""</a:t>
+            </a:r>
+            <a:endParaRPr lang="de-DE" sz="2400" dirty="0" smtClean="0">
+              <a:solidFill>
+                <a:srgbClr val="000000"/>
+              </a:solidFill>
+              <a:latin typeface="Consolas"/>
+            </a:endParaRPr>
+          </a:p>
+          <a:p>
+            <a:pPr marL="457200" indent="-457200">
+              <a:buFont typeface="+mj-lt"/>
+              <a:buAutoNum type="arabicPeriod"/>
+            </a:pPr>
+            <a:r>
+              <a:rPr lang="de-DE" sz="2400" dirty="0" smtClean="0">
+                <a:solidFill>
+                  <a:srgbClr val="000000"/>
+                </a:solidFill>
+                <a:latin typeface="Consolas"/>
+              </a:rPr>
+              <a:t> [4, [8, [15]]] == </a:t>
+            </a:r>
+            <a:r>
+              <a:rPr lang="de-DE" sz="2400" dirty="0" smtClean="0">
+                <a:solidFill>
+                  <a:srgbClr val="2A00FF"/>
+                </a:solidFill>
+                <a:latin typeface="Consolas"/>
+              </a:rPr>
+              <a:t>"4,8,15"</a:t>
+            </a:r>
+            <a:r>
+              <a:rPr lang="de-DE" sz="2400" dirty="0" smtClean="0">
+                <a:solidFill>
+                  <a:srgbClr val="000000"/>
+                </a:solidFill>
+                <a:latin typeface="Consolas"/>
+              </a:rPr>
+              <a:t>;</a:t>
+            </a:r>
+          </a:p>
+          <a:p>
+            <a:pPr marL="457200" indent="-457200">
+              <a:buFont typeface="+mj-lt"/>
+              <a:buAutoNum type="arabicPeriod"/>
+            </a:pPr>
+            <a:r>
+              <a:rPr lang="de-DE" sz="2400" dirty="0" smtClean="0">
+                <a:latin typeface="Consolas"/>
+              </a:rPr>
+              <a:t> </a:t>
+            </a:r>
+            <a:r>
+              <a:rPr lang="de-DE" sz="2400" b="1" dirty="0" smtClean="0">
+                <a:solidFill>
+                  <a:srgbClr val="7F0055"/>
+                </a:solidFill>
+                <a:latin typeface="Consolas"/>
+              </a:rPr>
+              <a:t>true</a:t>
+            </a:r>
+            <a:r>
+              <a:rPr lang="de-DE" sz="2400" b="1" dirty="0" smtClean="0">
+                <a:solidFill>
+                  <a:srgbClr val="000000"/>
+                </a:solidFill>
+                <a:latin typeface="Consolas"/>
+              </a:rPr>
+              <a:t> &gt; </a:t>
+            </a:r>
+            <a:r>
+              <a:rPr lang="de-DE" sz="2400" b="1" dirty="0" smtClean="0">
+                <a:solidFill>
+                  <a:srgbClr val="7F0055"/>
+                </a:solidFill>
+                <a:latin typeface="Consolas"/>
+              </a:rPr>
+              <a:t>false</a:t>
+            </a:r>
+          </a:p>
+          <a:p>
+            <a:pPr marL="457200" indent="-457200">
+              <a:buFont typeface="+mj-lt"/>
+              <a:buAutoNum type="arabicPeriod"/>
+            </a:pPr>
+            <a:r>
+              <a:rPr lang="de-DE" sz="2400" dirty="0" smtClean="0">
+                <a:latin typeface="Consolas"/>
+              </a:rPr>
+              <a:t> </a:t>
+            </a:r>
+            <a:r>
+              <a:rPr lang="de-DE" sz="2400" b="1" dirty="0" err="1" smtClean="0">
+                <a:solidFill>
+                  <a:srgbClr val="7F0055"/>
+                </a:solidFill>
+                <a:latin typeface="Consolas"/>
+              </a:rPr>
+              <a:t>undefined</a:t>
+            </a:r>
+            <a:r>
+              <a:rPr lang="de-DE" sz="2400" b="1" dirty="0" smtClean="0">
+                <a:solidFill>
+                  <a:srgbClr val="000000"/>
+                </a:solidFill>
+                <a:latin typeface="Consolas"/>
+              </a:rPr>
+              <a:t> == </a:t>
+            </a:r>
+            <a:r>
+              <a:rPr lang="de-DE" sz="2400" b="1" dirty="0" smtClean="0">
+                <a:solidFill>
+                  <a:srgbClr val="7F0055"/>
+                </a:solidFill>
+                <a:latin typeface="Consolas"/>
+              </a:rPr>
+              <a:t>false</a:t>
+            </a:r>
+            <a:endParaRPr lang="de-DE" sz="2400" b="1" dirty="0" smtClean="0">
+              <a:solidFill>
+                <a:srgbClr val="000000"/>
+              </a:solidFill>
+              <a:latin typeface="Consolas"/>
+            </a:endParaRPr>
+          </a:p>
+          <a:p>
+            <a:pPr marL="457200" indent="-457200">
+              <a:buFont typeface="+mj-lt"/>
+              <a:buAutoNum type="arabicPeriod"/>
+            </a:pPr>
+            <a:r>
+              <a:rPr lang="de-DE" sz="2400" dirty="0" smtClean="0">
+                <a:latin typeface="Consolas"/>
+              </a:rPr>
+              <a:t> </a:t>
+            </a:r>
+            <a:r>
+              <a:rPr lang="de-DE" sz="2400" b="1" dirty="0" err="1" smtClean="0">
+                <a:solidFill>
+                  <a:srgbClr val="7F0055"/>
+                </a:solidFill>
+                <a:latin typeface="Consolas"/>
+              </a:rPr>
+              <a:t>undefined</a:t>
+            </a:r>
+            <a:r>
+              <a:rPr lang="de-DE" sz="2400" b="1" dirty="0" smtClean="0">
+                <a:solidFill>
+                  <a:srgbClr val="000000"/>
+                </a:solidFill>
+                <a:latin typeface="Consolas"/>
+              </a:rPr>
+              <a:t> </a:t>
+            </a:r>
+            <a:r>
+              <a:rPr lang="de-DE" sz="2400" b="1" dirty="0">
+                <a:solidFill>
+                  <a:srgbClr val="000000"/>
+                </a:solidFill>
+                <a:latin typeface="Consolas"/>
+              </a:rPr>
+              <a:t>== </a:t>
+            </a:r>
+            <a:r>
+              <a:rPr lang="de-DE" sz="2400" b="1" dirty="0" smtClean="0">
+                <a:solidFill>
+                  <a:srgbClr val="7F0055"/>
+                </a:solidFill>
+                <a:latin typeface="Consolas"/>
+              </a:rPr>
+              <a:t>null</a:t>
+            </a:r>
+            <a:endParaRPr lang="de-DE" sz="2400" b="1" dirty="0" smtClean="0">
+              <a:solidFill>
+                <a:srgbClr val="000000"/>
+              </a:solidFill>
+              <a:latin typeface="Consolas"/>
+            </a:endParaRPr>
+          </a:p>
+          <a:p>
+            <a:pPr marL="457200" indent="-457200">
+              <a:buFont typeface="+mj-lt"/>
+              <a:buAutoNum type="arabicPeriod"/>
+            </a:pPr>
+            <a:r>
+              <a:rPr lang="de-DE" sz="2400" dirty="0" smtClean="0">
+                <a:latin typeface="Consolas"/>
+              </a:rPr>
+              <a:t> </a:t>
+            </a:r>
+            <a:r>
+              <a:rPr lang="de-DE" sz="2400" b="1" dirty="0" smtClean="0">
+                <a:solidFill>
+                  <a:srgbClr val="7F0055"/>
+                </a:solidFill>
+                <a:latin typeface="Consolas"/>
+              </a:rPr>
+              <a:t>null </a:t>
+            </a:r>
+            <a:r>
+              <a:rPr lang="de-DE" sz="2400" b="1" dirty="0">
+                <a:solidFill>
+                  <a:srgbClr val="000000"/>
+                </a:solidFill>
+                <a:latin typeface="Consolas"/>
+              </a:rPr>
+              <a:t>== </a:t>
+            </a:r>
+            <a:r>
+              <a:rPr lang="de-DE" sz="2400" b="1" dirty="0" smtClean="0">
+                <a:solidFill>
+                  <a:srgbClr val="7F0055"/>
+                </a:solidFill>
+                <a:latin typeface="Consolas"/>
+              </a:rPr>
+              <a:t>null</a:t>
+            </a:r>
+          </a:p>
+          <a:p>
+            <a:pPr marL="457200" indent="-457200">
+              <a:buFont typeface="+mj-lt"/>
+              <a:buAutoNum type="arabicPeriod"/>
+            </a:pPr>
+            <a:r>
+              <a:rPr lang="de-DE" sz="2400" dirty="0">
+                <a:latin typeface="Consolas"/>
+              </a:rPr>
+              <a:t> </a:t>
+            </a:r>
+            <a:r>
+              <a:rPr lang="de-DE" sz="2400" dirty="0" err="1">
+                <a:solidFill>
+                  <a:srgbClr val="000000"/>
+                </a:solidFill>
+                <a:latin typeface="Consolas"/>
+              </a:rPr>
+              <a:t>NaN</a:t>
+            </a:r>
+            <a:r>
+              <a:rPr lang="de-DE" sz="2400" dirty="0">
+                <a:solidFill>
+                  <a:srgbClr val="000000"/>
+                </a:solidFill>
+                <a:latin typeface="Consolas"/>
+              </a:rPr>
+              <a:t> == </a:t>
+            </a:r>
+            <a:r>
+              <a:rPr lang="de-DE" sz="2400" dirty="0" err="1" smtClean="0">
+                <a:solidFill>
+                  <a:srgbClr val="000000"/>
+                </a:solidFill>
+                <a:latin typeface="Consolas"/>
+              </a:rPr>
+              <a:t>NaN</a:t>
+            </a:r>
+            <a:endParaRPr lang="de-DE" sz="2400" dirty="0">
+              <a:solidFill>
+                <a:srgbClr val="000000"/>
+              </a:solidFill>
+              <a:latin typeface="Consolas"/>
+            </a:endParaRPr>
+          </a:p>
+        </p:txBody>
+      </p:sp>
+      <p:sp>
+        <p:nvSpPr>
+          <p:cNvPr id="6" name="Rectangle 5"/>
+          <p:cNvSpPr/>
+          <p:nvPr/>
+        </p:nvSpPr>
+        <p:spPr>
+          <a:xfrm>
+            <a:off x="6977970" y="2147580"/>
+            <a:ext cx="4421254" cy="3416320"/>
+          </a:xfrm>
+          <a:prstGeom prst="rect">
+            <a:avLst/>
+          </a:prstGeom>
+        </p:spPr>
+        <p:txBody>
+          <a:bodyPr wrap="square">
+            <a:spAutoFit/>
+          </a:bodyPr>
+          <a:lstStyle/>
+          <a:p>
+            <a:r>
+              <a:rPr lang="de-DE" sz="2400" dirty="0" err="1">
+                <a:solidFill>
+                  <a:srgbClr val="7F0055"/>
+                </a:solidFill>
+                <a:latin typeface="Consolas"/>
+              </a:rPr>
+              <a:t>var</a:t>
+            </a:r>
+            <a:r>
+              <a:rPr lang="de-DE" sz="2400" dirty="0">
+                <a:solidFill>
+                  <a:srgbClr val="000000"/>
+                </a:solidFill>
+                <a:latin typeface="Consolas"/>
+              </a:rPr>
+              <a:t> a = [1];</a:t>
+            </a:r>
+          </a:p>
+          <a:p>
+            <a:r>
+              <a:rPr lang="de-DE" sz="2400" dirty="0" err="1">
+                <a:solidFill>
+                  <a:srgbClr val="7F0055"/>
+                </a:solidFill>
+                <a:latin typeface="Consolas"/>
+              </a:rPr>
+              <a:t>var</a:t>
+            </a:r>
+            <a:r>
+              <a:rPr lang="de-DE" sz="2400" dirty="0">
+                <a:solidFill>
+                  <a:srgbClr val="000000"/>
+                </a:solidFill>
+                <a:latin typeface="Consolas"/>
+              </a:rPr>
+              <a:t> b = 1;</a:t>
+            </a:r>
+          </a:p>
+          <a:p>
+            <a:r>
+              <a:rPr lang="de-DE" sz="2400" dirty="0" err="1">
+                <a:solidFill>
+                  <a:srgbClr val="7F0055"/>
+                </a:solidFill>
+                <a:latin typeface="Consolas"/>
+              </a:rPr>
+              <a:t>var</a:t>
+            </a:r>
+            <a:r>
+              <a:rPr lang="de-DE" sz="2400" dirty="0">
+                <a:solidFill>
+                  <a:srgbClr val="000000"/>
+                </a:solidFill>
+                <a:latin typeface="Consolas"/>
+              </a:rPr>
+              <a:t> c = [1</a:t>
+            </a:r>
+            <a:r>
+              <a:rPr lang="de-DE" sz="2400" dirty="0" smtClean="0">
+                <a:solidFill>
+                  <a:srgbClr val="000000"/>
+                </a:solidFill>
+                <a:latin typeface="Consolas"/>
+              </a:rPr>
+              <a:t>];</a:t>
+            </a:r>
+          </a:p>
+          <a:p>
+            <a:endParaRPr lang="de-DE" sz="2400" dirty="0">
+              <a:solidFill>
+                <a:srgbClr val="000000"/>
+              </a:solidFill>
+              <a:latin typeface="Consolas"/>
+            </a:endParaRPr>
+          </a:p>
+          <a:p>
+            <a:pPr marL="457200" indent="-457200">
+              <a:buFont typeface="+mj-lt"/>
+              <a:buAutoNum type="arabicPeriod" startAt="11"/>
+            </a:pPr>
+            <a:r>
+              <a:rPr lang="de-DE" sz="2400" dirty="0" smtClean="0">
+                <a:solidFill>
+                  <a:srgbClr val="000000"/>
+                </a:solidFill>
+                <a:latin typeface="Consolas"/>
+              </a:rPr>
+              <a:t> a </a:t>
+            </a:r>
+            <a:r>
+              <a:rPr lang="de-DE" sz="2400" dirty="0">
+                <a:solidFill>
+                  <a:srgbClr val="000000"/>
+                </a:solidFill>
+                <a:latin typeface="Consolas"/>
+              </a:rPr>
+              <a:t>== b &amp;&amp; b == </a:t>
+            </a:r>
+            <a:r>
+              <a:rPr lang="de-DE" sz="2400" dirty="0" smtClean="0">
+                <a:solidFill>
+                  <a:srgbClr val="000000"/>
+                </a:solidFill>
+                <a:latin typeface="Consolas"/>
+              </a:rPr>
+              <a:t>c</a:t>
+            </a:r>
+          </a:p>
+          <a:p>
+            <a:pPr marL="457200" indent="-457200">
+              <a:buFont typeface="+mj-lt"/>
+              <a:buAutoNum type="arabicPeriod" startAt="11"/>
+            </a:pPr>
+            <a:r>
+              <a:rPr lang="de-DE" sz="2400" dirty="0" smtClean="0">
+                <a:solidFill>
+                  <a:srgbClr val="000000"/>
+                </a:solidFill>
+                <a:latin typeface="Consolas"/>
+              </a:rPr>
+              <a:t> a == c</a:t>
+            </a:r>
+          </a:p>
+          <a:p>
+            <a:pPr marL="457200" indent="-457200">
+              <a:buFont typeface="+mj-lt"/>
+              <a:buAutoNum type="arabicPeriod" startAt="11"/>
+            </a:pPr>
+            <a:endParaRPr lang="de-DE" sz="2400" dirty="0">
+              <a:solidFill>
+                <a:srgbClr val="000000"/>
+              </a:solidFill>
+              <a:latin typeface="Consolas"/>
+            </a:endParaRPr>
+          </a:p>
+          <a:p>
+            <a:pPr marL="457200" indent="-457200">
+              <a:buFont typeface="+mj-lt"/>
+              <a:buAutoNum type="arabicPeriod" startAt="11"/>
+            </a:pPr>
+            <a:r>
+              <a:rPr lang="de-DE" sz="2400" dirty="0">
+                <a:solidFill>
+                  <a:srgbClr val="000000"/>
+                </a:solidFill>
+                <a:latin typeface="Consolas"/>
+              </a:rPr>
+              <a:t> </a:t>
+            </a:r>
+            <a:r>
+              <a:rPr lang="de-DE" sz="2400" dirty="0" smtClean="0">
+                <a:solidFill>
+                  <a:srgbClr val="2A00FF"/>
+                </a:solidFill>
+                <a:latin typeface="Consolas"/>
+              </a:rPr>
+              <a:t>"0</a:t>
+            </a:r>
+            <a:r>
+              <a:rPr lang="de-DE" sz="2400" dirty="0">
+                <a:solidFill>
+                  <a:srgbClr val="2A00FF"/>
+                </a:solidFill>
+                <a:latin typeface="Consolas"/>
+              </a:rPr>
+              <a:t>"</a:t>
+            </a:r>
+            <a:r>
+              <a:rPr lang="de-DE" sz="2400" dirty="0">
+                <a:solidFill>
+                  <a:srgbClr val="000000"/>
+                </a:solidFill>
+                <a:latin typeface="Consolas"/>
+              </a:rPr>
+              <a:t> == </a:t>
+            </a:r>
+            <a:r>
+              <a:rPr lang="de-DE" sz="2400" dirty="0" smtClean="0">
+                <a:solidFill>
+                  <a:srgbClr val="000000"/>
+                </a:solidFill>
+                <a:latin typeface="Consolas"/>
+              </a:rPr>
+              <a:t>0</a:t>
+            </a:r>
+            <a:endParaRPr lang="de-DE" sz="2400" dirty="0">
+              <a:solidFill>
+                <a:srgbClr val="000000"/>
+              </a:solidFill>
+              <a:latin typeface="Consolas"/>
+            </a:endParaRPr>
+          </a:p>
+          <a:p>
+            <a:pPr marL="457200" indent="-457200">
+              <a:buFont typeface="+mj-lt"/>
+              <a:buAutoNum type="arabicPeriod" startAt="11"/>
+            </a:pPr>
+            <a:r>
+              <a:rPr lang="de-DE" sz="2400" dirty="0" smtClean="0">
+                <a:solidFill>
+                  <a:srgbClr val="000000"/>
+                </a:solidFill>
+                <a:latin typeface="Consolas"/>
+              </a:rPr>
+              <a:t> !</a:t>
+            </a:r>
+            <a:r>
+              <a:rPr lang="de-DE" sz="2400" dirty="0" smtClean="0">
+                <a:solidFill>
+                  <a:srgbClr val="2A00FF"/>
+                </a:solidFill>
+                <a:latin typeface="Consolas"/>
+              </a:rPr>
+              <a:t>"</a:t>
+            </a:r>
+            <a:r>
+              <a:rPr lang="de-DE" sz="2400" dirty="0">
+                <a:solidFill>
+                  <a:srgbClr val="2A00FF"/>
+                </a:solidFill>
+                <a:latin typeface="Consolas"/>
+              </a:rPr>
+              <a:t>0"</a:t>
+            </a:r>
+            <a:r>
+              <a:rPr lang="de-DE" sz="2400" dirty="0">
+                <a:solidFill>
+                  <a:srgbClr val="000000"/>
+                </a:solidFill>
+                <a:latin typeface="Consolas"/>
+              </a:rPr>
+              <a:t> == !</a:t>
+            </a:r>
+            <a:r>
+              <a:rPr lang="de-DE" sz="2400" dirty="0" smtClean="0">
+                <a:solidFill>
+                  <a:srgbClr val="000000"/>
+                </a:solidFill>
+                <a:latin typeface="Consolas"/>
+              </a:rPr>
+              <a:t>0</a:t>
+            </a:r>
+            <a:endParaRPr lang="de-DE" sz="2400" dirty="0">
+              <a:solidFill>
+                <a:srgbClr val="000000"/>
+              </a:solidFill>
+              <a:latin typeface="Consolas"/>
+            </a:endParaRPr>
+          </a:p>
+        </p:txBody>
+      </p:sp>
+    </p:spTree>
+    <p:extLst>
+      <p:ext uri="{BB962C8B-B14F-4D97-AF65-F5344CB8AC3E}">
+        <p14:creationId xmlns:p14="http://schemas.microsoft.com/office/powerpoint/2010/main" val="3162314095"/>
+      </p:ext>
+    </p:extLst>
+  </p:cSld>
+  <p:clrMapOvr>
+    <a:masterClrMapping/>
+  </p:clrMapOvr>
+</p:sld>
+</file>
+
+<file path=ppt/slides/slide24.xml><?xml version="1.0" encoding="utf-8"?>
+<p:sld xmlns:a="http://schemas.openxmlformats.org/drawingml/2006/main" xmlns:r="http://schemas.openxmlformats.org/officeDocument/2006/relationships" xmlns:p="http://schemas.openxmlformats.org/presentationml/2006/main">
+  <p:cSld>
+    <p:spTree>
+      <p:nvGrpSpPr>
+        <p:cNvPr id="1" name=""/>
+        <p:cNvGrpSpPr/>
+        <p:nvPr/>
+      </p:nvGrpSpPr>
+      <p:grpSpPr>
+        <a:xfrm>
+          <a:off x="0" y="0"/>
+          <a:ext cx="0" cy="0"/>
+          <a:chOff x="0" y="0"/>
+          <a:chExt cx="0" cy="0"/>
+        </a:xfrm>
+      </p:grpSpPr>
+      <p:sp>
+        <p:nvSpPr>
+          <p:cNvPr id="2" name="Title 1"/>
+          <p:cNvSpPr>
+            <a:spLocks noGrp="1"/>
+          </p:cNvSpPr>
+          <p:nvPr>
+            <p:ph type="title"/>
+          </p:nvPr>
+        </p:nvSpPr>
+        <p:spPr/>
+        <p:txBody>
+          <a:bodyPr/>
+          <a:lstStyle/>
+          <a:p>
+            <a:r>
+              <a:rPr lang="de-DE" dirty="0" smtClean="0"/>
+              <a:t>Verzweigungen</a:t>
+            </a:r>
+            <a:endParaRPr lang="de-DE" dirty="0"/>
+          </a:p>
+        </p:txBody>
+      </p:sp>
+      <p:sp>
+        <p:nvSpPr>
+          <p:cNvPr id="3" name="Text Placeholder 2"/>
+          <p:cNvSpPr>
+            <a:spLocks noGrp="1"/>
+          </p:cNvSpPr>
+          <p:nvPr>
+            <p:ph type="body" sz="quarter" idx="10"/>
+          </p:nvPr>
+        </p:nvSpPr>
+        <p:spPr/>
+        <p:txBody>
+          <a:bodyPr/>
+          <a:lstStyle/>
+          <a:p>
+            <a:r>
+              <a:rPr lang="de-DE" dirty="0" smtClean="0"/>
+              <a:t>Verzweigung mit if</a:t>
+            </a:r>
+          </a:p>
+          <a:p>
+            <a:pPr lvl="1"/>
+            <a:r>
+              <a:rPr lang="de-DE" dirty="0">
+                <a:solidFill>
+                  <a:srgbClr val="7F0055"/>
+                </a:solidFill>
+                <a:latin typeface="Consolas"/>
+              </a:rPr>
+              <a:t>if</a:t>
+            </a:r>
+            <a:r>
+              <a:rPr lang="de-DE" dirty="0">
+                <a:solidFill>
+                  <a:srgbClr val="000000"/>
+                </a:solidFill>
+                <a:latin typeface="Consolas"/>
+              </a:rPr>
+              <a:t>(</a:t>
+            </a:r>
+            <a:r>
+              <a:rPr lang="de-DE" dirty="0" err="1">
+                <a:solidFill>
+                  <a:srgbClr val="000000"/>
+                </a:solidFill>
+                <a:latin typeface="Consolas"/>
+              </a:rPr>
+              <a:t>cond</a:t>
+            </a:r>
+            <a:r>
+              <a:rPr lang="de-DE" dirty="0">
+                <a:solidFill>
+                  <a:srgbClr val="000000"/>
+                </a:solidFill>
+                <a:latin typeface="Consolas"/>
+              </a:rPr>
+              <a:t>){</a:t>
+            </a:r>
+          </a:p>
+          <a:p>
+            <a:pPr lvl="1"/>
+            <a:r>
+              <a:rPr lang="de-DE" dirty="0" smtClean="0">
+                <a:solidFill>
+                  <a:srgbClr val="000000"/>
+                </a:solidFill>
+                <a:latin typeface="Consolas"/>
+              </a:rPr>
+              <a:t>  console.log</a:t>
+            </a:r>
+            <a:r>
+              <a:rPr lang="de-DE" dirty="0">
+                <a:solidFill>
+                  <a:srgbClr val="000000"/>
+                </a:solidFill>
+                <a:latin typeface="Consolas"/>
+              </a:rPr>
+              <a:t>(</a:t>
+            </a:r>
+            <a:r>
+              <a:rPr lang="de-DE" dirty="0">
+                <a:solidFill>
+                  <a:srgbClr val="2A00FF"/>
+                </a:solidFill>
+                <a:latin typeface="Consolas"/>
+              </a:rPr>
+              <a:t>'wahr'</a:t>
+            </a:r>
+            <a:r>
+              <a:rPr lang="de-DE" dirty="0">
+                <a:solidFill>
+                  <a:srgbClr val="000000"/>
+                </a:solidFill>
+                <a:latin typeface="Consolas"/>
+              </a:rPr>
+              <a:t>);</a:t>
+            </a:r>
+          </a:p>
+          <a:p>
+            <a:pPr lvl="1"/>
+            <a:r>
+              <a:rPr lang="de-DE" dirty="0">
+                <a:solidFill>
+                  <a:srgbClr val="000000"/>
+                </a:solidFill>
+                <a:latin typeface="Consolas"/>
+              </a:rPr>
+              <a:t>} </a:t>
+            </a:r>
+            <a:r>
+              <a:rPr lang="de-DE" dirty="0" err="1">
+                <a:solidFill>
+                  <a:srgbClr val="7F0055"/>
+                </a:solidFill>
+                <a:latin typeface="Consolas"/>
+              </a:rPr>
+              <a:t>else</a:t>
+            </a:r>
+            <a:r>
+              <a:rPr lang="de-DE" dirty="0">
+                <a:solidFill>
+                  <a:srgbClr val="000000"/>
+                </a:solidFill>
+                <a:latin typeface="Consolas"/>
+              </a:rPr>
+              <a:t> {</a:t>
+            </a:r>
+          </a:p>
+          <a:p>
+            <a:pPr lvl="1"/>
+            <a:r>
+              <a:rPr lang="de-DE" dirty="0" smtClean="0">
+                <a:solidFill>
+                  <a:srgbClr val="000000"/>
+                </a:solidFill>
+                <a:latin typeface="Consolas"/>
+              </a:rPr>
+              <a:t>  console.log</a:t>
+            </a:r>
+            <a:r>
+              <a:rPr lang="de-DE" dirty="0">
+                <a:solidFill>
+                  <a:srgbClr val="000000"/>
+                </a:solidFill>
+                <a:latin typeface="Consolas"/>
+              </a:rPr>
+              <a:t>(</a:t>
+            </a:r>
+            <a:r>
+              <a:rPr lang="de-DE" dirty="0">
+                <a:solidFill>
+                  <a:srgbClr val="2A00FF"/>
+                </a:solidFill>
+                <a:latin typeface="Consolas"/>
+              </a:rPr>
+              <a:t>'unwahr'</a:t>
+            </a:r>
+            <a:r>
+              <a:rPr lang="de-DE" dirty="0">
+                <a:solidFill>
+                  <a:srgbClr val="000000"/>
+                </a:solidFill>
+                <a:latin typeface="Consolas"/>
+              </a:rPr>
+              <a:t>);</a:t>
+            </a:r>
+          </a:p>
+          <a:p>
+            <a:pPr lvl="1"/>
+            <a:r>
+              <a:rPr lang="de-DE" dirty="0">
+                <a:solidFill>
+                  <a:srgbClr val="000000"/>
+                </a:solidFill>
+                <a:latin typeface="Consolas"/>
+              </a:rPr>
+              <a:t>}</a:t>
+            </a:r>
+          </a:p>
+          <a:p>
+            <a:r>
+              <a:rPr lang="de-DE" dirty="0" smtClean="0"/>
+              <a:t>Einfaches </a:t>
+            </a:r>
+            <a:r>
+              <a:rPr lang="de-DE" dirty="0" err="1" smtClean="0"/>
+              <a:t>Entweder-Oder</a:t>
+            </a:r>
+            <a:endParaRPr lang="de-DE" dirty="0"/>
+          </a:p>
+          <a:p>
+            <a:pPr lvl="1"/>
+            <a:r>
+              <a:rPr lang="de-DE" dirty="0" err="1">
+                <a:solidFill>
+                  <a:srgbClr val="7F0055"/>
+                </a:solidFill>
+                <a:latin typeface="Consolas"/>
+              </a:rPr>
+              <a:t>var</a:t>
+            </a:r>
+            <a:r>
+              <a:rPr lang="de-DE" dirty="0">
+                <a:solidFill>
+                  <a:srgbClr val="000000"/>
+                </a:solidFill>
+                <a:latin typeface="Consolas"/>
+              </a:rPr>
+              <a:t> x = </a:t>
+            </a:r>
+            <a:r>
+              <a:rPr lang="de-DE" dirty="0" err="1">
+                <a:solidFill>
+                  <a:srgbClr val="000000"/>
+                </a:solidFill>
+                <a:latin typeface="Consolas"/>
+              </a:rPr>
+              <a:t>cond</a:t>
+            </a:r>
+            <a:r>
+              <a:rPr lang="de-DE" dirty="0">
+                <a:solidFill>
+                  <a:srgbClr val="000000"/>
+                </a:solidFill>
+                <a:latin typeface="Consolas"/>
+              </a:rPr>
+              <a:t> ? </a:t>
+            </a:r>
+            <a:r>
+              <a:rPr lang="de-DE" dirty="0">
+                <a:solidFill>
+                  <a:srgbClr val="2A00FF"/>
+                </a:solidFill>
+                <a:latin typeface="Consolas"/>
+              </a:rPr>
+              <a:t>'wahr'</a:t>
+            </a:r>
+            <a:r>
+              <a:rPr lang="de-DE" dirty="0">
+                <a:solidFill>
+                  <a:srgbClr val="000000"/>
+                </a:solidFill>
+                <a:latin typeface="Consolas"/>
+              </a:rPr>
+              <a:t> : </a:t>
+            </a:r>
+            <a:r>
+              <a:rPr lang="de-DE" dirty="0">
+                <a:solidFill>
+                  <a:srgbClr val="2A00FF"/>
+                </a:solidFill>
+                <a:latin typeface="Consolas"/>
+              </a:rPr>
+              <a:t>'unwahr'</a:t>
+            </a:r>
+            <a:r>
+              <a:rPr lang="de-DE" dirty="0">
+                <a:solidFill>
+                  <a:srgbClr val="000000"/>
+                </a:solidFill>
+                <a:latin typeface="Consolas"/>
+              </a:rPr>
+              <a:t>;</a:t>
+            </a:r>
+          </a:p>
+          <a:p>
+            <a:endParaRPr lang="de-DE" dirty="0" smtClean="0"/>
+          </a:p>
+          <a:p>
+            <a:endParaRPr lang="de-DE" dirty="0"/>
+          </a:p>
+        </p:txBody>
+      </p:sp>
+    </p:spTree>
+    <p:extLst>
+      <p:ext uri="{BB962C8B-B14F-4D97-AF65-F5344CB8AC3E}">
+        <p14:creationId xmlns:p14="http://schemas.microsoft.com/office/powerpoint/2010/main" val="3591002214"/>
+      </p:ext>
+    </p:extLst>
+  </p:cSld>
+  <p:clrMapOvr>
+    <a:masterClrMapping/>
+  </p:clrMapOvr>
+</p:sld>
+</file>
+
+<file path=ppt/slides/slide25.xml><?xml version="1.0" encoding="utf-8"?>
+<p:sld xmlns:a="http://schemas.openxmlformats.org/drawingml/2006/main" xmlns:r="http://schemas.openxmlformats.org/officeDocument/2006/relationships" xmlns:p="http://schemas.openxmlformats.org/presentationml/2006/main">
+  <p:cSld>
+    <p:spTree>
+      <p:nvGrpSpPr>
+        <p:cNvPr id="1" name=""/>
+        <p:cNvGrpSpPr/>
+        <p:nvPr/>
+      </p:nvGrpSpPr>
+      <p:grpSpPr>
+        <a:xfrm>
+          <a:off x="0" y="0"/>
+          <a:ext cx="0" cy="0"/>
+          <a:chOff x="0" y="0"/>
+          <a:chExt cx="0" cy="0"/>
+        </a:xfrm>
+      </p:grpSpPr>
+      <p:sp>
+        <p:nvSpPr>
+          <p:cNvPr id="2" name="Title 1"/>
+          <p:cNvSpPr>
+            <a:spLocks noGrp="1"/>
+          </p:cNvSpPr>
+          <p:nvPr>
+            <p:ph type="title"/>
+          </p:nvPr>
+        </p:nvSpPr>
+        <p:spPr/>
+        <p:txBody>
+          <a:bodyPr/>
+          <a:lstStyle/>
+          <a:p>
+            <a:r>
+              <a:rPr lang="de-DE" dirty="0" smtClean="0"/>
+              <a:t>Verzweigungen</a:t>
+            </a:r>
+            <a:endParaRPr lang="de-DE" dirty="0"/>
+          </a:p>
+        </p:txBody>
+      </p:sp>
+      <p:sp>
+        <p:nvSpPr>
+          <p:cNvPr id="3" name="Text Placeholder 2"/>
+          <p:cNvSpPr>
+            <a:spLocks noGrp="1"/>
+          </p:cNvSpPr>
+          <p:nvPr>
+            <p:ph type="body" sz="quarter" idx="10"/>
+          </p:nvPr>
+        </p:nvSpPr>
+        <p:spPr/>
+        <p:txBody>
+          <a:bodyPr/>
+          <a:lstStyle/>
+          <a:p>
+            <a:r>
+              <a:rPr lang="de-DE" dirty="0" smtClean="0"/>
+              <a:t>Verzweigung mit </a:t>
+            </a:r>
+            <a:r>
+              <a:rPr lang="de-DE" dirty="0" err="1" smtClean="0"/>
+              <a:t>switch-case</a:t>
+            </a:r>
+            <a:endParaRPr lang="de-DE" dirty="0" smtClean="0"/>
+          </a:p>
+          <a:p>
+            <a:pPr lvl="1"/>
+            <a:r>
+              <a:rPr lang="de-DE" dirty="0" err="1">
+                <a:solidFill>
+                  <a:srgbClr val="7F0055"/>
+                </a:solidFill>
+                <a:latin typeface="Consolas"/>
+              </a:rPr>
+              <a:t>switch</a:t>
+            </a:r>
+            <a:r>
+              <a:rPr lang="de-DE" dirty="0">
+                <a:solidFill>
+                  <a:srgbClr val="000000"/>
+                </a:solidFill>
+                <a:latin typeface="Consolas"/>
+              </a:rPr>
+              <a:t> (</a:t>
+            </a:r>
+            <a:r>
+              <a:rPr lang="de-DE" dirty="0" err="1">
+                <a:solidFill>
+                  <a:srgbClr val="000000"/>
+                </a:solidFill>
+                <a:latin typeface="Consolas"/>
+              </a:rPr>
+              <a:t>inputVar</a:t>
+            </a:r>
+            <a:r>
+              <a:rPr lang="de-DE" dirty="0">
+                <a:solidFill>
+                  <a:srgbClr val="000000"/>
+                </a:solidFill>
+                <a:latin typeface="Consolas"/>
+              </a:rPr>
+              <a:t>) {</a:t>
+            </a:r>
+          </a:p>
+          <a:p>
+            <a:pPr lvl="1"/>
+            <a:r>
+              <a:rPr lang="de-DE" dirty="0">
+                <a:solidFill>
+                  <a:srgbClr val="000000"/>
+                </a:solidFill>
+                <a:latin typeface="Consolas"/>
+              </a:rPr>
+              <a:t>  </a:t>
+            </a:r>
+            <a:r>
+              <a:rPr lang="de-DE" dirty="0" err="1">
+                <a:solidFill>
+                  <a:srgbClr val="7F0055"/>
+                </a:solidFill>
+                <a:latin typeface="Consolas"/>
+              </a:rPr>
+              <a:t>case</a:t>
+            </a:r>
+            <a:r>
+              <a:rPr lang="de-DE" dirty="0">
+                <a:solidFill>
+                  <a:srgbClr val="000000"/>
+                </a:solidFill>
+                <a:latin typeface="Consolas"/>
+              </a:rPr>
+              <a:t> </a:t>
+            </a:r>
+            <a:r>
+              <a:rPr lang="de-DE" dirty="0">
+                <a:solidFill>
+                  <a:srgbClr val="2A00FF"/>
+                </a:solidFill>
+                <a:latin typeface="Consolas"/>
+              </a:rPr>
+              <a:t>"a"</a:t>
+            </a:r>
+            <a:r>
+              <a:rPr lang="de-DE" dirty="0">
+                <a:solidFill>
+                  <a:srgbClr val="000000"/>
+                </a:solidFill>
+                <a:latin typeface="Consolas"/>
+              </a:rPr>
+              <a:t>:</a:t>
+            </a:r>
+          </a:p>
+          <a:p>
+            <a:pPr lvl="1"/>
+            <a:r>
+              <a:rPr lang="de-DE" dirty="0">
+                <a:solidFill>
+                  <a:srgbClr val="000000"/>
+                </a:solidFill>
+                <a:latin typeface="Consolas"/>
+              </a:rPr>
+              <a:t>  </a:t>
+            </a:r>
+            <a:r>
+              <a:rPr lang="de-DE" dirty="0" smtClean="0">
+                <a:solidFill>
+                  <a:srgbClr val="000000"/>
+                </a:solidFill>
+                <a:latin typeface="Consolas"/>
+              </a:rPr>
+              <a:t>  </a:t>
+            </a:r>
+            <a:r>
+              <a:rPr lang="de-DE" dirty="0" smtClean="0">
+                <a:solidFill>
+                  <a:srgbClr val="3F7F5F"/>
+                </a:solidFill>
+                <a:latin typeface="Consolas"/>
+              </a:rPr>
+              <a:t>// </a:t>
+            </a:r>
+            <a:r>
+              <a:rPr lang="de-DE" dirty="0">
+                <a:solidFill>
+                  <a:srgbClr val="3F7F5F"/>
+                </a:solidFill>
+                <a:latin typeface="Consolas"/>
+              </a:rPr>
+              <a:t>Anweisungen, </a:t>
+            </a:r>
+            <a:r>
+              <a:rPr lang="de-DE" dirty="0" smtClean="0">
+                <a:solidFill>
+                  <a:srgbClr val="3F7F5F"/>
+                </a:solidFill>
+                <a:latin typeface="Consolas"/>
+              </a:rPr>
+              <a:t>wenn </a:t>
+            </a:r>
+            <a:r>
+              <a:rPr lang="de-DE" dirty="0" err="1" smtClean="0">
+                <a:solidFill>
+                  <a:srgbClr val="3F7F5F"/>
+                </a:solidFill>
+                <a:latin typeface="Consolas"/>
+              </a:rPr>
+              <a:t>inputVar</a:t>
+            </a:r>
+            <a:r>
+              <a:rPr lang="de-DE" dirty="0" smtClean="0">
+                <a:solidFill>
+                  <a:srgbClr val="3F7F5F"/>
+                </a:solidFill>
+                <a:latin typeface="Consolas"/>
+              </a:rPr>
+              <a:t> == </a:t>
+            </a:r>
+            <a:r>
+              <a:rPr lang="de-DE" dirty="0">
+                <a:solidFill>
+                  <a:srgbClr val="3F7F5F"/>
+                </a:solidFill>
+                <a:latin typeface="Consolas"/>
+              </a:rPr>
+              <a:t>"a"</a:t>
+            </a:r>
+          </a:p>
+          <a:p>
+            <a:pPr lvl="1"/>
+            <a:r>
+              <a:rPr lang="de-DE" dirty="0">
+                <a:solidFill>
+                  <a:srgbClr val="000000"/>
+                </a:solidFill>
+                <a:latin typeface="Consolas"/>
+              </a:rPr>
+              <a:t>  </a:t>
+            </a:r>
+            <a:r>
+              <a:rPr lang="de-DE" dirty="0" smtClean="0">
+                <a:solidFill>
+                  <a:srgbClr val="000000"/>
+                </a:solidFill>
+                <a:latin typeface="Consolas"/>
+              </a:rPr>
+              <a:t>  </a:t>
+            </a:r>
+            <a:r>
+              <a:rPr lang="de-DE" dirty="0" smtClean="0">
+                <a:solidFill>
+                  <a:srgbClr val="7F0055"/>
+                </a:solidFill>
+                <a:latin typeface="Consolas"/>
+              </a:rPr>
+              <a:t>break</a:t>
+            </a:r>
+            <a:r>
+              <a:rPr lang="de-DE" dirty="0">
+                <a:solidFill>
+                  <a:srgbClr val="000000"/>
+                </a:solidFill>
+                <a:latin typeface="Consolas"/>
+              </a:rPr>
+              <a:t>;</a:t>
+            </a:r>
+          </a:p>
+          <a:p>
+            <a:pPr lvl="1"/>
+            <a:r>
+              <a:rPr lang="de-DE" dirty="0">
+                <a:solidFill>
+                  <a:srgbClr val="000000"/>
+                </a:solidFill>
+                <a:latin typeface="Consolas"/>
+              </a:rPr>
+              <a:t>  </a:t>
+            </a:r>
+            <a:r>
+              <a:rPr lang="de-DE" dirty="0" err="1">
+                <a:solidFill>
+                  <a:srgbClr val="7F0055"/>
+                </a:solidFill>
+                <a:latin typeface="Consolas"/>
+              </a:rPr>
+              <a:t>case</a:t>
+            </a:r>
+            <a:r>
+              <a:rPr lang="de-DE" dirty="0">
+                <a:solidFill>
+                  <a:srgbClr val="000000"/>
+                </a:solidFill>
+                <a:latin typeface="Consolas"/>
+              </a:rPr>
+              <a:t> </a:t>
+            </a:r>
+            <a:r>
+              <a:rPr lang="de-DE" dirty="0">
+                <a:solidFill>
+                  <a:srgbClr val="2A00FF"/>
+                </a:solidFill>
+                <a:latin typeface="Consolas"/>
+              </a:rPr>
+              <a:t>"b"</a:t>
+            </a:r>
+            <a:r>
+              <a:rPr lang="de-DE" dirty="0">
+                <a:solidFill>
+                  <a:srgbClr val="000000"/>
+                </a:solidFill>
+                <a:latin typeface="Consolas"/>
+              </a:rPr>
+              <a:t>:</a:t>
+            </a:r>
+          </a:p>
+          <a:p>
+            <a:pPr lvl="1"/>
+            <a:r>
+              <a:rPr lang="de-DE" dirty="0">
+                <a:solidFill>
+                  <a:srgbClr val="000000"/>
+                </a:solidFill>
+                <a:latin typeface="Consolas"/>
+              </a:rPr>
+              <a:t>  </a:t>
+            </a:r>
+            <a:r>
+              <a:rPr lang="de-DE" dirty="0" err="1">
+                <a:solidFill>
+                  <a:srgbClr val="7F0055"/>
+                </a:solidFill>
+                <a:latin typeface="Consolas"/>
+              </a:rPr>
+              <a:t>case</a:t>
+            </a:r>
+            <a:r>
+              <a:rPr lang="de-DE" dirty="0">
+                <a:solidFill>
+                  <a:srgbClr val="000000"/>
+                </a:solidFill>
+                <a:latin typeface="Consolas"/>
+              </a:rPr>
+              <a:t> </a:t>
+            </a:r>
+            <a:r>
+              <a:rPr lang="de-DE" dirty="0">
+                <a:solidFill>
+                  <a:srgbClr val="2A00FF"/>
+                </a:solidFill>
+                <a:latin typeface="Consolas"/>
+              </a:rPr>
+              <a:t>"c"</a:t>
+            </a:r>
+            <a:r>
+              <a:rPr lang="de-DE" dirty="0">
+                <a:solidFill>
+                  <a:srgbClr val="000000"/>
+                </a:solidFill>
+                <a:latin typeface="Consolas"/>
+              </a:rPr>
+              <a:t>:</a:t>
+            </a:r>
+          </a:p>
+          <a:p>
+            <a:pPr lvl="1"/>
+            <a:r>
+              <a:rPr lang="de-DE" dirty="0">
+                <a:solidFill>
+                  <a:srgbClr val="000000"/>
+                </a:solidFill>
+                <a:latin typeface="Consolas"/>
+              </a:rPr>
+              <a:t>  </a:t>
+            </a:r>
+            <a:r>
+              <a:rPr lang="de-DE" dirty="0" smtClean="0">
+                <a:solidFill>
+                  <a:srgbClr val="000000"/>
+                </a:solidFill>
+                <a:latin typeface="Consolas"/>
+              </a:rPr>
+              <a:t>  </a:t>
+            </a:r>
+            <a:r>
+              <a:rPr lang="de-DE" dirty="0" smtClean="0">
+                <a:solidFill>
+                  <a:srgbClr val="3F7F5F"/>
+                </a:solidFill>
+                <a:latin typeface="Consolas"/>
+              </a:rPr>
+              <a:t>// </a:t>
+            </a:r>
+            <a:r>
+              <a:rPr lang="de-DE" dirty="0">
+                <a:solidFill>
+                  <a:srgbClr val="3F7F5F"/>
+                </a:solidFill>
+                <a:latin typeface="Consolas"/>
+              </a:rPr>
+              <a:t>Anweisungen, wenn </a:t>
+            </a:r>
+            <a:r>
+              <a:rPr lang="de-DE" dirty="0" err="1" smtClean="0">
+                <a:solidFill>
+                  <a:srgbClr val="3F7F5F"/>
+                </a:solidFill>
+                <a:latin typeface="Consolas"/>
+              </a:rPr>
+              <a:t>inputVar</a:t>
+            </a:r>
+            <a:r>
+              <a:rPr lang="de-DE" dirty="0" smtClean="0">
+                <a:solidFill>
+                  <a:srgbClr val="3F7F5F"/>
+                </a:solidFill>
+                <a:latin typeface="Consolas"/>
+              </a:rPr>
+              <a:t> == "b</a:t>
+            </a:r>
+            <a:r>
+              <a:rPr lang="de-DE" dirty="0">
+                <a:solidFill>
+                  <a:srgbClr val="3F7F5F"/>
+                </a:solidFill>
+                <a:latin typeface="Consolas"/>
+              </a:rPr>
+              <a:t>" oder </a:t>
+            </a:r>
+            <a:r>
+              <a:rPr lang="de-DE" dirty="0" err="1" smtClean="0">
+                <a:solidFill>
+                  <a:srgbClr val="3F7F5F"/>
+                </a:solidFill>
+                <a:latin typeface="Consolas"/>
+              </a:rPr>
+              <a:t>inputVar</a:t>
+            </a:r>
+            <a:r>
+              <a:rPr lang="de-DE" dirty="0" smtClean="0">
+                <a:solidFill>
+                  <a:srgbClr val="3F7F5F"/>
+                </a:solidFill>
+                <a:latin typeface="Consolas"/>
+              </a:rPr>
+              <a:t> == "c</a:t>
+            </a:r>
+            <a:r>
+              <a:rPr lang="de-DE" dirty="0">
+                <a:solidFill>
+                  <a:srgbClr val="3F7F5F"/>
+                </a:solidFill>
+                <a:latin typeface="Consolas"/>
+              </a:rPr>
+              <a:t>"</a:t>
+            </a:r>
+          </a:p>
+          <a:p>
+            <a:pPr lvl="1"/>
+            <a:r>
+              <a:rPr lang="de-DE" dirty="0">
+                <a:solidFill>
+                  <a:srgbClr val="000000"/>
+                </a:solidFill>
+                <a:latin typeface="Consolas"/>
+              </a:rPr>
+              <a:t>    </a:t>
+            </a:r>
+            <a:r>
+              <a:rPr lang="de-DE" dirty="0" smtClean="0">
+                <a:solidFill>
+                  <a:srgbClr val="7F0055"/>
+                </a:solidFill>
+                <a:latin typeface="Consolas"/>
+              </a:rPr>
+              <a:t>break</a:t>
+            </a:r>
+            <a:r>
+              <a:rPr lang="de-DE" dirty="0">
+                <a:solidFill>
+                  <a:srgbClr val="000000"/>
+                </a:solidFill>
+                <a:latin typeface="Consolas"/>
+              </a:rPr>
+              <a:t>;</a:t>
+            </a:r>
+          </a:p>
+          <a:p>
+            <a:pPr lvl="1"/>
+            <a:r>
+              <a:rPr lang="de-DE" dirty="0">
+                <a:solidFill>
+                  <a:srgbClr val="000000"/>
+                </a:solidFill>
+                <a:latin typeface="Consolas"/>
+              </a:rPr>
+              <a:t>  </a:t>
+            </a:r>
+            <a:r>
+              <a:rPr lang="de-DE" dirty="0" err="1">
+                <a:solidFill>
+                  <a:srgbClr val="7F0055"/>
+                </a:solidFill>
+                <a:latin typeface="Consolas"/>
+              </a:rPr>
+              <a:t>default</a:t>
+            </a:r>
+            <a:r>
+              <a:rPr lang="de-DE" dirty="0">
+                <a:solidFill>
+                  <a:srgbClr val="000000"/>
+                </a:solidFill>
+                <a:latin typeface="Consolas"/>
+              </a:rPr>
+              <a:t>:</a:t>
+            </a:r>
+          </a:p>
+          <a:p>
+            <a:pPr lvl="1"/>
+            <a:r>
+              <a:rPr lang="de-DE" dirty="0">
+                <a:solidFill>
+                  <a:srgbClr val="000000"/>
+                </a:solidFill>
+                <a:latin typeface="Consolas"/>
+              </a:rPr>
+              <a:t>  </a:t>
+            </a:r>
+            <a:r>
+              <a:rPr lang="de-DE" dirty="0" smtClean="0">
+                <a:solidFill>
+                  <a:srgbClr val="000000"/>
+                </a:solidFill>
+                <a:latin typeface="Consolas"/>
+              </a:rPr>
+              <a:t>  </a:t>
+            </a:r>
+            <a:r>
+              <a:rPr lang="de-DE" dirty="0" smtClean="0">
+                <a:solidFill>
+                  <a:srgbClr val="3F7F5F"/>
+                </a:solidFill>
+                <a:latin typeface="Consolas"/>
+              </a:rPr>
+              <a:t>// </a:t>
+            </a:r>
+            <a:r>
+              <a:rPr lang="de-DE" dirty="0">
+                <a:solidFill>
+                  <a:srgbClr val="3F7F5F"/>
+                </a:solidFill>
+                <a:latin typeface="Consolas"/>
+              </a:rPr>
+              <a:t>Anweisungen für alle anderen Fälle</a:t>
+            </a:r>
+          </a:p>
+          <a:p>
+            <a:pPr lvl="1"/>
+            <a:r>
+              <a:rPr lang="de-DE" dirty="0">
+                <a:solidFill>
+                  <a:srgbClr val="000000"/>
+                </a:solidFill>
+                <a:latin typeface="Consolas"/>
+              </a:rPr>
+              <a:t>}</a:t>
+            </a:r>
+          </a:p>
+          <a:p>
+            <a:endParaRPr lang="de-DE" dirty="0" smtClean="0"/>
+          </a:p>
+          <a:p>
+            <a:endParaRPr lang="de-DE" dirty="0" smtClean="0"/>
+          </a:p>
+        </p:txBody>
+      </p:sp>
+    </p:spTree>
+    <p:extLst>
+      <p:ext uri="{BB962C8B-B14F-4D97-AF65-F5344CB8AC3E}">
+        <p14:creationId xmlns:p14="http://schemas.microsoft.com/office/powerpoint/2010/main" val="3245317949"/>
+      </p:ext>
+    </p:extLst>
+  </p:cSld>
+  <p:clrMapOvr>
+    <a:masterClrMapping/>
+  </p:clrMapOvr>
+</p:sld>
+</file>
+
+<file path=ppt/slides/slide26.xml><?xml version="1.0" encoding="utf-8"?>
+<p:sld xmlns:a="http://schemas.openxmlformats.org/drawingml/2006/main" xmlns:r="http://schemas.openxmlformats.org/officeDocument/2006/relationships" xmlns:p="http://schemas.openxmlformats.org/presentationml/2006/main">
+  <p:cSld>
+    <p:spTree>
+      <p:nvGrpSpPr>
+        <p:cNvPr id="1" name=""/>
+        <p:cNvGrpSpPr/>
+        <p:nvPr/>
+      </p:nvGrpSpPr>
+      <p:grpSpPr>
+        <a:xfrm>
+          <a:off x="0" y="0"/>
+          <a:ext cx="0" cy="0"/>
+          <a:chOff x="0" y="0"/>
+          <a:chExt cx="0" cy="0"/>
+        </a:xfrm>
+      </p:grpSpPr>
+      <p:sp>
+        <p:nvSpPr>
+          <p:cNvPr id="2" name="Title 1"/>
+          <p:cNvSpPr>
+            <a:spLocks noGrp="1"/>
+          </p:cNvSpPr>
+          <p:nvPr>
+            <p:ph type="title"/>
+          </p:nvPr>
+        </p:nvSpPr>
+        <p:spPr/>
+        <p:txBody>
+          <a:bodyPr/>
+          <a:lstStyle/>
+          <a:p>
+            <a:r>
+              <a:rPr lang="de-DE" dirty="0" smtClean="0"/>
+              <a:t>Schleifen</a:t>
+            </a:r>
+            <a:endParaRPr lang="de-DE" dirty="0"/>
+          </a:p>
+        </p:txBody>
+      </p:sp>
+      <p:sp>
+        <p:nvSpPr>
+          <p:cNvPr id="3" name="Text Placeholder 2"/>
+          <p:cNvSpPr>
+            <a:spLocks noGrp="1"/>
+          </p:cNvSpPr>
+          <p:nvPr>
+            <p:ph type="body" sz="quarter" idx="10"/>
+          </p:nvPr>
+        </p:nvSpPr>
+        <p:spPr/>
+        <p:txBody>
+          <a:bodyPr/>
+          <a:lstStyle/>
+          <a:p>
+            <a:r>
+              <a:rPr lang="de-DE" dirty="0" smtClean="0"/>
+              <a:t>Kopfgesteuerte Schleife</a:t>
+            </a:r>
+          </a:p>
+          <a:p>
+            <a:pPr lvl="1"/>
+            <a:r>
+              <a:rPr lang="de-DE" dirty="0" err="1">
+                <a:solidFill>
+                  <a:srgbClr val="7F0055"/>
+                </a:solidFill>
+                <a:latin typeface="Consolas"/>
+              </a:rPr>
+              <a:t>while</a:t>
+            </a:r>
+            <a:r>
+              <a:rPr lang="de-DE" dirty="0">
+                <a:solidFill>
+                  <a:srgbClr val="000000"/>
+                </a:solidFill>
+                <a:latin typeface="Consolas"/>
+              </a:rPr>
+              <a:t>(</a:t>
+            </a:r>
+            <a:r>
+              <a:rPr lang="de-DE" dirty="0" err="1">
+                <a:solidFill>
+                  <a:srgbClr val="000000"/>
+                </a:solidFill>
+                <a:latin typeface="Consolas"/>
+              </a:rPr>
+              <a:t>cond</a:t>
+            </a:r>
+            <a:r>
+              <a:rPr lang="de-DE" dirty="0">
+                <a:solidFill>
+                  <a:srgbClr val="000000"/>
+                </a:solidFill>
+                <a:latin typeface="Consolas"/>
+              </a:rPr>
+              <a:t>){</a:t>
+            </a:r>
+          </a:p>
+          <a:p>
+            <a:pPr lvl="1"/>
+            <a:r>
+              <a:rPr lang="de-DE" dirty="0" smtClean="0">
+                <a:solidFill>
+                  <a:srgbClr val="3F7F5F"/>
+                </a:solidFill>
+                <a:latin typeface="Consolas"/>
+              </a:rPr>
+              <a:t>  // </a:t>
+            </a:r>
+            <a:r>
+              <a:rPr lang="de-DE" dirty="0">
+                <a:solidFill>
+                  <a:srgbClr val="3F7F5F"/>
+                </a:solidFill>
+                <a:latin typeface="Consolas"/>
+              </a:rPr>
+              <a:t>Anweisungen</a:t>
+            </a:r>
+          </a:p>
+          <a:p>
+            <a:pPr lvl="1"/>
+            <a:r>
+              <a:rPr lang="de-DE" dirty="0">
+                <a:solidFill>
+                  <a:srgbClr val="000000"/>
+                </a:solidFill>
+                <a:latin typeface="Consolas"/>
+              </a:rPr>
+              <a:t>}</a:t>
+            </a:r>
+          </a:p>
+          <a:p>
+            <a:r>
+              <a:rPr lang="de-DE" dirty="0" smtClean="0"/>
+              <a:t>Fußgesteuerte Schleife</a:t>
+            </a:r>
+          </a:p>
+          <a:p>
+            <a:pPr lvl="1"/>
+            <a:r>
+              <a:rPr lang="de-DE" dirty="0">
+                <a:solidFill>
+                  <a:srgbClr val="7F0055"/>
+                </a:solidFill>
+                <a:latin typeface="Consolas"/>
+              </a:rPr>
+              <a:t>do</a:t>
+            </a:r>
+            <a:r>
+              <a:rPr lang="de-DE" dirty="0">
+                <a:solidFill>
+                  <a:srgbClr val="000000"/>
+                </a:solidFill>
+                <a:latin typeface="Consolas"/>
+              </a:rPr>
+              <a:t> {</a:t>
+            </a:r>
+          </a:p>
+          <a:p>
+            <a:pPr lvl="1"/>
+            <a:r>
+              <a:rPr lang="de-DE" dirty="0">
+                <a:solidFill>
+                  <a:srgbClr val="000000"/>
+                </a:solidFill>
+                <a:latin typeface="Consolas"/>
+              </a:rPr>
+              <a:t>  </a:t>
+            </a:r>
+            <a:r>
+              <a:rPr lang="de-DE" dirty="0" smtClean="0">
+                <a:solidFill>
+                  <a:srgbClr val="3F7F5F"/>
+                </a:solidFill>
+                <a:latin typeface="Consolas"/>
+              </a:rPr>
+              <a:t>// </a:t>
+            </a:r>
+            <a:r>
+              <a:rPr lang="de-DE" dirty="0">
+                <a:solidFill>
+                  <a:srgbClr val="3F7F5F"/>
+                </a:solidFill>
+                <a:latin typeface="Consolas"/>
+              </a:rPr>
+              <a:t>Anweisungen</a:t>
+            </a:r>
+          </a:p>
+          <a:p>
+            <a:pPr lvl="1"/>
+            <a:r>
+              <a:rPr lang="de-DE" dirty="0" smtClean="0">
+                <a:solidFill>
+                  <a:srgbClr val="000000"/>
+                </a:solidFill>
+                <a:latin typeface="Consolas"/>
+              </a:rPr>
+              <a:t>} </a:t>
+            </a:r>
+            <a:r>
+              <a:rPr lang="de-DE" dirty="0" err="1">
+                <a:solidFill>
+                  <a:srgbClr val="7F0055"/>
+                </a:solidFill>
+                <a:latin typeface="Consolas"/>
+              </a:rPr>
+              <a:t>while</a:t>
+            </a:r>
+            <a:r>
+              <a:rPr lang="de-DE" dirty="0">
+                <a:solidFill>
+                  <a:srgbClr val="000000"/>
+                </a:solidFill>
+                <a:latin typeface="Consolas"/>
+              </a:rPr>
+              <a:t> (</a:t>
+            </a:r>
+            <a:r>
+              <a:rPr lang="de-DE" dirty="0" err="1">
+                <a:solidFill>
+                  <a:srgbClr val="000000"/>
+                </a:solidFill>
+                <a:latin typeface="Consolas"/>
+              </a:rPr>
+              <a:t>cond</a:t>
+            </a:r>
+            <a:r>
+              <a:rPr lang="de-DE" dirty="0" smtClean="0">
+                <a:solidFill>
+                  <a:srgbClr val="000000"/>
+                </a:solidFill>
+                <a:latin typeface="Consolas"/>
+              </a:rPr>
+              <a:t>);</a:t>
+            </a:r>
+            <a:endParaRPr lang="de-DE" dirty="0">
+              <a:solidFill>
+                <a:srgbClr val="000000"/>
+              </a:solidFill>
+              <a:latin typeface="Consolas"/>
+            </a:endParaRPr>
+          </a:p>
+        </p:txBody>
+      </p:sp>
+      <p:sp>
+        <p:nvSpPr>
+          <p:cNvPr id="4" name="Text Placeholder 2"/>
+          <p:cNvSpPr txBox="1">
+            <a:spLocks/>
+          </p:cNvSpPr>
+          <p:nvPr/>
+        </p:nvSpPr>
+        <p:spPr bwMode="gray">
+          <a:xfrm>
+            <a:off x="4601029" y="3439886"/>
+            <a:ext cx="4093028" cy="1930400"/>
+          </a:xfrm>
+          <a:prstGeom prst="rect">
+            <a:avLst/>
+          </a:prstGeom>
+          <a:solidFill>
+            <a:schemeClr val="bg1">
+              <a:lumMod val="85000"/>
+            </a:schemeClr>
+          </a:solidFill>
+        </p:spPr>
+        <p:txBody>
+          <a:bodyPr vert="horz" lIns="0" tIns="0" rIns="0" bIns="0" rtlCol="0">
+            <a:noAutofit/>
+          </a:bodyPr>
+          <a:lstStyle>
+            <a:lvl1pPr marL="0" indent="0" algn="l" defTabSz="1088776" rtl="0" eaLnBrk="1" latinLnBrk="0" hangingPunct="1">
+              <a:spcBef>
+                <a:spcPts val="2400"/>
+              </a:spcBef>
+              <a:buClr>
+                <a:schemeClr val="accent1"/>
+              </a:buClr>
+              <a:buSzPct val="80000"/>
+              <a:buFontTx/>
+              <a:buNone/>
+              <a:defRPr sz="2000" b="1" kern="1200">
+                <a:solidFill>
+                  <a:schemeClr val="tx1"/>
+                </a:solidFill>
+                <a:latin typeface="+mn-lt"/>
+                <a:ea typeface="+mn-ea"/>
+                <a:cs typeface="+mn-cs"/>
+              </a:defRPr>
+            </a:lvl1pPr>
+            <a:lvl2pPr marL="0" indent="0" algn="l" defTabSz="1088776" rtl="0" eaLnBrk="1" latinLnBrk="0" hangingPunct="1">
+              <a:spcBef>
+                <a:spcPts val="600"/>
+              </a:spcBef>
+              <a:buClr>
+                <a:schemeClr val="accent1"/>
+              </a:buClr>
+              <a:buSzPct val="80000"/>
+              <a:buFont typeface="Wingdings" pitchFamily="2" charset="2"/>
+              <a:buNone/>
+              <a:defRPr sz="2000" kern="1200">
+                <a:solidFill>
+                  <a:schemeClr val="tx1"/>
+                </a:solidFill>
+                <a:latin typeface="+mn-lt"/>
+                <a:ea typeface="+mn-ea"/>
+                <a:cs typeface="+mn-cs"/>
+              </a:defRPr>
+            </a:lvl2pPr>
+            <a:lvl3pPr marL="180000" indent="-180000" algn="l" defTabSz="1088776" rtl="0" eaLnBrk="1" latinLnBrk="0" hangingPunct="1">
+              <a:spcBef>
+                <a:spcPts val="400"/>
+              </a:spcBef>
+              <a:buClr>
+                <a:schemeClr val="accent1"/>
+              </a:buClr>
+              <a:buSzPct val="100000"/>
+              <a:buFont typeface="Wingdings" pitchFamily="2" charset="2"/>
+              <a:buChar char=""/>
+              <a:defRPr sz="1800" kern="1200">
+                <a:solidFill>
+                  <a:schemeClr val="tx1"/>
+                </a:solidFill>
+                <a:latin typeface="+mn-lt"/>
+                <a:ea typeface="+mn-ea"/>
+                <a:cs typeface="+mn-cs"/>
+              </a:defRPr>
+            </a:lvl3pPr>
+            <a:lvl4pPr marL="360000" indent="-180000" algn="l" defTabSz="1088776" rtl="0" eaLnBrk="1" latinLnBrk="0" hangingPunct="1">
+              <a:spcBef>
+                <a:spcPts val="400"/>
+              </a:spcBef>
+              <a:buClr>
+                <a:schemeClr val="accent2"/>
+              </a:buClr>
+              <a:buSzPct val="100000"/>
+              <a:buFont typeface="Arial" pitchFamily="34" charset="0"/>
+              <a:buChar char="–"/>
+              <a:defRPr sz="1800" kern="1200">
+                <a:solidFill>
+                  <a:schemeClr val="tx1"/>
+                </a:solidFill>
+                <a:latin typeface="+mn-lt"/>
+                <a:ea typeface="+mn-ea"/>
+                <a:cs typeface="+mn-cs"/>
+              </a:defRPr>
+            </a:lvl4pPr>
+            <a:lvl5pPr marL="540000" indent="-180000" algn="l" defTabSz="1088776" rtl="0" eaLnBrk="1" latinLnBrk="0" hangingPunct="1">
+              <a:spcBef>
+                <a:spcPts val="250"/>
+              </a:spcBef>
+              <a:buClr>
+                <a:schemeClr val="accent2"/>
+              </a:buClr>
+              <a:buSzPct val="100000"/>
+              <a:buFont typeface="Courier New" pitchFamily="49" charset="0"/>
+              <a:buChar char="o"/>
+              <a:defRPr sz="1600" kern="1200">
+                <a:solidFill>
+                  <a:schemeClr val="tx1"/>
+                </a:solidFill>
+                <a:latin typeface="+mn-lt"/>
+                <a:ea typeface="+mn-ea"/>
+                <a:cs typeface="+mn-cs"/>
+              </a:defRPr>
+            </a:lvl5pPr>
+            <a:lvl6pPr marL="2994134" indent="-272194" algn="l" defTabSz="1088776" rtl="0" eaLnBrk="1" latinLnBrk="0" hangingPunct="1">
+              <a:spcBef>
+                <a:spcPct val="20000"/>
+              </a:spcBef>
+              <a:buFont typeface="Arial" pitchFamily="34" charset="0"/>
+              <a:buChar char="•"/>
+              <a:defRPr sz="2400" kern="1200">
+                <a:solidFill>
+                  <a:schemeClr val="tx1"/>
+                </a:solidFill>
+                <a:latin typeface="+mn-lt"/>
+                <a:ea typeface="+mn-ea"/>
+                <a:cs typeface="+mn-cs"/>
+              </a:defRPr>
+            </a:lvl6pPr>
+            <a:lvl7pPr marL="3538522" indent="-272194" algn="l" defTabSz="1088776" rtl="0" eaLnBrk="1" latinLnBrk="0" hangingPunct="1">
+              <a:spcBef>
+                <a:spcPct val="20000"/>
+              </a:spcBef>
+              <a:buFont typeface="Arial" pitchFamily="34" charset="0"/>
+              <a:buChar char="•"/>
+              <a:defRPr sz="2400" kern="1200">
+                <a:solidFill>
+                  <a:schemeClr val="tx1"/>
+                </a:solidFill>
+                <a:latin typeface="+mn-lt"/>
+                <a:ea typeface="+mn-ea"/>
+                <a:cs typeface="+mn-cs"/>
+              </a:defRPr>
+            </a:lvl7pPr>
+            <a:lvl8pPr marL="4082910" indent="-272194" algn="l" defTabSz="1088776" rtl="0" eaLnBrk="1" latinLnBrk="0" hangingPunct="1">
+              <a:spcBef>
+                <a:spcPct val="20000"/>
+              </a:spcBef>
+              <a:buFont typeface="Arial" pitchFamily="34" charset="0"/>
+              <a:buChar char="•"/>
+              <a:defRPr sz="2400" kern="1200">
+                <a:solidFill>
+                  <a:schemeClr val="tx1"/>
+                </a:solidFill>
+                <a:latin typeface="+mn-lt"/>
+                <a:ea typeface="+mn-ea"/>
+                <a:cs typeface="+mn-cs"/>
+              </a:defRPr>
+            </a:lvl8pPr>
+            <a:lvl9pPr marL="4627298" indent="-272194" algn="l" defTabSz="1088776" rtl="0" eaLnBrk="1" latinLnBrk="0" hangingPunct="1">
+              <a:spcBef>
+                <a:spcPct val="20000"/>
+              </a:spcBef>
+              <a:buFont typeface="Arial" pitchFamily="34" charset="0"/>
+              <a:buChar char="•"/>
+              <a:defRPr sz="2400" kern="1200">
+                <a:solidFill>
+                  <a:schemeClr val="tx1"/>
+                </a:solidFill>
+                <a:latin typeface="+mn-lt"/>
+                <a:ea typeface="+mn-ea"/>
+                <a:cs typeface="+mn-cs"/>
+              </a:defRPr>
+            </a:lvl9pPr>
+          </a:lstStyle>
+          <a:p>
+            <a:r>
+              <a:rPr lang="de-DE" dirty="0" err="1" smtClean="0">
+                <a:solidFill>
+                  <a:srgbClr val="000000"/>
+                </a:solidFill>
+                <a:latin typeface="+mj-lt"/>
+              </a:rPr>
+              <a:t>ForEach</a:t>
+            </a:r>
+            <a:r>
+              <a:rPr lang="de-DE" dirty="0" smtClean="0">
+                <a:solidFill>
+                  <a:srgbClr val="000000"/>
+                </a:solidFill>
+                <a:latin typeface="+mj-lt"/>
+              </a:rPr>
+              <a:t>-Schleife</a:t>
+            </a:r>
+          </a:p>
+          <a:p>
+            <a:pPr lvl="1"/>
+            <a:r>
+              <a:rPr lang="de-DE" dirty="0" err="1" smtClean="0">
+                <a:solidFill>
+                  <a:srgbClr val="7F0055"/>
+                </a:solidFill>
+                <a:latin typeface="Consolas"/>
+              </a:rPr>
+              <a:t>var</a:t>
+            </a:r>
+            <a:r>
+              <a:rPr lang="de-DE" dirty="0" smtClean="0">
+                <a:solidFill>
+                  <a:srgbClr val="000000"/>
+                </a:solidFill>
+                <a:latin typeface="Consolas"/>
+              </a:rPr>
+              <a:t> </a:t>
+            </a:r>
+            <a:r>
+              <a:rPr lang="de-DE" dirty="0" err="1" smtClean="0">
+                <a:solidFill>
+                  <a:srgbClr val="000000"/>
+                </a:solidFill>
+                <a:latin typeface="Consolas"/>
+              </a:rPr>
+              <a:t>arr</a:t>
+            </a:r>
+            <a:r>
+              <a:rPr lang="de-DE" dirty="0" smtClean="0">
+                <a:solidFill>
+                  <a:srgbClr val="000000"/>
+                </a:solidFill>
+                <a:latin typeface="Consolas"/>
+              </a:rPr>
+              <a:t> = [0, 1, 2, 3];</a:t>
+            </a:r>
+          </a:p>
+          <a:p>
+            <a:pPr lvl="1"/>
+            <a:r>
+              <a:rPr lang="de-DE" dirty="0" err="1" smtClean="0">
+                <a:solidFill>
+                  <a:srgbClr val="000000"/>
+                </a:solidFill>
+                <a:latin typeface="Consolas"/>
+              </a:rPr>
+              <a:t>arr.forEach</a:t>
+            </a:r>
+            <a:r>
+              <a:rPr lang="de-DE" dirty="0" smtClean="0">
+                <a:solidFill>
+                  <a:srgbClr val="000000"/>
+                </a:solidFill>
+                <a:latin typeface="Consolas"/>
+              </a:rPr>
+              <a:t>(</a:t>
+            </a:r>
+            <a:r>
+              <a:rPr lang="de-DE" dirty="0" err="1" smtClean="0">
+                <a:solidFill>
+                  <a:srgbClr val="7F0055"/>
+                </a:solidFill>
+                <a:latin typeface="Consolas"/>
+              </a:rPr>
+              <a:t>function</a:t>
+            </a:r>
+            <a:r>
+              <a:rPr lang="de-DE" dirty="0" smtClean="0">
+                <a:solidFill>
+                  <a:srgbClr val="000000"/>
+                </a:solidFill>
+                <a:latin typeface="Consolas"/>
+              </a:rPr>
+              <a:t>(</a:t>
+            </a:r>
+            <a:r>
+              <a:rPr lang="de-DE" dirty="0" err="1" smtClean="0">
+                <a:solidFill>
+                  <a:srgbClr val="000000"/>
+                </a:solidFill>
+                <a:latin typeface="Consolas"/>
+              </a:rPr>
+              <a:t>elem</a:t>
+            </a:r>
+            <a:r>
+              <a:rPr lang="de-DE" dirty="0" smtClean="0">
+                <a:solidFill>
+                  <a:srgbClr val="000000"/>
+                </a:solidFill>
+                <a:latin typeface="Consolas"/>
+              </a:rPr>
+              <a:t>){</a:t>
+            </a:r>
+            <a:endParaRPr lang="de-DE" dirty="0" smtClean="0">
+              <a:solidFill>
+                <a:srgbClr val="000000"/>
+              </a:solidFill>
+              <a:highlight>
+                <a:srgbClr val="D4D4D4"/>
+              </a:highlight>
+              <a:latin typeface="Consolas"/>
+            </a:endParaRPr>
+          </a:p>
+          <a:p>
+            <a:pPr lvl="1"/>
+            <a:r>
+              <a:rPr lang="de-DE" dirty="0" smtClean="0">
+                <a:solidFill>
+                  <a:srgbClr val="000000"/>
+                </a:solidFill>
+                <a:latin typeface="Consolas"/>
+              </a:rPr>
+              <a:t>  console.log(</a:t>
+            </a:r>
+            <a:r>
+              <a:rPr lang="de-DE" dirty="0" err="1" smtClean="0">
+                <a:solidFill>
+                  <a:srgbClr val="000000"/>
+                </a:solidFill>
+                <a:latin typeface="Consolas"/>
+              </a:rPr>
+              <a:t>elem</a:t>
+            </a:r>
+            <a:r>
+              <a:rPr lang="de-DE" dirty="0" smtClean="0">
+                <a:solidFill>
+                  <a:srgbClr val="000000"/>
+                </a:solidFill>
+                <a:latin typeface="Consolas"/>
+              </a:rPr>
+              <a:t>);</a:t>
+            </a:r>
+          </a:p>
+          <a:p>
+            <a:pPr lvl="1"/>
+            <a:r>
+              <a:rPr lang="de-DE" dirty="0" smtClean="0">
+                <a:solidFill>
+                  <a:srgbClr val="000000"/>
+                </a:solidFill>
+                <a:latin typeface="Consolas"/>
+              </a:rPr>
+              <a:t>});</a:t>
+            </a:r>
+            <a:endParaRPr lang="de-DE" dirty="0">
+              <a:solidFill>
+                <a:srgbClr val="000000"/>
+              </a:solidFill>
+              <a:latin typeface="Consolas"/>
+            </a:endParaRPr>
+          </a:p>
+        </p:txBody>
+      </p:sp>
+      <p:sp>
+        <p:nvSpPr>
+          <p:cNvPr id="6" name="Text Placeholder 2"/>
+          <p:cNvSpPr txBox="1">
+            <a:spLocks/>
+          </p:cNvSpPr>
+          <p:nvPr/>
+        </p:nvSpPr>
+        <p:spPr bwMode="gray">
+          <a:xfrm>
+            <a:off x="4601029" y="1683822"/>
+            <a:ext cx="4093028" cy="1610922"/>
+          </a:xfrm>
+          <a:prstGeom prst="rect">
+            <a:avLst/>
+          </a:prstGeom>
+          <a:noFill/>
+        </p:spPr>
+        <p:txBody>
+          <a:bodyPr vert="horz" lIns="0" tIns="0" rIns="0" bIns="0" rtlCol="0">
+            <a:noAutofit/>
+          </a:bodyPr>
+          <a:lstStyle>
+            <a:lvl1pPr marL="0" indent="0" algn="l" defTabSz="1088776" rtl="0" eaLnBrk="1" latinLnBrk="0" hangingPunct="1">
+              <a:spcBef>
+                <a:spcPts val="2400"/>
+              </a:spcBef>
+              <a:buClr>
+                <a:schemeClr val="accent1"/>
+              </a:buClr>
+              <a:buSzPct val="80000"/>
+              <a:buFontTx/>
+              <a:buNone/>
+              <a:defRPr sz="2000" b="1" kern="1200">
+                <a:solidFill>
+                  <a:schemeClr val="tx1"/>
+                </a:solidFill>
+                <a:latin typeface="+mn-lt"/>
+                <a:ea typeface="+mn-ea"/>
+                <a:cs typeface="+mn-cs"/>
+              </a:defRPr>
+            </a:lvl1pPr>
+            <a:lvl2pPr marL="0" indent="0" algn="l" defTabSz="1088776" rtl="0" eaLnBrk="1" latinLnBrk="0" hangingPunct="1">
+              <a:spcBef>
+                <a:spcPts val="600"/>
+              </a:spcBef>
+              <a:buClr>
+                <a:schemeClr val="accent1"/>
+              </a:buClr>
+              <a:buSzPct val="80000"/>
+              <a:buFont typeface="Wingdings" pitchFamily="2" charset="2"/>
+              <a:buNone/>
+              <a:defRPr sz="2000" kern="1200">
+                <a:solidFill>
+                  <a:schemeClr val="tx1"/>
+                </a:solidFill>
+                <a:latin typeface="+mn-lt"/>
+                <a:ea typeface="+mn-ea"/>
+                <a:cs typeface="+mn-cs"/>
+              </a:defRPr>
+            </a:lvl2pPr>
+            <a:lvl3pPr marL="180000" indent="-180000" algn="l" defTabSz="1088776" rtl="0" eaLnBrk="1" latinLnBrk="0" hangingPunct="1">
+              <a:spcBef>
+                <a:spcPts val="400"/>
+              </a:spcBef>
+              <a:buClr>
+                <a:schemeClr val="accent1"/>
+              </a:buClr>
+              <a:buSzPct val="100000"/>
+              <a:buFont typeface="Wingdings" pitchFamily="2" charset="2"/>
+              <a:buChar char=""/>
+              <a:defRPr sz="1800" kern="1200">
+                <a:solidFill>
+                  <a:schemeClr val="tx1"/>
+                </a:solidFill>
+                <a:latin typeface="+mn-lt"/>
+                <a:ea typeface="+mn-ea"/>
+                <a:cs typeface="+mn-cs"/>
+              </a:defRPr>
+            </a:lvl3pPr>
+            <a:lvl4pPr marL="360000" indent="-180000" algn="l" defTabSz="1088776" rtl="0" eaLnBrk="1" latinLnBrk="0" hangingPunct="1">
+              <a:spcBef>
+                <a:spcPts val="400"/>
+              </a:spcBef>
+              <a:buClr>
+                <a:schemeClr val="accent2"/>
+              </a:buClr>
+              <a:buSzPct val="100000"/>
+              <a:buFont typeface="Arial" pitchFamily="34" charset="0"/>
+              <a:buChar char="–"/>
+              <a:defRPr sz="1800" kern="1200">
+                <a:solidFill>
+                  <a:schemeClr val="tx1"/>
+                </a:solidFill>
+                <a:latin typeface="+mn-lt"/>
+                <a:ea typeface="+mn-ea"/>
+                <a:cs typeface="+mn-cs"/>
+              </a:defRPr>
+            </a:lvl4pPr>
+            <a:lvl5pPr marL="540000" indent="-180000" algn="l" defTabSz="1088776" rtl="0" eaLnBrk="1" latinLnBrk="0" hangingPunct="1">
+              <a:spcBef>
+                <a:spcPts val="250"/>
+              </a:spcBef>
+              <a:buClr>
+                <a:schemeClr val="accent2"/>
+              </a:buClr>
+              <a:buSzPct val="100000"/>
+              <a:buFont typeface="Courier New" pitchFamily="49" charset="0"/>
+              <a:buChar char="o"/>
+              <a:defRPr sz="1600" kern="1200">
+                <a:solidFill>
+                  <a:schemeClr val="tx1"/>
+                </a:solidFill>
+                <a:latin typeface="+mn-lt"/>
+                <a:ea typeface="+mn-ea"/>
+                <a:cs typeface="+mn-cs"/>
+              </a:defRPr>
+            </a:lvl5pPr>
+            <a:lvl6pPr marL="2994134" indent="-272194" algn="l" defTabSz="1088776" rtl="0" eaLnBrk="1" latinLnBrk="0" hangingPunct="1">
+              <a:spcBef>
+                <a:spcPct val="20000"/>
+              </a:spcBef>
+              <a:buFont typeface="Arial" pitchFamily="34" charset="0"/>
+              <a:buChar char="•"/>
+              <a:defRPr sz="2400" kern="1200">
+                <a:solidFill>
+                  <a:schemeClr val="tx1"/>
+                </a:solidFill>
+                <a:latin typeface="+mn-lt"/>
+                <a:ea typeface="+mn-ea"/>
+                <a:cs typeface="+mn-cs"/>
+              </a:defRPr>
+            </a:lvl6pPr>
+            <a:lvl7pPr marL="3538522" indent="-272194" algn="l" defTabSz="1088776" rtl="0" eaLnBrk="1" latinLnBrk="0" hangingPunct="1">
+              <a:spcBef>
+                <a:spcPct val="20000"/>
+              </a:spcBef>
+              <a:buFont typeface="Arial" pitchFamily="34" charset="0"/>
+              <a:buChar char="•"/>
+              <a:defRPr sz="2400" kern="1200">
+                <a:solidFill>
+                  <a:schemeClr val="tx1"/>
+                </a:solidFill>
+                <a:latin typeface="+mn-lt"/>
+                <a:ea typeface="+mn-ea"/>
+                <a:cs typeface="+mn-cs"/>
+              </a:defRPr>
+            </a:lvl7pPr>
+            <a:lvl8pPr marL="4082910" indent="-272194" algn="l" defTabSz="1088776" rtl="0" eaLnBrk="1" latinLnBrk="0" hangingPunct="1">
+              <a:spcBef>
+                <a:spcPct val="20000"/>
+              </a:spcBef>
+              <a:buFont typeface="Arial" pitchFamily="34" charset="0"/>
+              <a:buChar char="•"/>
+              <a:defRPr sz="2400" kern="1200">
+                <a:solidFill>
+                  <a:schemeClr val="tx1"/>
+                </a:solidFill>
+                <a:latin typeface="+mn-lt"/>
+                <a:ea typeface="+mn-ea"/>
+                <a:cs typeface="+mn-cs"/>
+              </a:defRPr>
+            </a:lvl8pPr>
+            <a:lvl9pPr marL="4627298" indent="-272194" algn="l" defTabSz="1088776" rtl="0" eaLnBrk="1" latinLnBrk="0" hangingPunct="1">
+              <a:spcBef>
+                <a:spcPct val="20000"/>
+              </a:spcBef>
+              <a:buFont typeface="Arial" pitchFamily="34" charset="0"/>
+              <a:buChar char="•"/>
+              <a:defRPr sz="2400" kern="1200">
+                <a:solidFill>
+                  <a:schemeClr val="tx1"/>
+                </a:solidFill>
+                <a:latin typeface="+mn-lt"/>
+                <a:ea typeface="+mn-ea"/>
+                <a:cs typeface="+mn-cs"/>
+              </a:defRPr>
+            </a:lvl9pPr>
+          </a:lstStyle>
+          <a:p>
+            <a:r>
+              <a:rPr lang="de-DE" dirty="0" err="1" smtClean="0"/>
+              <a:t>For</a:t>
+            </a:r>
+            <a:r>
+              <a:rPr lang="de-DE" dirty="0" smtClean="0"/>
+              <a:t>-Schleife</a:t>
+            </a:r>
+          </a:p>
+          <a:p>
+            <a:pPr lvl="1"/>
+            <a:r>
+              <a:rPr lang="nn-NO" dirty="0" smtClean="0">
+                <a:solidFill>
+                  <a:srgbClr val="7F0055"/>
+                </a:solidFill>
+                <a:latin typeface="Consolas"/>
+              </a:rPr>
+              <a:t>for</a:t>
+            </a:r>
+            <a:r>
+              <a:rPr lang="nn-NO" dirty="0" smtClean="0">
+                <a:solidFill>
+                  <a:srgbClr val="000000"/>
+                </a:solidFill>
+                <a:latin typeface="Consolas"/>
+              </a:rPr>
+              <a:t>(</a:t>
+            </a:r>
+            <a:r>
+              <a:rPr lang="nn-NO" dirty="0" smtClean="0">
+                <a:solidFill>
+                  <a:srgbClr val="7F0055"/>
+                </a:solidFill>
+                <a:latin typeface="Consolas"/>
+              </a:rPr>
+              <a:t>var</a:t>
+            </a:r>
+            <a:r>
+              <a:rPr lang="nn-NO" dirty="0" smtClean="0">
+                <a:solidFill>
+                  <a:srgbClr val="000000"/>
+                </a:solidFill>
+                <a:latin typeface="Consolas"/>
+              </a:rPr>
+              <a:t> i = 0; i &lt; 4; i++){</a:t>
+            </a:r>
+          </a:p>
+          <a:p>
+            <a:pPr lvl="1"/>
+            <a:r>
+              <a:rPr lang="de-DE" dirty="0" smtClean="0">
+                <a:solidFill>
+                  <a:srgbClr val="000000"/>
+                </a:solidFill>
+                <a:latin typeface="Consolas"/>
+              </a:rPr>
+              <a:t>  console.log(i);</a:t>
+            </a:r>
+          </a:p>
+          <a:p>
+            <a:pPr lvl="1"/>
+            <a:r>
+              <a:rPr lang="de-DE" dirty="0" smtClean="0">
+                <a:solidFill>
+                  <a:srgbClr val="000000"/>
+                </a:solidFill>
+                <a:latin typeface="Consolas"/>
+              </a:rPr>
+              <a:t>}</a:t>
+            </a:r>
+          </a:p>
+        </p:txBody>
+      </p:sp>
+    </p:spTree>
+    <p:extLst>
+      <p:ext uri="{BB962C8B-B14F-4D97-AF65-F5344CB8AC3E}">
+        <p14:creationId xmlns:p14="http://schemas.microsoft.com/office/powerpoint/2010/main" val="754221867"/>
+      </p:ext>
+    </p:extLst>
+  </p:cSld>
+  <p:clrMapOvr>
+    <a:masterClrMapping/>
+  </p:clrMapOvr>
+</p:sld>
+</file>
+
+<file path=ppt/slides/slide27.xml><?xml version="1.0" encoding="utf-8"?>
+<p:sld xmlns:a="http://schemas.openxmlformats.org/drawingml/2006/main" xmlns:r="http://schemas.openxmlformats.org/officeDocument/2006/relationships" xmlns:p="http://schemas.openxmlformats.org/presentationml/2006/main">
+  <p:cSld>
+    <p:spTree>
+      <p:nvGrpSpPr>
+        <p:cNvPr id="1" name=""/>
+        <p:cNvGrpSpPr/>
+        <p:nvPr/>
+      </p:nvGrpSpPr>
+      <p:grpSpPr>
+        <a:xfrm>
+          <a:off x="0" y="0"/>
+          <a:ext cx="0" cy="0"/>
+          <a:chOff x="0" y="0"/>
+          <a:chExt cx="0" cy="0"/>
+        </a:xfrm>
+      </p:grpSpPr>
+      <p:pic>
+        <p:nvPicPr>
+          <p:cNvPr id="8" name="Picture Placeholder 7"/>
+          <p:cNvPicPr>
+            <a:picLocks noGrp="1" noChangeAspect="1"/>
+          </p:cNvPicPr>
+          <p:nvPr>
+            <p:ph type="pic" sz="quarter" idx="11"/>
+          </p:nvPr>
+        </p:nvPicPr>
+        <p:blipFill>
+          <a:blip r:embed="rId2">
+            <a:extLst>
+              <a:ext uri="{28A0092B-C50C-407E-A947-70E740481C1C}">
+                <a14:useLocalDpi xmlns:a14="http://schemas.microsoft.com/office/drawing/2010/main" val="0"/>
+              </a:ext>
+            </a:extLst>
+          </a:blip>
+          <a:srcRect t="31507" b="31507"/>
+          <a:stretch>
+            <a:fillRect/>
+          </a:stretch>
+        </p:blipFill>
+        <p:spPr/>
+      </p:pic>
+      <p:sp>
+        <p:nvSpPr>
+          <p:cNvPr id="4" name="Title 3"/>
+          <p:cNvSpPr>
+            <a:spLocks noGrp="1"/>
+          </p:cNvSpPr>
+          <p:nvPr>
+            <p:ph type="ctrTitle"/>
+          </p:nvPr>
+        </p:nvSpPr>
+        <p:spPr/>
+        <p:txBody>
+          <a:bodyPr/>
+          <a:lstStyle/>
+          <a:p>
+            <a:r>
+              <a:rPr lang="de-DE" dirty="0" smtClean="0"/>
+              <a:t>Objektorientierung</a:t>
+            </a:r>
+            <a:endParaRPr lang="de-DE" dirty="0"/>
+          </a:p>
+        </p:txBody>
+      </p:sp>
+      <p:sp>
+        <p:nvSpPr>
+          <p:cNvPr id="5" name="Text Placeholder 4"/>
+          <p:cNvSpPr>
+            <a:spLocks noGrp="1"/>
+          </p:cNvSpPr>
+          <p:nvPr>
+            <p:ph type="body" sz="quarter" idx="10"/>
+          </p:nvPr>
+        </p:nvSpPr>
+        <p:spPr/>
+        <p:txBody>
+          <a:bodyPr/>
+          <a:lstStyle/>
+          <a:p>
+            <a:r>
+              <a:rPr lang="de-DE" dirty="0" smtClean="0"/>
+              <a:t>Objekte und Vererbung</a:t>
+            </a:r>
+            <a:endParaRPr lang="de-DE" dirty="0"/>
+          </a:p>
+        </p:txBody>
+      </p:sp>
+    </p:spTree>
+    <p:extLst>
+      <p:ext uri="{BB962C8B-B14F-4D97-AF65-F5344CB8AC3E}">
+        <p14:creationId xmlns:p14="http://schemas.microsoft.com/office/powerpoint/2010/main" val="128680880"/>
+      </p:ext>
+    </p:extLst>
+  </p:cSld>
+  <p:clrMapOvr>
+    <a:masterClrMapping/>
+  </p:clrMapOvr>
+</p:sld>
+</file>
+
+<file path=ppt/slides/slide28.xml><?xml version="1.0" encoding="utf-8"?>
+<p:sld xmlns:a="http://schemas.openxmlformats.org/drawingml/2006/main" xmlns:r="http://schemas.openxmlformats.org/officeDocument/2006/relationships" xmlns:p="http://schemas.openxmlformats.org/presentationml/2006/main">
+  <p:cSld>
+    <p:spTree>
+      <p:nvGrpSpPr>
+        <p:cNvPr id="1" name=""/>
+        <p:cNvGrpSpPr/>
+        <p:nvPr/>
+      </p:nvGrpSpPr>
+      <p:grpSpPr>
+        <a:xfrm>
+          <a:off x="0" y="0"/>
+          <a:ext cx="0" cy="0"/>
+          <a:chOff x="0" y="0"/>
+          <a:chExt cx="0" cy="0"/>
+        </a:xfrm>
+      </p:grpSpPr>
+      <p:sp>
+        <p:nvSpPr>
+          <p:cNvPr id="2" name="Title 1"/>
+          <p:cNvSpPr>
+            <a:spLocks noGrp="1"/>
+          </p:cNvSpPr>
+          <p:nvPr>
+            <p:ph type="title"/>
+          </p:nvPr>
+        </p:nvSpPr>
+        <p:spPr/>
+        <p:txBody>
+          <a:bodyPr/>
+          <a:lstStyle/>
+          <a:p>
+            <a:r>
+              <a:rPr lang="de-DE" dirty="0" smtClean="0"/>
+              <a:t>Objekte durch Objektliterale</a:t>
+            </a:r>
+            <a:endParaRPr lang="de-DE" dirty="0"/>
+          </a:p>
+        </p:txBody>
+      </p:sp>
+      <p:sp>
+        <p:nvSpPr>
+          <p:cNvPr id="4" name="Text Placeholder 3"/>
+          <p:cNvSpPr>
+            <a:spLocks noGrp="1"/>
+          </p:cNvSpPr>
+          <p:nvPr>
+            <p:ph type="body" sz="quarter" idx="10"/>
+          </p:nvPr>
+        </p:nvSpPr>
+        <p:spPr/>
+        <p:txBody>
+          <a:bodyPr/>
+          <a:lstStyle/>
+          <a:p>
+            <a:r>
+              <a:rPr lang="de-DE" dirty="0" smtClean="0"/>
+              <a:t>Beispiel</a:t>
+            </a:r>
+          </a:p>
+          <a:p>
+            <a:pPr lvl="1"/>
+            <a:r>
+              <a:rPr lang="de-DE" dirty="0" err="1">
+                <a:solidFill>
+                  <a:srgbClr val="7F0055"/>
+                </a:solidFill>
+                <a:latin typeface="Consolas"/>
+              </a:rPr>
+              <a:t>var</a:t>
+            </a:r>
+            <a:r>
+              <a:rPr lang="de-DE" dirty="0">
+                <a:solidFill>
+                  <a:srgbClr val="000000"/>
+                </a:solidFill>
+                <a:latin typeface="Consolas"/>
+              </a:rPr>
+              <a:t> </a:t>
+            </a:r>
+            <a:r>
+              <a:rPr lang="de-DE" dirty="0" err="1">
+                <a:solidFill>
+                  <a:srgbClr val="000000"/>
+                </a:solidFill>
+                <a:latin typeface="Consolas"/>
+              </a:rPr>
+              <a:t>max</a:t>
+            </a:r>
+            <a:r>
+              <a:rPr lang="de-DE" dirty="0">
+                <a:solidFill>
+                  <a:srgbClr val="000000"/>
+                </a:solidFill>
+                <a:latin typeface="Consolas"/>
+              </a:rPr>
+              <a:t> = {</a:t>
+            </a:r>
+          </a:p>
+          <a:p>
+            <a:pPr lvl="1"/>
+            <a:r>
+              <a:rPr lang="de-DE" dirty="0">
+                <a:solidFill>
+                  <a:srgbClr val="000000"/>
+                </a:solidFill>
+                <a:latin typeface="Consolas"/>
+              </a:rPr>
+              <a:t>  </a:t>
+            </a:r>
+            <a:r>
+              <a:rPr lang="de-DE" dirty="0" err="1">
+                <a:solidFill>
+                  <a:srgbClr val="000000"/>
+                </a:solidFill>
+                <a:latin typeface="Consolas"/>
+              </a:rPr>
+              <a:t>name</a:t>
+            </a:r>
+            <a:r>
+              <a:rPr lang="de-DE" dirty="0">
+                <a:solidFill>
+                  <a:srgbClr val="000000"/>
+                </a:solidFill>
+                <a:latin typeface="Consolas"/>
+              </a:rPr>
+              <a:t>: </a:t>
+            </a:r>
+            <a:r>
+              <a:rPr lang="de-DE" dirty="0">
+                <a:solidFill>
+                  <a:srgbClr val="2A00FF"/>
+                </a:solidFill>
+                <a:latin typeface="Consolas"/>
+              </a:rPr>
+              <a:t>"Max"</a:t>
+            </a:r>
+            <a:r>
+              <a:rPr lang="de-DE" dirty="0">
+                <a:solidFill>
+                  <a:srgbClr val="000000"/>
+                </a:solidFill>
+                <a:latin typeface="Consolas"/>
+              </a:rPr>
+              <a:t>, </a:t>
+            </a:r>
+          </a:p>
+          <a:p>
+            <a:pPr lvl="1"/>
+            <a:r>
+              <a:rPr lang="de-DE" dirty="0">
+                <a:solidFill>
+                  <a:srgbClr val="000000"/>
+                </a:solidFill>
+                <a:latin typeface="Consolas"/>
+              </a:rPr>
+              <a:t>  </a:t>
+            </a:r>
+            <a:r>
+              <a:rPr lang="de-DE" dirty="0" err="1">
+                <a:solidFill>
+                  <a:srgbClr val="000000"/>
+                </a:solidFill>
+                <a:latin typeface="Consolas"/>
+              </a:rPr>
+              <a:t>sayHello</a:t>
+            </a:r>
+            <a:r>
+              <a:rPr lang="de-DE" dirty="0">
+                <a:solidFill>
+                  <a:srgbClr val="000000"/>
+                </a:solidFill>
+                <a:latin typeface="Consolas"/>
+              </a:rPr>
+              <a:t>: </a:t>
+            </a:r>
+            <a:r>
+              <a:rPr lang="de-DE" dirty="0" err="1">
+                <a:solidFill>
+                  <a:srgbClr val="7F0055"/>
+                </a:solidFill>
+                <a:latin typeface="Consolas"/>
+              </a:rPr>
+              <a:t>function</a:t>
+            </a:r>
+            <a:r>
+              <a:rPr lang="de-DE" dirty="0">
+                <a:solidFill>
+                  <a:srgbClr val="000000"/>
+                </a:solidFill>
+                <a:latin typeface="Consolas"/>
+              </a:rPr>
+              <a:t>(){</a:t>
+            </a:r>
+          </a:p>
+          <a:p>
+            <a:pPr lvl="1"/>
+            <a:r>
+              <a:rPr lang="de-DE" dirty="0">
+                <a:solidFill>
+                  <a:srgbClr val="000000"/>
+                </a:solidFill>
+                <a:latin typeface="Consolas"/>
+              </a:rPr>
+              <a:t>    console.log(</a:t>
+            </a:r>
+            <a:r>
+              <a:rPr lang="de-DE" dirty="0">
+                <a:solidFill>
+                  <a:srgbClr val="2A00FF"/>
+                </a:solidFill>
+                <a:latin typeface="Consolas"/>
+              </a:rPr>
+              <a:t>"</a:t>
+            </a:r>
+            <a:r>
+              <a:rPr lang="de-DE" dirty="0" err="1">
+                <a:solidFill>
+                  <a:srgbClr val="2A00FF"/>
+                </a:solidFill>
+                <a:latin typeface="Consolas"/>
+              </a:rPr>
+              <a:t>Hello</a:t>
+            </a:r>
+            <a:r>
+              <a:rPr lang="de-DE" dirty="0">
+                <a:solidFill>
+                  <a:srgbClr val="2A00FF"/>
+                </a:solidFill>
+                <a:latin typeface="Consolas"/>
+              </a:rPr>
+              <a:t> "</a:t>
+            </a:r>
+            <a:r>
+              <a:rPr lang="de-DE" dirty="0">
+                <a:solidFill>
+                  <a:srgbClr val="000000"/>
+                </a:solidFill>
+                <a:latin typeface="Consolas"/>
+              </a:rPr>
+              <a:t> + </a:t>
+            </a:r>
+            <a:r>
+              <a:rPr lang="de-DE" dirty="0">
+                <a:solidFill>
+                  <a:srgbClr val="7F0055"/>
+                </a:solidFill>
+                <a:latin typeface="Consolas"/>
+              </a:rPr>
+              <a:t>this</a:t>
+            </a:r>
+            <a:r>
+              <a:rPr lang="de-DE" dirty="0">
+                <a:solidFill>
+                  <a:srgbClr val="000000"/>
+                </a:solidFill>
+                <a:latin typeface="Consolas"/>
+              </a:rPr>
+              <a:t>.name + </a:t>
+            </a:r>
+            <a:r>
+              <a:rPr lang="de-DE" dirty="0">
+                <a:solidFill>
+                  <a:srgbClr val="2A00FF"/>
+                </a:solidFill>
+                <a:latin typeface="Consolas"/>
+              </a:rPr>
+              <a:t>"!"</a:t>
+            </a:r>
+            <a:r>
+              <a:rPr lang="de-DE" dirty="0">
+                <a:solidFill>
+                  <a:srgbClr val="000000"/>
+                </a:solidFill>
+                <a:latin typeface="Consolas"/>
+              </a:rPr>
+              <a:t>);</a:t>
+            </a:r>
+          </a:p>
+          <a:p>
+            <a:pPr lvl="1"/>
+            <a:r>
+              <a:rPr lang="de-DE" dirty="0">
+                <a:solidFill>
+                  <a:srgbClr val="000000"/>
+                </a:solidFill>
+                <a:latin typeface="Consolas"/>
+              </a:rPr>
+              <a:t>  } </a:t>
+            </a:r>
+          </a:p>
+          <a:p>
+            <a:pPr lvl="1"/>
+            <a:r>
+              <a:rPr lang="de-DE" dirty="0">
+                <a:solidFill>
+                  <a:srgbClr val="000000"/>
+                </a:solidFill>
+                <a:latin typeface="Consolas"/>
+              </a:rPr>
+              <a:t>};</a:t>
+            </a:r>
+          </a:p>
+          <a:p>
+            <a:pPr lvl="1"/>
+            <a:r>
+              <a:rPr lang="de-DE" dirty="0" err="1">
+                <a:solidFill>
+                  <a:srgbClr val="000000"/>
+                </a:solidFill>
+                <a:latin typeface="Consolas"/>
+              </a:rPr>
+              <a:t>max.sayHello</a:t>
+            </a:r>
+            <a:r>
+              <a:rPr lang="de-DE" dirty="0">
+                <a:solidFill>
+                  <a:srgbClr val="000000"/>
+                </a:solidFill>
+                <a:latin typeface="Consolas"/>
+              </a:rPr>
+              <a:t>();</a:t>
+            </a:r>
+          </a:p>
+          <a:p>
+            <a:r>
+              <a:rPr lang="de-DE" dirty="0" smtClean="0"/>
+              <a:t>Ausgabe</a:t>
+            </a:r>
+          </a:p>
+          <a:p>
+            <a:pPr lvl="1"/>
+            <a:r>
+              <a:rPr lang="de-DE" dirty="0" smtClean="0"/>
+              <a:t>„</a:t>
+            </a:r>
+            <a:r>
+              <a:rPr lang="de-DE" dirty="0" err="1" smtClean="0"/>
+              <a:t>Hello</a:t>
+            </a:r>
+            <a:r>
+              <a:rPr lang="de-DE" dirty="0" smtClean="0"/>
+              <a:t> Max“</a:t>
+            </a:r>
+            <a:endParaRPr lang="de-DE" dirty="0"/>
+          </a:p>
+        </p:txBody>
+      </p:sp>
+    </p:spTree>
+    <p:extLst>
+      <p:ext uri="{BB962C8B-B14F-4D97-AF65-F5344CB8AC3E}">
+        <p14:creationId xmlns:p14="http://schemas.microsoft.com/office/powerpoint/2010/main" val="1656718775"/>
+      </p:ext>
+    </p:extLst>
+  </p:cSld>
+  <p:clrMapOvr>
+    <a:masterClrMapping/>
+  </p:clrMapOvr>
+</p:sld>
+</file>
+
+<file path=ppt/slides/slide29.xml><?xml version="1.0" encoding="utf-8"?>
+<p:sld xmlns:a="http://schemas.openxmlformats.org/drawingml/2006/main" xmlns:r="http://schemas.openxmlformats.org/officeDocument/2006/relationships" xmlns:p="http://schemas.openxmlformats.org/presentationml/2006/main">
+  <p:cSld>
+    <p:spTree>
+      <p:nvGrpSpPr>
+        <p:cNvPr id="1" name=""/>
+        <p:cNvGrpSpPr/>
+        <p:nvPr/>
+      </p:nvGrpSpPr>
+      <p:grpSpPr>
+        <a:xfrm>
+          <a:off x="0" y="0"/>
+          <a:ext cx="0" cy="0"/>
+          <a:chOff x="0" y="0"/>
+          <a:chExt cx="0" cy="0"/>
+        </a:xfrm>
+      </p:grpSpPr>
+      <p:sp>
+        <p:nvSpPr>
+          <p:cNvPr id="2" name="Title 1"/>
+          <p:cNvSpPr>
+            <a:spLocks noGrp="1"/>
+          </p:cNvSpPr>
+          <p:nvPr>
+            <p:ph type="title"/>
+          </p:nvPr>
+        </p:nvSpPr>
+        <p:spPr/>
+        <p:txBody>
+          <a:bodyPr/>
+          <a:lstStyle/>
+          <a:p>
+            <a:r>
+              <a:rPr lang="de-DE" dirty="0" smtClean="0"/>
+              <a:t>Objekte durch Funktionen erzeugen</a:t>
+            </a:r>
+            <a:endParaRPr lang="de-DE" dirty="0"/>
+          </a:p>
+        </p:txBody>
+      </p:sp>
+      <p:sp>
+        <p:nvSpPr>
+          <p:cNvPr id="3" name="Text Placeholder 2"/>
+          <p:cNvSpPr>
+            <a:spLocks noGrp="1"/>
+          </p:cNvSpPr>
+          <p:nvPr>
+            <p:ph type="body" sz="quarter" idx="10"/>
+          </p:nvPr>
+        </p:nvSpPr>
+        <p:spPr/>
+        <p:txBody>
+          <a:bodyPr/>
+          <a:lstStyle/>
+          <a:p>
+            <a:r>
+              <a:rPr lang="de-DE" dirty="0" smtClean="0"/>
+              <a:t>Beispiel</a:t>
+            </a:r>
+          </a:p>
+          <a:p>
+            <a:pPr lvl="1"/>
+            <a:r>
+              <a:rPr lang="de-DE" dirty="0" err="1">
+                <a:solidFill>
+                  <a:srgbClr val="7F0055"/>
+                </a:solidFill>
+                <a:latin typeface="Consolas"/>
+              </a:rPr>
+              <a:t>function</a:t>
+            </a:r>
+            <a:r>
+              <a:rPr lang="de-DE" dirty="0">
+                <a:solidFill>
+                  <a:srgbClr val="000000"/>
+                </a:solidFill>
+                <a:latin typeface="Consolas"/>
+              </a:rPr>
+              <a:t> Person(</a:t>
+            </a:r>
+            <a:r>
+              <a:rPr lang="de-DE" dirty="0" err="1">
+                <a:solidFill>
+                  <a:srgbClr val="000000"/>
+                </a:solidFill>
+                <a:latin typeface="Consolas"/>
+              </a:rPr>
+              <a:t>inName</a:t>
+            </a:r>
+            <a:r>
+              <a:rPr lang="de-DE" dirty="0">
+                <a:solidFill>
+                  <a:srgbClr val="000000"/>
+                </a:solidFill>
+                <a:latin typeface="Consolas"/>
+              </a:rPr>
+              <a:t>, </a:t>
+            </a:r>
+            <a:r>
+              <a:rPr lang="de-DE" dirty="0" err="1">
+                <a:solidFill>
+                  <a:srgbClr val="000000"/>
+                </a:solidFill>
+                <a:latin typeface="Consolas"/>
+              </a:rPr>
+              <a:t>inAge</a:t>
+            </a:r>
+            <a:r>
+              <a:rPr lang="de-DE" dirty="0">
+                <a:solidFill>
+                  <a:srgbClr val="000000"/>
+                </a:solidFill>
+                <a:latin typeface="Consolas"/>
+              </a:rPr>
+              <a:t>){</a:t>
+            </a:r>
+          </a:p>
+          <a:p>
+            <a:pPr lvl="1"/>
+            <a:r>
+              <a:rPr lang="de-DE" dirty="0" smtClean="0">
+                <a:solidFill>
+                  <a:srgbClr val="7F0055"/>
+                </a:solidFill>
+                <a:latin typeface="Consolas"/>
+              </a:rPr>
+              <a:t>  </a:t>
+            </a:r>
+            <a:r>
+              <a:rPr lang="de-DE" dirty="0" err="1" smtClean="0">
+                <a:solidFill>
+                  <a:srgbClr val="7F0055"/>
+                </a:solidFill>
+                <a:latin typeface="Consolas"/>
+              </a:rPr>
+              <a:t>var</a:t>
+            </a:r>
+            <a:r>
+              <a:rPr lang="de-DE" dirty="0" smtClean="0">
+                <a:solidFill>
+                  <a:srgbClr val="000000"/>
+                </a:solidFill>
+                <a:latin typeface="Consolas"/>
+              </a:rPr>
+              <a:t> </a:t>
+            </a:r>
+            <a:r>
+              <a:rPr lang="de-DE" dirty="0" err="1">
+                <a:solidFill>
+                  <a:srgbClr val="000000"/>
+                </a:solidFill>
+                <a:latin typeface="Consolas"/>
+              </a:rPr>
+              <a:t>name</a:t>
+            </a:r>
+            <a:r>
+              <a:rPr lang="de-DE" dirty="0">
+                <a:solidFill>
+                  <a:srgbClr val="000000"/>
+                </a:solidFill>
+                <a:latin typeface="Consolas"/>
+              </a:rPr>
+              <a:t> = </a:t>
+            </a:r>
+            <a:r>
+              <a:rPr lang="de-DE" dirty="0" err="1">
+                <a:solidFill>
+                  <a:srgbClr val="000000"/>
+                </a:solidFill>
+                <a:latin typeface="Consolas"/>
+              </a:rPr>
+              <a:t>inName</a:t>
+            </a:r>
+            <a:r>
+              <a:rPr lang="de-DE" dirty="0" smtClean="0">
+                <a:solidFill>
+                  <a:srgbClr val="000000"/>
+                </a:solidFill>
+                <a:latin typeface="Consolas"/>
+              </a:rPr>
+              <a:t>;			</a:t>
+            </a:r>
+            <a:r>
+              <a:rPr lang="de-DE" dirty="0" smtClean="0">
+                <a:solidFill>
+                  <a:srgbClr val="3F7F5F"/>
+                </a:solidFill>
+                <a:latin typeface="Consolas"/>
+              </a:rPr>
+              <a:t>// </a:t>
+            </a:r>
+            <a:r>
+              <a:rPr lang="de-DE" dirty="0">
+                <a:solidFill>
+                  <a:srgbClr val="3F7F5F"/>
+                </a:solidFill>
+                <a:latin typeface="Consolas"/>
+              </a:rPr>
+              <a:t>private variable</a:t>
+            </a:r>
+          </a:p>
+          <a:p>
+            <a:pPr lvl="1"/>
+            <a:r>
+              <a:rPr lang="de-DE" dirty="0" smtClean="0">
+                <a:solidFill>
+                  <a:srgbClr val="7F0055"/>
+                </a:solidFill>
+                <a:latin typeface="Consolas"/>
+              </a:rPr>
+              <a:t>  </a:t>
+            </a:r>
+            <a:r>
+              <a:rPr lang="de-DE" dirty="0" err="1" smtClean="0">
+                <a:solidFill>
+                  <a:srgbClr val="7F0055"/>
+                </a:solidFill>
+                <a:latin typeface="Consolas"/>
+              </a:rPr>
+              <a:t>this</a:t>
+            </a:r>
+            <a:r>
+              <a:rPr lang="de-DE" dirty="0" err="1" smtClean="0">
+                <a:solidFill>
+                  <a:srgbClr val="000000"/>
+                </a:solidFill>
+                <a:latin typeface="Consolas"/>
+              </a:rPr>
+              <a:t>.age</a:t>
+            </a:r>
+            <a:r>
+              <a:rPr lang="de-DE" dirty="0" smtClean="0">
+                <a:solidFill>
+                  <a:srgbClr val="000000"/>
+                </a:solidFill>
+                <a:latin typeface="Consolas"/>
+              </a:rPr>
+              <a:t> </a:t>
+            </a:r>
+            <a:r>
+              <a:rPr lang="de-DE" dirty="0">
+                <a:solidFill>
+                  <a:srgbClr val="000000"/>
+                </a:solidFill>
+                <a:latin typeface="Consolas"/>
+              </a:rPr>
+              <a:t>= </a:t>
+            </a:r>
+            <a:r>
+              <a:rPr lang="de-DE" dirty="0" err="1">
+                <a:solidFill>
+                  <a:srgbClr val="000000"/>
+                </a:solidFill>
+                <a:latin typeface="Consolas"/>
+              </a:rPr>
+              <a:t>inAge</a:t>
+            </a:r>
+            <a:r>
+              <a:rPr lang="de-DE" dirty="0" smtClean="0">
+                <a:solidFill>
+                  <a:srgbClr val="000000"/>
+                </a:solidFill>
+                <a:latin typeface="Consolas"/>
+              </a:rPr>
+              <a:t>;			</a:t>
+            </a:r>
+            <a:r>
+              <a:rPr lang="de-DE" dirty="0" smtClean="0">
+                <a:solidFill>
+                  <a:srgbClr val="3F7F5F"/>
+                </a:solidFill>
+                <a:latin typeface="Consolas"/>
+              </a:rPr>
+              <a:t>// </a:t>
+            </a:r>
+            <a:r>
+              <a:rPr lang="de-DE" dirty="0" err="1">
+                <a:solidFill>
+                  <a:srgbClr val="3F7F5F"/>
+                </a:solidFill>
+                <a:latin typeface="Consolas"/>
+              </a:rPr>
+              <a:t>public</a:t>
+            </a:r>
+            <a:r>
+              <a:rPr lang="de-DE" dirty="0">
+                <a:solidFill>
+                  <a:srgbClr val="3F7F5F"/>
+                </a:solidFill>
+                <a:latin typeface="Consolas"/>
+              </a:rPr>
+              <a:t> variable</a:t>
+            </a:r>
+          </a:p>
+          <a:p>
+            <a:pPr lvl="1"/>
+            <a:r>
+              <a:rPr lang="en-US" dirty="0" smtClean="0">
+                <a:solidFill>
+                  <a:srgbClr val="7F0055"/>
+                </a:solidFill>
+                <a:latin typeface="Consolas"/>
+              </a:rPr>
+              <a:t>  </a:t>
+            </a:r>
+            <a:r>
+              <a:rPr lang="en-US" dirty="0" err="1" smtClean="0">
+                <a:solidFill>
+                  <a:srgbClr val="7F0055"/>
+                </a:solidFill>
+                <a:latin typeface="Consolas"/>
+              </a:rPr>
+              <a:t>var</a:t>
+            </a:r>
+            <a:r>
+              <a:rPr lang="en-US" dirty="0" smtClean="0">
+                <a:solidFill>
+                  <a:srgbClr val="000000"/>
+                </a:solidFill>
+                <a:latin typeface="Consolas"/>
+              </a:rPr>
+              <a:t> </a:t>
+            </a:r>
+            <a:r>
+              <a:rPr lang="en-US" dirty="0" err="1">
+                <a:solidFill>
+                  <a:srgbClr val="000000"/>
+                </a:solidFill>
+                <a:latin typeface="Consolas"/>
+              </a:rPr>
+              <a:t>celebBirthday</a:t>
+            </a:r>
+            <a:r>
+              <a:rPr lang="en-US" dirty="0">
+                <a:solidFill>
+                  <a:srgbClr val="000000"/>
+                </a:solidFill>
+                <a:latin typeface="Consolas"/>
+              </a:rPr>
+              <a:t> = </a:t>
+            </a:r>
+            <a:r>
+              <a:rPr lang="en-US" dirty="0">
+                <a:solidFill>
+                  <a:srgbClr val="7F0055"/>
+                </a:solidFill>
+                <a:latin typeface="Consolas"/>
+              </a:rPr>
+              <a:t>function</a:t>
+            </a:r>
+            <a:r>
+              <a:rPr lang="en-US" dirty="0" smtClean="0">
+                <a:solidFill>
+                  <a:srgbClr val="000000"/>
+                </a:solidFill>
+                <a:latin typeface="Consolas"/>
+              </a:rPr>
+              <a:t>(){	</a:t>
+            </a:r>
+            <a:r>
+              <a:rPr lang="en-US" dirty="0" smtClean="0">
+                <a:solidFill>
+                  <a:srgbClr val="3F7F5F"/>
+                </a:solidFill>
+                <a:latin typeface="Consolas"/>
+              </a:rPr>
+              <a:t>// </a:t>
+            </a:r>
+            <a:r>
+              <a:rPr lang="en-US" dirty="0">
+                <a:solidFill>
+                  <a:srgbClr val="3F7F5F"/>
+                </a:solidFill>
+                <a:latin typeface="Consolas"/>
+              </a:rPr>
+              <a:t>private function</a:t>
+            </a:r>
+          </a:p>
+          <a:p>
+            <a:pPr lvl="1"/>
+            <a:r>
+              <a:rPr lang="de-DE" dirty="0" smtClean="0">
+                <a:solidFill>
+                  <a:srgbClr val="7F0055"/>
+                </a:solidFill>
+                <a:latin typeface="Consolas"/>
+              </a:rPr>
+              <a:t>    </a:t>
+            </a:r>
+            <a:r>
+              <a:rPr lang="de-DE" dirty="0" err="1" smtClean="0">
+                <a:solidFill>
+                  <a:srgbClr val="7F0055"/>
+                </a:solidFill>
+                <a:latin typeface="Consolas"/>
+              </a:rPr>
+              <a:t>this</a:t>
+            </a:r>
+            <a:r>
+              <a:rPr lang="de-DE" dirty="0" err="1" smtClean="0">
+                <a:solidFill>
+                  <a:srgbClr val="000000"/>
+                </a:solidFill>
+                <a:latin typeface="Consolas"/>
+              </a:rPr>
+              <a:t>.age</a:t>
+            </a:r>
+            <a:r>
+              <a:rPr lang="de-DE" dirty="0">
+                <a:solidFill>
+                  <a:srgbClr val="000000"/>
+                </a:solidFill>
+                <a:latin typeface="Consolas"/>
+              </a:rPr>
+              <a:t>++;</a:t>
+            </a:r>
+          </a:p>
+          <a:p>
+            <a:pPr lvl="1"/>
+            <a:r>
+              <a:rPr lang="de-DE" dirty="0" smtClean="0">
+                <a:solidFill>
+                  <a:srgbClr val="000000"/>
+                </a:solidFill>
+                <a:latin typeface="Consolas"/>
+              </a:rPr>
+              <a:t>  };</a:t>
+            </a:r>
+            <a:endParaRPr lang="de-DE" dirty="0">
+              <a:solidFill>
+                <a:srgbClr val="000000"/>
+              </a:solidFill>
+              <a:latin typeface="Consolas"/>
+            </a:endParaRPr>
+          </a:p>
+          <a:p>
+            <a:pPr lvl="1"/>
+            <a:r>
+              <a:rPr lang="de-DE" dirty="0" smtClean="0">
+                <a:solidFill>
+                  <a:srgbClr val="7F0055"/>
+                </a:solidFill>
+                <a:latin typeface="Consolas"/>
+              </a:rPr>
+              <a:t>  </a:t>
+            </a:r>
+            <a:r>
+              <a:rPr lang="de-DE" dirty="0" err="1" smtClean="0">
+                <a:solidFill>
+                  <a:srgbClr val="7F0055"/>
+                </a:solidFill>
+                <a:latin typeface="Consolas"/>
+              </a:rPr>
+              <a:t>this</a:t>
+            </a:r>
+            <a:r>
+              <a:rPr lang="de-DE" dirty="0" err="1" smtClean="0">
+                <a:solidFill>
+                  <a:srgbClr val="000000"/>
+                </a:solidFill>
+                <a:latin typeface="Consolas"/>
+              </a:rPr>
+              <a:t>.sayHello</a:t>
+            </a:r>
+            <a:r>
+              <a:rPr lang="de-DE" dirty="0" smtClean="0">
+                <a:solidFill>
+                  <a:srgbClr val="000000"/>
+                </a:solidFill>
+                <a:latin typeface="Consolas"/>
+              </a:rPr>
+              <a:t> </a:t>
+            </a:r>
+            <a:r>
+              <a:rPr lang="de-DE" dirty="0">
+                <a:solidFill>
+                  <a:srgbClr val="000000"/>
+                </a:solidFill>
+                <a:latin typeface="Consolas"/>
+              </a:rPr>
+              <a:t>= </a:t>
+            </a:r>
+            <a:r>
+              <a:rPr lang="de-DE" dirty="0" err="1">
+                <a:solidFill>
+                  <a:srgbClr val="7F0055"/>
+                </a:solidFill>
+                <a:latin typeface="Consolas"/>
+              </a:rPr>
+              <a:t>function</a:t>
+            </a:r>
+            <a:r>
+              <a:rPr lang="de-DE" dirty="0" smtClean="0">
+                <a:solidFill>
+                  <a:srgbClr val="000000"/>
+                </a:solidFill>
+                <a:latin typeface="Consolas"/>
+              </a:rPr>
+              <a:t>(){		</a:t>
+            </a:r>
+            <a:r>
+              <a:rPr lang="de-DE" dirty="0" smtClean="0">
+                <a:solidFill>
+                  <a:srgbClr val="3F7F5F"/>
+                </a:solidFill>
+                <a:latin typeface="Consolas"/>
+              </a:rPr>
+              <a:t>// </a:t>
+            </a:r>
+            <a:r>
+              <a:rPr lang="de-DE" dirty="0" err="1">
+                <a:solidFill>
+                  <a:srgbClr val="3F7F5F"/>
+                </a:solidFill>
+                <a:latin typeface="Consolas"/>
+              </a:rPr>
+              <a:t>public</a:t>
+            </a:r>
+            <a:r>
+              <a:rPr lang="de-DE" dirty="0">
+                <a:solidFill>
+                  <a:srgbClr val="3F7F5F"/>
+                </a:solidFill>
+                <a:latin typeface="Consolas"/>
+              </a:rPr>
+              <a:t> </a:t>
+            </a:r>
+            <a:r>
+              <a:rPr lang="de-DE" dirty="0" err="1">
+                <a:solidFill>
+                  <a:srgbClr val="3F7F5F"/>
+                </a:solidFill>
+                <a:latin typeface="Consolas"/>
+              </a:rPr>
+              <a:t>function</a:t>
+            </a:r>
+            <a:endParaRPr lang="de-DE" dirty="0">
+              <a:solidFill>
+                <a:srgbClr val="3F7F5F"/>
+              </a:solidFill>
+              <a:latin typeface="Consolas"/>
+            </a:endParaRPr>
+          </a:p>
+          <a:p>
+            <a:pPr lvl="1"/>
+            <a:r>
+              <a:rPr lang="de-DE" dirty="0" smtClean="0">
+                <a:solidFill>
+                  <a:srgbClr val="000000"/>
+                </a:solidFill>
+                <a:latin typeface="Consolas"/>
+              </a:rPr>
+              <a:t>    console.log</a:t>
+            </a:r>
+            <a:r>
+              <a:rPr lang="de-DE" dirty="0">
+                <a:solidFill>
+                  <a:srgbClr val="000000"/>
+                </a:solidFill>
+                <a:latin typeface="Consolas"/>
+              </a:rPr>
+              <a:t>(</a:t>
+            </a:r>
+            <a:r>
+              <a:rPr lang="de-DE" dirty="0">
+                <a:solidFill>
+                  <a:srgbClr val="2A00FF"/>
+                </a:solidFill>
+                <a:latin typeface="Consolas"/>
+              </a:rPr>
+              <a:t>"</a:t>
+            </a:r>
+            <a:r>
+              <a:rPr lang="de-DE" dirty="0" err="1">
+                <a:solidFill>
+                  <a:srgbClr val="2A00FF"/>
+                </a:solidFill>
+                <a:latin typeface="Consolas"/>
+              </a:rPr>
+              <a:t>Hello</a:t>
+            </a:r>
+            <a:r>
+              <a:rPr lang="de-DE" dirty="0">
+                <a:solidFill>
+                  <a:srgbClr val="2A00FF"/>
+                </a:solidFill>
+                <a:latin typeface="Consolas"/>
+              </a:rPr>
+              <a:t>"</a:t>
+            </a:r>
+            <a:r>
+              <a:rPr lang="de-DE" dirty="0">
+                <a:solidFill>
+                  <a:srgbClr val="000000"/>
+                </a:solidFill>
+                <a:latin typeface="Consolas"/>
+              </a:rPr>
+              <a:t> + </a:t>
+            </a:r>
+            <a:r>
+              <a:rPr lang="de-DE" dirty="0" err="1">
+                <a:solidFill>
+                  <a:srgbClr val="000000"/>
+                </a:solidFill>
+                <a:latin typeface="Consolas"/>
+              </a:rPr>
+              <a:t>name</a:t>
+            </a:r>
+            <a:r>
+              <a:rPr lang="de-DE" dirty="0">
+                <a:solidFill>
+                  <a:srgbClr val="000000"/>
+                </a:solidFill>
+                <a:latin typeface="Consolas"/>
+              </a:rPr>
+              <a:t> + </a:t>
+            </a:r>
+            <a:r>
+              <a:rPr lang="de-DE" dirty="0">
+                <a:solidFill>
+                  <a:srgbClr val="2A00FF"/>
+                </a:solidFill>
+                <a:latin typeface="Consolas"/>
+              </a:rPr>
+              <a:t>"!"</a:t>
+            </a:r>
+            <a:r>
+              <a:rPr lang="de-DE" dirty="0">
+                <a:solidFill>
+                  <a:srgbClr val="000000"/>
+                </a:solidFill>
+                <a:latin typeface="Consolas"/>
+              </a:rPr>
+              <a:t>);</a:t>
+            </a:r>
+          </a:p>
+          <a:p>
+            <a:pPr lvl="1"/>
+            <a:r>
+              <a:rPr lang="de-DE" dirty="0" smtClean="0">
+                <a:solidFill>
+                  <a:srgbClr val="000000"/>
+                </a:solidFill>
+                <a:latin typeface="Consolas"/>
+              </a:rPr>
+              <a:t>  };</a:t>
+            </a:r>
+            <a:endParaRPr lang="de-DE" dirty="0">
+              <a:solidFill>
+                <a:srgbClr val="000000"/>
+              </a:solidFill>
+              <a:latin typeface="Consolas"/>
+            </a:endParaRPr>
+          </a:p>
+          <a:p>
+            <a:pPr lvl="1"/>
+            <a:r>
+              <a:rPr lang="de-DE" dirty="0" smtClean="0">
+                <a:solidFill>
+                  <a:srgbClr val="000000"/>
+                </a:solidFill>
+                <a:latin typeface="Consolas"/>
+              </a:rPr>
+              <a:t>}</a:t>
+            </a:r>
+          </a:p>
+          <a:p>
+            <a:pPr lvl="1"/>
+            <a:r>
+              <a:rPr lang="de-DE" dirty="0" err="1">
+                <a:solidFill>
+                  <a:srgbClr val="7F0055"/>
+                </a:solidFill>
+                <a:latin typeface="Consolas"/>
+              </a:rPr>
+              <a:t>var</a:t>
+            </a:r>
+            <a:r>
+              <a:rPr lang="de-DE" dirty="0">
+                <a:solidFill>
+                  <a:srgbClr val="000000"/>
+                </a:solidFill>
+                <a:latin typeface="Consolas"/>
+              </a:rPr>
+              <a:t> </a:t>
+            </a:r>
+            <a:r>
+              <a:rPr lang="de-DE" dirty="0" err="1">
+                <a:solidFill>
+                  <a:srgbClr val="000000"/>
+                </a:solidFill>
+                <a:latin typeface="Consolas"/>
+              </a:rPr>
+              <a:t>max</a:t>
+            </a:r>
+            <a:r>
+              <a:rPr lang="de-DE" dirty="0">
+                <a:solidFill>
+                  <a:srgbClr val="000000"/>
+                </a:solidFill>
+                <a:latin typeface="Consolas"/>
+              </a:rPr>
+              <a:t> = </a:t>
+            </a:r>
+            <a:r>
+              <a:rPr lang="de-DE" dirty="0" err="1">
+                <a:solidFill>
+                  <a:srgbClr val="7F0055"/>
+                </a:solidFill>
+                <a:latin typeface="Consolas"/>
+              </a:rPr>
+              <a:t>new</a:t>
+            </a:r>
+            <a:r>
+              <a:rPr lang="de-DE" dirty="0">
+                <a:solidFill>
+                  <a:srgbClr val="000000"/>
+                </a:solidFill>
+                <a:latin typeface="Consolas"/>
+              </a:rPr>
+              <a:t> Person(</a:t>
+            </a:r>
+            <a:r>
+              <a:rPr lang="de-DE" dirty="0">
+                <a:solidFill>
+                  <a:srgbClr val="2A00FF"/>
+                </a:solidFill>
+                <a:latin typeface="Consolas"/>
+              </a:rPr>
+              <a:t>"Max"</a:t>
+            </a:r>
+            <a:r>
+              <a:rPr lang="de-DE" dirty="0">
+                <a:solidFill>
+                  <a:srgbClr val="000000"/>
+                </a:solidFill>
+                <a:latin typeface="Consolas"/>
+              </a:rPr>
+              <a:t>, 10);</a:t>
+            </a:r>
+          </a:p>
+          <a:p>
+            <a:pPr lvl="1"/>
+            <a:endParaRPr lang="de-DE" dirty="0" smtClean="0">
+              <a:solidFill>
+                <a:srgbClr val="000000"/>
+              </a:solidFill>
+              <a:latin typeface="Consolas"/>
+            </a:endParaRPr>
+          </a:p>
+          <a:p>
+            <a:endParaRPr lang="de-DE" dirty="0"/>
+          </a:p>
+        </p:txBody>
+      </p:sp>
+    </p:spTree>
+    <p:extLst>
+      <p:ext uri="{BB962C8B-B14F-4D97-AF65-F5344CB8AC3E}">
+        <p14:creationId xmlns:p14="http://schemas.microsoft.com/office/powerpoint/2010/main" val="3230360496"/>
       </p:ext>
     </p:extLst>
   </p:cSld>
@@ -13818,6 +20847,456 @@
 </p:sld>
 </file>
 
+<file path=ppt/slides/slide30.xml><?xml version="1.0" encoding="utf-8"?>
+<p:sld xmlns:a="http://schemas.openxmlformats.org/drawingml/2006/main" xmlns:r="http://schemas.openxmlformats.org/officeDocument/2006/relationships" xmlns:p="http://schemas.openxmlformats.org/presentationml/2006/main">
+  <p:cSld>
+    <p:spTree>
+      <p:nvGrpSpPr>
+        <p:cNvPr id="1" name=""/>
+        <p:cNvGrpSpPr/>
+        <p:nvPr/>
+      </p:nvGrpSpPr>
+      <p:grpSpPr>
+        <a:xfrm>
+          <a:off x="0" y="0"/>
+          <a:ext cx="0" cy="0"/>
+          <a:chOff x="0" y="0"/>
+          <a:chExt cx="0" cy="0"/>
+        </a:xfrm>
+      </p:grpSpPr>
+      <p:sp>
+        <p:nvSpPr>
+          <p:cNvPr id="2" name="Title 1"/>
+          <p:cNvSpPr>
+            <a:spLocks noGrp="1"/>
+          </p:cNvSpPr>
+          <p:nvPr>
+            <p:ph type="title"/>
+          </p:nvPr>
+        </p:nvSpPr>
+        <p:spPr/>
+        <p:txBody>
+          <a:bodyPr/>
+          <a:lstStyle/>
+          <a:p>
+            <a:r>
+              <a:rPr lang="de-DE" dirty="0" smtClean="0"/>
+              <a:t>„Vererbung“</a:t>
+            </a:r>
+            <a:endParaRPr lang="de-DE" dirty="0"/>
+          </a:p>
+        </p:txBody>
+      </p:sp>
+      <p:sp>
+        <p:nvSpPr>
+          <p:cNvPr id="3" name="Text Placeholder 2"/>
+          <p:cNvSpPr>
+            <a:spLocks noGrp="1"/>
+          </p:cNvSpPr>
+          <p:nvPr>
+            <p:ph type="body" sz="quarter" idx="10"/>
+          </p:nvPr>
+        </p:nvSpPr>
+        <p:spPr/>
+        <p:txBody>
+          <a:bodyPr/>
+          <a:lstStyle/>
+          <a:p>
+            <a:r>
+              <a:rPr lang="de-DE" dirty="0" smtClean="0"/>
+              <a:t>Grundlegendes</a:t>
+            </a:r>
+          </a:p>
+          <a:p>
+            <a:pPr lvl="1"/>
+            <a:r>
+              <a:rPr lang="de-DE" dirty="0" smtClean="0"/>
+              <a:t>JavaScript unterstützt keine Klassen</a:t>
+            </a:r>
+          </a:p>
+          <a:p>
+            <a:pPr lvl="1"/>
+            <a:r>
+              <a:rPr lang="de-DE" dirty="0" smtClean="0"/>
+              <a:t>Vererbung ist daher auch nur zwischen Objekten möglich</a:t>
+            </a:r>
+          </a:p>
+          <a:p>
+            <a:pPr lvl="1"/>
+            <a:endParaRPr lang="de-DE" dirty="0"/>
+          </a:p>
+        </p:txBody>
+      </p:sp>
+    </p:spTree>
+    <p:extLst>
+      <p:ext uri="{BB962C8B-B14F-4D97-AF65-F5344CB8AC3E}">
+        <p14:creationId xmlns:p14="http://schemas.microsoft.com/office/powerpoint/2010/main" val="1045163953"/>
+      </p:ext>
+    </p:extLst>
+  </p:cSld>
+  <p:clrMapOvr>
+    <a:masterClrMapping/>
+  </p:clrMapOvr>
+</p:sld>
+</file>
+
+<file path=ppt/slides/slide31.xml><?xml version="1.0" encoding="utf-8"?>
+<p:sld xmlns:a="http://schemas.openxmlformats.org/drawingml/2006/main" xmlns:r="http://schemas.openxmlformats.org/officeDocument/2006/relationships" xmlns:p="http://schemas.openxmlformats.org/presentationml/2006/main">
+  <p:cSld>
+    <p:spTree>
+      <p:nvGrpSpPr>
+        <p:cNvPr id="1" name=""/>
+        <p:cNvGrpSpPr/>
+        <p:nvPr/>
+      </p:nvGrpSpPr>
+      <p:grpSpPr>
+        <a:xfrm>
+          <a:off x="0" y="0"/>
+          <a:ext cx="0" cy="0"/>
+          <a:chOff x="0" y="0"/>
+          <a:chExt cx="0" cy="0"/>
+        </a:xfrm>
+      </p:grpSpPr>
+      <p:sp>
+        <p:nvSpPr>
+          <p:cNvPr id="5" name="Title 4"/>
+          <p:cNvSpPr>
+            <a:spLocks noGrp="1"/>
+          </p:cNvSpPr>
+          <p:nvPr>
+            <p:ph type="ctrTitle"/>
+          </p:nvPr>
+        </p:nvSpPr>
+        <p:spPr/>
+        <p:txBody>
+          <a:bodyPr/>
+          <a:lstStyle/>
+          <a:p>
+            <a:r>
+              <a:rPr lang="en-US" dirty="0" smtClean="0"/>
+              <a:t>Thank you</a:t>
+            </a:r>
+            <a:endParaRPr lang="en-US" dirty="0"/>
+          </a:p>
+        </p:txBody>
+      </p:sp>
+      <p:sp>
+        <p:nvSpPr>
+          <p:cNvPr id="3" name="Text Placeholder 2"/>
+          <p:cNvSpPr>
+            <a:spLocks noGrp="1"/>
+          </p:cNvSpPr>
+          <p:nvPr>
+            <p:ph type="body" sz="quarter" idx="10"/>
+          </p:nvPr>
+        </p:nvSpPr>
+        <p:spPr>
+          <a:xfrm>
+            <a:off x="324001" y="4236462"/>
+            <a:ext cx="4595870" cy="1846659"/>
+          </a:xfrm>
+        </p:spPr>
+        <p:txBody>
+          <a:bodyPr/>
+          <a:lstStyle/>
+          <a:p>
+            <a:r>
+              <a:rPr lang="en-US" dirty="0" smtClean="0"/>
+              <a:t>Oliver Frendo</a:t>
+            </a:r>
+          </a:p>
+          <a:p>
+            <a:r>
+              <a:rPr lang="en-US" dirty="0">
+                <a:hlinkClick r:id="rId3"/>
+              </a:rPr>
+              <a:t>o</a:t>
+            </a:r>
+            <a:r>
+              <a:rPr lang="en-US" dirty="0" smtClean="0">
+                <a:hlinkClick r:id="rId3"/>
+              </a:rPr>
+              <a:t>liver.frendo@sap.com</a:t>
+            </a:r>
+            <a:r>
+              <a:rPr lang="en-US" dirty="0" smtClean="0"/>
+              <a:t> </a:t>
+            </a:r>
+          </a:p>
+        </p:txBody>
+      </p:sp>
+      <p:sp>
+        <p:nvSpPr>
+          <p:cNvPr id="4" name="Text Placeholder 2"/>
+          <p:cNvSpPr txBox="1">
+            <a:spLocks/>
+          </p:cNvSpPr>
+          <p:nvPr/>
+        </p:nvSpPr>
+        <p:spPr bwMode="gray">
+          <a:xfrm>
+            <a:off x="6867262" y="4388861"/>
+            <a:ext cx="4595870" cy="1846659"/>
+          </a:xfrm>
+          <a:prstGeom prst="rect">
+            <a:avLst/>
+          </a:prstGeom>
+        </p:spPr>
+        <p:txBody>
+          <a:bodyPr vert="horz" lIns="0" tIns="0" rIns="0" bIns="0" rtlCol="0" anchor="b" anchorCtr="0">
+            <a:noAutofit/>
+          </a:bodyPr>
+          <a:lstStyle>
+            <a:lvl1pPr marL="0" indent="0" algn="l" defTabSz="1088776" rtl="0" eaLnBrk="1" latinLnBrk="0" hangingPunct="1">
+              <a:spcBef>
+                <a:spcPts val="0"/>
+              </a:spcBef>
+              <a:buClr>
+                <a:schemeClr val="accent1"/>
+              </a:buClr>
+              <a:buSzPct val="80000"/>
+              <a:buFontTx/>
+              <a:buNone/>
+              <a:defRPr sz="2000" b="0" kern="1200">
+                <a:solidFill>
+                  <a:schemeClr val="tx1"/>
+                </a:solidFill>
+                <a:latin typeface="+mn-lt"/>
+                <a:ea typeface="+mn-ea"/>
+                <a:cs typeface="+mn-cs"/>
+              </a:defRPr>
+            </a:lvl1pPr>
+            <a:lvl2pPr marL="0" indent="0" algn="l" defTabSz="1088776" rtl="0" eaLnBrk="1" latinLnBrk="0" hangingPunct="1">
+              <a:spcBef>
+                <a:spcPts val="600"/>
+              </a:spcBef>
+              <a:buClr>
+                <a:schemeClr val="accent1"/>
+              </a:buClr>
+              <a:buSzPct val="80000"/>
+              <a:buFont typeface="Wingdings" pitchFamily="2" charset="2"/>
+              <a:buNone/>
+              <a:defRPr sz="2000" kern="1200">
+                <a:solidFill>
+                  <a:schemeClr val="tx1"/>
+                </a:solidFill>
+                <a:latin typeface="+mn-lt"/>
+                <a:ea typeface="+mn-ea"/>
+                <a:cs typeface="+mn-cs"/>
+              </a:defRPr>
+            </a:lvl2pPr>
+            <a:lvl3pPr marL="180000" indent="-180000" algn="l" defTabSz="1088776" rtl="0" eaLnBrk="1" latinLnBrk="0" hangingPunct="1">
+              <a:spcBef>
+                <a:spcPts val="400"/>
+              </a:spcBef>
+              <a:buClr>
+                <a:schemeClr val="accent1"/>
+              </a:buClr>
+              <a:buSzPct val="100000"/>
+              <a:buFont typeface="Wingdings" pitchFamily="2" charset="2"/>
+              <a:buChar char=""/>
+              <a:defRPr sz="1800" kern="1200">
+                <a:solidFill>
+                  <a:schemeClr val="tx1"/>
+                </a:solidFill>
+                <a:latin typeface="+mn-lt"/>
+                <a:ea typeface="+mn-ea"/>
+                <a:cs typeface="+mn-cs"/>
+              </a:defRPr>
+            </a:lvl3pPr>
+            <a:lvl4pPr marL="360000" indent="-180000" algn="l" defTabSz="1088776" rtl="0" eaLnBrk="1" latinLnBrk="0" hangingPunct="1">
+              <a:spcBef>
+                <a:spcPts val="400"/>
+              </a:spcBef>
+              <a:buClr>
+                <a:schemeClr val="accent2"/>
+              </a:buClr>
+              <a:buSzPct val="100000"/>
+              <a:buFont typeface="Arial" pitchFamily="34" charset="0"/>
+              <a:buChar char="–"/>
+              <a:defRPr sz="1800" kern="1200">
+                <a:solidFill>
+                  <a:schemeClr val="tx1"/>
+                </a:solidFill>
+                <a:latin typeface="+mn-lt"/>
+                <a:ea typeface="+mn-ea"/>
+                <a:cs typeface="+mn-cs"/>
+              </a:defRPr>
+            </a:lvl4pPr>
+            <a:lvl5pPr marL="540000" indent="-180000" algn="l" defTabSz="1088776" rtl="0" eaLnBrk="1" latinLnBrk="0" hangingPunct="1">
+              <a:spcBef>
+                <a:spcPts val="250"/>
+              </a:spcBef>
+              <a:buClr>
+                <a:schemeClr val="accent2"/>
+              </a:buClr>
+              <a:buSzPct val="100000"/>
+              <a:buFont typeface="Courier New" pitchFamily="49" charset="0"/>
+              <a:buChar char="o"/>
+              <a:defRPr sz="1600" kern="1200">
+                <a:solidFill>
+                  <a:schemeClr val="tx1"/>
+                </a:solidFill>
+                <a:latin typeface="+mn-lt"/>
+                <a:ea typeface="+mn-ea"/>
+                <a:cs typeface="+mn-cs"/>
+              </a:defRPr>
+            </a:lvl5pPr>
+            <a:lvl6pPr marL="2994134" indent="-272194" algn="l" defTabSz="1088776" rtl="0" eaLnBrk="1" latinLnBrk="0" hangingPunct="1">
+              <a:spcBef>
+                <a:spcPct val="20000"/>
+              </a:spcBef>
+              <a:buFont typeface="Arial" pitchFamily="34" charset="0"/>
+              <a:buChar char="•"/>
+              <a:defRPr sz="2400" kern="1200">
+                <a:solidFill>
+                  <a:schemeClr val="tx1"/>
+                </a:solidFill>
+                <a:latin typeface="+mn-lt"/>
+                <a:ea typeface="+mn-ea"/>
+                <a:cs typeface="+mn-cs"/>
+              </a:defRPr>
+            </a:lvl6pPr>
+            <a:lvl7pPr marL="3538522" indent="-272194" algn="l" defTabSz="1088776" rtl="0" eaLnBrk="1" latinLnBrk="0" hangingPunct="1">
+              <a:spcBef>
+                <a:spcPct val="20000"/>
+              </a:spcBef>
+              <a:buFont typeface="Arial" pitchFamily="34" charset="0"/>
+              <a:buChar char="•"/>
+              <a:defRPr sz="2400" kern="1200">
+                <a:solidFill>
+                  <a:schemeClr val="tx1"/>
+                </a:solidFill>
+                <a:latin typeface="+mn-lt"/>
+                <a:ea typeface="+mn-ea"/>
+                <a:cs typeface="+mn-cs"/>
+              </a:defRPr>
+            </a:lvl7pPr>
+            <a:lvl8pPr marL="4082910" indent="-272194" algn="l" defTabSz="1088776" rtl="0" eaLnBrk="1" latinLnBrk="0" hangingPunct="1">
+              <a:spcBef>
+                <a:spcPct val="20000"/>
+              </a:spcBef>
+              <a:buFont typeface="Arial" pitchFamily="34" charset="0"/>
+              <a:buChar char="•"/>
+              <a:defRPr sz="2400" kern="1200">
+                <a:solidFill>
+                  <a:schemeClr val="tx1"/>
+                </a:solidFill>
+                <a:latin typeface="+mn-lt"/>
+                <a:ea typeface="+mn-ea"/>
+                <a:cs typeface="+mn-cs"/>
+              </a:defRPr>
+            </a:lvl8pPr>
+            <a:lvl9pPr marL="4627298" indent="-272194" algn="l" defTabSz="1088776" rtl="0" eaLnBrk="1" latinLnBrk="0" hangingPunct="1">
+              <a:spcBef>
+                <a:spcPct val="20000"/>
+              </a:spcBef>
+              <a:buFont typeface="Arial" pitchFamily="34" charset="0"/>
+              <a:buChar char="•"/>
+              <a:defRPr sz="2400" kern="1200">
+                <a:solidFill>
+                  <a:schemeClr val="tx1"/>
+                </a:solidFill>
+                <a:latin typeface="+mn-lt"/>
+                <a:ea typeface="+mn-ea"/>
+                <a:cs typeface="+mn-cs"/>
+              </a:defRPr>
+            </a:lvl9pPr>
+          </a:lstStyle>
+          <a:p>
+            <a:r>
+              <a:rPr lang="en-US" dirty="0" smtClean="0"/>
+              <a:t>Matthias Liedtke</a:t>
+            </a:r>
+          </a:p>
+          <a:p>
+            <a:r>
+              <a:rPr lang="en-US" dirty="0" smtClean="0">
+                <a:hlinkClick r:id="rId4"/>
+              </a:rPr>
+              <a:t>matthias.liedtke@sap.com</a:t>
+            </a:r>
+            <a:r>
+              <a:rPr lang="en-US" dirty="0" smtClean="0"/>
+              <a:t> </a:t>
+            </a:r>
+          </a:p>
+        </p:txBody>
+      </p:sp>
+    </p:spTree>
+  </p:cSld>
+  <p:clrMapOvr>
+    <a:masterClrMapping/>
+  </p:clrMapOvr>
+  <p:timing>
+    <p:tnLst>
+      <p:par>
+        <p:cTn id="1" dur="indefinite" restart="never" nodeType="tmRoot"/>
+      </p:par>
+    </p:tnLst>
+  </p:timing>
+</p:sld>
+</file>
+
+<file path=ppt/slides/slide32.xml><?xml version="1.0" encoding="utf-8"?>
+<p:sld xmlns:a="http://schemas.openxmlformats.org/drawingml/2006/main" xmlns:r="http://schemas.openxmlformats.org/officeDocument/2006/relationships" xmlns:p="http://schemas.openxmlformats.org/presentationml/2006/main" show="0">
+  <p:cSld>
+    <p:spTree>
+      <p:nvGrpSpPr>
+        <p:cNvPr id="1" name=""/>
+        <p:cNvGrpSpPr/>
+        <p:nvPr/>
+      </p:nvGrpSpPr>
+      <p:grpSpPr>
+        <a:xfrm>
+          <a:off x="0" y="0"/>
+          <a:ext cx="0" cy="0"/>
+          <a:chOff x="0" y="0"/>
+          <a:chExt cx="0" cy="0"/>
+        </a:xfrm>
+      </p:grpSpPr>
+    </p:spTree>
+  </p:cSld>
+  <p:clrMapOvr>
+    <a:masterClrMapping/>
+  </p:clrMapOvr>
+  <p:transition spd="med"/>
+  <p:timing>
+    <p:tnLst>
+      <p:par>
+        <p:cTn id="1" dur="indefinite" restart="never" nodeType="tmRoot"/>
+      </p:par>
+    </p:tnLst>
+  </p:timing>
+</p:sld>
+</file>
+
+<file path=ppt/slides/slide33.xml><?xml version="1.0" encoding="utf-8"?>
+<p:sld xmlns:a="http://schemas.openxmlformats.org/drawingml/2006/main" xmlns:r="http://schemas.openxmlformats.org/officeDocument/2006/relationships" xmlns:p="http://schemas.openxmlformats.org/presentationml/2006/main" show="0">
+  <p:cSld>
+    <p:spTree>
+      <p:nvGrpSpPr>
+        <p:cNvPr id="1" name=""/>
+        <p:cNvGrpSpPr/>
+        <p:nvPr/>
+      </p:nvGrpSpPr>
+      <p:grpSpPr>
+        <a:xfrm>
+          <a:off x="0" y="0"/>
+          <a:ext cx="0" cy="0"/>
+          <a:chOff x="0" y="0"/>
+          <a:chExt cx="0" cy="0"/>
+        </a:xfrm>
+      </p:grpSpPr>
+    </p:spTree>
+  </p:cSld>
+  <p:clrMapOvr>
+    <a:masterClrMapping/>
+  </p:clrMapOvr>
+  <p:transition/>
+</p:sld>
+</file>
+
 <file path=ppt/slides/slide4.xml><?xml version="1.0" encoding="utf-8"?>
 <p:sld xmlns:a="http://schemas.openxmlformats.org/drawingml/2006/main" xmlns:r="http://schemas.openxmlformats.org/officeDocument/2006/relationships" xmlns:p="http://schemas.openxmlformats.org/presentationml/2006/main">
   <p:cSld>
@@ -13884,40 +21363,27 @@
           <a:bodyPr/>
           <a:lstStyle/>
           <a:p>
-            <a:pPr marL="342900" lvl="1" indent="-342900">
-              <a:buFont typeface="Arial" panose="020B0604020202020204" pitchFamily="34" charset="0"/>
-              <a:buChar char="•"/>
-            </a:pPr>
             <a:r>
               <a:rPr lang="de-DE" dirty="0" smtClean="0"/>
               <a:t>Textbasierte Auszeichnungssprache</a:t>
             </a:r>
           </a:p>
           <a:p>
-            <a:pPr marL="342900" lvl="1" indent="-342900">
-              <a:buFont typeface="Arial" panose="020B0604020202020204" pitchFamily="34" charset="0"/>
-              <a:buChar char="•"/>
-            </a:pPr>
+            <a:pPr lvl="1"/>
             <a:r>
               <a:rPr lang="de-DE" dirty="0" smtClean="0"/>
               <a:t>Wird vom W3C weiterentwickelt (aktuell: HTML5)</a:t>
             </a:r>
           </a:p>
           <a:p>
-            <a:pPr marL="342900" lvl="1" indent="-342900">
-              <a:buFont typeface="Arial" panose="020B0604020202020204" pitchFamily="34" charset="0"/>
-              <a:buChar char="•"/>
-            </a:pPr>
+            <a:pPr lvl="1"/>
             <a:r>
               <a:rPr lang="de-DE" dirty="0" smtClean="0"/>
               <a:t>Dient zur Strukturierung, nicht zur Formatierung!</a:t>
             </a:r>
           </a:p>
           <a:p>
-            <a:pPr marL="522900" lvl="2" indent="-342900">
-              <a:buFont typeface="Arial" panose="020B0604020202020204" pitchFamily="34" charset="0"/>
-              <a:buChar char="•"/>
-            </a:pPr>
+            <a:pPr lvl="2"/>
             <a:r>
               <a:rPr lang="de-DE" dirty="0" smtClean="0"/>
               <a:t>Entsprechende Elemente gelten als veraltet („</a:t>
@@ -13932,10 +21398,7 @@
             </a:r>
           </a:p>
           <a:p>
-            <a:pPr marL="522900" lvl="2" indent="-342900">
-              <a:buFont typeface="Arial" panose="020B0604020202020204" pitchFamily="34" charset="0"/>
-              <a:buChar char="•"/>
-            </a:pPr>
+            <a:pPr lvl="2"/>
             <a:r>
               <a:rPr lang="de-DE" dirty="0" smtClean="0"/>
               <a:t>Zur Formatierung wird CSS verwendet</a:t>
@@ -14102,7 +21565,7 @@
               <a:t>"</a:t>
             </a:r>
             <a:r>
-              <a:rPr lang="nn-NO" sz="2400" i="1" dirty="0">
+              <a:rPr lang="nn-NO" sz="2400" dirty="0">
                 <a:solidFill>
                   <a:srgbClr val="008080"/>
                 </a:solidFill>
@@ -14111,7 +21574,7 @@
               <a:t>&gt;</a:t>
             </a:r>
             <a:r>
-              <a:rPr lang="nn-NO" sz="2400" i="1" dirty="0">
+              <a:rPr lang="nn-NO" sz="2400" dirty="0">
                 <a:solidFill>
                   <a:srgbClr val="000000"/>
                 </a:solidFill>
@@ -14120,7 +21583,7 @@
               <a:t>abc</a:t>
             </a:r>
             <a:r>
-              <a:rPr lang="nn-NO" sz="2400" i="1" dirty="0">
+              <a:rPr lang="nn-NO" sz="2400" dirty="0">
                 <a:solidFill>
                   <a:srgbClr val="008080"/>
                 </a:solidFill>
@@ -14129,7 +21592,7 @@
               <a:t>&lt;/</a:t>
             </a:r>
             <a:r>
-              <a:rPr lang="nn-NO" sz="2400" i="1" dirty="0">
+              <a:rPr lang="nn-NO" sz="2400" dirty="0">
                 <a:solidFill>
                   <a:srgbClr val="3F7F7F"/>
                 </a:solidFill>
@@ -14138,7 +21601,7 @@
               <a:t>div</a:t>
             </a:r>
             <a:r>
-              <a:rPr lang="nn-NO" sz="2400" i="1" dirty="0">
+              <a:rPr lang="nn-NO" sz="2400" dirty="0">
                 <a:solidFill>
                   <a:srgbClr val="008080"/>
                 </a:solidFill>
@@ -15603,7 +23066,7 @@
           <p:nvPr>
             <p:extLst>
               <p:ext uri="{D42A27DB-BD31-4B8C-83A1-F6EECF244321}">
-                <p14:modId xmlns:p14="http://schemas.microsoft.com/office/powerpoint/2010/main" val="2073997817"/>
+                <p14:modId xmlns:p14="http://schemas.microsoft.com/office/powerpoint/2010/main" val="2002778095"/>
               </p:ext>
             </p:extLst>
           </p:nvPr>
@@ -15755,7 +23218,7 @@
                         <a:t>"#"</a:t>
                       </a:r>
                       <a:r>
-                        <a:rPr lang="de-DE" sz="2000" i="1" u="none" dirty="0" smtClean="0">
+                        <a:rPr lang="de-DE" sz="2000" i="0" u="none" dirty="0" smtClean="0">
                           <a:solidFill>
                             <a:srgbClr val="008080"/>
                           </a:solidFill>
@@ -15764,7 +23227,7 @@
                         <a:t>&gt;&lt;/</a:t>
                       </a:r>
                       <a:r>
-                        <a:rPr lang="de-DE" sz="2000" i="1" u="none" dirty="0" smtClean="0">
+                        <a:rPr lang="de-DE" sz="2000" i="0" u="none" dirty="0" smtClean="0">
                           <a:solidFill>
                             <a:srgbClr val="3F7F7F"/>
                           </a:solidFill>
@@ -15773,7 +23236,7 @@
                         <a:t>a</a:t>
                       </a:r>
                       <a:r>
-                        <a:rPr lang="de-DE" sz="2000" i="1" u="none" dirty="0" smtClean="0">
+                        <a:rPr lang="de-DE" sz="2000" i="0" u="none" dirty="0" smtClean="0">
                           <a:solidFill>
                             <a:srgbClr val="008080"/>
                           </a:solidFill>
@@ -15862,7 +23325,7 @@
                         <a:t>"#"</a:t>
                       </a:r>
                       <a:r>
-                        <a:rPr lang="de-DE" sz="2000" i="1" u="none" dirty="0" smtClean="0">
+                        <a:rPr lang="de-DE" sz="2000" i="0" u="none" dirty="0" smtClean="0">
                           <a:solidFill>
                             <a:srgbClr val="008080"/>
                           </a:solidFill>
@@ -16307,11 +23770,7 @@
           <a:p>
             <a:r>
               <a:rPr lang="de-DE" dirty="0" smtClean="0"/>
-              <a:t>HTML – </a:t>
-            </a:r>
-            <a:r>
-              <a:rPr lang="de-DE" dirty="0" smtClean="0"/>
-              <a:t>Formularelemente</a:t>
+              <a:t>HTML – Formularelemente</a:t>
             </a:r>
             <a:endParaRPr lang="de-DE" dirty="0"/>
           </a:p>
@@ -16326,7 +23785,7 @@
           <p:nvPr>
             <p:extLst>
               <p:ext uri="{D42A27DB-BD31-4B8C-83A1-F6EECF244321}">
-                <p14:modId xmlns:p14="http://schemas.microsoft.com/office/powerpoint/2010/main" val="2054981651"/>
+                <p14:modId xmlns:p14="http://schemas.microsoft.com/office/powerpoint/2010/main" val="3904284360"/>
               </p:ext>
             </p:extLst>
           </p:nvPr>
@@ -16361,12 +23820,6 @@
                         </a:rPr>
                         <a:t>&lt;form&gt;</a:t>
                       </a:r>
-                      <a:endParaRPr lang="de-DE" sz="2000" u="none" dirty="0" smtClean="0">
-                        <a:solidFill>
-                          <a:srgbClr val="008080"/>
-                        </a:solidFill>
-                        <a:latin typeface="Consolas"/>
-                      </a:endParaRPr>
                     </a:p>
                   </a:txBody>
                   <a:tcPr/>
@@ -16420,12 +23873,6 @@
                         </a:rPr>
                         <a:t>&gt;</a:t>
                       </a:r>
-                      <a:endParaRPr lang="de-DE" sz="2000" i="0" u="none" dirty="0" smtClean="0">
-                        <a:solidFill>
-                          <a:srgbClr val="008080"/>
-                        </a:solidFill>
-                        <a:latin typeface="Consolas"/>
-                      </a:endParaRPr>
                     </a:p>
                   </a:txBody>
                   <a:tcPr/>
@@ -16547,7 +23994,7 @@
                         <a:t>"button"</a:t>
                       </a:r>
                       <a:r>
-                        <a:rPr lang="en-US" sz="2000" i="1" dirty="0" smtClean="0">
+                        <a:rPr lang="en-US" sz="2000" i="0" dirty="0" smtClean="0">
                           <a:solidFill>
                             <a:srgbClr val="008080"/>
                           </a:solidFill>
@@ -16555,12 +24002,6 @@
                         </a:rPr>
                         <a:t>&gt;</a:t>
                       </a:r>
-                      <a:endParaRPr lang="en-US" sz="2000" i="1" dirty="0" smtClean="0">
-                        <a:solidFill>
-                          <a:srgbClr val="008080"/>
-                        </a:solidFill>
-                        <a:latin typeface="Consolas"/>
-                      </a:endParaRPr>
                     </a:p>
                   </a:txBody>
                   <a:tcPr/>
@@ -16899,7 +24340,164 @@
           <a:bodyPr/>
           <a:lstStyle/>
           <a:p>
-            <a:endParaRPr lang="de-DE" dirty="0"/>
+            <a:r>
+              <a:rPr lang="de-DE" dirty="0" smtClean="0"/>
+              <a:t>Sprache zur Gestaltung von HTML</a:t>
+            </a:r>
+          </a:p>
+          <a:p>
+            <a:pPr lvl="1"/>
+            <a:r>
+              <a:rPr lang="de-DE" dirty="0" smtClean="0"/>
+              <a:t>Beispiel</a:t>
+            </a:r>
+          </a:p>
+        </p:txBody>
+      </p:sp>
+      <p:sp>
+        <p:nvSpPr>
+          <p:cNvPr id="5" name="Rectangle 4"/>
+          <p:cNvSpPr/>
+          <p:nvPr/>
+        </p:nvSpPr>
+        <p:spPr>
+          <a:xfrm>
+            <a:off x="349931" y="2634343"/>
+            <a:ext cx="6096000" cy="1569660"/>
+          </a:xfrm>
+          <a:prstGeom prst="rect">
+            <a:avLst/>
+          </a:prstGeom>
+        </p:spPr>
+        <p:txBody>
+          <a:bodyPr>
+            <a:spAutoFit/>
+          </a:bodyPr>
+          <a:lstStyle/>
+          <a:p>
+            <a:r>
+              <a:rPr lang="de-DE" sz="2400" b="1" dirty="0">
+                <a:solidFill>
+                  <a:srgbClr val="3F7F7F"/>
+                </a:solidFill>
+                <a:latin typeface="Consolas"/>
+              </a:rPr>
+              <a:t>h1 </a:t>
+            </a:r>
+            <a:r>
+              <a:rPr lang="de-DE" sz="2400" b="1" dirty="0">
+                <a:solidFill>
+                  <a:srgbClr val="000000"/>
+                </a:solidFill>
+                <a:latin typeface="Consolas"/>
+              </a:rPr>
+              <a:t>{</a:t>
+            </a:r>
+          </a:p>
+          <a:p>
+            <a:r>
+              <a:rPr lang="de-DE" sz="2400" dirty="0" smtClean="0">
+                <a:solidFill>
+                  <a:srgbClr val="7F007F"/>
+                </a:solidFill>
+                <a:latin typeface="Consolas"/>
+              </a:rPr>
+              <a:t>  </a:t>
+            </a:r>
+            <a:r>
+              <a:rPr lang="de-DE" sz="2400" dirty="0" err="1" smtClean="0">
+                <a:solidFill>
+                  <a:srgbClr val="7F007F"/>
+                </a:solidFill>
+                <a:latin typeface="Consolas"/>
+              </a:rPr>
+              <a:t>color</a:t>
+            </a:r>
+            <a:r>
+              <a:rPr lang="de-DE" sz="2400" dirty="0">
+                <a:solidFill>
+                  <a:srgbClr val="000000"/>
+                </a:solidFill>
+                <a:latin typeface="Consolas"/>
+              </a:rPr>
+              <a:t>: </a:t>
+            </a:r>
+            <a:r>
+              <a:rPr lang="de-DE" sz="2400" i="1" dirty="0" err="1">
+                <a:solidFill>
+                  <a:srgbClr val="2A00E1"/>
+                </a:solidFill>
+                <a:latin typeface="Consolas"/>
+              </a:rPr>
+              <a:t>grey</a:t>
+            </a:r>
+            <a:r>
+              <a:rPr lang="de-DE" sz="2400" i="1" dirty="0">
+                <a:solidFill>
+                  <a:srgbClr val="000000"/>
+                </a:solidFill>
+                <a:latin typeface="Consolas"/>
+              </a:rPr>
+              <a:t>;</a:t>
+            </a:r>
+          </a:p>
+          <a:p>
+            <a:r>
+              <a:rPr lang="de-DE" sz="2400" dirty="0" smtClean="0">
+                <a:solidFill>
+                  <a:srgbClr val="7F007F"/>
+                </a:solidFill>
+                <a:latin typeface="Consolas"/>
+              </a:rPr>
+              <a:t>  </a:t>
+            </a:r>
+            <a:r>
+              <a:rPr lang="de-DE" sz="2400" dirty="0" err="1" smtClean="0">
+                <a:solidFill>
+                  <a:srgbClr val="7F007F"/>
+                </a:solidFill>
+                <a:latin typeface="Consolas"/>
+              </a:rPr>
+              <a:t>margin</a:t>
+            </a:r>
+            <a:r>
+              <a:rPr lang="de-DE" sz="2400" dirty="0">
+                <a:solidFill>
+                  <a:srgbClr val="000000"/>
+                </a:solidFill>
+                <a:latin typeface="Consolas"/>
+              </a:rPr>
+              <a:t>: </a:t>
+            </a:r>
+            <a:r>
+              <a:rPr lang="de-DE" sz="2400" i="1" dirty="0">
+                <a:solidFill>
+                  <a:srgbClr val="2A00E1"/>
+                </a:solidFill>
+                <a:latin typeface="Consolas"/>
+              </a:rPr>
+              <a:t>2px</a:t>
+            </a:r>
+            <a:r>
+              <a:rPr lang="de-DE" sz="2400" i="1" dirty="0">
+                <a:solidFill>
+                  <a:srgbClr val="000000"/>
+                </a:solidFill>
+                <a:latin typeface="Consolas"/>
+              </a:rPr>
+              <a:t>;</a:t>
+            </a:r>
+          </a:p>
+          <a:p>
+            <a:r>
+              <a:rPr lang="de-DE" sz="2400" dirty="0">
+                <a:solidFill>
+                  <a:srgbClr val="000000"/>
+                </a:solidFill>
+                <a:latin typeface="Consolas"/>
+              </a:rPr>
+              <a:t>}</a:t>
+            </a:r>
           </a:p>
         </p:txBody>
       </p:sp>

--- a/JSCrosscourse.pptx
+++ b/JSCrosscourse.pptx
@@ -5,10 +5,10 @@
     <p:sldMasterId id="2147483660" r:id="rId1"/>
   </p:sldMasterIdLst>
   <p:notesMasterIdLst>
-    <p:notesMasterId r:id="rId35"/>
+    <p:notesMasterId r:id="rId42"/>
   </p:notesMasterIdLst>
   <p:handoutMasterIdLst>
-    <p:handoutMasterId r:id="rId36"/>
+    <p:handoutMasterId r:id="rId43"/>
   </p:handoutMasterIdLst>
   <p:sldIdLst>
     <p:sldId id="340" r:id="rId2"/>
@@ -41,9 +41,16 @@
     <p:sldId id="366" r:id="rId29"/>
     <p:sldId id="368" r:id="rId30"/>
     <p:sldId id="369" r:id="rId31"/>
-    <p:sldId id="310" r:id="rId32"/>
-    <p:sldId id="265" r:id="rId33"/>
-    <p:sldId id="339" r:id="rId34"/>
+    <p:sldId id="374" r:id="rId32"/>
+    <p:sldId id="375" r:id="rId33"/>
+    <p:sldId id="377" r:id="rId34"/>
+    <p:sldId id="376" r:id="rId35"/>
+    <p:sldId id="378" r:id="rId36"/>
+    <p:sldId id="379" r:id="rId37"/>
+    <p:sldId id="380" r:id="rId38"/>
+    <p:sldId id="310" r:id="rId39"/>
+    <p:sldId id="265" r:id="rId40"/>
+    <p:sldId id="339" r:id="rId41"/>
   </p:sldIdLst>
   <p:sldSz cx="12195175" cy="6859588"/>
   <p:notesSz cx="6797675" cy="9874250"/>
@@ -825,6 +832,169 @@
       </p:grpSpPr>
       <p:sp>
         <p:nvSpPr>
+          <p:cNvPr id="2" name="Slide Image Placeholder 1"/>
+          <p:cNvSpPr>
+            <a:spLocks noGrp="1" noRot="1" noChangeAspect="1"/>
+          </p:cNvSpPr>
+          <p:nvPr>
+            <p:ph type="sldImg"/>
+          </p:nvPr>
+        </p:nvSpPr>
+        <p:spPr/>
+      </p:sp>
+      <p:sp>
+        <p:nvSpPr>
+          <p:cNvPr id="3" name="Notes Placeholder 2"/>
+          <p:cNvSpPr>
+            <a:spLocks noGrp="1"/>
+          </p:cNvSpPr>
+          <p:nvPr>
+            <p:ph type="body" idx="1"/>
+          </p:nvPr>
+        </p:nvSpPr>
+        <p:spPr/>
+        <p:txBody>
+          <a:bodyPr/>
+          <a:lstStyle/>
+          <a:p>
+            <a:pPr marL="0" marR="0" lvl="1" indent="0" algn="l" defTabSz="1088776" rtl="0" eaLnBrk="1" fontAlgn="auto" latinLnBrk="0" hangingPunct="1">
+              <a:lnSpc>
+                <a:spcPct val="100000"/>
+              </a:lnSpc>
+              <a:spcBef>
+                <a:spcPts val="0"/>
+              </a:spcBef>
+              <a:spcAft>
+                <a:spcPts val="0"/>
+              </a:spcAft>
+              <a:buClrTx/>
+              <a:buSzTx/>
+              <a:buFontTx/>
+              <a:buNone/>
+              <a:tabLst/>
+              <a:defRPr/>
+            </a:pPr>
+            <a:r>
+              <a:rPr lang="de-DE" sz="1400" dirty="0" err="1" smtClean="0">
+                <a:solidFill>
+                  <a:srgbClr val="000000"/>
+                </a:solidFill>
+                <a:latin typeface="Consolas"/>
+              </a:rPr>
+              <a:t>Car.prototype</a:t>
+            </a:r>
+            <a:r>
+              <a:rPr lang="de-DE" sz="1400" dirty="0" smtClean="0">
+                <a:solidFill>
+                  <a:srgbClr val="000000"/>
+                </a:solidFill>
+                <a:latin typeface="Consolas"/>
+              </a:rPr>
+              <a:t> = </a:t>
+            </a:r>
+            <a:r>
+              <a:rPr lang="de-DE" sz="1400" dirty="0" err="1" smtClean="0">
+                <a:solidFill>
+                  <a:srgbClr val="000000"/>
+                </a:solidFill>
+                <a:latin typeface="Consolas"/>
+              </a:rPr>
+              <a:t>Object.create</a:t>
+            </a:r>
+            <a:r>
+              <a:rPr lang="de-DE" sz="1400" dirty="0" smtClean="0">
+                <a:solidFill>
+                  <a:srgbClr val="000000"/>
+                </a:solidFill>
+                <a:latin typeface="Consolas"/>
+              </a:rPr>
+              <a:t>(</a:t>
+            </a:r>
+            <a:r>
+              <a:rPr lang="de-DE" sz="1400" dirty="0" err="1" smtClean="0">
+                <a:solidFill>
+                  <a:srgbClr val="000000"/>
+                </a:solidFill>
+                <a:latin typeface="Consolas"/>
+              </a:rPr>
+              <a:t>Vehicle.prototype</a:t>
+            </a:r>
+            <a:r>
+              <a:rPr lang="de-DE" sz="1400" dirty="0" smtClean="0">
+                <a:solidFill>
+                  <a:srgbClr val="000000"/>
+                </a:solidFill>
+                <a:latin typeface="Consolas"/>
+              </a:rPr>
+              <a:t>);</a:t>
+            </a:r>
+          </a:p>
+          <a:p>
+            <a:pPr marL="285750" indent="-285750">
+              <a:buFont typeface="Wingdings"/>
+              <a:buChar char="à"/>
+            </a:pPr>
+            <a:r>
+              <a:rPr lang="de-DE" dirty="0" smtClean="0">
+                <a:sym typeface="Wingdings" panose="05000000000000000000" pitchFamily="2" charset="2"/>
+              </a:rPr>
+              <a:t>Car erbt Prototypen</a:t>
+            </a:r>
+          </a:p>
+          <a:p>
+            <a:pPr marL="0" marR="0" lvl="1" indent="0" algn="l" defTabSz="1088776" rtl="0" eaLnBrk="1" fontAlgn="auto" latinLnBrk="0" hangingPunct="1">
+              <a:lnSpc>
+                <a:spcPct val="100000"/>
+              </a:lnSpc>
+              <a:spcBef>
+                <a:spcPts val="0"/>
+              </a:spcBef>
+              <a:spcAft>
+                <a:spcPts val="0"/>
+              </a:spcAft>
+              <a:buClrTx/>
+              <a:buSzTx/>
+              <a:buFont typeface="Wingdings"/>
+              <a:buNone/>
+              <a:tabLst/>
+              <a:defRPr/>
+            </a:pPr>
+            <a:r>
+              <a:rPr lang="de-DE" sz="1400" dirty="0" err="1" smtClean="0">
+                <a:solidFill>
+                  <a:srgbClr val="000000"/>
+                </a:solidFill>
+                <a:latin typeface="Consolas"/>
+              </a:rPr>
+              <a:t>Car.prototype.constructor</a:t>
+            </a:r>
+            <a:r>
+              <a:rPr lang="de-DE" sz="1400" dirty="0" smtClean="0">
+                <a:solidFill>
+                  <a:srgbClr val="000000"/>
+                </a:solidFill>
+                <a:latin typeface="Consolas"/>
+              </a:rPr>
+              <a:t> = Car;</a:t>
+            </a:r>
+          </a:p>
+          <a:p>
+            <a:pPr marL="0" indent="0">
+              <a:buFont typeface="Wingdings"/>
+              <a:buNone/>
+            </a:pPr>
+            <a:r>
+              <a:rPr lang="de-DE" dirty="0" smtClean="0">
+                <a:sym typeface="Wingdings" panose="05000000000000000000" pitchFamily="2" charset="2"/>
+              </a:rPr>
+              <a:t> Konstruktor des Prototypen wird überschrieben</a:t>
+            </a:r>
+            <a:endParaRPr lang="de-DE" dirty="0"/>
+          </a:p>
+        </p:txBody>
+      </p:sp>
+      <p:sp>
+        <p:nvSpPr>
           <p:cNvPr id="4" name="Slide Number Placeholder 3"/>
           <p:cNvSpPr>
             <a:spLocks noGrp="1"/>
@@ -839,53 +1009,20 @@
           <a:lstStyle/>
           <a:p>
             <a:fld id="{7D8C2C35-2B8A-446E-BEC0-FD36716C29AC}" type="slidenum">
-              <a:rPr lang="en-US" smtClean="0"/>
+              <a:rPr lang="de-DE" smtClean="0"/>
               <a:pPr/>
               <a:t>31</a:t>
             </a:fld>
-            <a:endParaRPr lang="en-US" dirty="0"/>
-          </a:p>
-        </p:txBody>
-      </p:sp>
-      <p:sp>
-        <p:nvSpPr>
-          <p:cNvPr id="6" name="Slide Image Placeholder 5"/>
-          <p:cNvSpPr>
-            <a:spLocks noGrp="1" noRot="1" noChangeAspect="1"/>
-          </p:cNvSpPr>
-          <p:nvPr>
-            <p:ph type="sldImg"/>
-          </p:nvPr>
-        </p:nvSpPr>
-        <p:spPr>
-          <a:xfrm>
-            <a:off x="287338" y="661988"/>
-            <a:ext cx="6223000" cy="3500437"/>
-          </a:xfrm>
-        </p:spPr>
-      </p:sp>
-      <p:sp>
-        <p:nvSpPr>
-          <p:cNvPr id="7" name="Notes Placeholder 6"/>
-          <p:cNvSpPr>
-            <a:spLocks noGrp="1"/>
-          </p:cNvSpPr>
-          <p:nvPr>
-            <p:ph type="body" idx="1"/>
-          </p:nvPr>
-        </p:nvSpPr>
-        <p:spPr/>
-        <p:txBody>
-          <a:bodyPr>
-            <a:normAutofit/>
-          </a:bodyPr>
-          <a:lstStyle/>
-          <a:p>
-            <a:endParaRPr lang="en-US" dirty="0"/>
+            <a:endParaRPr lang="de-DE" dirty="0"/>
           </a:p>
         </p:txBody>
       </p:sp>
     </p:spTree>
+    <p:extLst>
+      <p:ext uri="{BB962C8B-B14F-4D97-AF65-F5344CB8AC3E}">
+        <p14:creationId xmlns:p14="http://schemas.microsoft.com/office/powerpoint/2010/main" val="2999988317"/>
+      </p:ext>
+    </p:extLst>
   </p:cSld>
   <p:clrMapOvr>
     <a:masterClrMapping/>
@@ -912,6 +1049,55 @@
       </p:grpSpPr>
       <p:sp>
         <p:nvSpPr>
+          <p:cNvPr id="2" name="Slide Image Placeholder 1"/>
+          <p:cNvSpPr>
+            <a:spLocks noGrp="1" noRot="1" noChangeAspect="1"/>
+          </p:cNvSpPr>
+          <p:nvPr>
+            <p:ph type="sldImg"/>
+          </p:nvPr>
+        </p:nvSpPr>
+        <p:spPr/>
+      </p:sp>
+      <p:sp>
+        <p:nvSpPr>
+          <p:cNvPr id="3" name="Notes Placeholder 2"/>
+          <p:cNvSpPr>
+            <a:spLocks noGrp="1"/>
+          </p:cNvSpPr>
+          <p:nvPr>
+            <p:ph type="body" idx="1"/>
+          </p:nvPr>
+        </p:nvSpPr>
+        <p:spPr/>
+        <p:txBody>
+          <a:bodyPr/>
+          <a:lstStyle/>
+          <a:p>
+            <a:r>
+              <a:rPr lang="de-DE" dirty="0" err="1" smtClean="0"/>
+              <a:t>readyState</a:t>
+            </a:r>
+            <a:r>
+              <a:rPr lang="de-DE" dirty="0" smtClean="0"/>
+              <a:t> 4:</a:t>
+            </a:r>
+            <a:r>
+              <a:rPr lang="de-DE" baseline="0" dirty="0" smtClean="0"/>
+              <a:t> Antwort vollständig erhalten</a:t>
+            </a:r>
+          </a:p>
+          <a:p>
+            <a:r>
+              <a:rPr lang="de-DE" baseline="0" dirty="0" smtClean="0"/>
+              <a:t>Antwortcode 200: Antwort ok</a:t>
+            </a:r>
+            <a:endParaRPr lang="de-DE" dirty="0"/>
+          </a:p>
+        </p:txBody>
+      </p:sp>
+      <p:sp>
+        <p:nvSpPr>
           <p:cNvPr id="4" name="Slide Number Placeholder 3"/>
           <p:cNvSpPr>
             <a:spLocks noGrp="1"/>
@@ -926,53 +1112,20 @@
           <a:lstStyle/>
           <a:p>
             <a:fld id="{7D8C2C35-2B8A-446E-BEC0-FD36716C29AC}" type="slidenum">
-              <a:rPr lang="en-US" smtClean="0"/>
+              <a:rPr lang="de-DE" smtClean="0"/>
               <a:pPr/>
-              <a:t>32</a:t>
+              <a:t>36</a:t>
             </a:fld>
-            <a:endParaRPr lang="en-US" dirty="0"/>
-          </a:p>
-        </p:txBody>
-      </p:sp>
-      <p:sp>
-        <p:nvSpPr>
-          <p:cNvPr id="6" name="Slide Image Placeholder 5"/>
-          <p:cNvSpPr>
-            <a:spLocks noGrp="1" noRot="1" noChangeAspect="1"/>
-          </p:cNvSpPr>
-          <p:nvPr>
-            <p:ph type="sldImg"/>
-          </p:nvPr>
-        </p:nvSpPr>
-        <p:spPr>
-          <a:xfrm>
-            <a:off x="287338" y="661988"/>
-            <a:ext cx="6223000" cy="3500437"/>
-          </a:xfrm>
-        </p:spPr>
-      </p:sp>
-      <p:sp>
-        <p:nvSpPr>
-          <p:cNvPr id="7" name="Notes Placeholder 6"/>
-          <p:cNvSpPr>
-            <a:spLocks noGrp="1"/>
-          </p:cNvSpPr>
-          <p:nvPr>
-            <p:ph type="body" idx="1"/>
-          </p:nvPr>
-        </p:nvSpPr>
-        <p:spPr/>
-        <p:txBody>
-          <a:bodyPr>
-            <a:normAutofit/>
-          </a:bodyPr>
-          <a:lstStyle/>
-          <a:p>
-            <a:endParaRPr lang="en-US" dirty="0"/>
+            <a:endParaRPr lang="de-DE" dirty="0"/>
           </a:p>
         </p:txBody>
       </p:sp>
     </p:spTree>
+    <p:extLst>
+      <p:ext uri="{BB962C8B-B14F-4D97-AF65-F5344CB8AC3E}">
+        <p14:creationId xmlns:p14="http://schemas.microsoft.com/office/powerpoint/2010/main" val="2428227912"/>
+      </p:ext>
+    </p:extLst>
   </p:cSld>
   <p:clrMapOvr>
     <a:masterClrMapping/>
@@ -1015,7 +1168,181 @@
             <a:fld id="{7D8C2C35-2B8A-446E-BEC0-FD36716C29AC}" type="slidenum">
               <a:rPr lang="en-US" smtClean="0"/>
               <a:pPr/>
-              <a:t>33</a:t>
+              <a:t>38</a:t>
+            </a:fld>
+            <a:endParaRPr lang="en-US" dirty="0"/>
+          </a:p>
+        </p:txBody>
+      </p:sp>
+      <p:sp>
+        <p:nvSpPr>
+          <p:cNvPr id="6" name="Slide Image Placeholder 5"/>
+          <p:cNvSpPr>
+            <a:spLocks noGrp="1" noRot="1" noChangeAspect="1"/>
+          </p:cNvSpPr>
+          <p:nvPr>
+            <p:ph type="sldImg"/>
+          </p:nvPr>
+        </p:nvSpPr>
+        <p:spPr>
+          <a:xfrm>
+            <a:off x="287338" y="661988"/>
+            <a:ext cx="6223000" cy="3500437"/>
+          </a:xfrm>
+        </p:spPr>
+      </p:sp>
+      <p:sp>
+        <p:nvSpPr>
+          <p:cNvPr id="7" name="Notes Placeholder 6"/>
+          <p:cNvSpPr>
+            <a:spLocks noGrp="1"/>
+          </p:cNvSpPr>
+          <p:nvPr>
+            <p:ph type="body" idx="1"/>
+          </p:nvPr>
+        </p:nvSpPr>
+        <p:spPr/>
+        <p:txBody>
+          <a:bodyPr>
+            <a:normAutofit/>
+          </a:bodyPr>
+          <a:lstStyle/>
+          <a:p>
+            <a:endParaRPr lang="en-US" dirty="0"/>
+          </a:p>
+        </p:txBody>
+      </p:sp>
+    </p:spTree>
+  </p:cSld>
+  <p:clrMapOvr>
+    <a:masterClrMapping/>
+  </p:clrMapOvr>
+</p:notes>
+</file>
+
+<file path=ppt/notesSlides/notesSlide6.xml><?xml version="1.0" encoding="utf-8"?>
+<p:notes xmlns:a="http://schemas.openxmlformats.org/drawingml/2006/main" xmlns:r="http://schemas.openxmlformats.org/officeDocument/2006/relationships" xmlns:p="http://schemas.openxmlformats.org/presentationml/2006/main">
+  <p:cSld>
+    <p:spTree>
+      <p:nvGrpSpPr>
+        <p:cNvPr id="1" name=""/>
+        <p:cNvGrpSpPr/>
+        <p:nvPr/>
+      </p:nvGrpSpPr>
+      <p:grpSpPr>
+        <a:xfrm>
+          <a:off x="0" y="0"/>
+          <a:ext cx="0" cy="0"/>
+          <a:chOff x="0" y="0"/>
+          <a:chExt cx="0" cy="0"/>
+        </a:xfrm>
+      </p:grpSpPr>
+      <p:sp>
+        <p:nvSpPr>
+          <p:cNvPr id="4" name="Slide Number Placeholder 3"/>
+          <p:cNvSpPr>
+            <a:spLocks noGrp="1"/>
+          </p:cNvSpPr>
+          <p:nvPr>
+            <p:ph type="sldNum" sz="quarter" idx="10"/>
+          </p:nvPr>
+        </p:nvSpPr>
+        <p:spPr/>
+        <p:txBody>
+          <a:bodyPr/>
+          <a:lstStyle/>
+          <a:p>
+            <a:fld id="{7D8C2C35-2B8A-446E-BEC0-FD36716C29AC}" type="slidenum">
+              <a:rPr lang="en-US" smtClean="0"/>
+              <a:pPr/>
+              <a:t>39</a:t>
+            </a:fld>
+            <a:endParaRPr lang="en-US" dirty="0"/>
+          </a:p>
+        </p:txBody>
+      </p:sp>
+      <p:sp>
+        <p:nvSpPr>
+          <p:cNvPr id="6" name="Slide Image Placeholder 5"/>
+          <p:cNvSpPr>
+            <a:spLocks noGrp="1" noRot="1" noChangeAspect="1"/>
+          </p:cNvSpPr>
+          <p:nvPr>
+            <p:ph type="sldImg"/>
+          </p:nvPr>
+        </p:nvSpPr>
+        <p:spPr>
+          <a:xfrm>
+            <a:off x="287338" y="661988"/>
+            <a:ext cx="6223000" cy="3500437"/>
+          </a:xfrm>
+        </p:spPr>
+      </p:sp>
+      <p:sp>
+        <p:nvSpPr>
+          <p:cNvPr id="7" name="Notes Placeholder 6"/>
+          <p:cNvSpPr>
+            <a:spLocks noGrp="1"/>
+          </p:cNvSpPr>
+          <p:nvPr>
+            <p:ph type="body" idx="1"/>
+          </p:nvPr>
+        </p:nvSpPr>
+        <p:spPr/>
+        <p:txBody>
+          <a:bodyPr>
+            <a:normAutofit/>
+          </a:bodyPr>
+          <a:lstStyle/>
+          <a:p>
+            <a:endParaRPr lang="en-US" dirty="0"/>
+          </a:p>
+        </p:txBody>
+      </p:sp>
+    </p:spTree>
+  </p:cSld>
+  <p:clrMapOvr>
+    <a:masterClrMapping/>
+  </p:clrMapOvr>
+</p:notes>
+</file>
+
+<file path=ppt/notesSlides/notesSlide7.xml><?xml version="1.0" encoding="utf-8"?>
+<p:notes xmlns:a="http://schemas.openxmlformats.org/drawingml/2006/main" xmlns:r="http://schemas.openxmlformats.org/officeDocument/2006/relationships" xmlns:p="http://schemas.openxmlformats.org/presentationml/2006/main">
+  <p:cSld>
+    <p:spTree>
+      <p:nvGrpSpPr>
+        <p:cNvPr id="1" name=""/>
+        <p:cNvGrpSpPr/>
+        <p:nvPr/>
+      </p:nvGrpSpPr>
+      <p:grpSpPr>
+        <a:xfrm>
+          <a:off x="0" y="0"/>
+          <a:ext cx="0" cy="0"/>
+          <a:chOff x="0" y="0"/>
+          <a:chExt cx="0" cy="0"/>
+        </a:xfrm>
+      </p:grpSpPr>
+      <p:sp>
+        <p:nvSpPr>
+          <p:cNvPr id="4" name="Slide Number Placeholder 3"/>
+          <p:cNvSpPr>
+            <a:spLocks noGrp="1"/>
+          </p:cNvSpPr>
+          <p:nvPr>
+            <p:ph type="sldNum" sz="quarter" idx="10"/>
+          </p:nvPr>
+        </p:nvSpPr>
+        <p:spPr/>
+        <p:txBody>
+          <a:bodyPr/>
+          <a:lstStyle/>
+          <a:p>
+            <a:fld id="{7D8C2C35-2B8A-446E-BEC0-FD36716C29AC}" type="slidenum">
+              <a:rPr lang="en-US" smtClean="0"/>
+              <a:pPr/>
+              <a:t>40</a:t>
             </a:fld>
             <a:endParaRPr lang="en-US" dirty="0"/>
           </a:p>
@@ -13228,11 +13555,7 @@
           <a:p>
             <a:r>
               <a:rPr lang="de-DE" dirty="0" smtClean="0"/>
-              <a:t>CSS im HTML </a:t>
-            </a:r>
-            <a:r>
-              <a:rPr lang="de-DE" dirty="0" smtClean="0"/>
-              <a:t>einbinden</a:t>
+              <a:t>CSS im HTML einbinden</a:t>
             </a:r>
             <a:endParaRPr lang="de-DE" dirty="0"/>
           </a:p>
@@ -13418,136 +13741,124 @@
           <a:p>
             <a:r>
               <a:rPr lang="de-DE" dirty="0" smtClean="0"/>
-              <a:t>Verwendung des </a:t>
-            </a:r>
+              <a:t>Verwendung des Style-Elements</a:t>
+            </a:r>
+          </a:p>
+          <a:p>
+            <a:pPr lvl="1"/>
+            <a:r>
+              <a:rPr lang="de-DE" dirty="0" smtClean="0">
+                <a:solidFill>
+                  <a:srgbClr val="008080"/>
+                </a:solidFill>
+                <a:latin typeface="Consolas"/>
+              </a:rPr>
+              <a:t>&lt;</a:t>
+            </a:r>
+            <a:r>
+              <a:rPr lang="de-DE" dirty="0">
+                <a:solidFill>
+                  <a:srgbClr val="3F7F7F"/>
+                </a:solidFill>
+                <a:latin typeface="Consolas"/>
+              </a:rPr>
+              <a:t>style </a:t>
+            </a:r>
+            <a:r>
+              <a:rPr lang="de-DE" dirty="0">
+                <a:solidFill>
+                  <a:srgbClr val="7F007F"/>
+                </a:solidFill>
+                <a:latin typeface="Consolas"/>
+              </a:rPr>
+              <a:t>type</a:t>
+            </a:r>
+            <a:r>
+              <a:rPr lang="de-DE" dirty="0">
+                <a:solidFill>
+                  <a:srgbClr val="000000"/>
+                </a:solidFill>
+                <a:latin typeface="Consolas"/>
+              </a:rPr>
+              <a:t>=</a:t>
+            </a:r>
+            <a:r>
+              <a:rPr lang="de-DE" i="1" dirty="0">
+                <a:solidFill>
+                  <a:srgbClr val="2A00FF"/>
+                </a:solidFill>
+                <a:latin typeface="Consolas"/>
+              </a:rPr>
+              <a:t>"</a:t>
+            </a:r>
+            <a:r>
+              <a:rPr lang="de-DE" i="1" dirty="0" err="1">
+                <a:solidFill>
+                  <a:srgbClr val="2A00FF"/>
+                </a:solidFill>
+                <a:latin typeface="Consolas"/>
+              </a:rPr>
+              <a:t>text</a:t>
+            </a:r>
+            <a:r>
+              <a:rPr lang="de-DE" i="1" dirty="0">
+                <a:solidFill>
+                  <a:srgbClr val="2A00FF"/>
+                </a:solidFill>
+                <a:latin typeface="Consolas"/>
+              </a:rPr>
+              <a:t>/</a:t>
+            </a:r>
+            <a:r>
+              <a:rPr lang="de-DE" i="1" dirty="0" err="1">
+                <a:solidFill>
+                  <a:srgbClr val="2A00FF"/>
+                </a:solidFill>
+                <a:latin typeface="Consolas"/>
+              </a:rPr>
+              <a:t>css</a:t>
+            </a:r>
+            <a:r>
+              <a:rPr lang="de-DE" i="1" dirty="0">
+                <a:solidFill>
+                  <a:srgbClr val="2A00FF"/>
+                </a:solidFill>
+                <a:latin typeface="Consolas"/>
+              </a:rPr>
+              <a:t>"</a:t>
+            </a:r>
+            <a:r>
+              <a:rPr lang="de-DE" dirty="0">
+                <a:solidFill>
+                  <a:srgbClr val="008080"/>
+                </a:solidFill>
+                <a:latin typeface="Consolas"/>
+              </a:rPr>
+              <a:t>&gt;&lt;/</a:t>
+            </a:r>
+            <a:r>
+              <a:rPr lang="de-DE" dirty="0">
+                <a:solidFill>
+                  <a:srgbClr val="3F7F7F"/>
+                </a:solidFill>
+                <a:latin typeface="Consolas"/>
+              </a:rPr>
+              <a:t>style</a:t>
+            </a:r>
+            <a:r>
+              <a:rPr lang="de-DE" dirty="0">
+                <a:solidFill>
+                  <a:srgbClr val="008080"/>
+                </a:solidFill>
+                <a:latin typeface="Consolas"/>
+              </a:rPr>
+              <a:t>&gt;</a:t>
+            </a:r>
+          </a:p>
+          <a:p>
             <a:r>
               <a:rPr lang="de-DE" dirty="0" smtClean="0"/>
-              <a:t>Style-Elements</a:t>
-            </a:r>
-          </a:p>
-          <a:p>
-            <a:pPr lvl="1"/>
-            <a:r>
-              <a:rPr lang="de-DE" dirty="0" smtClean="0">
-                <a:solidFill>
-                  <a:srgbClr val="008080"/>
-                </a:solidFill>
-                <a:latin typeface="Consolas"/>
-              </a:rPr>
-              <a:t>&lt;</a:t>
-            </a:r>
-            <a:r>
-              <a:rPr lang="de-DE" dirty="0">
-                <a:solidFill>
-                  <a:srgbClr val="3F7F7F"/>
-                </a:solidFill>
-                <a:latin typeface="Consolas"/>
-              </a:rPr>
-              <a:t>style </a:t>
-            </a:r>
-            <a:r>
-              <a:rPr lang="de-DE" dirty="0">
-                <a:solidFill>
-                  <a:srgbClr val="7F007F"/>
-                </a:solidFill>
-                <a:latin typeface="Consolas"/>
-              </a:rPr>
-              <a:t>type</a:t>
-            </a:r>
-            <a:r>
-              <a:rPr lang="de-DE" dirty="0">
-                <a:solidFill>
-                  <a:srgbClr val="000000"/>
-                </a:solidFill>
-                <a:latin typeface="Consolas"/>
-              </a:rPr>
-              <a:t>=</a:t>
-            </a:r>
-            <a:r>
-              <a:rPr lang="de-DE" i="1" dirty="0">
-                <a:solidFill>
-                  <a:srgbClr val="2A00FF"/>
-                </a:solidFill>
-                <a:latin typeface="Consolas"/>
-              </a:rPr>
-              <a:t>"</a:t>
-            </a:r>
-            <a:r>
-              <a:rPr lang="de-DE" i="1" dirty="0" err="1">
-                <a:solidFill>
-                  <a:srgbClr val="2A00FF"/>
-                </a:solidFill>
-                <a:latin typeface="Consolas"/>
-              </a:rPr>
-              <a:t>text</a:t>
-            </a:r>
-            <a:r>
-              <a:rPr lang="de-DE" i="1" dirty="0">
-                <a:solidFill>
-                  <a:srgbClr val="2A00FF"/>
-                </a:solidFill>
-                <a:latin typeface="Consolas"/>
-              </a:rPr>
-              <a:t>/</a:t>
-            </a:r>
-            <a:r>
-              <a:rPr lang="de-DE" i="1" dirty="0" err="1">
-                <a:solidFill>
-                  <a:srgbClr val="2A00FF"/>
-                </a:solidFill>
-                <a:latin typeface="Consolas"/>
-              </a:rPr>
-              <a:t>css</a:t>
-            </a:r>
-            <a:r>
-              <a:rPr lang="de-DE" i="1" dirty="0">
-                <a:solidFill>
-                  <a:srgbClr val="2A00FF"/>
-                </a:solidFill>
-                <a:latin typeface="Consolas"/>
-              </a:rPr>
-              <a:t>"</a:t>
-            </a:r>
-            <a:r>
-              <a:rPr lang="de-DE" dirty="0">
-                <a:solidFill>
-                  <a:srgbClr val="008080"/>
-                </a:solidFill>
-                <a:latin typeface="Consolas"/>
-              </a:rPr>
-              <a:t>&gt;&lt;/</a:t>
-            </a:r>
-            <a:r>
-              <a:rPr lang="de-DE" dirty="0">
-                <a:solidFill>
-                  <a:srgbClr val="3F7F7F"/>
-                </a:solidFill>
-                <a:latin typeface="Consolas"/>
-              </a:rPr>
-              <a:t>style</a:t>
-            </a:r>
-            <a:r>
-              <a:rPr lang="de-DE" dirty="0">
-                <a:solidFill>
-                  <a:srgbClr val="008080"/>
-                </a:solidFill>
-                <a:latin typeface="Consolas"/>
-              </a:rPr>
-              <a:t>&gt;</a:t>
-            </a:r>
-          </a:p>
-          <a:p>
-            <a:r>
-              <a:rPr lang="de-DE" dirty="0" smtClean="0"/>
-              <a:t>Verwendung </a:t>
-            </a:r>
-            <a:r>
-              <a:rPr lang="de-DE" dirty="0" smtClean="0"/>
-              <a:t>des </a:t>
-            </a:r>
-            <a:r>
-              <a:rPr lang="de-DE" dirty="0" smtClean="0"/>
-              <a:t>Style-Attributs</a:t>
+              <a:t>Verwendung des Style-Attributs</a:t>
             </a:r>
           </a:p>
           <a:p>
@@ -16053,6 +16364,43 @@
             </a:r>
           </a:p>
           <a:p>
+            <a:r>
+              <a:rPr lang="de-DE" dirty="0" smtClean="0"/>
+              <a:t>Was ist JavaScript?</a:t>
+            </a:r>
+          </a:p>
+          <a:p>
+            <a:r>
+              <a:rPr lang="de-DE" dirty="0" err="1" smtClean="0"/>
+              <a:t>Hello</a:t>
+            </a:r>
+            <a:r>
+              <a:rPr lang="de-DE" dirty="0" smtClean="0"/>
+              <a:t> World</a:t>
+            </a:r>
+          </a:p>
+          <a:p>
+            <a:r>
+              <a:rPr lang="de-DE" dirty="0" smtClean="0"/>
+              <a:t>Kontrollstrukturen</a:t>
+            </a:r>
+          </a:p>
+          <a:p>
+            <a:r>
+              <a:rPr lang="de-DE" dirty="0" smtClean="0"/>
+              <a:t>Objektorientierung</a:t>
+            </a:r>
+          </a:p>
+          <a:p>
+            <a:r>
+              <a:rPr lang="de-DE" dirty="0" smtClean="0"/>
+              <a:t>AJAX</a:t>
+            </a:r>
+          </a:p>
+          <a:p>
+            <a:endParaRPr lang="de-DE" dirty="0" smtClean="0"/>
+          </a:p>
+          <a:p>
             <a:endParaRPr lang="de-DE" dirty="0"/>
           </a:p>
         </p:txBody>
@@ -16152,11 +16500,7 @@
           <a:p>
             <a:r>
               <a:rPr lang="de-DE" dirty="0" smtClean="0"/>
-              <a:t>Bedingungen, Verzweigungen un</a:t>
-            </a:r>
-            <a:r>
-              <a:rPr lang="de-DE" dirty="0" smtClean="0"/>
-              <a:t>d Schleifen</a:t>
+              <a:t>Bedingungen, Verzweigungen und Schleifen</a:t>
             </a:r>
             <a:endParaRPr lang="de-DE" dirty="0"/>
           </a:p>
@@ -20918,8 +21262,16 @@
             <a:pPr lvl="1"/>
             <a:r>
               <a:rPr lang="de-DE" dirty="0" smtClean="0"/>
-              <a:t>Vererbung ist daher auch nur zwischen Objekten möglich</a:t>
-            </a:r>
+              <a:t>Vererbung ist daher auch nur zwischen Objekten </a:t>
+            </a:r>
+            <a:r>
+              <a:rPr lang="de-DE" dirty="0" smtClean="0"/>
+              <a:t>möglich</a:t>
+            </a:r>
+          </a:p>
+          <a:p>
+            <a:pPr lvl="1"/>
+            <a:endParaRPr lang="de-DE" dirty="0" smtClean="0"/>
           </a:p>
           <a:p>
             <a:pPr lvl="1"/>
@@ -20941,6 +21293,3730 @@
 </file>
 
 <file path=ppt/slides/slide31.xml><?xml version="1.0" encoding="utf-8"?>
+<p:sld xmlns:a="http://schemas.openxmlformats.org/drawingml/2006/main" xmlns:r="http://schemas.openxmlformats.org/officeDocument/2006/relationships" xmlns:p="http://schemas.openxmlformats.org/presentationml/2006/main">
+  <p:cSld>
+    <p:spTree>
+      <p:nvGrpSpPr>
+        <p:cNvPr id="1" name=""/>
+        <p:cNvGrpSpPr/>
+        <p:nvPr/>
+      </p:nvGrpSpPr>
+      <p:grpSpPr>
+        <a:xfrm>
+          <a:off x="0" y="0"/>
+          <a:ext cx="0" cy="0"/>
+          <a:chOff x="0" y="0"/>
+          <a:chExt cx="0" cy="0"/>
+        </a:xfrm>
+      </p:grpSpPr>
+      <p:sp>
+        <p:nvSpPr>
+          <p:cNvPr id="2" name="Title 1"/>
+          <p:cNvSpPr>
+            <a:spLocks noGrp="1"/>
+          </p:cNvSpPr>
+          <p:nvPr>
+            <p:ph type="title"/>
+          </p:nvPr>
+        </p:nvSpPr>
+        <p:spPr/>
+        <p:txBody>
+          <a:bodyPr/>
+          <a:lstStyle/>
+          <a:p>
+            <a:r>
+              <a:rPr lang="de-DE" dirty="0" smtClean="0"/>
+              <a:t>„Vererbung“</a:t>
+            </a:r>
+            <a:endParaRPr lang="de-DE" dirty="0"/>
+          </a:p>
+        </p:txBody>
+      </p:sp>
+      <p:sp>
+        <p:nvSpPr>
+          <p:cNvPr id="3" name="Text Placeholder 2"/>
+          <p:cNvSpPr>
+            <a:spLocks noGrp="1"/>
+          </p:cNvSpPr>
+          <p:nvPr>
+            <p:ph type="body" sz="quarter" idx="10"/>
+          </p:nvPr>
+        </p:nvSpPr>
+        <p:spPr>
+          <a:xfrm>
+            <a:off x="324000" y="1691079"/>
+            <a:ext cx="1163277" cy="391110"/>
+          </a:xfrm>
+        </p:spPr>
+        <p:txBody>
+          <a:bodyPr/>
+          <a:lstStyle/>
+          <a:p>
+            <a:r>
+              <a:rPr lang="de-DE" dirty="0" smtClean="0"/>
+              <a:t>Beispiel</a:t>
+            </a:r>
+            <a:endParaRPr lang="de-DE" dirty="0">
+              <a:latin typeface="Consolas"/>
+            </a:endParaRPr>
+          </a:p>
+        </p:txBody>
+      </p:sp>
+      <p:sp>
+        <p:nvSpPr>
+          <p:cNvPr id="5" name="Rectangle 4"/>
+          <p:cNvSpPr/>
+          <p:nvPr/>
+        </p:nvSpPr>
+        <p:spPr>
+          <a:xfrm>
+            <a:off x="6905491" y="2082188"/>
+            <a:ext cx="5036793" cy="4462760"/>
+          </a:xfrm>
+          <a:prstGeom prst="rect">
+            <a:avLst/>
+          </a:prstGeom>
+        </p:spPr>
+        <p:txBody>
+          <a:bodyPr wrap="square">
+            <a:spAutoFit/>
+          </a:bodyPr>
+          <a:lstStyle/>
+          <a:p>
+            <a:pPr marL="0" lvl="1">
+              <a:spcBef>
+                <a:spcPts val="600"/>
+              </a:spcBef>
+              <a:buClr>
+                <a:srgbClr val="F0AB00"/>
+              </a:buClr>
+              <a:buSzPct val="80000"/>
+              <a:buNone/>
+            </a:pPr>
+            <a:r>
+              <a:rPr lang="en-US" sz="1400" dirty="0" err="1">
+                <a:solidFill>
+                  <a:srgbClr val="7F0055"/>
+                </a:solidFill>
+                <a:latin typeface="Consolas"/>
+              </a:rPr>
+              <a:t>var</a:t>
+            </a:r>
+            <a:r>
+              <a:rPr lang="en-US" sz="1400" dirty="0">
+                <a:solidFill>
+                  <a:srgbClr val="000000"/>
+                </a:solidFill>
+                <a:latin typeface="Consolas"/>
+              </a:rPr>
+              <a:t> Car = </a:t>
+            </a:r>
+            <a:r>
+              <a:rPr lang="en-US" sz="1400" dirty="0">
+                <a:solidFill>
+                  <a:srgbClr val="7F0055"/>
+                </a:solidFill>
+                <a:latin typeface="Consolas"/>
+              </a:rPr>
+              <a:t>function</a:t>
+            </a:r>
+            <a:r>
+              <a:rPr lang="en-US" sz="1400" dirty="0">
+                <a:solidFill>
+                  <a:srgbClr val="000000"/>
+                </a:solidFill>
+                <a:latin typeface="Consolas"/>
+              </a:rPr>
+              <a:t>(name, </a:t>
+            </a:r>
+            <a:r>
+              <a:rPr lang="en-US" sz="1400" dirty="0" err="1">
+                <a:solidFill>
+                  <a:srgbClr val="000000"/>
+                </a:solidFill>
+                <a:latin typeface="Consolas"/>
+              </a:rPr>
+              <a:t>ps</a:t>
+            </a:r>
+            <a:r>
+              <a:rPr lang="en-US" sz="1400" dirty="0">
+                <a:solidFill>
+                  <a:srgbClr val="000000"/>
+                </a:solidFill>
+                <a:latin typeface="Consolas"/>
+              </a:rPr>
+              <a:t>, </a:t>
+            </a:r>
+            <a:r>
+              <a:rPr lang="en-US" sz="1400" dirty="0" err="1">
+                <a:solidFill>
+                  <a:srgbClr val="000000"/>
+                </a:solidFill>
+                <a:latin typeface="Consolas"/>
+              </a:rPr>
+              <a:t>noSeats</a:t>
+            </a:r>
+            <a:r>
+              <a:rPr lang="en-US" sz="1400" dirty="0">
+                <a:solidFill>
+                  <a:srgbClr val="000000"/>
+                </a:solidFill>
+                <a:latin typeface="Consolas"/>
+              </a:rPr>
+              <a:t>){</a:t>
+            </a:r>
+          </a:p>
+          <a:p>
+            <a:pPr marL="0" lvl="1">
+              <a:spcBef>
+                <a:spcPts val="600"/>
+              </a:spcBef>
+              <a:buClr>
+                <a:srgbClr val="F0AB00"/>
+              </a:buClr>
+              <a:buSzPct val="80000"/>
+              <a:buNone/>
+            </a:pPr>
+            <a:r>
+              <a:rPr lang="de-DE" sz="1400" dirty="0" smtClean="0">
+                <a:solidFill>
+                  <a:srgbClr val="7F0055"/>
+                </a:solidFill>
+                <a:latin typeface="Consolas"/>
+              </a:rPr>
+              <a:t>  </a:t>
+            </a:r>
+            <a:r>
+              <a:rPr lang="de-DE" sz="1400" dirty="0" err="1" smtClean="0">
+                <a:solidFill>
+                  <a:srgbClr val="7F0055"/>
+                </a:solidFill>
+                <a:latin typeface="Consolas"/>
+              </a:rPr>
+              <a:t>this</a:t>
+            </a:r>
+            <a:r>
+              <a:rPr lang="de-DE" sz="1400" dirty="0" err="1" smtClean="0">
+                <a:solidFill>
+                  <a:srgbClr val="000000"/>
+                </a:solidFill>
+                <a:latin typeface="Consolas"/>
+              </a:rPr>
+              <a:t>.noSeats</a:t>
+            </a:r>
+            <a:r>
+              <a:rPr lang="de-DE" sz="1400" dirty="0" smtClean="0">
+                <a:solidFill>
+                  <a:srgbClr val="000000"/>
+                </a:solidFill>
+                <a:latin typeface="Consolas"/>
+              </a:rPr>
+              <a:t> </a:t>
+            </a:r>
+            <a:r>
+              <a:rPr lang="de-DE" sz="1400" dirty="0">
+                <a:solidFill>
+                  <a:srgbClr val="000000"/>
+                </a:solidFill>
+                <a:latin typeface="Consolas"/>
+              </a:rPr>
+              <a:t>= </a:t>
+            </a:r>
+            <a:r>
+              <a:rPr lang="de-DE" sz="1400" dirty="0" err="1">
+                <a:solidFill>
+                  <a:srgbClr val="000000"/>
+                </a:solidFill>
+                <a:latin typeface="Consolas"/>
+              </a:rPr>
+              <a:t>noSeats</a:t>
+            </a:r>
+            <a:r>
+              <a:rPr lang="de-DE" sz="1400" dirty="0">
+                <a:solidFill>
+                  <a:srgbClr val="000000"/>
+                </a:solidFill>
+                <a:latin typeface="Consolas"/>
+              </a:rPr>
+              <a:t>;</a:t>
+            </a:r>
+          </a:p>
+          <a:p>
+            <a:pPr marL="0" lvl="1">
+              <a:spcBef>
+                <a:spcPts val="600"/>
+              </a:spcBef>
+              <a:buClr>
+                <a:srgbClr val="F0AB00"/>
+              </a:buClr>
+              <a:buSzPct val="80000"/>
+              <a:buNone/>
+            </a:pPr>
+            <a:r>
+              <a:rPr lang="de-DE" sz="1400" dirty="0" smtClean="0">
+                <a:solidFill>
+                  <a:srgbClr val="000000"/>
+                </a:solidFill>
+                <a:latin typeface="Consolas"/>
+              </a:rPr>
+              <a:t>  </a:t>
+            </a:r>
+            <a:r>
+              <a:rPr lang="de-DE" sz="1400" dirty="0" err="1" smtClean="0">
+                <a:solidFill>
+                  <a:srgbClr val="000000"/>
+                </a:solidFill>
+                <a:latin typeface="Consolas"/>
+              </a:rPr>
+              <a:t>Vehicle.call</a:t>
+            </a:r>
+            <a:r>
+              <a:rPr lang="de-DE" sz="1400" dirty="0" smtClean="0">
+                <a:solidFill>
+                  <a:srgbClr val="000000"/>
+                </a:solidFill>
+                <a:latin typeface="Consolas"/>
+              </a:rPr>
+              <a:t>(</a:t>
+            </a:r>
+            <a:r>
+              <a:rPr lang="de-DE" sz="1400" dirty="0" err="1" smtClean="0">
+                <a:solidFill>
+                  <a:srgbClr val="7F0055"/>
+                </a:solidFill>
+                <a:latin typeface="Consolas"/>
+              </a:rPr>
+              <a:t>this</a:t>
+            </a:r>
+            <a:r>
+              <a:rPr lang="de-DE" sz="1400" dirty="0">
+                <a:solidFill>
+                  <a:srgbClr val="000000"/>
+                </a:solidFill>
+                <a:latin typeface="Consolas"/>
+              </a:rPr>
+              <a:t>, </a:t>
+            </a:r>
+            <a:r>
+              <a:rPr lang="de-DE" sz="1400" dirty="0" err="1">
+                <a:solidFill>
+                  <a:srgbClr val="000000"/>
+                </a:solidFill>
+                <a:latin typeface="Consolas"/>
+              </a:rPr>
+              <a:t>name</a:t>
+            </a:r>
+            <a:r>
+              <a:rPr lang="de-DE" sz="1400" dirty="0">
+                <a:solidFill>
+                  <a:srgbClr val="000000"/>
+                </a:solidFill>
+                <a:latin typeface="Consolas"/>
+              </a:rPr>
+              <a:t>, </a:t>
+            </a:r>
+            <a:r>
+              <a:rPr lang="de-DE" sz="1400" dirty="0" err="1">
+                <a:solidFill>
+                  <a:srgbClr val="000000"/>
+                </a:solidFill>
+                <a:latin typeface="Consolas"/>
+              </a:rPr>
+              <a:t>ps</a:t>
+            </a:r>
+            <a:r>
+              <a:rPr lang="de-DE" sz="1400" dirty="0" smtClean="0">
+                <a:solidFill>
+                  <a:srgbClr val="000000"/>
+                </a:solidFill>
+                <a:latin typeface="Consolas"/>
+              </a:rPr>
+              <a:t>);</a:t>
+            </a:r>
+          </a:p>
+          <a:p>
+            <a:pPr marL="0" lvl="1">
+              <a:spcBef>
+                <a:spcPts val="600"/>
+              </a:spcBef>
+              <a:buClr>
+                <a:srgbClr val="F0AB00"/>
+              </a:buClr>
+              <a:buSzPct val="80000"/>
+              <a:buNone/>
+            </a:pPr>
+            <a:r>
+              <a:rPr lang="de-DE" sz="1400" dirty="0" smtClean="0">
+                <a:solidFill>
+                  <a:srgbClr val="000000"/>
+                </a:solidFill>
+                <a:latin typeface="Consolas"/>
+              </a:rPr>
+              <a:t>}</a:t>
+            </a:r>
+            <a:endParaRPr lang="de-DE" sz="1400" dirty="0">
+              <a:solidFill>
+                <a:srgbClr val="000000"/>
+              </a:solidFill>
+              <a:latin typeface="Consolas"/>
+            </a:endParaRPr>
+          </a:p>
+          <a:p>
+            <a:pPr marL="0" lvl="1">
+              <a:spcBef>
+                <a:spcPts val="600"/>
+              </a:spcBef>
+              <a:buClr>
+                <a:srgbClr val="F0AB00"/>
+              </a:buClr>
+              <a:buSzPct val="80000"/>
+              <a:buNone/>
+            </a:pPr>
+            <a:r>
+              <a:rPr lang="de-DE" sz="1400" dirty="0" err="1">
+                <a:solidFill>
+                  <a:srgbClr val="000000"/>
+                </a:solidFill>
+                <a:latin typeface="Consolas"/>
+              </a:rPr>
+              <a:t>Car.prototype</a:t>
+            </a:r>
+            <a:r>
+              <a:rPr lang="de-DE" sz="1400" dirty="0">
+                <a:solidFill>
+                  <a:srgbClr val="000000"/>
+                </a:solidFill>
+                <a:latin typeface="Consolas"/>
+              </a:rPr>
+              <a:t> = </a:t>
+            </a:r>
+            <a:r>
+              <a:rPr lang="de-DE" sz="1400" dirty="0" err="1">
+                <a:solidFill>
+                  <a:srgbClr val="000000"/>
+                </a:solidFill>
+                <a:latin typeface="Consolas"/>
+              </a:rPr>
+              <a:t>Object.create</a:t>
+            </a:r>
+            <a:r>
+              <a:rPr lang="de-DE" sz="1400" dirty="0">
+                <a:solidFill>
+                  <a:srgbClr val="000000"/>
+                </a:solidFill>
+                <a:latin typeface="Consolas"/>
+              </a:rPr>
+              <a:t>(</a:t>
+            </a:r>
+            <a:r>
+              <a:rPr lang="de-DE" sz="1400" dirty="0" err="1">
+                <a:solidFill>
+                  <a:srgbClr val="000000"/>
+                </a:solidFill>
+                <a:latin typeface="Consolas"/>
+              </a:rPr>
+              <a:t>Vehicle.prototype</a:t>
+            </a:r>
+            <a:r>
+              <a:rPr lang="de-DE" sz="1400" dirty="0" smtClean="0">
+                <a:solidFill>
+                  <a:srgbClr val="000000"/>
+                </a:solidFill>
+                <a:latin typeface="Consolas"/>
+              </a:rPr>
+              <a:t>);</a:t>
+            </a:r>
+          </a:p>
+          <a:p>
+            <a:pPr marL="0" lvl="1">
+              <a:spcBef>
+                <a:spcPts val="600"/>
+              </a:spcBef>
+              <a:buClr>
+                <a:srgbClr val="F0AB00"/>
+              </a:buClr>
+              <a:buSzPct val="80000"/>
+              <a:buNone/>
+            </a:pPr>
+            <a:r>
+              <a:rPr lang="de-DE" sz="1400" dirty="0" err="1" smtClean="0">
+                <a:solidFill>
+                  <a:srgbClr val="000000"/>
+                </a:solidFill>
+                <a:latin typeface="Consolas"/>
+              </a:rPr>
+              <a:t>Car.prototype.constructor</a:t>
+            </a:r>
+            <a:r>
+              <a:rPr lang="de-DE" sz="1400" dirty="0" smtClean="0">
+                <a:solidFill>
+                  <a:srgbClr val="000000"/>
+                </a:solidFill>
+                <a:latin typeface="Consolas"/>
+              </a:rPr>
+              <a:t> </a:t>
+            </a:r>
+            <a:r>
+              <a:rPr lang="de-DE" sz="1400" dirty="0">
+                <a:solidFill>
+                  <a:srgbClr val="000000"/>
+                </a:solidFill>
+                <a:latin typeface="Consolas"/>
+              </a:rPr>
+              <a:t>= </a:t>
+            </a:r>
+            <a:r>
+              <a:rPr lang="de-DE" sz="1400" dirty="0" smtClean="0">
+                <a:solidFill>
+                  <a:srgbClr val="000000"/>
+                </a:solidFill>
+                <a:latin typeface="Consolas"/>
+              </a:rPr>
+              <a:t>Car;</a:t>
+            </a:r>
+          </a:p>
+          <a:p>
+            <a:pPr marL="0" lvl="1">
+              <a:spcBef>
+                <a:spcPts val="600"/>
+              </a:spcBef>
+              <a:buClr>
+                <a:srgbClr val="F0AB00"/>
+              </a:buClr>
+              <a:buSzPct val="80000"/>
+              <a:buNone/>
+            </a:pPr>
+            <a:r>
+              <a:rPr lang="de-DE" sz="1400" dirty="0" err="1" smtClean="0">
+                <a:solidFill>
+                  <a:srgbClr val="000000"/>
+                </a:solidFill>
+                <a:latin typeface="Consolas"/>
+              </a:rPr>
+              <a:t>Car.prototype.logData</a:t>
+            </a:r>
+            <a:r>
+              <a:rPr lang="de-DE" sz="1400" dirty="0" smtClean="0">
+                <a:solidFill>
+                  <a:srgbClr val="000000"/>
+                </a:solidFill>
+                <a:latin typeface="Consolas"/>
+              </a:rPr>
+              <a:t> </a:t>
+            </a:r>
+            <a:r>
+              <a:rPr lang="de-DE" sz="1400" dirty="0">
+                <a:solidFill>
+                  <a:srgbClr val="000000"/>
+                </a:solidFill>
+                <a:latin typeface="Consolas"/>
+              </a:rPr>
+              <a:t>= </a:t>
+            </a:r>
+            <a:r>
+              <a:rPr lang="de-DE" sz="1400" dirty="0" err="1">
+                <a:solidFill>
+                  <a:srgbClr val="7F0055"/>
+                </a:solidFill>
+                <a:latin typeface="Consolas"/>
+              </a:rPr>
+              <a:t>function</a:t>
+            </a:r>
+            <a:r>
+              <a:rPr lang="de-DE" sz="1400" dirty="0">
+                <a:solidFill>
+                  <a:srgbClr val="000000"/>
+                </a:solidFill>
+                <a:latin typeface="Consolas"/>
+              </a:rPr>
+              <a:t>(){</a:t>
+            </a:r>
+          </a:p>
+          <a:p>
+            <a:pPr marL="0" lvl="1">
+              <a:spcBef>
+                <a:spcPts val="600"/>
+              </a:spcBef>
+              <a:buClr>
+                <a:srgbClr val="F0AB00"/>
+              </a:buClr>
+              <a:buSzPct val="80000"/>
+              <a:buNone/>
+            </a:pPr>
+            <a:r>
+              <a:rPr lang="de-DE" sz="1400" dirty="0" smtClean="0">
+                <a:solidFill>
+                  <a:srgbClr val="000000"/>
+                </a:solidFill>
+                <a:latin typeface="Consolas"/>
+              </a:rPr>
+              <a:t>  console.log</a:t>
+            </a:r>
+            <a:r>
+              <a:rPr lang="de-DE" sz="1400" dirty="0">
+                <a:solidFill>
+                  <a:srgbClr val="000000"/>
+                </a:solidFill>
+                <a:latin typeface="Consolas"/>
+              </a:rPr>
+              <a:t>(</a:t>
+            </a:r>
+            <a:r>
+              <a:rPr lang="de-DE" sz="1400" dirty="0">
+                <a:solidFill>
+                  <a:srgbClr val="2A00FF"/>
+                </a:solidFill>
+                <a:latin typeface="Consolas"/>
+              </a:rPr>
+              <a:t>"Name: "</a:t>
+            </a:r>
+            <a:r>
+              <a:rPr lang="de-DE" sz="1400" dirty="0">
+                <a:solidFill>
+                  <a:srgbClr val="000000"/>
+                </a:solidFill>
+                <a:latin typeface="Consolas"/>
+              </a:rPr>
+              <a:t> + </a:t>
+            </a:r>
+            <a:r>
+              <a:rPr lang="de-DE" sz="1400" dirty="0">
+                <a:solidFill>
+                  <a:srgbClr val="7F0055"/>
+                </a:solidFill>
+                <a:latin typeface="Consolas"/>
+              </a:rPr>
+              <a:t>this</a:t>
+            </a:r>
+            <a:r>
+              <a:rPr lang="de-DE" sz="1400" dirty="0">
+                <a:solidFill>
+                  <a:srgbClr val="000000"/>
+                </a:solidFill>
+                <a:latin typeface="Consolas"/>
+              </a:rPr>
+              <a:t>.name);</a:t>
+            </a:r>
+          </a:p>
+          <a:p>
+            <a:pPr marL="0" lvl="1">
+              <a:spcBef>
+                <a:spcPts val="600"/>
+              </a:spcBef>
+              <a:buClr>
+                <a:srgbClr val="F0AB00"/>
+              </a:buClr>
+              <a:buSzPct val="80000"/>
+              <a:buNone/>
+            </a:pPr>
+            <a:r>
+              <a:rPr lang="de-DE" sz="1400" dirty="0" smtClean="0">
+                <a:solidFill>
+                  <a:srgbClr val="000000"/>
+                </a:solidFill>
+                <a:latin typeface="Consolas"/>
+              </a:rPr>
+              <a:t>  console.log</a:t>
+            </a:r>
+            <a:r>
+              <a:rPr lang="de-DE" sz="1400" dirty="0">
+                <a:solidFill>
+                  <a:srgbClr val="000000"/>
+                </a:solidFill>
+                <a:latin typeface="Consolas"/>
+              </a:rPr>
+              <a:t>(</a:t>
+            </a:r>
+            <a:r>
+              <a:rPr lang="de-DE" sz="1400" dirty="0">
+                <a:solidFill>
+                  <a:srgbClr val="2A00FF"/>
+                </a:solidFill>
+                <a:latin typeface="Consolas"/>
+              </a:rPr>
+              <a:t>"Power: "</a:t>
+            </a:r>
+            <a:r>
+              <a:rPr lang="de-DE" sz="1400" dirty="0">
+                <a:solidFill>
+                  <a:srgbClr val="000000"/>
+                </a:solidFill>
+                <a:latin typeface="Consolas"/>
+              </a:rPr>
+              <a:t> + </a:t>
+            </a:r>
+            <a:r>
+              <a:rPr lang="de-DE" sz="1400" dirty="0">
+                <a:solidFill>
+                  <a:srgbClr val="7F0055"/>
+                </a:solidFill>
+                <a:latin typeface="Consolas"/>
+              </a:rPr>
+              <a:t>this</a:t>
+            </a:r>
+            <a:r>
+              <a:rPr lang="de-DE" sz="1400" dirty="0">
+                <a:solidFill>
+                  <a:srgbClr val="000000"/>
+                </a:solidFill>
+                <a:latin typeface="Consolas"/>
+              </a:rPr>
+              <a:t>.ps + </a:t>
+            </a:r>
+            <a:r>
+              <a:rPr lang="de-DE" sz="1400" dirty="0">
+                <a:solidFill>
+                  <a:srgbClr val="2A00FF"/>
+                </a:solidFill>
+                <a:latin typeface="Consolas"/>
+              </a:rPr>
+              <a:t>" PS"</a:t>
+            </a:r>
+            <a:r>
+              <a:rPr lang="de-DE" sz="1400" dirty="0">
+                <a:solidFill>
+                  <a:srgbClr val="000000"/>
+                </a:solidFill>
+                <a:latin typeface="Consolas"/>
+              </a:rPr>
+              <a:t>);</a:t>
+            </a:r>
+          </a:p>
+          <a:p>
+            <a:pPr marL="0" lvl="1">
+              <a:spcBef>
+                <a:spcPts val="600"/>
+              </a:spcBef>
+              <a:buClr>
+                <a:srgbClr val="F0AB00"/>
+              </a:buClr>
+              <a:buSzPct val="80000"/>
+              <a:buNone/>
+            </a:pPr>
+            <a:r>
+              <a:rPr lang="de-DE" sz="1400" dirty="0" smtClean="0">
+                <a:solidFill>
+                  <a:srgbClr val="000000"/>
+                </a:solidFill>
+                <a:latin typeface="Consolas"/>
+              </a:rPr>
+              <a:t>  console.log</a:t>
+            </a:r>
+            <a:r>
+              <a:rPr lang="de-DE" sz="1400" dirty="0">
+                <a:solidFill>
+                  <a:srgbClr val="000000"/>
+                </a:solidFill>
+                <a:latin typeface="Consolas"/>
+              </a:rPr>
+              <a:t>(</a:t>
+            </a:r>
+            <a:r>
+              <a:rPr lang="de-DE" sz="1400" dirty="0">
+                <a:solidFill>
+                  <a:srgbClr val="2A00FF"/>
+                </a:solidFill>
+                <a:latin typeface="Consolas"/>
+              </a:rPr>
+              <a:t>"</a:t>
+            </a:r>
+            <a:r>
+              <a:rPr lang="de-DE" sz="1400" dirty="0" err="1">
+                <a:solidFill>
+                  <a:srgbClr val="2A00FF"/>
+                </a:solidFill>
+                <a:latin typeface="Consolas"/>
+              </a:rPr>
+              <a:t>Seats</a:t>
+            </a:r>
+            <a:r>
+              <a:rPr lang="de-DE" sz="1400" dirty="0">
+                <a:solidFill>
+                  <a:srgbClr val="2A00FF"/>
+                </a:solidFill>
+                <a:latin typeface="Consolas"/>
+              </a:rPr>
+              <a:t>: "</a:t>
+            </a:r>
+            <a:r>
+              <a:rPr lang="de-DE" sz="1400" dirty="0">
+                <a:solidFill>
+                  <a:srgbClr val="000000"/>
+                </a:solidFill>
+                <a:latin typeface="Consolas"/>
+              </a:rPr>
+              <a:t> + </a:t>
+            </a:r>
+            <a:r>
+              <a:rPr lang="de-DE" sz="1400" dirty="0" err="1">
+                <a:solidFill>
+                  <a:srgbClr val="7F0055"/>
+                </a:solidFill>
+                <a:latin typeface="Consolas"/>
+              </a:rPr>
+              <a:t>this</a:t>
+            </a:r>
+            <a:r>
+              <a:rPr lang="de-DE" sz="1400" dirty="0" err="1">
+                <a:solidFill>
+                  <a:srgbClr val="000000"/>
+                </a:solidFill>
+                <a:latin typeface="Consolas"/>
+              </a:rPr>
+              <a:t>.noSeats</a:t>
+            </a:r>
+            <a:r>
+              <a:rPr lang="de-DE" sz="1400" dirty="0">
+                <a:solidFill>
+                  <a:srgbClr val="000000"/>
+                </a:solidFill>
+                <a:latin typeface="Consolas"/>
+              </a:rPr>
+              <a:t>);</a:t>
+            </a:r>
+          </a:p>
+          <a:p>
+            <a:pPr marL="0" lvl="1">
+              <a:spcBef>
+                <a:spcPts val="600"/>
+              </a:spcBef>
+              <a:buClr>
+                <a:srgbClr val="F0AB00"/>
+              </a:buClr>
+              <a:buSzPct val="80000"/>
+              <a:buNone/>
+            </a:pPr>
+            <a:r>
+              <a:rPr lang="de-DE" sz="1400" dirty="0">
+                <a:solidFill>
+                  <a:srgbClr val="000000"/>
+                </a:solidFill>
+                <a:latin typeface="Consolas"/>
+              </a:rPr>
+              <a:t>}</a:t>
+            </a:r>
+          </a:p>
+          <a:p>
+            <a:pPr marL="0" lvl="1">
+              <a:spcBef>
+                <a:spcPts val="600"/>
+              </a:spcBef>
+              <a:buClr>
+                <a:srgbClr val="F0AB00"/>
+              </a:buClr>
+              <a:buSzPct val="80000"/>
+              <a:buNone/>
+            </a:pPr>
+            <a:endParaRPr lang="de-DE" sz="1400" dirty="0">
+              <a:solidFill>
+                <a:srgbClr val="000000"/>
+              </a:solidFill>
+              <a:latin typeface="Consolas"/>
+            </a:endParaRPr>
+          </a:p>
+          <a:p>
+            <a:pPr marL="0" lvl="1">
+              <a:spcBef>
+                <a:spcPts val="600"/>
+              </a:spcBef>
+              <a:buClr>
+                <a:srgbClr val="F0AB00"/>
+              </a:buClr>
+              <a:buSzPct val="80000"/>
+              <a:buNone/>
+            </a:pPr>
+            <a:r>
+              <a:rPr lang="en-US" sz="1400" dirty="0" err="1">
+                <a:solidFill>
+                  <a:srgbClr val="7F0055"/>
+                </a:solidFill>
+                <a:latin typeface="Consolas"/>
+              </a:rPr>
+              <a:t>var</a:t>
+            </a:r>
+            <a:r>
+              <a:rPr lang="en-US" sz="1400" dirty="0">
+                <a:solidFill>
+                  <a:srgbClr val="000000"/>
+                </a:solidFill>
+                <a:latin typeface="Consolas"/>
+              </a:rPr>
+              <a:t> c1 = </a:t>
+            </a:r>
+            <a:r>
+              <a:rPr lang="en-US" sz="1400" dirty="0">
+                <a:solidFill>
+                  <a:srgbClr val="7F0055"/>
+                </a:solidFill>
+                <a:latin typeface="Consolas"/>
+              </a:rPr>
+              <a:t>new</a:t>
+            </a:r>
+            <a:r>
+              <a:rPr lang="en-US" sz="1400" dirty="0">
+                <a:solidFill>
+                  <a:srgbClr val="000000"/>
+                </a:solidFill>
+                <a:latin typeface="Consolas"/>
+              </a:rPr>
+              <a:t> Car(</a:t>
+            </a:r>
+            <a:r>
+              <a:rPr lang="en-US" sz="1400" dirty="0">
+                <a:solidFill>
+                  <a:srgbClr val="2A00FF"/>
+                </a:solidFill>
+                <a:latin typeface="Consolas"/>
+              </a:rPr>
+              <a:t>"Citroen 2CV"</a:t>
+            </a:r>
+            <a:r>
+              <a:rPr lang="en-US" sz="1400" dirty="0">
+                <a:solidFill>
+                  <a:srgbClr val="000000"/>
+                </a:solidFill>
+                <a:latin typeface="Consolas"/>
+              </a:rPr>
+              <a:t>, 35);</a:t>
+            </a:r>
+          </a:p>
+          <a:p>
+            <a:pPr marL="0" lvl="1">
+              <a:spcBef>
+                <a:spcPts val="600"/>
+              </a:spcBef>
+              <a:buClr>
+                <a:srgbClr val="F0AB00"/>
+              </a:buClr>
+              <a:buSzPct val="80000"/>
+              <a:buNone/>
+            </a:pPr>
+            <a:r>
+              <a:rPr lang="de-DE" sz="1400" dirty="0">
+                <a:solidFill>
+                  <a:srgbClr val="000000"/>
+                </a:solidFill>
+                <a:latin typeface="Consolas"/>
+              </a:rPr>
+              <a:t>c1.drive();</a:t>
+            </a:r>
+          </a:p>
+          <a:p>
+            <a:pPr marL="0" lvl="1">
+              <a:spcBef>
+                <a:spcPts val="600"/>
+              </a:spcBef>
+              <a:buClr>
+                <a:srgbClr val="F0AB00"/>
+              </a:buClr>
+              <a:buSzPct val="80000"/>
+              <a:buNone/>
+            </a:pPr>
+            <a:r>
+              <a:rPr lang="de-DE" sz="1400" dirty="0">
+                <a:solidFill>
+                  <a:srgbClr val="000000"/>
+                </a:solidFill>
+                <a:latin typeface="Consolas"/>
+              </a:rPr>
+              <a:t>c1.logData();</a:t>
+            </a:r>
+            <a:endParaRPr lang="de-DE" sz="1400" dirty="0">
+              <a:solidFill>
+                <a:srgbClr val="000000"/>
+              </a:solidFill>
+              <a:latin typeface="Consolas"/>
+            </a:endParaRPr>
+          </a:p>
+        </p:txBody>
+      </p:sp>
+      <p:cxnSp>
+        <p:nvCxnSpPr>
+          <p:cNvPr id="7" name="Straight Connector 6"/>
+          <p:cNvCxnSpPr/>
+          <p:nvPr/>
+        </p:nvCxnSpPr>
+        <p:spPr>
+          <a:xfrm>
+            <a:off x="6751254" y="2082188"/>
+            <a:ext cx="0" cy="4208443"/>
+          </a:xfrm>
+          <a:prstGeom prst="line">
+            <a:avLst/>
+          </a:prstGeom>
+          <a:ln w="6350">
+            <a:solidFill>
+              <a:schemeClr val="tx1"/>
+            </a:solidFill>
+          </a:ln>
+        </p:spPr>
+        <p:style>
+          <a:lnRef idx="1">
+            <a:schemeClr val="accent1"/>
+          </a:lnRef>
+          <a:fillRef idx="0">
+            <a:schemeClr val="accent1"/>
+          </a:fillRef>
+          <a:effectRef idx="0">
+            <a:schemeClr val="accent1"/>
+          </a:effectRef>
+          <a:fontRef idx="minor">
+            <a:schemeClr val="tx1"/>
+          </a:fontRef>
+        </p:style>
+      </p:cxnSp>
+      <p:sp>
+        <p:nvSpPr>
+          <p:cNvPr id="15" name="Rectangle 14"/>
+          <p:cNvSpPr/>
+          <p:nvPr/>
+        </p:nvSpPr>
+        <p:spPr>
+          <a:xfrm>
+            <a:off x="306388" y="2082188"/>
+            <a:ext cx="6096000" cy="4170372"/>
+          </a:xfrm>
+          <a:prstGeom prst="rect">
+            <a:avLst/>
+          </a:prstGeom>
+        </p:spPr>
+        <p:txBody>
+          <a:bodyPr>
+            <a:spAutoFit/>
+          </a:bodyPr>
+          <a:lstStyle/>
+          <a:p>
+            <a:pPr marL="0" lvl="1">
+              <a:spcBef>
+                <a:spcPts val="600"/>
+              </a:spcBef>
+              <a:buClr>
+                <a:srgbClr val="F0AB00"/>
+              </a:buClr>
+              <a:buSzPct val="80000"/>
+              <a:buNone/>
+            </a:pPr>
+            <a:r>
+              <a:rPr lang="de-DE" sz="1400" dirty="0" err="1">
+                <a:solidFill>
+                  <a:srgbClr val="7F0055"/>
+                </a:solidFill>
+                <a:latin typeface="Consolas"/>
+              </a:rPr>
+              <a:t>var</a:t>
+            </a:r>
+            <a:r>
+              <a:rPr lang="de-DE" sz="1400" dirty="0">
+                <a:solidFill>
+                  <a:srgbClr val="000000"/>
+                </a:solidFill>
+                <a:latin typeface="Consolas"/>
+              </a:rPr>
+              <a:t> </a:t>
+            </a:r>
+            <a:r>
+              <a:rPr lang="de-DE" sz="1400" dirty="0" err="1">
+                <a:solidFill>
+                  <a:srgbClr val="000000"/>
+                </a:solidFill>
+                <a:latin typeface="Consolas"/>
+              </a:rPr>
+              <a:t>Vehicle</a:t>
+            </a:r>
+            <a:r>
+              <a:rPr lang="de-DE" sz="1400" dirty="0">
+                <a:solidFill>
+                  <a:srgbClr val="000000"/>
+                </a:solidFill>
+                <a:latin typeface="Consolas"/>
+              </a:rPr>
+              <a:t> = </a:t>
+            </a:r>
+            <a:r>
+              <a:rPr lang="de-DE" sz="1400" dirty="0" err="1">
+                <a:solidFill>
+                  <a:srgbClr val="7F0055"/>
+                </a:solidFill>
+                <a:latin typeface="Consolas"/>
+              </a:rPr>
+              <a:t>function</a:t>
+            </a:r>
+            <a:r>
+              <a:rPr lang="de-DE" sz="1400" dirty="0">
+                <a:solidFill>
+                  <a:srgbClr val="000000"/>
+                </a:solidFill>
+                <a:latin typeface="Consolas"/>
+              </a:rPr>
+              <a:t>(</a:t>
+            </a:r>
+            <a:r>
+              <a:rPr lang="de-DE" sz="1400" dirty="0" err="1">
+                <a:solidFill>
+                  <a:srgbClr val="000000"/>
+                </a:solidFill>
+                <a:latin typeface="Consolas"/>
+              </a:rPr>
+              <a:t>name</a:t>
+            </a:r>
+            <a:r>
+              <a:rPr lang="de-DE" sz="1400" dirty="0">
+                <a:solidFill>
+                  <a:srgbClr val="000000"/>
+                </a:solidFill>
+                <a:latin typeface="Consolas"/>
+              </a:rPr>
+              <a:t>, </a:t>
+            </a:r>
+            <a:r>
+              <a:rPr lang="de-DE" sz="1400" dirty="0" err="1">
+                <a:solidFill>
+                  <a:srgbClr val="000000"/>
+                </a:solidFill>
+                <a:latin typeface="Consolas"/>
+              </a:rPr>
+              <a:t>ps</a:t>
+            </a:r>
+            <a:r>
+              <a:rPr lang="de-DE" sz="1400" dirty="0">
+                <a:solidFill>
+                  <a:srgbClr val="000000"/>
+                </a:solidFill>
+                <a:latin typeface="Consolas"/>
+              </a:rPr>
+              <a:t>){</a:t>
+            </a:r>
+          </a:p>
+          <a:p>
+            <a:pPr marL="0" lvl="1">
+              <a:spcBef>
+                <a:spcPts val="600"/>
+              </a:spcBef>
+              <a:buClr>
+                <a:srgbClr val="F0AB00"/>
+              </a:buClr>
+              <a:buSzPct val="80000"/>
+              <a:buNone/>
+            </a:pPr>
+            <a:r>
+              <a:rPr lang="de-DE" sz="1400" dirty="0">
+                <a:solidFill>
+                  <a:srgbClr val="7F0055"/>
+                </a:solidFill>
+                <a:latin typeface="Consolas"/>
+              </a:rPr>
+              <a:t>  this</a:t>
+            </a:r>
+            <a:r>
+              <a:rPr lang="de-DE" sz="1400" dirty="0">
+                <a:solidFill>
+                  <a:srgbClr val="000000"/>
+                </a:solidFill>
+                <a:latin typeface="Consolas"/>
+              </a:rPr>
+              <a:t>.name = </a:t>
+            </a:r>
+            <a:r>
+              <a:rPr lang="de-DE" sz="1400" dirty="0" err="1">
+                <a:solidFill>
+                  <a:srgbClr val="000000"/>
+                </a:solidFill>
+                <a:latin typeface="Consolas"/>
+              </a:rPr>
+              <a:t>name</a:t>
+            </a:r>
+            <a:r>
+              <a:rPr lang="de-DE" sz="1400" dirty="0">
+                <a:solidFill>
+                  <a:srgbClr val="000000"/>
+                </a:solidFill>
+                <a:latin typeface="Consolas"/>
+              </a:rPr>
+              <a:t>;</a:t>
+            </a:r>
+          </a:p>
+          <a:p>
+            <a:pPr marL="0" lvl="1">
+              <a:spcBef>
+                <a:spcPts val="600"/>
+              </a:spcBef>
+              <a:buClr>
+                <a:srgbClr val="F0AB00"/>
+              </a:buClr>
+              <a:buSzPct val="80000"/>
+              <a:buNone/>
+            </a:pPr>
+            <a:r>
+              <a:rPr lang="de-DE" sz="1400" dirty="0">
+                <a:solidFill>
+                  <a:srgbClr val="7F0055"/>
+                </a:solidFill>
+                <a:latin typeface="Consolas"/>
+              </a:rPr>
+              <a:t>  this</a:t>
+            </a:r>
+            <a:r>
+              <a:rPr lang="de-DE" sz="1400" dirty="0">
+                <a:solidFill>
+                  <a:srgbClr val="000000"/>
+                </a:solidFill>
+                <a:latin typeface="Consolas"/>
+              </a:rPr>
+              <a:t>.ps = </a:t>
+            </a:r>
+            <a:r>
+              <a:rPr lang="de-DE" sz="1400" dirty="0" err="1">
+                <a:solidFill>
+                  <a:srgbClr val="000000"/>
+                </a:solidFill>
+                <a:latin typeface="Consolas"/>
+              </a:rPr>
+              <a:t>ps</a:t>
+            </a:r>
+            <a:r>
+              <a:rPr lang="de-DE" sz="1400" dirty="0">
+                <a:solidFill>
+                  <a:srgbClr val="000000"/>
+                </a:solidFill>
+                <a:latin typeface="Consolas"/>
+              </a:rPr>
+              <a:t>;</a:t>
+            </a:r>
+          </a:p>
+          <a:p>
+            <a:pPr marL="0" lvl="1">
+              <a:spcBef>
+                <a:spcPts val="600"/>
+              </a:spcBef>
+              <a:buClr>
+                <a:srgbClr val="F0AB00"/>
+              </a:buClr>
+              <a:buSzPct val="80000"/>
+              <a:buNone/>
+            </a:pPr>
+            <a:r>
+              <a:rPr lang="de-DE" sz="1400" dirty="0">
+                <a:solidFill>
+                  <a:srgbClr val="7F0055"/>
+                </a:solidFill>
+                <a:latin typeface="Consolas"/>
+              </a:rPr>
+              <a:t>  </a:t>
+            </a:r>
+            <a:r>
+              <a:rPr lang="de-DE" sz="1400" dirty="0" err="1">
+                <a:solidFill>
+                  <a:srgbClr val="7F0055"/>
+                </a:solidFill>
+                <a:latin typeface="Consolas"/>
+              </a:rPr>
+              <a:t>this</a:t>
+            </a:r>
+            <a:r>
+              <a:rPr lang="de-DE" sz="1400" dirty="0" err="1">
+                <a:solidFill>
+                  <a:srgbClr val="000000"/>
+                </a:solidFill>
+                <a:latin typeface="Consolas"/>
+              </a:rPr>
+              <a:t>.test</a:t>
+            </a:r>
+            <a:r>
+              <a:rPr lang="de-DE" sz="1400" dirty="0">
+                <a:solidFill>
+                  <a:srgbClr val="000000"/>
+                </a:solidFill>
+                <a:latin typeface="Consolas"/>
+              </a:rPr>
+              <a:t> = </a:t>
+            </a:r>
+            <a:r>
+              <a:rPr lang="de-DE" sz="1400" dirty="0" err="1">
+                <a:solidFill>
+                  <a:srgbClr val="7F0055"/>
+                </a:solidFill>
+                <a:latin typeface="Consolas"/>
+              </a:rPr>
+              <a:t>function</a:t>
+            </a:r>
+            <a:r>
+              <a:rPr lang="de-DE" sz="1400" dirty="0">
+                <a:solidFill>
+                  <a:srgbClr val="000000"/>
+                </a:solidFill>
+                <a:latin typeface="Consolas"/>
+              </a:rPr>
+              <a:t>(){</a:t>
+            </a:r>
+          </a:p>
+          <a:p>
+            <a:pPr marL="0" lvl="1">
+              <a:spcBef>
+                <a:spcPts val="600"/>
+              </a:spcBef>
+              <a:buClr>
+                <a:srgbClr val="F0AB00"/>
+              </a:buClr>
+              <a:buSzPct val="80000"/>
+              <a:buNone/>
+            </a:pPr>
+            <a:r>
+              <a:rPr lang="de-DE" sz="1400" dirty="0">
+                <a:solidFill>
+                  <a:srgbClr val="000000"/>
+                </a:solidFill>
+                <a:latin typeface="Consolas"/>
+              </a:rPr>
+              <a:t>    console.log(</a:t>
+            </a:r>
+            <a:r>
+              <a:rPr lang="de-DE" sz="1400" dirty="0">
+                <a:solidFill>
+                  <a:srgbClr val="2A00FF"/>
+                </a:solidFill>
+                <a:latin typeface="Consolas"/>
+              </a:rPr>
+              <a:t>'</a:t>
+            </a:r>
+            <a:r>
+              <a:rPr lang="de-DE" sz="1400" dirty="0" err="1">
+                <a:solidFill>
+                  <a:srgbClr val="2A00FF"/>
+                </a:solidFill>
+                <a:latin typeface="Consolas"/>
+              </a:rPr>
+              <a:t>test</a:t>
+            </a:r>
+            <a:r>
+              <a:rPr lang="de-DE" sz="1400" dirty="0">
+                <a:solidFill>
+                  <a:srgbClr val="2A00FF"/>
+                </a:solidFill>
+                <a:latin typeface="Consolas"/>
+              </a:rPr>
+              <a:t>'</a:t>
+            </a:r>
+            <a:r>
+              <a:rPr lang="de-DE" sz="1400" dirty="0">
+                <a:solidFill>
+                  <a:srgbClr val="000000"/>
+                </a:solidFill>
+                <a:latin typeface="Consolas"/>
+              </a:rPr>
+              <a:t>);</a:t>
+            </a:r>
+          </a:p>
+          <a:p>
+            <a:pPr marL="0" lvl="1">
+              <a:spcBef>
+                <a:spcPts val="600"/>
+              </a:spcBef>
+              <a:buClr>
+                <a:srgbClr val="F0AB00"/>
+              </a:buClr>
+              <a:buSzPct val="80000"/>
+              <a:buNone/>
+            </a:pPr>
+            <a:r>
+              <a:rPr lang="de-DE" sz="1400" dirty="0">
+                <a:solidFill>
+                  <a:srgbClr val="000000"/>
+                </a:solidFill>
+                <a:latin typeface="Consolas"/>
+              </a:rPr>
+              <a:t>  };</a:t>
+            </a:r>
+          </a:p>
+          <a:p>
+            <a:pPr marL="0" lvl="1">
+              <a:spcBef>
+                <a:spcPts val="600"/>
+              </a:spcBef>
+              <a:buClr>
+                <a:srgbClr val="F0AB00"/>
+              </a:buClr>
+              <a:buSzPct val="80000"/>
+              <a:buNone/>
+            </a:pPr>
+            <a:r>
+              <a:rPr lang="de-DE" sz="1400" dirty="0">
+                <a:solidFill>
+                  <a:srgbClr val="000000"/>
+                </a:solidFill>
+                <a:latin typeface="Consolas"/>
+              </a:rPr>
+              <a:t>}</a:t>
+            </a:r>
+          </a:p>
+          <a:p>
+            <a:pPr marL="0" lvl="1">
+              <a:spcBef>
+                <a:spcPts val="600"/>
+              </a:spcBef>
+              <a:buClr>
+                <a:srgbClr val="F0AB00"/>
+              </a:buClr>
+              <a:buSzPct val="80000"/>
+              <a:buNone/>
+            </a:pPr>
+            <a:r>
+              <a:rPr lang="de-DE" sz="1400" dirty="0" err="1">
+                <a:solidFill>
+                  <a:srgbClr val="000000"/>
+                </a:solidFill>
+                <a:latin typeface="Consolas"/>
+              </a:rPr>
+              <a:t>Vehicle.prototype.drive</a:t>
+            </a:r>
+            <a:r>
+              <a:rPr lang="de-DE" sz="1400" dirty="0">
+                <a:solidFill>
+                  <a:srgbClr val="000000"/>
+                </a:solidFill>
+                <a:latin typeface="Consolas"/>
+              </a:rPr>
+              <a:t> = </a:t>
+            </a:r>
+            <a:r>
+              <a:rPr lang="de-DE" sz="1400" dirty="0" err="1">
+                <a:solidFill>
+                  <a:srgbClr val="7F0055"/>
+                </a:solidFill>
+                <a:latin typeface="Consolas"/>
+              </a:rPr>
+              <a:t>function</a:t>
+            </a:r>
+            <a:r>
+              <a:rPr lang="de-DE" sz="1400" dirty="0">
+                <a:solidFill>
+                  <a:srgbClr val="000000"/>
+                </a:solidFill>
+                <a:latin typeface="Consolas"/>
+              </a:rPr>
+              <a:t>(){</a:t>
+            </a:r>
+          </a:p>
+          <a:p>
+            <a:pPr marL="0" lvl="1">
+              <a:spcBef>
+                <a:spcPts val="600"/>
+              </a:spcBef>
+              <a:buClr>
+                <a:srgbClr val="F0AB00"/>
+              </a:buClr>
+              <a:buSzPct val="80000"/>
+              <a:buNone/>
+            </a:pPr>
+            <a:r>
+              <a:rPr lang="en-US" sz="1400" dirty="0">
+                <a:solidFill>
+                  <a:srgbClr val="000000"/>
+                </a:solidFill>
+                <a:latin typeface="Consolas"/>
+              </a:rPr>
+              <a:t>  console.log(</a:t>
+            </a:r>
+            <a:r>
+              <a:rPr lang="en-US" sz="1400" dirty="0">
+                <a:solidFill>
+                  <a:srgbClr val="7F0055"/>
+                </a:solidFill>
+                <a:latin typeface="Consolas"/>
+              </a:rPr>
+              <a:t>this</a:t>
+            </a:r>
+            <a:r>
+              <a:rPr lang="en-US" sz="1400" dirty="0">
+                <a:solidFill>
+                  <a:srgbClr val="000000"/>
+                </a:solidFill>
+                <a:latin typeface="Consolas"/>
+              </a:rPr>
+              <a:t>.name + </a:t>
+            </a:r>
+            <a:r>
+              <a:rPr lang="en-US" sz="1400" dirty="0">
+                <a:solidFill>
+                  <a:srgbClr val="2A00FF"/>
+                </a:solidFill>
+                <a:latin typeface="Consolas"/>
+              </a:rPr>
+              <a:t>" driving with "</a:t>
+            </a:r>
+            <a:r>
+              <a:rPr lang="en-US" sz="1400" dirty="0">
+                <a:solidFill>
+                  <a:srgbClr val="000000"/>
+                </a:solidFill>
+                <a:latin typeface="Consolas"/>
+              </a:rPr>
+              <a:t> </a:t>
+            </a:r>
+            <a:br>
+              <a:rPr lang="en-US" sz="1400" dirty="0">
+                <a:solidFill>
+                  <a:srgbClr val="000000"/>
+                </a:solidFill>
+                <a:latin typeface="Consolas"/>
+              </a:rPr>
+            </a:br>
+            <a:r>
+              <a:rPr lang="en-US" sz="1400" dirty="0">
+                <a:solidFill>
+                  <a:srgbClr val="000000"/>
+                </a:solidFill>
+                <a:latin typeface="Consolas"/>
+              </a:rPr>
+              <a:t>	 </a:t>
+            </a:r>
+            <a:r>
+              <a:rPr lang="en-US" sz="1400" dirty="0" smtClean="0">
+                <a:solidFill>
+                  <a:srgbClr val="000000"/>
+                </a:solidFill>
+                <a:latin typeface="Consolas"/>
+              </a:rPr>
+              <a:t>   + </a:t>
+            </a:r>
+            <a:r>
+              <a:rPr lang="en-US" sz="1400" dirty="0">
+                <a:solidFill>
+                  <a:srgbClr val="7F0055"/>
+                </a:solidFill>
+                <a:latin typeface="Consolas"/>
+              </a:rPr>
+              <a:t>this</a:t>
+            </a:r>
+            <a:r>
+              <a:rPr lang="en-US" sz="1400" dirty="0">
+                <a:solidFill>
+                  <a:srgbClr val="000000"/>
+                </a:solidFill>
+                <a:latin typeface="Consolas"/>
+              </a:rPr>
+              <a:t>.ps + </a:t>
+            </a:r>
+            <a:r>
+              <a:rPr lang="en-US" sz="1400" dirty="0">
+                <a:solidFill>
+                  <a:srgbClr val="2A00FF"/>
+                </a:solidFill>
+                <a:latin typeface="Consolas"/>
+              </a:rPr>
+              <a:t>" PS."</a:t>
+            </a:r>
+            <a:r>
+              <a:rPr lang="en-US" sz="1400" dirty="0">
+                <a:solidFill>
+                  <a:srgbClr val="000000"/>
+                </a:solidFill>
+                <a:latin typeface="Consolas"/>
+              </a:rPr>
+              <a:t>);</a:t>
+            </a:r>
+          </a:p>
+          <a:p>
+            <a:pPr marL="0" lvl="1">
+              <a:spcBef>
+                <a:spcPts val="600"/>
+              </a:spcBef>
+              <a:buClr>
+                <a:srgbClr val="F0AB00"/>
+              </a:buClr>
+              <a:buSzPct val="80000"/>
+              <a:buNone/>
+            </a:pPr>
+            <a:r>
+              <a:rPr lang="de-DE" sz="1400" dirty="0" smtClean="0">
+                <a:solidFill>
+                  <a:srgbClr val="000000"/>
+                </a:solidFill>
+                <a:latin typeface="Consolas"/>
+              </a:rPr>
+              <a:t>}</a:t>
+            </a:r>
+          </a:p>
+          <a:p>
+            <a:pPr marL="0" lvl="1">
+              <a:spcBef>
+                <a:spcPts val="600"/>
+              </a:spcBef>
+              <a:buClr>
+                <a:srgbClr val="F0AB00"/>
+              </a:buClr>
+              <a:buSzPct val="80000"/>
+              <a:buNone/>
+            </a:pPr>
+            <a:endParaRPr lang="de-DE" sz="1400" dirty="0" smtClean="0">
+              <a:solidFill>
+                <a:srgbClr val="000000"/>
+              </a:solidFill>
+              <a:latin typeface="Consolas"/>
+            </a:endParaRPr>
+          </a:p>
+          <a:p>
+            <a:r>
+              <a:rPr lang="en-US" sz="1400" dirty="0" err="1" smtClean="0">
+                <a:solidFill>
+                  <a:srgbClr val="7F0055"/>
+                </a:solidFill>
+                <a:latin typeface="Consolas"/>
+              </a:rPr>
+              <a:t>var</a:t>
+            </a:r>
+            <a:r>
+              <a:rPr lang="en-US" sz="1400" dirty="0" smtClean="0">
+                <a:solidFill>
+                  <a:srgbClr val="000000"/>
+                </a:solidFill>
+                <a:latin typeface="Consolas"/>
+              </a:rPr>
+              <a:t> </a:t>
+            </a:r>
+            <a:r>
+              <a:rPr lang="en-US" sz="1400" dirty="0">
+                <a:solidFill>
+                  <a:srgbClr val="000000"/>
+                </a:solidFill>
+                <a:latin typeface="Consolas"/>
+              </a:rPr>
+              <a:t>v1 = </a:t>
+            </a:r>
+            <a:r>
+              <a:rPr lang="en-US" sz="1400" dirty="0">
+                <a:solidFill>
+                  <a:srgbClr val="7F0055"/>
+                </a:solidFill>
+                <a:latin typeface="Consolas"/>
+              </a:rPr>
+              <a:t>new</a:t>
+            </a:r>
+            <a:r>
+              <a:rPr lang="en-US" sz="1400" dirty="0">
+                <a:solidFill>
+                  <a:srgbClr val="000000"/>
+                </a:solidFill>
+                <a:latin typeface="Consolas"/>
+              </a:rPr>
+              <a:t> Vehicle(</a:t>
+            </a:r>
+            <a:r>
+              <a:rPr lang="en-US" sz="1400" dirty="0">
+                <a:solidFill>
+                  <a:srgbClr val="2A00FF"/>
+                </a:solidFill>
+                <a:latin typeface="Consolas"/>
+              </a:rPr>
+              <a:t>"</a:t>
+            </a:r>
+            <a:r>
+              <a:rPr lang="en-US" sz="1400" dirty="0" err="1">
+                <a:solidFill>
+                  <a:srgbClr val="2A00FF"/>
+                </a:solidFill>
+                <a:latin typeface="Consolas"/>
+              </a:rPr>
+              <a:t>AbstractObject</a:t>
+            </a:r>
+            <a:r>
+              <a:rPr lang="en-US" sz="1400" dirty="0">
+                <a:solidFill>
+                  <a:srgbClr val="2A00FF"/>
+                </a:solidFill>
+                <a:latin typeface="Consolas"/>
+              </a:rPr>
+              <a:t>"</a:t>
+            </a:r>
+            <a:r>
+              <a:rPr lang="en-US" sz="1400" dirty="0">
+                <a:solidFill>
+                  <a:srgbClr val="000000"/>
+                </a:solidFill>
+                <a:latin typeface="Consolas"/>
+              </a:rPr>
+              <a:t>, Infinity);</a:t>
+            </a:r>
+          </a:p>
+          <a:p>
+            <a:r>
+              <a:rPr lang="de-DE" sz="1400" dirty="0" smtClean="0">
+                <a:solidFill>
+                  <a:srgbClr val="000000"/>
+                </a:solidFill>
+                <a:latin typeface="Consolas"/>
+              </a:rPr>
+              <a:t>v1.drive();</a:t>
+            </a:r>
+          </a:p>
+          <a:p>
+            <a:r>
+              <a:rPr lang="de-DE" sz="1400" dirty="0">
+                <a:solidFill>
+                  <a:srgbClr val="000000"/>
+                </a:solidFill>
+                <a:latin typeface="Consolas"/>
+              </a:rPr>
+              <a:t>v</a:t>
+            </a:r>
+            <a:r>
+              <a:rPr lang="de-DE" sz="1400" dirty="0" smtClean="0">
+                <a:solidFill>
+                  <a:srgbClr val="000000"/>
+                </a:solidFill>
+                <a:latin typeface="Consolas"/>
+              </a:rPr>
+              <a:t>1.test();</a:t>
+            </a:r>
+            <a:endParaRPr lang="de-DE" sz="1000" dirty="0">
+              <a:solidFill>
+                <a:srgbClr val="000000"/>
+              </a:solidFill>
+              <a:latin typeface="Consolas"/>
+            </a:endParaRPr>
+          </a:p>
+        </p:txBody>
+      </p:sp>
+      <p:sp>
+        <p:nvSpPr>
+          <p:cNvPr id="16" name="Right Brace 15"/>
+          <p:cNvSpPr/>
+          <p:nvPr/>
+        </p:nvSpPr>
+        <p:spPr>
+          <a:xfrm>
+            <a:off x="4825388" y="2082188"/>
+            <a:ext cx="374573" cy="2054408"/>
+          </a:xfrm>
+          <a:prstGeom prst="rightBrace">
+            <a:avLst/>
+          </a:prstGeom>
+          <a:ln w="6350">
+            <a:solidFill>
+              <a:schemeClr val="tx1"/>
+            </a:solidFill>
+          </a:ln>
+        </p:spPr>
+        <p:style>
+          <a:lnRef idx="1">
+            <a:schemeClr val="accent1"/>
+          </a:lnRef>
+          <a:fillRef idx="0">
+            <a:schemeClr val="accent1"/>
+          </a:fillRef>
+          <a:effectRef idx="0">
+            <a:schemeClr val="accent1"/>
+          </a:effectRef>
+          <a:fontRef idx="minor">
+            <a:schemeClr val="tx1"/>
+          </a:fontRef>
+        </p:style>
+        <p:txBody>
+          <a:bodyPr rtlCol="0" anchor="ctr"/>
+          <a:lstStyle/>
+          <a:p>
+            <a:pPr algn="ctr"/>
+            <a:endParaRPr lang="de-DE" dirty="0"/>
+          </a:p>
+        </p:txBody>
+      </p:sp>
+      <p:sp>
+        <p:nvSpPr>
+          <p:cNvPr id="17" name="TextBox 16"/>
+          <p:cNvSpPr txBox="1"/>
+          <p:nvPr/>
+        </p:nvSpPr>
+        <p:spPr>
+          <a:xfrm>
+            <a:off x="5332162" y="2967045"/>
+            <a:ext cx="1192634" cy="276999"/>
+          </a:xfrm>
+          <a:prstGeom prst="rect">
+            <a:avLst/>
+          </a:prstGeom>
+          <a:noFill/>
+        </p:spPr>
+        <p:txBody>
+          <a:bodyPr wrap="none" lIns="0" tIns="0" rIns="0" bIns="0" rtlCol="0">
+            <a:spAutoFit/>
+          </a:bodyPr>
+          <a:lstStyle/>
+          <a:p>
+            <a:pPr fontAlgn="base">
+              <a:spcBef>
+                <a:spcPts val="600"/>
+              </a:spcBef>
+              <a:spcAft>
+                <a:spcPct val="0"/>
+              </a:spcAft>
+              <a:buClr>
+                <a:srgbClr val="F0AB00"/>
+              </a:buClr>
+              <a:buSzPct val="80000"/>
+            </a:pPr>
+            <a:r>
+              <a:rPr lang="de-DE" sz="1800" kern="0" dirty="0" err="1" smtClean="0">
+                <a:ea typeface="Arial Unicode MS" pitchFamily="34" charset="-128"/>
+                <a:cs typeface="Arial Unicode MS" pitchFamily="34" charset="-128"/>
+              </a:rPr>
+              <a:t>Constructor</a:t>
+            </a:r>
+            <a:endParaRPr lang="de-DE" sz="1800" kern="0" dirty="0" smtClean="0">
+              <a:ea typeface="Arial Unicode MS" pitchFamily="34" charset="-128"/>
+              <a:cs typeface="Arial Unicode MS" pitchFamily="34" charset="-128"/>
+            </a:endParaRPr>
+          </a:p>
+        </p:txBody>
+      </p:sp>
+      <p:sp>
+        <p:nvSpPr>
+          <p:cNvPr id="18" name="Right Brace 17"/>
+          <p:cNvSpPr/>
+          <p:nvPr/>
+        </p:nvSpPr>
+        <p:spPr>
+          <a:xfrm>
+            <a:off x="2544898" y="2423711"/>
+            <a:ext cx="121185" cy="543334"/>
+          </a:xfrm>
+          <a:prstGeom prst="rightBrace">
+            <a:avLst/>
+          </a:prstGeom>
+          <a:ln w="6350">
+            <a:solidFill>
+              <a:schemeClr val="tx1"/>
+            </a:solidFill>
+          </a:ln>
+        </p:spPr>
+        <p:style>
+          <a:lnRef idx="1">
+            <a:schemeClr val="accent1"/>
+          </a:lnRef>
+          <a:fillRef idx="0">
+            <a:schemeClr val="accent1"/>
+          </a:fillRef>
+          <a:effectRef idx="0">
+            <a:schemeClr val="accent1"/>
+          </a:effectRef>
+          <a:fontRef idx="minor">
+            <a:schemeClr val="tx1"/>
+          </a:fontRef>
+        </p:style>
+        <p:txBody>
+          <a:bodyPr rtlCol="0" anchor="ctr"/>
+          <a:lstStyle/>
+          <a:p>
+            <a:pPr algn="ctr"/>
+            <a:endParaRPr lang="de-DE"/>
+          </a:p>
+        </p:txBody>
+      </p:sp>
+      <p:sp>
+        <p:nvSpPr>
+          <p:cNvPr id="19" name="TextBox 18"/>
+          <p:cNvSpPr txBox="1"/>
+          <p:nvPr/>
+        </p:nvSpPr>
+        <p:spPr>
+          <a:xfrm>
+            <a:off x="2817251" y="2556877"/>
+            <a:ext cx="974626" cy="276999"/>
+          </a:xfrm>
+          <a:prstGeom prst="rect">
+            <a:avLst/>
+          </a:prstGeom>
+          <a:noFill/>
+        </p:spPr>
+        <p:txBody>
+          <a:bodyPr wrap="none" lIns="0" tIns="0" rIns="0" bIns="0" rtlCol="0">
+            <a:spAutoFit/>
+          </a:bodyPr>
+          <a:lstStyle/>
+          <a:p>
+            <a:pPr fontAlgn="base">
+              <a:spcBef>
+                <a:spcPts val="600"/>
+              </a:spcBef>
+              <a:spcAft>
+                <a:spcPct val="0"/>
+              </a:spcAft>
+              <a:buClr>
+                <a:srgbClr val="F0AB00"/>
+              </a:buClr>
+              <a:buSzPct val="80000"/>
+            </a:pPr>
+            <a:r>
+              <a:rPr lang="de-DE" sz="1800" kern="0" dirty="0" smtClean="0">
+                <a:ea typeface="Arial Unicode MS" pitchFamily="34" charset="-128"/>
+                <a:cs typeface="Arial Unicode MS" pitchFamily="34" charset="-128"/>
+              </a:rPr>
+              <a:t>Variablen</a:t>
+            </a:r>
+            <a:endParaRPr lang="de-DE" sz="1800" kern="0" dirty="0" smtClean="0">
+              <a:ea typeface="Arial Unicode MS" pitchFamily="34" charset="-128"/>
+              <a:cs typeface="Arial Unicode MS" pitchFamily="34" charset="-128"/>
+            </a:endParaRPr>
+          </a:p>
+        </p:txBody>
+      </p:sp>
+      <p:sp>
+        <p:nvSpPr>
+          <p:cNvPr id="20" name="Right Brace 19"/>
+          <p:cNvSpPr/>
+          <p:nvPr/>
+        </p:nvSpPr>
+        <p:spPr>
+          <a:xfrm>
+            <a:off x="2894371" y="2967045"/>
+            <a:ext cx="225056" cy="877842"/>
+          </a:xfrm>
+          <a:prstGeom prst="rightBrace">
+            <a:avLst/>
+          </a:prstGeom>
+          <a:ln w="6350">
+            <a:solidFill>
+              <a:schemeClr val="tx1"/>
+            </a:solidFill>
+          </a:ln>
+        </p:spPr>
+        <p:style>
+          <a:lnRef idx="1">
+            <a:schemeClr val="accent1"/>
+          </a:lnRef>
+          <a:fillRef idx="0">
+            <a:schemeClr val="accent1"/>
+          </a:fillRef>
+          <a:effectRef idx="0">
+            <a:schemeClr val="accent1"/>
+          </a:effectRef>
+          <a:fontRef idx="minor">
+            <a:schemeClr val="tx1"/>
+          </a:fontRef>
+        </p:style>
+        <p:txBody>
+          <a:bodyPr rtlCol="0" anchor="ctr"/>
+          <a:lstStyle/>
+          <a:p>
+            <a:pPr algn="ctr"/>
+            <a:endParaRPr lang="de-DE"/>
+          </a:p>
+        </p:txBody>
+      </p:sp>
+      <p:sp>
+        <p:nvSpPr>
+          <p:cNvPr id="21" name="TextBox 20"/>
+          <p:cNvSpPr txBox="1"/>
+          <p:nvPr/>
+        </p:nvSpPr>
+        <p:spPr>
+          <a:xfrm>
+            <a:off x="3304564" y="3267466"/>
+            <a:ext cx="897682" cy="276999"/>
+          </a:xfrm>
+          <a:prstGeom prst="rect">
+            <a:avLst/>
+          </a:prstGeom>
+          <a:noFill/>
+        </p:spPr>
+        <p:txBody>
+          <a:bodyPr wrap="none" lIns="0" tIns="0" rIns="0" bIns="0" rtlCol="0">
+            <a:spAutoFit/>
+          </a:bodyPr>
+          <a:lstStyle/>
+          <a:p>
+            <a:pPr fontAlgn="base">
+              <a:spcBef>
+                <a:spcPts val="600"/>
+              </a:spcBef>
+              <a:spcAft>
+                <a:spcPct val="0"/>
+              </a:spcAft>
+              <a:buClr>
+                <a:srgbClr val="F0AB00"/>
+              </a:buClr>
+              <a:buSzPct val="80000"/>
+            </a:pPr>
+            <a:r>
+              <a:rPr lang="de-DE" sz="1800" kern="0" dirty="0" smtClean="0">
+                <a:ea typeface="Arial Unicode MS" pitchFamily="34" charset="-128"/>
+                <a:cs typeface="Arial Unicode MS" pitchFamily="34" charset="-128"/>
+              </a:rPr>
+              <a:t>Methode</a:t>
+            </a:r>
+            <a:endParaRPr lang="de-DE" sz="1800" kern="0" dirty="0" smtClean="0">
+              <a:ea typeface="Arial Unicode MS" pitchFamily="34" charset="-128"/>
+              <a:cs typeface="Arial Unicode MS" pitchFamily="34" charset="-128"/>
+            </a:endParaRPr>
+          </a:p>
+        </p:txBody>
+      </p:sp>
+      <p:sp>
+        <p:nvSpPr>
+          <p:cNvPr id="22" name="Right Brace 21"/>
+          <p:cNvSpPr/>
+          <p:nvPr/>
+        </p:nvSpPr>
+        <p:spPr>
+          <a:xfrm>
+            <a:off x="4712860" y="4186408"/>
+            <a:ext cx="225056" cy="969485"/>
+          </a:xfrm>
+          <a:prstGeom prst="rightBrace">
+            <a:avLst/>
+          </a:prstGeom>
+          <a:ln w="6350">
+            <a:solidFill>
+              <a:schemeClr val="tx1"/>
+            </a:solidFill>
+          </a:ln>
+        </p:spPr>
+        <p:style>
+          <a:lnRef idx="1">
+            <a:schemeClr val="accent1"/>
+          </a:lnRef>
+          <a:fillRef idx="0">
+            <a:schemeClr val="accent1"/>
+          </a:fillRef>
+          <a:effectRef idx="0">
+            <a:schemeClr val="accent1"/>
+          </a:effectRef>
+          <a:fontRef idx="minor">
+            <a:schemeClr val="tx1"/>
+          </a:fontRef>
+        </p:style>
+        <p:txBody>
+          <a:bodyPr rtlCol="0" anchor="ctr"/>
+          <a:lstStyle/>
+          <a:p>
+            <a:pPr algn="ctr"/>
+            <a:endParaRPr lang="de-DE"/>
+          </a:p>
+        </p:txBody>
+      </p:sp>
+      <p:sp>
+        <p:nvSpPr>
+          <p:cNvPr id="23" name="TextBox 22"/>
+          <p:cNvSpPr txBox="1"/>
+          <p:nvPr/>
+        </p:nvSpPr>
+        <p:spPr>
+          <a:xfrm>
+            <a:off x="5199960" y="4355679"/>
+            <a:ext cx="1423467" cy="630942"/>
+          </a:xfrm>
+          <a:prstGeom prst="rect">
+            <a:avLst/>
+          </a:prstGeom>
+          <a:noFill/>
+        </p:spPr>
+        <p:txBody>
+          <a:bodyPr wrap="none" lIns="0" tIns="0" rIns="0" bIns="0" rtlCol="0">
+            <a:spAutoFit/>
+          </a:bodyPr>
+          <a:lstStyle/>
+          <a:p>
+            <a:pPr fontAlgn="base">
+              <a:spcBef>
+                <a:spcPts val="600"/>
+              </a:spcBef>
+              <a:spcAft>
+                <a:spcPct val="0"/>
+              </a:spcAft>
+              <a:buClr>
+                <a:srgbClr val="F0AB00"/>
+              </a:buClr>
+              <a:buSzPct val="80000"/>
+            </a:pPr>
+            <a:r>
+              <a:rPr lang="de-DE" sz="1800" kern="0" dirty="0" smtClean="0">
+                <a:ea typeface="Arial Unicode MS" pitchFamily="34" charset="-128"/>
+                <a:cs typeface="Arial Unicode MS" pitchFamily="34" charset="-128"/>
+              </a:rPr>
+              <a:t>Methode über</a:t>
+            </a:r>
+          </a:p>
+          <a:p>
+            <a:pPr fontAlgn="base">
+              <a:spcBef>
+                <a:spcPts val="600"/>
+              </a:spcBef>
+              <a:spcAft>
+                <a:spcPct val="0"/>
+              </a:spcAft>
+              <a:buClr>
+                <a:srgbClr val="F0AB00"/>
+              </a:buClr>
+              <a:buSzPct val="80000"/>
+            </a:pPr>
+            <a:r>
+              <a:rPr lang="de-DE" sz="1800" kern="0" dirty="0" err="1" smtClean="0">
+                <a:ea typeface="Arial Unicode MS" pitchFamily="34" charset="-128"/>
+                <a:cs typeface="Arial Unicode MS" pitchFamily="34" charset="-128"/>
+              </a:rPr>
+              <a:t>Prototyping</a:t>
+            </a:r>
+            <a:endParaRPr lang="de-DE" sz="1800" kern="0" dirty="0" smtClean="0">
+              <a:ea typeface="Arial Unicode MS" pitchFamily="34" charset="-128"/>
+              <a:cs typeface="Arial Unicode MS" pitchFamily="34" charset="-128"/>
+            </a:endParaRPr>
+          </a:p>
+        </p:txBody>
+      </p:sp>
+    </p:spTree>
+    <p:extLst>
+      <p:ext uri="{BB962C8B-B14F-4D97-AF65-F5344CB8AC3E}">
+        <p14:creationId xmlns:p14="http://schemas.microsoft.com/office/powerpoint/2010/main" val="1150797590"/>
+      </p:ext>
+    </p:extLst>
+  </p:cSld>
+  <p:clrMapOvr>
+    <a:masterClrMapping/>
+  </p:clrMapOvr>
+</p:sld>
+</file>
+
+<file path=ppt/slides/slide32.xml><?xml version="1.0" encoding="utf-8"?>
+<p:sld xmlns:a="http://schemas.openxmlformats.org/drawingml/2006/main" xmlns:r="http://schemas.openxmlformats.org/officeDocument/2006/relationships" xmlns:p="http://schemas.openxmlformats.org/presentationml/2006/main">
+  <p:cSld>
+    <p:spTree>
+      <p:nvGrpSpPr>
+        <p:cNvPr id="1" name=""/>
+        <p:cNvGrpSpPr/>
+        <p:nvPr/>
+      </p:nvGrpSpPr>
+      <p:grpSpPr>
+        <a:xfrm>
+          <a:off x="0" y="0"/>
+          <a:ext cx="0" cy="0"/>
+          <a:chOff x="0" y="0"/>
+          <a:chExt cx="0" cy="0"/>
+        </a:xfrm>
+      </p:grpSpPr>
+      <p:sp>
+        <p:nvSpPr>
+          <p:cNvPr id="2" name="Title 1"/>
+          <p:cNvSpPr>
+            <a:spLocks noGrp="1"/>
+          </p:cNvSpPr>
+          <p:nvPr>
+            <p:ph type="title"/>
+          </p:nvPr>
+        </p:nvSpPr>
+        <p:spPr/>
+        <p:txBody>
+          <a:bodyPr/>
+          <a:lstStyle/>
+          <a:p>
+            <a:r>
+              <a:rPr lang="de-DE" dirty="0" smtClean="0"/>
+              <a:t>Objektorientierung – Übung</a:t>
+            </a:r>
+            <a:endParaRPr lang="de-DE" dirty="0"/>
+          </a:p>
+        </p:txBody>
+      </p:sp>
+      <p:sp>
+        <p:nvSpPr>
+          <p:cNvPr id="3" name="Text Placeholder 2"/>
+          <p:cNvSpPr>
+            <a:spLocks noGrp="1"/>
+          </p:cNvSpPr>
+          <p:nvPr>
+            <p:ph type="body" sz="quarter" idx="10"/>
+          </p:nvPr>
+        </p:nvSpPr>
+        <p:spPr/>
+        <p:txBody>
+          <a:bodyPr/>
+          <a:lstStyle/>
+          <a:p>
+            <a:pPr marL="457200" indent="-457200">
+              <a:buFont typeface="+mj-lt"/>
+              <a:buAutoNum type="arabicPeriod"/>
+            </a:pPr>
+            <a:r>
+              <a:rPr lang="de-DE" dirty="0" smtClean="0"/>
+              <a:t>Erstelle eine Klasse Shape, die eine x- und y-Koordinate und eine Farbe (als hexadezimalen String)  besitzt</a:t>
+            </a:r>
+          </a:p>
+          <a:p>
+            <a:pPr marL="457200" indent="-457200">
+              <a:buFont typeface="+mj-lt"/>
+              <a:buAutoNum type="arabicPeriod"/>
+            </a:pPr>
+            <a:r>
+              <a:rPr lang="de-DE" dirty="0" smtClean="0"/>
+              <a:t>Erstelle eine </a:t>
+            </a:r>
+            <a:r>
+              <a:rPr lang="de-DE" dirty="0" err="1" smtClean="0"/>
+              <a:t>Klsse</a:t>
+            </a:r>
+            <a:r>
+              <a:rPr lang="de-DE" dirty="0" smtClean="0"/>
+              <a:t> </a:t>
+            </a:r>
+            <a:r>
+              <a:rPr lang="de-DE" dirty="0" err="1" smtClean="0"/>
+              <a:t>Rectangle</a:t>
+            </a:r>
+            <a:r>
+              <a:rPr lang="de-DE" dirty="0" smtClean="0"/>
+              <a:t>, die von Shape erbt, eine Höhe, eine Breite und eine </a:t>
+            </a:r>
+            <a:r>
+              <a:rPr lang="de-DE" dirty="0" err="1" smtClean="0"/>
+              <a:t>paint</a:t>
+            </a:r>
+            <a:r>
+              <a:rPr lang="de-DE" dirty="0" smtClean="0"/>
+              <a:t>-Methode zum Zeichnen eines Rechtecks besitzt.</a:t>
+            </a:r>
+          </a:p>
+          <a:p>
+            <a:pPr marL="457200" indent="-457200">
+              <a:buFont typeface="+mj-lt"/>
+              <a:buAutoNum type="arabicPeriod"/>
+            </a:pPr>
+            <a:r>
+              <a:rPr lang="de-DE" dirty="0" smtClean="0"/>
+              <a:t>Erstelle eine Klasse Circle, die von Shape erbt und einen Radius und eine </a:t>
+            </a:r>
+            <a:r>
+              <a:rPr lang="de-DE" dirty="0" err="1" smtClean="0"/>
+              <a:t>paint</a:t>
+            </a:r>
+            <a:r>
+              <a:rPr lang="de-DE" dirty="0" smtClean="0"/>
+              <a:t>-Methode zum Zeichnen eines Kreises besitzt.</a:t>
+            </a:r>
+            <a:endParaRPr lang="de-DE" dirty="0"/>
+          </a:p>
+        </p:txBody>
+      </p:sp>
+    </p:spTree>
+    <p:extLst>
+      <p:ext uri="{BB962C8B-B14F-4D97-AF65-F5344CB8AC3E}">
+        <p14:creationId xmlns:p14="http://schemas.microsoft.com/office/powerpoint/2010/main" val="2420339675"/>
+      </p:ext>
+    </p:extLst>
+  </p:cSld>
+  <p:clrMapOvr>
+    <a:masterClrMapping/>
+  </p:clrMapOvr>
+</p:sld>
+</file>
+
+<file path=ppt/slides/slide33.xml><?xml version="1.0" encoding="utf-8"?>
+<p:sld xmlns:a="http://schemas.openxmlformats.org/drawingml/2006/main" xmlns:r="http://schemas.openxmlformats.org/officeDocument/2006/relationships" xmlns:p="http://schemas.openxmlformats.org/presentationml/2006/main">
+  <p:cSld>
+    <p:spTree>
+      <p:nvGrpSpPr>
+        <p:cNvPr id="1" name=""/>
+        <p:cNvGrpSpPr/>
+        <p:nvPr/>
+      </p:nvGrpSpPr>
+      <p:grpSpPr>
+        <a:xfrm>
+          <a:off x="0" y="0"/>
+          <a:ext cx="0" cy="0"/>
+          <a:chOff x="0" y="0"/>
+          <a:chExt cx="0" cy="0"/>
+        </a:xfrm>
+      </p:grpSpPr>
+      <p:pic>
+        <p:nvPicPr>
+          <p:cNvPr id="8" name="Picture Placeholder 7"/>
+          <p:cNvPicPr>
+            <a:picLocks noGrp="1" noChangeAspect="1"/>
+          </p:cNvPicPr>
+          <p:nvPr>
+            <p:ph type="pic" sz="quarter" idx="11"/>
+          </p:nvPr>
+        </p:nvPicPr>
+        <p:blipFill>
+          <a:blip r:embed="rId2">
+            <a:extLst>
+              <a:ext uri="{28A0092B-C50C-407E-A947-70E740481C1C}">
+                <a14:useLocalDpi xmlns:a14="http://schemas.microsoft.com/office/drawing/2010/main" val="0"/>
+              </a:ext>
+            </a:extLst>
+          </a:blip>
+          <a:srcRect t="31507" b="31507"/>
+          <a:stretch>
+            <a:fillRect/>
+          </a:stretch>
+        </p:blipFill>
+        <p:spPr/>
+      </p:pic>
+      <p:sp>
+        <p:nvSpPr>
+          <p:cNvPr id="4" name="Title 3"/>
+          <p:cNvSpPr>
+            <a:spLocks noGrp="1"/>
+          </p:cNvSpPr>
+          <p:nvPr>
+            <p:ph type="ctrTitle"/>
+          </p:nvPr>
+        </p:nvSpPr>
+        <p:spPr/>
+        <p:txBody>
+          <a:bodyPr/>
+          <a:lstStyle/>
+          <a:p>
+            <a:r>
+              <a:rPr lang="de-DE" dirty="0" smtClean="0"/>
+              <a:t>AJAX</a:t>
+            </a:r>
+            <a:endParaRPr lang="de-DE" dirty="0"/>
+          </a:p>
+        </p:txBody>
+      </p:sp>
+      <p:sp>
+        <p:nvSpPr>
+          <p:cNvPr id="5" name="Text Placeholder 4"/>
+          <p:cNvSpPr>
+            <a:spLocks noGrp="1"/>
+          </p:cNvSpPr>
+          <p:nvPr>
+            <p:ph type="body" sz="quarter" idx="10"/>
+          </p:nvPr>
+        </p:nvSpPr>
+        <p:spPr/>
+        <p:txBody>
+          <a:bodyPr/>
+          <a:lstStyle/>
+          <a:p>
+            <a:r>
+              <a:rPr lang="de-DE" dirty="0" err="1" smtClean="0"/>
+              <a:t>Asynchronous</a:t>
+            </a:r>
+            <a:r>
+              <a:rPr lang="de-DE" dirty="0" smtClean="0"/>
+              <a:t> JavaScript </a:t>
+            </a:r>
+            <a:r>
+              <a:rPr lang="de-DE" dirty="0" err="1" smtClean="0"/>
+              <a:t>and</a:t>
+            </a:r>
+            <a:r>
+              <a:rPr lang="de-DE" dirty="0" smtClean="0"/>
+              <a:t> XML</a:t>
+            </a:r>
+            <a:endParaRPr lang="de-DE" dirty="0"/>
+          </a:p>
+        </p:txBody>
+      </p:sp>
+    </p:spTree>
+    <p:extLst>
+      <p:ext uri="{BB962C8B-B14F-4D97-AF65-F5344CB8AC3E}">
+        <p14:creationId xmlns:p14="http://schemas.microsoft.com/office/powerpoint/2010/main" val="3178886019"/>
+      </p:ext>
+    </p:extLst>
+  </p:cSld>
+  <p:clrMapOvr>
+    <a:masterClrMapping/>
+  </p:clrMapOvr>
+</p:sld>
+</file>
+
+<file path=ppt/slides/slide34.xml><?xml version="1.0" encoding="utf-8"?>
+<p:sld xmlns:a="http://schemas.openxmlformats.org/drawingml/2006/main" xmlns:r="http://schemas.openxmlformats.org/officeDocument/2006/relationships" xmlns:p="http://schemas.openxmlformats.org/presentationml/2006/main">
+  <p:cSld>
+    <p:spTree>
+      <p:nvGrpSpPr>
+        <p:cNvPr id="1" name=""/>
+        <p:cNvGrpSpPr/>
+        <p:nvPr/>
+      </p:nvGrpSpPr>
+      <p:grpSpPr>
+        <a:xfrm>
+          <a:off x="0" y="0"/>
+          <a:ext cx="0" cy="0"/>
+          <a:chOff x="0" y="0"/>
+          <a:chExt cx="0" cy="0"/>
+        </a:xfrm>
+      </p:grpSpPr>
+      <p:sp>
+        <p:nvSpPr>
+          <p:cNvPr id="2" name="Title 1"/>
+          <p:cNvSpPr>
+            <a:spLocks noGrp="1"/>
+          </p:cNvSpPr>
+          <p:nvPr>
+            <p:ph type="title"/>
+          </p:nvPr>
+        </p:nvSpPr>
+        <p:spPr/>
+        <p:txBody>
+          <a:bodyPr/>
+          <a:lstStyle/>
+          <a:p>
+            <a:r>
+              <a:rPr lang="de-DE" dirty="0" smtClean="0"/>
+              <a:t>AJAX</a:t>
+            </a:r>
+            <a:endParaRPr lang="de-DE" dirty="0"/>
+          </a:p>
+        </p:txBody>
+      </p:sp>
+      <p:sp>
+        <p:nvSpPr>
+          <p:cNvPr id="3" name="Text Placeholder 2"/>
+          <p:cNvSpPr>
+            <a:spLocks noGrp="1"/>
+          </p:cNvSpPr>
+          <p:nvPr>
+            <p:ph type="body" sz="quarter" idx="10"/>
+          </p:nvPr>
+        </p:nvSpPr>
+        <p:spPr/>
+        <p:txBody>
+          <a:bodyPr/>
+          <a:lstStyle/>
+          <a:p>
+            <a:r>
+              <a:rPr lang="de-DE" dirty="0" smtClean="0"/>
+              <a:t>Warum Ajax?</a:t>
+            </a:r>
+          </a:p>
+          <a:p>
+            <a:pPr lvl="1"/>
+            <a:r>
+              <a:rPr lang="de-DE" dirty="0" smtClean="0"/>
+              <a:t>Ermöglicht asynchrone Datenübertragung</a:t>
+            </a:r>
+          </a:p>
+          <a:p>
+            <a:pPr lvl="1"/>
+            <a:r>
+              <a:rPr lang="de-DE" dirty="0" smtClean="0"/>
+              <a:t>Vermeidet </a:t>
+            </a:r>
+            <a:r>
+              <a:rPr lang="de-DE" dirty="0" err="1" smtClean="0"/>
+              <a:t>Neuladen</a:t>
+            </a:r>
+            <a:r>
+              <a:rPr lang="de-DE" dirty="0" smtClean="0"/>
+              <a:t> der Seite</a:t>
+            </a:r>
+          </a:p>
+          <a:p>
+            <a:r>
+              <a:rPr lang="de-DE" dirty="0" smtClean="0"/>
+              <a:t>Ablauf</a:t>
+            </a:r>
+          </a:p>
+          <a:p>
+            <a:pPr lvl="1"/>
+            <a:r>
+              <a:rPr lang="de-DE" dirty="0" smtClean="0"/>
+              <a:t>Request-Objekt erzeugen</a:t>
+            </a:r>
+          </a:p>
+          <a:p>
+            <a:pPr lvl="1"/>
+            <a:r>
+              <a:rPr lang="de-DE" dirty="0" smtClean="0"/>
+              <a:t>Request abschicken</a:t>
+            </a:r>
+          </a:p>
+          <a:p>
+            <a:pPr lvl="1"/>
+            <a:endParaRPr lang="de-DE" dirty="0"/>
+          </a:p>
+        </p:txBody>
+      </p:sp>
+    </p:spTree>
+    <p:extLst>
+      <p:ext uri="{BB962C8B-B14F-4D97-AF65-F5344CB8AC3E}">
+        <p14:creationId xmlns:p14="http://schemas.microsoft.com/office/powerpoint/2010/main" val="1188867663"/>
+      </p:ext>
+    </p:extLst>
+  </p:cSld>
+  <p:clrMapOvr>
+    <a:masterClrMapping/>
+  </p:clrMapOvr>
+</p:sld>
+</file>
+
+<file path=ppt/slides/slide35.xml><?xml version="1.0" encoding="utf-8"?>
+<p:sld xmlns:a="http://schemas.openxmlformats.org/drawingml/2006/main" xmlns:r="http://schemas.openxmlformats.org/officeDocument/2006/relationships" xmlns:p="http://schemas.openxmlformats.org/presentationml/2006/main">
+  <p:cSld>
+    <p:spTree>
+      <p:nvGrpSpPr>
+        <p:cNvPr id="1" name=""/>
+        <p:cNvGrpSpPr/>
+        <p:nvPr/>
+      </p:nvGrpSpPr>
+      <p:grpSpPr>
+        <a:xfrm>
+          <a:off x="0" y="0"/>
+          <a:ext cx="0" cy="0"/>
+          <a:chOff x="0" y="0"/>
+          <a:chExt cx="0" cy="0"/>
+        </a:xfrm>
+      </p:grpSpPr>
+      <p:sp>
+        <p:nvSpPr>
+          <p:cNvPr id="2" name="Title 1"/>
+          <p:cNvSpPr>
+            <a:spLocks noGrp="1"/>
+          </p:cNvSpPr>
+          <p:nvPr>
+            <p:ph type="title"/>
+          </p:nvPr>
+        </p:nvSpPr>
+        <p:spPr/>
+        <p:txBody>
+          <a:bodyPr/>
+          <a:lstStyle/>
+          <a:p>
+            <a:r>
+              <a:rPr lang="de-DE" dirty="0" smtClean="0"/>
+              <a:t>AJAX</a:t>
+            </a:r>
+            <a:endParaRPr lang="de-DE" dirty="0"/>
+          </a:p>
+        </p:txBody>
+      </p:sp>
+      <p:sp>
+        <p:nvSpPr>
+          <p:cNvPr id="3" name="Text Placeholder 2"/>
+          <p:cNvSpPr>
+            <a:spLocks noGrp="1"/>
+          </p:cNvSpPr>
+          <p:nvPr>
+            <p:ph type="body" sz="quarter" idx="10"/>
+          </p:nvPr>
+        </p:nvSpPr>
+        <p:spPr/>
+        <p:txBody>
+          <a:bodyPr/>
+          <a:lstStyle/>
+          <a:p>
+            <a:r>
+              <a:rPr lang="de-DE" dirty="0" smtClean="0"/>
+              <a:t>Request-Objekt erzeugen</a:t>
+            </a:r>
+          </a:p>
+          <a:p>
+            <a:pPr lvl="1"/>
+            <a:r>
+              <a:rPr lang="de-DE" sz="1600" dirty="0" err="1">
+                <a:solidFill>
+                  <a:srgbClr val="7F0055"/>
+                </a:solidFill>
+                <a:latin typeface="Consolas"/>
+              </a:rPr>
+              <a:t>var</a:t>
+            </a:r>
+            <a:r>
+              <a:rPr lang="de-DE" sz="1600" dirty="0">
+                <a:solidFill>
+                  <a:srgbClr val="000000"/>
+                </a:solidFill>
+                <a:latin typeface="Consolas"/>
+              </a:rPr>
+              <a:t> </a:t>
+            </a:r>
+            <a:r>
+              <a:rPr lang="de-DE" sz="1600" dirty="0" err="1">
+                <a:solidFill>
+                  <a:srgbClr val="000000"/>
+                </a:solidFill>
+                <a:latin typeface="Consolas"/>
+              </a:rPr>
+              <a:t>http_request</a:t>
+            </a:r>
+            <a:r>
+              <a:rPr lang="de-DE" sz="1600" dirty="0">
+                <a:solidFill>
+                  <a:srgbClr val="000000"/>
+                </a:solidFill>
+                <a:latin typeface="Consolas"/>
+              </a:rPr>
+              <a:t> = </a:t>
+            </a:r>
+            <a:r>
+              <a:rPr lang="de-DE" sz="1600" dirty="0">
+                <a:solidFill>
+                  <a:srgbClr val="7F0055"/>
+                </a:solidFill>
+                <a:latin typeface="Consolas"/>
+              </a:rPr>
+              <a:t>false</a:t>
+            </a:r>
+            <a:r>
+              <a:rPr lang="de-DE" sz="1600" dirty="0">
+                <a:solidFill>
+                  <a:srgbClr val="000000"/>
+                </a:solidFill>
+                <a:latin typeface="Consolas"/>
+              </a:rPr>
+              <a:t>;</a:t>
+            </a:r>
+          </a:p>
+          <a:p>
+            <a:pPr lvl="1"/>
+            <a:r>
+              <a:rPr lang="de-DE" sz="1600" dirty="0">
+                <a:solidFill>
+                  <a:srgbClr val="7F0055"/>
+                </a:solidFill>
+                <a:latin typeface="Consolas"/>
+              </a:rPr>
+              <a:t>if</a:t>
+            </a:r>
+            <a:r>
+              <a:rPr lang="de-DE" sz="1600" dirty="0">
+                <a:solidFill>
+                  <a:srgbClr val="000000"/>
+                </a:solidFill>
+                <a:latin typeface="Consolas"/>
+              </a:rPr>
+              <a:t> (</a:t>
+            </a:r>
+            <a:r>
+              <a:rPr lang="de-DE" sz="1600" dirty="0" err="1">
+                <a:solidFill>
+                  <a:srgbClr val="000000"/>
+                </a:solidFill>
+                <a:latin typeface="Consolas"/>
+              </a:rPr>
+              <a:t>window.XMLHttpRequest</a:t>
+            </a:r>
+            <a:r>
+              <a:rPr lang="de-DE" sz="1600" dirty="0">
+                <a:solidFill>
+                  <a:srgbClr val="000000"/>
+                </a:solidFill>
+                <a:latin typeface="Consolas"/>
+              </a:rPr>
+              <a:t>) { </a:t>
+            </a:r>
+            <a:r>
+              <a:rPr lang="de-DE" sz="1600" dirty="0">
+                <a:solidFill>
+                  <a:srgbClr val="3F7F5F"/>
+                </a:solidFill>
+                <a:latin typeface="Consolas"/>
+              </a:rPr>
+              <a:t>// Mozilla, Safari,...</a:t>
+            </a:r>
+          </a:p>
+          <a:p>
+            <a:pPr lvl="1"/>
+            <a:r>
+              <a:rPr lang="de-DE" sz="1600" dirty="0">
+                <a:solidFill>
+                  <a:srgbClr val="000000"/>
+                </a:solidFill>
+                <a:latin typeface="Consolas"/>
+              </a:rPr>
+              <a:t>    </a:t>
+            </a:r>
+            <a:r>
+              <a:rPr lang="de-DE" sz="1600" dirty="0" err="1">
+                <a:solidFill>
+                  <a:srgbClr val="000000"/>
+                </a:solidFill>
+                <a:latin typeface="Consolas"/>
+              </a:rPr>
+              <a:t>http_request</a:t>
+            </a:r>
+            <a:r>
+              <a:rPr lang="de-DE" sz="1600" dirty="0">
+                <a:solidFill>
+                  <a:srgbClr val="000000"/>
+                </a:solidFill>
+                <a:latin typeface="Consolas"/>
+              </a:rPr>
+              <a:t> = </a:t>
+            </a:r>
+            <a:r>
+              <a:rPr lang="de-DE" sz="1600" dirty="0" err="1">
+                <a:solidFill>
+                  <a:srgbClr val="7F0055"/>
+                </a:solidFill>
+                <a:latin typeface="Consolas"/>
+              </a:rPr>
+              <a:t>new</a:t>
+            </a:r>
+            <a:r>
+              <a:rPr lang="de-DE" sz="1600" dirty="0">
+                <a:solidFill>
+                  <a:srgbClr val="000000"/>
+                </a:solidFill>
+                <a:latin typeface="Consolas"/>
+              </a:rPr>
+              <a:t> </a:t>
+            </a:r>
+            <a:r>
+              <a:rPr lang="de-DE" sz="1600" dirty="0" err="1">
+                <a:solidFill>
+                  <a:srgbClr val="000000"/>
+                </a:solidFill>
+                <a:latin typeface="Consolas"/>
+              </a:rPr>
+              <a:t>XMLHttpRequest</a:t>
+            </a:r>
+            <a:r>
+              <a:rPr lang="de-DE" sz="1600" dirty="0">
+                <a:solidFill>
+                  <a:srgbClr val="000000"/>
+                </a:solidFill>
+                <a:latin typeface="Consolas"/>
+              </a:rPr>
+              <a:t>();</a:t>
+            </a:r>
+          </a:p>
+          <a:p>
+            <a:pPr lvl="1"/>
+            <a:r>
+              <a:rPr lang="en-US" sz="1600" dirty="0">
+                <a:solidFill>
+                  <a:srgbClr val="000000"/>
+                </a:solidFill>
+                <a:latin typeface="Consolas"/>
+              </a:rPr>
+              <a:t>} </a:t>
+            </a:r>
+            <a:r>
+              <a:rPr lang="en-US" sz="1600" dirty="0">
+                <a:solidFill>
+                  <a:srgbClr val="7F0055"/>
+                </a:solidFill>
+                <a:latin typeface="Consolas"/>
+              </a:rPr>
+              <a:t>else</a:t>
+            </a:r>
+            <a:r>
+              <a:rPr lang="en-US" sz="1600" dirty="0">
+                <a:solidFill>
+                  <a:srgbClr val="000000"/>
+                </a:solidFill>
+                <a:latin typeface="Consolas"/>
+              </a:rPr>
+              <a:t> </a:t>
+            </a:r>
+            <a:r>
+              <a:rPr lang="en-US" sz="1600" dirty="0">
+                <a:solidFill>
+                  <a:srgbClr val="7F0055"/>
+                </a:solidFill>
+                <a:latin typeface="Consolas"/>
+              </a:rPr>
+              <a:t>if</a:t>
+            </a:r>
+            <a:r>
+              <a:rPr lang="en-US" sz="1600" dirty="0">
+                <a:solidFill>
+                  <a:srgbClr val="000000"/>
+                </a:solidFill>
+                <a:latin typeface="Consolas"/>
+              </a:rPr>
+              <a:t> (</a:t>
+            </a:r>
+            <a:r>
+              <a:rPr lang="en-US" sz="1600" dirty="0" err="1">
+                <a:solidFill>
+                  <a:srgbClr val="000000"/>
+                </a:solidFill>
+                <a:latin typeface="Consolas"/>
+              </a:rPr>
+              <a:t>window.ActiveXObject</a:t>
+            </a:r>
+            <a:r>
+              <a:rPr lang="en-US" sz="1600" dirty="0">
+                <a:solidFill>
+                  <a:srgbClr val="000000"/>
+                </a:solidFill>
+                <a:latin typeface="Consolas"/>
+              </a:rPr>
+              <a:t>) { </a:t>
+            </a:r>
+            <a:r>
+              <a:rPr lang="en-US" sz="1600" dirty="0">
+                <a:solidFill>
+                  <a:srgbClr val="3F7F5F"/>
+                </a:solidFill>
+                <a:latin typeface="Consolas"/>
+              </a:rPr>
+              <a:t>// IE &lt;= 9</a:t>
+            </a:r>
+          </a:p>
+          <a:p>
+            <a:pPr lvl="1"/>
+            <a:r>
+              <a:rPr lang="de-DE" sz="1600" dirty="0">
+                <a:solidFill>
+                  <a:srgbClr val="000000"/>
+                </a:solidFill>
+                <a:latin typeface="Consolas"/>
+              </a:rPr>
+              <a:t>    </a:t>
+            </a:r>
+            <a:r>
+              <a:rPr lang="de-DE" sz="1600" dirty="0" err="1">
+                <a:solidFill>
+                  <a:srgbClr val="7F0055"/>
+                </a:solidFill>
+                <a:latin typeface="Consolas"/>
+              </a:rPr>
+              <a:t>try</a:t>
+            </a:r>
+            <a:r>
+              <a:rPr lang="de-DE" sz="1600" dirty="0">
+                <a:solidFill>
+                  <a:srgbClr val="000000"/>
+                </a:solidFill>
+                <a:latin typeface="Consolas"/>
+              </a:rPr>
+              <a:t> {</a:t>
+            </a:r>
+          </a:p>
+          <a:p>
+            <a:pPr lvl="1"/>
+            <a:r>
+              <a:rPr lang="de-DE" sz="1600" dirty="0">
+                <a:solidFill>
+                  <a:srgbClr val="000000"/>
+                </a:solidFill>
+                <a:latin typeface="Consolas"/>
+              </a:rPr>
+              <a:t>        </a:t>
+            </a:r>
+            <a:r>
+              <a:rPr lang="de-DE" sz="1600" dirty="0" err="1">
+                <a:solidFill>
+                  <a:srgbClr val="000000"/>
+                </a:solidFill>
+                <a:latin typeface="Consolas"/>
+              </a:rPr>
+              <a:t>http_request</a:t>
+            </a:r>
+            <a:r>
+              <a:rPr lang="de-DE" sz="1600" dirty="0">
+                <a:solidFill>
+                  <a:srgbClr val="000000"/>
+                </a:solidFill>
+                <a:latin typeface="Consolas"/>
+              </a:rPr>
+              <a:t> = </a:t>
+            </a:r>
+            <a:r>
+              <a:rPr lang="de-DE" sz="1600" dirty="0" err="1">
+                <a:solidFill>
+                  <a:srgbClr val="7F0055"/>
+                </a:solidFill>
+                <a:latin typeface="Consolas"/>
+              </a:rPr>
+              <a:t>new</a:t>
+            </a:r>
+            <a:r>
+              <a:rPr lang="de-DE" sz="1600" dirty="0">
+                <a:solidFill>
+                  <a:srgbClr val="000000"/>
+                </a:solidFill>
+                <a:latin typeface="Consolas"/>
+              </a:rPr>
+              <a:t> </a:t>
+            </a:r>
+            <a:r>
+              <a:rPr lang="de-DE" sz="1600" dirty="0" err="1">
+                <a:solidFill>
+                  <a:srgbClr val="000000"/>
+                </a:solidFill>
+                <a:latin typeface="Consolas"/>
+              </a:rPr>
+              <a:t>ActiveXObject</a:t>
+            </a:r>
+            <a:r>
+              <a:rPr lang="de-DE" sz="1600" dirty="0">
+                <a:solidFill>
+                  <a:srgbClr val="000000"/>
+                </a:solidFill>
+                <a:latin typeface="Consolas"/>
+              </a:rPr>
+              <a:t>(</a:t>
+            </a:r>
+            <a:r>
+              <a:rPr lang="de-DE" sz="1600" dirty="0">
+                <a:solidFill>
+                  <a:srgbClr val="2A00FF"/>
+                </a:solidFill>
+                <a:latin typeface="Consolas"/>
+              </a:rPr>
+              <a:t>"Msxml2.XMLHTTP"</a:t>
+            </a:r>
+            <a:r>
+              <a:rPr lang="de-DE" sz="1600" dirty="0">
+                <a:solidFill>
+                  <a:srgbClr val="000000"/>
+                </a:solidFill>
+                <a:latin typeface="Consolas"/>
+              </a:rPr>
+              <a:t>);</a:t>
+            </a:r>
+          </a:p>
+          <a:p>
+            <a:pPr lvl="1"/>
+            <a:r>
+              <a:rPr lang="de-DE" sz="1600" dirty="0">
+                <a:solidFill>
+                  <a:srgbClr val="000000"/>
+                </a:solidFill>
+                <a:latin typeface="Consolas"/>
+              </a:rPr>
+              <a:t>    } </a:t>
+            </a:r>
+            <a:r>
+              <a:rPr lang="de-DE" sz="1600" dirty="0">
+                <a:solidFill>
+                  <a:srgbClr val="7F0055"/>
+                </a:solidFill>
+                <a:latin typeface="Consolas"/>
+              </a:rPr>
+              <a:t>catch</a:t>
+            </a:r>
+            <a:r>
+              <a:rPr lang="de-DE" sz="1600" dirty="0">
+                <a:solidFill>
+                  <a:srgbClr val="000000"/>
+                </a:solidFill>
+                <a:latin typeface="Consolas"/>
+              </a:rPr>
+              <a:t> (e) {</a:t>
+            </a:r>
+          </a:p>
+          <a:p>
+            <a:pPr lvl="1"/>
+            <a:r>
+              <a:rPr lang="de-DE" sz="1600" dirty="0">
+                <a:solidFill>
+                  <a:srgbClr val="000000"/>
+                </a:solidFill>
+                <a:latin typeface="Consolas"/>
+              </a:rPr>
+              <a:t>        </a:t>
+            </a:r>
+            <a:r>
+              <a:rPr lang="de-DE" sz="1600" dirty="0" err="1">
+                <a:solidFill>
+                  <a:srgbClr val="7F0055"/>
+                </a:solidFill>
+                <a:latin typeface="Consolas"/>
+              </a:rPr>
+              <a:t>try</a:t>
+            </a:r>
+            <a:r>
+              <a:rPr lang="de-DE" sz="1600" dirty="0">
+                <a:solidFill>
+                  <a:srgbClr val="000000"/>
+                </a:solidFill>
+                <a:latin typeface="Consolas"/>
+              </a:rPr>
+              <a:t> {</a:t>
+            </a:r>
+          </a:p>
+          <a:p>
+            <a:pPr lvl="1"/>
+            <a:r>
+              <a:rPr lang="de-DE" sz="1600" dirty="0">
+                <a:solidFill>
+                  <a:srgbClr val="000000"/>
+                </a:solidFill>
+                <a:latin typeface="Consolas"/>
+              </a:rPr>
+              <a:t>            </a:t>
+            </a:r>
+            <a:r>
+              <a:rPr lang="de-DE" sz="1600" dirty="0" err="1">
+                <a:solidFill>
+                  <a:srgbClr val="000000"/>
+                </a:solidFill>
+                <a:latin typeface="Consolas"/>
+              </a:rPr>
+              <a:t>http_request</a:t>
+            </a:r>
+            <a:r>
+              <a:rPr lang="de-DE" sz="1600" dirty="0">
+                <a:solidFill>
+                  <a:srgbClr val="000000"/>
+                </a:solidFill>
+                <a:latin typeface="Consolas"/>
+              </a:rPr>
+              <a:t> = </a:t>
+            </a:r>
+            <a:r>
+              <a:rPr lang="de-DE" sz="1600" dirty="0" err="1">
+                <a:solidFill>
+                  <a:srgbClr val="7F0055"/>
+                </a:solidFill>
+                <a:latin typeface="Consolas"/>
+              </a:rPr>
+              <a:t>new</a:t>
+            </a:r>
+            <a:r>
+              <a:rPr lang="de-DE" sz="1600" dirty="0">
+                <a:solidFill>
+                  <a:srgbClr val="000000"/>
+                </a:solidFill>
+                <a:latin typeface="Consolas"/>
+              </a:rPr>
+              <a:t> </a:t>
+            </a:r>
+            <a:r>
+              <a:rPr lang="de-DE" sz="1600" dirty="0" err="1">
+                <a:solidFill>
+                  <a:srgbClr val="000000"/>
+                </a:solidFill>
+                <a:latin typeface="Consolas"/>
+              </a:rPr>
+              <a:t>ActiveXObject</a:t>
+            </a:r>
+            <a:r>
+              <a:rPr lang="de-DE" sz="1600" dirty="0">
+                <a:solidFill>
+                  <a:srgbClr val="000000"/>
+                </a:solidFill>
+                <a:latin typeface="Consolas"/>
+              </a:rPr>
+              <a:t>(</a:t>
+            </a:r>
+            <a:r>
+              <a:rPr lang="de-DE" sz="1600" dirty="0">
+                <a:solidFill>
+                  <a:srgbClr val="2A00FF"/>
+                </a:solidFill>
+                <a:latin typeface="Consolas"/>
+              </a:rPr>
+              <a:t>"</a:t>
+            </a:r>
+            <a:r>
+              <a:rPr lang="de-DE" sz="1600" dirty="0" err="1">
+                <a:solidFill>
+                  <a:srgbClr val="2A00FF"/>
+                </a:solidFill>
+                <a:latin typeface="Consolas"/>
+              </a:rPr>
+              <a:t>Microsoft.XMLHTTP</a:t>
+            </a:r>
+            <a:r>
+              <a:rPr lang="de-DE" sz="1600" dirty="0">
+                <a:solidFill>
+                  <a:srgbClr val="2A00FF"/>
+                </a:solidFill>
+                <a:latin typeface="Consolas"/>
+              </a:rPr>
+              <a:t>"</a:t>
+            </a:r>
+            <a:r>
+              <a:rPr lang="de-DE" sz="1600" dirty="0">
+                <a:solidFill>
+                  <a:srgbClr val="000000"/>
+                </a:solidFill>
+                <a:latin typeface="Consolas"/>
+              </a:rPr>
+              <a:t>);</a:t>
+            </a:r>
+          </a:p>
+          <a:p>
+            <a:pPr lvl="1"/>
+            <a:r>
+              <a:rPr lang="de-DE" sz="1600" dirty="0">
+                <a:solidFill>
+                  <a:srgbClr val="000000"/>
+                </a:solidFill>
+                <a:latin typeface="Consolas"/>
+              </a:rPr>
+              <a:t>        } </a:t>
+            </a:r>
+            <a:r>
+              <a:rPr lang="de-DE" sz="1600" dirty="0">
+                <a:solidFill>
+                  <a:srgbClr val="7F0055"/>
+                </a:solidFill>
+                <a:latin typeface="Consolas"/>
+              </a:rPr>
+              <a:t>catch</a:t>
+            </a:r>
+            <a:r>
+              <a:rPr lang="de-DE" sz="1600" dirty="0">
+                <a:solidFill>
+                  <a:srgbClr val="000000"/>
+                </a:solidFill>
+                <a:latin typeface="Consolas"/>
+              </a:rPr>
+              <a:t> (e) {}</a:t>
+            </a:r>
+          </a:p>
+          <a:p>
+            <a:pPr lvl="1"/>
+            <a:r>
+              <a:rPr lang="de-DE" sz="1600" dirty="0">
+                <a:solidFill>
+                  <a:srgbClr val="000000"/>
+                </a:solidFill>
+                <a:latin typeface="Consolas"/>
+              </a:rPr>
+              <a:t>    }</a:t>
+            </a:r>
+          </a:p>
+          <a:p>
+            <a:pPr lvl="1"/>
+            <a:r>
+              <a:rPr lang="de-DE" sz="1600" dirty="0">
+                <a:solidFill>
+                  <a:srgbClr val="000000"/>
+                </a:solidFill>
+                <a:latin typeface="Consolas"/>
+              </a:rPr>
+              <a:t>}</a:t>
+            </a:r>
+          </a:p>
+          <a:p>
+            <a:endParaRPr lang="de-DE" dirty="0"/>
+          </a:p>
+        </p:txBody>
+      </p:sp>
+    </p:spTree>
+    <p:extLst>
+      <p:ext uri="{BB962C8B-B14F-4D97-AF65-F5344CB8AC3E}">
+        <p14:creationId xmlns:p14="http://schemas.microsoft.com/office/powerpoint/2010/main" val="2866048877"/>
+      </p:ext>
+    </p:extLst>
+  </p:cSld>
+  <p:clrMapOvr>
+    <a:masterClrMapping/>
+  </p:clrMapOvr>
+</p:sld>
+</file>
+
+<file path=ppt/slides/slide36.xml><?xml version="1.0" encoding="utf-8"?>
+<p:sld xmlns:a="http://schemas.openxmlformats.org/drawingml/2006/main" xmlns:r="http://schemas.openxmlformats.org/officeDocument/2006/relationships" xmlns:p="http://schemas.openxmlformats.org/presentationml/2006/main">
+  <p:cSld>
+    <p:spTree>
+      <p:nvGrpSpPr>
+        <p:cNvPr id="1" name=""/>
+        <p:cNvGrpSpPr/>
+        <p:nvPr/>
+      </p:nvGrpSpPr>
+      <p:grpSpPr>
+        <a:xfrm>
+          <a:off x="0" y="0"/>
+          <a:ext cx="0" cy="0"/>
+          <a:chOff x="0" y="0"/>
+          <a:chExt cx="0" cy="0"/>
+        </a:xfrm>
+      </p:grpSpPr>
+      <p:sp>
+        <p:nvSpPr>
+          <p:cNvPr id="2" name="Title 1"/>
+          <p:cNvSpPr>
+            <a:spLocks noGrp="1"/>
+          </p:cNvSpPr>
+          <p:nvPr>
+            <p:ph type="title"/>
+          </p:nvPr>
+        </p:nvSpPr>
+        <p:spPr/>
+        <p:txBody>
+          <a:bodyPr/>
+          <a:lstStyle/>
+          <a:p>
+            <a:r>
+              <a:rPr lang="de-DE" dirty="0" smtClean="0"/>
+              <a:t>AJAX</a:t>
+            </a:r>
+            <a:endParaRPr lang="de-DE" dirty="0"/>
+          </a:p>
+        </p:txBody>
+      </p:sp>
+      <p:sp>
+        <p:nvSpPr>
+          <p:cNvPr id="3" name="Text Placeholder 2"/>
+          <p:cNvSpPr>
+            <a:spLocks noGrp="1"/>
+          </p:cNvSpPr>
+          <p:nvPr>
+            <p:ph type="body" sz="quarter" idx="10"/>
+          </p:nvPr>
+        </p:nvSpPr>
+        <p:spPr/>
+        <p:txBody>
+          <a:bodyPr/>
+          <a:lstStyle/>
+          <a:p>
+            <a:r>
+              <a:rPr lang="de-DE" dirty="0" smtClean="0"/>
+              <a:t>Request-Objekt abschicken</a:t>
+            </a:r>
+            <a:endParaRPr lang="de-DE" dirty="0">
+              <a:latin typeface="Consolas"/>
+            </a:endParaRPr>
+          </a:p>
+          <a:p>
+            <a:pPr lvl="1"/>
+            <a:r>
+              <a:rPr lang="de-DE" sz="1600" dirty="0" err="1">
+                <a:solidFill>
+                  <a:srgbClr val="000000"/>
+                </a:solidFill>
+                <a:latin typeface="Consolas"/>
+              </a:rPr>
+              <a:t>http_request.onreadystatechange</a:t>
+            </a:r>
+            <a:r>
+              <a:rPr lang="de-DE" sz="1600" dirty="0">
+                <a:solidFill>
+                  <a:srgbClr val="000000"/>
+                </a:solidFill>
+                <a:latin typeface="Consolas"/>
+              </a:rPr>
+              <a:t> = </a:t>
+            </a:r>
+            <a:r>
+              <a:rPr lang="de-DE" sz="1600" dirty="0" err="1">
+                <a:solidFill>
+                  <a:srgbClr val="7F0055"/>
+                </a:solidFill>
+                <a:latin typeface="Consolas"/>
+              </a:rPr>
+              <a:t>function</a:t>
+            </a:r>
+            <a:r>
+              <a:rPr lang="de-DE" sz="1600" dirty="0">
+                <a:solidFill>
+                  <a:srgbClr val="000000"/>
+                </a:solidFill>
+                <a:latin typeface="Consolas"/>
+              </a:rPr>
+              <a:t>(){</a:t>
+            </a:r>
+          </a:p>
+          <a:p>
+            <a:pPr lvl="1"/>
+            <a:r>
+              <a:rPr lang="de-DE" sz="1600" dirty="0" smtClean="0">
+                <a:solidFill>
+                  <a:srgbClr val="7F0055"/>
+                </a:solidFill>
+                <a:latin typeface="Consolas"/>
+              </a:rPr>
+              <a:t>    if</a:t>
+            </a:r>
+            <a:r>
+              <a:rPr lang="de-DE" sz="1600" dirty="0" smtClean="0">
+                <a:solidFill>
+                  <a:srgbClr val="000000"/>
+                </a:solidFill>
+                <a:latin typeface="Consolas"/>
+              </a:rPr>
+              <a:t> </a:t>
+            </a:r>
+            <a:r>
+              <a:rPr lang="de-DE" sz="1600" dirty="0">
+                <a:solidFill>
+                  <a:srgbClr val="000000"/>
+                </a:solidFill>
+                <a:latin typeface="Consolas"/>
+              </a:rPr>
+              <a:t>(</a:t>
+            </a:r>
+            <a:r>
+              <a:rPr lang="de-DE" sz="1600" dirty="0" err="1">
+                <a:solidFill>
+                  <a:srgbClr val="000000"/>
+                </a:solidFill>
+                <a:latin typeface="Consolas"/>
+              </a:rPr>
+              <a:t>http_request.readyState</a:t>
+            </a:r>
+            <a:r>
+              <a:rPr lang="de-DE" sz="1600" dirty="0">
+                <a:solidFill>
+                  <a:srgbClr val="000000"/>
+                </a:solidFill>
+                <a:latin typeface="Consolas"/>
+              </a:rPr>
+              <a:t> == 4) {</a:t>
+            </a:r>
+          </a:p>
+          <a:p>
+            <a:pPr lvl="1"/>
+            <a:r>
+              <a:rPr lang="de-DE" sz="1600" dirty="0" smtClean="0">
+                <a:solidFill>
+                  <a:srgbClr val="7F0055"/>
+                </a:solidFill>
+                <a:latin typeface="Consolas"/>
+              </a:rPr>
+              <a:t>        if</a:t>
+            </a:r>
+            <a:r>
+              <a:rPr lang="de-DE" sz="1600" dirty="0" smtClean="0">
+                <a:solidFill>
+                  <a:srgbClr val="000000"/>
+                </a:solidFill>
+                <a:latin typeface="Consolas"/>
+              </a:rPr>
+              <a:t> </a:t>
+            </a:r>
+            <a:r>
+              <a:rPr lang="de-DE" sz="1600" dirty="0">
+                <a:solidFill>
+                  <a:srgbClr val="000000"/>
+                </a:solidFill>
+                <a:latin typeface="Consolas"/>
+              </a:rPr>
+              <a:t>(</a:t>
+            </a:r>
+            <a:r>
+              <a:rPr lang="de-DE" sz="1600" dirty="0" err="1">
+                <a:solidFill>
+                  <a:srgbClr val="000000"/>
+                </a:solidFill>
+                <a:latin typeface="Consolas"/>
+              </a:rPr>
+              <a:t>http_request.status</a:t>
+            </a:r>
+            <a:r>
+              <a:rPr lang="de-DE" sz="1600" dirty="0">
+                <a:solidFill>
+                  <a:srgbClr val="000000"/>
+                </a:solidFill>
+                <a:latin typeface="Consolas"/>
+              </a:rPr>
+              <a:t> == 200) {</a:t>
+            </a:r>
+          </a:p>
+          <a:p>
+            <a:pPr lvl="1"/>
+            <a:r>
+              <a:rPr lang="de-DE" sz="1600" dirty="0" smtClean="0">
+                <a:solidFill>
+                  <a:srgbClr val="000000"/>
+                </a:solidFill>
+                <a:latin typeface="Consolas"/>
+              </a:rPr>
+              <a:t>            alert(</a:t>
+            </a:r>
+            <a:r>
+              <a:rPr lang="de-DE" sz="1600" dirty="0" err="1" smtClean="0">
+                <a:solidFill>
+                  <a:srgbClr val="000000"/>
+                </a:solidFill>
+                <a:latin typeface="Consolas"/>
+              </a:rPr>
+              <a:t>http_request.responseText</a:t>
+            </a:r>
+            <a:r>
+              <a:rPr lang="de-DE" sz="1600" dirty="0">
+                <a:solidFill>
+                  <a:srgbClr val="000000"/>
+                </a:solidFill>
+                <a:latin typeface="Consolas"/>
+              </a:rPr>
+              <a:t>);</a:t>
+            </a:r>
+          </a:p>
+          <a:p>
+            <a:pPr lvl="1"/>
+            <a:r>
+              <a:rPr lang="de-DE" sz="1600" dirty="0" smtClean="0">
+                <a:solidFill>
+                  <a:srgbClr val="000000"/>
+                </a:solidFill>
+                <a:latin typeface="Consolas"/>
+              </a:rPr>
+              <a:t>        } </a:t>
+            </a:r>
+            <a:r>
+              <a:rPr lang="de-DE" sz="1600" dirty="0" err="1">
+                <a:solidFill>
+                  <a:srgbClr val="7F0055"/>
+                </a:solidFill>
+                <a:latin typeface="Consolas"/>
+              </a:rPr>
+              <a:t>else</a:t>
+            </a:r>
+            <a:r>
+              <a:rPr lang="de-DE" sz="1600" dirty="0">
+                <a:solidFill>
+                  <a:srgbClr val="000000"/>
+                </a:solidFill>
+                <a:latin typeface="Consolas"/>
+              </a:rPr>
+              <a:t> {</a:t>
+            </a:r>
+          </a:p>
+          <a:p>
+            <a:pPr lvl="1"/>
+            <a:r>
+              <a:rPr lang="en-US" sz="1600" dirty="0" smtClean="0">
+                <a:solidFill>
+                  <a:srgbClr val="000000"/>
+                </a:solidFill>
+                <a:latin typeface="Consolas"/>
+              </a:rPr>
+              <a:t>            alert</a:t>
+            </a:r>
+            <a:r>
+              <a:rPr lang="en-US" sz="1600" dirty="0">
+                <a:solidFill>
+                  <a:srgbClr val="000000"/>
+                </a:solidFill>
+                <a:latin typeface="Consolas"/>
+              </a:rPr>
+              <a:t>(</a:t>
+            </a:r>
+            <a:r>
+              <a:rPr lang="en-US" sz="1600" dirty="0">
+                <a:solidFill>
+                  <a:srgbClr val="2A00FF"/>
+                </a:solidFill>
+                <a:latin typeface="Consolas"/>
+              </a:rPr>
+              <a:t>'An Error occurred with your AJAX-Request.'</a:t>
+            </a:r>
+            <a:r>
+              <a:rPr lang="en-US" sz="1600" dirty="0">
+                <a:solidFill>
+                  <a:srgbClr val="000000"/>
+                </a:solidFill>
+                <a:latin typeface="Consolas"/>
+              </a:rPr>
+              <a:t>);</a:t>
+            </a:r>
+          </a:p>
+          <a:p>
+            <a:pPr lvl="1"/>
+            <a:r>
+              <a:rPr lang="de-DE" sz="1600" dirty="0" smtClean="0">
+                <a:solidFill>
+                  <a:srgbClr val="000000"/>
+                </a:solidFill>
+                <a:latin typeface="Consolas"/>
+              </a:rPr>
+              <a:t>        }</a:t>
+            </a:r>
+            <a:endParaRPr lang="de-DE" sz="1600" dirty="0">
+              <a:solidFill>
+                <a:srgbClr val="000000"/>
+              </a:solidFill>
+              <a:latin typeface="Consolas"/>
+            </a:endParaRPr>
+          </a:p>
+          <a:p>
+            <a:pPr lvl="1"/>
+            <a:r>
+              <a:rPr lang="de-DE" sz="1600" dirty="0" smtClean="0">
+                <a:solidFill>
+                  <a:srgbClr val="000000"/>
+                </a:solidFill>
+                <a:latin typeface="Consolas"/>
+              </a:rPr>
+              <a:t>    }</a:t>
+            </a:r>
+            <a:endParaRPr lang="de-DE" sz="1600" dirty="0">
+              <a:solidFill>
+                <a:srgbClr val="000000"/>
+              </a:solidFill>
+              <a:latin typeface="Consolas"/>
+            </a:endParaRPr>
+          </a:p>
+          <a:p>
+            <a:pPr lvl="1"/>
+            <a:r>
+              <a:rPr lang="de-DE" sz="1600" dirty="0" smtClean="0">
+                <a:solidFill>
+                  <a:srgbClr val="000000"/>
+                </a:solidFill>
+                <a:latin typeface="Consolas"/>
+              </a:rPr>
+              <a:t>};</a:t>
+            </a:r>
+            <a:endParaRPr lang="de-DE" dirty="0">
+              <a:solidFill>
+                <a:srgbClr val="000000"/>
+              </a:solidFill>
+              <a:latin typeface="Consolas"/>
+            </a:endParaRPr>
+          </a:p>
+          <a:p>
+            <a:pPr lvl="1"/>
+            <a:r>
+              <a:rPr lang="de-DE" sz="1600" dirty="0" err="1">
+                <a:solidFill>
+                  <a:srgbClr val="000000"/>
+                </a:solidFill>
+                <a:latin typeface="Consolas"/>
+              </a:rPr>
+              <a:t>http_request.open</a:t>
+            </a:r>
+            <a:r>
+              <a:rPr lang="de-DE" sz="1600" dirty="0">
+                <a:solidFill>
+                  <a:srgbClr val="000000"/>
+                </a:solidFill>
+                <a:latin typeface="Consolas"/>
+              </a:rPr>
+              <a:t>(</a:t>
+            </a:r>
+            <a:r>
+              <a:rPr lang="de-DE" sz="1600" dirty="0">
+                <a:solidFill>
+                  <a:srgbClr val="2A00FF"/>
+                </a:solidFill>
+                <a:latin typeface="Consolas"/>
+              </a:rPr>
+              <a:t>'</a:t>
+            </a:r>
+            <a:r>
+              <a:rPr lang="de-DE" sz="1600" dirty="0" err="1">
+                <a:solidFill>
+                  <a:srgbClr val="2A00FF"/>
+                </a:solidFill>
+                <a:latin typeface="Consolas"/>
+              </a:rPr>
+              <a:t>get</a:t>
+            </a:r>
+            <a:r>
+              <a:rPr lang="de-DE" sz="1600" dirty="0">
+                <a:solidFill>
+                  <a:srgbClr val="2A00FF"/>
+                </a:solidFill>
+                <a:latin typeface="Consolas"/>
+              </a:rPr>
+              <a:t>'</a:t>
+            </a:r>
+            <a:r>
+              <a:rPr lang="de-DE" sz="1600" dirty="0">
+                <a:solidFill>
+                  <a:srgbClr val="000000"/>
+                </a:solidFill>
+                <a:latin typeface="Consolas"/>
+              </a:rPr>
+              <a:t>, </a:t>
+            </a:r>
+            <a:r>
+              <a:rPr lang="de-DE" sz="1600" dirty="0">
+                <a:solidFill>
+                  <a:srgbClr val="2A00FF"/>
+                </a:solidFill>
+                <a:latin typeface="Consolas"/>
+              </a:rPr>
+              <a:t>'http://jscc.herokuapp.com/ping'</a:t>
+            </a:r>
+            <a:r>
+              <a:rPr lang="de-DE" sz="1600" dirty="0">
+                <a:solidFill>
+                  <a:srgbClr val="000000"/>
+                </a:solidFill>
+                <a:latin typeface="Consolas"/>
+              </a:rPr>
+              <a:t>, </a:t>
+            </a:r>
+            <a:r>
+              <a:rPr lang="de-DE" sz="1600" dirty="0">
+                <a:solidFill>
+                  <a:srgbClr val="7F0055"/>
+                </a:solidFill>
+                <a:latin typeface="Consolas"/>
+              </a:rPr>
+              <a:t>true</a:t>
+            </a:r>
+            <a:r>
+              <a:rPr lang="de-DE" sz="1600" dirty="0">
+                <a:solidFill>
+                  <a:srgbClr val="000000"/>
+                </a:solidFill>
+                <a:latin typeface="Consolas"/>
+              </a:rPr>
+              <a:t>);</a:t>
+            </a:r>
+          </a:p>
+          <a:p>
+            <a:pPr lvl="1"/>
+            <a:r>
+              <a:rPr lang="de-DE" sz="1600" dirty="0" err="1">
+                <a:solidFill>
+                  <a:srgbClr val="000000"/>
+                </a:solidFill>
+                <a:latin typeface="Consolas"/>
+              </a:rPr>
+              <a:t>http_request.send</a:t>
+            </a:r>
+            <a:r>
+              <a:rPr lang="de-DE" sz="1600" dirty="0">
+                <a:solidFill>
+                  <a:srgbClr val="000000"/>
+                </a:solidFill>
+                <a:latin typeface="Consolas"/>
+              </a:rPr>
+              <a:t>(</a:t>
+            </a:r>
+            <a:r>
+              <a:rPr lang="de-DE" sz="1600" dirty="0">
+                <a:solidFill>
+                  <a:srgbClr val="7F0055"/>
+                </a:solidFill>
+                <a:latin typeface="Consolas"/>
+              </a:rPr>
+              <a:t>null</a:t>
+            </a:r>
+            <a:r>
+              <a:rPr lang="de-DE" sz="1600" dirty="0" smtClean="0">
+                <a:solidFill>
+                  <a:srgbClr val="000000"/>
+                </a:solidFill>
+                <a:latin typeface="Consolas"/>
+              </a:rPr>
+              <a:t>);</a:t>
+            </a:r>
+            <a:endParaRPr lang="de-DE" sz="1600" dirty="0">
+              <a:solidFill>
+                <a:srgbClr val="000000"/>
+              </a:solidFill>
+              <a:latin typeface="Consolas"/>
+            </a:endParaRPr>
+          </a:p>
+        </p:txBody>
+      </p:sp>
+    </p:spTree>
+    <p:extLst>
+      <p:ext uri="{BB962C8B-B14F-4D97-AF65-F5344CB8AC3E}">
+        <p14:creationId xmlns:p14="http://schemas.microsoft.com/office/powerpoint/2010/main" val="2206720221"/>
+      </p:ext>
+    </p:extLst>
+  </p:cSld>
+  <p:clrMapOvr>
+    <a:masterClrMapping/>
+  </p:clrMapOvr>
+</p:sld>
+</file>
+
+<file path=ppt/slides/slide37.xml><?xml version="1.0" encoding="utf-8"?>
+<p:sld xmlns:a="http://schemas.openxmlformats.org/drawingml/2006/main" xmlns:r="http://schemas.openxmlformats.org/officeDocument/2006/relationships" xmlns:p="http://schemas.openxmlformats.org/presentationml/2006/main">
+  <p:cSld>
+    <p:spTree>
+      <p:nvGrpSpPr>
+        <p:cNvPr id="1" name=""/>
+        <p:cNvGrpSpPr/>
+        <p:nvPr/>
+      </p:nvGrpSpPr>
+      <p:grpSpPr>
+        <a:xfrm>
+          <a:off x="0" y="0"/>
+          <a:ext cx="0" cy="0"/>
+          <a:chOff x="0" y="0"/>
+          <a:chExt cx="0" cy="0"/>
+        </a:xfrm>
+      </p:grpSpPr>
+      <p:sp>
+        <p:nvSpPr>
+          <p:cNvPr id="2" name="Title 1"/>
+          <p:cNvSpPr>
+            <a:spLocks noGrp="1"/>
+          </p:cNvSpPr>
+          <p:nvPr>
+            <p:ph type="title"/>
+          </p:nvPr>
+        </p:nvSpPr>
+        <p:spPr/>
+        <p:txBody>
+          <a:bodyPr/>
+          <a:lstStyle/>
+          <a:p>
+            <a:r>
+              <a:rPr lang="de-DE" dirty="0" smtClean="0"/>
+              <a:t>AJAX – Übung</a:t>
+            </a:r>
+            <a:endParaRPr lang="de-DE" dirty="0"/>
+          </a:p>
+        </p:txBody>
+      </p:sp>
+      <p:sp>
+        <p:nvSpPr>
+          <p:cNvPr id="3" name="Text Placeholder 2"/>
+          <p:cNvSpPr>
+            <a:spLocks noGrp="1"/>
+          </p:cNvSpPr>
+          <p:nvPr>
+            <p:ph type="body" sz="quarter" idx="10"/>
+          </p:nvPr>
+        </p:nvSpPr>
+        <p:spPr/>
+        <p:txBody>
+          <a:bodyPr/>
+          <a:lstStyle/>
+          <a:p>
+            <a:r>
+              <a:rPr lang="de-DE" dirty="0" smtClean="0"/>
+              <a:t>Schreibe eine Funktion </a:t>
+            </a:r>
+            <a:r>
+              <a:rPr lang="de-DE" dirty="0" err="1" smtClean="0"/>
+              <a:t>onAjaxSend</a:t>
+            </a:r>
+            <a:r>
+              <a:rPr lang="de-DE" dirty="0" smtClean="0"/>
+              <a:t>, die die eingegebene Nachricht als Variable „</a:t>
+            </a:r>
+            <a:r>
+              <a:rPr lang="de-DE" dirty="0" err="1" smtClean="0"/>
+              <a:t>text</a:t>
+            </a:r>
+            <a:r>
+              <a:rPr lang="de-DE" dirty="0" smtClean="0"/>
+              <a:t>“ über einen AJAX-Request </a:t>
+            </a:r>
+            <a:r>
+              <a:rPr lang="de-DE" dirty="0"/>
+              <a:t>mit „POST“ an die URL </a:t>
+            </a:r>
+            <a:r>
+              <a:rPr lang="de-DE" dirty="0">
+                <a:hlinkClick r:id="rId2"/>
+              </a:rPr>
+              <a:t>http://</a:t>
+            </a:r>
+            <a:r>
+              <a:rPr lang="de-DE" dirty="0" smtClean="0">
+                <a:hlinkClick r:id="rId2"/>
+              </a:rPr>
+              <a:t>jscc.herokuapp.com/echo</a:t>
+            </a:r>
+            <a:r>
+              <a:rPr lang="de-DE" dirty="0" smtClean="0"/>
+              <a:t> schickt.</a:t>
+            </a:r>
+          </a:p>
+          <a:p>
+            <a:r>
+              <a:rPr lang="de-DE" dirty="0" smtClean="0"/>
+              <a:t>Bei Erhalt der Antwort soll diese in einem alert() angezeigt werden.</a:t>
+            </a:r>
+            <a:endParaRPr lang="de-DE" dirty="0"/>
+          </a:p>
+        </p:txBody>
+      </p:sp>
+    </p:spTree>
+    <p:extLst>
+      <p:ext uri="{BB962C8B-B14F-4D97-AF65-F5344CB8AC3E}">
+        <p14:creationId xmlns:p14="http://schemas.microsoft.com/office/powerpoint/2010/main" val="1676247846"/>
+      </p:ext>
+    </p:extLst>
+  </p:cSld>
+  <p:clrMapOvr>
+    <a:masterClrMapping/>
+  </p:clrMapOvr>
+</p:sld>
+</file>
+
+<file path=ppt/slides/slide38.xml><?xml version="1.0" encoding="utf-8"?>
 <p:sld xmlns:a="http://schemas.openxmlformats.org/drawingml/2006/main" xmlns:r="http://schemas.openxmlformats.org/officeDocument/2006/relationships" xmlns:p="http://schemas.openxmlformats.org/presentationml/2006/main">
   <p:cSld>
     <p:spTree>
@@ -21238,7 +25314,7 @@
 </p:sld>
 </file>
 
-<file path=ppt/slides/slide32.xml><?xml version="1.0" encoding="utf-8"?>
+<file path=ppt/slides/slide39.xml><?xml version="1.0" encoding="utf-8"?>
 <p:sld xmlns:a="http://schemas.openxmlformats.org/drawingml/2006/main" xmlns:r="http://schemas.openxmlformats.org/officeDocument/2006/relationships" xmlns:p="http://schemas.openxmlformats.org/presentationml/2006/main" show="0">
   <p:cSld>
     <p:spTree>
@@ -21268,32 +25344,6 @@
       </p:par>
     </p:tnLst>
   </p:timing>
-</p:sld>
-</file>
-
-<file path=ppt/slides/slide33.xml><?xml version="1.0" encoding="utf-8"?>
-<p:sld xmlns:a="http://schemas.openxmlformats.org/drawingml/2006/main" xmlns:r="http://schemas.openxmlformats.org/officeDocument/2006/relationships" xmlns:p="http://schemas.openxmlformats.org/presentationml/2006/main" show="0">
-  <p:cSld>
-    <p:spTree>
-      <p:nvGrpSpPr>
-        <p:cNvPr id="1" name=""/>
-        <p:cNvGrpSpPr/>
-        <p:nvPr/>
-      </p:nvGrpSpPr>
-      <p:grpSpPr>
-        <a:xfrm>
-          <a:off x="0" y="0"/>
-          <a:ext cx="0" cy="0"/>
-          <a:chOff x="0" y="0"/>
-          <a:chExt cx="0" cy="0"/>
-        </a:xfrm>
-      </p:grpSpPr>
-    </p:spTree>
-  </p:cSld>
-  <p:clrMapOvr>
-    <a:masterClrMapping/>
-  </p:clrMapOvr>
-  <p:transition/>
 </p:sld>
 </file>
 
@@ -21417,6 +25467,32 @@
   <p:clrMapOvr>
     <a:masterClrMapping/>
   </p:clrMapOvr>
+</p:sld>
+</file>
+
+<file path=ppt/slides/slide40.xml><?xml version="1.0" encoding="utf-8"?>
+<p:sld xmlns:a="http://schemas.openxmlformats.org/drawingml/2006/main" xmlns:r="http://schemas.openxmlformats.org/officeDocument/2006/relationships" xmlns:p="http://schemas.openxmlformats.org/presentationml/2006/main" show="0">
+  <p:cSld>
+    <p:spTree>
+      <p:nvGrpSpPr>
+        <p:cNvPr id="1" name=""/>
+        <p:cNvGrpSpPr/>
+        <p:nvPr/>
+      </p:nvGrpSpPr>
+      <p:grpSpPr>
+        <a:xfrm>
+          <a:off x="0" y="0"/>
+          <a:ext cx="0" cy="0"/>
+          <a:chOff x="0" y="0"/>
+          <a:chExt cx="0" cy="0"/>
+        </a:xfrm>
+      </p:grpSpPr>
+    </p:spTree>
+  </p:cSld>
+  <p:clrMapOvr>
+    <a:masterClrMapping/>
+  </p:clrMapOvr>
+  <p:transition/>
 </p:sld>
 </file>
 

--- a/JSCrosscourse.pptx
+++ b/JSCrosscourse.pptx
@@ -21262,11 +21262,7 @@
             <a:pPr lvl="1"/>
             <a:r>
               <a:rPr lang="de-DE" dirty="0" smtClean="0"/>
-              <a:t>Vererbung ist daher auch nur zwischen Objekten </a:t>
-            </a:r>
-            <a:r>
-              <a:rPr lang="de-DE" dirty="0" smtClean="0"/>
-              <a:t>möglich</a:t>
+              <a:t>Vererbung ist daher auch nur zwischen Objekten möglich</a:t>
             </a:r>
           </a:p>
           <a:p>
@@ -22221,12 +22217,6 @@
               </a:rPr>
               <a:t>c1.logData();</a:t>
             </a:r>
-            <a:endParaRPr lang="de-DE" sz="1400" dirty="0">
-              <a:solidFill>
-                <a:srgbClr val="000000"/>
-              </a:solidFill>
-              <a:latin typeface="Consolas"/>
-            </a:endParaRPr>
           </a:p>
         </p:txBody>
       </p:sp>
@@ -23151,10 +23141,6 @@
               </a:rPr>
               <a:t>Variablen</a:t>
             </a:r>
-            <a:endParaRPr lang="de-DE" sz="1800" kern="0" dirty="0" smtClean="0">
-              <a:ea typeface="Arial Unicode MS" pitchFamily="34" charset="-128"/>
-              <a:cs typeface="Arial Unicode MS" pitchFamily="34" charset="-128"/>
-            </a:endParaRPr>
           </a:p>
         </p:txBody>
       </p:sp>
@@ -23242,10 +23228,6 @@
               </a:rPr>
               <a:t>Methode</a:t>
             </a:r>
-            <a:endParaRPr lang="de-DE" sz="1800" kern="0" dirty="0" smtClean="0">
-              <a:ea typeface="Arial Unicode MS" pitchFamily="34" charset="-128"/>
-              <a:cs typeface="Arial Unicode MS" pitchFamily="34" charset="-128"/>
-            </a:endParaRPr>
           </a:p>
         </p:txBody>
       </p:sp>
@@ -24963,15 +24945,19 @@
             </a:r>
             <a:r>
               <a:rPr lang="de-DE" dirty="0" smtClean="0"/>
-              <a:t>, die die eingegebene Nachricht als Variable „</a:t>
-            </a:r>
-            <a:r>
-              <a:rPr lang="de-DE" dirty="0" err="1" smtClean="0"/>
-              <a:t>text</a:t>
+              <a:t>, die die eingegebene Nachricht als Variable </a:t>
             </a:r>
             <a:r>
               <a:rPr lang="de-DE" dirty="0" smtClean="0"/>
-              <a:t>“ über einen AJAX-Request </a:t>
+              <a:t>„</a:t>
+            </a:r>
+            <a:r>
+              <a:rPr lang="de-DE" smtClean="0"/>
+              <a:t>message“ </a:t>
+            </a:r>
+            <a:r>
+              <a:rPr lang="de-DE" dirty="0" smtClean="0"/>
+              <a:t>über einen AJAX-Request </a:t>
             </a:r>
             <a:r>
               <a:rPr lang="de-DE" dirty="0"/>

--- a/JSCrosscourse.pptx
+++ b/JSCrosscourse.pptx
@@ -24945,19 +24945,15 @@
             </a:r>
             <a:r>
               <a:rPr lang="de-DE" dirty="0" smtClean="0"/>
-              <a:t>, die die eingegebene Nachricht als Variable </a:t>
+              <a:t>, die die eingegebene Nachricht als Variable „</a:t>
+            </a:r>
+            <a:r>
+              <a:rPr lang="de-DE" dirty="0" err="1" smtClean="0"/>
+              <a:t>message</a:t>
             </a:r>
             <a:r>
               <a:rPr lang="de-DE" dirty="0" smtClean="0"/>
-              <a:t>„</a:t>
-            </a:r>
-            <a:r>
-              <a:rPr lang="de-DE" smtClean="0"/>
-              <a:t>message“ </a:t>
-            </a:r>
-            <a:r>
-              <a:rPr lang="de-DE" dirty="0" smtClean="0"/>
-              <a:t>über einen AJAX-Request </a:t>
+              <a:t>“ über einen AJAX-Request </a:t>
             </a:r>
             <a:r>
               <a:rPr lang="de-DE" dirty="0"/>
@@ -24983,7 +24979,285 @@
           <a:p>
             <a:r>
               <a:rPr lang="de-DE" dirty="0" smtClean="0"/>
-              <a:t>Bei Erhalt der Antwort soll diese in einem alert() angezeigt werden.</a:t>
+              <a:t>Bei Erhalt der Antwort soll diese in einem alert() angezeigt werden</a:t>
+            </a:r>
+            <a:r>
+              <a:rPr lang="de-DE" dirty="0" smtClean="0"/>
+              <a:t>.</a:t>
+            </a:r>
+          </a:p>
+          <a:p>
+            <a:r>
+              <a:rPr lang="de-DE" dirty="0" smtClean="0"/>
+              <a:t>Hinweis zum Senden von Daten als JSON an den Server:</a:t>
+            </a:r>
+            <a:endParaRPr lang="de-DE" dirty="0" smtClean="0"/>
+          </a:p>
+          <a:p>
+            <a:pPr lvl="1"/>
+            <a:r>
+              <a:rPr lang="de-DE" dirty="0">
+                <a:solidFill>
+                  <a:srgbClr val="7F0055"/>
+                </a:solidFill>
+                <a:latin typeface="Consolas"/>
+              </a:rPr>
+              <a:t>if</a:t>
+            </a:r>
+            <a:r>
+              <a:rPr lang="de-DE" dirty="0">
+                <a:solidFill>
+                  <a:srgbClr val="000000"/>
+                </a:solidFill>
+                <a:latin typeface="Consolas"/>
+              </a:rPr>
+              <a:t>(</a:t>
+            </a:r>
+            <a:r>
+              <a:rPr lang="de-DE" dirty="0" err="1">
+                <a:solidFill>
+                  <a:srgbClr val="000000"/>
+                </a:solidFill>
+                <a:latin typeface="Consolas"/>
+              </a:rPr>
+              <a:t>json</a:t>
+            </a:r>
+            <a:r>
+              <a:rPr lang="de-DE" dirty="0">
+                <a:solidFill>
+                  <a:srgbClr val="000000"/>
+                </a:solidFill>
+                <a:latin typeface="Consolas"/>
+              </a:rPr>
+              <a:t>){</a:t>
+            </a:r>
+          </a:p>
+          <a:p>
+            <a:pPr lvl="1"/>
+            <a:r>
+              <a:rPr lang="de-DE" dirty="0" smtClean="0">
+                <a:solidFill>
+                  <a:srgbClr val="000000"/>
+                </a:solidFill>
+                <a:latin typeface="Consolas"/>
+              </a:rPr>
+              <a:t>  </a:t>
+            </a:r>
+            <a:r>
+              <a:rPr lang="de-DE" dirty="0" err="1" smtClean="0">
+                <a:solidFill>
+                  <a:srgbClr val="000000"/>
+                </a:solidFill>
+                <a:latin typeface="Consolas"/>
+              </a:rPr>
+              <a:t>http_request.setRequestHeader</a:t>
+            </a:r>
+            <a:r>
+              <a:rPr lang="de-DE" dirty="0">
+                <a:solidFill>
+                  <a:srgbClr val="000000"/>
+                </a:solidFill>
+                <a:latin typeface="Consolas"/>
+              </a:rPr>
+              <a:t>(</a:t>
+            </a:r>
+            <a:r>
+              <a:rPr lang="de-DE" dirty="0">
+                <a:solidFill>
+                  <a:srgbClr val="2A00FF"/>
+                </a:solidFill>
+                <a:latin typeface="Consolas"/>
+              </a:rPr>
+              <a:t>"Content-Type"</a:t>
+            </a:r>
+            <a:r>
+              <a:rPr lang="de-DE" dirty="0">
+                <a:solidFill>
+                  <a:srgbClr val="000000"/>
+                </a:solidFill>
+                <a:latin typeface="Consolas"/>
+              </a:rPr>
+              <a:t>, </a:t>
+            </a:r>
+            <a:r>
+              <a:rPr lang="de-DE" dirty="0">
+                <a:solidFill>
+                  <a:srgbClr val="2A00FF"/>
+                </a:solidFill>
+                <a:latin typeface="Consolas"/>
+              </a:rPr>
+              <a:t>"</a:t>
+            </a:r>
+            <a:r>
+              <a:rPr lang="de-DE" dirty="0" err="1">
+                <a:solidFill>
+                  <a:srgbClr val="2A00FF"/>
+                </a:solidFill>
+                <a:latin typeface="Consolas"/>
+              </a:rPr>
+              <a:t>application</a:t>
+            </a:r>
+            <a:r>
+              <a:rPr lang="de-DE" dirty="0">
+                <a:solidFill>
+                  <a:srgbClr val="2A00FF"/>
+                </a:solidFill>
+                <a:latin typeface="Consolas"/>
+              </a:rPr>
+              <a:t>/</a:t>
+            </a:r>
+            <a:r>
+              <a:rPr lang="de-DE" dirty="0" err="1">
+                <a:solidFill>
+                  <a:srgbClr val="2A00FF"/>
+                </a:solidFill>
+                <a:latin typeface="Consolas"/>
+              </a:rPr>
+              <a:t>json;charset</a:t>
+            </a:r>
+            <a:r>
+              <a:rPr lang="de-DE" dirty="0">
+                <a:solidFill>
+                  <a:srgbClr val="2A00FF"/>
+                </a:solidFill>
+                <a:latin typeface="Consolas"/>
+              </a:rPr>
+              <a:t>=UTF-8"</a:t>
+            </a:r>
+            <a:r>
+              <a:rPr lang="de-DE" dirty="0">
+                <a:solidFill>
+                  <a:srgbClr val="000000"/>
+                </a:solidFill>
+                <a:latin typeface="Consolas"/>
+              </a:rPr>
+              <a:t>);</a:t>
+            </a:r>
+          </a:p>
+          <a:p>
+            <a:pPr lvl="1"/>
+            <a:r>
+              <a:rPr lang="de-DE" dirty="0" smtClean="0">
+                <a:solidFill>
+                  <a:srgbClr val="000000"/>
+                </a:solidFill>
+                <a:latin typeface="Consolas"/>
+              </a:rPr>
+              <a:t>  </a:t>
+            </a:r>
+            <a:r>
+              <a:rPr lang="de-DE" dirty="0" err="1" smtClean="0">
+                <a:solidFill>
+                  <a:srgbClr val="000000"/>
+                </a:solidFill>
+                <a:latin typeface="Consolas"/>
+              </a:rPr>
+              <a:t>json</a:t>
+            </a:r>
+            <a:r>
+              <a:rPr lang="de-DE" dirty="0" smtClean="0">
+                <a:solidFill>
+                  <a:srgbClr val="000000"/>
+                </a:solidFill>
+                <a:latin typeface="Consolas"/>
+              </a:rPr>
+              <a:t> </a:t>
+            </a:r>
+            <a:r>
+              <a:rPr lang="de-DE" dirty="0">
+                <a:solidFill>
+                  <a:srgbClr val="000000"/>
+                </a:solidFill>
+                <a:latin typeface="Consolas"/>
+              </a:rPr>
+              <a:t>= </a:t>
+            </a:r>
+            <a:r>
+              <a:rPr lang="de-DE" dirty="0" err="1">
+                <a:solidFill>
+                  <a:srgbClr val="000000"/>
+                </a:solidFill>
+                <a:latin typeface="Consolas"/>
+              </a:rPr>
+              <a:t>JSON.stringify</a:t>
+            </a:r>
+            <a:r>
+              <a:rPr lang="de-DE" dirty="0">
+                <a:solidFill>
+                  <a:srgbClr val="000000"/>
+                </a:solidFill>
+                <a:latin typeface="Consolas"/>
+              </a:rPr>
+              <a:t>(</a:t>
+            </a:r>
+            <a:r>
+              <a:rPr lang="de-DE" dirty="0" err="1">
+                <a:solidFill>
+                  <a:srgbClr val="000000"/>
+                </a:solidFill>
+                <a:latin typeface="Consolas"/>
+              </a:rPr>
+              <a:t>json</a:t>
+            </a:r>
+            <a:r>
+              <a:rPr lang="de-DE" dirty="0">
+                <a:solidFill>
+                  <a:srgbClr val="000000"/>
+                </a:solidFill>
+                <a:latin typeface="Consolas"/>
+              </a:rPr>
+              <a:t>);</a:t>
+            </a:r>
+          </a:p>
+          <a:p>
+            <a:pPr lvl="1"/>
+            <a:r>
+              <a:rPr lang="de-DE" dirty="0">
+                <a:solidFill>
+                  <a:srgbClr val="000000"/>
+                </a:solidFill>
+                <a:latin typeface="Consolas"/>
+              </a:rPr>
+              <a:t>}</a:t>
+            </a:r>
+          </a:p>
+          <a:p>
+            <a:pPr lvl="1"/>
+            <a:r>
+              <a:rPr lang="de-DE" dirty="0" err="1">
+                <a:solidFill>
+                  <a:srgbClr val="000000"/>
+                </a:solidFill>
+                <a:latin typeface="Consolas"/>
+              </a:rPr>
+              <a:t>http_request.send</a:t>
+            </a:r>
+            <a:r>
+              <a:rPr lang="de-DE" dirty="0">
+                <a:solidFill>
+                  <a:srgbClr val="000000"/>
+                </a:solidFill>
+                <a:latin typeface="Consolas"/>
+              </a:rPr>
+              <a:t>(</a:t>
+            </a:r>
+            <a:r>
+              <a:rPr lang="de-DE" dirty="0" err="1">
+                <a:solidFill>
+                  <a:srgbClr val="000000"/>
+                </a:solidFill>
+                <a:latin typeface="Consolas"/>
+              </a:rPr>
+              <a:t>json</a:t>
+            </a:r>
+            <a:r>
+              <a:rPr lang="de-DE" dirty="0">
+                <a:solidFill>
+                  <a:srgbClr val="000000"/>
+                </a:solidFill>
+                <a:latin typeface="Consolas"/>
+              </a:rPr>
+              <a:t>);</a:t>
             </a:r>
             <a:endParaRPr lang="de-DE" dirty="0"/>
           </a:p>

--- a/JSCrosscourse.pptx
+++ b/JSCrosscourse.pptx
@@ -5,10 +5,10 @@
     <p:sldMasterId id="2147483660" r:id="rId1"/>
   </p:sldMasterIdLst>
   <p:notesMasterIdLst>
-    <p:notesMasterId r:id="rId42"/>
+    <p:notesMasterId r:id="rId43"/>
   </p:notesMasterIdLst>
   <p:handoutMasterIdLst>
-    <p:handoutMasterId r:id="rId43"/>
+    <p:handoutMasterId r:id="rId44"/>
   </p:handoutMasterIdLst>
   <p:sldIdLst>
     <p:sldId id="340" r:id="rId2"/>
@@ -33,24 +33,25 @@
     <p:sldId id="359" r:id="rId21"/>
     <p:sldId id="360" r:id="rId22"/>
     <p:sldId id="363" r:id="rId23"/>
-    <p:sldId id="364" r:id="rId24"/>
-    <p:sldId id="358" r:id="rId25"/>
-    <p:sldId id="361" r:id="rId26"/>
-    <p:sldId id="365" r:id="rId27"/>
-    <p:sldId id="367" r:id="rId28"/>
-    <p:sldId id="366" r:id="rId29"/>
-    <p:sldId id="368" r:id="rId30"/>
-    <p:sldId id="369" r:id="rId31"/>
-    <p:sldId id="374" r:id="rId32"/>
-    <p:sldId id="375" r:id="rId33"/>
-    <p:sldId id="377" r:id="rId34"/>
-    <p:sldId id="376" r:id="rId35"/>
-    <p:sldId id="378" r:id="rId36"/>
-    <p:sldId id="379" r:id="rId37"/>
-    <p:sldId id="380" r:id="rId38"/>
-    <p:sldId id="310" r:id="rId39"/>
-    <p:sldId id="265" r:id="rId40"/>
-    <p:sldId id="339" r:id="rId41"/>
+    <p:sldId id="381" r:id="rId24"/>
+    <p:sldId id="364" r:id="rId25"/>
+    <p:sldId id="358" r:id="rId26"/>
+    <p:sldId id="361" r:id="rId27"/>
+    <p:sldId id="365" r:id="rId28"/>
+    <p:sldId id="367" r:id="rId29"/>
+    <p:sldId id="366" r:id="rId30"/>
+    <p:sldId id="368" r:id="rId31"/>
+    <p:sldId id="369" r:id="rId32"/>
+    <p:sldId id="374" r:id="rId33"/>
+    <p:sldId id="375" r:id="rId34"/>
+    <p:sldId id="377" r:id="rId35"/>
+    <p:sldId id="376" r:id="rId36"/>
+    <p:sldId id="378" r:id="rId37"/>
+    <p:sldId id="379" r:id="rId38"/>
+    <p:sldId id="380" r:id="rId39"/>
+    <p:sldId id="310" r:id="rId40"/>
+    <p:sldId id="265" r:id="rId41"/>
+    <p:sldId id="339" r:id="rId42"/>
   </p:sldIdLst>
   <p:sldSz cx="12195175" cy="6859588"/>
   <p:notesSz cx="6797675" cy="9874250"/>
@@ -711,8 +712,9 @@
             </a:pPr>
             <a:r>
               <a:rPr lang="de-DE" dirty="0" smtClean="0"/>
-              <a:t>True</a:t>
-            </a:r>
+              <a:t>False</a:t>
+            </a:r>
+            <a:endParaRPr lang="de-DE" dirty="0" smtClean="0"/>
           </a:p>
           <a:p>
             <a:pPr marL="342900" indent="-342900">
@@ -731,8 +733,9 @@
             </a:pPr>
             <a:r>
               <a:rPr lang="de-DE" dirty="0" smtClean="0"/>
-              <a:t>False</a:t>
-            </a:r>
+              <a:t>True</a:t>
+            </a:r>
+            <a:endParaRPr lang="de-DE" dirty="0" smtClean="0"/>
           </a:p>
           <a:p>
             <a:pPr marL="342900" indent="-342900">
@@ -771,8 +774,9 @@
             </a:pPr>
             <a:r>
               <a:rPr lang="de-DE" dirty="0" smtClean="0"/>
-              <a:t>false</a:t>
-            </a:r>
+              <a:t>False</a:t>
+            </a:r>
+            <a:endParaRPr lang="de-DE" dirty="0" smtClean="0"/>
           </a:p>
         </p:txBody>
       </p:sp>
@@ -794,7 +798,7 @@
             <a:fld id="{7D8C2C35-2B8A-446E-BEC0-FD36716C29AC}" type="slidenum">
               <a:rPr lang="de-DE" smtClean="0"/>
               <a:pPr/>
-              <a:t>23</a:t>
+              <a:t>24</a:t>
             </a:fld>
             <a:endParaRPr lang="de-DE" dirty="0"/>
           </a:p>
@@ -1011,7 +1015,7 @@
             <a:fld id="{7D8C2C35-2B8A-446E-BEC0-FD36716C29AC}" type="slidenum">
               <a:rPr lang="de-DE" smtClean="0"/>
               <a:pPr/>
-              <a:t>31</a:t>
+              <a:t>32</a:t>
             </a:fld>
             <a:endParaRPr lang="de-DE" dirty="0"/>
           </a:p>
@@ -1114,7 +1118,7 @@
             <a:fld id="{7D8C2C35-2B8A-446E-BEC0-FD36716C29AC}" type="slidenum">
               <a:rPr lang="de-DE" smtClean="0"/>
               <a:pPr/>
-              <a:t>36</a:t>
+              <a:t>37</a:t>
             </a:fld>
             <a:endParaRPr lang="de-DE" dirty="0"/>
           </a:p>
@@ -1168,7 +1172,7 @@
             <a:fld id="{7D8C2C35-2B8A-446E-BEC0-FD36716C29AC}" type="slidenum">
               <a:rPr lang="en-US" smtClean="0"/>
               <a:pPr/>
-              <a:t>38</a:t>
+              <a:t>39</a:t>
             </a:fld>
             <a:endParaRPr lang="en-US" dirty="0"/>
           </a:p>
@@ -1255,7 +1259,7 @@
             <a:fld id="{7D8C2C35-2B8A-446E-BEC0-FD36716C29AC}" type="slidenum">
               <a:rPr lang="en-US" smtClean="0"/>
               <a:pPr/>
-              <a:t>39</a:t>
+              <a:t>40</a:t>
             </a:fld>
             <a:endParaRPr lang="en-US" dirty="0"/>
           </a:p>
@@ -1342,7 +1346,7 @@
             <a:fld id="{7D8C2C35-2B8A-446E-BEC0-FD36716C29AC}" type="slidenum">
               <a:rPr lang="en-US" smtClean="0"/>
               <a:pPr/>
-              <a:t>40</a:t>
+              <a:t>41</a:t>
             </a:fld>
             <a:endParaRPr lang="en-US" dirty="0"/>
           </a:p>
@@ -17299,6 +17303,13 @@
   <p:clrMapOvr>
     <a:masterClrMapping/>
   </p:clrMapOvr>
+  <p:timing>
+    <p:tnLst>
+      <p:par>
+        <p:cTn id="1" dur="indefinite" restart="never" nodeType="tmRoot"/>
+      </p:par>
+    </p:tnLst>
+  </p:timing>
 </p:sld>
 </file>
 
@@ -17336,51 +17347,8 @@
           <a:p>
             <a:r>
               <a:rPr lang="de-DE" dirty="0" smtClean="0"/>
-              <a:t>Übung – Bedingungen</a:t>
-            </a:r>
-            <a:endParaRPr lang="de-DE" dirty="0"/>
-          </a:p>
-        </p:txBody>
-      </p:sp>
-      <p:sp>
-        <p:nvSpPr>
-          <p:cNvPr id="3" name="Text Placeholder 2"/>
-          <p:cNvSpPr>
-            <a:spLocks noGrp="1"/>
-          </p:cNvSpPr>
-          <p:nvPr>
-            <p:ph type="body" sz="quarter" idx="10"/>
-          </p:nvPr>
-        </p:nvSpPr>
-        <p:spPr/>
-        <p:txBody>
-          <a:bodyPr/>
-          <a:lstStyle/>
-          <a:p>
-            <a:r>
-              <a:rPr lang="de-DE" dirty="0" smtClean="0"/>
-              <a:t>Welchen Rückgabewert (true/false) liefern die folgenden Bedingungen?</a:t>
-            </a:r>
-            <a:endParaRPr lang="de-DE" dirty="0" smtClean="0">
-              <a:solidFill>
-                <a:srgbClr val="000000"/>
-              </a:solidFill>
-              <a:latin typeface="Consolas"/>
-            </a:endParaRPr>
-          </a:p>
-          <a:p>
-            <a:endParaRPr lang="de-DE" dirty="0" smtClean="0">
-              <a:solidFill>
-                <a:srgbClr val="000000"/>
-              </a:solidFill>
-              <a:latin typeface="Consolas"/>
-            </a:endParaRPr>
-          </a:p>
-          <a:p>
-            <a:pPr marL="457200" lvl="1" indent="-457200">
-              <a:buFont typeface="+mj-lt"/>
-              <a:buAutoNum type="arabicPeriod"/>
-            </a:pPr>
+              <a:t>WAT</a:t>
+            </a:r>
             <a:endParaRPr lang="de-DE" dirty="0"/>
           </a:p>
         </p:txBody>
@@ -17393,8 +17361,8 @@
         </p:nvSpPr>
         <p:spPr>
           <a:xfrm>
-            <a:off x="503884" y="2147581"/>
-            <a:ext cx="5404043" cy="4154984"/>
+            <a:off x="314054" y="1612400"/>
+            <a:ext cx="5507790" cy="415498"/>
           </a:xfrm>
           <a:prstGeom prst="rect">
             <a:avLst/>
@@ -17406,674 +17374,33 @@
           </a:bodyPr>
           <a:lstStyle/>
           <a:p>
-            <a:pPr marL="457200" indent="-457200">
-              <a:buFont typeface="+mj-lt"/>
-              <a:buAutoNum type="arabicPeriod"/>
-            </a:pPr>
-            <a:r>
-              <a:rPr lang="de-DE" sz="2400" dirty="0" smtClean="0">
-                <a:latin typeface="Consolas"/>
-              </a:rPr>
-              <a:t> </a:t>
-            </a:r>
-            <a:r>
-              <a:rPr lang="de-DE" sz="2400" dirty="0" smtClean="0">
-                <a:solidFill>
-                  <a:srgbClr val="2A00FF"/>
-                </a:solidFill>
-                <a:latin typeface="Consolas"/>
-              </a:rPr>
-              <a:t>"1"</a:t>
-            </a:r>
-            <a:r>
-              <a:rPr lang="de-DE" sz="2400" dirty="0" smtClean="0">
-                <a:solidFill>
-                  <a:srgbClr val="000000"/>
-                </a:solidFill>
-                <a:latin typeface="Consolas"/>
-              </a:rPr>
-              <a:t> == 1</a:t>
-            </a:r>
-          </a:p>
-          <a:p>
-            <a:pPr marL="457200" indent="-457200">
-              <a:buFont typeface="+mj-lt"/>
-              <a:buAutoNum type="arabicPeriod"/>
-            </a:pPr>
-            <a:r>
-              <a:rPr lang="de-DE" sz="2400" dirty="0" smtClean="0">
-                <a:solidFill>
-                  <a:srgbClr val="000000"/>
-                </a:solidFill>
-                <a:latin typeface="Consolas"/>
-              </a:rPr>
-              <a:t> [1] == </a:t>
-            </a:r>
-            <a:r>
-              <a:rPr lang="de-DE" sz="2400" dirty="0" smtClean="0">
-                <a:solidFill>
-                  <a:srgbClr val="2A00FF"/>
-                </a:solidFill>
-                <a:latin typeface="Consolas"/>
-              </a:rPr>
-              <a:t>"1"</a:t>
-            </a:r>
-          </a:p>
-          <a:p>
-            <a:pPr marL="457200" indent="-457200">
-              <a:buFont typeface="+mj-lt"/>
-              <a:buAutoNum type="arabicPeriod"/>
-            </a:pPr>
-            <a:r>
-              <a:rPr lang="de-DE" sz="2400" dirty="0" smtClean="0">
-                <a:solidFill>
-                  <a:srgbClr val="000000"/>
-                </a:solidFill>
-                <a:latin typeface="Consolas"/>
-              </a:rPr>
-              <a:t> []</a:t>
-            </a:r>
-            <a:endParaRPr lang="de-DE" sz="2400" dirty="0" smtClean="0">
-              <a:latin typeface="Consolas"/>
-            </a:endParaRPr>
-          </a:p>
-          <a:p>
-            <a:pPr marL="457200" indent="-457200">
-              <a:buFont typeface="+mj-lt"/>
-              <a:buAutoNum type="arabicPeriod"/>
-            </a:pPr>
-            <a:r>
-              <a:rPr lang="de-DE" sz="2400" dirty="0" smtClean="0">
-                <a:latin typeface="Consolas"/>
-              </a:rPr>
-              <a:t> </a:t>
-            </a:r>
-            <a:r>
-              <a:rPr lang="de-DE" sz="2400" dirty="0" smtClean="0">
-                <a:solidFill>
-                  <a:srgbClr val="2A00FF"/>
-                </a:solidFill>
-                <a:latin typeface="Consolas"/>
-              </a:rPr>
-              <a:t>""</a:t>
-            </a:r>
-            <a:endParaRPr lang="de-DE" sz="2400" dirty="0" smtClean="0">
-              <a:solidFill>
-                <a:srgbClr val="000000"/>
-              </a:solidFill>
-              <a:latin typeface="Consolas"/>
-            </a:endParaRPr>
-          </a:p>
-          <a:p>
-            <a:pPr marL="457200" indent="-457200">
-              <a:buFont typeface="+mj-lt"/>
-              <a:buAutoNum type="arabicPeriod"/>
-            </a:pPr>
-            <a:r>
-              <a:rPr lang="de-DE" sz="2400" dirty="0" smtClean="0">
-                <a:solidFill>
-                  <a:srgbClr val="000000"/>
-                </a:solidFill>
-                <a:latin typeface="Consolas"/>
-              </a:rPr>
-              <a:t> [] == </a:t>
-            </a:r>
-            <a:r>
-              <a:rPr lang="de-DE" sz="2400" dirty="0" smtClean="0">
-                <a:solidFill>
-                  <a:srgbClr val="2A00FF"/>
-                </a:solidFill>
-                <a:latin typeface="Consolas"/>
-              </a:rPr>
-              <a:t>""</a:t>
-            </a:r>
-            <a:endParaRPr lang="de-DE" sz="2400" dirty="0" smtClean="0">
-              <a:solidFill>
-                <a:srgbClr val="000000"/>
-              </a:solidFill>
-              <a:latin typeface="Consolas"/>
-            </a:endParaRPr>
-          </a:p>
-          <a:p>
-            <a:pPr marL="457200" indent="-457200">
-              <a:buFont typeface="+mj-lt"/>
-              <a:buAutoNum type="arabicPeriod"/>
-            </a:pPr>
-            <a:r>
-              <a:rPr lang="de-DE" sz="2400" dirty="0" smtClean="0">
-                <a:solidFill>
-                  <a:srgbClr val="000000"/>
-                </a:solidFill>
-                <a:latin typeface="Consolas"/>
-              </a:rPr>
-              <a:t> [4, [8, [15]]] == </a:t>
-            </a:r>
-            <a:r>
-              <a:rPr lang="de-DE" sz="2400" dirty="0" smtClean="0">
-                <a:solidFill>
-                  <a:srgbClr val="2A00FF"/>
-                </a:solidFill>
-                <a:latin typeface="Consolas"/>
-              </a:rPr>
-              <a:t>"4,8,15"</a:t>
-            </a:r>
-            <a:r>
-              <a:rPr lang="de-DE" sz="2400" dirty="0" smtClean="0">
-                <a:solidFill>
-                  <a:srgbClr val="000000"/>
-                </a:solidFill>
-                <a:latin typeface="Consolas"/>
-              </a:rPr>
-              <a:t>;</a:t>
-            </a:r>
-          </a:p>
-          <a:p>
-            <a:pPr marL="457200" indent="-457200">
-              <a:buFont typeface="+mj-lt"/>
-              <a:buAutoNum type="arabicPeriod"/>
-            </a:pPr>
-            <a:r>
-              <a:rPr lang="de-DE" sz="2400" dirty="0" smtClean="0">
-                <a:latin typeface="Consolas"/>
-              </a:rPr>
-              <a:t> </a:t>
-            </a:r>
-            <a:r>
-              <a:rPr lang="de-DE" sz="2400" b="1" dirty="0" smtClean="0">
-                <a:solidFill>
-                  <a:srgbClr val="7F0055"/>
-                </a:solidFill>
-                <a:latin typeface="Consolas"/>
-              </a:rPr>
-              <a:t>true</a:t>
-            </a:r>
-            <a:r>
-              <a:rPr lang="de-DE" sz="2400" b="1" dirty="0" smtClean="0">
-                <a:solidFill>
-                  <a:srgbClr val="000000"/>
-                </a:solidFill>
-                <a:latin typeface="Consolas"/>
-              </a:rPr>
-              <a:t> &gt; </a:t>
-            </a:r>
-            <a:r>
-              <a:rPr lang="de-DE" sz="2400" b="1" dirty="0" smtClean="0">
-                <a:solidFill>
-                  <a:srgbClr val="7F0055"/>
-                </a:solidFill>
-                <a:latin typeface="Consolas"/>
-              </a:rPr>
-              <a:t>false</a:t>
-            </a:r>
-          </a:p>
-          <a:p>
-            <a:pPr marL="457200" indent="-457200">
-              <a:buFont typeface="+mj-lt"/>
-              <a:buAutoNum type="arabicPeriod"/>
-            </a:pPr>
-            <a:r>
-              <a:rPr lang="de-DE" sz="2400" dirty="0" smtClean="0">
-                <a:latin typeface="Consolas"/>
-              </a:rPr>
-              <a:t> </a:t>
-            </a:r>
-            <a:r>
-              <a:rPr lang="de-DE" sz="2400" b="1" dirty="0" err="1" smtClean="0">
-                <a:solidFill>
-                  <a:srgbClr val="7F0055"/>
-                </a:solidFill>
-                <a:latin typeface="Consolas"/>
-              </a:rPr>
-              <a:t>undefined</a:t>
-            </a:r>
-            <a:r>
-              <a:rPr lang="de-DE" sz="2400" b="1" dirty="0" smtClean="0">
-                <a:solidFill>
-                  <a:srgbClr val="000000"/>
-                </a:solidFill>
-                <a:latin typeface="Consolas"/>
-              </a:rPr>
-              <a:t> == </a:t>
-            </a:r>
-            <a:r>
-              <a:rPr lang="de-DE" sz="2400" b="1" dirty="0" smtClean="0">
-                <a:solidFill>
-                  <a:srgbClr val="7F0055"/>
-                </a:solidFill>
-                <a:latin typeface="Consolas"/>
-              </a:rPr>
-              <a:t>false</a:t>
-            </a:r>
-            <a:endParaRPr lang="de-DE" sz="2400" b="1" dirty="0" smtClean="0">
-              <a:solidFill>
-                <a:srgbClr val="000000"/>
-              </a:solidFill>
-              <a:latin typeface="Consolas"/>
-            </a:endParaRPr>
-          </a:p>
-          <a:p>
-            <a:pPr marL="457200" indent="-457200">
-              <a:buFont typeface="+mj-lt"/>
-              <a:buAutoNum type="arabicPeriod"/>
-            </a:pPr>
-            <a:r>
-              <a:rPr lang="de-DE" sz="2400" dirty="0" smtClean="0">
-                <a:latin typeface="Consolas"/>
-              </a:rPr>
-              <a:t> </a:t>
-            </a:r>
-            <a:r>
-              <a:rPr lang="de-DE" sz="2400" b="1" dirty="0" err="1" smtClean="0">
-                <a:solidFill>
-                  <a:srgbClr val="7F0055"/>
-                </a:solidFill>
-                <a:latin typeface="Consolas"/>
-              </a:rPr>
-              <a:t>undefined</a:t>
-            </a:r>
-            <a:r>
-              <a:rPr lang="de-DE" sz="2400" b="1" dirty="0" smtClean="0">
-                <a:solidFill>
-                  <a:srgbClr val="000000"/>
-                </a:solidFill>
-                <a:latin typeface="Consolas"/>
-              </a:rPr>
-              <a:t> </a:t>
-            </a:r>
-            <a:r>
-              <a:rPr lang="de-DE" sz="2400" b="1" dirty="0">
-                <a:solidFill>
-                  <a:srgbClr val="000000"/>
-                </a:solidFill>
-                <a:latin typeface="Consolas"/>
-              </a:rPr>
-              <a:t>== </a:t>
-            </a:r>
-            <a:r>
-              <a:rPr lang="de-DE" sz="2400" b="1" dirty="0" smtClean="0">
-                <a:solidFill>
-                  <a:srgbClr val="7F0055"/>
-                </a:solidFill>
-                <a:latin typeface="Consolas"/>
-              </a:rPr>
-              <a:t>null</a:t>
-            </a:r>
-            <a:endParaRPr lang="de-DE" sz="2400" b="1" dirty="0" smtClean="0">
-              <a:solidFill>
-                <a:srgbClr val="000000"/>
-              </a:solidFill>
-              <a:latin typeface="Consolas"/>
-            </a:endParaRPr>
-          </a:p>
-          <a:p>
-            <a:pPr marL="457200" indent="-457200">
-              <a:buFont typeface="+mj-lt"/>
-              <a:buAutoNum type="arabicPeriod"/>
-            </a:pPr>
-            <a:r>
-              <a:rPr lang="de-DE" sz="2400" dirty="0" smtClean="0">
-                <a:latin typeface="Consolas"/>
-              </a:rPr>
-              <a:t> </a:t>
-            </a:r>
-            <a:r>
-              <a:rPr lang="de-DE" sz="2400" b="1" dirty="0" smtClean="0">
-                <a:solidFill>
-                  <a:srgbClr val="7F0055"/>
-                </a:solidFill>
-                <a:latin typeface="Consolas"/>
-              </a:rPr>
-              <a:t>null </a:t>
-            </a:r>
-            <a:r>
-              <a:rPr lang="de-DE" sz="2400" b="1" dirty="0">
-                <a:solidFill>
-                  <a:srgbClr val="000000"/>
-                </a:solidFill>
-                <a:latin typeface="Consolas"/>
-              </a:rPr>
-              <a:t>== </a:t>
-            </a:r>
-            <a:r>
-              <a:rPr lang="de-DE" sz="2400" b="1" dirty="0" smtClean="0">
-                <a:solidFill>
-                  <a:srgbClr val="7F0055"/>
-                </a:solidFill>
-                <a:latin typeface="Consolas"/>
-              </a:rPr>
-              <a:t>null</a:t>
-            </a:r>
-          </a:p>
-          <a:p>
-            <a:pPr marL="457200" indent="-457200">
-              <a:buFont typeface="+mj-lt"/>
-              <a:buAutoNum type="arabicPeriod"/>
-            </a:pPr>
-            <a:r>
-              <a:rPr lang="de-DE" sz="2400" dirty="0">
-                <a:latin typeface="Consolas"/>
-              </a:rPr>
-              <a:t> </a:t>
-            </a:r>
-            <a:r>
-              <a:rPr lang="de-DE" sz="2400" dirty="0" err="1">
-                <a:solidFill>
-                  <a:srgbClr val="000000"/>
-                </a:solidFill>
-                <a:latin typeface="Consolas"/>
-              </a:rPr>
-              <a:t>NaN</a:t>
-            </a:r>
-            <a:r>
-              <a:rPr lang="de-DE" sz="2400" dirty="0">
-                <a:solidFill>
-                  <a:srgbClr val="000000"/>
-                </a:solidFill>
-                <a:latin typeface="Consolas"/>
-              </a:rPr>
-              <a:t> == </a:t>
-            </a:r>
-            <a:r>
-              <a:rPr lang="de-DE" sz="2400" dirty="0" err="1" smtClean="0">
-                <a:solidFill>
-                  <a:srgbClr val="000000"/>
-                </a:solidFill>
-                <a:latin typeface="Consolas"/>
-              </a:rPr>
-              <a:t>NaN</a:t>
-            </a:r>
-            <a:endParaRPr lang="de-DE" sz="2400" dirty="0">
-              <a:solidFill>
-                <a:srgbClr val="000000"/>
-              </a:solidFill>
-              <a:latin typeface="Consolas"/>
-            </a:endParaRPr>
-          </a:p>
-        </p:txBody>
-      </p:sp>
-      <p:sp>
-        <p:nvSpPr>
-          <p:cNvPr id="6" name="Rectangle 5"/>
-          <p:cNvSpPr/>
-          <p:nvPr/>
-        </p:nvSpPr>
-        <p:spPr>
-          <a:xfrm>
-            <a:off x="6977970" y="2147580"/>
-            <a:ext cx="4421254" cy="3416320"/>
-          </a:xfrm>
-          <a:prstGeom prst="rect">
-            <a:avLst/>
-          </a:prstGeom>
-        </p:spPr>
-        <p:txBody>
-          <a:bodyPr wrap="square">
-            <a:spAutoFit/>
-          </a:bodyPr>
-          <a:lstStyle/>
-          <a:p>
-            <a:r>
-              <a:rPr lang="de-DE" sz="2400" dirty="0" err="1">
-                <a:solidFill>
-                  <a:srgbClr val="7F0055"/>
-                </a:solidFill>
-                <a:latin typeface="Consolas"/>
-              </a:rPr>
-              <a:t>var</a:t>
-            </a:r>
-            <a:r>
-              <a:rPr lang="de-DE" sz="2400" dirty="0">
-                <a:solidFill>
-                  <a:srgbClr val="000000"/>
-                </a:solidFill>
-                <a:latin typeface="Consolas"/>
-              </a:rPr>
-              <a:t> a = [1];</a:t>
-            </a:r>
-          </a:p>
-          <a:p>
-            <a:r>
-              <a:rPr lang="de-DE" sz="2400" dirty="0" err="1">
-                <a:solidFill>
-                  <a:srgbClr val="7F0055"/>
-                </a:solidFill>
-                <a:latin typeface="Consolas"/>
-              </a:rPr>
-              <a:t>var</a:t>
-            </a:r>
-            <a:r>
-              <a:rPr lang="de-DE" sz="2400" dirty="0">
-                <a:solidFill>
-                  <a:srgbClr val="000000"/>
-                </a:solidFill>
-                <a:latin typeface="Consolas"/>
-              </a:rPr>
-              <a:t> b = 1;</a:t>
-            </a:r>
-          </a:p>
-          <a:p>
-            <a:r>
-              <a:rPr lang="de-DE" sz="2400" dirty="0" err="1">
-                <a:solidFill>
-                  <a:srgbClr val="7F0055"/>
-                </a:solidFill>
-                <a:latin typeface="Consolas"/>
-              </a:rPr>
-              <a:t>var</a:t>
-            </a:r>
-            <a:r>
-              <a:rPr lang="de-DE" sz="2400" dirty="0">
-                <a:solidFill>
-                  <a:srgbClr val="000000"/>
-                </a:solidFill>
-                <a:latin typeface="Consolas"/>
-              </a:rPr>
-              <a:t> c = [1</a:t>
-            </a:r>
-            <a:r>
-              <a:rPr lang="de-DE" sz="2400" dirty="0" smtClean="0">
-                <a:solidFill>
-                  <a:srgbClr val="000000"/>
-                </a:solidFill>
-                <a:latin typeface="Consolas"/>
-              </a:rPr>
-              <a:t>];</a:t>
-            </a:r>
-          </a:p>
-          <a:p>
-            <a:endParaRPr lang="de-DE" sz="2400" dirty="0">
-              <a:solidFill>
-                <a:srgbClr val="000000"/>
-              </a:solidFill>
-              <a:latin typeface="Consolas"/>
-            </a:endParaRPr>
-          </a:p>
-          <a:p>
-            <a:pPr marL="457200" indent="-457200">
-              <a:buFont typeface="+mj-lt"/>
-              <a:buAutoNum type="arabicPeriod" startAt="11"/>
-            </a:pPr>
-            <a:r>
-              <a:rPr lang="de-DE" sz="2400" dirty="0" smtClean="0">
-                <a:solidFill>
-                  <a:srgbClr val="000000"/>
-                </a:solidFill>
-                <a:latin typeface="Consolas"/>
-              </a:rPr>
-              <a:t> a </a:t>
-            </a:r>
-            <a:r>
-              <a:rPr lang="de-DE" sz="2400" dirty="0">
-                <a:solidFill>
-                  <a:srgbClr val="000000"/>
-                </a:solidFill>
-                <a:latin typeface="Consolas"/>
-              </a:rPr>
-              <a:t>== b &amp;&amp; b == </a:t>
-            </a:r>
-            <a:r>
-              <a:rPr lang="de-DE" sz="2400" dirty="0" smtClean="0">
-                <a:solidFill>
-                  <a:srgbClr val="000000"/>
-                </a:solidFill>
-                <a:latin typeface="Consolas"/>
-              </a:rPr>
-              <a:t>c</a:t>
-            </a:r>
-          </a:p>
-          <a:p>
-            <a:pPr marL="457200" indent="-457200">
-              <a:buFont typeface="+mj-lt"/>
-              <a:buAutoNum type="arabicPeriod" startAt="11"/>
-            </a:pPr>
-            <a:r>
-              <a:rPr lang="de-DE" sz="2400" dirty="0" smtClean="0">
-                <a:solidFill>
-                  <a:srgbClr val="000000"/>
-                </a:solidFill>
-                <a:latin typeface="Consolas"/>
-              </a:rPr>
-              <a:t> a == c</a:t>
-            </a:r>
-          </a:p>
-          <a:p>
-            <a:pPr marL="457200" indent="-457200">
-              <a:buFont typeface="+mj-lt"/>
-              <a:buAutoNum type="arabicPeriod" startAt="11"/>
-            </a:pPr>
-            <a:endParaRPr lang="de-DE" sz="2400" dirty="0">
-              <a:solidFill>
-                <a:srgbClr val="000000"/>
-              </a:solidFill>
-              <a:latin typeface="Consolas"/>
-            </a:endParaRPr>
-          </a:p>
-          <a:p>
-            <a:pPr marL="457200" indent="-457200">
-              <a:buFont typeface="+mj-lt"/>
-              <a:buAutoNum type="arabicPeriod" startAt="11"/>
-            </a:pPr>
-            <a:r>
-              <a:rPr lang="de-DE" sz="2400" dirty="0">
-                <a:solidFill>
-                  <a:srgbClr val="000000"/>
-                </a:solidFill>
-                <a:latin typeface="Consolas"/>
-              </a:rPr>
-              <a:t> </a:t>
-            </a:r>
-            <a:r>
-              <a:rPr lang="de-DE" sz="2400" dirty="0" smtClean="0">
-                <a:solidFill>
-                  <a:srgbClr val="2A00FF"/>
-                </a:solidFill>
-                <a:latin typeface="Consolas"/>
-              </a:rPr>
-              <a:t>"0</a:t>
-            </a:r>
-            <a:r>
-              <a:rPr lang="de-DE" sz="2400" dirty="0">
-                <a:solidFill>
-                  <a:srgbClr val="2A00FF"/>
-                </a:solidFill>
-                <a:latin typeface="Consolas"/>
-              </a:rPr>
-              <a:t>"</a:t>
-            </a:r>
-            <a:r>
-              <a:rPr lang="de-DE" sz="2400" dirty="0">
-                <a:solidFill>
-                  <a:srgbClr val="000000"/>
-                </a:solidFill>
-                <a:latin typeface="Consolas"/>
-              </a:rPr>
-              <a:t> == </a:t>
-            </a:r>
-            <a:r>
-              <a:rPr lang="de-DE" sz="2400" dirty="0" smtClean="0">
-                <a:solidFill>
-                  <a:srgbClr val="000000"/>
-                </a:solidFill>
-                <a:latin typeface="Consolas"/>
-              </a:rPr>
-              <a:t>0</a:t>
-            </a:r>
-            <a:endParaRPr lang="de-DE" sz="2400" dirty="0">
-              <a:solidFill>
-                <a:srgbClr val="000000"/>
-              </a:solidFill>
-              <a:latin typeface="Consolas"/>
-            </a:endParaRPr>
-          </a:p>
-          <a:p>
-            <a:pPr marL="457200" indent="-457200">
-              <a:buFont typeface="+mj-lt"/>
-              <a:buAutoNum type="arabicPeriod" startAt="11"/>
-            </a:pPr>
-            <a:r>
-              <a:rPr lang="de-DE" sz="2400" dirty="0" smtClean="0">
-                <a:solidFill>
-                  <a:srgbClr val="000000"/>
-                </a:solidFill>
-                <a:latin typeface="Consolas"/>
-              </a:rPr>
-              <a:t> !</a:t>
-            </a:r>
-            <a:r>
-              <a:rPr lang="de-DE" sz="2400" dirty="0" smtClean="0">
-                <a:solidFill>
-                  <a:srgbClr val="2A00FF"/>
-                </a:solidFill>
-                <a:latin typeface="Consolas"/>
-              </a:rPr>
-              <a:t>"</a:t>
-            </a:r>
-            <a:r>
-              <a:rPr lang="de-DE" sz="2400" dirty="0">
-                <a:solidFill>
-                  <a:srgbClr val="2A00FF"/>
-                </a:solidFill>
-                <a:latin typeface="Consolas"/>
-              </a:rPr>
-              <a:t>0"</a:t>
-            </a:r>
-            <a:r>
-              <a:rPr lang="de-DE" sz="2400" dirty="0">
-                <a:solidFill>
-                  <a:srgbClr val="000000"/>
-                </a:solidFill>
-                <a:latin typeface="Consolas"/>
-              </a:rPr>
-              <a:t> == !</a:t>
-            </a:r>
-            <a:r>
-              <a:rPr lang="de-DE" sz="2400" dirty="0" smtClean="0">
-                <a:solidFill>
-                  <a:srgbClr val="000000"/>
-                </a:solidFill>
-                <a:latin typeface="Consolas"/>
-              </a:rPr>
-              <a:t>0</a:t>
-            </a:r>
-            <a:endParaRPr lang="de-DE" sz="2400" dirty="0">
-              <a:solidFill>
-                <a:srgbClr val="000000"/>
-              </a:solidFill>
-              <a:latin typeface="Consolas"/>
-            </a:endParaRPr>
+            <a:r>
+              <a:rPr lang="de-DE" dirty="0">
+                <a:hlinkClick r:id="rId2"/>
+              </a:rPr>
+              <a:t>https://www.destroyallsoftware.com/talks/wat</a:t>
+            </a:r>
+            <a:endParaRPr lang="de-DE" dirty="0"/>
           </a:p>
         </p:txBody>
       </p:sp>
     </p:spTree>
     <p:extLst>
       <p:ext uri="{BB962C8B-B14F-4D97-AF65-F5344CB8AC3E}">
-        <p14:creationId xmlns:p14="http://schemas.microsoft.com/office/powerpoint/2010/main" val="3162314095"/>
+        <p14:creationId xmlns:p14="http://schemas.microsoft.com/office/powerpoint/2010/main" val="3691704199"/>
       </p:ext>
     </p:extLst>
   </p:cSld>
   <p:clrMapOvr>
     <a:masterClrMapping/>
   </p:clrMapOvr>
+  <p:timing>
+    <p:tnLst>
+      <p:par>
+        <p:cTn id="1" dur="indefinite" restart="never" nodeType="tmRoot"/>
+      </p:par>
+    </p:tnLst>
+  </p:timing>
 </p:sld>
 </file>
 
@@ -18111,7 +17438,7 @@
           <a:p>
             <a:r>
               <a:rPr lang="de-DE" dirty="0" smtClean="0"/>
-              <a:t>Verzweigungen</a:t>
+              <a:t>Übung – Bedingungen</a:t>
             </a:r>
             <a:endParaRPr lang="de-DE" dirty="0"/>
           </a:p>
@@ -18134,272 +17461,728 @@
           <a:p>
             <a:r>
               <a:rPr lang="de-DE" dirty="0" smtClean="0"/>
-              <a:t>Verzweigung mit if</a:t>
-            </a:r>
-          </a:p>
-          <a:p>
-            <a:pPr lvl="1"/>
-            <a:r>
-              <a:rPr lang="de-DE" dirty="0">
+              <a:t>Welchen Rückgabewert (true/false) liefern die folgenden Bedingungen?</a:t>
+            </a:r>
+            <a:endParaRPr lang="de-DE" dirty="0" smtClean="0">
+              <a:solidFill>
+                <a:srgbClr val="000000"/>
+              </a:solidFill>
+              <a:latin typeface="Consolas"/>
+            </a:endParaRPr>
+          </a:p>
+          <a:p>
+            <a:endParaRPr lang="de-DE" dirty="0" smtClean="0">
+              <a:solidFill>
+                <a:srgbClr val="000000"/>
+              </a:solidFill>
+              <a:latin typeface="Consolas"/>
+            </a:endParaRPr>
+          </a:p>
+          <a:p>
+            <a:pPr marL="457200" lvl="1" indent="-457200">
+              <a:buFont typeface="+mj-lt"/>
+              <a:buAutoNum type="arabicPeriod"/>
+            </a:pPr>
+            <a:endParaRPr lang="de-DE" dirty="0"/>
+          </a:p>
+        </p:txBody>
+      </p:sp>
+      <p:sp>
+        <p:nvSpPr>
+          <p:cNvPr id="5" name="Rectangle 4"/>
+          <p:cNvSpPr/>
+          <p:nvPr/>
+        </p:nvSpPr>
+        <p:spPr>
+          <a:xfrm>
+            <a:off x="503884" y="2147581"/>
+            <a:ext cx="5404043" cy="4154984"/>
+          </a:xfrm>
+          <a:prstGeom prst="rect">
+            <a:avLst/>
+          </a:prstGeom>
+        </p:spPr>
+        <p:txBody>
+          <a:bodyPr wrap="none">
+            <a:spAutoFit/>
+          </a:bodyPr>
+          <a:lstStyle/>
+          <a:p>
+            <a:pPr marL="457200" indent="-457200">
+              <a:buFont typeface="+mj-lt"/>
+              <a:buAutoNum type="arabicPeriod"/>
+            </a:pPr>
+            <a:r>
+              <a:rPr lang="de-DE" sz="2400" dirty="0" smtClean="0">
+                <a:latin typeface="Consolas"/>
+              </a:rPr>
+              <a:t> </a:t>
+            </a:r>
+            <a:r>
+              <a:rPr lang="de-DE" sz="2400" dirty="0" smtClean="0">
+                <a:solidFill>
+                  <a:srgbClr val="2A00FF"/>
+                </a:solidFill>
+                <a:latin typeface="Consolas"/>
+              </a:rPr>
+              <a:t>"1"</a:t>
+            </a:r>
+            <a:r>
+              <a:rPr lang="de-DE" sz="2400" dirty="0" smtClean="0">
+                <a:solidFill>
+                  <a:srgbClr val="000000"/>
+                </a:solidFill>
+                <a:latin typeface="Consolas"/>
+              </a:rPr>
+              <a:t> == 1</a:t>
+            </a:r>
+          </a:p>
+          <a:p>
+            <a:pPr marL="457200" indent="-457200">
+              <a:buFont typeface="+mj-lt"/>
+              <a:buAutoNum type="arabicPeriod"/>
+            </a:pPr>
+            <a:r>
+              <a:rPr lang="de-DE" sz="2400" dirty="0" smtClean="0">
+                <a:solidFill>
+                  <a:srgbClr val="000000"/>
+                </a:solidFill>
+                <a:latin typeface="Consolas"/>
+              </a:rPr>
+              <a:t> [1] == </a:t>
+            </a:r>
+            <a:r>
+              <a:rPr lang="de-DE" sz="2400" dirty="0" smtClean="0">
+                <a:solidFill>
+                  <a:srgbClr val="2A00FF"/>
+                </a:solidFill>
+                <a:latin typeface="Consolas"/>
+              </a:rPr>
+              <a:t>"1"</a:t>
+            </a:r>
+          </a:p>
+          <a:p>
+            <a:pPr marL="457200" indent="-457200">
+              <a:buFont typeface="+mj-lt"/>
+              <a:buAutoNum type="arabicPeriod"/>
+            </a:pPr>
+            <a:r>
+              <a:rPr lang="de-DE" sz="2400" dirty="0" smtClean="0">
+                <a:solidFill>
+                  <a:srgbClr val="000000"/>
+                </a:solidFill>
+                <a:latin typeface="Consolas"/>
+              </a:rPr>
+              <a:t> []</a:t>
+            </a:r>
+            <a:endParaRPr lang="de-DE" sz="2400" dirty="0" smtClean="0">
+              <a:latin typeface="Consolas"/>
+            </a:endParaRPr>
+          </a:p>
+          <a:p>
+            <a:pPr marL="457200" indent="-457200">
+              <a:buFont typeface="+mj-lt"/>
+              <a:buAutoNum type="arabicPeriod"/>
+            </a:pPr>
+            <a:r>
+              <a:rPr lang="de-DE" sz="2400" dirty="0" smtClean="0">
+                <a:latin typeface="Consolas"/>
+              </a:rPr>
+              <a:t> </a:t>
+            </a:r>
+            <a:r>
+              <a:rPr lang="de-DE" sz="2400" dirty="0" smtClean="0">
+                <a:solidFill>
+                  <a:srgbClr val="2A00FF"/>
+                </a:solidFill>
+                <a:latin typeface="Consolas"/>
+              </a:rPr>
+              <a:t>""</a:t>
+            </a:r>
+            <a:endParaRPr lang="de-DE" sz="2400" dirty="0" smtClean="0">
+              <a:solidFill>
+                <a:srgbClr val="000000"/>
+              </a:solidFill>
+              <a:latin typeface="Consolas"/>
+            </a:endParaRPr>
+          </a:p>
+          <a:p>
+            <a:pPr marL="457200" indent="-457200">
+              <a:buFont typeface="+mj-lt"/>
+              <a:buAutoNum type="arabicPeriod"/>
+            </a:pPr>
+            <a:r>
+              <a:rPr lang="de-DE" sz="2400" dirty="0" smtClean="0">
+                <a:solidFill>
+                  <a:srgbClr val="000000"/>
+                </a:solidFill>
+                <a:latin typeface="Consolas"/>
+              </a:rPr>
+              <a:t> [] == </a:t>
+            </a:r>
+            <a:r>
+              <a:rPr lang="de-DE" sz="2400" dirty="0" smtClean="0">
+                <a:solidFill>
+                  <a:srgbClr val="2A00FF"/>
+                </a:solidFill>
+                <a:latin typeface="Consolas"/>
+              </a:rPr>
+              <a:t>""</a:t>
+            </a:r>
+            <a:endParaRPr lang="de-DE" sz="2400" dirty="0" smtClean="0">
+              <a:solidFill>
+                <a:srgbClr val="000000"/>
+              </a:solidFill>
+              <a:latin typeface="Consolas"/>
+            </a:endParaRPr>
+          </a:p>
+          <a:p>
+            <a:pPr marL="457200" indent="-457200">
+              <a:buFont typeface="+mj-lt"/>
+              <a:buAutoNum type="arabicPeriod"/>
+            </a:pPr>
+            <a:r>
+              <a:rPr lang="de-DE" sz="2400" dirty="0" smtClean="0">
+                <a:solidFill>
+                  <a:srgbClr val="000000"/>
+                </a:solidFill>
+                <a:latin typeface="Consolas"/>
+              </a:rPr>
+              <a:t> [4, [8, [15]]] == </a:t>
+            </a:r>
+            <a:r>
+              <a:rPr lang="de-DE" sz="2400" dirty="0" smtClean="0">
+                <a:solidFill>
+                  <a:srgbClr val="2A00FF"/>
+                </a:solidFill>
+                <a:latin typeface="Consolas"/>
+              </a:rPr>
+              <a:t>"4,8,15"</a:t>
+            </a:r>
+            <a:r>
+              <a:rPr lang="de-DE" sz="2400" dirty="0" smtClean="0">
+                <a:solidFill>
+                  <a:srgbClr val="000000"/>
+                </a:solidFill>
+                <a:latin typeface="Consolas"/>
+              </a:rPr>
+              <a:t>;</a:t>
+            </a:r>
+          </a:p>
+          <a:p>
+            <a:pPr marL="457200" indent="-457200">
+              <a:buFont typeface="+mj-lt"/>
+              <a:buAutoNum type="arabicPeriod"/>
+            </a:pPr>
+            <a:r>
+              <a:rPr lang="de-DE" sz="2400" dirty="0" smtClean="0">
+                <a:latin typeface="Consolas"/>
+              </a:rPr>
+              <a:t> </a:t>
+            </a:r>
+            <a:r>
+              <a:rPr lang="de-DE" sz="2400" b="1" dirty="0" smtClean="0">
                 <a:solidFill>
                   <a:srgbClr val="7F0055"/>
                 </a:solidFill>
                 <a:latin typeface="Consolas"/>
               </a:rPr>
-              <a:t>if</a:t>
-            </a:r>
-            <a:r>
-              <a:rPr lang="de-DE" dirty="0">
-                <a:solidFill>
-                  <a:srgbClr val="000000"/>
-                </a:solidFill>
-                <a:latin typeface="Consolas"/>
-              </a:rPr>
-              <a:t>(</a:t>
-            </a:r>
-            <a:r>
-              <a:rPr lang="de-DE" dirty="0" err="1">
-                <a:solidFill>
-                  <a:srgbClr val="000000"/>
-                </a:solidFill>
-                <a:latin typeface="Consolas"/>
-              </a:rPr>
-              <a:t>cond</a:t>
-            </a:r>
-            <a:r>
-              <a:rPr lang="de-DE" dirty="0">
-                <a:solidFill>
-                  <a:srgbClr val="000000"/>
-                </a:solidFill>
-                <a:latin typeface="Consolas"/>
-              </a:rPr>
-              <a:t>){</a:t>
-            </a:r>
-          </a:p>
-          <a:p>
-            <a:pPr lvl="1"/>
-            <a:r>
-              <a:rPr lang="de-DE" dirty="0" smtClean="0">
-                <a:solidFill>
-                  <a:srgbClr val="000000"/>
-                </a:solidFill>
-                <a:latin typeface="Consolas"/>
-              </a:rPr>
-              <a:t>  console.log</a:t>
-            </a:r>
-            <a:r>
-              <a:rPr lang="de-DE" dirty="0">
-                <a:solidFill>
-                  <a:srgbClr val="000000"/>
-                </a:solidFill>
-                <a:latin typeface="Consolas"/>
-              </a:rPr>
-              <a:t>(</a:t>
-            </a:r>
-            <a:r>
-              <a:rPr lang="de-DE" dirty="0">
+              <a:t>true</a:t>
+            </a:r>
+            <a:r>
+              <a:rPr lang="de-DE" sz="2400" b="1" dirty="0" smtClean="0">
+                <a:solidFill>
+                  <a:srgbClr val="000000"/>
+                </a:solidFill>
+                <a:latin typeface="Consolas"/>
+              </a:rPr>
+              <a:t> &gt; </a:t>
+            </a:r>
+            <a:r>
+              <a:rPr lang="de-DE" sz="2400" b="1" dirty="0" smtClean="0">
+                <a:solidFill>
+                  <a:srgbClr val="7F0055"/>
+                </a:solidFill>
+                <a:latin typeface="Consolas"/>
+              </a:rPr>
+              <a:t>false</a:t>
+            </a:r>
+          </a:p>
+          <a:p>
+            <a:pPr marL="457200" indent="-457200">
+              <a:buFont typeface="+mj-lt"/>
+              <a:buAutoNum type="arabicPeriod"/>
+            </a:pPr>
+            <a:r>
+              <a:rPr lang="de-DE" sz="2400" dirty="0" smtClean="0">
+                <a:latin typeface="Consolas"/>
+              </a:rPr>
+              <a:t> </a:t>
+            </a:r>
+            <a:r>
+              <a:rPr lang="de-DE" sz="2400" b="1" dirty="0" err="1" smtClean="0">
+                <a:solidFill>
+                  <a:srgbClr val="7F0055"/>
+                </a:solidFill>
+                <a:latin typeface="Consolas"/>
+              </a:rPr>
+              <a:t>undefined</a:t>
+            </a:r>
+            <a:r>
+              <a:rPr lang="de-DE" sz="2400" b="1" dirty="0" smtClean="0">
+                <a:solidFill>
+                  <a:srgbClr val="000000"/>
+                </a:solidFill>
+                <a:latin typeface="Consolas"/>
+              </a:rPr>
+              <a:t> == </a:t>
+            </a:r>
+            <a:r>
+              <a:rPr lang="de-DE" sz="2400" b="1" dirty="0" smtClean="0">
+                <a:solidFill>
+                  <a:srgbClr val="7F0055"/>
+                </a:solidFill>
+                <a:latin typeface="Consolas"/>
+              </a:rPr>
+              <a:t>false</a:t>
+            </a:r>
+            <a:endParaRPr lang="de-DE" sz="2400" b="1" dirty="0" smtClean="0">
+              <a:solidFill>
+                <a:srgbClr val="000000"/>
+              </a:solidFill>
+              <a:latin typeface="Consolas"/>
+            </a:endParaRPr>
+          </a:p>
+          <a:p>
+            <a:pPr marL="457200" indent="-457200">
+              <a:buFont typeface="+mj-lt"/>
+              <a:buAutoNum type="arabicPeriod"/>
+            </a:pPr>
+            <a:r>
+              <a:rPr lang="de-DE" sz="2400" dirty="0" smtClean="0">
+                <a:latin typeface="Consolas"/>
+              </a:rPr>
+              <a:t> </a:t>
+            </a:r>
+            <a:r>
+              <a:rPr lang="de-DE" sz="2400" b="1" dirty="0" err="1" smtClean="0">
+                <a:solidFill>
+                  <a:srgbClr val="7F0055"/>
+                </a:solidFill>
+                <a:latin typeface="Consolas"/>
+              </a:rPr>
+              <a:t>undefined</a:t>
+            </a:r>
+            <a:r>
+              <a:rPr lang="de-DE" sz="2400" b="1" dirty="0" smtClean="0">
+                <a:solidFill>
+                  <a:srgbClr val="000000"/>
+                </a:solidFill>
+                <a:latin typeface="Consolas"/>
+              </a:rPr>
+              <a:t> </a:t>
+            </a:r>
+            <a:r>
+              <a:rPr lang="de-DE" sz="2400" b="1" dirty="0">
+                <a:solidFill>
+                  <a:srgbClr val="000000"/>
+                </a:solidFill>
+                <a:latin typeface="Consolas"/>
+              </a:rPr>
+              <a:t>== </a:t>
+            </a:r>
+            <a:r>
+              <a:rPr lang="de-DE" sz="2400" b="1" dirty="0" smtClean="0">
+                <a:solidFill>
+                  <a:srgbClr val="7F0055"/>
+                </a:solidFill>
+                <a:latin typeface="Consolas"/>
+              </a:rPr>
+              <a:t>null</a:t>
+            </a:r>
+            <a:endParaRPr lang="de-DE" sz="2400" b="1" dirty="0" smtClean="0">
+              <a:solidFill>
+                <a:srgbClr val="000000"/>
+              </a:solidFill>
+              <a:latin typeface="Consolas"/>
+            </a:endParaRPr>
+          </a:p>
+          <a:p>
+            <a:pPr marL="457200" indent="-457200">
+              <a:buFont typeface="+mj-lt"/>
+              <a:buAutoNum type="arabicPeriod"/>
+            </a:pPr>
+            <a:r>
+              <a:rPr lang="de-DE" sz="2400" dirty="0" smtClean="0">
+                <a:latin typeface="Consolas"/>
+              </a:rPr>
+              <a:t> </a:t>
+            </a:r>
+            <a:r>
+              <a:rPr lang="de-DE" sz="2400" b="1" dirty="0" smtClean="0">
+                <a:solidFill>
+                  <a:srgbClr val="7F0055"/>
+                </a:solidFill>
+                <a:latin typeface="Consolas"/>
+              </a:rPr>
+              <a:t>null </a:t>
+            </a:r>
+            <a:r>
+              <a:rPr lang="de-DE" sz="2400" b="1" dirty="0">
+                <a:solidFill>
+                  <a:srgbClr val="000000"/>
+                </a:solidFill>
+                <a:latin typeface="Consolas"/>
+              </a:rPr>
+              <a:t>== </a:t>
+            </a:r>
+            <a:r>
+              <a:rPr lang="de-DE" sz="2400" b="1" dirty="0" smtClean="0">
+                <a:solidFill>
+                  <a:srgbClr val="7F0055"/>
+                </a:solidFill>
+                <a:latin typeface="Consolas"/>
+              </a:rPr>
+              <a:t>null</a:t>
+            </a:r>
+          </a:p>
+          <a:p>
+            <a:pPr marL="457200" indent="-457200">
+              <a:buFont typeface="+mj-lt"/>
+              <a:buAutoNum type="arabicPeriod"/>
+            </a:pPr>
+            <a:r>
+              <a:rPr lang="de-DE" sz="2400" dirty="0">
+                <a:latin typeface="Consolas"/>
+              </a:rPr>
+              <a:t> </a:t>
+            </a:r>
+            <a:r>
+              <a:rPr lang="de-DE" sz="2400" dirty="0" err="1">
+                <a:solidFill>
+                  <a:srgbClr val="000000"/>
+                </a:solidFill>
+                <a:latin typeface="Consolas"/>
+              </a:rPr>
+              <a:t>NaN</a:t>
+            </a:r>
+            <a:r>
+              <a:rPr lang="de-DE" sz="2400" dirty="0">
+                <a:solidFill>
+                  <a:srgbClr val="000000"/>
+                </a:solidFill>
+                <a:latin typeface="Consolas"/>
+              </a:rPr>
+              <a:t> == </a:t>
+            </a:r>
+            <a:r>
+              <a:rPr lang="de-DE" sz="2400" dirty="0" err="1" smtClean="0">
+                <a:solidFill>
+                  <a:srgbClr val="000000"/>
+                </a:solidFill>
+                <a:latin typeface="Consolas"/>
+              </a:rPr>
+              <a:t>NaN</a:t>
+            </a:r>
+            <a:endParaRPr lang="de-DE" sz="2400" dirty="0">
+              <a:solidFill>
+                <a:srgbClr val="000000"/>
+              </a:solidFill>
+              <a:latin typeface="Consolas"/>
+            </a:endParaRPr>
+          </a:p>
+        </p:txBody>
+      </p:sp>
+      <p:sp>
+        <p:nvSpPr>
+          <p:cNvPr id="6" name="Rectangle 5"/>
+          <p:cNvSpPr/>
+          <p:nvPr/>
+        </p:nvSpPr>
+        <p:spPr>
+          <a:xfrm>
+            <a:off x="6977970" y="2147580"/>
+            <a:ext cx="4421254" cy="3416320"/>
+          </a:xfrm>
+          <a:prstGeom prst="rect">
+            <a:avLst/>
+          </a:prstGeom>
+        </p:spPr>
+        <p:txBody>
+          <a:bodyPr wrap="square">
+            <a:spAutoFit/>
+          </a:bodyPr>
+          <a:lstStyle/>
+          <a:p>
+            <a:r>
+              <a:rPr lang="de-DE" sz="2400" dirty="0" err="1">
+                <a:solidFill>
+                  <a:srgbClr val="7F0055"/>
+                </a:solidFill>
+                <a:latin typeface="Consolas"/>
+              </a:rPr>
+              <a:t>var</a:t>
+            </a:r>
+            <a:r>
+              <a:rPr lang="de-DE" sz="2400" dirty="0">
+                <a:solidFill>
+                  <a:srgbClr val="000000"/>
+                </a:solidFill>
+                <a:latin typeface="Consolas"/>
+              </a:rPr>
+              <a:t> a = [1];</a:t>
+            </a:r>
+          </a:p>
+          <a:p>
+            <a:r>
+              <a:rPr lang="de-DE" sz="2400" dirty="0" err="1">
+                <a:solidFill>
+                  <a:srgbClr val="7F0055"/>
+                </a:solidFill>
+                <a:latin typeface="Consolas"/>
+              </a:rPr>
+              <a:t>var</a:t>
+            </a:r>
+            <a:r>
+              <a:rPr lang="de-DE" sz="2400" dirty="0">
+                <a:solidFill>
+                  <a:srgbClr val="000000"/>
+                </a:solidFill>
+                <a:latin typeface="Consolas"/>
+              </a:rPr>
+              <a:t> b = 1;</a:t>
+            </a:r>
+          </a:p>
+          <a:p>
+            <a:r>
+              <a:rPr lang="de-DE" sz="2400" dirty="0" err="1">
+                <a:solidFill>
+                  <a:srgbClr val="7F0055"/>
+                </a:solidFill>
+                <a:latin typeface="Consolas"/>
+              </a:rPr>
+              <a:t>var</a:t>
+            </a:r>
+            <a:r>
+              <a:rPr lang="de-DE" sz="2400" dirty="0">
+                <a:solidFill>
+                  <a:srgbClr val="000000"/>
+                </a:solidFill>
+                <a:latin typeface="Consolas"/>
+              </a:rPr>
+              <a:t> c = [1</a:t>
+            </a:r>
+            <a:r>
+              <a:rPr lang="de-DE" sz="2400" dirty="0" smtClean="0">
+                <a:solidFill>
+                  <a:srgbClr val="000000"/>
+                </a:solidFill>
+                <a:latin typeface="Consolas"/>
+              </a:rPr>
+              <a:t>];</a:t>
+            </a:r>
+          </a:p>
+          <a:p>
+            <a:endParaRPr lang="de-DE" sz="2400" dirty="0">
+              <a:solidFill>
+                <a:srgbClr val="000000"/>
+              </a:solidFill>
+              <a:latin typeface="Consolas"/>
+            </a:endParaRPr>
+          </a:p>
+          <a:p>
+            <a:pPr marL="457200" indent="-457200">
+              <a:buFont typeface="+mj-lt"/>
+              <a:buAutoNum type="arabicPeriod" startAt="11"/>
+            </a:pPr>
+            <a:r>
+              <a:rPr lang="de-DE" sz="2400" dirty="0" smtClean="0">
+                <a:solidFill>
+                  <a:srgbClr val="000000"/>
+                </a:solidFill>
+                <a:latin typeface="Consolas"/>
+              </a:rPr>
+              <a:t> a </a:t>
+            </a:r>
+            <a:r>
+              <a:rPr lang="de-DE" sz="2400" dirty="0">
+                <a:solidFill>
+                  <a:srgbClr val="000000"/>
+                </a:solidFill>
+                <a:latin typeface="Consolas"/>
+              </a:rPr>
+              <a:t>== b &amp;&amp; b == </a:t>
+            </a:r>
+            <a:r>
+              <a:rPr lang="de-DE" sz="2400" dirty="0" smtClean="0">
+                <a:solidFill>
+                  <a:srgbClr val="000000"/>
+                </a:solidFill>
+                <a:latin typeface="Consolas"/>
+              </a:rPr>
+              <a:t>c</a:t>
+            </a:r>
+          </a:p>
+          <a:p>
+            <a:pPr marL="457200" indent="-457200">
+              <a:buFont typeface="+mj-lt"/>
+              <a:buAutoNum type="arabicPeriod" startAt="11"/>
+            </a:pPr>
+            <a:r>
+              <a:rPr lang="de-DE" sz="2400" dirty="0" smtClean="0">
+                <a:solidFill>
+                  <a:srgbClr val="000000"/>
+                </a:solidFill>
+                <a:latin typeface="Consolas"/>
+              </a:rPr>
+              <a:t> a == c</a:t>
+            </a:r>
+          </a:p>
+          <a:p>
+            <a:pPr marL="457200" indent="-457200">
+              <a:buFont typeface="+mj-lt"/>
+              <a:buAutoNum type="arabicPeriod" startAt="11"/>
+            </a:pPr>
+            <a:endParaRPr lang="de-DE" sz="2400" dirty="0">
+              <a:solidFill>
+                <a:srgbClr val="000000"/>
+              </a:solidFill>
+              <a:latin typeface="Consolas"/>
+            </a:endParaRPr>
+          </a:p>
+          <a:p>
+            <a:pPr marL="457200" indent="-457200">
+              <a:buFont typeface="+mj-lt"/>
+              <a:buAutoNum type="arabicPeriod" startAt="11"/>
+            </a:pPr>
+            <a:r>
+              <a:rPr lang="de-DE" sz="2400" dirty="0">
+                <a:solidFill>
+                  <a:srgbClr val="000000"/>
+                </a:solidFill>
+                <a:latin typeface="Consolas"/>
+              </a:rPr>
+              <a:t> </a:t>
+            </a:r>
+            <a:r>
+              <a:rPr lang="de-DE" sz="2400" dirty="0" smtClean="0">
                 <a:solidFill>
                   <a:srgbClr val="2A00FF"/>
                 </a:solidFill>
                 <a:latin typeface="Consolas"/>
               </a:rPr>
-              <a:t>'wahr'</a:t>
-            </a:r>
-            <a:r>
-              <a:rPr lang="de-DE" dirty="0">
-                <a:solidFill>
-                  <a:srgbClr val="000000"/>
-                </a:solidFill>
-                <a:latin typeface="Consolas"/>
-              </a:rPr>
-              <a:t>);</a:t>
-            </a:r>
-          </a:p>
-          <a:p>
-            <a:pPr lvl="1"/>
-            <a:r>
-              <a:rPr lang="de-DE" dirty="0">
-                <a:solidFill>
-                  <a:srgbClr val="000000"/>
-                </a:solidFill>
-                <a:latin typeface="Consolas"/>
-              </a:rPr>
-              <a:t>} </a:t>
-            </a:r>
-            <a:r>
-              <a:rPr lang="de-DE" dirty="0" err="1">
-                <a:solidFill>
-                  <a:srgbClr val="7F0055"/>
-                </a:solidFill>
-                <a:latin typeface="Consolas"/>
-              </a:rPr>
-              <a:t>else</a:t>
-            </a:r>
-            <a:r>
-              <a:rPr lang="de-DE" dirty="0">
-                <a:solidFill>
-                  <a:srgbClr val="000000"/>
-                </a:solidFill>
-                <a:latin typeface="Consolas"/>
-              </a:rPr>
-              <a:t> {</a:t>
-            </a:r>
-          </a:p>
-          <a:p>
-            <a:pPr lvl="1"/>
-            <a:r>
-              <a:rPr lang="de-DE" dirty="0" smtClean="0">
-                <a:solidFill>
-                  <a:srgbClr val="000000"/>
-                </a:solidFill>
-                <a:latin typeface="Consolas"/>
-              </a:rPr>
-              <a:t>  console.log</a:t>
-            </a:r>
-            <a:r>
-              <a:rPr lang="de-DE" dirty="0">
-                <a:solidFill>
-                  <a:srgbClr val="000000"/>
-                </a:solidFill>
-                <a:latin typeface="Consolas"/>
-              </a:rPr>
-              <a:t>(</a:t>
-            </a:r>
-            <a:r>
-              <a:rPr lang="de-DE" dirty="0">
+              <a:t>"0</a:t>
+            </a:r>
+            <a:r>
+              <a:rPr lang="de-DE" sz="2400" dirty="0">
                 <a:solidFill>
                   <a:srgbClr val="2A00FF"/>
                 </a:solidFill>
                 <a:latin typeface="Consolas"/>
               </a:rPr>
-              <a:t>'unwahr'</a:t>
-            </a:r>
-            <a:r>
-              <a:rPr lang="de-DE" dirty="0">
-                <a:solidFill>
-                  <a:srgbClr val="000000"/>
-                </a:solidFill>
-                <a:latin typeface="Consolas"/>
-              </a:rPr>
-              <a:t>);</a:t>
-            </a:r>
-          </a:p>
-          <a:p>
-            <a:pPr lvl="1"/>
-            <a:r>
-              <a:rPr lang="de-DE" dirty="0">
-                <a:solidFill>
-                  <a:srgbClr val="000000"/>
-                </a:solidFill>
-                <a:latin typeface="Consolas"/>
-              </a:rPr>
-              <a:t>}</a:t>
-            </a:r>
-          </a:p>
-          <a:p>
-            <a:r>
-              <a:rPr lang="de-DE" dirty="0" smtClean="0"/>
-              <a:t>Einfaches </a:t>
-            </a:r>
-            <a:r>
-              <a:rPr lang="de-DE" dirty="0" err="1" smtClean="0"/>
-              <a:t>Entweder-Oder</a:t>
-            </a:r>
-            <a:endParaRPr lang="de-DE" dirty="0"/>
-          </a:p>
-          <a:p>
-            <a:pPr lvl="1"/>
-            <a:r>
-              <a:rPr lang="de-DE" dirty="0" err="1">
-                <a:solidFill>
-                  <a:srgbClr val="7F0055"/>
-                </a:solidFill>
-                <a:latin typeface="Consolas"/>
-              </a:rPr>
-              <a:t>var</a:t>
-            </a:r>
-            <a:r>
-              <a:rPr lang="de-DE" dirty="0">
-                <a:solidFill>
-                  <a:srgbClr val="000000"/>
-                </a:solidFill>
-                <a:latin typeface="Consolas"/>
-              </a:rPr>
-              <a:t> x = </a:t>
-            </a:r>
-            <a:r>
-              <a:rPr lang="de-DE" dirty="0" err="1">
-                <a:solidFill>
-                  <a:srgbClr val="000000"/>
-                </a:solidFill>
-                <a:latin typeface="Consolas"/>
-              </a:rPr>
-              <a:t>cond</a:t>
-            </a:r>
-            <a:r>
-              <a:rPr lang="de-DE" dirty="0">
-                <a:solidFill>
-                  <a:srgbClr val="000000"/>
-                </a:solidFill>
-                <a:latin typeface="Consolas"/>
-              </a:rPr>
-              <a:t> ? </a:t>
-            </a:r>
-            <a:r>
-              <a:rPr lang="de-DE" dirty="0">
+              <a:t>"</a:t>
+            </a:r>
+            <a:r>
+              <a:rPr lang="de-DE" sz="2400" dirty="0">
+                <a:solidFill>
+                  <a:srgbClr val="000000"/>
+                </a:solidFill>
+                <a:latin typeface="Consolas"/>
+              </a:rPr>
+              <a:t> == </a:t>
+            </a:r>
+            <a:r>
+              <a:rPr lang="de-DE" sz="2400" dirty="0" smtClean="0">
+                <a:solidFill>
+                  <a:srgbClr val="000000"/>
+                </a:solidFill>
+                <a:latin typeface="Consolas"/>
+              </a:rPr>
+              <a:t>0</a:t>
+            </a:r>
+            <a:endParaRPr lang="de-DE" sz="2400" dirty="0">
+              <a:solidFill>
+                <a:srgbClr val="000000"/>
+              </a:solidFill>
+              <a:latin typeface="Consolas"/>
+            </a:endParaRPr>
+          </a:p>
+          <a:p>
+            <a:pPr marL="457200" indent="-457200">
+              <a:buFont typeface="+mj-lt"/>
+              <a:buAutoNum type="arabicPeriod" startAt="11"/>
+            </a:pPr>
+            <a:r>
+              <a:rPr lang="de-DE" sz="2400" dirty="0" smtClean="0">
+                <a:solidFill>
+                  <a:srgbClr val="000000"/>
+                </a:solidFill>
+                <a:latin typeface="Consolas"/>
+              </a:rPr>
+              <a:t> !</a:t>
+            </a:r>
+            <a:r>
+              <a:rPr lang="de-DE" sz="2400" dirty="0" smtClean="0">
                 <a:solidFill>
                   <a:srgbClr val="2A00FF"/>
                 </a:solidFill>
                 <a:latin typeface="Consolas"/>
               </a:rPr>
-              <a:t>'wahr'</a:t>
-            </a:r>
-            <a:r>
-              <a:rPr lang="de-DE" dirty="0">
-                <a:solidFill>
-                  <a:srgbClr val="000000"/>
-                </a:solidFill>
-                <a:latin typeface="Consolas"/>
-              </a:rPr>
-              <a:t> : </a:t>
-            </a:r>
-            <a:r>
-              <a:rPr lang="de-DE" dirty="0">
+              <a:t>"</a:t>
+            </a:r>
+            <a:r>
+              <a:rPr lang="de-DE" sz="2400" dirty="0">
                 <a:solidFill>
                   <a:srgbClr val="2A00FF"/>
                 </a:solidFill>
                 <a:latin typeface="Consolas"/>
               </a:rPr>
-              <a:t>'unwahr'</a:t>
-            </a:r>
-            <a:r>
-              <a:rPr lang="de-DE" dirty="0">
-                <a:solidFill>
-                  <a:srgbClr val="000000"/>
-                </a:solidFill>
-                <a:latin typeface="Consolas"/>
-              </a:rPr>
-              <a:t>;</a:t>
-            </a:r>
-          </a:p>
-          <a:p>
-            <a:endParaRPr lang="de-DE" dirty="0" smtClean="0"/>
-          </a:p>
-          <a:p>
-            <a:endParaRPr lang="de-DE" dirty="0"/>
+              <a:t>0"</a:t>
+            </a:r>
+            <a:r>
+              <a:rPr lang="de-DE" sz="2400" dirty="0">
+                <a:solidFill>
+                  <a:srgbClr val="000000"/>
+                </a:solidFill>
+                <a:latin typeface="Consolas"/>
+              </a:rPr>
+              <a:t> == !</a:t>
+            </a:r>
+            <a:r>
+              <a:rPr lang="de-DE" sz="2400" dirty="0" smtClean="0">
+                <a:solidFill>
+                  <a:srgbClr val="000000"/>
+                </a:solidFill>
+                <a:latin typeface="Consolas"/>
+              </a:rPr>
+              <a:t>0</a:t>
+            </a:r>
+            <a:endParaRPr lang="de-DE" sz="2400" dirty="0">
+              <a:solidFill>
+                <a:srgbClr val="000000"/>
+              </a:solidFill>
+              <a:latin typeface="Consolas"/>
+            </a:endParaRPr>
           </a:p>
         </p:txBody>
       </p:sp>
     </p:spTree>
     <p:extLst>
       <p:ext uri="{BB962C8B-B14F-4D97-AF65-F5344CB8AC3E}">
-        <p14:creationId xmlns:p14="http://schemas.microsoft.com/office/powerpoint/2010/main" val="3591002214"/>
+        <p14:creationId xmlns:p14="http://schemas.microsoft.com/office/powerpoint/2010/main" val="3162314095"/>
       </p:ext>
     </p:extLst>
   </p:cSld>
   <p:clrMapOvr>
     <a:masterClrMapping/>
   </p:clrMapOvr>
+  <p:timing>
+    <p:tnLst>
+      <p:par>
+        <p:cTn id="1" dur="indefinite" restart="never" nodeType="tmRoot"/>
+      </p:par>
+    </p:tnLst>
+  </p:timing>
 </p:sld>
 </file>
 
@@ -18460,6 +18243,339 @@
           <a:p>
             <a:r>
               <a:rPr lang="de-DE" dirty="0" smtClean="0"/>
+              <a:t>Verzweigung mit if</a:t>
+            </a:r>
+          </a:p>
+          <a:p>
+            <a:pPr lvl="1"/>
+            <a:r>
+              <a:rPr lang="de-DE" dirty="0">
+                <a:solidFill>
+                  <a:srgbClr val="7F0055"/>
+                </a:solidFill>
+                <a:latin typeface="Consolas"/>
+              </a:rPr>
+              <a:t>if</a:t>
+            </a:r>
+            <a:r>
+              <a:rPr lang="de-DE" dirty="0">
+                <a:solidFill>
+                  <a:srgbClr val="000000"/>
+                </a:solidFill>
+                <a:latin typeface="Consolas"/>
+              </a:rPr>
+              <a:t>(</a:t>
+            </a:r>
+            <a:r>
+              <a:rPr lang="de-DE" dirty="0" err="1">
+                <a:solidFill>
+                  <a:srgbClr val="000000"/>
+                </a:solidFill>
+                <a:latin typeface="Consolas"/>
+              </a:rPr>
+              <a:t>cond</a:t>
+            </a:r>
+            <a:r>
+              <a:rPr lang="de-DE" dirty="0">
+                <a:solidFill>
+                  <a:srgbClr val="000000"/>
+                </a:solidFill>
+                <a:latin typeface="Consolas"/>
+              </a:rPr>
+              <a:t>){</a:t>
+            </a:r>
+          </a:p>
+          <a:p>
+            <a:pPr lvl="1"/>
+            <a:r>
+              <a:rPr lang="de-DE" dirty="0" smtClean="0">
+                <a:solidFill>
+                  <a:srgbClr val="000000"/>
+                </a:solidFill>
+                <a:latin typeface="Consolas"/>
+              </a:rPr>
+              <a:t>  console.log</a:t>
+            </a:r>
+            <a:r>
+              <a:rPr lang="de-DE" dirty="0">
+                <a:solidFill>
+                  <a:srgbClr val="000000"/>
+                </a:solidFill>
+                <a:latin typeface="Consolas"/>
+              </a:rPr>
+              <a:t>(</a:t>
+            </a:r>
+            <a:r>
+              <a:rPr lang="de-DE" dirty="0">
+                <a:solidFill>
+                  <a:srgbClr val="2A00FF"/>
+                </a:solidFill>
+                <a:latin typeface="Consolas"/>
+              </a:rPr>
+              <a:t>'wahr'</a:t>
+            </a:r>
+            <a:r>
+              <a:rPr lang="de-DE" dirty="0">
+                <a:solidFill>
+                  <a:srgbClr val="000000"/>
+                </a:solidFill>
+                <a:latin typeface="Consolas"/>
+              </a:rPr>
+              <a:t>);</a:t>
+            </a:r>
+          </a:p>
+          <a:p>
+            <a:pPr lvl="1"/>
+            <a:r>
+              <a:rPr lang="de-DE" dirty="0">
+                <a:solidFill>
+                  <a:srgbClr val="000000"/>
+                </a:solidFill>
+                <a:latin typeface="Consolas"/>
+              </a:rPr>
+              <a:t>} </a:t>
+            </a:r>
+            <a:r>
+              <a:rPr lang="de-DE" dirty="0" err="1">
+                <a:solidFill>
+                  <a:srgbClr val="7F0055"/>
+                </a:solidFill>
+                <a:latin typeface="Consolas"/>
+              </a:rPr>
+              <a:t>else</a:t>
+            </a:r>
+            <a:r>
+              <a:rPr lang="de-DE" dirty="0">
+                <a:solidFill>
+                  <a:srgbClr val="000000"/>
+                </a:solidFill>
+                <a:latin typeface="Consolas"/>
+              </a:rPr>
+              <a:t> {</a:t>
+            </a:r>
+          </a:p>
+          <a:p>
+            <a:pPr lvl="1"/>
+            <a:r>
+              <a:rPr lang="de-DE" dirty="0" smtClean="0">
+                <a:solidFill>
+                  <a:srgbClr val="000000"/>
+                </a:solidFill>
+                <a:latin typeface="Consolas"/>
+              </a:rPr>
+              <a:t>  console.log</a:t>
+            </a:r>
+            <a:r>
+              <a:rPr lang="de-DE" dirty="0">
+                <a:solidFill>
+                  <a:srgbClr val="000000"/>
+                </a:solidFill>
+                <a:latin typeface="Consolas"/>
+              </a:rPr>
+              <a:t>(</a:t>
+            </a:r>
+            <a:r>
+              <a:rPr lang="de-DE" dirty="0">
+                <a:solidFill>
+                  <a:srgbClr val="2A00FF"/>
+                </a:solidFill>
+                <a:latin typeface="Consolas"/>
+              </a:rPr>
+              <a:t>'unwahr'</a:t>
+            </a:r>
+            <a:r>
+              <a:rPr lang="de-DE" dirty="0">
+                <a:solidFill>
+                  <a:srgbClr val="000000"/>
+                </a:solidFill>
+                <a:latin typeface="Consolas"/>
+              </a:rPr>
+              <a:t>);</a:t>
+            </a:r>
+          </a:p>
+          <a:p>
+            <a:pPr lvl="1"/>
+            <a:r>
+              <a:rPr lang="de-DE" dirty="0">
+                <a:solidFill>
+                  <a:srgbClr val="000000"/>
+                </a:solidFill>
+                <a:latin typeface="Consolas"/>
+              </a:rPr>
+              <a:t>}</a:t>
+            </a:r>
+          </a:p>
+          <a:p>
+            <a:r>
+              <a:rPr lang="de-DE" dirty="0" smtClean="0"/>
+              <a:t>Einfaches </a:t>
+            </a:r>
+            <a:r>
+              <a:rPr lang="de-DE" dirty="0" err="1" smtClean="0"/>
+              <a:t>Entweder-Oder</a:t>
+            </a:r>
+            <a:endParaRPr lang="de-DE" dirty="0"/>
+          </a:p>
+          <a:p>
+            <a:pPr lvl="1"/>
+            <a:r>
+              <a:rPr lang="de-DE" dirty="0" err="1">
+                <a:solidFill>
+                  <a:srgbClr val="7F0055"/>
+                </a:solidFill>
+                <a:latin typeface="Consolas"/>
+              </a:rPr>
+              <a:t>var</a:t>
+            </a:r>
+            <a:r>
+              <a:rPr lang="de-DE" dirty="0">
+                <a:solidFill>
+                  <a:srgbClr val="000000"/>
+                </a:solidFill>
+                <a:latin typeface="Consolas"/>
+              </a:rPr>
+              <a:t> x = </a:t>
+            </a:r>
+            <a:r>
+              <a:rPr lang="de-DE" dirty="0" err="1">
+                <a:solidFill>
+                  <a:srgbClr val="000000"/>
+                </a:solidFill>
+                <a:latin typeface="Consolas"/>
+              </a:rPr>
+              <a:t>cond</a:t>
+            </a:r>
+            <a:r>
+              <a:rPr lang="de-DE" dirty="0">
+                <a:solidFill>
+                  <a:srgbClr val="000000"/>
+                </a:solidFill>
+                <a:latin typeface="Consolas"/>
+              </a:rPr>
+              <a:t> ? </a:t>
+            </a:r>
+            <a:r>
+              <a:rPr lang="de-DE" dirty="0">
+                <a:solidFill>
+                  <a:srgbClr val="2A00FF"/>
+                </a:solidFill>
+                <a:latin typeface="Consolas"/>
+              </a:rPr>
+              <a:t>'wahr'</a:t>
+            </a:r>
+            <a:r>
+              <a:rPr lang="de-DE" dirty="0">
+                <a:solidFill>
+                  <a:srgbClr val="000000"/>
+                </a:solidFill>
+                <a:latin typeface="Consolas"/>
+              </a:rPr>
+              <a:t> : </a:t>
+            </a:r>
+            <a:r>
+              <a:rPr lang="de-DE" dirty="0">
+                <a:solidFill>
+                  <a:srgbClr val="2A00FF"/>
+                </a:solidFill>
+                <a:latin typeface="Consolas"/>
+              </a:rPr>
+              <a:t>'unwahr'</a:t>
+            </a:r>
+            <a:r>
+              <a:rPr lang="de-DE" dirty="0">
+                <a:solidFill>
+                  <a:srgbClr val="000000"/>
+                </a:solidFill>
+                <a:latin typeface="Consolas"/>
+              </a:rPr>
+              <a:t>;</a:t>
+            </a:r>
+          </a:p>
+          <a:p>
+            <a:endParaRPr lang="de-DE" dirty="0" smtClean="0"/>
+          </a:p>
+          <a:p>
+            <a:endParaRPr lang="de-DE" dirty="0"/>
+          </a:p>
+        </p:txBody>
+      </p:sp>
+    </p:spTree>
+    <p:extLst>
+      <p:ext uri="{BB962C8B-B14F-4D97-AF65-F5344CB8AC3E}">
+        <p14:creationId xmlns:p14="http://schemas.microsoft.com/office/powerpoint/2010/main" val="3591002214"/>
+      </p:ext>
+    </p:extLst>
+  </p:cSld>
+  <p:clrMapOvr>
+    <a:masterClrMapping/>
+  </p:clrMapOvr>
+  <p:timing>
+    <p:tnLst>
+      <p:par>
+        <p:cTn id="1" dur="indefinite" restart="never" nodeType="tmRoot"/>
+      </p:par>
+    </p:tnLst>
+  </p:timing>
+</p:sld>
+</file>
+
+<file path=ppt/slides/slide26.xml><?xml version="1.0" encoding="utf-8"?>
+<p:sld xmlns:a="http://schemas.openxmlformats.org/drawingml/2006/main" xmlns:r="http://schemas.openxmlformats.org/officeDocument/2006/relationships" xmlns:p="http://schemas.openxmlformats.org/presentationml/2006/main">
+  <p:cSld>
+    <p:spTree>
+      <p:nvGrpSpPr>
+        <p:cNvPr id="1" name=""/>
+        <p:cNvGrpSpPr/>
+        <p:nvPr/>
+      </p:nvGrpSpPr>
+      <p:grpSpPr>
+        <a:xfrm>
+          <a:off x="0" y="0"/>
+          <a:ext cx="0" cy="0"/>
+          <a:chOff x="0" y="0"/>
+          <a:chExt cx="0" cy="0"/>
+        </a:xfrm>
+      </p:grpSpPr>
+      <p:sp>
+        <p:nvSpPr>
+          <p:cNvPr id="2" name="Title 1"/>
+          <p:cNvSpPr>
+            <a:spLocks noGrp="1"/>
+          </p:cNvSpPr>
+          <p:nvPr>
+            <p:ph type="title"/>
+          </p:nvPr>
+        </p:nvSpPr>
+        <p:spPr/>
+        <p:txBody>
+          <a:bodyPr/>
+          <a:lstStyle/>
+          <a:p>
+            <a:r>
+              <a:rPr lang="de-DE" dirty="0" smtClean="0"/>
+              <a:t>Verzweigungen</a:t>
+            </a:r>
+            <a:endParaRPr lang="de-DE" dirty="0"/>
+          </a:p>
+        </p:txBody>
+      </p:sp>
+      <p:sp>
+        <p:nvSpPr>
+          <p:cNvPr id="3" name="Text Placeholder 2"/>
+          <p:cNvSpPr>
+            <a:spLocks noGrp="1"/>
+          </p:cNvSpPr>
+          <p:nvPr>
+            <p:ph type="body" sz="quarter" idx="10"/>
+          </p:nvPr>
+        </p:nvSpPr>
+        <p:spPr/>
+        <p:txBody>
+          <a:bodyPr/>
+          <a:lstStyle/>
+          <a:p>
+            <a:r>
+              <a:rPr lang="de-DE" dirty="0" smtClean="0"/>
               <a:t>Verzweigung mit </a:t>
             </a:r>
             <a:r>
@@ -18987,10 +19103,17 @@
   <p:clrMapOvr>
     <a:masterClrMapping/>
   </p:clrMapOvr>
+  <p:timing>
+    <p:tnLst>
+      <p:par>
+        <p:cTn id="1" dur="indefinite" restart="never" nodeType="tmRoot"/>
+      </p:par>
+    </p:tnLst>
+  </p:timing>
 </p:sld>
 </file>
 
-<file path=ppt/slides/slide26.xml><?xml version="1.0" encoding="utf-8"?>
+<file path=ppt/slides/slide27.xml><?xml version="1.0" encoding="utf-8"?>
 <p:sld xmlns:a="http://schemas.openxmlformats.org/drawingml/2006/main" xmlns:r="http://schemas.openxmlformats.org/officeDocument/2006/relationships" xmlns:p="http://schemas.openxmlformats.org/presentationml/2006/main">
   <p:cSld>
     <p:spTree>
@@ -19857,10 +19980,17 @@
   <p:clrMapOvr>
     <a:masterClrMapping/>
   </p:clrMapOvr>
+  <p:timing>
+    <p:tnLst>
+      <p:par>
+        <p:cTn id="1" dur="indefinite" restart="never" nodeType="tmRoot"/>
+      </p:par>
+    </p:tnLst>
+  </p:timing>
 </p:sld>
 </file>
 
-<file path=ppt/slides/slide27.xml><?xml version="1.0" encoding="utf-8"?>
+<file path=ppt/slides/slide28.xml><?xml version="1.0" encoding="utf-8"?>
 <p:sld xmlns:a="http://schemas.openxmlformats.org/drawingml/2006/main" xmlns:r="http://schemas.openxmlformats.org/officeDocument/2006/relationships" xmlns:p="http://schemas.openxmlformats.org/presentationml/2006/main">
   <p:cSld>
     <p:spTree>
@@ -19961,367 +20091,6 @@
 </p:sld>
 </file>
 
-<file path=ppt/slides/slide28.xml><?xml version="1.0" encoding="utf-8"?>
-<p:sld xmlns:a="http://schemas.openxmlformats.org/drawingml/2006/main" xmlns:r="http://schemas.openxmlformats.org/officeDocument/2006/relationships" xmlns:p="http://schemas.openxmlformats.org/presentationml/2006/main">
-  <p:cSld>
-    <p:spTree>
-      <p:nvGrpSpPr>
-        <p:cNvPr id="1" name=""/>
-        <p:cNvGrpSpPr/>
-        <p:nvPr/>
-      </p:nvGrpSpPr>
-      <p:grpSpPr>
-        <a:xfrm>
-          <a:off x="0" y="0"/>
-          <a:ext cx="0" cy="0"/>
-          <a:chOff x="0" y="0"/>
-          <a:chExt cx="0" cy="0"/>
-        </a:xfrm>
-      </p:grpSpPr>
-      <p:sp>
-        <p:nvSpPr>
-          <p:cNvPr id="2" name="Title 1"/>
-          <p:cNvSpPr>
-            <a:spLocks noGrp="1"/>
-          </p:cNvSpPr>
-          <p:nvPr>
-            <p:ph type="title"/>
-          </p:nvPr>
-        </p:nvSpPr>
-        <p:spPr/>
-        <p:txBody>
-          <a:bodyPr/>
-          <a:lstStyle/>
-          <a:p>
-            <a:r>
-              <a:rPr lang="de-DE" dirty="0" smtClean="0"/>
-              <a:t>Objekte durch Objektliterale</a:t>
-            </a:r>
-            <a:endParaRPr lang="de-DE" dirty="0"/>
-          </a:p>
-        </p:txBody>
-      </p:sp>
-      <p:sp>
-        <p:nvSpPr>
-          <p:cNvPr id="4" name="Text Placeholder 3"/>
-          <p:cNvSpPr>
-            <a:spLocks noGrp="1"/>
-          </p:cNvSpPr>
-          <p:nvPr>
-            <p:ph type="body" sz="quarter" idx="10"/>
-          </p:nvPr>
-        </p:nvSpPr>
-        <p:spPr/>
-        <p:txBody>
-          <a:bodyPr/>
-          <a:lstStyle/>
-          <a:p>
-            <a:r>
-              <a:rPr lang="de-DE" dirty="0" smtClean="0"/>
-              <a:t>Beispiel</a:t>
-            </a:r>
-          </a:p>
-          <a:p>
-            <a:pPr lvl="1"/>
-            <a:r>
-              <a:rPr lang="de-DE" dirty="0" err="1">
-                <a:solidFill>
-                  <a:srgbClr val="7F0055"/>
-                </a:solidFill>
-                <a:latin typeface="Consolas"/>
-              </a:rPr>
-              <a:t>var</a:t>
-            </a:r>
-            <a:r>
-              <a:rPr lang="de-DE" dirty="0">
-                <a:solidFill>
-                  <a:srgbClr val="000000"/>
-                </a:solidFill>
-                <a:latin typeface="Consolas"/>
-              </a:rPr>
-              <a:t> </a:t>
-            </a:r>
-            <a:r>
-              <a:rPr lang="de-DE" dirty="0" err="1">
-                <a:solidFill>
-                  <a:srgbClr val="000000"/>
-                </a:solidFill>
-                <a:latin typeface="Consolas"/>
-              </a:rPr>
-              <a:t>max</a:t>
-            </a:r>
-            <a:r>
-              <a:rPr lang="de-DE" dirty="0">
-                <a:solidFill>
-                  <a:srgbClr val="000000"/>
-                </a:solidFill>
-                <a:latin typeface="Consolas"/>
-              </a:rPr>
-              <a:t> = {</a:t>
-            </a:r>
-          </a:p>
-          <a:p>
-            <a:pPr lvl="1"/>
-            <a:r>
-              <a:rPr lang="de-DE" dirty="0">
-                <a:solidFill>
-                  <a:srgbClr val="000000"/>
-                </a:solidFill>
-                <a:latin typeface="Consolas"/>
-              </a:rPr>
-              <a:t>  </a:t>
-            </a:r>
-            <a:r>
-              <a:rPr lang="de-DE" dirty="0" err="1">
-                <a:solidFill>
-                  <a:srgbClr val="000000"/>
-                </a:solidFill>
-                <a:latin typeface="Consolas"/>
-              </a:rPr>
-              <a:t>name</a:t>
-            </a:r>
-            <a:r>
-              <a:rPr lang="de-DE" dirty="0">
-                <a:solidFill>
-                  <a:srgbClr val="000000"/>
-                </a:solidFill>
-                <a:latin typeface="Consolas"/>
-              </a:rPr>
-              <a:t>: </a:t>
-            </a:r>
-            <a:r>
-              <a:rPr lang="de-DE" dirty="0">
-                <a:solidFill>
-                  <a:srgbClr val="2A00FF"/>
-                </a:solidFill>
-                <a:latin typeface="Consolas"/>
-              </a:rPr>
-              <a:t>"Max"</a:t>
-            </a:r>
-            <a:r>
-              <a:rPr lang="de-DE" dirty="0">
-                <a:solidFill>
-                  <a:srgbClr val="000000"/>
-                </a:solidFill>
-                <a:latin typeface="Consolas"/>
-              </a:rPr>
-              <a:t>, </a:t>
-            </a:r>
-          </a:p>
-          <a:p>
-            <a:pPr lvl="1"/>
-            <a:r>
-              <a:rPr lang="de-DE" dirty="0">
-                <a:solidFill>
-                  <a:srgbClr val="000000"/>
-                </a:solidFill>
-                <a:latin typeface="Consolas"/>
-              </a:rPr>
-              <a:t>  </a:t>
-            </a:r>
-            <a:r>
-              <a:rPr lang="de-DE" dirty="0" err="1">
-                <a:solidFill>
-                  <a:srgbClr val="000000"/>
-                </a:solidFill>
-                <a:latin typeface="Consolas"/>
-              </a:rPr>
-              <a:t>sayHello</a:t>
-            </a:r>
-            <a:r>
-              <a:rPr lang="de-DE" dirty="0">
-                <a:solidFill>
-                  <a:srgbClr val="000000"/>
-                </a:solidFill>
-                <a:latin typeface="Consolas"/>
-              </a:rPr>
-              <a:t>: </a:t>
-            </a:r>
-            <a:r>
-              <a:rPr lang="de-DE" dirty="0" err="1">
-                <a:solidFill>
-                  <a:srgbClr val="7F0055"/>
-                </a:solidFill>
-                <a:latin typeface="Consolas"/>
-              </a:rPr>
-              <a:t>function</a:t>
-            </a:r>
-            <a:r>
-              <a:rPr lang="de-DE" dirty="0">
-                <a:solidFill>
-                  <a:srgbClr val="000000"/>
-                </a:solidFill>
-                <a:latin typeface="Consolas"/>
-              </a:rPr>
-              <a:t>(){</a:t>
-            </a:r>
-          </a:p>
-          <a:p>
-            <a:pPr lvl="1"/>
-            <a:r>
-              <a:rPr lang="de-DE" dirty="0">
-                <a:solidFill>
-                  <a:srgbClr val="000000"/>
-                </a:solidFill>
-                <a:latin typeface="Consolas"/>
-              </a:rPr>
-              <a:t>    console.log(</a:t>
-            </a:r>
-            <a:r>
-              <a:rPr lang="de-DE" dirty="0">
-                <a:solidFill>
-                  <a:srgbClr val="2A00FF"/>
-                </a:solidFill>
-                <a:latin typeface="Consolas"/>
-              </a:rPr>
-              <a:t>"</a:t>
-            </a:r>
-            <a:r>
-              <a:rPr lang="de-DE" dirty="0" err="1">
-                <a:solidFill>
-                  <a:srgbClr val="2A00FF"/>
-                </a:solidFill>
-                <a:latin typeface="Consolas"/>
-              </a:rPr>
-              <a:t>Hello</a:t>
-            </a:r>
-            <a:r>
-              <a:rPr lang="de-DE" dirty="0">
-                <a:solidFill>
-                  <a:srgbClr val="2A00FF"/>
-                </a:solidFill>
-                <a:latin typeface="Consolas"/>
-              </a:rPr>
-              <a:t> "</a:t>
-            </a:r>
-            <a:r>
-              <a:rPr lang="de-DE" dirty="0">
-                <a:solidFill>
-                  <a:srgbClr val="000000"/>
-                </a:solidFill>
-                <a:latin typeface="Consolas"/>
-              </a:rPr>
-              <a:t> + </a:t>
-            </a:r>
-            <a:r>
-              <a:rPr lang="de-DE" dirty="0">
-                <a:solidFill>
-                  <a:srgbClr val="7F0055"/>
-                </a:solidFill>
-                <a:latin typeface="Consolas"/>
-              </a:rPr>
-              <a:t>this</a:t>
-            </a:r>
-            <a:r>
-              <a:rPr lang="de-DE" dirty="0">
-                <a:solidFill>
-                  <a:srgbClr val="000000"/>
-                </a:solidFill>
-                <a:latin typeface="Consolas"/>
-              </a:rPr>
-              <a:t>.name + </a:t>
-            </a:r>
-            <a:r>
-              <a:rPr lang="de-DE" dirty="0">
-                <a:solidFill>
-                  <a:srgbClr val="2A00FF"/>
-                </a:solidFill>
-                <a:latin typeface="Consolas"/>
-              </a:rPr>
-              <a:t>"!"</a:t>
-            </a:r>
-            <a:r>
-              <a:rPr lang="de-DE" dirty="0">
-                <a:solidFill>
-                  <a:srgbClr val="000000"/>
-                </a:solidFill>
-                <a:latin typeface="Consolas"/>
-              </a:rPr>
-              <a:t>);</a:t>
-            </a:r>
-          </a:p>
-          <a:p>
-            <a:pPr lvl="1"/>
-            <a:r>
-              <a:rPr lang="de-DE" dirty="0">
-                <a:solidFill>
-                  <a:srgbClr val="000000"/>
-                </a:solidFill>
-                <a:latin typeface="Consolas"/>
-              </a:rPr>
-              <a:t>  } </a:t>
-            </a:r>
-          </a:p>
-          <a:p>
-            <a:pPr lvl="1"/>
-            <a:r>
-              <a:rPr lang="de-DE" dirty="0">
-                <a:solidFill>
-                  <a:srgbClr val="000000"/>
-                </a:solidFill>
-                <a:latin typeface="Consolas"/>
-              </a:rPr>
-              <a:t>};</a:t>
-            </a:r>
-          </a:p>
-          <a:p>
-            <a:pPr lvl="1"/>
-            <a:r>
-              <a:rPr lang="de-DE" dirty="0" err="1">
-                <a:solidFill>
-                  <a:srgbClr val="000000"/>
-                </a:solidFill>
-                <a:latin typeface="Consolas"/>
-              </a:rPr>
-              <a:t>max.sayHello</a:t>
-            </a:r>
-            <a:r>
-              <a:rPr lang="de-DE" dirty="0">
-                <a:solidFill>
-                  <a:srgbClr val="000000"/>
-                </a:solidFill>
-                <a:latin typeface="Consolas"/>
-              </a:rPr>
-              <a:t>();</a:t>
-            </a:r>
-          </a:p>
-          <a:p>
-            <a:r>
-              <a:rPr lang="de-DE" dirty="0" smtClean="0"/>
-              <a:t>Ausgabe</a:t>
-            </a:r>
-          </a:p>
-          <a:p>
-            <a:pPr lvl="1"/>
-            <a:r>
-              <a:rPr lang="de-DE" dirty="0" smtClean="0"/>
-              <a:t>„</a:t>
-            </a:r>
-            <a:r>
-              <a:rPr lang="de-DE" dirty="0" err="1" smtClean="0"/>
-              <a:t>Hello</a:t>
-            </a:r>
-            <a:r>
-              <a:rPr lang="de-DE" dirty="0" smtClean="0"/>
-              <a:t> Max“</a:t>
-            </a:r>
-            <a:endParaRPr lang="de-DE" dirty="0"/>
-          </a:p>
-        </p:txBody>
-      </p:sp>
-    </p:spTree>
-    <p:extLst>
-      <p:ext uri="{BB962C8B-B14F-4D97-AF65-F5344CB8AC3E}">
-        <p14:creationId xmlns:p14="http://schemas.microsoft.com/office/powerpoint/2010/main" val="1656718775"/>
-      </p:ext>
-    </p:extLst>
-  </p:cSld>
-  <p:clrMapOvr>
-    <a:masterClrMapping/>
-  </p:clrMapOvr>
-</p:sld>
-</file>
-
 <file path=ppt/slides/slide29.xml><?xml version="1.0" encoding="utf-8"?>
 <p:sld xmlns:a="http://schemas.openxmlformats.org/drawingml/2006/main" xmlns:r="http://schemas.openxmlformats.org/officeDocument/2006/relationships" xmlns:p="http://schemas.openxmlformats.org/presentationml/2006/main">
   <p:cSld>
@@ -20356,7 +20125,7 @@
           <a:p>
             <a:r>
               <a:rPr lang="de-DE" dirty="0" smtClean="0"/>
-              <a:t>Objekte durch Funktionen erzeugen</a:t>
+              <a:t>Objekte durch Objektliterale</a:t>
             </a:r>
             <a:endParaRPr lang="de-DE" dirty="0"/>
           </a:p>
@@ -20364,7 +20133,7 @@
       </p:sp>
       <p:sp>
         <p:nvSpPr>
-          <p:cNvPr id="3" name="Text Placeholder 2"/>
+          <p:cNvPr id="4" name="Text Placeholder 3"/>
           <p:cNvSpPr>
             <a:spLocks noGrp="1"/>
           </p:cNvSpPr>
@@ -20391,6 +20160,120 @@
                 </a:solidFill>
                 <a:latin typeface="Consolas"/>
               </a:rPr>
+              <a:t>var</a:t>
+            </a:r>
+            <a:r>
+              <a:rPr lang="de-DE" dirty="0">
+                <a:solidFill>
+                  <a:srgbClr val="000000"/>
+                </a:solidFill>
+                <a:latin typeface="Consolas"/>
+              </a:rPr>
+              <a:t> </a:t>
+            </a:r>
+            <a:r>
+              <a:rPr lang="de-DE" dirty="0" err="1">
+                <a:solidFill>
+                  <a:srgbClr val="000000"/>
+                </a:solidFill>
+                <a:latin typeface="Consolas"/>
+              </a:rPr>
+              <a:t>max</a:t>
+            </a:r>
+            <a:r>
+              <a:rPr lang="de-DE" dirty="0">
+                <a:solidFill>
+                  <a:srgbClr val="000000"/>
+                </a:solidFill>
+                <a:latin typeface="Consolas"/>
+              </a:rPr>
+              <a:t> = {</a:t>
+            </a:r>
+          </a:p>
+          <a:p>
+            <a:pPr lvl="1"/>
+            <a:r>
+              <a:rPr lang="de-DE" dirty="0">
+                <a:solidFill>
+                  <a:srgbClr val="000000"/>
+                </a:solidFill>
+                <a:latin typeface="Consolas"/>
+              </a:rPr>
+              <a:t>  </a:t>
+            </a:r>
+            <a:r>
+              <a:rPr lang="de-DE" dirty="0" err="1">
+                <a:solidFill>
+                  <a:srgbClr val="000000"/>
+                </a:solidFill>
+                <a:latin typeface="Consolas"/>
+              </a:rPr>
+              <a:t>name</a:t>
+            </a:r>
+            <a:r>
+              <a:rPr lang="de-DE" dirty="0">
+                <a:solidFill>
+                  <a:srgbClr val="000000"/>
+                </a:solidFill>
+                <a:latin typeface="Consolas"/>
+              </a:rPr>
+              <a:t>: </a:t>
+            </a:r>
+            <a:r>
+              <a:rPr lang="de-DE" dirty="0">
+                <a:solidFill>
+                  <a:srgbClr val="2A00FF"/>
+                </a:solidFill>
+                <a:latin typeface="Consolas"/>
+              </a:rPr>
+              <a:t>"Max"</a:t>
+            </a:r>
+            <a:r>
+              <a:rPr lang="de-DE" dirty="0">
+                <a:solidFill>
+                  <a:srgbClr val="000000"/>
+                </a:solidFill>
+                <a:latin typeface="Consolas"/>
+              </a:rPr>
+              <a:t>, </a:t>
+            </a:r>
+          </a:p>
+          <a:p>
+            <a:pPr lvl="1"/>
+            <a:r>
+              <a:rPr lang="de-DE" dirty="0">
+                <a:solidFill>
+                  <a:srgbClr val="000000"/>
+                </a:solidFill>
+                <a:latin typeface="Consolas"/>
+              </a:rPr>
+              <a:t>  </a:t>
+            </a:r>
+            <a:r>
+              <a:rPr lang="de-DE" dirty="0" err="1">
+                <a:solidFill>
+                  <a:srgbClr val="000000"/>
+                </a:solidFill>
+                <a:latin typeface="Consolas"/>
+              </a:rPr>
+              <a:t>sayHello</a:t>
+            </a:r>
+            <a:r>
+              <a:rPr lang="de-DE" dirty="0">
+                <a:solidFill>
+                  <a:srgbClr val="000000"/>
+                </a:solidFill>
+                <a:latin typeface="Consolas"/>
+              </a:rPr>
+              <a:t>: </a:t>
+            </a:r>
+            <a:r>
+              <a:rPr lang="de-DE" dirty="0" err="1">
+                <a:solidFill>
+                  <a:srgbClr val="7F0055"/>
+                </a:solidFill>
+                <a:latin typeface="Consolas"/>
+              </a:rPr>
               <a:t>function</a:t>
             </a:r>
             <a:r>
@@ -20400,26 +20283,119 @@
                 </a:solidFill>
                 <a:latin typeface="Consolas"/>
               </a:rPr>
-              <a:t> Person(</a:t>
+              <a:t>(){</a:t>
+            </a:r>
+          </a:p>
+          <a:p>
+            <a:pPr lvl="1"/>
+            <a:r>
+              <a:rPr lang="de-DE" dirty="0">
+                <a:solidFill>
+                  <a:srgbClr val="000000"/>
+                </a:solidFill>
+                <a:latin typeface="Consolas"/>
+              </a:rPr>
+              <a:t>    console.log(</a:t>
+            </a:r>
+            <a:r>
+              <a:rPr lang="de-DE" dirty="0">
+                <a:solidFill>
+                  <a:srgbClr val="2A00FF"/>
+                </a:solidFill>
+                <a:latin typeface="Consolas"/>
+              </a:rPr>
+              <a:t>"</a:t>
             </a:r>
             <a:r>
               <a:rPr lang="de-DE" dirty="0" err="1">
                 <a:solidFill>
-                  <a:srgbClr val="000000"/>
-                </a:solidFill>
-                <a:latin typeface="Consolas"/>
-              </a:rPr>
-              <a:t>inName</a:t>
+                  <a:srgbClr val="2A00FF"/>
+                </a:solidFill>
+                <a:latin typeface="Consolas"/>
+              </a:rPr>
+              <a:t>Hello</a:t>
             </a:r>
             <a:r>
               <a:rPr lang="de-DE" dirty="0">
                 <a:solidFill>
-                  <a:srgbClr val="000000"/>
-                </a:solidFill>
-                <a:latin typeface="Consolas"/>
-              </a:rPr>
-              <a:t>, </a:t>
-            </a:r>
+                  <a:srgbClr val="2A00FF"/>
+                </a:solidFill>
+                <a:latin typeface="Consolas"/>
+              </a:rPr>
+              <a:t> "</a:t>
+            </a:r>
+            <a:r>
+              <a:rPr lang="de-DE" dirty="0">
+                <a:solidFill>
+                  <a:srgbClr val="000000"/>
+                </a:solidFill>
+                <a:latin typeface="Consolas"/>
+              </a:rPr>
+              <a:t> + </a:t>
+            </a:r>
+            <a:r>
+              <a:rPr lang="de-DE" dirty="0">
+                <a:solidFill>
+                  <a:srgbClr val="7F0055"/>
+                </a:solidFill>
+                <a:latin typeface="Consolas"/>
+              </a:rPr>
+              <a:t>this</a:t>
+            </a:r>
+            <a:r>
+              <a:rPr lang="de-DE" dirty="0">
+                <a:solidFill>
+                  <a:srgbClr val="000000"/>
+                </a:solidFill>
+                <a:latin typeface="Consolas"/>
+              </a:rPr>
+              <a:t>.name + </a:t>
+            </a:r>
+            <a:r>
+              <a:rPr lang="de-DE" dirty="0">
+                <a:solidFill>
+                  <a:srgbClr val="2A00FF"/>
+                </a:solidFill>
+                <a:latin typeface="Consolas"/>
+              </a:rPr>
+              <a:t>"!"</a:t>
+            </a:r>
+            <a:r>
+              <a:rPr lang="de-DE" dirty="0">
+                <a:solidFill>
+                  <a:srgbClr val="000000"/>
+                </a:solidFill>
+                <a:latin typeface="Consolas"/>
+              </a:rPr>
+              <a:t>);</a:t>
+            </a:r>
+          </a:p>
+          <a:p>
+            <a:pPr lvl="1"/>
+            <a:r>
+              <a:rPr lang="de-DE" dirty="0">
+                <a:solidFill>
+                  <a:srgbClr val="000000"/>
+                </a:solidFill>
+                <a:latin typeface="Consolas"/>
+              </a:rPr>
+              <a:t>  } </a:t>
+            </a:r>
+          </a:p>
+          <a:p>
+            <a:pPr lvl="1"/>
+            <a:r>
+              <a:rPr lang="de-DE" dirty="0">
+                <a:solidFill>
+                  <a:srgbClr val="000000"/>
+                </a:solidFill>
+                <a:latin typeface="Consolas"/>
+              </a:rPr>
+              <a:t>};</a:t>
+            </a:r>
+          </a:p>
+          <a:p>
+            <a:pPr lvl="1"/>
             <a:r>
               <a:rPr lang="de-DE" dirty="0" err="1">
                 <a:solidFill>
@@ -20427,7 +20403,7 @@
                 </a:solidFill>
                 <a:latin typeface="Consolas"/>
               </a:rPr>
-              <a:t>inAge</a:t>
+              <a:t>max.sayHello</a:t>
             </a:r>
             <a:r>
               <a:rPr lang="de-DE" dirty="0">
@@ -20436,643 +20412,29 @@
                 </a:solidFill>
                 <a:latin typeface="Consolas"/>
               </a:rPr>
-              <a:t>){</a:t>
+              <a:t>();</a:t>
+            </a:r>
+          </a:p>
+          <a:p>
+            <a:r>
+              <a:rPr lang="de-DE" dirty="0" smtClean="0"/>
+              <a:t>Ausgabe</a:t>
             </a:r>
           </a:p>
           <a:p>
             <a:pPr lvl="1"/>
             <a:r>
-              <a:rPr lang="de-DE" dirty="0" smtClean="0">
-                <a:solidFill>
-                  <a:srgbClr val="7F0055"/>
-                </a:solidFill>
-                <a:latin typeface="Consolas"/>
-              </a:rPr>
-              <a:t>  </a:t>
-            </a:r>
-            <a:r>
-              <a:rPr lang="de-DE" dirty="0" err="1" smtClean="0">
-                <a:solidFill>
-                  <a:srgbClr val="7F0055"/>
-                </a:solidFill>
-                <a:latin typeface="Consolas"/>
-              </a:rPr>
-              <a:t>var</a:t>
-            </a:r>
-            <a:r>
-              <a:rPr lang="de-DE" dirty="0" smtClean="0">
-                <a:solidFill>
-                  <a:srgbClr val="000000"/>
-                </a:solidFill>
-                <a:latin typeface="Consolas"/>
-              </a:rPr>
-              <a:t> </a:t>
-            </a:r>
-            <a:r>
-              <a:rPr lang="de-DE" dirty="0" err="1">
-                <a:solidFill>
-                  <a:srgbClr val="000000"/>
-                </a:solidFill>
-                <a:latin typeface="Consolas"/>
-              </a:rPr>
-              <a:t>name</a:t>
-            </a:r>
-            <a:r>
-              <a:rPr lang="de-DE" dirty="0">
-                <a:solidFill>
-                  <a:srgbClr val="000000"/>
-                </a:solidFill>
-                <a:latin typeface="Consolas"/>
-              </a:rPr>
-              <a:t> = </a:t>
-            </a:r>
-            <a:r>
-              <a:rPr lang="de-DE" dirty="0" err="1">
-                <a:solidFill>
-                  <a:srgbClr val="000000"/>
-                </a:solidFill>
-                <a:latin typeface="Consolas"/>
-              </a:rPr>
-              <a:t>inName</a:t>
-            </a:r>
-            <a:r>
-              <a:rPr lang="de-DE" dirty="0" smtClean="0">
-                <a:solidFill>
-                  <a:srgbClr val="000000"/>
-                </a:solidFill>
-                <a:latin typeface="Consolas"/>
-              </a:rPr>
-              <a:t>;			</a:t>
-            </a:r>
-            <a:r>
-              <a:rPr lang="de-DE" dirty="0" smtClean="0">
-                <a:solidFill>
-                  <a:srgbClr val="3F7F5F"/>
-                </a:solidFill>
-                <a:latin typeface="Consolas"/>
-              </a:rPr>
-              <a:t>// </a:t>
-            </a:r>
-            <a:r>
-              <a:rPr lang="de-DE" dirty="0">
-                <a:solidFill>
-                  <a:srgbClr val="3F7F5F"/>
-                </a:solidFill>
-                <a:latin typeface="Consolas"/>
-              </a:rPr>
-              <a:t>private variable</a:t>
-            </a:r>
-          </a:p>
-          <a:p>
-            <a:pPr lvl="1"/>
-            <a:r>
-              <a:rPr lang="de-DE" dirty="0" smtClean="0">
-                <a:solidFill>
-                  <a:srgbClr val="7F0055"/>
-                </a:solidFill>
-                <a:latin typeface="Consolas"/>
-              </a:rPr>
-              <a:t>  </a:t>
-            </a:r>
-            <a:r>
-              <a:rPr lang="de-DE" dirty="0" err="1" smtClean="0">
-                <a:solidFill>
-                  <a:srgbClr val="7F0055"/>
-                </a:solidFill>
-                <a:latin typeface="Consolas"/>
-              </a:rPr>
-              <a:t>this</a:t>
-            </a:r>
-            <a:r>
-              <a:rPr lang="de-DE" dirty="0" err="1" smtClean="0">
-                <a:solidFill>
-                  <a:srgbClr val="000000"/>
-                </a:solidFill>
-                <a:latin typeface="Consolas"/>
-              </a:rPr>
-              <a:t>.age</a:t>
-            </a:r>
-            <a:r>
-              <a:rPr lang="de-DE" dirty="0" smtClean="0">
-                <a:solidFill>
-                  <a:srgbClr val="000000"/>
-                </a:solidFill>
-                <a:latin typeface="Consolas"/>
-              </a:rPr>
-              <a:t> </a:t>
-            </a:r>
-            <a:r>
-              <a:rPr lang="de-DE" dirty="0">
-                <a:solidFill>
-                  <a:srgbClr val="000000"/>
-                </a:solidFill>
-                <a:latin typeface="Consolas"/>
-              </a:rPr>
-              <a:t>= </a:t>
-            </a:r>
-            <a:r>
-              <a:rPr lang="de-DE" dirty="0" err="1">
-                <a:solidFill>
-                  <a:srgbClr val="000000"/>
-                </a:solidFill>
-                <a:latin typeface="Consolas"/>
-              </a:rPr>
-              <a:t>inAge</a:t>
-            </a:r>
-            <a:r>
-              <a:rPr lang="de-DE" dirty="0" smtClean="0">
-                <a:solidFill>
-                  <a:srgbClr val="000000"/>
-                </a:solidFill>
-                <a:latin typeface="Consolas"/>
-              </a:rPr>
-              <a:t>;			</a:t>
-            </a:r>
-            <a:r>
-              <a:rPr lang="de-DE" dirty="0" smtClean="0">
-                <a:solidFill>
-                  <a:srgbClr val="3F7F5F"/>
-                </a:solidFill>
-                <a:latin typeface="Consolas"/>
-              </a:rPr>
-              <a:t>// </a:t>
-            </a:r>
-            <a:r>
-              <a:rPr lang="de-DE" dirty="0" err="1">
-                <a:solidFill>
-                  <a:srgbClr val="3F7F5F"/>
-                </a:solidFill>
-                <a:latin typeface="Consolas"/>
-              </a:rPr>
-              <a:t>public</a:t>
-            </a:r>
-            <a:r>
-              <a:rPr lang="de-DE" dirty="0">
-                <a:solidFill>
-                  <a:srgbClr val="3F7F5F"/>
-                </a:solidFill>
-                <a:latin typeface="Consolas"/>
-              </a:rPr>
-              <a:t> variable</a:t>
-            </a:r>
-          </a:p>
-          <a:p>
-            <a:pPr lvl="1"/>
-            <a:r>
-              <a:rPr lang="en-US" dirty="0" smtClean="0">
-                <a:solidFill>
-                  <a:srgbClr val="7F0055"/>
-                </a:solidFill>
-                <a:latin typeface="Consolas"/>
-              </a:rPr>
-              <a:t>  </a:t>
-            </a:r>
-            <a:r>
-              <a:rPr lang="en-US" dirty="0" err="1" smtClean="0">
-                <a:solidFill>
-                  <a:srgbClr val="7F0055"/>
-                </a:solidFill>
-                <a:latin typeface="Consolas"/>
-              </a:rPr>
-              <a:t>var</a:t>
-            </a:r>
-            <a:r>
-              <a:rPr lang="en-US" dirty="0" smtClean="0">
-                <a:solidFill>
-                  <a:srgbClr val="000000"/>
-                </a:solidFill>
-                <a:latin typeface="Consolas"/>
-              </a:rPr>
-              <a:t> </a:t>
-            </a:r>
-            <a:r>
-              <a:rPr lang="en-US" dirty="0" err="1">
-                <a:solidFill>
-                  <a:srgbClr val="000000"/>
-                </a:solidFill>
-                <a:latin typeface="Consolas"/>
-              </a:rPr>
-              <a:t>celebBirthday</a:t>
-            </a:r>
-            <a:r>
-              <a:rPr lang="en-US" dirty="0">
-                <a:solidFill>
-                  <a:srgbClr val="000000"/>
-                </a:solidFill>
-                <a:latin typeface="Consolas"/>
-              </a:rPr>
-              <a:t> = </a:t>
-            </a:r>
-            <a:r>
-              <a:rPr lang="en-US" dirty="0">
-                <a:solidFill>
-                  <a:srgbClr val="7F0055"/>
-                </a:solidFill>
-                <a:latin typeface="Consolas"/>
-              </a:rPr>
-              <a:t>function</a:t>
-            </a:r>
-            <a:r>
-              <a:rPr lang="en-US" dirty="0" smtClean="0">
-                <a:solidFill>
-                  <a:srgbClr val="000000"/>
-                </a:solidFill>
-                <a:latin typeface="Consolas"/>
-              </a:rPr>
-              <a:t>(){	</a:t>
-            </a:r>
-            <a:r>
-              <a:rPr lang="en-US" dirty="0" smtClean="0">
-                <a:solidFill>
-                  <a:srgbClr val="3F7F5F"/>
-                </a:solidFill>
-                <a:latin typeface="Consolas"/>
-              </a:rPr>
-              <a:t>// </a:t>
-            </a:r>
-            <a:r>
-              <a:rPr lang="en-US" dirty="0">
-                <a:solidFill>
-                  <a:srgbClr val="3F7F5F"/>
-                </a:solidFill>
-                <a:latin typeface="Consolas"/>
-              </a:rPr>
-              <a:t>private function</a:t>
-            </a:r>
-          </a:p>
-          <a:p>
-            <a:pPr lvl="1"/>
-            <a:r>
-              <a:rPr lang="de-DE" dirty="0" smtClean="0">
-                <a:solidFill>
-                  <a:srgbClr val="7F0055"/>
-                </a:solidFill>
-                <a:latin typeface="Consolas"/>
-              </a:rPr>
-              <a:t>    </a:t>
-            </a:r>
-            <a:r>
-              <a:rPr lang="de-DE" dirty="0" err="1" smtClean="0">
-                <a:solidFill>
-                  <a:srgbClr val="7F0055"/>
-                </a:solidFill>
-                <a:latin typeface="Consolas"/>
-              </a:rPr>
-              <a:t>this</a:t>
-            </a:r>
-            <a:r>
-              <a:rPr lang="de-DE" dirty="0" err="1" smtClean="0">
-                <a:solidFill>
-                  <a:srgbClr val="000000"/>
-                </a:solidFill>
-                <a:latin typeface="Consolas"/>
-              </a:rPr>
-              <a:t>.age</a:t>
-            </a:r>
-            <a:r>
-              <a:rPr lang="de-DE" dirty="0">
-                <a:solidFill>
-                  <a:srgbClr val="000000"/>
-                </a:solidFill>
-                <a:latin typeface="Consolas"/>
-              </a:rPr>
-              <a:t>++;</a:t>
-            </a:r>
-          </a:p>
-          <a:p>
-            <a:pPr lvl="1"/>
-            <a:r>
-              <a:rPr lang="de-DE" dirty="0" smtClean="0">
-                <a:solidFill>
-                  <a:srgbClr val="000000"/>
-                </a:solidFill>
-                <a:latin typeface="Consolas"/>
-              </a:rPr>
-              <a:t>  };</a:t>
-            </a:r>
-            <a:endParaRPr lang="de-DE" dirty="0">
-              <a:solidFill>
-                <a:srgbClr val="000000"/>
-              </a:solidFill>
-              <a:latin typeface="Consolas"/>
-            </a:endParaRPr>
-          </a:p>
-          <a:p>
-            <a:pPr lvl="1"/>
-            <a:r>
-              <a:rPr lang="de-DE" dirty="0" smtClean="0">
-                <a:solidFill>
-                  <a:srgbClr val="7F0055"/>
-                </a:solidFill>
-                <a:latin typeface="Consolas"/>
-              </a:rPr>
-              <a:t>  </a:t>
-            </a:r>
-            <a:r>
-              <a:rPr lang="de-DE" dirty="0" err="1" smtClean="0">
-                <a:solidFill>
-                  <a:srgbClr val="7F0055"/>
-                </a:solidFill>
-                <a:latin typeface="Consolas"/>
-              </a:rPr>
-              <a:t>this</a:t>
-            </a:r>
-            <a:r>
-              <a:rPr lang="de-DE" dirty="0" err="1" smtClean="0">
-                <a:solidFill>
-                  <a:srgbClr val="000000"/>
-                </a:solidFill>
-                <a:latin typeface="Consolas"/>
-              </a:rPr>
-              <a:t>.sayHello</a:t>
-            </a:r>
-            <a:r>
-              <a:rPr lang="de-DE" dirty="0" smtClean="0">
-                <a:solidFill>
-                  <a:srgbClr val="000000"/>
-                </a:solidFill>
-                <a:latin typeface="Consolas"/>
-              </a:rPr>
-              <a:t> </a:t>
-            </a:r>
-            <a:r>
-              <a:rPr lang="de-DE" dirty="0">
-                <a:solidFill>
-                  <a:srgbClr val="000000"/>
-                </a:solidFill>
-                <a:latin typeface="Consolas"/>
-              </a:rPr>
-              <a:t>= </a:t>
-            </a:r>
-            <a:r>
-              <a:rPr lang="de-DE" dirty="0" err="1">
-                <a:solidFill>
-                  <a:srgbClr val="7F0055"/>
-                </a:solidFill>
-                <a:latin typeface="Consolas"/>
-              </a:rPr>
-              <a:t>function</a:t>
-            </a:r>
-            <a:r>
-              <a:rPr lang="de-DE" dirty="0" smtClean="0">
-                <a:solidFill>
-                  <a:srgbClr val="000000"/>
-                </a:solidFill>
-                <a:latin typeface="Consolas"/>
-              </a:rPr>
-              <a:t>(){		</a:t>
-            </a:r>
-            <a:r>
-              <a:rPr lang="de-DE" dirty="0" smtClean="0">
-                <a:solidFill>
-                  <a:srgbClr val="3F7F5F"/>
-                </a:solidFill>
-                <a:latin typeface="Consolas"/>
-              </a:rPr>
-              <a:t>// </a:t>
-            </a:r>
-            <a:r>
-              <a:rPr lang="de-DE" dirty="0" err="1">
-                <a:solidFill>
-                  <a:srgbClr val="3F7F5F"/>
-                </a:solidFill>
-                <a:latin typeface="Consolas"/>
-              </a:rPr>
-              <a:t>public</a:t>
-            </a:r>
-            <a:r>
-              <a:rPr lang="de-DE" dirty="0">
-                <a:solidFill>
-                  <a:srgbClr val="3F7F5F"/>
-                </a:solidFill>
-                <a:latin typeface="Consolas"/>
-              </a:rPr>
-              <a:t> </a:t>
-            </a:r>
-            <a:r>
-              <a:rPr lang="de-DE" dirty="0" err="1">
-                <a:solidFill>
-                  <a:srgbClr val="3F7F5F"/>
-                </a:solidFill>
-                <a:latin typeface="Consolas"/>
-              </a:rPr>
-              <a:t>function</a:t>
-            </a:r>
-            <a:endParaRPr lang="de-DE" dirty="0">
-              <a:solidFill>
-                <a:srgbClr val="3F7F5F"/>
-              </a:solidFill>
-              <a:latin typeface="Consolas"/>
-            </a:endParaRPr>
-          </a:p>
-          <a:p>
-            <a:pPr lvl="1"/>
-            <a:r>
-              <a:rPr lang="de-DE" dirty="0" smtClean="0">
-                <a:solidFill>
-                  <a:srgbClr val="000000"/>
-                </a:solidFill>
-                <a:latin typeface="Consolas"/>
-              </a:rPr>
-              <a:t>    console.log</a:t>
-            </a:r>
-            <a:r>
-              <a:rPr lang="de-DE" dirty="0">
-                <a:solidFill>
-                  <a:srgbClr val="000000"/>
-                </a:solidFill>
-                <a:latin typeface="Consolas"/>
-              </a:rPr>
-              <a:t>(</a:t>
-            </a:r>
-            <a:r>
-              <a:rPr lang="de-DE" dirty="0">
-                <a:solidFill>
-                  <a:srgbClr val="2A00FF"/>
-                </a:solidFill>
-                <a:latin typeface="Consolas"/>
-              </a:rPr>
-              <a:t>"</a:t>
-            </a:r>
-            <a:r>
-              <a:rPr lang="de-DE" dirty="0" err="1">
-                <a:solidFill>
-                  <a:srgbClr val="2A00FF"/>
-                </a:solidFill>
-                <a:latin typeface="Consolas"/>
-              </a:rPr>
+              <a:rPr lang="de-DE" dirty="0" smtClean="0"/>
+              <a:t>„</a:t>
+            </a:r>
+            <a:r>
+              <a:rPr lang="de-DE" dirty="0" err="1" smtClean="0"/>
               <a:t>Hello</a:t>
             </a:r>
             <a:r>
-              <a:rPr lang="de-DE" dirty="0">
-                <a:solidFill>
-                  <a:srgbClr val="2A00FF"/>
-                </a:solidFill>
-                <a:latin typeface="Consolas"/>
-              </a:rPr>
-              <a:t>"</a:t>
-            </a:r>
-            <a:r>
-              <a:rPr lang="de-DE" dirty="0">
-                <a:solidFill>
-                  <a:srgbClr val="000000"/>
-                </a:solidFill>
-                <a:latin typeface="Consolas"/>
-              </a:rPr>
-              <a:t> + </a:t>
-            </a:r>
-            <a:r>
-              <a:rPr lang="de-DE" dirty="0" err="1">
-                <a:solidFill>
-                  <a:srgbClr val="000000"/>
-                </a:solidFill>
-                <a:latin typeface="Consolas"/>
-              </a:rPr>
-              <a:t>name</a:t>
-            </a:r>
-            <a:r>
-              <a:rPr lang="de-DE" dirty="0">
-                <a:solidFill>
-                  <a:srgbClr val="000000"/>
-                </a:solidFill>
-                <a:latin typeface="Consolas"/>
-              </a:rPr>
-              <a:t> + </a:t>
-            </a:r>
-            <a:r>
-              <a:rPr lang="de-DE" dirty="0">
-                <a:solidFill>
-                  <a:srgbClr val="2A00FF"/>
-                </a:solidFill>
-                <a:latin typeface="Consolas"/>
-              </a:rPr>
-              <a:t>"!"</a:t>
-            </a:r>
-            <a:r>
-              <a:rPr lang="de-DE" dirty="0">
-                <a:solidFill>
-                  <a:srgbClr val="000000"/>
-                </a:solidFill>
-                <a:latin typeface="Consolas"/>
-              </a:rPr>
-              <a:t>);</a:t>
-            </a:r>
-          </a:p>
-          <a:p>
-            <a:pPr lvl="1"/>
-            <a:r>
-              <a:rPr lang="de-DE" dirty="0" smtClean="0">
-                <a:solidFill>
-                  <a:srgbClr val="000000"/>
-                </a:solidFill>
-                <a:latin typeface="Consolas"/>
-              </a:rPr>
-              <a:t>  };</a:t>
-            </a:r>
-            <a:endParaRPr lang="de-DE" dirty="0">
-              <a:solidFill>
-                <a:srgbClr val="000000"/>
-              </a:solidFill>
-              <a:latin typeface="Consolas"/>
-            </a:endParaRPr>
-          </a:p>
-          <a:p>
-            <a:pPr lvl="1"/>
-            <a:r>
-              <a:rPr lang="de-DE" dirty="0" smtClean="0">
-                <a:solidFill>
-                  <a:srgbClr val="000000"/>
-                </a:solidFill>
-                <a:latin typeface="Consolas"/>
-              </a:rPr>
-              <a:t>}</a:t>
-            </a:r>
-          </a:p>
-          <a:p>
-            <a:pPr lvl="1"/>
-            <a:r>
-              <a:rPr lang="de-DE" dirty="0" err="1">
-                <a:solidFill>
-                  <a:srgbClr val="7F0055"/>
-                </a:solidFill>
-                <a:latin typeface="Consolas"/>
-              </a:rPr>
-              <a:t>var</a:t>
-            </a:r>
-            <a:r>
-              <a:rPr lang="de-DE" dirty="0">
-                <a:solidFill>
-                  <a:srgbClr val="000000"/>
-                </a:solidFill>
-                <a:latin typeface="Consolas"/>
-              </a:rPr>
-              <a:t> </a:t>
-            </a:r>
-            <a:r>
-              <a:rPr lang="de-DE" dirty="0" err="1">
-                <a:solidFill>
-                  <a:srgbClr val="000000"/>
-                </a:solidFill>
-                <a:latin typeface="Consolas"/>
-              </a:rPr>
-              <a:t>max</a:t>
-            </a:r>
-            <a:r>
-              <a:rPr lang="de-DE" dirty="0">
-                <a:solidFill>
-                  <a:srgbClr val="000000"/>
-                </a:solidFill>
-                <a:latin typeface="Consolas"/>
-              </a:rPr>
-              <a:t> = </a:t>
-            </a:r>
-            <a:r>
-              <a:rPr lang="de-DE" dirty="0" err="1">
-                <a:solidFill>
-                  <a:srgbClr val="7F0055"/>
-                </a:solidFill>
-                <a:latin typeface="Consolas"/>
-              </a:rPr>
-              <a:t>new</a:t>
-            </a:r>
-            <a:r>
-              <a:rPr lang="de-DE" dirty="0">
-                <a:solidFill>
-                  <a:srgbClr val="000000"/>
-                </a:solidFill>
-                <a:latin typeface="Consolas"/>
-              </a:rPr>
-              <a:t> Person(</a:t>
-            </a:r>
-            <a:r>
-              <a:rPr lang="de-DE" dirty="0">
-                <a:solidFill>
-                  <a:srgbClr val="2A00FF"/>
-                </a:solidFill>
-                <a:latin typeface="Consolas"/>
-              </a:rPr>
-              <a:t>"Max"</a:t>
-            </a:r>
-            <a:r>
-              <a:rPr lang="de-DE" dirty="0">
-                <a:solidFill>
-                  <a:srgbClr val="000000"/>
-                </a:solidFill>
-                <a:latin typeface="Consolas"/>
-              </a:rPr>
-              <a:t>, 10);</a:t>
-            </a:r>
-          </a:p>
-          <a:p>
-            <a:pPr lvl="1"/>
-            <a:endParaRPr lang="de-DE" dirty="0" smtClean="0">
-              <a:solidFill>
-                <a:srgbClr val="000000"/>
-              </a:solidFill>
-              <a:latin typeface="Consolas"/>
-            </a:endParaRPr>
-          </a:p>
-          <a:p>
+              <a:rPr lang="de-DE" dirty="0" smtClean="0"/>
+              <a:t> Max“</a:t>
+            </a:r>
             <a:endParaRPr lang="de-DE" dirty="0"/>
           </a:p>
         </p:txBody>
@@ -21080,7 +20442,7 @@
     </p:spTree>
     <p:extLst>
       <p:ext uri="{BB962C8B-B14F-4D97-AF65-F5344CB8AC3E}">
-        <p14:creationId xmlns:p14="http://schemas.microsoft.com/office/powerpoint/2010/main" val="3230360496"/>
+        <p14:creationId xmlns:p14="http://schemas.microsoft.com/office/powerpoint/2010/main" val="1656718775"/>
       </p:ext>
     </p:extLst>
   </p:cSld>
@@ -21225,7 +20587,7 @@
           <a:p>
             <a:r>
               <a:rPr lang="de-DE" dirty="0" smtClean="0"/>
-              <a:t>„Vererbung“</a:t>
+              <a:t>Objekte durch Funktionen erzeugen</a:t>
             </a:r>
             <a:endParaRPr lang="de-DE" dirty="0"/>
           </a:p>
@@ -21248,6 +20610,774 @@
           <a:p>
             <a:r>
               <a:rPr lang="de-DE" dirty="0" smtClean="0"/>
+              <a:t>Beispiel</a:t>
+            </a:r>
+          </a:p>
+          <a:p>
+            <a:pPr lvl="1"/>
+            <a:r>
+              <a:rPr lang="de-DE" dirty="0" err="1">
+                <a:solidFill>
+                  <a:srgbClr val="7F0055"/>
+                </a:solidFill>
+                <a:latin typeface="Consolas"/>
+              </a:rPr>
+              <a:t>function</a:t>
+            </a:r>
+            <a:r>
+              <a:rPr lang="de-DE" dirty="0">
+                <a:solidFill>
+                  <a:srgbClr val="000000"/>
+                </a:solidFill>
+                <a:latin typeface="Consolas"/>
+              </a:rPr>
+              <a:t> Person(</a:t>
+            </a:r>
+            <a:r>
+              <a:rPr lang="de-DE" dirty="0" err="1">
+                <a:solidFill>
+                  <a:srgbClr val="000000"/>
+                </a:solidFill>
+                <a:latin typeface="Consolas"/>
+              </a:rPr>
+              <a:t>inName</a:t>
+            </a:r>
+            <a:r>
+              <a:rPr lang="de-DE" dirty="0">
+                <a:solidFill>
+                  <a:srgbClr val="000000"/>
+                </a:solidFill>
+                <a:latin typeface="Consolas"/>
+              </a:rPr>
+              <a:t>, </a:t>
+            </a:r>
+            <a:r>
+              <a:rPr lang="de-DE" dirty="0" err="1">
+                <a:solidFill>
+                  <a:srgbClr val="000000"/>
+                </a:solidFill>
+                <a:latin typeface="Consolas"/>
+              </a:rPr>
+              <a:t>inAge</a:t>
+            </a:r>
+            <a:r>
+              <a:rPr lang="de-DE" dirty="0">
+                <a:solidFill>
+                  <a:srgbClr val="000000"/>
+                </a:solidFill>
+                <a:latin typeface="Consolas"/>
+              </a:rPr>
+              <a:t>){</a:t>
+            </a:r>
+          </a:p>
+          <a:p>
+            <a:pPr lvl="1"/>
+            <a:r>
+              <a:rPr lang="de-DE" dirty="0" smtClean="0">
+                <a:solidFill>
+                  <a:srgbClr val="7F0055"/>
+                </a:solidFill>
+                <a:latin typeface="Consolas"/>
+              </a:rPr>
+              <a:t>  </a:t>
+            </a:r>
+            <a:r>
+              <a:rPr lang="de-DE" dirty="0" err="1" smtClean="0">
+                <a:solidFill>
+                  <a:srgbClr val="7F0055"/>
+                </a:solidFill>
+                <a:latin typeface="Consolas"/>
+              </a:rPr>
+              <a:t>var</a:t>
+            </a:r>
+            <a:r>
+              <a:rPr lang="de-DE" dirty="0" smtClean="0">
+                <a:solidFill>
+                  <a:srgbClr val="000000"/>
+                </a:solidFill>
+                <a:latin typeface="Consolas"/>
+              </a:rPr>
+              <a:t> </a:t>
+            </a:r>
+            <a:r>
+              <a:rPr lang="de-DE" dirty="0" err="1">
+                <a:solidFill>
+                  <a:srgbClr val="000000"/>
+                </a:solidFill>
+                <a:latin typeface="Consolas"/>
+              </a:rPr>
+              <a:t>name</a:t>
+            </a:r>
+            <a:r>
+              <a:rPr lang="de-DE" dirty="0">
+                <a:solidFill>
+                  <a:srgbClr val="000000"/>
+                </a:solidFill>
+                <a:latin typeface="Consolas"/>
+              </a:rPr>
+              <a:t> = </a:t>
+            </a:r>
+            <a:r>
+              <a:rPr lang="de-DE" dirty="0" err="1">
+                <a:solidFill>
+                  <a:srgbClr val="000000"/>
+                </a:solidFill>
+                <a:latin typeface="Consolas"/>
+              </a:rPr>
+              <a:t>inName</a:t>
+            </a:r>
+            <a:r>
+              <a:rPr lang="de-DE" dirty="0" smtClean="0">
+                <a:solidFill>
+                  <a:srgbClr val="000000"/>
+                </a:solidFill>
+                <a:latin typeface="Consolas"/>
+              </a:rPr>
+              <a:t>;			</a:t>
+            </a:r>
+            <a:r>
+              <a:rPr lang="de-DE" dirty="0" smtClean="0">
+                <a:solidFill>
+                  <a:srgbClr val="3F7F5F"/>
+                </a:solidFill>
+                <a:latin typeface="Consolas"/>
+              </a:rPr>
+              <a:t>// </a:t>
+            </a:r>
+            <a:r>
+              <a:rPr lang="de-DE" dirty="0">
+                <a:solidFill>
+                  <a:srgbClr val="3F7F5F"/>
+                </a:solidFill>
+                <a:latin typeface="Consolas"/>
+              </a:rPr>
+              <a:t>private variable</a:t>
+            </a:r>
+          </a:p>
+          <a:p>
+            <a:pPr lvl="1"/>
+            <a:r>
+              <a:rPr lang="de-DE" dirty="0" smtClean="0">
+                <a:solidFill>
+                  <a:srgbClr val="7F0055"/>
+                </a:solidFill>
+                <a:latin typeface="Consolas"/>
+              </a:rPr>
+              <a:t>  </a:t>
+            </a:r>
+            <a:r>
+              <a:rPr lang="de-DE" dirty="0" err="1" smtClean="0">
+                <a:solidFill>
+                  <a:srgbClr val="7F0055"/>
+                </a:solidFill>
+                <a:latin typeface="Consolas"/>
+              </a:rPr>
+              <a:t>this</a:t>
+            </a:r>
+            <a:r>
+              <a:rPr lang="de-DE" dirty="0" err="1" smtClean="0">
+                <a:solidFill>
+                  <a:srgbClr val="000000"/>
+                </a:solidFill>
+                <a:latin typeface="Consolas"/>
+              </a:rPr>
+              <a:t>.age</a:t>
+            </a:r>
+            <a:r>
+              <a:rPr lang="de-DE" dirty="0" smtClean="0">
+                <a:solidFill>
+                  <a:srgbClr val="000000"/>
+                </a:solidFill>
+                <a:latin typeface="Consolas"/>
+              </a:rPr>
+              <a:t> </a:t>
+            </a:r>
+            <a:r>
+              <a:rPr lang="de-DE" dirty="0">
+                <a:solidFill>
+                  <a:srgbClr val="000000"/>
+                </a:solidFill>
+                <a:latin typeface="Consolas"/>
+              </a:rPr>
+              <a:t>= </a:t>
+            </a:r>
+            <a:r>
+              <a:rPr lang="de-DE" dirty="0" err="1">
+                <a:solidFill>
+                  <a:srgbClr val="000000"/>
+                </a:solidFill>
+                <a:latin typeface="Consolas"/>
+              </a:rPr>
+              <a:t>inAge</a:t>
+            </a:r>
+            <a:r>
+              <a:rPr lang="de-DE" dirty="0" smtClean="0">
+                <a:solidFill>
+                  <a:srgbClr val="000000"/>
+                </a:solidFill>
+                <a:latin typeface="Consolas"/>
+              </a:rPr>
+              <a:t>;			</a:t>
+            </a:r>
+            <a:r>
+              <a:rPr lang="de-DE" dirty="0" smtClean="0">
+                <a:solidFill>
+                  <a:srgbClr val="3F7F5F"/>
+                </a:solidFill>
+                <a:latin typeface="Consolas"/>
+              </a:rPr>
+              <a:t>// </a:t>
+            </a:r>
+            <a:r>
+              <a:rPr lang="de-DE" dirty="0" err="1">
+                <a:solidFill>
+                  <a:srgbClr val="3F7F5F"/>
+                </a:solidFill>
+                <a:latin typeface="Consolas"/>
+              </a:rPr>
+              <a:t>public</a:t>
+            </a:r>
+            <a:r>
+              <a:rPr lang="de-DE" dirty="0">
+                <a:solidFill>
+                  <a:srgbClr val="3F7F5F"/>
+                </a:solidFill>
+                <a:latin typeface="Consolas"/>
+              </a:rPr>
+              <a:t> variable</a:t>
+            </a:r>
+          </a:p>
+          <a:p>
+            <a:pPr lvl="1"/>
+            <a:r>
+              <a:rPr lang="en-US" dirty="0" smtClean="0">
+                <a:solidFill>
+                  <a:srgbClr val="7F0055"/>
+                </a:solidFill>
+                <a:latin typeface="Consolas"/>
+              </a:rPr>
+              <a:t>  </a:t>
+            </a:r>
+            <a:r>
+              <a:rPr lang="en-US" dirty="0" err="1" smtClean="0">
+                <a:solidFill>
+                  <a:srgbClr val="7F0055"/>
+                </a:solidFill>
+                <a:latin typeface="Consolas"/>
+              </a:rPr>
+              <a:t>var</a:t>
+            </a:r>
+            <a:r>
+              <a:rPr lang="en-US" dirty="0" smtClean="0">
+                <a:solidFill>
+                  <a:srgbClr val="000000"/>
+                </a:solidFill>
+                <a:latin typeface="Consolas"/>
+              </a:rPr>
+              <a:t> </a:t>
+            </a:r>
+            <a:r>
+              <a:rPr lang="en-US" dirty="0" err="1">
+                <a:solidFill>
+                  <a:srgbClr val="000000"/>
+                </a:solidFill>
+                <a:latin typeface="Consolas"/>
+              </a:rPr>
+              <a:t>celebBirthday</a:t>
+            </a:r>
+            <a:r>
+              <a:rPr lang="en-US" dirty="0">
+                <a:solidFill>
+                  <a:srgbClr val="000000"/>
+                </a:solidFill>
+                <a:latin typeface="Consolas"/>
+              </a:rPr>
+              <a:t> = </a:t>
+            </a:r>
+            <a:r>
+              <a:rPr lang="en-US" dirty="0">
+                <a:solidFill>
+                  <a:srgbClr val="7F0055"/>
+                </a:solidFill>
+                <a:latin typeface="Consolas"/>
+              </a:rPr>
+              <a:t>function</a:t>
+            </a:r>
+            <a:r>
+              <a:rPr lang="en-US" dirty="0" smtClean="0">
+                <a:solidFill>
+                  <a:srgbClr val="000000"/>
+                </a:solidFill>
+                <a:latin typeface="Consolas"/>
+              </a:rPr>
+              <a:t>(){	</a:t>
+            </a:r>
+            <a:r>
+              <a:rPr lang="en-US" dirty="0" smtClean="0">
+                <a:solidFill>
+                  <a:srgbClr val="3F7F5F"/>
+                </a:solidFill>
+                <a:latin typeface="Consolas"/>
+              </a:rPr>
+              <a:t>// </a:t>
+            </a:r>
+            <a:r>
+              <a:rPr lang="en-US" dirty="0">
+                <a:solidFill>
+                  <a:srgbClr val="3F7F5F"/>
+                </a:solidFill>
+                <a:latin typeface="Consolas"/>
+              </a:rPr>
+              <a:t>private function</a:t>
+            </a:r>
+          </a:p>
+          <a:p>
+            <a:pPr lvl="1"/>
+            <a:r>
+              <a:rPr lang="de-DE" dirty="0" smtClean="0">
+                <a:solidFill>
+                  <a:srgbClr val="7F0055"/>
+                </a:solidFill>
+                <a:latin typeface="Consolas"/>
+              </a:rPr>
+              <a:t>    </a:t>
+            </a:r>
+            <a:r>
+              <a:rPr lang="de-DE" dirty="0" err="1" smtClean="0">
+                <a:solidFill>
+                  <a:srgbClr val="7F0055"/>
+                </a:solidFill>
+                <a:latin typeface="Consolas"/>
+              </a:rPr>
+              <a:t>this</a:t>
+            </a:r>
+            <a:r>
+              <a:rPr lang="de-DE" dirty="0" err="1" smtClean="0">
+                <a:solidFill>
+                  <a:srgbClr val="000000"/>
+                </a:solidFill>
+                <a:latin typeface="Consolas"/>
+              </a:rPr>
+              <a:t>.age</a:t>
+            </a:r>
+            <a:r>
+              <a:rPr lang="de-DE" dirty="0">
+                <a:solidFill>
+                  <a:srgbClr val="000000"/>
+                </a:solidFill>
+                <a:latin typeface="Consolas"/>
+              </a:rPr>
+              <a:t>++;</a:t>
+            </a:r>
+          </a:p>
+          <a:p>
+            <a:pPr lvl="1"/>
+            <a:r>
+              <a:rPr lang="de-DE" dirty="0" smtClean="0">
+                <a:solidFill>
+                  <a:srgbClr val="000000"/>
+                </a:solidFill>
+                <a:latin typeface="Consolas"/>
+              </a:rPr>
+              <a:t>  };</a:t>
+            </a:r>
+            <a:endParaRPr lang="de-DE" dirty="0">
+              <a:solidFill>
+                <a:srgbClr val="000000"/>
+              </a:solidFill>
+              <a:latin typeface="Consolas"/>
+            </a:endParaRPr>
+          </a:p>
+          <a:p>
+            <a:pPr lvl="1"/>
+            <a:r>
+              <a:rPr lang="de-DE" dirty="0" smtClean="0">
+                <a:solidFill>
+                  <a:srgbClr val="7F0055"/>
+                </a:solidFill>
+                <a:latin typeface="Consolas"/>
+              </a:rPr>
+              <a:t>  </a:t>
+            </a:r>
+            <a:r>
+              <a:rPr lang="de-DE" dirty="0" err="1" smtClean="0">
+                <a:solidFill>
+                  <a:srgbClr val="7F0055"/>
+                </a:solidFill>
+                <a:latin typeface="Consolas"/>
+              </a:rPr>
+              <a:t>this</a:t>
+            </a:r>
+            <a:r>
+              <a:rPr lang="de-DE" dirty="0" err="1" smtClean="0">
+                <a:solidFill>
+                  <a:srgbClr val="000000"/>
+                </a:solidFill>
+                <a:latin typeface="Consolas"/>
+              </a:rPr>
+              <a:t>.sayHello</a:t>
+            </a:r>
+            <a:r>
+              <a:rPr lang="de-DE" dirty="0" smtClean="0">
+                <a:solidFill>
+                  <a:srgbClr val="000000"/>
+                </a:solidFill>
+                <a:latin typeface="Consolas"/>
+              </a:rPr>
+              <a:t> </a:t>
+            </a:r>
+            <a:r>
+              <a:rPr lang="de-DE" dirty="0">
+                <a:solidFill>
+                  <a:srgbClr val="000000"/>
+                </a:solidFill>
+                <a:latin typeface="Consolas"/>
+              </a:rPr>
+              <a:t>= </a:t>
+            </a:r>
+            <a:r>
+              <a:rPr lang="de-DE" dirty="0" err="1">
+                <a:solidFill>
+                  <a:srgbClr val="7F0055"/>
+                </a:solidFill>
+                <a:latin typeface="Consolas"/>
+              </a:rPr>
+              <a:t>function</a:t>
+            </a:r>
+            <a:r>
+              <a:rPr lang="de-DE" dirty="0" smtClean="0">
+                <a:solidFill>
+                  <a:srgbClr val="000000"/>
+                </a:solidFill>
+                <a:latin typeface="Consolas"/>
+              </a:rPr>
+              <a:t>(){		</a:t>
+            </a:r>
+            <a:r>
+              <a:rPr lang="de-DE" dirty="0" smtClean="0">
+                <a:solidFill>
+                  <a:srgbClr val="3F7F5F"/>
+                </a:solidFill>
+                <a:latin typeface="Consolas"/>
+              </a:rPr>
+              <a:t>// </a:t>
+            </a:r>
+            <a:r>
+              <a:rPr lang="de-DE" dirty="0" err="1">
+                <a:solidFill>
+                  <a:srgbClr val="3F7F5F"/>
+                </a:solidFill>
+                <a:latin typeface="Consolas"/>
+              </a:rPr>
+              <a:t>public</a:t>
+            </a:r>
+            <a:r>
+              <a:rPr lang="de-DE" dirty="0">
+                <a:solidFill>
+                  <a:srgbClr val="3F7F5F"/>
+                </a:solidFill>
+                <a:latin typeface="Consolas"/>
+              </a:rPr>
+              <a:t> </a:t>
+            </a:r>
+            <a:r>
+              <a:rPr lang="de-DE" dirty="0" err="1">
+                <a:solidFill>
+                  <a:srgbClr val="3F7F5F"/>
+                </a:solidFill>
+                <a:latin typeface="Consolas"/>
+              </a:rPr>
+              <a:t>function</a:t>
+            </a:r>
+            <a:endParaRPr lang="de-DE" dirty="0">
+              <a:solidFill>
+                <a:srgbClr val="3F7F5F"/>
+              </a:solidFill>
+              <a:latin typeface="Consolas"/>
+            </a:endParaRPr>
+          </a:p>
+          <a:p>
+            <a:pPr lvl="1"/>
+            <a:r>
+              <a:rPr lang="de-DE" dirty="0" smtClean="0">
+                <a:solidFill>
+                  <a:srgbClr val="000000"/>
+                </a:solidFill>
+                <a:latin typeface="Consolas"/>
+              </a:rPr>
+              <a:t>    console.log</a:t>
+            </a:r>
+            <a:r>
+              <a:rPr lang="de-DE" dirty="0">
+                <a:solidFill>
+                  <a:srgbClr val="000000"/>
+                </a:solidFill>
+                <a:latin typeface="Consolas"/>
+              </a:rPr>
+              <a:t>(</a:t>
+            </a:r>
+            <a:r>
+              <a:rPr lang="de-DE" dirty="0">
+                <a:solidFill>
+                  <a:srgbClr val="2A00FF"/>
+                </a:solidFill>
+                <a:latin typeface="Consolas"/>
+              </a:rPr>
+              <a:t>"</a:t>
+            </a:r>
+            <a:r>
+              <a:rPr lang="de-DE" dirty="0" err="1">
+                <a:solidFill>
+                  <a:srgbClr val="2A00FF"/>
+                </a:solidFill>
+                <a:latin typeface="Consolas"/>
+              </a:rPr>
+              <a:t>Hello</a:t>
+            </a:r>
+            <a:r>
+              <a:rPr lang="de-DE" dirty="0">
+                <a:solidFill>
+                  <a:srgbClr val="2A00FF"/>
+                </a:solidFill>
+                <a:latin typeface="Consolas"/>
+              </a:rPr>
+              <a:t>"</a:t>
+            </a:r>
+            <a:r>
+              <a:rPr lang="de-DE" dirty="0">
+                <a:solidFill>
+                  <a:srgbClr val="000000"/>
+                </a:solidFill>
+                <a:latin typeface="Consolas"/>
+              </a:rPr>
+              <a:t> + </a:t>
+            </a:r>
+            <a:r>
+              <a:rPr lang="de-DE" dirty="0" err="1">
+                <a:solidFill>
+                  <a:srgbClr val="000000"/>
+                </a:solidFill>
+                <a:latin typeface="Consolas"/>
+              </a:rPr>
+              <a:t>name</a:t>
+            </a:r>
+            <a:r>
+              <a:rPr lang="de-DE" dirty="0">
+                <a:solidFill>
+                  <a:srgbClr val="000000"/>
+                </a:solidFill>
+                <a:latin typeface="Consolas"/>
+              </a:rPr>
+              <a:t> + </a:t>
+            </a:r>
+            <a:r>
+              <a:rPr lang="de-DE" dirty="0">
+                <a:solidFill>
+                  <a:srgbClr val="2A00FF"/>
+                </a:solidFill>
+                <a:latin typeface="Consolas"/>
+              </a:rPr>
+              <a:t>"!"</a:t>
+            </a:r>
+            <a:r>
+              <a:rPr lang="de-DE" dirty="0">
+                <a:solidFill>
+                  <a:srgbClr val="000000"/>
+                </a:solidFill>
+                <a:latin typeface="Consolas"/>
+              </a:rPr>
+              <a:t>);</a:t>
+            </a:r>
+          </a:p>
+          <a:p>
+            <a:pPr lvl="1"/>
+            <a:r>
+              <a:rPr lang="de-DE" dirty="0" smtClean="0">
+                <a:solidFill>
+                  <a:srgbClr val="000000"/>
+                </a:solidFill>
+                <a:latin typeface="Consolas"/>
+              </a:rPr>
+              <a:t>  };</a:t>
+            </a:r>
+            <a:endParaRPr lang="de-DE" dirty="0">
+              <a:solidFill>
+                <a:srgbClr val="000000"/>
+              </a:solidFill>
+              <a:latin typeface="Consolas"/>
+            </a:endParaRPr>
+          </a:p>
+          <a:p>
+            <a:pPr lvl="1"/>
+            <a:r>
+              <a:rPr lang="de-DE" dirty="0" smtClean="0">
+                <a:solidFill>
+                  <a:srgbClr val="000000"/>
+                </a:solidFill>
+                <a:latin typeface="Consolas"/>
+              </a:rPr>
+              <a:t>}</a:t>
+            </a:r>
+          </a:p>
+          <a:p>
+            <a:pPr lvl="1"/>
+            <a:r>
+              <a:rPr lang="de-DE" dirty="0" err="1">
+                <a:solidFill>
+                  <a:srgbClr val="7F0055"/>
+                </a:solidFill>
+                <a:latin typeface="Consolas"/>
+              </a:rPr>
+              <a:t>var</a:t>
+            </a:r>
+            <a:r>
+              <a:rPr lang="de-DE" dirty="0">
+                <a:solidFill>
+                  <a:srgbClr val="000000"/>
+                </a:solidFill>
+                <a:latin typeface="Consolas"/>
+              </a:rPr>
+              <a:t> </a:t>
+            </a:r>
+            <a:r>
+              <a:rPr lang="de-DE" dirty="0" err="1">
+                <a:solidFill>
+                  <a:srgbClr val="000000"/>
+                </a:solidFill>
+                <a:latin typeface="Consolas"/>
+              </a:rPr>
+              <a:t>max</a:t>
+            </a:r>
+            <a:r>
+              <a:rPr lang="de-DE" dirty="0">
+                <a:solidFill>
+                  <a:srgbClr val="000000"/>
+                </a:solidFill>
+                <a:latin typeface="Consolas"/>
+              </a:rPr>
+              <a:t> = </a:t>
+            </a:r>
+            <a:r>
+              <a:rPr lang="de-DE" dirty="0" err="1">
+                <a:solidFill>
+                  <a:srgbClr val="7F0055"/>
+                </a:solidFill>
+                <a:latin typeface="Consolas"/>
+              </a:rPr>
+              <a:t>new</a:t>
+            </a:r>
+            <a:r>
+              <a:rPr lang="de-DE" dirty="0">
+                <a:solidFill>
+                  <a:srgbClr val="000000"/>
+                </a:solidFill>
+                <a:latin typeface="Consolas"/>
+              </a:rPr>
+              <a:t> Person(</a:t>
+            </a:r>
+            <a:r>
+              <a:rPr lang="de-DE" dirty="0">
+                <a:solidFill>
+                  <a:srgbClr val="2A00FF"/>
+                </a:solidFill>
+                <a:latin typeface="Consolas"/>
+              </a:rPr>
+              <a:t>"Max"</a:t>
+            </a:r>
+            <a:r>
+              <a:rPr lang="de-DE" dirty="0">
+                <a:solidFill>
+                  <a:srgbClr val="000000"/>
+                </a:solidFill>
+                <a:latin typeface="Consolas"/>
+              </a:rPr>
+              <a:t>, 10);</a:t>
+            </a:r>
+          </a:p>
+          <a:p>
+            <a:pPr lvl="1"/>
+            <a:endParaRPr lang="de-DE" dirty="0" smtClean="0">
+              <a:solidFill>
+                <a:srgbClr val="000000"/>
+              </a:solidFill>
+              <a:latin typeface="Consolas"/>
+            </a:endParaRPr>
+          </a:p>
+          <a:p>
+            <a:endParaRPr lang="de-DE" dirty="0"/>
+          </a:p>
+        </p:txBody>
+      </p:sp>
+    </p:spTree>
+    <p:extLst>
+      <p:ext uri="{BB962C8B-B14F-4D97-AF65-F5344CB8AC3E}">
+        <p14:creationId xmlns:p14="http://schemas.microsoft.com/office/powerpoint/2010/main" val="3230360496"/>
+      </p:ext>
+    </p:extLst>
+  </p:cSld>
+  <p:clrMapOvr>
+    <a:masterClrMapping/>
+  </p:clrMapOvr>
+</p:sld>
+</file>
+
+<file path=ppt/slides/slide31.xml><?xml version="1.0" encoding="utf-8"?>
+<p:sld xmlns:a="http://schemas.openxmlformats.org/drawingml/2006/main" xmlns:r="http://schemas.openxmlformats.org/officeDocument/2006/relationships" xmlns:p="http://schemas.openxmlformats.org/presentationml/2006/main">
+  <p:cSld>
+    <p:spTree>
+      <p:nvGrpSpPr>
+        <p:cNvPr id="1" name=""/>
+        <p:cNvGrpSpPr/>
+        <p:nvPr/>
+      </p:nvGrpSpPr>
+      <p:grpSpPr>
+        <a:xfrm>
+          <a:off x="0" y="0"/>
+          <a:ext cx="0" cy="0"/>
+          <a:chOff x="0" y="0"/>
+          <a:chExt cx="0" cy="0"/>
+        </a:xfrm>
+      </p:grpSpPr>
+      <p:sp>
+        <p:nvSpPr>
+          <p:cNvPr id="2" name="Title 1"/>
+          <p:cNvSpPr>
+            <a:spLocks noGrp="1"/>
+          </p:cNvSpPr>
+          <p:nvPr>
+            <p:ph type="title"/>
+          </p:nvPr>
+        </p:nvSpPr>
+        <p:spPr/>
+        <p:txBody>
+          <a:bodyPr/>
+          <a:lstStyle/>
+          <a:p>
+            <a:r>
+              <a:rPr lang="de-DE" dirty="0" smtClean="0"/>
+              <a:t>„Vererbung“</a:t>
+            </a:r>
+            <a:endParaRPr lang="de-DE" dirty="0"/>
+          </a:p>
+        </p:txBody>
+      </p:sp>
+      <p:sp>
+        <p:nvSpPr>
+          <p:cNvPr id="3" name="Text Placeholder 2"/>
+          <p:cNvSpPr>
+            <a:spLocks noGrp="1"/>
+          </p:cNvSpPr>
+          <p:nvPr>
+            <p:ph type="body" sz="quarter" idx="10"/>
+          </p:nvPr>
+        </p:nvSpPr>
+        <p:spPr/>
+        <p:txBody>
+          <a:bodyPr/>
+          <a:lstStyle/>
+          <a:p>
+            <a:r>
+              <a:rPr lang="de-DE" dirty="0" smtClean="0"/>
               <a:t>Grundlegendes</a:t>
             </a:r>
           </a:p>
@@ -21288,7 +21418,7 @@
 </p:sld>
 </file>
 
-<file path=ppt/slides/slide31.xml><?xml version="1.0" encoding="utf-8"?>
+<file path=ppt/slides/slide32.xml><?xml version="1.0" encoding="utf-8"?>
 <p:sld xmlns:a="http://schemas.openxmlformats.org/drawingml/2006/main" xmlns:r="http://schemas.openxmlformats.org/officeDocument/2006/relationships" xmlns:p="http://schemas.openxmlformats.org/presentationml/2006/main">
   <p:cSld>
     <p:spTree>
@@ -23356,7 +23486,7 @@
 </p:sld>
 </file>
 
-<file path=ppt/slides/slide32.xml><?xml version="1.0" encoding="utf-8"?>
+<file path=ppt/slides/slide33.xml><?xml version="1.0" encoding="utf-8"?>
 <p:sld xmlns:a="http://schemas.openxmlformats.org/drawingml/2006/main" xmlns:r="http://schemas.openxmlformats.org/officeDocument/2006/relationships" xmlns:p="http://schemas.openxmlformats.org/presentationml/2006/main">
   <p:cSld>
     <p:spTree>
@@ -23488,7 +23618,7 @@
 </p:sld>
 </file>
 
-<file path=ppt/slides/slide33.xml><?xml version="1.0" encoding="utf-8"?>
+<file path=ppt/slides/slide34.xml><?xml version="1.0" encoding="utf-8"?>
 <p:sld xmlns:a="http://schemas.openxmlformats.org/drawingml/2006/main" xmlns:r="http://schemas.openxmlformats.org/officeDocument/2006/relationships" xmlns:p="http://schemas.openxmlformats.org/presentationml/2006/main">
   <p:cSld>
     <p:spTree>
@@ -23601,127 +23731,6 @@
 </p:sld>
 </file>
 
-<file path=ppt/slides/slide34.xml><?xml version="1.0" encoding="utf-8"?>
-<p:sld xmlns:a="http://schemas.openxmlformats.org/drawingml/2006/main" xmlns:r="http://schemas.openxmlformats.org/officeDocument/2006/relationships" xmlns:p="http://schemas.openxmlformats.org/presentationml/2006/main">
-  <p:cSld>
-    <p:spTree>
-      <p:nvGrpSpPr>
-        <p:cNvPr id="1" name=""/>
-        <p:cNvGrpSpPr/>
-        <p:nvPr/>
-      </p:nvGrpSpPr>
-      <p:grpSpPr>
-        <a:xfrm>
-          <a:off x="0" y="0"/>
-          <a:ext cx="0" cy="0"/>
-          <a:chOff x="0" y="0"/>
-          <a:chExt cx="0" cy="0"/>
-        </a:xfrm>
-      </p:grpSpPr>
-      <p:sp>
-        <p:nvSpPr>
-          <p:cNvPr id="2" name="Title 1"/>
-          <p:cNvSpPr>
-            <a:spLocks noGrp="1"/>
-          </p:cNvSpPr>
-          <p:nvPr>
-            <p:ph type="title"/>
-          </p:nvPr>
-        </p:nvSpPr>
-        <p:spPr/>
-        <p:txBody>
-          <a:bodyPr/>
-          <a:lstStyle/>
-          <a:p>
-            <a:r>
-              <a:rPr lang="de-DE" dirty="0" smtClean="0"/>
-              <a:t>AJAX</a:t>
-            </a:r>
-            <a:endParaRPr lang="de-DE" dirty="0"/>
-          </a:p>
-        </p:txBody>
-      </p:sp>
-      <p:sp>
-        <p:nvSpPr>
-          <p:cNvPr id="3" name="Text Placeholder 2"/>
-          <p:cNvSpPr>
-            <a:spLocks noGrp="1"/>
-          </p:cNvSpPr>
-          <p:nvPr>
-            <p:ph type="body" sz="quarter" idx="10"/>
-          </p:nvPr>
-        </p:nvSpPr>
-        <p:spPr/>
-        <p:txBody>
-          <a:bodyPr/>
-          <a:lstStyle/>
-          <a:p>
-            <a:r>
-              <a:rPr lang="de-DE" dirty="0" smtClean="0"/>
-              <a:t>Warum Ajax?</a:t>
-            </a:r>
-          </a:p>
-          <a:p>
-            <a:pPr lvl="1"/>
-            <a:r>
-              <a:rPr lang="de-DE" dirty="0" smtClean="0"/>
-              <a:t>Ermöglicht asynchrone Datenübertragung</a:t>
-            </a:r>
-          </a:p>
-          <a:p>
-            <a:pPr lvl="1"/>
-            <a:r>
-              <a:rPr lang="de-DE" dirty="0" smtClean="0"/>
-              <a:t>Vermeidet </a:t>
-            </a:r>
-            <a:r>
-              <a:rPr lang="de-DE" dirty="0" err="1" smtClean="0"/>
-              <a:t>Neuladen</a:t>
-            </a:r>
-            <a:r>
-              <a:rPr lang="de-DE" dirty="0" smtClean="0"/>
-              <a:t> der Seite</a:t>
-            </a:r>
-          </a:p>
-          <a:p>
-            <a:r>
-              <a:rPr lang="de-DE" dirty="0" smtClean="0"/>
-              <a:t>Ablauf</a:t>
-            </a:r>
-          </a:p>
-          <a:p>
-            <a:pPr lvl="1"/>
-            <a:r>
-              <a:rPr lang="de-DE" dirty="0" smtClean="0"/>
-              <a:t>Request-Objekt erzeugen</a:t>
-            </a:r>
-          </a:p>
-          <a:p>
-            <a:pPr lvl="1"/>
-            <a:r>
-              <a:rPr lang="de-DE" dirty="0" smtClean="0"/>
-              <a:t>Request abschicken</a:t>
-            </a:r>
-          </a:p>
-          <a:p>
-            <a:pPr lvl="1"/>
-            <a:endParaRPr lang="de-DE" dirty="0"/>
-          </a:p>
-        </p:txBody>
-      </p:sp>
-    </p:spTree>
-    <p:extLst>
-      <p:ext uri="{BB962C8B-B14F-4D97-AF65-F5344CB8AC3E}">
-        <p14:creationId xmlns:p14="http://schemas.microsoft.com/office/powerpoint/2010/main" val="1188867663"/>
-      </p:ext>
-    </p:extLst>
-  </p:cSld>
-  <p:clrMapOvr>
-    <a:masterClrMapping/>
-  </p:clrMapOvr>
-</p:sld>
-</file>
-
 <file path=ppt/slides/slide35.xml><?xml version="1.0" encoding="utf-8"?>
 <p:sld xmlns:a="http://schemas.openxmlformats.org/drawingml/2006/main" xmlns:r="http://schemas.openxmlformats.org/officeDocument/2006/relationships" xmlns:p="http://schemas.openxmlformats.org/presentationml/2006/main">
   <p:cSld>
@@ -23779,586 +23788,53 @@
           <a:p>
             <a:r>
               <a:rPr lang="de-DE" dirty="0" smtClean="0"/>
+              <a:t>Warum Ajax?</a:t>
+            </a:r>
+          </a:p>
+          <a:p>
+            <a:pPr lvl="1"/>
+            <a:r>
+              <a:rPr lang="de-DE" dirty="0" smtClean="0"/>
+              <a:t>Ermöglicht asynchrone Datenübertragung</a:t>
+            </a:r>
+          </a:p>
+          <a:p>
+            <a:pPr lvl="1"/>
+            <a:r>
+              <a:rPr lang="de-DE" dirty="0" smtClean="0"/>
+              <a:t>Vermeidet </a:t>
+            </a:r>
+            <a:r>
+              <a:rPr lang="de-DE" dirty="0" err="1" smtClean="0"/>
+              <a:t>Neuladen</a:t>
+            </a:r>
+            <a:r>
+              <a:rPr lang="de-DE" dirty="0" smtClean="0"/>
+              <a:t> der Seite</a:t>
+            </a:r>
+          </a:p>
+          <a:p>
+            <a:r>
+              <a:rPr lang="de-DE" dirty="0" smtClean="0"/>
+              <a:t>Ablauf</a:t>
+            </a:r>
+          </a:p>
+          <a:p>
+            <a:pPr lvl="1"/>
+            <a:r>
+              <a:rPr lang="de-DE" dirty="0" smtClean="0"/>
               <a:t>Request-Objekt erzeugen</a:t>
             </a:r>
           </a:p>
           <a:p>
             <a:pPr lvl="1"/>
             <a:r>
-              <a:rPr lang="de-DE" sz="1600" dirty="0" err="1">
-                <a:solidFill>
-                  <a:srgbClr val="7F0055"/>
-                </a:solidFill>
-                <a:latin typeface="Consolas"/>
-              </a:rPr>
-              <a:t>var</a:t>
-            </a:r>
-            <a:r>
-              <a:rPr lang="de-DE" sz="1600" dirty="0">
-                <a:solidFill>
-                  <a:srgbClr val="000000"/>
-                </a:solidFill>
-                <a:latin typeface="Consolas"/>
-              </a:rPr>
-              <a:t> </a:t>
-            </a:r>
-            <a:r>
-              <a:rPr lang="de-DE" sz="1600" dirty="0" err="1">
-                <a:solidFill>
-                  <a:srgbClr val="000000"/>
-                </a:solidFill>
-                <a:latin typeface="Consolas"/>
-              </a:rPr>
-              <a:t>http_request</a:t>
-            </a:r>
-            <a:r>
-              <a:rPr lang="de-DE" sz="1600" dirty="0">
-                <a:solidFill>
-                  <a:srgbClr val="000000"/>
-                </a:solidFill>
-                <a:latin typeface="Consolas"/>
-              </a:rPr>
-              <a:t> = </a:t>
-            </a:r>
-            <a:r>
-              <a:rPr lang="de-DE" sz="1600" dirty="0">
-                <a:solidFill>
-                  <a:srgbClr val="7F0055"/>
-                </a:solidFill>
-                <a:latin typeface="Consolas"/>
-              </a:rPr>
-              <a:t>false</a:t>
-            </a:r>
-            <a:r>
-              <a:rPr lang="de-DE" sz="1600" dirty="0">
-                <a:solidFill>
-                  <a:srgbClr val="000000"/>
-                </a:solidFill>
-                <a:latin typeface="Consolas"/>
-              </a:rPr>
-              <a:t>;</a:t>
+              <a:rPr lang="de-DE" dirty="0" smtClean="0"/>
+              <a:t>Request abschicken</a:t>
             </a:r>
           </a:p>
           <a:p>
             <a:pPr lvl="1"/>
-            <a:r>
-              <a:rPr lang="de-DE" sz="1600" dirty="0">
-                <a:solidFill>
-                  <a:srgbClr val="7F0055"/>
-                </a:solidFill>
-                <a:latin typeface="Consolas"/>
-              </a:rPr>
-              <a:t>if</a:t>
-            </a:r>
-            <a:r>
-              <a:rPr lang="de-DE" sz="1600" dirty="0">
-                <a:solidFill>
-                  <a:srgbClr val="000000"/>
-                </a:solidFill>
-                <a:latin typeface="Consolas"/>
-              </a:rPr>
-              <a:t> (</a:t>
-            </a:r>
-            <a:r>
-              <a:rPr lang="de-DE" sz="1600" dirty="0" err="1">
-                <a:solidFill>
-                  <a:srgbClr val="000000"/>
-                </a:solidFill>
-                <a:latin typeface="Consolas"/>
-              </a:rPr>
-              <a:t>window.XMLHttpRequest</a:t>
-            </a:r>
-            <a:r>
-              <a:rPr lang="de-DE" sz="1600" dirty="0">
-                <a:solidFill>
-                  <a:srgbClr val="000000"/>
-                </a:solidFill>
-                <a:latin typeface="Consolas"/>
-              </a:rPr>
-              <a:t>) { </a:t>
-            </a:r>
-            <a:r>
-              <a:rPr lang="de-DE" sz="1600" dirty="0">
-                <a:solidFill>
-                  <a:srgbClr val="3F7F5F"/>
-                </a:solidFill>
-                <a:latin typeface="Consolas"/>
-              </a:rPr>
-              <a:t>// Mozilla, Safari,...</a:t>
-            </a:r>
-          </a:p>
-          <a:p>
-            <a:pPr lvl="1"/>
-            <a:r>
-              <a:rPr lang="de-DE" sz="1600" dirty="0">
-                <a:solidFill>
-                  <a:srgbClr val="000000"/>
-                </a:solidFill>
-                <a:latin typeface="Consolas"/>
-              </a:rPr>
-              <a:t>    </a:t>
-            </a:r>
-            <a:r>
-              <a:rPr lang="de-DE" sz="1600" dirty="0" err="1">
-                <a:solidFill>
-                  <a:srgbClr val="000000"/>
-                </a:solidFill>
-                <a:latin typeface="Consolas"/>
-              </a:rPr>
-              <a:t>http_request</a:t>
-            </a:r>
-            <a:r>
-              <a:rPr lang="de-DE" sz="1600" dirty="0">
-                <a:solidFill>
-                  <a:srgbClr val="000000"/>
-                </a:solidFill>
-                <a:latin typeface="Consolas"/>
-              </a:rPr>
-              <a:t> = </a:t>
-            </a:r>
-            <a:r>
-              <a:rPr lang="de-DE" sz="1600" dirty="0" err="1">
-                <a:solidFill>
-                  <a:srgbClr val="7F0055"/>
-                </a:solidFill>
-                <a:latin typeface="Consolas"/>
-              </a:rPr>
-              <a:t>new</a:t>
-            </a:r>
-            <a:r>
-              <a:rPr lang="de-DE" sz="1600" dirty="0">
-                <a:solidFill>
-                  <a:srgbClr val="000000"/>
-                </a:solidFill>
-                <a:latin typeface="Consolas"/>
-              </a:rPr>
-              <a:t> </a:t>
-            </a:r>
-            <a:r>
-              <a:rPr lang="de-DE" sz="1600" dirty="0" err="1">
-                <a:solidFill>
-                  <a:srgbClr val="000000"/>
-                </a:solidFill>
-                <a:latin typeface="Consolas"/>
-              </a:rPr>
-              <a:t>XMLHttpRequest</a:t>
-            </a:r>
-            <a:r>
-              <a:rPr lang="de-DE" sz="1600" dirty="0">
-                <a:solidFill>
-                  <a:srgbClr val="000000"/>
-                </a:solidFill>
-                <a:latin typeface="Consolas"/>
-              </a:rPr>
-              <a:t>();</a:t>
-            </a:r>
-          </a:p>
-          <a:p>
-            <a:pPr lvl="1"/>
-            <a:r>
-              <a:rPr lang="en-US" sz="1600" dirty="0">
-                <a:solidFill>
-                  <a:srgbClr val="000000"/>
-                </a:solidFill>
-                <a:latin typeface="Consolas"/>
-              </a:rPr>
-              <a:t>} </a:t>
-            </a:r>
-            <a:r>
-              <a:rPr lang="en-US" sz="1600" dirty="0">
-                <a:solidFill>
-                  <a:srgbClr val="7F0055"/>
-                </a:solidFill>
-                <a:latin typeface="Consolas"/>
-              </a:rPr>
-              <a:t>else</a:t>
-            </a:r>
-            <a:r>
-              <a:rPr lang="en-US" sz="1600" dirty="0">
-                <a:solidFill>
-                  <a:srgbClr val="000000"/>
-                </a:solidFill>
-                <a:latin typeface="Consolas"/>
-              </a:rPr>
-              <a:t> </a:t>
-            </a:r>
-            <a:r>
-              <a:rPr lang="en-US" sz="1600" dirty="0">
-                <a:solidFill>
-                  <a:srgbClr val="7F0055"/>
-                </a:solidFill>
-                <a:latin typeface="Consolas"/>
-              </a:rPr>
-              <a:t>if</a:t>
-            </a:r>
-            <a:r>
-              <a:rPr lang="en-US" sz="1600" dirty="0">
-                <a:solidFill>
-                  <a:srgbClr val="000000"/>
-                </a:solidFill>
-                <a:latin typeface="Consolas"/>
-              </a:rPr>
-              <a:t> (</a:t>
-            </a:r>
-            <a:r>
-              <a:rPr lang="en-US" sz="1600" dirty="0" err="1">
-                <a:solidFill>
-                  <a:srgbClr val="000000"/>
-                </a:solidFill>
-                <a:latin typeface="Consolas"/>
-              </a:rPr>
-              <a:t>window.ActiveXObject</a:t>
-            </a:r>
-            <a:r>
-              <a:rPr lang="en-US" sz="1600" dirty="0">
-                <a:solidFill>
-                  <a:srgbClr val="000000"/>
-                </a:solidFill>
-                <a:latin typeface="Consolas"/>
-              </a:rPr>
-              <a:t>) { </a:t>
-            </a:r>
-            <a:r>
-              <a:rPr lang="en-US" sz="1600" dirty="0">
-                <a:solidFill>
-                  <a:srgbClr val="3F7F5F"/>
-                </a:solidFill>
-                <a:latin typeface="Consolas"/>
-              </a:rPr>
-              <a:t>// IE &lt;= 9</a:t>
-            </a:r>
-          </a:p>
-          <a:p>
-            <a:pPr lvl="1"/>
-            <a:r>
-              <a:rPr lang="de-DE" sz="1600" dirty="0">
-                <a:solidFill>
-                  <a:srgbClr val="000000"/>
-                </a:solidFill>
-                <a:latin typeface="Consolas"/>
-              </a:rPr>
-              <a:t>    </a:t>
-            </a:r>
-            <a:r>
-              <a:rPr lang="de-DE" sz="1600" dirty="0" err="1">
-                <a:solidFill>
-                  <a:srgbClr val="7F0055"/>
-                </a:solidFill>
-                <a:latin typeface="Consolas"/>
-              </a:rPr>
-              <a:t>try</a:t>
-            </a:r>
-            <a:r>
-              <a:rPr lang="de-DE" sz="1600" dirty="0">
-                <a:solidFill>
-                  <a:srgbClr val="000000"/>
-                </a:solidFill>
-                <a:latin typeface="Consolas"/>
-              </a:rPr>
-              <a:t> {</a:t>
-            </a:r>
-          </a:p>
-          <a:p>
-            <a:pPr lvl="1"/>
-            <a:r>
-              <a:rPr lang="de-DE" sz="1600" dirty="0">
-                <a:solidFill>
-                  <a:srgbClr val="000000"/>
-                </a:solidFill>
-                <a:latin typeface="Consolas"/>
-              </a:rPr>
-              <a:t>        </a:t>
-            </a:r>
-            <a:r>
-              <a:rPr lang="de-DE" sz="1600" dirty="0" err="1">
-                <a:solidFill>
-                  <a:srgbClr val="000000"/>
-                </a:solidFill>
-                <a:latin typeface="Consolas"/>
-              </a:rPr>
-              <a:t>http_request</a:t>
-            </a:r>
-            <a:r>
-              <a:rPr lang="de-DE" sz="1600" dirty="0">
-                <a:solidFill>
-                  <a:srgbClr val="000000"/>
-                </a:solidFill>
-                <a:latin typeface="Consolas"/>
-              </a:rPr>
-              <a:t> = </a:t>
-            </a:r>
-            <a:r>
-              <a:rPr lang="de-DE" sz="1600" dirty="0" err="1">
-                <a:solidFill>
-                  <a:srgbClr val="7F0055"/>
-                </a:solidFill>
-                <a:latin typeface="Consolas"/>
-              </a:rPr>
-              <a:t>new</a:t>
-            </a:r>
-            <a:r>
-              <a:rPr lang="de-DE" sz="1600" dirty="0">
-                <a:solidFill>
-                  <a:srgbClr val="000000"/>
-                </a:solidFill>
-                <a:latin typeface="Consolas"/>
-              </a:rPr>
-              <a:t> </a:t>
-            </a:r>
-            <a:r>
-              <a:rPr lang="de-DE" sz="1600" dirty="0" err="1">
-                <a:solidFill>
-                  <a:srgbClr val="000000"/>
-                </a:solidFill>
-                <a:latin typeface="Consolas"/>
-              </a:rPr>
-              <a:t>ActiveXObject</a:t>
-            </a:r>
-            <a:r>
-              <a:rPr lang="de-DE" sz="1600" dirty="0">
-                <a:solidFill>
-                  <a:srgbClr val="000000"/>
-                </a:solidFill>
-                <a:latin typeface="Consolas"/>
-              </a:rPr>
-              <a:t>(</a:t>
-            </a:r>
-            <a:r>
-              <a:rPr lang="de-DE" sz="1600" dirty="0">
-                <a:solidFill>
-                  <a:srgbClr val="2A00FF"/>
-                </a:solidFill>
-                <a:latin typeface="Consolas"/>
-              </a:rPr>
-              <a:t>"Msxml2.XMLHTTP"</a:t>
-            </a:r>
-            <a:r>
-              <a:rPr lang="de-DE" sz="1600" dirty="0">
-                <a:solidFill>
-                  <a:srgbClr val="000000"/>
-                </a:solidFill>
-                <a:latin typeface="Consolas"/>
-              </a:rPr>
-              <a:t>);</a:t>
-            </a:r>
-          </a:p>
-          <a:p>
-            <a:pPr lvl="1"/>
-            <a:r>
-              <a:rPr lang="de-DE" sz="1600" dirty="0">
-                <a:solidFill>
-                  <a:srgbClr val="000000"/>
-                </a:solidFill>
-                <a:latin typeface="Consolas"/>
-              </a:rPr>
-              <a:t>    } </a:t>
-            </a:r>
-            <a:r>
-              <a:rPr lang="de-DE" sz="1600" dirty="0">
-                <a:solidFill>
-                  <a:srgbClr val="7F0055"/>
-                </a:solidFill>
-                <a:latin typeface="Consolas"/>
-              </a:rPr>
-              <a:t>catch</a:t>
-            </a:r>
-            <a:r>
-              <a:rPr lang="de-DE" sz="1600" dirty="0">
-                <a:solidFill>
-                  <a:srgbClr val="000000"/>
-                </a:solidFill>
-                <a:latin typeface="Consolas"/>
-              </a:rPr>
-              <a:t> (e) {</a:t>
-            </a:r>
-          </a:p>
-          <a:p>
-            <a:pPr lvl="1"/>
-            <a:r>
-              <a:rPr lang="de-DE" sz="1600" dirty="0">
-                <a:solidFill>
-                  <a:srgbClr val="000000"/>
-                </a:solidFill>
-                <a:latin typeface="Consolas"/>
-              </a:rPr>
-              <a:t>        </a:t>
-            </a:r>
-            <a:r>
-              <a:rPr lang="de-DE" sz="1600" dirty="0" err="1">
-                <a:solidFill>
-                  <a:srgbClr val="7F0055"/>
-                </a:solidFill>
-                <a:latin typeface="Consolas"/>
-              </a:rPr>
-              <a:t>try</a:t>
-            </a:r>
-            <a:r>
-              <a:rPr lang="de-DE" sz="1600" dirty="0">
-                <a:solidFill>
-                  <a:srgbClr val="000000"/>
-                </a:solidFill>
-                <a:latin typeface="Consolas"/>
-              </a:rPr>
-              <a:t> {</a:t>
-            </a:r>
-          </a:p>
-          <a:p>
-            <a:pPr lvl="1"/>
-            <a:r>
-              <a:rPr lang="de-DE" sz="1600" dirty="0">
-                <a:solidFill>
-                  <a:srgbClr val="000000"/>
-                </a:solidFill>
-                <a:latin typeface="Consolas"/>
-              </a:rPr>
-              <a:t>            </a:t>
-            </a:r>
-            <a:r>
-              <a:rPr lang="de-DE" sz="1600" dirty="0" err="1">
-                <a:solidFill>
-                  <a:srgbClr val="000000"/>
-                </a:solidFill>
-                <a:latin typeface="Consolas"/>
-              </a:rPr>
-              <a:t>http_request</a:t>
-            </a:r>
-            <a:r>
-              <a:rPr lang="de-DE" sz="1600" dirty="0">
-                <a:solidFill>
-                  <a:srgbClr val="000000"/>
-                </a:solidFill>
-                <a:latin typeface="Consolas"/>
-              </a:rPr>
-              <a:t> = </a:t>
-            </a:r>
-            <a:r>
-              <a:rPr lang="de-DE" sz="1600" dirty="0" err="1">
-                <a:solidFill>
-                  <a:srgbClr val="7F0055"/>
-                </a:solidFill>
-                <a:latin typeface="Consolas"/>
-              </a:rPr>
-              <a:t>new</a:t>
-            </a:r>
-            <a:r>
-              <a:rPr lang="de-DE" sz="1600" dirty="0">
-                <a:solidFill>
-                  <a:srgbClr val="000000"/>
-                </a:solidFill>
-                <a:latin typeface="Consolas"/>
-              </a:rPr>
-              <a:t> </a:t>
-            </a:r>
-            <a:r>
-              <a:rPr lang="de-DE" sz="1600" dirty="0" err="1">
-                <a:solidFill>
-                  <a:srgbClr val="000000"/>
-                </a:solidFill>
-                <a:latin typeface="Consolas"/>
-              </a:rPr>
-              <a:t>ActiveXObject</a:t>
-            </a:r>
-            <a:r>
-              <a:rPr lang="de-DE" sz="1600" dirty="0">
-                <a:solidFill>
-                  <a:srgbClr val="000000"/>
-                </a:solidFill>
-                <a:latin typeface="Consolas"/>
-              </a:rPr>
-              <a:t>(</a:t>
-            </a:r>
-            <a:r>
-              <a:rPr lang="de-DE" sz="1600" dirty="0">
-                <a:solidFill>
-                  <a:srgbClr val="2A00FF"/>
-                </a:solidFill>
-                <a:latin typeface="Consolas"/>
-              </a:rPr>
-              <a:t>"</a:t>
-            </a:r>
-            <a:r>
-              <a:rPr lang="de-DE" sz="1600" dirty="0" err="1">
-                <a:solidFill>
-                  <a:srgbClr val="2A00FF"/>
-                </a:solidFill>
-                <a:latin typeface="Consolas"/>
-              </a:rPr>
-              <a:t>Microsoft.XMLHTTP</a:t>
-            </a:r>
-            <a:r>
-              <a:rPr lang="de-DE" sz="1600" dirty="0">
-                <a:solidFill>
-                  <a:srgbClr val="2A00FF"/>
-                </a:solidFill>
-                <a:latin typeface="Consolas"/>
-              </a:rPr>
-              <a:t>"</a:t>
-            </a:r>
-            <a:r>
-              <a:rPr lang="de-DE" sz="1600" dirty="0">
-                <a:solidFill>
-                  <a:srgbClr val="000000"/>
-                </a:solidFill>
-                <a:latin typeface="Consolas"/>
-              </a:rPr>
-              <a:t>);</a:t>
-            </a:r>
-          </a:p>
-          <a:p>
-            <a:pPr lvl="1"/>
-            <a:r>
-              <a:rPr lang="de-DE" sz="1600" dirty="0">
-                <a:solidFill>
-                  <a:srgbClr val="000000"/>
-                </a:solidFill>
-                <a:latin typeface="Consolas"/>
-              </a:rPr>
-              <a:t>        } </a:t>
-            </a:r>
-            <a:r>
-              <a:rPr lang="de-DE" sz="1600" dirty="0">
-                <a:solidFill>
-                  <a:srgbClr val="7F0055"/>
-                </a:solidFill>
-                <a:latin typeface="Consolas"/>
-              </a:rPr>
-              <a:t>catch</a:t>
-            </a:r>
-            <a:r>
-              <a:rPr lang="de-DE" sz="1600" dirty="0">
-                <a:solidFill>
-                  <a:srgbClr val="000000"/>
-                </a:solidFill>
-                <a:latin typeface="Consolas"/>
-              </a:rPr>
-              <a:t> (e) {}</a:t>
-            </a:r>
-          </a:p>
-          <a:p>
-            <a:pPr lvl="1"/>
-            <a:r>
-              <a:rPr lang="de-DE" sz="1600" dirty="0">
-                <a:solidFill>
-                  <a:srgbClr val="000000"/>
-                </a:solidFill>
-                <a:latin typeface="Consolas"/>
-              </a:rPr>
-              <a:t>    }</a:t>
-            </a:r>
-          </a:p>
-          <a:p>
-            <a:pPr lvl="1"/>
-            <a:r>
-              <a:rPr lang="de-DE" sz="1600" dirty="0">
-                <a:solidFill>
-                  <a:srgbClr val="000000"/>
-                </a:solidFill>
-                <a:latin typeface="Consolas"/>
-              </a:rPr>
-              <a:t>}</a:t>
-            </a:r>
-          </a:p>
-          <a:p>
             <a:endParaRPr lang="de-DE" dirty="0"/>
           </a:p>
         </p:txBody>
@@ -24366,7 +23842,7 @@
     </p:spTree>
     <p:extLst>
       <p:ext uri="{BB962C8B-B14F-4D97-AF65-F5344CB8AC3E}">
-        <p14:creationId xmlns:p14="http://schemas.microsoft.com/office/powerpoint/2010/main" val="2866048877"/>
+        <p14:creationId xmlns:p14="http://schemas.microsoft.com/office/powerpoint/2010/main" val="1188867663"/>
       </p:ext>
     </p:extLst>
   </p:cSld>
@@ -24433,22 +23909,19 @@
           <a:p>
             <a:r>
               <a:rPr lang="de-DE" dirty="0" smtClean="0"/>
-              <a:t>Request-Objekt abschicken</a:t>
-            </a:r>
-            <a:endParaRPr lang="de-DE" dirty="0">
-              <a:latin typeface="Consolas"/>
-            </a:endParaRPr>
+              <a:t>Request-Objekt erzeugen</a:t>
+            </a:r>
           </a:p>
           <a:p>
             <a:pPr lvl="1"/>
             <a:r>
               <a:rPr lang="de-DE" sz="1600" dirty="0" err="1">
                 <a:solidFill>
-                  <a:srgbClr val="000000"/>
-                </a:solidFill>
-                <a:latin typeface="Consolas"/>
-              </a:rPr>
-              <a:t>http_request.onreadystatechange</a:t>
+                  <a:srgbClr val="7F0055"/>
+                </a:solidFill>
+                <a:latin typeface="Consolas"/>
+              </a:rPr>
+              <a:t>var</a:t>
             </a:r>
             <a:r>
               <a:rPr lang="de-DE" sz="1600" dirty="0">
@@ -24457,16 +23930,130 @@
                 </a:solidFill>
                 <a:latin typeface="Consolas"/>
               </a:rPr>
+              <a:t> </a:t>
+            </a:r>
+            <a:r>
+              <a:rPr lang="de-DE" sz="1600" dirty="0" err="1">
+                <a:solidFill>
+                  <a:srgbClr val="000000"/>
+                </a:solidFill>
+                <a:latin typeface="Consolas"/>
+              </a:rPr>
+              <a:t>http_request</a:t>
+            </a:r>
+            <a:r>
+              <a:rPr lang="de-DE" sz="1600" dirty="0">
+                <a:solidFill>
+                  <a:srgbClr val="000000"/>
+                </a:solidFill>
+                <a:latin typeface="Consolas"/>
+              </a:rPr>
               <a:t> = </a:t>
             </a:r>
             <a:r>
+              <a:rPr lang="de-DE" sz="1600" dirty="0">
+                <a:solidFill>
+                  <a:srgbClr val="7F0055"/>
+                </a:solidFill>
+                <a:latin typeface="Consolas"/>
+              </a:rPr>
+              <a:t>false</a:t>
+            </a:r>
+            <a:r>
+              <a:rPr lang="de-DE" sz="1600" dirty="0">
+                <a:solidFill>
+                  <a:srgbClr val="000000"/>
+                </a:solidFill>
+                <a:latin typeface="Consolas"/>
+              </a:rPr>
+              <a:t>;</a:t>
+            </a:r>
+          </a:p>
+          <a:p>
+            <a:pPr lvl="1"/>
+            <a:r>
+              <a:rPr lang="de-DE" sz="1600" dirty="0">
+                <a:solidFill>
+                  <a:srgbClr val="7F0055"/>
+                </a:solidFill>
+                <a:latin typeface="Consolas"/>
+              </a:rPr>
+              <a:t>if</a:t>
+            </a:r>
+            <a:r>
+              <a:rPr lang="de-DE" sz="1600" dirty="0">
+                <a:solidFill>
+                  <a:srgbClr val="000000"/>
+                </a:solidFill>
+                <a:latin typeface="Consolas"/>
+              </a:rPr>
+              <a:t> (</a:t>
+            </a:r>
+            <a:r>
               <a:rPr lang="de-DE" sz="1600" dirty="0" err="1">
                 <a:solidFill>
+                  <a:srgbClr val="000000"/>
+                </a:solidFill>
+                <a:latin typeface="Consolas"/>
+              </a:rPr>
+              <a:t>window.XMLHttpRequest</a:t>
+            </a:r>
+            <a:r>
+              <a:rPr lang="de-DE" sz="1600" dirty="0">
+                <a:solidFill>
+                  <a:srgbClr val="000000"/>
+                </a:solidFill>
+                <a:latin typeface="Consolas"/>
+              </a:rPr>
+              <a:t>) { </a:t>
+            </a:r>
+            <a:r>
+              <a:rPr lang="de-DE" sz="1600" dirty="0">
+                <a:solidFill>
+                  <a:srgbClr val="3F7F5F"/>
+                </a:solidFill>
+                <a:latin typeface="Consolas"/>
+              </a:rPr>
+              <a:t>// Mozilla, Safari,...</a:t>
+            </a:r>
+          </a:p>
+          <a:p>
+            <a:pPr lvl="1"/>
+            <a:r>
+              <a:rPr lang="de-DE" sz="1600" dirty="0">
+                <a:solidFill>
+                  <a:srgbClr val="000000"/>
+                </a:solidFill>
+                <a:latin typeface="Consolas"/>
+              </a:rPr>
+              <a:t>    </a:t>
+            </a:r>
+            <a:r>
+              <a:rPr lang="de-DE" sz="1600" dirty="0" err="1">
+                <a:solidFill>
+                  <a:srgbClr val="000000"/>
+                </a:solidFill>
+                <a:latin typeface="Consolas"/>
+              </a:rPr>
+              <a:t>http_request</a:t>
+            </a:r>
+            <a:r>
+              <a:rPr lang="de-DE" sz="1600" dirty="0">
+                <a:solidFill>
+                  <a:srgbClr val="000000"/>
+                </a:solidFill>
+                <a:latin typeface="Consolas"/>
+              </a:rPr>
+              <a:t> = </a:t>
+            </a:r>
+            <a:r>
+              <a:rPr lang="de-DE" sz="1600" dirty="0" err="1">
+                <a:solidFill>
                   <a:srgbClr val="7F0055"/>
                 </a:solidFill>
                 <a:latin typeface="Consolas"/>
               </a:rPr>
-              <a:t>function</a:t>
+              <a:t>new</a:t>
             </a:r>
             <a:r>
               <a:rPr lang="de-DE" sz="1600" dirty="0">
@@ -24475,22 +24062,49 @@
                 </a:solidFill>
                 <a:latin typeface="Consolas"/>
               </a:rPr>
-              <a:t>(){</a:t>
+              <a:t> </a:t>
+            </a:r>
+            <a:r>
+              <a:rPr lang="de-DE" sz="1600" dirty="0" err="1">
+                <a:solidFill>
+                  <a:srgbClr val="000000"/>
+                </a:solidFill>
+                <a:latin typeface="Consolas"/>
+              </a:rPr>
+              <a:t>XMLHttpRequest</a:t>
+            </a:r>
+            <a:r>
+              <a:rPr lang="de-DE" sz="1600" dirty="0">
+                <a:solidFill>
+                  <a:srgbClr val="000000"/>
+                </a:solidFill>
+                <a:latin typeface="Consolas"/>
+              </a:rPr>
+              <a:t>();</a:t>
             </a:r>
           </a:p>
           <a:p>
             <a:pPr lvl="1"/>
             <a:r>
-              <a:rPr lang="de-DE" sz="1600" dirty="0" smtClean="0">
+              <a:rPr lang="en-US" sz="1600" dirty="0">
+                <a:solidFill>
+                  <a:srgbClr val="000000"/>
+                </a:solidFill>
+                <a:latin typeface="Consolas"/>
+              </a:rPr>
+              <a:t>} </a:t>
+            </a:r>
+            <a:r>
+              <a:rPr lang="en-US" sz="1600" dirty="0">
                 <a:solidFill>
                   <a:srgbClr val="7F0055"/>
                 </a:solidFill>
                 <a:latin typeface="Consolas"/>
               </a:rPr>
-              <a:t>    if</a:t>
-            </a:r>
-            <a:r>
-              <a:rPr lang="de-DE" sz="1600" dirty="0" smtClean="0">
+              <a:t>else</a:t>
+            </a:r>
+            <a:r>
+              <a:rPr lang="en-US" sz="1600" dirty="0">
                 <a:solidFill>
                   <a:srgbClr val="000000"/>
                 </a:solidFill>
@@ -24499,22 +24113,214 @@
               <a:t> </a:t>
             </a:r>
             <a:r>
+              <a:rPr lang="en-US" sz="1600" dirty="0">
+                <a:solidFill>
+                  <a:srgbClr val="7F0055"/>
+                </a:solidFill>
+                <a:latin typeface="Consolas"/>
+              </a:rPr>
+              <a:t>if</a:t>
+            </a:r>
+            <a:r>
+              <a:rPr lang="en-US" sz="1600" dirty="0">
+                <a:solidFill>
+                  <a:srgbClr val="000000"/>
+                </a:solidFill>
+                <a:latin typeface="Consolas"/>
+              </a:rPr>
+              <a:t> (</a:t>
+            </a:r>
+            <a:r>
+              <a:rPr lang="en-US" sz="1600" dirty="0" err="1">
+                <a:solidFill>
+                  <a:srgbClr val="000000"/>
+                </a:solidFill>
+                <a:latin typeface="Consolas"/>
+              </a:rPr>
+              <a:t>window.ActiveXObject</a:t>
+            </a:r>
+            <a:r>
+              <a:rPr lang="en-US" sz="1600" dirty="0">
+                <a:solidFill>
+                  <a:srgbClr val="000000"/>
+                </a:solidFill>
+                <a:latin typeface="Consolas"/>
+              </a:rPr>
+              <a:t>) { </a:t>
+            </a:r>
+            <a:r>
+              <a:rPr lang="en-US" sz="1600" dirty="0">
+                <a:solidFill>
+                  <a:srgbClr val="3F7F5F"/>
+                </a:solidFill>
+                <a:latin typeface="Consolas"/>
+              </a:rPr>
+              <a:t>// IE &lt;= 9</a:t>
+            </a:r>
+          </a:p>
+          <a:p>
+            <a:pPr lvl="1"/>
+            <a:r>
               <a:rPr lang="de-DE" sz="1600" dirty="0">
                 <a:solidFill>
                   <a:srgbClr val="000000"/>
                 </a:solidFill>
                 <a:latin typeface="Consolas"/>
               </a:rPr>
+              <a:t>    </a:t>
+            </a:r>
+            <a:r>
+              <a:rPr lang="de-DE" sz="1600" dirty="0" err="1">
+                <a:solidFill>
+                  <a:srgbClr val="7F0055"/>
+                </a:solidFill>
+                <a:latin typeface="Consolas"/>
+              </a:rPr>
+              <a:t>try</a:t>
+            </a:r>
+            <a:r>
+              <a:rPr lang="de-DE" sz="1600" dirty="0">
+                <a:solidFill>
+                  <a:srgbClr val="000000"/>
+                </a:solidFill>
+                <a:latin typeface="Consolas"/>
+              </a:rPr>
+              <a:t> {</a:t>
+            </a:r>
+          </a:p>
+          <a:p>
+            <a:pPr lvl="1"/>
+            <a:r>
+              <a:rPr lang="de-DE" sz="1600" dirty="0">
+                <a:solidFill>
+                  <a:srgbClr val="000000"/>
+                </a:solidFill>
+                <a:latin typeface="Consolas"/>
+              </a:rPr>
+              <a:t>        </a:t>
+            </a:r>
+            <a:r>
+              <a:rPr lang="de-DE" sz="1600" dirty="0" err="1">
+                <a:solidFill>
+                  <a:srgbClr val="000000"/>
+                </a:solidFill>
+                <a:latin typeface="Consolas"/>
+              </a:rPr>
+              <a:t>http_request</a:t>
+            </a:r>
+            <a:r>
+              <a:rPr lang="de-DE" sz="1600" dirty="0">
+                <a:solidFill>
+                  <a:srgbClr val="000000"/>
+                </a:solidFill>
+                <a:latin typeface="Consolas"/>
+              </a:rPr>
+              <a:t> = </a:t>
+            </a:r>
+            <a:r>
+              <a:rPr lang="de-DE" sz="1600" dirty="0" err="1">
+                <a:solidFill>
+                  <a:srgbClr val="7F0055"/>
+                </a:solidFill>
+                <a:latin typeface="Consolas"/>
+              </a:rPr>
+              <a:t>new</a:t>
+            </a:r>
+            <a:r>
+              <a:rPr lang="de-DE" sz="1600" dirty="0">
+                <a:solidFill>
+                  <a:srgbClr val="000000"/>
+                </a:solidFill>
+                <a:latin typeface="Consolas"/>
+              </a:rPr>
+              <a:t> </a:t>
+            </a:r>
+            <a:r>
+              <a:rPr lang="de-DE" sz="1600" dirty="0" err="1">
+                <a:solidFill>
+                  <a:srgbClr val="000000"/>
+                </a:solidFill>
+                <a:latin typeface="Consolas"/>
+              </a:rPr>
+              <a:t>ActiveXObject</a:t>
+            </a:r>
+            <a:r>
+              <a:rPr lang="de-DE" sz="1600" dirty="0">
+                <a:solidFill>
+                  <a:srgbClr val="000000"/>
+                </a:solidFill>
+                <a:latin typeface="Consolas"/>
+              </a:rPr>
               <a:t>(</a:t>
             </a:r>
             <a:r>
+              <a:rPr lang="de-DE" sz="1600" dirty="0">
+                <a:solidFill>
+                  <a:srgbClr val="2A00FF"/>
+                </a:solidFill>
+                <a:latin typeface="Consolas"/>
+              </a:rPr>
+              <a:t>"Msxml2.XMLHTTP"</a:t>
+            </a:r>
+            <a:r>
+              <a:rPr lang="de-DE" sz="1600" dirty="0">
+                <a:solidFill>
+                  <a:srgbClr val="000000"/>
+                </a:solidFill>
+                <a:latin typeface="Consolas"/>
+              </a:rPr>
+              <a:t>);</a:t>
+            </a:r>
+          </a:p>
+          <a:p>
+            <a:pPr lvl="1"/>
+            <a:r>
+              <a:rPr lang="de-DE" sz="1600" dirty="0">
+                <a:solidFill>
+                  <a:srgbClr val="000000"/>
+                </a:solidFill>
+                <a:latin typeface="Consolas"/>
+              </a:rPr>
+              <a:t>    } </a:t>
+            </a:r>
+            <a:r>
+              <a:rPr lang="de-DE" sz="1600" dirty="0">
+                <a:solidFill>
+                  <a:srgbClr val="7F0055"/>
+                </a:solidFill>
+                <a:latin typeface="Consolas"/>
+              </a:rPr>
+              <a:t>catch</a:t>
+            </a:r>
+            <a:r>
+              <a:rPr lang="de-DE" sz="1600" dirty="0">
+                <a:solidFill>
+                  <a:srgbClr val="000000"/>
+                </a:solidFill>
+                <a:latin typeface="Consolas"/>
+              </a:rPr>
+              <a:t> (e) {</a:t>
+            </a:r>
+          </a:p>
+          <a:p>
+            <a:pPr lvl="1"/>
+            <a:r>
+              <a:rPr lang="de-DE" sz="1600" dirty="0">
+                <a:solidFill>
+                  <a:srgbClr val="000000"/>
+                </a:solidFill>
+                <a:latin typeface="Consolas"/>
+              </a:rPr>
+              <a:t>        </a:t>
+            </a:r>
+            <a:r>
               <a:rPr lang="de-DE" sz="1600" dirty="0" err="1">
                 <a:solidFill>
-                  <a:srgbClr val="000000"/>
-                </a:solidFill>
-                <a:latin typeface="Consolas"/>
-              </a:rPr>
-              <a:t>http_request.readyState</a:t>
+                  <a:srgbClr val="7F0055"/>
+                </a:solidFill>
+                <a:latin typeface="Consolas"/>
+              </a:rPr>
+              <a:t>try</a:t>
             </a:r>
             <a:r>
               <a:rPr lang="de-DE" sz="1600" dirty="0">
@@ -24523,22 +24329,49 @@
                 </a:solidFill>
                 <a:latin typeface="Consolas"/>
               </a:rPr>
-              <a:t> == 4) {</a:t>
+              <a:t> {</a:t>
             </a:r>
           </a:p>
           <a:p>
             <a:pPr lvl="1"/>
             <a:r>
-              <a:rPr lang="de-DE" sz="1600" dirty="0" smtClean="0">
+              <a:rPr lang="de-DE" sz="1600" dirty="0">
+                <a:solidFill>
+                  <a:srgbClr val="000000"/>
+                </a:solidFill>
+                <a:latin typeface="Consolas"/>
+              </a:rPr>
+              <a:t>            </a:t>
+            </a:r>
+            <a:r>
+              <a:rPr lang="de-DE" sz="1600" dirty="0" err="1">
+                <a:solidFill>
+                  <a:srgbClr val="000000"/>
+                </a:solidFill>
+                <a:latin typeface="Consolas"/>
+              </a:rPr>
+              <a:t>http_request</a:t>
+            </a:r>
+            <a:r>
+              <a:rPr lang="de-DE" sz="1600" dirty="0">
+                <a:solidFill>
+                  <a:srgbClr val="000000"/>
+                </a:solidFill>
+                <a:latin typeface="Consolas"/>
+              </a:rPr>
+              <a:t> = </a:t>
+            </a:r>
+            <a:r>
+              <a:rPr lang="de-DE" sz="1600" dirty="0" err="1">
                 <a:solidFill>
                   <a:srgbClr val="7F0055"/>
                 </a:solidFill>
                 <a:latin typeface="Consolas"/>
               </a:rPr>
-              <a:t>        if</a:t>
-            </a:r>
-            <a:r>
-              <a:rPr lang="de-DE" sz="1600" dirty="0" smtClean="0">
+              <a:t>new</a:t>
+            </a:r>
+            <a:r>
+              <a:rPr lang="de-DE" sz="1600" dirty="0">
                 <a:solidFill>
                   <a:srgbClr val="000000"/>
                 </a:solidFill>
@@ -24547,6 +24380,15 @@
               <a:t> </a:t>
             </a:r>
             <a:r>
+              <a:rPr lang="de-DE" sz="1600" dirty="0" err="1">
+                <a:solidFill>
+                  <a:srgbClr val="000000"/>
+                </a:solidFill>
+                <a:latin typeface="Consolas"/>
+              </a:rPr>
+              <a:t>ActiveXObject</a:t>
+            </a:r>
+            <a:r>
               <a:rPr lang="de-DE" sz="1600" dirty="0">
                 <a:solidFill>
                   <a:srgbClr val="000000"/>
@@ -24556,321 +24398,105 @@
               <a:t>(</a:t>
             </a:r>
             <a:r>
+              <a:rPr lang="de-DE" sz="1600" dirty="0">
+                <a:solidFill>
+                  <a:srgbClr val="2A00FF"/>
+                </a:solidFill>
+                <a:latin typeface="Consolas"/>
+              </a:rPr>
+              <a:t>"</a:t>
+            </a:r>
+            <a:r>
               <a:rPr lang="de-DE" sz="1600" dirty="0" err="1">
                 <a:solidFill>
-                  <a:srgbClr val="000000"/>
-                </a:solidFill>
-                <a:latin typeface="Consolas"/>
-              </a:rPr>
-              <a:t>http_request.status</a:t>
+                  <a:srgbClr val="2A00FF"/>
+                </a:solidFill>
+                <a:latin typeface="Consolas"/>
+              </a:rPr>
+              <a:t>Microsoft.XMLHTTP</a:t>
             </a:r>
             <a:r>
               <a:rPr lang="de-DE" sz="1600" dirty="0">
                 <a:solidFill>
-                  <a:srgbClr val="000000"/>
-                </a:solidFill>
-                <a:latin typeface="Consolas"/>
-              </a:rPr>
-              <a:t> == 200) {</a:t>
+                  <a:srgbClr val="2A00FF"/>
+                </a:solidFill>
+                <a:latin typeface="Consolas"/>
+              </a:rPr>
+              <a:t>"</a:t>
+            </a:r>
+            <a:r>
+              <a:rPr lang="de-DE" sz="1600" dirty="0">
+                <a:solidFill>
+                  <a:srgbClr val="000000"/>
+                </a:solidFill>
+                <a:latin typeface="Consolas"/>
+              </a:rPr>
+              <a:t>);</a:t>
             </a:r>
           </a:p>
           <a:p>
             <a:pPr lvl="1"/>
             <a:r>
-              <a:rPr lang="de-DE" sz="1600" dirty="0" smtClean="0">
-                <a:solidFill>
-                  <a:srgbClr val="000000"/>
-                </a:solidFill>
-                <a:latin typeface="Consolas"/>
-              </a:rPr>
-              <a:t>            alert(</a:t>
-            </a:r>
-            <a:r>
-              <a:rPr lang="de-DE" sz="1600" dirty="0" err="1" smtClean="0">
-                <a:solidFill>
-                  <a:srgbClr val="000000"/>
-                </a:solidFill>
-                <a:latin typeface="Consolas"/>
-              </a:rPr>
-              <a:t>http_request.responseText</a:t>
-            </a:r>
-            <a:r>
               <a:rPr lang="de-DE" sz="1600" dirty="0">
                 <a:solidFill>
                   <a:srgbClr val="000000"/>
                 </a:solidFill>
                 <a:latin typeface="Consolas"/>
               </a:rPr>
-              <a:t>);</a:t>
+              <a:t>        } </a:t>
+            </a:r>
+            <a:r>
+              <a:rPr lang="de-DE" sz="1600" dirty="0">
+                <a:solidFill>
+                  <a:srgbClr val="7F0055"/>
+                </a:solidFill>
+                <a:latin typeface="Consolas"/>
+              </a:rPr>
+              <a:t>catch</a:t>
+            </a:r>
+            <a:r>
+              <a:rPr lang="de-DE" sz="1600" dirty="0">
+                <a:solidFill>
+                  <a:srgbClr val="000000"/>
+                </a:solidFill>
+                <a:latin typeface="Consolas"/>
+              </a:rPr>
+              <a:t> (e) {}</a:t>
             </a:r>
           </a:p>
           <a:p>
             <a:pPr lvl="1"/>
             <a:r>
-              <a:rPr lang="de-DE" sz="1600" dirty="0" smtClean="0">
-                <a:solidFill>
-                  <a:srgbClr val="000000"/>
-                </a:solidFill>
-                <a:latin typeface="Consolas"/>
-              </a:rPr>
-              <a:t>        } </a:t>
-            </a:r>
-            <a:r>
-              <a:rPr lang="de-DE" sz="1600" dirty="0" err="1">
-                <a:solidFill>
-                  <a:srgbClr val="7F0055"/>
-                </a:solidFill>
-                <a:latin typeface="Consolas"/>
-              </a:rPr>
-              <a:t>else</a:t>
-            </a:r>
-            <a:r>
               <a:rPr lang="de-DE" sz="1600" dirty="0">
                 <a:solidFill>
                   <a:srgbClr val="000000"/>
                 </a:solidFill>
                 <a:latin typeface="Consolas"/>
               </a:rPr>
-              <a:t> {</a:t>
+              <a:t>    }</a:t>
             </a:r>
           </a:p>
           <a:p>
             <a:pPr lvl="1"/>
             <a:r>
-              <a:rPr lang="en-US" sz="1600" dirty="0" smtClean="0">
-                <a:solidFill>
-                  <a:srgbClr val="000000"/>
-                </a:solidFill>
-                <a:latin typeface="Consolas"/>
-              </a:rPr>
-              <a:t>            alert</a:t>
-            </a:r>
-            <a:r>
-              <a:rPr lang="en-US" sz="1600" dirty="0">
-                <a:solidFill>
-                  <a:srgbClr val="000000"/>
-                </a:solidFill>
-                <a:latin typeface="Consolas"/>
-              </a:rPr>
-              <a:t>(</a:t>
-            </a:r>
-            <a:r>
-              <a:rPr lang="en-US" sz="1600" dirty="0">
-                <a:solidFill>
-                  <a:srgbClr val="2A00FF"/>
-                </a:solidFill>
-                <a:latin typeface="Consolas"/>
-              </a:rPr>
-              <a:t>'An Error occurred with your AJAX-Request.'</a:t>
-            </a:r>
-            <a:r>
-              <a:rPr lang="en-US" sz="1600" dirty="0">
-                <a:solidFill>
-                  <a:srgbClr val="000000"/>
-                </a:solidFill>
-                <a:latin typeface="Consolas"/>
-              </a:rPr>
-              <a:t>);</a:t>
-            </a:r>
-          </a:p>
-          <a:p>
-            <a:pPr lvl="1"/>
-            <a:r>
-              <a:rPr lang="de-DE" sz="1600" dirty="0" smtClean="0">
-                <a:solidFill>
-                  <a:srgbClr val="000000"/>
-                </a:solidFill>
-                <a:latin typeface="Consolas"/>
-              </a:rPr>
-              <a:t>        }</a:t>
-            </a:r>
-            <a:endParaRPr lang="de-DE" sz="1600" dirty="0">
-              <a:solidFill>
-                <a:srgbClr val="000000"/>
-              </a:solidFill>
-              <a:latin typeface="Consolas"/>
-            </a:endParaRPr>
-          </a:p>
-          <a:p>
-            <a:pPr lvl="1"/>
-            <a:r>
-              <a:rPr lang="de-DE" sz="1600" dirty="0" smtClean="0">
-                <a:solidFill>
-                  <a:srgbClr val="000000"/>
-                </a:solidFill>
-                <a:latin typeface="Consolas"/>
-              </a:rPr>
-              <a:t>    }</a:t>
-            </a:r>
-            <a:endParaRPr lang="de-DE" sz="1600" dirty="0">
-              <a:solidFill>
-                <a:srgbClr val="000000"/>
-              </a:solidFill>
-              <a:latin typeface="Consolas"/>
-            </a:endParaRPr>
-          </a:p>
-          <a:p>
-            <a:pPr lvl="1"/>
-            <a:r>
-              <a:rPr lang="de-DE" sz="1600" dirty="0" smtClean="0">
-                <a:solidFill>
-                  <a:srgbClr val="000000"/>
-                </a:solidFill>
-                <a:latin typeface="Consolas"/>
-              </a:rPr>
-              <a:t>};</a:t>
-            </a:r>
-            <a:endParaRPr lang="de-DE" dirty="0">
-              <a:solidFill>
-                <a:srgbClr val="000000"/>
-              </a:solidFill>
-              <a:latin typeface="Consolas"/>
-            </a:endParaRPr>
-          </a:p>
-          <a:p>
-            <a:pPr lvl="1"/>
-            <a:r>
-              <a:rPr lang="de-DE" sz="1600" dirty="0" err="1">
-                <a:solidFill>
-                  <a:srgbClr val="000000"/>
-                </a:solidFill>
-                <a:latin typeface="Consolas"/>
-              </a:rPr>
-              <a:t>http_request.open</a:t>
-            </a:r>
-            <a:r>
               <a:rPr lang="de-DE" sz="1600" dirty="0">
                 <a:solidFill>
                   <a:srgbClr val="000000"/>
                 </a:solidFill>
                 <a:latin typeface="Consolas"/>
               </a:rPr>
-              <a:t>(</a:t>
-            </a:r>
-            <a:r>
-              <a:rPr lang="de-DE" sz="1600" dirty="0">
-                <a:solidFill>
-                  <a:srgbClr val="2A00FF"/>
-                </a:solidFill>
-                <a:latin typeface="Consolas"/>
-              </a:rPr>
-              <a:t>'</a:t>
-            </a:r>
-            <a:r>
-              <a:rPr lang="de-DE" sz="1600" dirty="0" err="1">
-                <a:solidFill>
-                  <a:srgbClr val="2A00FF"/>
-                </a:solidFill>
-                <a:latin typeface="Consolas"/>
-              </a:rPr>
-              <a:t>get</a:t>
-            </a:r>
-            <a:r>
-              <a:rPr lang="de-DE" sz="1600" dirty="0">
-                <a:solidFill>
-                  <a:srgbClr val="2A00FF"/>
-                </a:solidFill>
-                <a:latin typeface="Consolas"/>
-              </a:rPr>
-              <a:t>'</a:t>
-            </a:r>
-            <a:r>
-              <a:rPr lang="de-DE" sz="1600" dirty="0">
-                <a:solidFill>
-                  <a:srgbClr val="000000"/>
-                </a:solidFill>
-                <a:latin typeface="Consolas"/>
-              </a:rPr>
-              <a:t>, </a:t>
-            </a:r>
-            <a:r>
-              <a:rPr lang="de-DE" sz="1600" dirty="0">
-                <a:solidFill>
-                  <a:srgbClr val="2A00FF"/>
-                </a:solidFill>
-                <a:latin typeface="Consolas"/>
-              </a:rPr>
-              <a:t>'http://jscc.herokuapp.com/ping'</a:t>
-            </a:r>
-            <a:r>
-              <a:rPr lang="de-DE" sz="1600" dirty="0">
-                <a:solidFill>
-                  <a:srgbClr val="000000"/>
-                </a:solidFill>
-                <a:latin typeface="Consolas"/>
-              </a:rPr>
-              <a:t>, </a:t>
-            </a:r>
-            <a:r>
-              <a:rPr lang="de-DE" sz="1600" dirty="0">
-                <a:solidFill>
-                  <a:srgbClr val="7F0055"/>
-                </a:solidFill>
-                <a:latin typeface="Consolas"/>
-              </a:rPr>
-              <a:t>true</a:t>
-            </a:r>
-            <a:r>
-              <a:rPr lang="de-DE" sz="1600" dirty="0">
-                <a:solidFill>
-                  <a:srgbClr val="000000"/>
-                </a:solidFill>
-                <a:latin typeface="Consolas"/>
-              </a:rPr>
-              <a:t>);</a:t>
-            </a:r>
-          </a:p>
-          <a:p>
-            <a:pPr lvl="1"/>
-            <a:r>
-              <a:rPr lang="de-DE" sz="1600" dirty="0" err="1">
-                <a:solidFill>
-                  <a:srgbClr val="000000"/>
-                </a:solidFill>
-                <a:latin typeface="Consolas"/>
-              </a:rPr>
-              <a:t>http_request.send</a:t>
-            </a:r>
-            <a:r>
-              <a:rPr lang="de-DE" sz="1600" dirty="0">
-                <a:solidFill>
-                  <a:srgbClr val="000000"/>
-                </a:solidFill>
-                <a:latin typeface="Consolas"/>
-              </a:rPr>
-              <a:t>(</a:t>
-            </a:r>
-            <a:r>
-              <a:rPr lang="de-DE" sz="1600" dirty="0">
-                <a:solidFill>
-                  <a:srgbClr val="7F0055"/>
-                </a:solidFill>
-                <a:latin typeface="Consolas"/>
-              </a:rPr>
-              <a:t>null</a:t>
-            </a:r>
-            <a:r>
-              <a:rPr lang="de-DE" sz="1600" dirty="0" smtClean="0">
-                <a:solidFill>
-                  <a:srgbClr val="000000"/>
-                </a:solidFill>
-                <a:latin typeface="Consolas"/>
-              </a:rPr>
-              <a:t>);</a:t>
-            </a:r>
-            <a:endParaRPr lang="de-DE" sz="1600" dirty="0">
-              <a:solidFill>
-                <a:srgbClr val="000000"/>
-              </a:solidFill>
-              <a:latin typeface="Consolas"/>
-            </a:endParaRPr>
+              <a:t>}</a:t>
+            </a:r>
+          </a:p>
+          <a:p>
+            <a:endParaRPr lang="de-DE" dirty="0"/>
           </a:p>
         </p:txBody>
       </p:sp>
     </p:spTree>
     <p:extLst>
       <p:ext uri="{BB962C8B-B14F-4D97-AF65-F5344CB8AC3E}">
-        <p14:creationId xmlns:p14="http://schemas.microsoft.com/office/powerpoint/2010/main" val="2206720221"/>
+        <p14:creationId xmlns:p14="http://schemas.microsoft.com/office/powerpoint/2010/main" val="2866048877"/>
       </p:ext>
     </p:extLst>
   </p:cSld>
@@ -24914,7 +24540,7 @@
           <a:p>
             <a:r>
               <a:rPr lang="de-DE" dirty="0" smtClean="0"/>
-              <a:t>AJAX – Übung</a:t>
+              <a:t>AJAX</a:t>
             </a:r>
             <a:endParaRPr lang="de-DE" dirty="0"/>
           </a:p>
@@ -24937,6 +24563,510 @@
           <a:p>
             <a:r>
               <a:rPr lang="de-DE" dirty="0" smtClean="0"/>
+              <a:t>Request-Objekt abschicken</a:t>
+            </a:r>
+            <a:endParaRPr lang="de-DE" dirty="0">
+              <a:latin typeface="Consolas"/>
+            </a:endParaRPr>
+          </a:p>
+          <a:p>
+            <a:pPr lvl="1"/>
+            <a:r>
+              <a:rPr lang="de-DE" sz="1600" dirty="0" err="1">
+                <a:solidFill>
+                  <a:srgbClr val="000000"/>
+                </a:solidFill>
+                <a:latin typeface="Consolas"/>
+              </a:rPr>
+              <a:t>http_request.onreadystatechange</a:t>
+            </a:r>
+            <a:r>
+              <a:rPr lang="de-DE" sz="1600" dirty="0">
+                <a:solidFill>
+                  <a:srgbClr val="000000"/>
+                </a:solidFill>
+                <a:latin typeface="Consolas"/>
+              </a:rPr>
+              <a:t> = </a:t>
+            </a:r>
+            <a:r>
+              <a:rPr lang="de-DE" sz="1600" dirty="0" err="1">
+                <a:solidFill>
+                  <a:srgbClr val="7F0055"/>
+                </a:solidFill>
+                <a:latin typeface="Consolas"/>
+              </a:rPr>
+              <a:t>function</a:t>
+            </a:r>
+            <a:r>
+              <a:rPr lang="de-DE" sz="1600" dirty="0">
+                <a:solidFill>
+                  <a:srgbClr val="000000"/>
+                </a:solidFill>
+                <a:latin typeface="Consolas"/>
+              </a:rPr>
+              <a:t>(){</a:t>
+            </a:r>
+          </a:p>
+          <a:p>
+            <a:pPr lvl="1"/>
+            <a:r>
+              <a:rPr lang="de-DE" sz="1600" dirty="0" smtClean="0">
+                <a:solidFill>
+                  <a:srgbClr val="7F0055"/>
+                </a:solidFill>
+                <a:latin typeface="Consolas"/>
+              </a:rPr>
+              <a:t>    if</a:t>
+            </a:r>
+            <a:r>
+              <a:rPr lang="de-DE" sz="1600" dirty="0" smtClean="0">
+                <a:solidFill>
+                  <a:srgbClr val="000000"/>
+                </a:solidFill>
+                <a:latin typeface="Consolas"/>
+              </a:rPr>
+              <a:t> </a:t>
+            </a:r>
+            <a:r>
+              <a:rPr lang="de-DE" sz="1600" dirty="0">
+                <a:solidFill>
+                  <a:srgbClr val="000000"/>
+                </a:solidFill>
+                <a:latin typeface="Consolas"/>
+              </a:rPr>
+              <a:t>(</a:t>
+            </a:r>
+            <a:r>
+              <a:rPr lang="de-DE" sz="1600" dirty="0" err="1">
+                <a:solidFill>
+                  <a:srgbClr val="000000"/>
+                </a:solidFill>
+                <a:latin typeface="Consolas"/>
+              </a:rPr>
+              <a:t>http_request.readyState</a:t>
+            </a:r>
+            <a:r>
+              <a:rPr lang="de-DE" sz="1600" dirty="0">
+                <a:solidFill>
+                  <a:srgbClr val="000000"/>
+                </a:solidFill>
+                <a:latin typeface="Consolas"/>
+              </a:rPr>
+              <a:t> == 4) {</a:t>
+            </a:r>
+          </a:p>
+          <a:p>
+            <a:pPr lvl="1"/>
+            <a:r>
+              <a:rPr lang="de-DE" sz="1600" dirty="0" smtClean="0">
+                <a:solidFill>
+                  <a:srgbClr val="7F0055"/>
+                </a:solidFill>
+                <a:latin typeface="Consolas"/>
+              </a:rPr>
+              <a:t>        if</a:t>
+            </a:r>
+            <a:r>
+              <a:rPr lang="de-DE" sz="1600" dirty="0" smtClean="0">
+                <a:solidFill>
+                  <a:srgbClr val="000000"/>
+                </a:solidFill>
+                <a:latin typeface="Consolas"/>
+              </a:rPr>
+              <a:t> </a:t>
+            </a:r>
+            <a:r>
+              <a:rPr lang="de-DE" sz="1600" dirty="0">
+                <a:solidFill>
+                  <a:srgbClr val="000000"/>
+                </a:solidFill>
+                <a:latin typeface="Consolas"/>
+              </a:rPr>
+              <a:t>(</a:t>
+            </a:r>
+            <a:r>
+              <a:rPr lang="de-DE" sz="1600" dirty="0" err="1">
+                <a:solidFill>
+                  <a:srgbClr val="000000"/>
+                </a:solidFill>
+                <a:latin typeface="Consolas"/>
+              </a:rPr>
+              <a:t>http_request.status</a:t>
+            </a:r>
+            <a:r>
+              <a:rPr lang="de-DE" sz="1600" dirty="0">
+                <a:solidFill>
+                  <a:srgbClr val="000000"/>
+                </a:solidFill>
+                <a:latin typeface="Consolas"/>
+              </a:rPr>
+              <a:t> == 200) {</a:t>
+            </a:r>
+          </a:p>
+          <a:p>
+            <a:pPr lvl="1"/>
+            <a:r>
+              <a:rPr lang="de-DE" sz="1600" dirty="0" smtClean="0">
+                <a:solidFill>
+                  <a:srgbClr val="000000"/>
+                </a:solidFill>
+                <a:latin typeface="Consolas"/>
+              </a:rPr>
+              <a:t>            alert(</a:t>
+            </a:r>
+            <a:r>
+              <a:rPr lang="de-DE" sz="1600" dirty="0" err="1" smtClean="0">
+                <a:solidFill>
+                  <a:srgbClr val="000000"/>
+                </a:solidFill>
+                <a:latin typeface="Consolas"/>
+              </a:rPr>
+              <a:t>http_request.responseText</a:t>
+            </a:r>
+            <a:r>
+              <a:rPr lang="de-DE" sz="1600" dirty="0">
+                <a:solidFill>
+                  <a:srgbClr val="000000"/>
+                </a:solidFill>
+                <a:latin typeface="Consolas"/>
+              </a:rPr>
+              <a:t>);</a:t>
+            </a:r>
+          </a:p>
+          <a:p>
+            <a:pPr lvl="1"/>
+            <a:r>
+              <a:rPr lang="de-DE" sz="1600" dirty="0" smtClean="0">
+                <a:solidFill>
+                  <a:srgbClr val="000000"/>
+                </a:solidFill>
+                <a:latin typeface="Consolas"/>
+              </a:rPr>
+              <a:t>        } </a:t>
+            </a:r>
+            <a:r>
+              <a:rPr lang="de-DE" sz="1600" dirty="0" err="1">
+                <a:solidFill>
+                  <a:srgbClr val="7F0055"/>
+                </a:solidFill>
+                <a:latin typeface="Consolas"/>
+              </a:rPr>
+              <a:t>else</a:t>
+            </a:r>
+            <a:r>
+              <a:rPr lang="de-DE" sz="1600" dirty="0">
+                <a:solidFill>
+                  <a:srgbClr val="000000"/>
+                </a:solidFill>
+                <a:latin typeface="Consolas"/>
+              </a:rPr>
+              <a:t> {</a:t>
+            </a:r>
+          </a:p>
+          <a:p>
+            <a:pPr lvl="1"/>
+            <a:r>
+              <a:rPr lang="en-US" sz="1600" dirty="0" smtClean="0">
+                <a:solidFill>
+                  <a:srgbClr val="000000"/>
+                </a:solidFill>
+                <a:latin typeface="Consolas"/>
+              </a:rPr>
+              <a:t>            alert</a:t>
+            </a:r>
+            <a:r>
+              <a:rPr lang="en-US" sz="1600" dirty="0">
+                <a:solidFill>
+                  <a:srgbClr val="000000"/>
+                </a:solidFill>
+                <a:latin typeface="Consolas"/>
+              </a:rPr>
+              <a:t>(</a:t>
+            </a:r>
+            <a:r>
+              <a:rPr lang="en-US" sz="1600" dirty="0">
+                <a:solidFill>
+                  <a:srgbClr val="2A00FF"/>
+                </a:solidFill>
+                <a:latin typeface="Consolas"/>
+              </a:rPr>
+              <a:t>'An Error occurred with your AJAX-Request.'</a:t>
+            </a:r>
+            <a:r>
+              <a:rPr lang="en-US" sz="1600" dirty="0">
+                <a:solidFill>
+                  <a:srgbClr val="000000"/>
+                </a:solidFill>
+                <a:latin typeface="Consolas"/>
+              </a:rPr>
+              <a:t>);</a:t>
+            </a:r>
+          </a:p>
+          <a:p>
+            <a:pPr lvl="1"/>
+            <a:r>
+              <a:rPr lang="de-DE" sz="1600" dirty="0" smtClean="0">
+                <a:solidFill>
+                  <a:srgbClr val="000000"/>
+                </a:solidFill>
+                <a:latin typeface="Consolas"/>
+              </a:rPr>
+              <a:t>        }</a:t>
+            </a:r>
+            <a:endParaRPr lang="de-DE" sz="1600" dirty="0">
+              <a:solidFill>
+                <a:srgbClr val="000000"/>
+              </a:solidFill>
+              <a:latin typeface="Consolas"/>
+            </a:endParaRPr>
+          </a:p>
+          <a:p>
+            <a:pPr lvl="1"/>
+            <a:r>
+              <a:rPr lang="de-DE" sz="1600" dirty="0" smtClean="0">
+                <a:solidFill>
+                  <a:srgbClr val="000000"/>
+                </a:solidFill>
+                <a:latin typeface="Consolas"/>
+              </a:rPr>
+              <a:t>    }</a:t>
+            </a:r>
+            <a:endParaRPr lang="de-DE" sz="1600" dirty="0">
+              <a:solidFill>
+                <a:srgbClr val="000000"/>
+              </a:solidFill>
+              <a:latin typeface="Consolas"/>
+            </a:endParaRPr>
+          </a:p>
+          <a:p>
+            <a:pPr lvl="1"/>
+            <a:r>
+              <a:rPr lang="de-DE" sz="1600" dirty="0" smtClean="0">
+                <a:solidFill>
+                  <a:srgbClr val="000000"/>
+                </a:solidFill>
+                <a:latin typeface="Consolas"/>
+              </a:rPr>
+              <a:t>};</a:t>
+            </a:r>
+            <a:endParaRPr lang="de-DE" dirty="0">
+              <a:solidFill>
+                <a:srgbClr val="000000"/>
+              </a:solidFill>
+              <a:latin typeface="Consolas"/>
+            </a:endParaRPr>
+          </a:p>
+          <a:p>
+            <a:pPr lvl="1"/>
+            <a:r>
+              <a:rPr lang="de-DE" sz="1600" dirty="0" err="1">
+                <a:solidFill>
+                  <a:srgbClr val="000000"/>
+                </a:solidFill>
+                <a:latin typeface="Consolas"/>
+              </a:rPr>
+              <a:t>http_request.open</a:t>
+            </a:r>
+            <a:r>
+              <a:rPr lang="de-DE" sz="1600" dirty="0">
+                <a:solidFill>
+                  <a:srgbClr val="000000"/>
+                </a:solidFill>
+                <a:latin typeface="Consolas"/>
+              </a:rPr>
+              <a:t>(</a:t>
+            </a:r>
+            <a:r>
+              <a:rPr lang="de-DE" sz="1600" dirty="0">
+                <a:solidFill>
+                  <a:srgbClr val="2A00FF"/>
+                </a:solidFill>
+                <a:latin typeface="Consolas"/>
+              </a:rPr>
+              <a:t>'</a:t>
+            </a:r>
+            <a:r>
+              <a:rPr lang="de-DE" sz="1600" dirty="0" err="1">
+                <a:solidFill>
+                  <a:srgbClr val="2A00FF"/>
+                </a:solidFill>
+                <a:latin typeface="Consolas"/>
+              </a:rPr>
+              <a:t>get</a:t>
+            </a:r>
+            <a:r>
+              <a:rPr lang="de-DE" sz="1600" dirty="0">
+                <a:solidFill>
+                  <a:srgbClr val="2A00FF"/>
+                </a:solidFill>
+                <a:latin typeface="Consolas"/>
+              </a:rPr>
+              <a:t>'</a:t>
+            </a:r>
+            <a:r>
+              <a:rPr lang="de-DE" sz="1600" dirty="0">
+                <a:solidFill>
+                  <a:srgbClr val="000000"/>
+                </a:solidFill>
+                <a:latin typeface="Consolas"/>
+              </a:rPr>
+              <a:t>, </a:t>
+            </a:r>
+            <a:r>
+              <a:rPr lang="de-DE" sz="1600" dirty="0">
+                <a:solidFill>
+                  <a:srgbClr val="2A00FF"/>
+                </a:solidFill>
+                <a:latin typeface="Consolas"/>
+              </a:rPr>
+              <a:t>'http://jscc.herokuapp.com/ping'</a:t>
+            </a:r>
+            <a:r>
+              <a:rPr lang="de-DE" sz="1600" dirty="0">
+                <a:solidFill>
+                  <a:srgbClr val="000000"/>
+                </a:solidFill>
+                <a:latin typeface="Consolas"/>
+              </a:rPr>
+              <a:t>, </a:t>
+            </a:r>
+            <a:r>
+              <a:rPr lang="de-DE" sz="1600" dirty="0">
+                <a:solidFill>
+                  <a:srgbClr val="7F0055"/>
+                </a:solidFill>
+                <a:latin typeface="Consolas"/>
+              </a:rPr>
+              <a:t>true</a:t>
+            </a:r>
+            <a:r>
+              <a:rPr lang="de-DE" sz="1600" dirty="0">
+                <a:solidFill>
+                  <a:srgbClr val="000000"/>
+                </a:solidFill>
+                <a:latin typeface="Consolas"/>
+              </a:rPr>
+              <a:t>);</a:t>
+            </a:r>
+          </a:p>
+          <a:p>
+            <a:pPr lvl="1"/>
+            <a:r>
+              <a:rPr lang="de-DE" sz="1600" dirty="0" err="1">
+                <a:solidFill>
+                  <a:srgbClr val="000000"/>
+                </a:solidFill>
+                <a:latin typeface="Consolas"/>
+              </a:rPr>
+              <a:t>http_request.send</a:t>
+            </a:r>
+            <a:r>
+              <a:rPr lang="de-DE" sz="1600" dirty="0">
+                <a:solidFill>
+                  <a:srgbClr val="000000"/>
+                </a:solidFill>
+                <a:latin typeface="Consolas"/>
+              </a:rPr>
+              <a:t>(</a:t>
+            </a:r>
+            <a:r>
+              <a:rPr lang="de-DE" sz="1600" dirty="0">
+                <a:solidFill>
+                  <a:srgbClr val="7F0055"/>
+                </a:solidFill>
+                <a:latin typeface="Consolas"/>
+              </a:rPr>
+              <a:t>null</a:t>
+            </a:r>
+            <a:r>
+              <a:rPr lang="de-DE" sz="1600" dirty="0" smtClean="0">
+                <a:solidFill>
+                  <a:srgbClr val="000000"/>
+                </a:solidFill>
+                <a:latin typeface="Consolas"/>
+              </a:rPr>
+              <a:t>);</a:t>
+            </a:r>
+            <a:endParaRPr lang="de-DE" sz="1600" dirty="0">
+              <a:solidFill>
+                <a:srgbClr val="000000"/>
+              </a:solidFill>
+              <a:latin typeface="Consolas"/>
+            </a:endParaRPr>
+          </a:p>
+        </p:txBody>
+      </p:sp>
+    </p:spTree>
+    <p:extLst>
+      <p:ext uri="{BB962C8B-B14F-4D97-AF65-F5344CB8AC3E}">
+        <p14:creationId xmlns:p14="http://schemas.microsoft.com/office/powerpoint/2010/main" val="2206720221"/>
+      </p:ext>
+    </p:extLst>
+  </p:cSld>
+  <p:clrMapOvr>
+    <a:masterClrMapping/>
+  </p:clrMapOvr>
+</p:sld>
+</file>
+
+<file path=ppt/slides/slide38.xml><?xml version="1.0" encoding="utf-8"?>
+<p:sld xmlns:a="http://schemas.openxmlformats.org/drawingml/2006/main" xmlns:r="http://schemas.openxmlformats.org/officeDocument/2006/relationships" xmlns:p="http://schemas.openxmlformats.org/presentationml/2006/main">
+  <p:cSld>
+    <p:spTree>
+      <p:nvGrpSpPr>
+        <p:cNvPr id="1" name=""/>
+        <p:cNvGrpSpPr/>
+        <p:nvPr/>
+      </p:nvGrpSpPr>
+      <p:grpSpPr>
+        <a:xfrm>
+          <a:off x="0" y="0"/>
+          <a:ext cx="0" cy="0"/>
+          <a:chOff x="0" y="0"/>
+          <a:chExt cx="0" cy="0"/>
+        </a:xfrm>
+      </p:grpSpPr>
+      <p:sp>
+        <p:nvSpPr>
+          <p:cNvPr id="2" name="Title 1"/>
+          <p:cNvSpPr>
+            <a:spLocks noGrp="1"/>
+          </p:cNvSpPr>
+          <p:nvPr>
+            <p:ph type="title"/>
+          </p:nvPr>
+        </p:nvSpPr>
+        <p:spPr/>
+        <p:txBody>
+          <a:bodyPr/>
+          <a:lstStyle/>
+          <a:p>
+            <a:r>
+              <a:rPr lang="de-DE" dirty="0" smtClean="0"/>
+              <a:t>AJAX – Übung</a:t>
+            </a:r>
+            <a:endParaRPr lang="de-DE" dirty="0"/>
+          </a:p>
+        </p:txBody>
+      </p:sp>
+      <p:sp>
+        <p:nvSpPr>
+          <p:cNvPr id="3" name="Text Placeholder 2"/>
+          <p:cNvSpPr>
+            <a:spLocks noGrp="1"/>
+          </p:cNvSpPr>
+          <p:nvPr>
+            <p:ph type="body" sz="quarter" idx="10"/>
+          </p:nvPr>
+        </p:nvSpPr>
+        <p:spPr/>
+        <p:txBody>
+          <a:bodyPr/>
+          <a:lstStyle/>
+          <a:p>
+            <a:r>
+              <a:rPr lang="de-DE" dirty="0" smtClean="0"/>
               <a:t>Schreibe eine Funktion </a:t>
             </a:r>
             <a:r>
@@ -24979,11 +25109,7 @@
           <a:p>
             <a:r>
               <a:rPr lang="de-DE" dirty="0" smtClean="0"/>
-              <a:t>Bei Erhalt der Antwort soll diese in einem alert() angezeigt werden</a:t>
-            </a:r>
-            <a:r>
-              <a:rPr lang="de-DE" dirty="0" smtClean="0"/>
-              <a:t>.</a:t>
+              <a:t>Bei Erhalt der Antwort soll diese in einem alert() angezeigt werden.</a:t>
             </a:r>
           </a:p>
           <a:p>
@@ -24991,7 +25117,6 @@
               <a:rPr lang="de-DE" dirty="0" smtClean="0"/>
               <a:t>Hinweis zum Senden von Daten als JSON an den Server:</a:t>
             </a:r>
-            <a:endParaRPr lang="de-DE" dirty="0" smtClean="0"/>
           </a:p>
           <a:p>
             <a:pPr lvl="1"/>
@@ -25276,7 +25401,7 @@
 </p:sld>
 </file>
 
-<file path=ppt/slides/slide38.xml><?xml version="1.0" encoding="utf-8"?>
+<file path=ppt/slides/slide39.xml><?xml version="1.0" encoding="utf-8"?>
 <p:sld xmlns:a="http://schemas.openxmlformats.org/drawingml/2006/main" xmlns:r="http://schemas.openxmlformats.org/officeDocument/2006/relationships" xmlns:p="http://schemas.openxmlformats.org/presentationml/2006/main">
   <p:cSld>
     <p:spTree>
@@ -25564,39 +25689,6 @@
   <p:clrMapOvr>
     <a:masterClrMapping/>
   </p:clrMapOvr>
-  <p:timing>
-    <p:tnLst>
-      <p:par>
-        <p:cTn id="1" dur="indefinite" restart="never" nodeType="tmRoot"/>
-      </p:par>
-    </p:tnLst>
-  </p:timing>
-</p:sld>
-</file>
-
-<file path=ppt/slides/slide39.xml><?xml version="1.0" encoding="utf-8"?>
-<p:sld xmlns:a="http://schemas.openxmlformats.org/drawingml/2006/main" xmlns:r="http://schemas.openxmlformats.org/officeDocument/2006/relationships" xmlns:p="http://schemas.openxmlformats.org/presentationml/2006/main" show="0">
-  <p:cSld>
-    <p:spTree>
-      <p:nvGrpSpPr>
-        <p:cNvPr id="1" name=""/>
-        <p:cNvGrpSpPr/>
-        <p:nvPr/>
-      </p:nvGrpSpPr>
-      <p:grpSpPr>
-        <a:xfrm>
-          <a:off x="0" y="0"/>
-          <a:ext cx="0" cy="0"/>
-          <a:chOff x="0" y="0"/>
-          <a:chExt cx="0" cy="0"/>
-        </a:xfrm>
-      </p:grpSpPr>
-    </p:spTree>
-  </p:cSld>
-  <p:clrMapOvr>
-    <a:masterClrMapping/>
-  </p:clrMapOvr>
-  <p:transition spd="med"/>
   <p:timing>
     <p:tnLst>
       <p:par>
@@ -25731,6 +25823,39 @@
 </file>
 
 <file path=ppt/slides/slide40.xml><?xml version="1.0" encoding="utf-8"?>
+<p:sld xmlns:a="http://schemas.openxmlformats.org/drawingml/2006/main" xmlns:r="http://schemas.openxmlformats.org/officeDocument/2006/relationships" xmlns:p="http://schemas.openxmlformats.org/presentationml/2006/main" show="0">
+  <p:cSld>
+    <p:spTree>
+      <p:nvGrpSpPr>
+        <p:cNvPr id="1" name=""/>
+        <p:cNvGrpSpPr/>
+        <p:nvPr/>
+      </p:nvGrpSpPr>
+      <p:grpSpPr>
+        <a:xfrm>
+          <a:off x="0" y="0"/>
+          <a:ext cx="0" cy="0"/>
+          <a:chOff x="0" y="0"/>
+          <a:chExt cx="0" cy="0"/>
+        </a:xfrm>
+      </p:grpSpPr>
+    </p:spTree>
+  </p:cSld>
+  <p:clrMapOvr>
+    <a:masterClrMapping/>
+  </p:clrMapOvr>
+  <p:transition spd="med"/>
+  <p:timing>
+    <p:tnLst>
+      <p:par>
+        <p:cTn id="1" dur="indefinite" restart="never" nodeType="tmRoot"/>
+      </p:par>
+    </p:tnLst>
+  </p:timing>
+</p:sld>
+</file>
+
+<file path=ppt/slides/slide41.xml><?xml version="1.0" encoding="utf-8"?>
 <p:sld xmlns:a="http://schemas.openxmlformats.org/drawingml/2006/main" xmlns:r="http://schemas.openxmlformats.org/officeDocument/2006/relationships" xmlns:p="http://schemas.openxmlformats.org/presentationml/2006/main" show="0">
   <p:cSld>
     <p:spTree>

--- a/JSCrosscourse.pptx
+++ b/JSCrosscourse.pptx
@@ -714,7 +714,6 @@
               <a:rPr lang="de-DE" dirty="0" smtClean="0"/>
               <a:t>False</a:t>
             </a:r>
-            <a:endParaRPr lang="de-DE" dirty="0" smtClean="0"/>
           </a:p>
           <a:p>
             <a:pPr marL="342900" indent="-342900">
@@ -735,7 +734,6 @@
               <a:rPr lang="de-DE" dirty="0" smtClean="0"/>
               <a:t>True</a:t>
             </a:r>
-            <a:endParaRPr lang="de-DE" dirty="0" smtClean="0"/>
           </a:p>
           <a:p>
             <a:pPr marL="342900" indent="-342900">
@@ -776,7 +774,6 @@
               <a:rPr lang="de-DE" dirty="0" smtClean="0"/>
               <a:t>False</a:t>
             </a:r>
-            <a:endParaRPr lang="de-DE" dirty="0" smtClean="0"/>
           </a:p>
         </p:txBody>
       </p:sp>
@@ -885,6 +882,132 @@
                 </a:solidFill>
                 <a:latin typeface="Consolas"/>
               </a:rPr>
+              <a:t>Vehicle.call</a:t>
+            </a:r>
+            <a:r>
+              <a:rPr lang="de-DE" sz="1400" dirty="0" smtClean="0">
+                <a:solidFill>
+                  <a:srgbClr val="000000"/>
+                </a:solidFill>
+                <a:latin typeface="Consolas"/>
+              </a:rPr>
+              <a:t>(</a:t>
+            </a:r>
+            <a:r>
+              <a:rPr lang="de-DE" sz="1400" dirty="0" err="1" smtClean="0">
+                <a:solidFill>
+                  <a:srgbClr val="7F0055"/>
+                </a:solidFill>
+                <a:latin typeface="Consolas"/>
+              </a:rPr>
+              <a:t>this</a:t>
+            </a:r>
+            <a:r>
+              <a:rPr lang="de-DE" sz="1400" dirty="0" smtClean="0">
+                <a:solidFill>
+                  <a:srgbClr val="000000"/>
+                </a:solidFill>
+                <a:latin typeface="Consolas"/>
+              </a:rPr>
+              <a:t>, </a:t>
+            </a:r>
+            <a:r>
+              <a:rPr lang="de-DE" sz="1400" dirty="0" err="1" smtClean="0">
+                <a:solidFill>
+                  <a:srgbClr val="000000"/>
+                </a:solidFill>
+                <a:latin typeface="Consolas"/>
+              </a:rPr>
+              <a:t>name</a:t>
+            </a:r>
+            <a:r>
+              <a:rPr lang="de-DE" sz="1400" dirty="0" smtClean="0">
+                <a:solidFill>
+                  <a:srgbClr val="000000"/>
+                </a:solidFill>
+                <a:latin typeface="Consolas"/>
+              </a:rPr>
+              <a:t>, </a:t>
+            </a:r>
+            <a:r>
+              <a:rPr lang="de-DE" sz="1400" dirty="0" err="1" smtClean="0">
+                <a:solidFill>
+                  <a:srgbClr val="000000"/>
+                </a:solidFill>
+                <a:latin typeface="Consolas"/>
+              </a:rPr>
+              <a:t>ps</a:t>
+            </a:r>
+            <a:r>
+              <a:rPr lang="de-DE" sz="1400" dirty="0" smtClean="0">
+                <a:solidFill>
+                  <a:srgbClr val="000000"/>
+                </a:solidFill>
+                <a:latin typeface="Consolas"/>
+              </a:rPr>
+              <a:t>);</a:t>
+            </a:r>
+          </a:p>
+          <a:p>
+            <a:pPr marL="0" marR="0" lvl="1" indent="0" algn="l" defTabSz="1088776" rtl="0" eaLnBrk="1" fontAlgn="auto" latinLnBrk="0" hangingPunct="1">
+              <a:lnSpc>
+                <a:spcPct val="100000"/>
+              </a:lnSpc>
+              <a:spcBef>
+                <a:spcPts val="0"/>
+              </a:spcBef>
+              <a:spcAft>
+                <a:spcPts val="0"/>
+              </a:spcAft>
+              <a:buClrTx/>
+              <a:buSzTx/>
+              <a:buFontTx/>
+              <a:buNone/>
+              <a:tabLst/>
+              <a:defRPr/>
+            </a:pPr>
+            <a:r>
+              <a:rPr lang="de-DE" sz="1400" dirty="0" smtClean="0">
+                <a:solidFill>
+                  <a:srgbClr val="000000"/>
+                </a:solidFill>
+                <a:latin typeface="Consolas"/>
+                <a:sym typeface="Wingdings" panose="05000000000000000000" pitchFamily="2" charset="2"/>
+              </a:rPr>
+              <a:t> Aufruf des Konstruktors der Superklasse</a:t>
+            </a:r>
+            <a:endParaRPr lang="de-DE" sz="1400" dirty="0" smtClean="0">
+              <a:solidFill>
+                <a:srgbClr val="000000"/>
+              </a:solidFill>
+              <a:latin typeface="Consolas"/>
+            </a:endParaRPr>
+          </a:p>
+          <a:p>
+            <a:pPr marL="0" marR="0" lvl="1" indent="0" algn="l" defTabSz="1088776" rtl="0" eaLnBrk="1" fontAlgn="auto" latinLnBrk="0" hangingPunct="1">
+              <a:lnSpc>
+                <a:spcPct val="100000"/>
+              </a:lnSpc>
+              <a:spcBef>
+                <a:spcPts val="0"/>
+              </a:spcBef>
+              <a:spcAft>
+                <a:spcPts val="0"/>
+              </a:spcAft>
+              <a:buClrTx/>
+              <a:buSzTx/>
+              <a:buFontTx/>
+              <a:buNone/>
+              <a:tabLst/>
+              <a:defRPr/>
+            </a:pPr>
+            <a:r>
+              <a:rPr lang="de-DE" sz="1400" dirty="0" err="1" smtClean="0">
+                <a:solidFill>
+                  <a:srgbClr val="000000"/>
+                </a:solidFill>
+                <a:latin typeface="Consolas"/>
+              </a:rPr>
               <a:t>Car.prototype</a:t>
             </a:r>
             <a:r>
@@ -894,7 +1017,16 @@
                 </a:solidFill>
                 <a:latin typeface="Consolas"/>
               </a:rPr>
-              <a:t> = </a:t>
+              <a:t> </a:t>
+            </a:r>
+            <a:r>
+              <a:rPr lang="de-DE" sz="1400" dirty="0" smtClean="0">
+                <a:solidFill>
+                  <a:srgbClr val="000000"/>
+                </a:solidFill>
+                <a:latin typeface="Consolas"/>
+              </a:rPr>
+              <a:t>= </a:t>
             </a:r>
             <a:r>
               <a:rPr lang="de-DE" sz="1400" dirty="0" err="1" smtClean="0">
@@ -16419,6 +16551,13 @@
   <p:clrMapOvr>
     <a:masterClrMapping/>
   </p:clrMapOvr>
+  <p:timing>
+    <p:tnLst>
+      <p:par>
+        <p:cTn id="1" dur="indefinite" restart="never" nodeType="tmRoot"/>
+      </p:par>
+    </p:tnLst>
+  </p:timing>
 </p:sld>
 </file>
 
@@ -20088,6 +20227,13 @@
   <p:clrMapOvr>
     <a:masterClrMapping/>
   </p:clrMapOvr>
+  <p:timing>
+    <p:tnLst>
+      <p:par>
+        <p:cTn id="1" dur="indefinite" restart="never" nodeType="tmRoot"/>
+      </p:par>
+    </p:tnLst>
+  </p:timing>
 </p:sld>
 </file>
 
@@ -20449,6 +20595,13 @@
   <p:clrMapOvr>
     <a:masterClrMapping/>
   </p:clrMapOvr>
+  <p:timing>
+    <p:tnLst>
+      <p:par>
+        <p:cTn id="1" dur="indefinite" restart="never" nodeType="tmRoot"/>
+      </p:par>
+    </p:tnLst>
+  </p:timing>
 </p:sld>
 </file>
 
@@ -20550,6 +20703,13 @@
   <p:clrMapOvr>
     <a:masterClrMapping/>
   </p:clrMapOvr>
+  <p:timing>
+    <p:tnLst>
+      <p:par>
+        <p:cTn id="1" dur="indefinite" restart="never" nodeType="tmRoot"/>
+      </p:par>
+    </p:tnLst>
+  </p:timing>
 </p:sld>
 </file>
 
@@ -21318,6 +21478,13 @@
   <p:clrMapOvr>
     <a:masterClrMapping/>
   </p:clrMapOvr>
+  <p:timing>
+    <p:tnLst>
+      <p:par>
+        <p:cTn id="1" dur="indefinite" restart="never" nodeType="tmRoot"/>
+      </p:par>
+    </p:tnLst>
+  </p:timing>
 </p:sld>
 </file>
 
@@ -21415,6 +21582,13 @@
   <p:clrMapOvr>
     <a:masterClrMapping/>
   </p:clrMapOvr>
+  <p:timing>
+    <p:tnLst>
+      <p:par>
+        <p:cTn id="1" dur="indefinite" restart="never" nodeType="tmRoot"/>
+      </p:par>
+    </p:tnLst>
+  </p:timing>
 </p:sld>
 </file>
 
@@ -21435,6 +21609,177 @@
           <a:chExt cx="0" cy="0"/>
         </a:xfrm>
       </p:grpSpPr>
+      <p:sp>
+        <p:nvSpPr>
+          <p:cNvPr id="25" name="Rectangle 24"/>
+          <p:cNvSpPr/>
+          <p:nvPr/>
+        </p:nvSpPr>
+        <p:spPr bwMode="gray">
+          <a:xfrm>
+            <a:off x="6905491" y="3567888"/>
+            <a:ext cx="5036793" cy="276999"/>
+          </a:xfrm>
+          <a:prstGeom prst="rect">
+            <a:avLst/>
+          </a:prstGeom>
+          <a:solidFill>
+            <a:schemeClr val="accent1"/>
+          </a:solidFill>
+          <a:ln w="6350" algn="ctr">
+            <a:noFill/>
+            <a:miter lim="800000"/>
+            <a:headEnd/>
+            <a:tailEnd/>
+          </a:ln>
+        </p:spPr>
+        <p:txBody>
+          <a:bodyPr lIns="90000" tIns="72000" rIns="90000" bIns="72000" rtlCol="0" anchor="ctr"/>
+          <a:lstStyle/>
+          <a:p>
+            <a:pPr marR="0" algn="ctr" defTabSz="914400" eaLnBrk="1" fontAlgn="base" latinLnBrk="0" hangingPunct="1">
+              <a:lnSpc>
+                <a:spcPct val="100000"/>
+              </a:lnSpc>
+              <a:spcBef>
+                <a:spcPct val="50000"/>
+              </a:spcBef>
+              <a:spcAft>
+                <a:spcPct val="0"/>
+              </a:spcAft>
+              <a:buClr>
+                <a:srgbClr val="F0AB00"/>
+              </a:buClr>
+              <a:buSzPct val="80000"/>
+              <a:tabLst/>
+            </a:pPr>
+            <a:endParaRPr kumimoji="0" lang="de-DE" sz="2000" b="0" i="0" u="none" strike="noStrike" kern="0" cap="none" spc="0" normalizeH="0" baseline="0" noProof="0" dirty="0" err="1" smtClean="0">
+              <a:ln>
+                <a:noFill/>
+              </a:ln>
+              <a:effectLst/>
+              <a:uLnTx/>
+              <a:uFillTx/>
+              <a:ea typeface="Arial Unicode MS" pitchFamily="34" charset="-128"/>
+              <a:cs typeface="Arial Unicode MS" pitchFamily="34" charset="-128"/>
+            </a:endParaRPr>
+          </a:p>
+        </p:txBody>
+      </p:sp>
+      <p:sp>
+        <p:nvSpPr>
+          <p:cNvPr id="24" name="Rectangle 23"/>
+          <p:cNvSpPr/>
+          <p:nvPr/>
+        </p:nvSpPr>
+        <p:spPr bwMode="gray">
+          <a:xfrm>
+            <a:off x="6905491" y="2690046"/>
+            <a:ext cx="5036793" cy="276999"/>
+          </a:xfrm>
+          <a:prstGeom prst="rect">
+            <a:avLst/>
+          </a:prstGeom>
+          <a:solidFill>
+            <a:schemeClr val="accent1"/>
+          </a:solidFill>
+          <a:ln w="6350" algn="ctr">
+            <a:noFill/>
+            <a:miter lim="800000"/>
+            <a:headEnd/>
+            <a:tailEnd/>
+          </a:ln>
+        </p:spPr>
+        <p:txBody>
+          <a:bodyPr lIns="90000" tIns="72000" rIns="90000" bIns="72000" rtlCol="0" anchor="ctr"/>
+          <a:lstStyle/>
+          <a:p>
+            <a:pPr marR="0" algn="ctr" defTabSz="914400" eaLnBrk="1" fontAlgn="base" latinLnBrk="0" hangingPunct="1">
+              <a:lnSpc>
+                <a:spcPct val="100000"/>
+              </a:lnSpc>
+              <a:spcBef>
+                <a:spcPct val="50000"/>
+              </a:spcBef>
+              <a:spcAft>
+                <a:spcPct val="0"/>
+              </a:spcAft>
+              <a:buClr>
+                <a:srgbClr val="F0AB00"/>
+              </a:buClr>
+              <a:buSzPct val="80000"/>
+              <a:tabLst/>
+            </a:pPr>
+            <a:endParaRPr kumimoji="0" lang="de-DE" sz="2000" b="0" i="0" u="none" strike="noStrike" kern="0" cap="none" spc="0" normalizeH="0" baseline="0" noProof="0" dirty="0" err="1" smtClean="0">
+              <a:ln>
+                <a:noFill/>
+              </a:ln>
+              <a:effectLst/>
+              <a:uLnTx/>
+              <a:uFillTx/>
+              <a:ea typeface="Arial Unicode MS" pitchFamily="34" charset="-128"/>
+              <a:cs typeface="Arial Unicode MS" pitchFamily="34" charset="-128"/>
+            </a:endParaRPr>
+          </a:p>
+        </p:txBody>
+      </p:sp>
+      <p:sp>
+        <p:nvSpPr>
+          <p:cNvPr id="4" name="Rectangle 3"/>
+          <p:cNvSpPr/>
+          <p:nvPr/>
+        </p:nvSpPr>
+        <p:spPr bwMode="gray">
+          <a:xfrm>
+            <a:off x="6905491" y="3267466"/>
+            <a:ext cx="5036793" cy="276999"/>
+          </a:xfrm>
+          <a:prstGeom prst="rect">
+            <a:avLst/>
+          </a:prstGeom>
+          <a:solidFill>
+            <a:schemeClr val="accent1"/>
+          </a:solidFill>
+          <a:ln w="6350" algn="ctr">
+            <a:noFill/>
+            <a:miter lim="800000"/>
+            <a:headEnd/>
+            <a:tailEnd/>
+          </a:ln>
+        </p:spPr>
+        <p:txBody>
+          <a:bodyPr lIns="90000" tIns="72000" rIns="90000" bIns="72000" rtlCol="0" anchor="ctr"/>
+          <a:lstStyle/>
+          <a:p>
+            <a:pPr marR="0" algn="ctr" defTabSz="914400" eaLnBrk="1" fontAlgn="base" latinLnBrk="0" hangingPunct="1">
+              <a:lnSpc>
+                <a:spcPct val="100000"/>
+              </a:lnSpc>
+              <a:spcBef>
+                <a:spcPct val="50000"/>
+              </a:spcBef>
+              <a:spcAft>
+                <a:spcPct val="0"/>
+              </a:spcAft>
+              <a:buClr>
+                <a:srgbClr val="F0AB00"/>
+              </a:buClr>
+              <a:buSzPct val="80000"/>
+              <a:tabLst/>
+            </a:pPr>
+            <a:endParaRPr kumimoji="0" lang="de-DE" sz="2000" b="0" i="0" u="none" strike="noStrike" kern="0" cap="none" spc="0" normalizeH="0" baseline="0" noProof="0" dirty="0" err="1" smtClean="0">
+              <a:ln>
+                <a:noFill/>
+              </a:ln>
+              <a:effectLst/>
+              <a:uLnTx/>
+              <a:uFillTx/>
+              <a:ea typeface="Arial Unicode MS" pitchFamily="34" charset="-128"/>
+              <a:cs typeface="Arial Unicode MS" pitchFamily="34" charset="-128"/>
+            </a:endParaRPr>
+          </a:p>
+        </p:txBody>
+      </p:sp>
       <p:sp>
         <p:nvSpPr>
           <p:cNvPr id="2" name="Title 1"/>
@@ -23483,6 +23828,370 @@
   <p:clrMapOvr>
     <a:masterClrMapping/>
   </p:clrMapOvr>
+  <mc:AlternateContent xmlns:mc="http://schemas.openxmlformats.org/markup-compatibility/2006">
+    <mc:Choice xmlns:p14="http://schemas.microsoft.com/office/powerpoint/2010/main" Requires="p14">
+      <p:transition spd="slow" p14:dur="2000"/>
+    </mc:Choice>
+    <mc:Fallback>
+      <p:transition spd="slow"/>
+    </mc:Fallback>
+  </mc:AlternateContent>
+  <p:timing>
+    <p:tnLst>
+      <p:par>
+        <p:cTn id="1" dur="indefinite" restart="never" nodeType="tmRoot">
+          <p:childTnLst>
+            <p:seq concurrent="1" nextAc="seek">
+              <p:cTn id="2" dur="indefinite" nodeType="mainSeq">
+                <p:childTnLst>
+                  <p:par>
+                    <p:cTn id="3" fill="hold">
+                      <p:stCondLst>
+                        <p:cond delay="indefinite"/>
+                      </p:stCondLst>
+                      <p:childTnLst>
+                        <p:par>
+                          <p:cTn id="4" fill="hold">
+                            <p:stCondLst>
+                              <p:cond delay="0"/>
+                            </p:stCondLst>
+                            <p:childTnLst>
+                              <p:par>
+                                <p:cTn id="5" presetID="10" presetClass="entr" presetSubtype="0" fill="hold" grpId="0" nodeType="clickEffect">
+                                  <p:stCondLst>
+                                    <p:cond delay="0"/>
+                                  </p:stCondLst>
+                                  <p:childTnLst>
+                                    <p:set>
+                                      <p:cBhvr>
+                                        <p:cTn id="6" dur="1" fill="hold">
+                                          <p:stCondLst>
+                                            <p:cond delay="0"/>
+                                          </p:stCondLst>
+                                        </p:cTn>
+                                        <p:tgtEl>
+                                          <p:spTgt spid="24"/>
+                                        </p:tgtEl>
+                                        <p:attrNameLst>
+                                          <p:attrName>style.visibility</p:attrName>
+                                        </p:attrNameLst>
+                                      </p:cBhvr>
+                                      <p:to>
+                                        <p:strVal val="visible"/>
+                                      </p:to>
+                                    </p:set>
+                                    <p:animEffect transition="in" filter="fade">
+                                      <p:cBhvr>
+                                        <p:cTn id="7" dur="500"/>
+                                        <p:tgtEl>
+                                          <p:spTgt spid="24"/>
+                                        </p:tgtEl>
+                                      </p:cBhvr>
+                                    </p:animEffect>
+                                  </p:childTnLst>
+                                </p:cTn>
+                              </p:par>
+                            </p:childTnLst>
+                          </p:cTn>
+                        </p:par>
+                      </p:childTnLst>
+                    </p:cTn>
+                  </p:par>
+                  <p:par>
+                    <p:cTn id="8" fill="hold">
+                      <p:stCondLst>
+                        <p:cond delay="indefinite"/>
+                      </p:stCondLst>
+                      <p:childTnLst>
+                        <p:par>
+                          <p:cTn id="9" fill="hold">
+                            <p:stCondLst>
+                              <p:cond delay="0"/>
+                            </p:stCondLst>
+                            <p:childTnLst>
+                              <p:par>
+                                <p:cTn id="10" presetID="10" presetClass="exit" presetSubtype="0" fill="hold" grpId="1" nodeType="clickEffect">
+                                  <p:stCondLst>
+                                    <p:cond delay="0"/>
+                                  </p:stCondLst>
+                                  <p:childTnLst>
+                                    <p:animEffect transition="out" filter="fade">
+                                      <p:cBhvr>
+                                        <p:cTn id="11" dur="500"/>
+                                        <p:tgtEl>
+                                          <p:spTgt spid="24"/>
+                                        </p:tgtEl>
+                                      </p:cBhvr>
+                                    </p:animEffect>
+                                    <p:set>
+                                      <p:cBhvr>
+                                        <p:cTn id="12" dur="1" fill="hold">
+                                          <p:stCondLst>
+                                            <p:cond delay="499"/>
+                                          </p:stCondLst>
+                                        </p:cTn>
+                                        <p:tgtEl>
+                                          <p:spTgt spid="24"/>
+                                        </p:tgtEl>
+                                        <p:attrNameLst>
+                                          <p:attrName>style.visibility</p:attrName>
+                                        </p:attrNameLst>
+                                      </p:cBhvr>
+                                      <p:to>
+                                        <p:strVal val="hidden"/>
+                                      </p:to>
+                                    </p:set>
+                                  </p:childTnLst>
+                                </p:cTn>
+                              </p:par>
+                            </p:childTnLst>
+                          </p:cTn>
+                        </p:par>
+                      </p:childTnLst>
+                    </p:cTn>
+                  </p:par>
+                  <p:par>
+                    <p:cTn id="13" fill="hold">
+                      <p:stCondLst>
+                        <p:cond delay="indefinite"/>
+                      </p:stCondLst>
+                      <p:childTnLst>
+                        <p:par>
+                          <p:cTn id="14" fill="hold">
+                            <p:stCondLst>
+                              <p:cond delay="0"/>
+                            </p:stCondLst>
+                            <p:childTnLst>
+                              <p:par>
+                                <p:cTn id="15" presetID="10" presetClass="entr" presetSubtype="0" fill="hold" grpId="0" nodeType="clickEffect">
+                                  <p:stCondLst>
+                                    <p:cond delay="0"/>
+                                  </p:stCondLst>
+                                  <p:childTnLst>
+                                    <p:set>
+                                      <p:cBhvr>
+                                        <p:cTn id="16" dur="1" fill="hold">
+                                          <p:stCondLst>
+                                            <p:cond delay="0"/>
+                                          </p:stCondLst>
+                                        </p:cTn>
+                                        <p:tgtEl>
+                                          <p:spTgt spid="4"/>
+                                        </p:tgtEl>
+                                        <p:attrNameLst>
+                                          <p:attrName>style.visibility</p:attrName>
+                                        </p:attrNameLst>
+                                      </p:cBhvr>
+                                      <p:to>
+                                        <p:strVal val="visible"/>
+                                      </p:to>
+                                    </p:set>
+                                    <p:animEffect transition="in" filter="fade">
+                                      <p:cBhvr>
+                                        <p:cTn id="17" dur="500"/>
+                                        <p:tgtEl>
+                                          <p:spTgt spid="4"/>
+                                        </p:tgtEl>
+                                      </p:cBhvr>
+                                    </p:animEffect>
+                                  </p:childTnLst>
+                                </p:cTn>
+                              </p:par>
+                            </p:childTnLst>
+                          </p:cTn>
+                        </p:par>
+                      </p:childTnLst>
+                    </p:cTn>
+                  </p:par>
+                  <p:par>
+                    <p:cTn id="18" fill="hold">
+                      <p:stCondLst>
+                        <p:cond delay="indefinite"/>
+                      </p:stCondLst>
+                      <p:childTnLst>
+                        <p:par>
+                          <p:cTn id="19" fill="hold">
+                            <p:stCondLst>
+                              <p:cond delay="0"/>
+                            </p:stCondLst>
+                            <p:childTnLst>
+                              <p:par>
+                                <p:cTn id="20" presetID="10" presetClass="exit" presetSubtype="0" fill="hold" grpId="1" nodeType="clickEffect">
+                                  <p:stCondLst>
+                                    <p:cond delay="0"/>
+                                  </p:stCondLst>
+                                  <p:childTnLst>
+                                    <p:animEffect transition="out" filter="fade">
+                                      <p:cBhvr>
+                                        <p:cTn id="21" dur="500"/>
+                                        <p:tgtEl>
+                                          <p:spTgt spid="4"/>
+                                        </p:tgtEl>
+                                      </p:cBhvr>
+                                    </p:animEffect>
+                                    <p:set>
+                                      <p:cBhvr>
+                                        <p:cTn id="22" dur="1" fill="hold">
+                                          <p:stCondLst>
+                                            <p:cond delay="499"/>
+                                          </p:stCondLst>
+                                        </p:cTn>
+                                        <p:tgtEl>
+                                          <p:spTgt spid="4"/>
+                                        </p:tgtEl>
+                                        <p:attrNameLst>
+                                          <p:attrName>style.visibility</p:attrName>
+                                        </p:attrNameLst>
+                                      </p:cBhvr>
+                                      <p:to>
+                                        <p:strVal val="hidden"/>
+                                      </p:to>
+                                    </p:set>
+                                  </p:childTnLst>
+                                </p:cTn>
+                              </p:par>
+                            </p:childTnLst>
+                          </p:cTn>
+                        </p:par>
+                      </p:childTnLst>
+                    </p:cTn>
+                  </p:par>
+                  <p:par>
+                    <p:cTn id="23" fill="hold">
+                      <p:stCondLst>
+                        <p:cond delay="indefinite"/>
+                      </p:stCondLst>
+                      <p:childTnLst>
+                        <p:par>
+                          <p:cTn id="24" fill="hold">
+                            <p:stCondLst>
+                              <p:cond delay="0"/>
+                            </p:stCondLst>
+                            <p:childTnLst>
+                              <p:par>
+                                <p:cTn id="25" presetID="10" presetClass="entr" presetSubtype="0" fill="hold" grpId="0" nodeType="clickEffect">
+                                  <p:stCondLst>
+                                    <p:cond delay="0"/>
+                                  </p:stCondLst>
+                                  <p:childTnLst>
+                                    <p:set>
+                                      <p:cBhvr>
+                                        <p:cTn id="26" dur="1" fill="hold">
+                                          <p:stCondLst>
+                                            <p:cond delay="0"/>
+                                          </p:stCondLst>
+                                        </p:cTn>
+                                        <p:tgtEl>
+                                          <p:spTgt spid="25"/>
+                                        </p:tgtEl>
+                                        <p:attrNameLst>
+                                          <p:attrName>style.visibility</p:attrName>
+                                        </p:attrNameLst>
+                                      </p:cBhvr>
+                                      <p:to>
+                                        <p:strVal val="visible"/>
+                                      </p:to>
+                                    </p:set>
+                                    <p:animEffect transition="in" filter="fade">
+                                      <p:cBhvr>
+                                        <p:cTn id="27" dur="500"/>
+                                        <p:tgtEl>
+                                          <p:spTgt spid="25"/>
+                                        </p:tgtEl>
+                                      </p:cBhvr>
+                                    </p:animEffect>
+                                  </p:childTnLst>
+                                </p:cTn>
+                              </p:par>
+                            </p:childTnLst>
+                          </p:cTn>
+                        </p:par>
+                      </p:childTnLst>
+                    </p:cTn>
+                  </p:par>
+                  <p:par>
+                    <p:cTn id="28" fill="hold">
+                      <p:stCondLst>
+                        <p:cond delay="indefinite"/>
+                      </p:stCondLst>
+                      <p:childTnLst>
+                        <p:par>
+                          <p:cTn id="29" fill="hold">
+                            <p:stCondLst>
+                              <p:cond delay="0"/>
+                            </p:stCondLst>
+                            <p:childTnLst>
+                              <p:par>
+                                <p:cTn id="30" presetID="10" presetClass="exit" presetSubtype="0" fill="hold" grpId="1" nodeType="clickEffect">
+                                  <p:stCondLst>
+                                    <p:cond delay="0"/>
+                                  </p:stCondLst>
+                                  <p:childTnLst>
+                                    <p:animEffect transition="out" filter="fade">
+                                      <p:cBhvr>
+                                        <p:cTn id="31" dur="500"/>
+                                        <p:tgtEl>
+                                          <p:spTgt spid="25"/>
+                                        </p:tgtEl>
+                                      </p:cBhvr>
+                                    </p:animEffect>
+                                    <p:set>
+                                      <p:cBhvr>
+                                        <p:cTn id="32" dur="1" fill="hold">
+                                          <p:stCondLst>
+                                            <p:cond delay="499"/>
+                                          </p:stCondLst>
+                                        </p:cTn>
+                                        <p:tgtEl>
+                                          <p:spTgt spid="25"/>
+                                        </p:tgtEl>
+                                        <p:attrNameLst>
+                                          <p:attrName>style.visibility</p:attrName>
+                                        </p:attrNameLst>
+                                      </p:cBhvr>
+                                      <p:to>
+                                        <p:strVal val="hidden"/>
+                                      </p:to>
+                                    </p:set>
+                                  </p:childTnLst>
+                                </p:cTn>
+                              </p:par>
+                            </p:childTnLst>
+                          </p:cTn>
+                        </p:par>
+                      </p:childTnLst>
+                    </p:cTn>
+                  </p:par>
+                </p:childTnLst>
+              </p:cTn>
+              <p:prevCondLst>
+                <p:cond evt="onPrev" delay="0">
+                  <p:tgtEl>
+                    <p:sldTgt/>
+                  </p:tgtEl>
+                </p:cond>
+              </p:prevCondLst>
+              <p:nextCondLst>
+                <p:cond evt="onNext" delay="0">
+                  <p:tgtEl>
+                    <p:sldTgt/>
+                  </p:tgtEl>
+                </p:cond>
+              </p:nextCondLst>
+            </p:seq>
+          </p:childTnLst>
+        </p:cTn>
+      </p:par>
+    </p:tnLst>
+    <p:bldLst>
+      <p:bldP spid="25" grpId="0" animBg="1"/>
+      <p:bldP spid="25" grpId="1" animBg="1"/>
+      <p:bldP spid="24" grpId="0" animBg="1"/>
+      <p:bldP spid="24" grpId="1" animBg="1"/>
+      <p:bldP spid="4" grpId="0" animBg="1"/>
+      <p:bldP spid="4" grpId="1" animBg="1"/>
+    </p:bldLst>
+  </p:timing>
 </p:sld>
 </file>
 
@@ -23599,7 +24308,17 @@
             </a:r>
             <a:r>
               <a:rPr lang="de-DE" dirty="0" smtClean="0"/>
-              <a:t>-Methode zum Zeichnen eines Kreises besitzt.</a:t>
+              <a:t>-Methode zum Zeichnen eines Kreises besitzt</a:t>
+            </a:r>
+            <a:r>
+              <a:rPr lang="de-DE" dirty="0" smtClean="0"/>
+              <a:t>.</a:t>
+            </a:r>
+          </a:p>
+          <a:p>
+            <a:r>
+              <a:rPr lang="de-DE" dirty="0" smtClean="0"/>
+              <a:t>Datei: shape.js</a:t>
             </a:r>
             <a:endParaRPr lang="de-DE" dirty="0"/>
           </a:p>
@@ -23615,6 +24334,13 @@
   <p:clrMapOvr>
     <a:masterClrMapping/>
   </p:clrMapOvr>
+  <p:timing>
+    <p:tnLst>
+      <p:par>
+        <p:cTn id="1" dur="indefinite" restart="never" nodeType="tmRoot"/>
+      </p:par>
+    </p:tnLst>
+  </p:timing>
 </p:sld>
 </file>
 
@@ -23728,6 +24454,13 @@
   <p:clrMapOvr>
     <a:masterClrMapping/>
   </p:clrMapOvr>
+  <p:timing>
+    <p:tnLst>
+      <p:par>
+        <p:cTn id="1" dur="indefinite" restart="never" nodeType="tmRoot"/>
+      </p:par>
+    </p:tnLst>
+  </p:timing>
 </p:sld>
 </file>
 
@@ -23849,6 +24582,13 @@
   <p:clrMapOvr>
     <a:masterClrMapping/>
   </p:clrMapOvr>
+  <p:timing>
+    <p:tnLst>
+      <p:par>
+        <p:cTn id="1" dur="indefinite" restart="never" nodeType="tmRoot"/>
+      </p:par>
+    </p:tnLst>
+  </p:timing>
 </p:sld>
 </file>
 
@@ -24503,6 +25243,13 @@
   <p:clrMapOvr>
     <a:masterClrMapping/>
   </p:clrMapOvr>
+  <p:timing>
+    <p:tnLst>
+      <p:par>
+        <p:cTn id="1" dur="indefinite" restart="never" nodeType="tmRoot"/>
+      </p:par>
+    </p:tnLst>
+  </p:timing>
 </p:sld>
 </file>
 
@@ -25007,6 +25754,13 @@
   <p:clrMapOvr>
     <a:masterClrMapping/>
   </p:clrMapOvr>
+  <p:timing>
+    <p:tnLst>
+      <p:par>
+        <p:cTn id="1" dur="indefinite" restart="never" nodeType="tmRoot"/>
+      </p:par>
+    </p:tnLst>
+  </p:timing>
 </p:sld>
 </file>
 
@@ -25103,8 +25857,25 @@
             </a:r>
             <a:r>
               <a:rPr lang="de-DE" dirty="0" smtClean="0"/>
-              <a:t> schickt.</a:t>
-            </a:r>
+              <a:t> schickt</a:t>
+            </a:r>
+            <a:r>
+              <a:rPr lang="de-DE" dirty="0" smtClean="0"/>
+              <a:t>. </a:t>
+            </a:r>
+            <a:r>
+              <a:rPr lang="de-DE" dirty="0"/>
+              <a:t>(Funktion </a:t>
+            </a:r>
+            <a:r>
+              <a:rPr lang="de-DE" dirty="0" err="1" smtClean="0"/>
+              <a:t>onAjaxSend</a:t>
+            </a:r>
+            <a:r>
+              <a:rPr lang="de-DE" dirty="0" smtClean="0"/>
+              <a:t> in script.js)</a:t>
+            </a:r>
+            <a:endParaRPr lang="de-DE" dirty="0" smtClean="0"/>
           </a:p>
           <a:p>
             <a:r>
@@ -25398,6 +26169,13 @@
   <p:clrMapOvr>
     <a:masterClrMapping/>
   </p:clrMapOvr>
+  <p:timing>
+    <p:tnLst>
+      <p:par>
+        <p:cTn id="1" dur="indefinite" restart="never" nodeType="tmRoot"/>
+      </p:par>
+    </p:tnLst>
+  </p:timing>
 </p:sld>
 </file>
 
@@ -25819,6 +26597,13 @@
   <p:clrMapOvr>
     <a:masterClrMapping/>
   </p:clrMapOvr>
+  <p:timing>
+    <p:tnLst>
+      <p:par>
+        <p:cTn id="1" dur="indefinite" restart="never" nodeType="tmRoot"/>
+      </p:par>
+    </p:tnLst>
+  </p:timing>
 </p:sld>
 </file>
 
@@ -26481,6 +27266,13 @@
   <p:clrMapOvr>
     <a:masterClrMapping/>
   </p:clrMapOvr>
+  <p:timing>
+    <p:tnLst>
+      <p:par>
+        <p:cTn id="1" dur="indefinite" restart="never" nodeType="tmRoot"/>
+      </p:par>
+    </p:tnLst>
+  </p:timing>
 </p:sld>
 </file>
 
@@ -27475,6 +28267,13 @@
   <p:clrMapOvr>
     <a:masterClrMapping/>
   </p:clrMapOvr>
+  <p:timing>
+    <p:tnLst>
+      <p:par>
+        <p:cTn id="1" dur="indefinite" restart="never" nodeType="tmRoot"/>
+      </p:par>
+    </p:tnLst>
+  </p:timing>
 </p:sld>
 </file>
 

--- a/JSCrosscourse.pptx
+++ b/JSCrosscourse.pptx
@@ -5,10 +5,10 @@
     <p:sldMasterId id="2147483660" r:id="rId1"/>
   </p:sldMasterIdLst>
   <p:notesMasterIdLst>
-    <p:notesMasterId r:id="rId67"/>
+    <p:notesMasterId r:id="rId70"/>
   </p:notesMasterIdLst>
   <p:handoutMasterIdLst>
-    <p:handoutMasterId r:id="rId68"/>
+    <p:handoutMasterId r:id="rId71"/>
   </p:handoutMasterIdLst>
   <p:sldIdLst>
     <p:sldId id="340" r:id="rId2"/>
@@ -73,9 +73,12 @@
     <p:sldId id="378" r:id="rId61"/>
     <p:sldId id="379" r:id="rId62"/>
     <p:sldId id="380" r:id="rId63"/>
-    <p:sldId id="310" r:id="rId64"/>
-    <p:sldId id="265" r:id="rId65"/>
-    <p:sldId id="339" r:id="rId66"/>
+    <p:sldId id="430" r:id="rId64"/>
+    <p:sldId id="431" r:id="rId65"/>
+    <p:sldId id="432" r:id="rId66"/>
+    <p:sldId id="310" r:id="rId67"/>
+    <p:sldId id="265" r:id="rId68"/>
+    <p:sldId id="339" r:id="rId69"/>
   </p:sldIdLst>
   <p:sldSz cx="12195175" cy="6859588"/>
   <p:notesSz cx="6797675" cy="9874250"/>
@@ -254,7 +257,7 @@
             <a:fld id="{47855BD9-AF71-426C-9B9B-B0E52B88852E}" type="slidenum">
               <a:rPr lang="de-DE" sz="1000" smtClean="0"/>
               <a:pPr algn="ctr"/>
-              <a:t>‹#›</a:t>
+              <a:t>‹Nr.›</a:t>
             </a:fld>
             <a:endParaRPr lang="de-DE" sz="1000" dirty="0"/>
           </a:p>
@@ -403,7 +406,7 @@
             <a:fld id="{7D8C2C35-2B8A-446E-BEC0-FD36716C29AC}" type="slidenum">
               <a:rPr lang="de-DE" smtClean="0"/>
               <a:pPr/>
-              <a:t>‹#›</a:t>
+              <a:t>‹Nr.›</a:t>
             </a:fld>
             <a:endParaRPr lang="de-DE" dirty="0"/>
           </a:p>
@@ -5489,6 +5492,263 @@
       </p:grpSpPr>
       <p:sp>
         <p:nvSpPr>
+          <p:cNvPr id="2" name="Slide Image Placeholder 1"/>
+          <p:cNvSpPr>
+            <a:spLocks noGrp="1" noRot="1" noChangeAspect="1"/>
+          </p:cNvSpPr>
+          <p:nvPr>
+            <p:ph type="sldImg"/>
+          </p:nvPr>
+        </p:nvSpPr>
+        <p:spPr/>
+      </p:sp>
+      <p:sp>
+        <p:nvSpPr>
+          <p:cNvPr id="3" name="Notes Placeholder 2"/>
+          <p:cNvSpPr>
+            <a:spLocks noGrp="1"/>
+          </p:cNvSpPr>
+          <p:nvPr>
+            <p:ph type="body" idx="1"/>
+          </p:nvPr>
+        </p:nvSpPr>
+        <p:spPr/>
+        <p:txBody>
+          <a:bodyPr/>
+          <a:lstStyle/>
+          <a:p>
+            <a:r>
+              <a:rPr lang="en-US" dirty="0" err="1" smtClean="0"/>
+              <a:t>Hier</a:t>
+            </a:r>
+            <a:r>
+              <a:rPr lang="en-US" baseline="0" dirty="0" smtClean="0"/>
+              <a:t> </a:t>
+            </a:r>
+            <a:r>
+              <a:rPr lang="en-US" baseline="0" dirty="0" err="1" smtClean="0"/>
+              <a:t>gehen</a:t>
+            </a:r>
+            <a:r>
+              <a:rPr lang="en-US" baseline="0" dirty="0" smtClean="0"/>
+              <a:t> </a:t>
+            </a:r>
+            <a:r>
+              <a:rPr lang="en-US" baseline="0" dirty="0" err="1" smtClean="0"/>
+              <a:t>wir</a:t>
+            </a:r>
+            <a:r>
+              <a:rPr lang="en-US" baseline="0" dirty="0" smtClean="0"/>
+              <a:t> </a:t>
+            </a:r>
+            <a:r>
+              <a:rPr lang="en-US" baseline="0" dirty="0" err="1" smtClean="0"/>
+              <a:t>WebSockets</a:t>
+            </a:r>
+            <a:r>
+              <a:rPr lang="en-US" baseline="0" dirty="0" smtClean="0"/>
+              <a:t> </a:t>
+            </a:r>
+            <a:r>
+              <a:rPr lang="en-US" baseline="0" dirty="0" err="1" smtClean="0"/>
+              <a:t>ein</a:t>
+            </a:r>
+            <a:r>
+              <a:rPr lang="en-US" baseline="0" dirty="0" smtClean="0"/>
+              <a:t>, </a:t>
+            </a:r>
+            <a:r>
+              <a:rPr lang="en-US" baseline="0" dirty="0" err="1" smtClean="0"/>
+              <a:t>einer</a:t>
+            </a:r>
+            <a:r>
+              <a:rPr lang="en-US" baseline="0" dirty="0" smtClean="0"/>
+              <a:t> </a:t>
+            </a:r>
+            <a:r>
+              <a:rPr lang="en-US" baseline="0" dirty="0" err="1" smtClean="0"/>
+              <a:t>neuen</a:t>
+            </a:r>
+            <a:r>
+              <a:rPr lang="en-US" baseline="0" dirty="0" smtClean="0"/>
+              <a:t>  </a:t>
+            </a:r>
+            <a:r>
+              <a:rPr lang="en-US" baseline="0" dirty="0" err="1" smtClean="0"/>
+              <a:t>Technologie</a:t>
+            </a:r>
+            <a:r>
+              <a:rPr lang="en-US" baseline="0" dirty="0" smtClean="0"/>
+              <a:t> </a:t>
+            </a:r>
+            <a:r>
+              <a:rPr lang="en-US" baseline="0" dirty="0" err="1" smtClean="0"/>
+              <a:t>im</a:t>
+            </a:r>
+            <a:r>
+              <a:rPr lang="en-US" baseline="0" dirty="0" smtClean="0"/>
+              <a:t> </a:t>
+            </a:r>
+            <a:r>
+              <a:rPr lang="en-US" baseline="0" dirty="0" err="1" smtClean="0"/>
+              <a:t>gehypden</a:t>
+            </a:r>
+            <a:r>
+              <a:rPr lang="en-US" baseline="0" dirty="0" smtClean="0"/>
+              <a:t> HTML5</a:t>
+            </a:r>
+          </a:p>
+          <a:p>
+            <a:endParaRPr lang="en-US" baseline="0" dirty="0" smtClean="0"/>
+          </a:p>
+          <a:p>
+            <a:r>
+              <a:rPr lang="en-US" baseline="0" dirty="0" err="1" smtClean="0"/>
+              <a:t>Bevor</a:t>
+            </a:r>
+            <a:r>
+              <a:rPr lang="en-US" baseline="0" dirty="0" smtClean="0"/>
+              <a:t> </a:t>
+            </a:r>
+            <a:r>
+              <a:rPr lang="en-US" baseline="0" dirty="0" err="1" smtClean="0"/>
+              <a:t>wir</a:t>
+            </a:r>
+            <a:r>
+              <a:rPr lang="en-US" baseline="0" dirty="0" smtClean="0"/>
+              <a:t> </a:t>
+            </a:r>
+            <a:r>
+              <a:rPr lang="en-US" baseline="0" dirty="0" err="1" smtClean="0"/>
+              <a:t>anfangen</a:t>
+            </a:r>
+            <a:r>
+              <a:rPr lang="en-US" baseline="0" dirty="0" smtClean="0"/>
+              <a:t>, hat </a:t>
+            </a:r>
+            <a:r>
+              <a:rPr lang="en-US" baseline="0" dirty="0" err="1" smtClean="0"/>
+              <a:t>schonmal</a:t>
+            </a:r>
+            <a:r>
+              <a:rPr lang="en-US" baseline="0" dirty="0" smtClean="0"/>
+              <a:t> </a:t>
+            </a:r>
+            <a:r>
+              <a:rPr lang="en-US" baseline="0" dirty="0" err="1" smtClean="0"/>
+              <a:t>wer</a:t>
+            </a:r>
+            <a:r>
+              <a:rPr lang="en-US" baseline="0" dirty="0" smtClean="0"/>
+              <a:t> Java </a:t>
+            </a:r>
+            <a:r>
+              <a:rPr lang="en-US" baseline="0" dirty="0" err="1" smtClean="0"/>
+              <a:t>gemacht</a:t>
+            </a:r>
+            <a:r>
+              <a:rPr lang="en-US" baseline="0" dirty="0" smtClean="0"/>
+              <a:t>?</a:t>
+            </a:r>
+            <a:br>
+              <a:rPr lang="en-US" baseline="0" dirty="0" smtClean="0"/>
+            </a:br>
+            <a:r>
+              <a:rPr lang="en-US" baseline="0" dirty="0" smtClean="0"/>
+              <a:t>Und da Sockets </a:t>
+            </a:r>
+            <a:r>
+              <a:rPr lang="en-US" baseline="0" dirty="0" err="1" smtClean="0"/>
+              <a:t>gemacht</a:t>
+            </a:r>
+            <a:r>
+              <a:rPr lang="en-US" baseline="0" dirty="0" smtClean="0"/>
+              <a:t>?</a:t>
+            </a:r>
+          </a:p>
+          <a:p>
+            <a:r>
+              <a:rPr lang="en-US" baseline="0" dirty="0" smtClean="0"/>
+              <a:t>Was war </a:t>
+            </a:r>
+            <a:r>
+              <a:rPr lang="en-US" baseline="0" dirty="0" err="1" smtClean="0"/>
+              <a:t>bei</a:t>
+            </a:r>
+            <a:r>
+              <a:rPr lang="en-US" baseline="0" dirty="0" smtClean="0"/>
+              <a:t> den Sockets der </a:t>
+            </a:r>
+            <a:r>
+              <a:rPr lang="en-US" baseline="0" dirty="0" err="1" smtClean="0"/>
+              <a:t>Unterschied</a:t>
+            </a:r>
+            <a:r>
+              <a:rPr lang="en-US" baseline="0" dirty="0" smtClean="0"/>
+              <a:t> </a:t>
+            </a:r>
+            <a:r>
+              <a:rPr lang="en-US" baseline="0" dirty="0" err="1" smtClean="0"/>
+              <a:t>zu</a:t>
+            </a:r>
+            <a:r>
+              <a:rPr lang="en-US" baseline="0" dirty="0" smtClean="0"/>
+              <a:t> </a:t>
+            </a:r>
+            <a:r>
+              <a:rPr lang="en-US" baseline="0" dirty="0" err="1" smtClean="0"/>
+              <a:t>dem</a:t>
+            </a:r>
+            <a:r>
+              <a:rPr lang="en-US" baseline="0" dirty="0" smtClean="0"/>
+              <a:t> was </a:t>
+            </a:r>
+            <a:r>
+              <a:rPr lang="en-US" baseline="0" dirty="0" err="1" smtClean="0"/>
+              <a:t>wir</a:t>
+            </a:r>
+            <a:r>
+              <a:rPr lang="en-US" baseline="0" dirty="0" smtClean="0"/>
+              <a:t> </a:t>
+            </a:r>
+            <a:r>
+              <a:rPr lang="en-US" baseline="0" dirty="0" err="1" smtClean="0"/>
+              <a:t>vorhin</a:t>
+            </a:r>
+            <a:r>
+              <a:rPr lang="en-US" baseline="0" dirty="0" smtClean="0"/>
+              <a:t> </a:t>
+            </a:r>
+            <a:r>
+              <a:rPr lang="en-US" baseline="0" dirty="0" err="1" smtClean="0"/>
+              <a:t>mit</a:t>
+            </a:r>
+            <a:r>
+              <a:rPr lang="en-US" baseline="0" dirty="0" smtClean="0"/>
+              <a:t> AJAX </a:t>
+            </a:r>
+            <a:r>
+              <a:rPr lang="en-US" baseline="0" dirty="0" err="1" smtClean="0"/>
+              <a:t>gemacht</a:t>
+            </a:r>
+            <a:r>
+              <a:rPr lang="en-US" baseline="0" dirty="0" smtClean="0"/>
+              <a:t> </a:t>
+            </a:r>
+            <a:r>
+              <a:rPr lang="en-US" baseline="0" dirty="0" err="1" smtClean="0"/>
+              <a:t>haben</a:t>
+            </a:r>
+            <a:r>
+              <a:rPr lang="en-US" baseline="0" dirty="0" smtClean="0"/>
+              <a:t>?</a:t>
+            </a:r>
+            <a:endParaRPr lang="en-US" dirty="0"/>
+          </a:p>
+        </p:txBody>
+      </p:sp>
+      <p:sp>
+        <p:nvSpPr>
           <p:cNvPr id="4" name="Slide Number Placeholder 3"/>
           <p:cNvSpPr>
             <a:spLocks noGrp="1"/>
@@ -5503,53 +5763,20 @@
           <a:lstStyle/>
           <a:p>
             <a:fld id="{7D8C2C35-2B8A-446E-BEC0-FD36716C29AC}" type="slidenum">
-              <a:rPr lang="en-US" smtClean="0"/>
+              <a:rPr lang="de-DE" smtClean="0"/>
               <a:pPr/>
               <a:t>63</a:t>
             </a:fld>
-            <a:endParaRPr lang="en-US" dirty="0"/>
-          </a:p>
-        </p:txBody>
-      </p:sp>
-      <p:sp>
-        <p:nvSpPr>
-          <p:cNvPr id="6" name="Slide Image Placeholder 5"/>
-          <p:cNvSpPr>
-            <a:spLocks noGrp="1" noRot="1" noChangeAspect="1"/>
-          </p:cNvSpPr>
-          <p:nvPr>
-            <p:ph type="sldImg"/>
-          </p:nvPr>
-        </p:nvSpPr>
-        <p:spPr>
-          <a:xfrm>
-            <a:off x="287338" y="661988"/>
-            <a:ext cx="6223000" cy="3500437"/>
-          </a:xfrm>
-        </p:spPr>
-      </p:sp>
-      <p:sp>
-        <p:nvSpPr>
-          <p:cNvPr id="7" name="Notes Placeholder 6"/>
-          <p:cNvSpPr>
-            <a:spLocks noGrp="1"/>
-          </p:cNvSpPr>
-          <p:nvPr>
-            <p:ph type="body" idx="1"/>
-          </p:nvPr>
-        </p:nvSpPr>
-        <p:spPr/>
-        <p:txBody>
-          <a:bodyPr>
-            <a:normAutofit/>
-          </a:bodyPr>
-          <a:lstStyle/>
-          <a:p>
-            <a:endParaRPr lang="en-US" dirty="0"/>
+            <a:endParaRPr lang="de-DE" dirty="0"/>
           </a:p>
         </p:txBody>
       </p:sp>
     </p:spTree>
+    <p:extLst>
+      <p:ext uri="{BB962C8B-B14F-4D97-AF65-F5344CB8AC3E}">
+        <p14:creationId xmlns:p14="http://schemas.microsoft.com/office/powerpoint/2010/main" val="99787737"/>
+      </p:ext>
+    </p:extLst>
   </p:cSld>
   <p:clrMapOvr>
     <a:masterClrMapping/>
@@ -5761,7 +5988,7 @@
       </p:sp>
       <p:sp>
         <p:nvSpPr>
-          <p:cNvPr id="6" name="Slide Image Placeholder 5"/>
+          <p:cNvPr id="3" name="Slide Image Placeholder 2"/>
           <p:cNvSpPr>
             <a:spLocks noGrp="1" noRot="1" noChangeAspect="1"/>
           </p:cNvSpPr>
@@ -5769,16 +5996,11 @@
             <p:ph type="sldImg"/>
           </p:nvPr>
         </p:nvSpPr>
-        <p:spPr>
-          <a:xfrm>
-            <a:off x="287338" y="661988"/>
-            <a:ext cx="6223000" cy="3500437"/>
-          </a:xfrm>
-        </p:spPr>
+        <p:spPr/>
       </p:sp>
       <p:sp>
         <p:nvSpPr>
-          <p:cNvPr id="7" name="Notes Placeholder 6"/>
+          <p:cNvPr id="5" name="Notes Placeholder 4"/>
           <p:cNvSpPr>
             <a:spLocks noGrp="1"/>
           </p:cNvSpPr>
@@ -5788,16 +6010,119 @@
         </p:nvSpPr>
         <p:spPr/>
         <p:txBody>
-          <a:bodyPr>
-            <a:normAutofit/>
-          </a:bodyPr>
+          <a:bodyPr/>
           <a:lstStyle/>
           <a:p>
+            <a:r>
+              <a:rPr lang="en-US" dirty="0" err="1" smtClean="0"/>
+              <a:t>Asynchron</a:t>
+            </a:r>
+            <a:r>
+              <a:rPr lang="en-US" dirty="0" smtClean="0"/>
+              <a:t>, </a:t>
+            </a:r>
+            <a:r>
+              <a:rPr lang="en-US" dirty="0" err="1" smtClean="0"/>
+              <a:t>d.h</a:t>
+            </a:r>
+            <a:r>
+              <a:rPr lang="en-US" dirty="0" smtClean="0"/>
+              <a:t>. </a:t>
+            </a:r>
+            <a:r>
+              <a:rPr lang="en-US" dirty="0" err="1" smtClean="0"/>
+              <a:t>es</a:t>
+            </a:r>
+            <a:r>
+              <a:rPr lang="en-US" dirty="0" smtClean="0"/>
+              <a:t> </a:t>
+            </a:r>
+            <a:r>
+              <a:rPr lang="en-US" dirty="0" err="1" smtClean="0"/>
+              <a:t>blockiert</a:t>
+            </a:r>
+            <a:r>
+              <a:rPr lang="en-US" dirty="0" smtClean="0"/>
+              <a:t> </a:t>
+            </a:r>
+            <a:r>
+              <a:rPr lang="en-US" dirty="0" err="1" smtClean="0"/>
+              <a:t>nicht</a:t>
+            </a:r>
+            <a:r>
+              <a:rPr lang="en-US" dirty="0" smtClean="0"/>
+              <a:t> die </a:t>
+            </a:r>
+            <a:r>
+              <a:rPr lang="en-US" dirty="0" err="1" smtClean="0"/>
+              <a:t>ganze</a:t>
+            </a:r>
+            <a:r>
+              <a:rPr lang="en-US" dirty="0" smtClean="0"/>
+              <a:t> </a:t>
+            </a:r>
+            <a:r>
+              <a:rPr lang="en-US" dirty="0" err="1" smtClean="0"/>
+              <a:t>Webseite</a:t>
+            </a:r>
+            <a:r>
+              <a:rPr lang="en-US" dirty="0" smtClean="0"/>
+              <a:t> </a:t>
+            </a:r>
+            <a:r>
+              <a:rPr lang="en-US" dirty="0" err="1" smtClean="0"/>
+              <a:t>wie</a:t>
+            </a:r>
+            <a:r>
+              <a:rPr lang="en-US" dirty="0" smtClean="0"/>
+              <a:t> </a:t>
+            </a:r>
+            <a:r>
+              <a:rPr lang="en-US" dirty="0" err="1" smtClean="0"/>
+              <a:t>bei</a:t>
+            </a:r>
+            <a:r>
+              <a:rPr lang="en-US" dirty="0" smtClean="0"/>
+              <a:t> Java </a:t>
+            </a:r>
+            <a:r>
+              <a:rPr lang="en-US" dirty="0" err="1" smtClean="0"/>
+              <a:t>wenn</a:t>
+            </a:r>
+            <a:r>
+              <a:rPr lang="en-US" dirty="0" smtClean="0"/>
+              <a:t> man auf </a:t>
+            </a:r>
+            <a:r>
+              <a:rPr lang="en-US" dirty="0" err="1" smtClean="0"/>
+              <a:t>eine</a:t>
+            </a:r>
+            <a:r>
+              <a:rPr lang="en-US" dirty="0" smtClean="0"/>
+              <a:t> </a:t>
+            </a:r>
+            <a:r>
+              <a:rPr lang="en-US" dirty="0" err="1" smtClean="0"/>
+              <a:t>Antwort</a:t>
+            </a:r>
+            <a:r>
+              <a:rPr lang="en-US" dirty="0" smtClean="0"/>
+              <a:t> </a:t>
+            </a:r>
+            <a:r>
+              <a:rPr lang="en-US" dirty="0" err="1" smtClean="0"/>
+              <a:t>wartet</a:t>
+            </a:r>
             <a:endParaRPr lang="en-US" dirty="0"/>
           </a:p>
         </p:txBody>
       </p:sp>
     </p:spTree>
+    <p:extLst>
+      <p:ext uri="{BB962C8B-B14F-4D97-AF65-F5344CB8AC3E}">
+        <p14:creationId xmlns:p14="http://schemas.microsoft.com/office/powerpoint/2010/main" val="2312615371"/>
+      </p:ext>
+    </p:extLst>
   </p:cSld>
   <p:clrMapOvr>
     <a:masterClrMapping/>
@@ -5841,6 +6166,365 @@
               <a:rPr lang="en-US" smtClean="0"/>
               <a:pPr/>
               <a:t>65</a:t>
+            </a:fld>
+            <a:endParaRPr lang="en-US" dirty="0"/>
+          </a:p>
+        </p:txBody>
+      </p:sp>
+      <p:sp>
+        <p:nvSpPr>
+          <p:cNvPr id="3" name="Slide Image Placeholder 2"/>
+          <p:cNvSpPr>
+            <a:spLocks noGrp="1" noRot="1" noChangeAspect="1"/>
+          </p:cNvSpPr>
+          <p:nvPr>
+            <p:ph type="sldImg"/>
+          </p:nvPr>
+        </p:nvSpPr>
+        <p:spPr/>
+      </p:sp>
+      <p:sp>
+        <p:nvSpPr>
+          <p:cNvPr id="5" name="Notes Placeholder 4"/>
+          <p:cNvSpPr>
+            <a:spLocks noGrp="1"/>
+          </p:cNvSpPr>
+          <p:nvPr>
+            <p:ph type="body" idx="1"/>
+          </p:nvPr>
+        </p:nvSpPr>
+        <p:spPr/>
+        <p:txBody>
+          <a:bodyPr/>
+          <a:lstStyle/>
+          <a:p>
+            <a:r>
+              <a:rPr lang="en-US" dirty="0" err="1" smtClean="0"/>
+              <a:t>Asynchron</a:t>
+            </a:r>
+            <a:r>
+              <a:rPr lang="en-US" dirty="0" smtClean="0"/>
+              <a:t>, </a:t>
+            </a:r>
+            <a:r>
+              <a:rPr lang="en-US" dirty="0" err="1" smtClean="0"/>
+              <a:t>d.h</a:t>
+            </a:r>
+            <a:r>
+              <a:rPr lang="en-US" dirty="0" smtClean="0"/>
+              <a:t>. </a:t>
+            </a:r>
+            <a:r>
+              <a:rPr lang="en-US" dirty="0" err="1" smtClean="0"/>
+              <a:t>es</a:t>
+            </a:r>
+            <a:r>
+              <a:rPr lang="en-US" dirty="0" smtClean="0"/>
+              <a:t> </a:t>
+            </a:r>
+            <a:r>
+              <a:rPr lang="en-US" dirty="0" err="1" smtClean="0"/>
+              <a:t>blockiert</a:t>
+            </a:r>
+            <a:r>
+              <a:rPr lang="en-US" dirty="0" smtClean="0"/>
+              <a:t> </a:t>
+            </a:r>
+            <a:r>
+              <a:rPr lang="en-US" dirty="0" err="1" smtClean="0"/>
+              <a:t>nicht</a:t>
+            </a:r>
+            <a:r>
+              <a:rPr lang="en-US" dirty="0" smtClean="0"/>
+              <a:t> die </a:t>
+            </a:r>
+            <a:r>
+              <a:rPr lang="en-US" dirty="0" err="1" smtClean="0"/>
+              <a:t>ganze</a:t>
+            </a:r>
+            <a:r>
+              <a:rPr lang="en-US" dirty="0" smtClean="0"/>
+              <a:t> </a:t>
+            </a:r>
+            <a:r>
+              <a:rPr lang="en-US" dirty="0" err="1" smtClean="0"/>
+              <a:t>Webseite</a:t>
+            </a:r>
+            <a:r>
+              <a:rPr lang="en-US" dirty="0" smtClean="0"/>
+              <a:t> </a:t>
+            </a:r>
+            <a:r>
+              <a:rPr lang="en-US" dirty="0" err="1" smtClean="0"/>
+              <a:t>wie</a:t>
+            </a:r>
+            <a:r>
+              <a:rPr lang="en-US" dirty="0" smtClean="0"/>
+              <a:t> </a:t>
+            </a:r>
+            <a:r>
+              <a:rPr lang="en-US" dirty="0" err="1" smtClean="0"/>
+              <a:t>bei</a:t>
+            </a:r>
+            <a:r>
+              <a:rPr lang="en-US" dirty="0" smtClean="0"/>
+              <a:t> Java </a:t>
+            </a:r>
+            <a:r>
+              <a:rPr lang="en-US" dirty="0" err="1" smtClean="0"/>
+              <a:t>wenn</a:t>
+            </a:r>
+            <a:r>
+              <a:rPr lang="en-US" dirty="0" smtClean="0"/>
+              <a:t> man auf </a:t>
+            </a:r>
+            <a:r>
+              <a:rPr lang="en-US" dirty="0" err="1" smtClean="0"/>
+              <a:t>eine</a:t>
+            </a:r>
+            <a:r>
+              <a:rPr lang="en-US" dirty="0" smtClean="0"/>
+              <a:t> </a:t>
+            </a:r>
+            <a:r>
+              <a:rPr lang="en-US" dirty="0" err="1" smtClean="0"/>
+              <a:t>Antwort</a:t>
+            </a:r>
+            <a:r>
+              <a:rPr lang="en-US" dirty="0" smtClean="0"/>
+              <a:t> </a:t>
+            </a:r>
+            <a:r>
+              <a:rPr lang="en-US" smtClean="0"/>
+              <a:t>wartet</a:t>
+            </a:r>
+            <a:endParaRPr lang="en-US" dirty="0"/>
+          </a:p>
+        </p:txBody>
+      </p:sp>
+    </p:spTree>
+    <p:extLst>
+      <p:ext uri="{BB962C8B-B14F-4D97-AF65-F5344CB8AC3E}">
+        <p14:creationId xmlns:p14="http://schemas.microsoft.com/office/powerpoint/2010/main" val="2312615371"/>
+      </p:ext>
+    </p:extLst>
+  </p:cSld>
+  <p:clrMapOvr>
+    <a:masterClrMapping/>
+  </p:clrMapOvr>
+</p:notes>
+</file>
+
+<file path=ppt/notesSlides/notesSlide32.xml><?xml version="1.0" encoding="utf-8"?>
+<p:notes xmlns:a="http://schemas.openxmlformats.org/drawingml/2006/main" xmlns:r="http://schemas.openxmlformats.org/officeDocument/2006/relationships" xmlns:p="http://schemas.openxmlformats.org/presentationml/2006/main">
+  <p:cSld>
+    <p:spTree>
+      <p:nvGrpSpPr>
+        <p:cNvPr id="1" name=""/>
+        <p:cNvGrpSpPr/>
+        <p:nvPr/>
+      </p:nvGrpSpPr>
+      <p:grpSpPr>
+        <a:xfrm>
+          <a:off x="0" y="0"/>
+          <a:ext cx="0" cy="0"/>
+          <a:chOff x="0" y="0"/>
+          <a:chExt cx="0" cy="0"/>
+        </a:xfrm>
+      </p:grpSpPr>
+      <p:sp>
+        <p:nvSpPr>
+          <p:cNvPr id="4" name="Slide Number Placeholder 3"/>
+          <p:cNvSpPr>
+            <a:spLocks noGrp="1"/>
+          </p:cNvSpPr>
+          <p:nvPr>
+            <p:ph type="sldNum" sz="quarter" idx="10"/>
+          </p:nvPr>
+        </p:nvSpPr>
+        <p:spPr/>
+        <p:txBody>
+          <a:bodyPr/>
+          <a:lstStyle/>
+          <a:p>
+            <a:fld id="{7D8C2C35-2B8A-446E-BEC0-FD36716C29AC}" type="slidenum">
+              <a:rPr lang="en-US" smtClean="0"/>
+              <a:pPr/>
+              <a:t>66</a:t>
+            </a:fld>
+            <a:endParaRPr lang="en-US" dirty="0"/>
+          </a:p>
+        </p:txBody>
+      </p:sp>
+      <p:sp>
+        <p:nvSpPr>
+          <p:cNvPr id="6" name="Slide Image Placeholder 5"/>
+          <p:cNvSpPr>
+            <a:spLocks noGrp="1" noRot="1" noChangeAspect="1"/>
+          </p:cNvSpPr>
+          <p:nvPr>
+            <p:ph type="sldImg"/>
+          </p:nvPr>
+        </p:nvSpPr>
+        <p:spPr>
+          <a:xfrm>
+            <a:off x="287338" y="661988"/>
+            <a:ext cx="6223000" cy="3500437"/>
+          </a:xfrm>
+        </p:spPr>
+      </p:sp>
+      <p:sp>
+        <p:nvSpPr>
+          <p:cNvPr id="7" name="Notes Placeholder 6"/>
+          <p:cNvSpPr>
+            <a:spLocks noGrp="1"/>
+          </p:cNvSpPr>
+          <p:nvPr>
+            <p:ph type="body" idx="1"/>
+          </p:nvPr>
+        </p:nvSpPr>
+        <p:spPr/>
+        <p:txBody>
+          <a:bodyPr>
+            <a:normAutofit/>
+          </a:bodyPr>
+          <a:lstStyle/>
+          <a:p>
+            <a:endParaRPr lang="en-US" dirty="0"/>
+          </a:p>
+        </p:txBody>
+      </p:sp>
+    </p:spTree>
+  </p:cSld>
+  <p:clrMapOvr>
+    <a:masterClrMapping/>
+  </p:clrMapOvr>
+</p:notes>
+</file>
+
+<file path=ppt/notesSlides/notesSlide33.xml><?xml version="1.0" encoding="utf-8"?>
+<p:notes xmlns:a="http://schemas.openxmlformats.org/drawingml/2006/main" xmlns:r="http://schemas.openxmlformats.org/officeDocument/2006/relationships" xmlns:p="http://schemas.openxmlformats.org/presentationml/2006/main">
+  <p:cSld>
+    <p:spTree>
+      <p:nvGrpSpPr>
+        <p:cNvPr id="1" name=""/>
+        <p:cNvGrpSpPr/>
+        <p:nvPr/>
+      </p:nvGrpSpPr>
+      <p:grpSpPr>
+        <a:xfrm>
+          <a:off x="0" y="0"/>
+          <a:ext cx="0" cy="0"/>
+          <a:chOff x="0" y="0"/>
+          <a:chExt cx="0" cy="0"/>
+        </a:xfrm>
+      </p:grpSpPr>
+      <p:sp>
+        <p:nvSpPr>
+          <p:cNvPr id="4" name="Slide Number Placeholder 3"/>
+          <p:cNvSpPr>
+            <a:spLocks noGrp="1"/>
+          </p:cNvSpPr>
+          <p:nvPr>
+            <p:ph type="sldNum" sz="quarter" idx="10"/>
+          </p:nvPr>
+        </p:nvSpPr>
+        <p:spPr/>
+        <p:txBody>
+          <a:bodyPr/>
+          <a:lstStyle/>
+          <a:p>
+            <a:fld id="{7D8C2C35-2B8A-446E-BEC0-FD36716C29AC}" type="slidenum">
+              <a:rPr lang="en-US" smtClean="0"/>
+              <a:pPr/>
+              <a:t>67</a:t>
+            </a:fld>
+            <a:endParaRPr lang="en-US" dirty="0"/>
+          </a:p>
+        </p:txBody>
+      </p:sp>
+      <p:sp>
+        <p:nvSpPr>
+          <p:cNvPr id="6" name="Slide Image Placeholder 5"/>
+          <p:cNvSpPr>
+            <a:spLocks noGrp="1" noRot="1" noChangeAspect="1"/>
+          </p:cNvSpPr>
+          <p:nvPr>
+            <p:ph type="sldImg"/>
+          </p:nvPr>
+        </p:nvSpPr>
+        <p:spPr>
+          <a:xfrm>
+            <a:off x="287338" y="661988"/>
+            <a:ext cx="6223000" cy="3500437"/>
+          </a:xfrm>
+        </p:spPr>
+      </p:sp>
+      <p:sp>
+        <p:nvSpPr>
+          <p:cNvPr id="7" name="Notes Placeholder 6"/>
+          <p:cNvSpPr>
+            <a:spLocks noGrp="1"/>
+          </p:cNvSpPr>
+          <p:nvPr>
+            <p:ph type="body" idx="1"/>
+          </p:nvPr>
+        </p:nvSpPr>
+        <p:spPr/>
+        <p:txBody>
+          <a:bodyPr>
+            <a:normAutofit/>
+          </a:bodyPr>
+          <a:lstStyle/>
+          <a:p>
+            <a:endParaRPr lang="en-US" dirty="0"/>
+          </a:p>
+        </p:txBody>
+      </p:sp>
+    </p:spTree>
+  </p:cSld>
+  <p:clrMapOvr>
+    <a:masterClrMapping/>
+  </p:clrMapOvr>
+</p:notes>
+</file>
+
+<file path=ppt/notesSlides/notesSlide34.xml><?xml version="1.0" encoding="utf-8"?>
+<p:notes xmlns:a="http://schemas.openxmlformats.org/drawingml/2006/main" xmlns:r="http://schemas.openxmlformats.org/officeDocument/2006/relationships" xmlns:p="http://schemas.openxmlformats.org/presentationml/2006/main">
+  <p:cSld>
+    <p:spTree>
+      <p:nvGrpSpPr>
+        <p:cNvPr id="1" name=""/>
+        <p:cNvGrpSpPr/>
+        <p:nvPr/>
+      </p:nvGrpSpPr>
+      <p:grpSpPr>
+        <a:xfrm>
+          <a:off x="0" y="0"/>
+          <a:ext cx="0" cy="0"/>
+          <a:chOff x="0" y="0"/>
+          <a:chExt cx="0" cy="0"/>
+        </a:xfrm>
+      </p:grpSpPr>
+      <p:sp>
+        <p:nvSpPr>
+          <p:cNvPr id="4" name="Slide Number Placeholder 3"/>
+          <p:cNvSpPr>
+            <a:spLocks noGrp="1"/>
+          </p:cNvSpPr>
+          <p:nvPr>
+            <p:ph type="sldNum" sz="quarter" idx="10"/>
+          </p:nvPr>
+        </p:nvSpPr>
+        <p:spPr/>
+        <p:txBody>
+          <a:bodyPr/>
+          <a:lstStyle/>
+          <a:p>
+            <a:fld id="{7D8C2C35-2B8A-446E-BEC0-FD36716C29AC}" type="slidenum">
+              <a:rPr lang="en-US" smtClean="0"/>
+              <a:pPr/>
+              <a:t>68</a:t>
             </a:fld>
             <a:endParaRPr lang="en-US" dirty="0"/>
           </a:p>
@@ -10215,7 +10899,7 @@
                 <a:buFont typeface="Arial" pitchFamily="34" charset="0"/>
                 <a:buNone/>
               </a:pPr>
-              <a:t>‹#›</a:t>
+              <a:t>‹Nr.›</a:t>
             </a:fld>
             <a:endParaRPr lang="en-US" sz="1000" noProof="0" dirty="0" smtClean="0">
               <a:solidFill>
@@ -19316,7 +20000,7 @@
                 <a:buFont typeface="Arial" pitchFamily="34" charset="0"/>
                 <a:buNone/>
               </a:pPr>
-              <a:t>‹#›</a:t>
+              <a:t>‹Nr.›</a:t>
             </a:fld>
             <a:endParaRPr lang="en-US" sz="1000" noProof="0" dirty="0" smtClean="0">
               <a:solidFill>
@@ -23438,11 +24122,7 @@
             </a:r>
             <a:r>
               <a:rPr lang="de-DE" dirty="0" smtClean="0"/>
-              <a:t> </a:t>
-            </a:r>
-            <a:r>
-              <a:rPr lang="de-DE" dirty="0" smtClean="0"/>
-              <a:t>World</a:t>
+              <a:t> World</a:t>
             </a:r>
           </a:p>
           <a:p>
@@ -23450,7 +24130,6 @@
               <a:rPr lang="de-DE" dirty="0" smtClean="0"/>
               <a:t>DOM Manipulation</a:t>
             </a:r>
-            <a:endParaRPr lang="de-DE" dirty="0" smtClean="0"/>
           </a:p>
           <a:p>
             <a:r>
@@ -23484,7 +24163,6 @@
               <a:rPr lang="de-DE" dirty="0" smtClean="0"/>
               <a:t>Funktionales Programmieren</a:t>
             </a:r>
-            <a:endParaRPr lang="de-DE" dirty="0" smtClean="0"/>
           </a:p>
           <a:p>
             <a:r>
@@ -23497,7 +24175,6 @@
               <a:rPr lang="de-DE" dirty="0" smtClean="0"/>
               <a:t>AJAX</a:t>
             </a:r>
-            <a:endParaRPr lang="de-DE" dirty="0" smtClean="0"/>
           </a:p>
         </p:txBody>
       </p:sp>
@@ -46558,6 +47235,991 @@
       </p:grpSpPr>
       <p:sp>
         <p:nvSpPr>
+          <p:cNvPr id="2" name="Title 1"/>
+          <p:cNvSpPr>
+            <a:spLocks noGrp="1"/>
+          </p:cNvSpPr>
+          <p:nvPr>
+            <p:ph type="ctrTitle"/>
+          </p:nvPr>
+        </p:nvSpPr>
+        <p:spPr/>
+        <p:txBody>
+          <a:bodyPr/>
+          <a:lstStyle/>
+          <a:p>
+            <a:r>
+              <a:rPr lang="de-DE" dirty="0" err="1" smtClean="0"/>
+              <a:t>WebSockets</a:t>
+            </a:r>
+            <a:endParaRPr lang="en-US" dirty="0"/>
+          </a:p>
+        </p:txBody>
+      </p:sp>
+      <p:sp>
+        <p:nvSpPr>
+          <p:cNvPr id="3" name="Text Placeholder 2"/>
+          <p:cNvSpPr>
+            <a:spLocks noGrp="1"/>
+          </p:cNvSpPr>
+          <p:nvPr>
+            <p:ph type="body" sz="quarter" idx="10"/>
+          </p:nvPr>
+        </p:nvSpPr>
+        <p:spPr/>
+        <p:txBody>
+          <a:bodyPr/>
+          <a:lstStyle/>
+          <a:p>
+            <a:endParaRPr lang="en-US"/>
+          </a:p>
+        </p:txBody>
+      </p:sp>
+    </p:spTree>
+    <p:extLst>
+      <p:ext uri="{BB962C8B-B14F-4D97-AF65-F5344CB8AC3E}">
+        <p14:creationId xmlns:p14="http://schemas.microsoft.com/office/powerpoint/2010/main" val="3800938139"/>
+      </p:ext>
+    </p:extLst>
+  </p:cSld>
+  <p:clrMapOvr>
+    <a:masterClrMapping/>
+  </p:clrMapOvr>
+</p:sld>
+</file>
+
+<file path=ppt/slides/slide64.xml><?xml version="1.0" encoding="utf-8"?>
+<p:sld xmlns:a="http://schemas.openxmlformats.org/drawingml/2006/main" xmlns:r="http://schemas.openxmlformats.org/officeDocument/2006/relationships" xmlns:p="http://schemas.openxmlformats.org/presentationml/2006/main">
+  <p:cSld>
+    <p:spTree>
+      <p:nvGrpSpPr>
+        <p:cNvPr id="1" name=""/>
+        <p:cNvGrpSpPr/>
+        <p:nvPr/>
+      </p:nvGrpSpPr>
+      <p:grpSpPr>
+        <a:xfrm>
+          <a:off x="0" y="0"/>
+          <a:ext cx="0" cy="0"/>
+          <a:chOff x="0" y="0"/>
+          <a:chExt cx="0" cy="0"/>
+        </a:xfrm>
+      </p:grpSpPr>
+      <p:sp>
+        <p:nvSpPr>
+          <p:cNvPr id="2" name="Title 1"/>
+          <p:cNvSpPr>
+            <a:spLocks noGrp="1"/>
+          </p:cNvSpPr>
+          <p:nvPr>
+            <p:ph type="title"/>
+          </p:nvPr>
+        </p:nvSpPr>
+        <p:spPr/>
+        <p:txBody>
+          <a:bodyPr/>
+          <a:lstStyle/>
+          <a:p>
+            <a:r>
+              <a:rPr lang="en-US" dirty="0" err="1" smtClean="0"/>
+              <a:t>WebSockets</a:t>
+            </a:r>
+            <a:r>
+              <a:rPr lang="en-US" dirty="0" smtClean="0"/>
+              <a:t>: </a:t>
+            </a:r>
+            <a:r>
+              <a:rPr lang="en-US" dirty="0" err="1" smtClean="0"/>
+              <a:t>Übungen</a:t>
+            </a:r>
+            <a:endParaRPr lang="en-US" dirty="0"/>
+          </a:p>
+        </p:txBody>
+      </p:sp>
+      <p:sp>
+        <p:nvSpPr>
+          <p:cNvPr id="3" name="Text Placeholder 2"/>
+          <p:cNvSpPr>
+            <a:spLocks noGrp="1"/>
+          </p:cNvSpPr>
+          <p:nvPr>
+            <p:ph type="body" sz="quarter" idx="10"/>
+          </p:nvPr>
+        </p:nvSpPr>
+        <p:spPr/>
+        <p:txBody>
+          <a:bodyPr/>
+          <a:lstStyle/>
+          <a:p>
+            <a:pPr lvl="0"/>
+            <a:r>
+              <a:rPr lang="en-GB" dirty="0" err="1" smtClean="0"/>
+              <a:t>Bidirektionale</a:t>
+            </a:r>
+            <a:r>
+              <a:rPr lang="en-GB" dirty="0" smtClean="0"/>
+              <a:t> </a:t>
+            </a:r>
+            <a:r>
+              <a:rPr lang="en-GB" dirty="0" err="1" smtClean="0"/>
+              <a:t>Kommunikation</a:t>
+            </a:r>
+            <a:r>
+              <a:rPr lang="en-GB" dirty="0" smtClean="0"/>
+              <a:t> </a:t>
+            </a:r>
+            <a:r>
+              <a:rPr lang="en-GB" dirty="0" err="1" smtClean="0"/>
+              <a:t>mit</a:t>
+            </a:r>
+            <a:r>
+              <a:rPr lang="en-GB" dirty="0" smtClean="0"/>
+              <a:t> </a:t>
+            </a:r>
+            <a:r>
+              <a:rPr lang="en-GB" dirty="0" err="1" smtClean="0"/>
+              <a:t>einem</a:t>
+            </a:r>
+            <a:r>
+              <a:rPr lang="en-GB" dirty="0" smtClean="0"/>
+              <a:t> Server</a:t>
+            </a:r>
+          </a:p>
+          <a:p>
+            <a:pPr lvl="0"/>
+            <a:r>
+              <a:rPr lang="en-GB" dirty="0" err="1" smtClean="0"/>
+              <a:t>Asynchron</a:t>
+            </a:r>
+            <a:endParaRPr lang="en-GB" dirty="0" smtClean="0"/>
+          </a:p>
+          <a:p>
+            <a:pPr lvl="0"/>
+            <a:r>
+              <a:rPr lang="en-GB" dirty="0" smtClean="0"/>
+              <a:t>Event Listener Modell </a:t>
+            </a:r>
+            <a:r>
+              <a:rPr lang="en-GB" dirty="0" err="1" smtClean="0"/>
+              <a:t>mit</a:t>
+            </a:r>
+            <a:r>
+              <a:rPr lang="en-GB" dirty="0" smtClean="0"/>
+              <a:t> </a:t>
+            </a:r>
+            <a:r>
+              <a:rPr lang="en-GB" dirty="0" err="1" smtClean="0"/>
+              <a:t>Callbacks</a:t>
+            </a:r>
+            <a:endParaRPr lang="en-GB" dirty="0" smtClean="0"/>
+          </a:p>
+        </p:txBody>
+      </p:sp>
+      <p:sp>
+        <p:nvSpPr>
+          <p:cNvPr id="5" name="Rectangle 4"/>
+          <p:cNvSpPr/>
+          <p:nvPr/>
+        </p:nvSpPr>
+        <p:spPr>
+          <a:xfrm>
+            <a:off x="317146" y="3244882"/>
+            <a:ext cx="6096000" cy="3139321"/>
+          </a:xfrm>
+          <a:prstGeom prst="rect">
+            <a:avLst/>
+          </a:prstGeom>
+        </p:spPr>
+        <p:txBody>
+          <a:bodyPr>
+            <a:spAutoFit/>
+          </a:bodyPr>
+          <a:lstStyle/>
+          <a:p>
+            <a:r>
+              <a:rPr lang="de-DE" sz="1800" b="1" dirty="0" err="1">
+                <a:solidFill>
+                  <a:srgbClr val="7F0055"/>
+                </a:solidFill>
+                <a:latin typeface="Consolas"/>
+              </a:rPr>
+              <a:t>var</a:t>
+            </a:r>
+            <a:r>
+              <a:rPr lang="de-DE" sz="1800" b="1" dirty="0">
+                <a:solidFill>
+                  <a:srgbClr val="000000"/>
+                </a:solidFill>
+                <a:latin typeface="Consolas"/>
+              </a:rPr>
+              <a:t> </a:t>
+            </a:r>
+            <a:r>
+              <a:rPr lang="de-DE" sz="1800" b="1" dirty="0" err="1">
+                <a:solidFill>
+                  <a:srgbClr val="000000"/>
+                </a:solidFill>
+                <a:latin typeface="Consolas"/>
+              </a:rPr>
+              <a:t>ws</a:t>
+            </a:r>
+            <a:r>
+              <a:rPr lang="de-DE" sz="1800" b="1" dirty="0">
+                <a:solidFill>
+                  <a:srgbClr val="000000"/>
+                </a:solidFill>
+                <a:latin typeface="Consolas"/>
+              </a:rPr>
+              <a:t> = </a:t>
+            </a:r>
+            <a:r>
+              <a:rPr lang="de-DE" sz="1800" b="1" dirty="0" err="1">
+                <a:solidFill>
+                  <a:srgbClr val="000000"/>
+                </a:solidFill>
+                <a:latin typeface="Consolas"/>
+              </a:rPr>
+              <a:t>new</a:t>
+            </a:r>
+            <a:r>
+              <a:rPr lang="de-DE" sz="1800" b="1" dirty="0">
+                <a:solidFill>
+                  <a:srgbClr val="000000"/>
+                </a:solidFill>
+                <a:latin typeface="Consolas"/>
+              </a:rPr>
+              <a:t> </a:t>
+            </a:r>
+            <a:r>
+              <a:rPr lang="de-DE" sz="1800" b="1" dirty="0" err="1">
+                <a:solidFill>
+                  <a:srgbClr val="000000"/>
+                </a:solidFill>
+                <a:latin typeface="Consolas"/>
+              </a:rPr>
+              <a:t>WebSocket</a:t>
+            </a:r>
+            <a:r>
+              <a:rPr lang="de-DE" sz="1800" b="1" dirty="0">
+                <a:solidFill>
+                  <a:srgbClr val="000000"/>
+                </a:solidFill>
+                <a:latin typeface="Consolas"/>
+              </a:rPr>
+              <a:t>(</a:t>
+            </a:r>
+            <a:r>
+              <a:rPr lang="de-DE" sz="1800" dirty="0">
+                <a:solidFill>
+                  <a:srgbClr val="2A00FF"/>
+                </a:solidFill>
+                <a:latin typeface="Consolas"/>
+              </a:rPr>
+              <a:t>"</a:t>
+            </a:r>
+            <a:r>
+              <a:rPr lang="de-DE" sz="1800" dirty="0" err="1">
+                <a:solidFill>
+                  <a:srgbClr val="2A00FF"/>
+                </a:solidFill>
+                <a:latin typeface="Consolas"/>
+              </a:rPr>
+              <a:t>ws</a:t>
+            </a:r>
+            <a:r>
+              <a:rPr lang="de-DE" sz="1800" dirty="0">
+                <a:solidFill>
+                  <a:srgbClr val="2A00FF"/>
+                </a:solidFill>
+                <a:latin typeface="Consolas"/>
+              </a:rPr>
+              <a:t>://</a:t>
+            </a:r>
+            <a:r>
+              <a:rPr lang="de-DE" sz="1800" dirty="0" err="1">
+                <a:solidFill>
+                  <a:srgbClr val="2A00FF"/>
+                </a:solidFill>
+                <a:latin typeface="Consolas"/>
+              </a:rPr>
+              <a:t>host:port</a:t>
+            </a:r>
+            <a:r>
+              <a:rPr lang="de-DE" sz="1800" dirty="0" smtClean="0">
+                <a:solidFill>
+                  <a:srgbClr val="2A00FF"/>
+                </a:solidFill>
+                <a:latin typeface="Consolas"/>
+              </a:rPr>
+              <a:t>"</a:t>
+            </a:r>
+            <a:r>
+              <a:rPr lang="de-DE" sz="1800" b="1" dirty="0" smtClean="0">
+                <a:solidFill>
+                  <a:srgbClr val="000000"/>
+                </a:solidFill>
+                <a:latin typeface="Consolas"/>
+              </a:rPr>
+              <a:t>);</a:t>
+            </a:r>
+          </a:p>
+          <a:p>
+            <a:endParaRPr lang="en-GB" sz="1800" b="1" dirty="0">
+              <a:solidFill>
+                <a:srgbClr val="000000"/>
+              </a:solidFill>
+              <a:latin typeface="Consolas"/>
+            </a:endParaRPr>
+          </a:p>
+          <a:p>
+            <a:r>
+              <a:rPr lang="en-GB" sz="1800" b="1" dirty="0" err="1">
+                <a:solidFill>
+                  <a:srgbClr val="7F0055"/>
+                </a:solidFill>
+                <a:latin typeface="Consolas"/>
+              </a:rPr>
+              <a:t>ws.onopen</a:t>
+            </a:r>
+            <a:r>
+              <a:rPr lang="en-GB" sz="1800" b="1" dirty="0">
+                <a:solidFill>
+                  <a:srgbClr val="7F0055"/>
+                </a:solidFill>
+                <a:latin typeface="Consolas"/>
+              </a:rPr>
+              <a:t> = function(event) </a:t>
+            </a:r>
+            <a:r>
+              <a:rPr lang="en-GB" sz="1800" b="1" dirty="0" smtClean="0">
+                <a:solidFill>
+                  <a:srgbClr val="7F0055"/>
+                </a:solidFill>
+                <a:latin typeface="Consolas"/>
+              </a:rPr>
+              <a:t>{};</a:t>
+            </a:r>
+            <a:endParaRPr lang="en-GB" sz="1800" b="1" dirty="0" smtClean="0">
+              <a:solidFill>
+                <a:srgbClr val="000000"/>
+              </a:solidFill>
+              <a:latin typeface="Consolas"/>
+            </a:endParaRPr>
+          </a:p>
+          <a:p>
+            <a:r>
+              <a:rPr lang="en-GB" sz="1800" b="1" dirty="0" err="1">
+                <a:solidFill>
+                  <a:srgbClr val="7F0055"/>
+                </a:solidFill>
+                <a:latin typeface="Consolas"/>
+              </a:rPr>
+              <a:t>ws.onerror</a:t>
+            </a:r>
+            <a:r>
+              <a:rPr lang="en-GB" sz="1800" b="1" dirty="0">
+                <a:solidFill>
+                  <a:srgbClr val="7F0055"/>
+                </a:solidFill>
+                <a:latin typeface="Consolas"/>
+              </a:rPr>
+              <a:t> = function(event) </a:t>
+            </a:r>
+            <a:r>
+              <a:rPr lang="en-GB" sz="1800" b="1" dirty="0" smtClean="0">
+                <a:solidFill>
+                  <a:srgbClr val="7F0055"/>
+                </a:solidFill>
+                <a:latin typeface="Consolas"/>
+              </a:rPr>
+              <a:t>{};</a:t>
+            </a:r>
+            <a:endParaRPr lang="en-GB" sz="1800" b="1" dirty="0" smtClean="0">
+              <a:solidFill>
+                <a:srgbClr val="000000"/>
+              </a:solidFill>
+              <a:latin typeface="Consolas"/>
+            </a:endParaRPr>
+          </a:p>
+          <a:p>
+            <a:endParaRPr lang="de-DE" sz="1800" b="1" dirty="0" smtClean="0">
+              <a:solidFill>
+                <a:srgbClr val="000000"/>
+              </a:solidFill>
+              <a:latin typeface="Consolas"/>
+            </a:endParaRPr>
+          </a:p>
+          <a:p>
+            <a:r>
+              <a:rPr lang="en-GB" sz="1800" b="1" dirty="0" err="1" smtClean="0">
+                <a:solidFill>
+                  <a:srgbClr val="000000"/>
+                </a:solidFill>
+                <a:latin typeface="Consolas"/>
+              </a:rPr>
+              <a:t>ws.send</a:t>
+            </a:r>
+            <a:r>
+              <a:rPr lang="en-GB" sz="1800" b="1" dirty="0" smtClean="0">
+                <a:solidFill>
+                  <a:srgbClr val="000000"/>
+                </a:solidFill>
+                <a:latin typeface="Consolas"/>
+              </a:rPr>
+              <a:t>(</a:t>
+            </a:r>
+            <a:r>
+              <a:rPr lang="de-DE" sz="1800" dirty="0" smtClean="0">
+                <a:solidFill>
+                  <a:srgbClr val="2A00FF"/>
+                </a:solidFill>
+                <a:latin typeface="Consolas"/>
+              </a:rPr>
+              <a:t>"</a:t>
+            </a:r>
+            <a:r>
+              <a:rPr lang="de-DE" sz="1800" dirty="0" err="1" smtClean="0">
+                <a:solidFill>
+                  <a:srgbClr val="2A00FF"/>
+                </a:solidFill>
+                <a:latin typeface="Consolas"/>
+              </a:rPr>
+              <a:t>Hello</a:t>
+            </a:r>
+            <a:r>
+              <a:rPr lang="de-DE" sz="1800" dirty="0" smtClean="0">
+                <a:solidFill>
+                  <a:srgbClr val="2A00FF"/>
+                </a:solidFill>
+                <a:latin typeface="Consolas"/>
+              </a:rPr>
+              <a:t> </a:t>
+            </a:r>
+            <a:r>
+              <a:rPr lang="de-DE" sz="1800" dirty="0" err="1" smtClean="0">
+                <a:solidFill>
+                  <a:srgbClr val="2A00FF"/>
+                </a:solidFill>
+                <a:latin typeface="Consolas"/>
+              </a:rPr>
+              <a:t>world</a:t>
+            </a:r>
+            <a:r>
+              <a:rPr lang="de-DE" sz="1800" dirty="0" smtClean="0">
+                <a:solidFill>
+                  <a:srgbClr val="2A00FF"/>
+                </a:solidFill>
+                <a:latin typeface="Consolas"/>
+              </a:rPr>
+              <a:t>!"</a:t>
+            </a:r>
+            <a:r>
+              <a:rPr lang="de-DE" sz="1800" b="1" dirty="0" smtClean="0">
+                <a:solidFill>
+                  <a:srgbClr val="000000"/>
+                </a:solidFill>
+                <a:latin typeface="Consolas"/>
+              </a:rPr>
+              <a:t>);</a:t>
+            </a:r>
+          </a:p>
+          <a:p>
+            <a:endParaRPr lang="de-DE" sz="1800" b="1" dirty="0">
+              <a:solidFill>
+                <a:srgbClr val="000000"/>
+              </a:solidFill>
+              <a:latin typeface="Consolas"/>
+            </a:endParaRPr>
+          </a:p>
+          <a:p>
+            <a:r>
+              <a:rPr lang="en-GB" sz="1800" b="1" dirty="0" err="1" smtClean="0">
+                <a:solidFill>
+                  <a:srgbClr val="7F0055"/>
+                </a:solidFill>
+                <a:latin typeface="Consolas"/>
+              </a:rPr>
+              <a:t>ws.onmessage</a:t>
+            </a:r>
+            <a:r>
+              <a:rPr lang="en-GB" sz="1800" b="1" dirty="0" smtClean="0">
+                <a:solidFill>
+                  <a:srgbClr val="7F0055"/>
+                </a:solidFill>
+                <a:latin typeface="Consolas"/>
+              </a:rPr>
+              <a:t> </a:t>
+            </a:r>
+            <a:r>
+              <a:rPr lang="en-GB" sz="1800" b="1" dirty="0">
+                <a:solidFill>
+                  <a:srgbClr val="7F0055"/>
+                </a:solidFill>
+                <a:latin typeface="Consolas"/>
+              </a:rPr>
+              <a:t>= function(event) </a:t>
+            </a:r>
+            <a:r>
+              <a:rPr lang="en-GB" sz="1800" b="1" dirty="0" smtClean="0">
+                <a:solidFill>
+                  <a:srgbClr val="7F0055"/>
+                </a:solidFill>
+                <a:latin typeface="Consolas"/>
+              </a:rPr>
+              <a:t>{</a:t>
+            </a:r>
+          </a:p>
+          <a:p>
+            <a:r>
+              <a:rPr lang="en-GB" sz="1800" b="1" dirty="0" smtClean="0">
+                <a:solidFill>
+                  <a:srgbClr val="7F0055"/>
+                </a:solidFill>
+                <a:latin typeface="Consolas"/>
+              </a:rPr>
+              <a:t>    </a:t>
+            </a:r>
+            <a:r>
+              <a:rPr lang="de-DE" sz="1800" dirty="0" smtClean="0">
+                <a:solidFill>
+                  <a:srgbClr val="3F7F5F"/>
+                </a:solidFill>
+                <a:latin typeface="Consolas"/>
+              </a:rPr>
+              <a:t>//Zugriff auf Daten mit </a:t>
+            </a:r>
+            <a:r>
+              <a:rPr lang="de-DE" sz="1800" dirty="0" err="1" smtClean="0">
+                <a:solidFill>
+                  <a:srgbClr val="3F7F5F"/>
+                </a:solidFill>
+                <a:latin typeface="Consolas"/>
+              </a:rPr>
+              <a:t>event.data</a:t>
+            </a:r>
+            <a:endParaRPr lang="en-GB" sz="1800" b="1" dirty="0">
+              <a:solidFill>
+                <a:srgbClr val="7F0055"/>
+              </a:solidFill>
+              <a:latin typeface="Consolas"/>
+            </a:endParaRPr>
+          </a:p>
+          <a:p>
+            <a:r>
+              <a:rPr lang="en-GB" sz="1800" b="1" dirty="0" smtClean="0">
+                <a:solidFill>
+                  <a:srgbClr val="7F0055"/>
+                </a:solidFill>
+                <a:latin typeface="Consolas"/>
+              </a:rPr>
+              <a:t>}; </a:t>
+            </a:r>
+            <a:endParaRPr lang="en-GB" sz="1800" b="1" dirty="0">
+              <a:solidFill>
+                <a:srgbClr val="7F0055"/>
+              </a:solidFill>
+              <a:latin typeface="Consolas"/>
+            </a:endParaRPr>
+          </a:p>
+          <a:p>
+            <a:r>
+              <a:rPr lang="en-GB" sz="1800" b="1" dirty="0" err="1" smtClean="0">
+                <a:solidFill>
+                  <a:srgbClr val="7F0055"/>
+                </a:solidFill>
+                <a:latin typeface="Consolas"/>
+              </a:rPr>
+              <a:t>ws.onclose</a:t>
+            </a:r>
+            <a:r>
+              <a:rPr lang="en-GB" sz="1800" b="1" dirty="0" smtClean="0">
+                <a:solidFill>
+                  <a:srgbClr val="7F0055"/>
+                </a:solidFill>
+                <a:latin typeface="Consolas"/>
+              </a:rPr>
+              <a:t> </a:t>
+            </a:r>
+            <a:r>
+              <a:rPr lang="en-GB" sz="1800" b="1" dirty="0">
+                <a:solidFill>
+                  <a:srgbClr val="7F0055"/>
+                </a:solidFill>
+                <a:latin typeface="Consolas"/>
+              </a:rPr>
+              <a:t>= function(event) </a:t>
+            </a:r>
+            <a:r>
+              <a:rPr lang="en-GB" sz="1800" b="1" dirty="0" smtClean="0">
+                <a:solidFill>
+                  <a:srgbClr val="7F0055"/>
+                </a:solidFill>
+                <a:latin typeface="Consolas"/>
+              </a:rPr>
+              <a:t>{};</a:t>
+            </a:r>
+            <a:endParaRPr lang="en-GB" sz="1800" b="1" dirty="0">
+              <a:solidFill>
+                <a:srgbClr val="7F0055"/>
+              </a:solidFill>
+              <a:latin typeface="Consolas"/>
+            </a:endParaRPr>
+          </a:p>
+        </p:txBody>
+      </p:sp>
+    </p:spTree>
+    <p:extLst>
+      <p:ext uri="{BB962C8B-B14F-4D97-AF65-F5344CB8AC3E}">
+        <p14:creationId xmlns:p14="http://schemas.microsoft.com/office/powerpoint/2010/main" val="2747403211"/>
+      </p:ext>
+    </p:extLst>
+  </p:cSld>
+  <p:clrMapOvr>
+    <a:masterClrMapping/>
+  </p:clrMapOvr>
+  <p:transition spd="med"/>
+  <p:timing>
+    <p:tnLst>
+      <p:par>
+        <p:cTn id="1" dur="indefinite" restart="never" nodeType="tmRoot"/>
+      </p:par>
+    </p:tnLst>
+  </p:timing>
+</p:sld>
+</file>
+
+<file path=ppt/slides/slide65.xml><?xml version="1.0" encoding="utf-8"?>
+<p:sld xmlns:a="http://schemas.openxmlformats.org/drawingml/2006/main" xmlns:r="http://schemas.openxmlformats.org/officeDocument/2006/relationships" xmlns:p="http://schemas.openxmlformats.org/presentationml/2006/main">
+  <p:cSld>
+    <p:spTree>
+      <p:nvGrpSpPr>
+        <p:cNvPr id="1" name=""/>
+        <p:cNvGrpSpPr/>
+        <p:nvPr/>
+      </p:nvGrpSpPr>
+      <p:grpSpPr>
+        <a:xfrm>
+          <a:off x="0" y="0"/>
+          <a:ext cx="0" cy="0"/>
+          <a:chOff x="0" y="0"/>
+          <a:chExt cx="0" cy="0"/>
+        </a:xfrm>
+      </p:grpSpPr>
+      <p:sp>
+        <p:nvSpPr>
+          <p:cNvPr id="2" name="Title 1"/>
+          <p:cNvSpPr>
+            <a:spLocks noGrp="1"/>
+          </p:cNvSpPr>
+          <p:nvPr>
+            <p:ph type="title"/>
+          </p:nvPr>
+        </p:nvSpPr>
+        <p:spPr/>
+        <p:txBody>
+          <a:bodyPr/>
+          <a:lstStyle/>
+          <a:p>
+            <a:r>
+              <a:rPr lang="en-US" dirty="0" err="1" smtClean="0"/>
+              <a:t>WebSockets</a:t>
+            </a:r>
+            <a:endParaRPr lang="en-US" dirty="0"/>
+          </a:p>
+        </p:txBody>
+      </p:sp>
+      <p:sp>
+        <p:nvSpPr>
+          <p:cNvPr id="8" name="Text Placeholder 2"/>
+          <p:cNvSpPr>
+            <a:spLocks noGrp="1"/>
+          </p:cNvSpPr>
+          <p:nvPr>
+            <p:ph type="body" sz="quarter" idx="10"/>
+          </p:nvPr>
+        </p:nvSpPr>
+        <p:spPr>
+          <a:xfrm>
+            <a:off x="324000" y="1261466"/>
+            <a:ext cx="11545200" cy="4392043"/>
+          </a:xfrm>
+        </p:spPr>
+        <p:txBody>
+          <a:bodyPr/>
+          <a:lstStyle/>
+          <a:p>
+            <a:pPr lvl="0"/>
+            <a:r>
+              <a:rPr lang="en-US" dirty="0" err="1" smtClean="0"/>
+              <a:t>Übung</a:t>
+            </a:r>
+            <a:r>
+              <a:rPr lang="en-US" dirty="0" smtClean="0"/>
+              <a:t> 1: </a:t>
+            </a:r>
+            <a:r>
+              <a:rPr lang="en-US" b="0" dirty="0" err="1" smtClean="0"/>
+              <a:t>Implementiere</a:t>
+            </a:r>
+            <a:r>
+              <a:rPr lang="en-US" b="0" dirty="0" smtClean="0"/>
+              <a:t> </a:t>
+            </a:r>
+            <a:r>
+              <a:rPr lang="en-US" b="0" dirty="0" err="1" smtClean="0"/>
+              <a:t>im</a:t>
+            </a:r>
+            <a:r>
+              <a:rPr lang="en-US" b="0" dirty="0"/>
+              <a:t> </a:t>
+            </a:r>
+            <a:r>
+              <a:rPr lang="en-US" b="0" dirty="0" smtClean="0"/>
+              <a:t>“</a:t>
+            </a:r>
+            <a:r>
+              <a:rPr lang="en-US" b="0" dirty="0" err="1" smtClean="0"/>
+              <a:t>WebSockets</a:t>
+            </a:r>
+            <a:r>
+              <a:rPr lang="en-US" b="0" dirty="0" smtClean="0"/>
+              <a:t>” Tab </a:t>
+            </a:r>
+            <a:r>
+              <a:rPr lang="en-US" b="0" dirty="0" err="1" smtClean="0"/>
+              <a:t>zur</a:t>
+            </a:r>
+            <a:r>
+              <a:rPr lang="en-US" b="0" dirty="0" smtClean="0"/>
+              <a:t> </a:t>
+            </a:r>
+            <a:r>
+              <a:rPr lang="en-US" b="0" dirty="0" err="1" smtClean="0"/>
+              <a:t>Kommunikation</a:t>
+            </a:r>
+            <a:r>
+              <a:rPr lang="en-US" b="0" dirty="0" smtClean="0"/>
+              <a:t> </a:t>
+            </a:r>
+            <a:r>
+              <a:rPr lang="en-US" b="0" dirty="0" err="1" smtClean="0"/>
+              <a:t>mit</a:t>
+            </a:r>
+            <a:r>
+              <a:rPr lang="en-US" b="0" dirty="0" smtClean="0"/>
+              <a:t> den </a:t>
+            </a:r>
+            <a:r>
+              <a:rPr lang="en-US" b="0" dirty="0" err="1" smtClean="0"/>
+              <a:t>anderen</a:t>
+            </a:r>
+            <a:r>
+              <a:rPr lang="en-US" b="0" dirty="0" smtClean="0"/>
+              <a:t> </a:t>
+            </a:r>
+            <a:r>
+              <a:rPr lang="en-US" b="0" dirty="0" err="1" smtClean="0"/>
+              <a:t>Teilnehmern</a:t>
+            </a:r>
+            <a:r>
+              <a:rPr lang="en-US" b="0" dirty="0" smtClean="0"/>
+              <a:t> </a:t>
+            </a:r>
+            <a:r>
+              <a:rPr lang="en-US" b="0" dirty="0" err="1" smtClean="0"/>
+              <a:t>einen</a:t>
+            </a:r>
+            <a:r>
+              <a:rPr lang="en-US" b="0" dirty="0" smtClean="0"/>
+              <a:t> Chat. </a:t>
+            </a:r>
+            <a:r>
+              <a:rPr lang="en-US" dirty="0"/>
+              <a:t/>
+            </a:r>
+            <a:br>
+              <a:rPr lang="en-US" dirty="0"/>
+            </a:br>
+            <a:r>
+              <a:rPr lang="en-US" dirty="0" err="1" smtClean="0"/>
+              <a:t>Hinweis</a:t>
+            </a:r>
+            <a:r>
+              <a:rPr lang="en-US" dirty="0" smtClean="0"/>
+              <a:t> 1: </a:t>
+            </a:r>
+            <a:r>
+              <a:rPr lang="en-US" b="0" dirty="0" err="1" smtClean="0"/>
+              <a:t>Suche</a:t>
+            </a:r>
+            <a:r>
+              <a:rPr lang="en-US" b="0" dirty="0" smtClean="0"/>
+              <a:t> </a:t>
+            </a:r>
+            <a:r>
+              <a:rPr lang="en-US" b="0" dirty="0" err="1" smtClean="0"/>
+              <a:t>im</a:t>
+            </a:r>
+            <a:r>
+              <a:rPr lang="en-US" b="0" dirty="0" smtClean="0"/>
+              <a:t> HTML </a:t>
+            </a:r>
+            <a:r>
+              <a:rPr lang="en-US" b="0" dirty="0" err="1" smtClean="0"/>
+              <a:t>oder</a:t>
+            </a:r>
+            <a:r>
+              <a:rPr lang="en-US" b="0" dirty="0" smtClean="0"/>
+              <a:t> </a:t>
+            </a:r>
+            <a:r>
+              <a:rPr lang="en-US" b="0" dirty="0" err="1" smtClean="0"/>
+              <a:t>mithilfe</a:t>
+            </a:r>
+            <a:r>
+              <a:rPr lang="en-US" b="0" dirty="0" smtClean="0"/>
+              <a:t> der Developer Tools </a:t>
+            </a:r>
+            <a:r>
+              <a:rPr lang="en-US" b="0" dirty="0" err="1" smtClean="0"/>
+              <a:t>selbst</a:t>
+            </a:r>
+            <a:r>
+              <a:rPr lang="en-US" b="0" dirty="0" smtClean="0"/>
+              <a:t> </a:t>
+            </a:r>
+            <a:r>
+              <a:rPr lang="en-US" b="0" dirty="0" err="1" smtClean="0"/>
+              <a:t>nach</a:t>
+            </a:r>
+            <a:r>
+              <a:rPr lang="en-US" b="0" dirty="0" smtClean="0"/>
+              <a:t> </a:t>
+            </a:r>
+            <a:r>
+              <a:rPr lang="en-US" b="0" dirty="0" err="1" smtClean="0"/>
+              <a:t>geeigneten</a:t>
+            </a:r>
+            <a:r>
+              <a:rPr lang="en-US" b="0" dirty="0" smtClean="0"/>
+              <a:t> </a:t>
+            </a:r>
+            <a:r>
+              <a:rPr lang="en-US" b="0" dirty="0" err="1" smtClean="0"/>
+              <a:t>Elementen</a:t>
+            </a:r>
+            <a:r>
+              <a:rPr lang="en-US" b="0" dirty="0" smtClean="0"/>
+              <a:t> </a:t>
+            </a:r>
+            <a:r>
+              <a:rPr lang="en-US" b="0" dirty="0" err="1" smtClean="0"/>
+              <a:t>zur</a:t>
+            </a:r>
+            <a:r>
+              <a:rPr lang="en-US" b="0" dirty="0" smtClean="0"/>
+              <a:t> </a:t>
+            </a:r>
+            <a:r>
+              <a:rPr lang="en-US" b="0" dirty="0" err="1" smtClean="0"/>
+              <a:t>Ein</a:t>
+            </a:r>
+            <a:r>
+              <a:rPr lang="en-US" b="0" dirty="0" smtClean="0"/>
+              <a:t>- und </a:t>
+            </a:r>
+            <a:r>
+              <a:rPr lang="en-US" b="0" dirty="0" err="1" smtClean="0"/>
+              <a:t>Ausgabe</a:t>
+            </a:r>
+            <a:r>
+              <a:rPr lang="en-US" b="0" dirty="0" smtClean="0"/>
+              <a:t>. </a:t>
+            </a:r>
+            <a:br>
+              <a:rPr lang="en-US" b="0" dirty="0" smtClean="0"/>
+            </a:br>
+            <a:r>
+              <a:rPr lang="en-US" dirty="0" err="1" smtClean="0"/>
+              <a:t>Hinweis</a:t>
+            </a:r>
+            <a:r>
+              <a:rPr lang="en-US" dirty="0" smtClean="0"/>
+              <a:t> 2: </a:t>
+            </a:r>
+            <a:r>
+              <a:rPr lang="en-US" b="0" dirty="0" err="1" smtClean="0"/>
+              <a:t>Benutze</a:t>
+            </a:r>
+            <a:r>
+              <a:rPr lang="en-US" b="0" dirty="0" smtClean="0"/>
+              <a:t> </a:t>
+            </a:r>
+            <a:r>
+              <a:rPr lang="en-US" b="0" dirty="0" err="1" smtClean="0"/>
+              <a:t>als</a:t>
+            </a:r>
+            <a:r>
+              <a:rPr lang="en-US" b="0" dirty="0" smtClean="0"/>
+              <a:t> Host den String </a:t>
+            </a:r>
+            <a:r>
+              <a:rPr lang="en-US" sz="1800" b="0" dirty="0">
+                <a:solidFill>
+                  <a:srgbClr val="000000"/>
+                </a:solidFill>
+                <a:latin typeface="Consolas"/>
+              </a:rPr>
+              <a:t>ws://jscc.herokuapp.com</a:t>
+            </a:r>
+            <a:r>
+              <a:rPr lang="en-US" b="0" dirty="0" smtClean="0"/>
+              <a:t>.</a:t>
+            </a:r>
+            <a:endParaRPr lang="en-US" dirty="0" smtClean="0"/>
+          </a:p>
+        </p:txBody>
+      </p:sp>
+    </p:spTree>
+    <p:extLst>
+      <p:ext uri="{BB962C8B-B14F-4D97-AF65-F5344CB8AC3E}">
+        <p14:creationId xmlns:p14="http://schemas.microsoft.com/office/powerpoint/2010/main" val="3857122950"/>
+      </p:ext>
+    </p:extLst>
+  </p:cSld>
+  <p:clrMapOvr>
+    <a:masterClrMapping/>
+  </p:clrMapOvr>
+  <p:transition spd="med"/>
+  <p:timing>
+    <p:tnLst>
+      <p:par>
+        <p:cTn id="1" dur="indefinite" restart="never" nodeType="tmRoot"/>
+      </p:par>
+    </p:tnLst>
+  </p:timing>
+</p:sld>
+</file>
+
+<file path=ppt/slides/slide66.xml><?xml version="1.0" encoding="utf-8"?>
+<p:sld xmlns:a="http://schemas.openxmlformats.org/drawingml/2006/main" xmlns:r="http://schemas.openxmlformats.org/officeDocument/2006/relationships" xmlns:p="http://schemas.openxmlformats.org/presentationml/2006/main">
+  <p:cSld>
+    <p:spTree>
+      <p:nvGrpSpPr>
+        <p:cNvPr id="1" name=""/>
+        <p:cNvGrpSpPr/>
+        <p:nvPr/>
+      </p:nvGrpSpPr>
+      <p:grpSpPr>
+        <a:xfrm>
+          <a:off x="0" y="0"/>
+          <a:ext cx="0" cy="0"/>
+          <a:chOff x="0" y="0"/>
+          <a:chExt cx="0" cy="0"/>
+        </a:xfrm>
+      </p:grpSpPr>
+      <p:sp>
+        <p:nvSpPr>
           <p:cNvPr id="5" name="Title 4"/>
           <p:cNvSpPr>
             <a:spLocks noGrp="1"/>
@@ -46837,7 +48499,7 @@
 </p:sld>
 </file>
 
-<file path=ppt/slides/slide64.xml><?xml version="1.0" encoding="utf-8"?>
+<file path=ppt/slides/slide67.xml><?xml version="1.0" encoding="utf-8"?>
 <p:sld xmlns:a="http://schemas.openxmlformats.org/drawingml/2006/main" xmlns:r="http://schemas.openxmlformats.org/officeDocument/2006/relationships" xmlns:p="http://schemas.openxmlformats.org/presentationml/2006/main" show="0">
   <p:cSld>
     <p:spTree>
@@ -46870,7 +48532,7 @@
 </p:sld>
 </file>
 
-<file path=ppt/slides/slide65.xml><?xml version="1.0" encoding="utf-8"?>
+<file path=ppt/slides/slide68.xml><?xml version="1.0" encoding="utf-8"?>
 <p:sld xmlns:a="http://schemas.openxmlformats.org/drawingml/2006/main" xmlns:r="http://schemas.openxmlformats.org/officeDocument/2006/relationships" xmlns:p="http://schemas.openxmlformats.org/presentationml/2006/main" show="0">
   <p:cSld>
     <p:spTree>
